--- a/present/AISTATS-2022/one-true-loss.pptx
+++ b/present/AISTATS-2022/one-true-loss.pptx
@@ -4,10 +4,20 @@
   <p:sldMasterIdLst>
     <p:sldMasterId id="2147483648" r:id="rId1"/>
   </p:sldMasterIdLst>
+  <p:notesMasterIdLst>
+    <p:notesMasterId r:id="rId12"/>
+  </p:notesMasterIdLst>
   <p:sldIdLst>
-    <p:sldId id="256" r:id="rId2"/>
-    <p:sldId id="258" r:id="rId3"/>
-    <p:sldId id="257" r:id="rId4"/>
+    <p:sldId id="258" r:id="rId2"/>
+    <p:sldId id="260" r:id="rId3"/>
+    <p:sldId id="261" r:id="rId4"/>
+    <p:sldId id="262" r:id="rId5"/>
+    <p:sldId id="259" r:id="rId6"/>
+    <p:sldId id="266" r:id="rId7"/>
+    <p:sldId id="257" r:id="rId8"/>
+    <p:sldId id="263" r:id="rId9"/>
+    <p:sldId id="264" r:id="rId10"/>
+    <p:sldId id="265" r:id="rId11"/>
   </p:sldIdLst>
   <p:sldSz cx="12192000" cy="6858000"/>
   <p:notesSz cx="6858000" cy="9144000"/>
@@ -111,25 +121,479 @@
       <p14:sectionLst xmlns:p14="http://schemas.microsoft.com/office/powerpoint/2010/main">
         <p14:section name="Overview of PDGs" id="{C38E23F1-F862-4DB7-91C1-FB193CC205FB}">
           <p14:sldIdLst>
-            <p14:sldId id="256"/>
             <p14:sldId id="258"/>
           </p14:sldIdLst>
         </p14:section>
         <p14:section name="Simple Metrics" id="{6AD7253B-FC1E-49A8-ABF8-CC2F13DBC12F}">
-          <p14:sldIdLst/>
+          <p14:sldIdLst>
+            <p14:sldId id="260"/>
+            <p14:sldId id="261"/>
+            <p14:sldId id="262"/>
+          </p14:sldIdLst>
         </p14:section>
         <p14:section name="Divergences" id="{5D586337-179F-4CE8-9E8C-7770FE24BE73}">
-          <p14:sldIdLst/>
+          <p14:sldIdLst>
+            <p14:sldId id="259"/>
+            <p14:sldId id="266"/>
+          </p14:sldIdLst>
         </p14:section>
         <p14:section name="Variational" id="{4A4C5402-8122-4DEA-8CFF-C59FCEE49747}">
           <p14:sldIdLst>
             <p14:sldId id="257"/>
+            <p14:sldId id="263"/>
+            <p14:sldId id="264"/>
+            <p14:sldId id="265"/>
           </p14:sldIdLst>
+        </p14:section>
+        <p14:section name="Untitled Section" id="{92B61ADC-03E1-48F9-99C0-F34C56AF93F6}">
+          <p14:sldIdLst/>
+        </p14:section>
+        <p14:section name="Free Energy" id="{B273B2D4-B297-41A3-BF58-0F3AB0D1393D}">
+          <p14:sldIdLst/>
+        </p14:section>
+        <p14:section name="Modeling Example" id="{18B9D592-F154-4D33-9256-1E66E62E4FE1}">
+          <p14:sldIdLst/>
         </p14:section>
       </p14:sectionLst>
     </p:ext>
+    <p:ext uri="{EFAFB233-063F-42B5-8137-9DF3F51BA10A}">
+      <p15:sldGuideLst xmlns:p15="http://schemas.microsoft.com/office/powerpoint/2012/main"/>
+    </p:ext>
   </p:extLst>
 </p:presentation>
+</file>
+
+<file path=ppt/notesMasters/notesMaster1.xml><?xml version="1.0" encoding="utf-8"?>
+<p:notesMaster xmlns:a="http://schemas.openxmlformats.org/drawingml/2006/main" xmlns:r="http://schemas.openxmlformats.org/officeDocument/2006/relationships" xmlns:p="http://schemas.openxmlformats.org/presentationml/2006/main">
+  <p:cSld>
+    <p:bg>
+      <p:bgRef idx="1001">
+        <a:schemeClr val="bg1"/>
+      </p:bgRef>
+    </p:bg>
+    <p:spTree>
+      <p:nvGrpSpPr>
+        <p:cNvPr id="1" name=""/>
+        <p:cNvGrpSpPr/>
+        <p:nvPr/>
+      </p:nvGrpSpPr>
+      <p:grpSpPr>
+        <a:xfrm>
+          <a:off x="0" y="0"/>
+          <a:ext cx="0" cy="0"/>
+          <a:chOff x="0" y="0"/>
+          <a:chExt cx="0" cy="0"/>
+        </a:xfrm>
+      </p:grpSpPr>
+      <p:sp>
+        <p:nvSpPr>
+          <p:cNvPr id="2" name="Header Placeholder 1"/>
+          <p:cNvSpPr>
+            <a:spLocks noGrp="1"/>
+          </p:cNvSpPr>
+          <p:nvPr>
+            <p:ph type="hdr" sz="quarter"/>
+          </p:nvPr>
+        </p:nvSpPr>
+        <p:spPr>
+          <a:xfrm>
+            <a:off x="0" y="0"/>
+            <a:ext cx="2971800" cy="458788"/>
+          </a:xfrm>
+          <a:prstGeom prst="rect">
+            <a:avLst/>
+          </a:prstGeom>
+        </p:spPr>
+        <p:txBody>
+          <a:bodyPr vert="horz" lIns="91440" tIns="45720" rIns="91440" bIns="45720" rtlCol="0"/>
+          <a:lstStyle>
+            <a:lvl1pPr algn="l">
+              <a:defRPr sz="1200"/>
+            </a:lvl1pPr>
+          </a:lstStyle>
+          <a:p>
+            <a:endParaRPr lang="en-US"/>
+          </a:p>
+        </p:txBody>
+      </p:sp>
+      <p:sp>
+        <p:nvSpPr>
+          <p:cNvPr id="3" name="Date Placeholder 2"/>
+          <p:cNvSpPr>
+            <a:spLocks noGrp="1"/>
+          </p:cNvSpPr>
+          <p:nvPr>
+            <p:ph type="dt" idx="1"/>
+          </p:nvPr>
+        </p:nvSpPr>
+        <p:spPr>
+          <a:xfrm>
+            <a:off x="3884613" y="0"/>
+            <a:ext cx="2971800" cy="458788"/>
+          </a:xfrm>
+          <a:prstGeom prst="rect">
+            <a:avLst/>
+          </a:prstGeom>
+        </p:spPr>
+        <p:txBody>
+          <a:bodyPr vert="horz" lIns="91440" tIns="45720" rIns="91440" bIns="45720" rtlCol="0"/>
+          <a:lstStyle>
+            <a:lvl1pPr algn="r">
+              <a:defRPr sz="1200"/>
+            </a:lvl1pPr>
+          </a:lstStyle>
+          <a:p>
+            <a:fld id="{F5DDDE9D-E35D-4903-86F5-E1B8CFAF0592}" type="datetimeFigureOut">
+              <a:rPr lang="en-US" smtClean="0"/>
+              <a:t>3/10/2022</a:t>
+            </a:fld>
+            <a:endParaRPr lang="en-US"/>
+          </a:p>
+        </p:txBody>
+      </p:sp>
+      <p:sp>
+        <p:nvSpPr>
+          <p:cNvPr id="4" name="Slide Image Placeholder 3"/>
+          <p:cNvSpPr>
+            <a:spLocks noGrp="1" noRot="1" noChangeAspect="1"/>
+          </p:cNvSpPr>
+          <p:nvPr>
+            <p:ph type="sldImg" idx="2"/>
+          </p:nvPr>
+        </p:nvSpPr>
+        <p:spPr>
+          <a:xfrm>
+            <a:off x="685800" y="1143000"/>
+            <a:ext cx="5486400" cy="3086100"/>
+          </a:xfrm>
+          <a:prstGeom prst="rect">
+            <a:avLst/>
+          </a:prstGeom>
+          <a:noFill/>
+          <a:ln w="12700">
+            <a:solidFill>
+              <a:prstClr val="black"/>
+            </a:solidFill>
+          </a:ln>
+        </p:spPr>
+        <p:txBody>
+          <a:bodyPr vert="horz" lIns="91440" tIns="45720" rIns="91440" bIns="45720" rtlCol="0" anchor="ctr"/>
+          <a:lstStyle/>
+          <a:p>
+            <a:endParaRPr lang="en-US"/>
+          </a:p>
+        </p:txBody>
+      </p:sp>
+      <p:sp>
+        <p:nvSpPr>
+          <p:cNvPr id="5" name="Notes Placeholder 4"/>
+          <p:cNvSpPr>
+            <a:spLocks noGrp="1"/>
+          </p:cNvSpPr>
+          <p:nvPr>
+            <p:ph type="body" sz="quarter" idx="3"/>
+          </p:nvPr>
+        </p:nvSpPr>
+        <p:spPr>
+          <a:xfrm>
+            <a:off x="685800" y="4400550"/>
+            <a:ext cx="5486400" cy="3600450"/>
+          </a:xfrm>
+          <a:prstGeom prst="rect">
+            <a:avLst/>
+          </a:prstGeom>
+        </p:spPr>
+        <p:txBody>
+          <a:bodyPr vert="horz" lIns="91440" tIns="45720" rIns="91440" bIns="45720" rtlCol="0"/>
+          <a:lstStyle/>
+          <a:p>
+            <a:pPr lvl="0"/>
+            <a:r>
+              <a:rPr lang="en-US"/>
+              <a:t>Click to edit Master text styles</a:t>
+            </a:r>
+          </a:p>
+          <a:p>
+            <a:pPr lvl="1"/>
+            <a:r>
+              <a:rPr lang="en-US"/>
+              <a:t>Second level</a:t>
+            </a:r>
+          </a:p>
+          <a:p>
+            <a:pPr lvl="2"/>
+            <a:r>
+              <a:rPr lang="en-US"/>
+              <a:t>Third level</a:t>
+            </a:r>
+          </a:p>
+          <a:p>
+            <a:pPr lvl="3"/>
+            <a:r>
+              <a:rPr lang="en-US"/>
+              <a:t>Fourth level</a:t>
+            </a:r>
+          </a:p>
+          <a:p>
+            <a:pPr lvl="4"/>
+            <a:r>
+              <a:rPr lang="en-US"/>
+              <a:t>Fifth level</a:t>
+            </a:r>
+          </a:p>
+        </p:txBody>
+      </p:sp>
+      <p:sp>
+        <p:nvSpPr>
+          <p:cNvPr id="6" name="Footer Placeholder 5"/>
+          <p:cNvSpPr>
+            <a:spLocks noGrp="1"/>
+          </p:cNvSpPr>
+          <p:nvPr>
+            <p:ph type="ftr" sz="quarter" idx="4"/>
+          </p:nvPr>
+        </p:nvSpPr>
+        <p:spPr>
+          <a:xfrm>
+            <a:off x="0" y="8685213"/>
+            <a:ext cx="2971800" cy="458787"/>
+          </a:xfrm>
+          <a:prstGeom prst="rect">
+            <a:avLst/>
+          </a:prstGeom>
+        </p:spPr>
+        <p:txBody>
+          <a:bodyPr vert="horz" lIns="91440" tIns="45720" rIns="91440" bIns="45720" rtlCol="0" anchor="b"/>
+          <a:lstStyle>
+            <a:lvl1pPr algn="l">
+              <a:defRPr sz="1200"/>
+            </a:lvl1pPr>
+          </a:lstStyle>
+          <a:p>
+            <a:endParaRPr lang="en-US"/>
+          </a:p>
+        </p:txBody>
+      </p:sp>
+      <p:sp>
+        <p:nvSpPr>
+          <p:cNvPr id="7" name="Slide Number Placeholder 6"/>
+          <p:cNvSpPr>
+            <a:spLocks noGrp="1"/>
+          </p:cNvSpPr>
+          <p:nvPr>
+            <p:ph type="sldNum" sz="quarter" idx="5"/>
+          </p:nvPr>
+        </p:nvSpPr>
+        <p:spPr>
+          <a:xfrm>
+            <a:off x="3884613" y="8685213"/>
+            <a:ext cx="2971800" cy="458787"/>
+          </a:xfrm>
+          <a:prstGeom prst="rect">
+            <a:avLst/>
+          </a:prstGeom>
+        </p:spPr>
+        <p:txBody>
+          <a:bodyPr vert="horz" lIns="91440" tIns="45720" rIns="91440" bIns="45720" rtlCol="0" anchor="b"/>
+          <a:lstStyle>
+            <a:lvl1pPr algn="r">
+              <a:defRPr sz="1200"/>
+            </a:lvl1pPr>
+          </a:lstStyle>
+          <a:p>
+            <a:fld id="{5D3EE235-9978-4A85-8DAC-D0CF6D817DDD}" type="slidenum">
+              <a:rPr lang="en-US" smtClean="0"/>
+              <a:t>‹#›</a:t>
+            </a:fld>
+            <a:endParaRPr lang="en-US"/>
+          </a:p>
+        </p:txBody>
+      </p:sp>
+    </p:spTree>
+    <p:extLst>
+      <p:ext uri="{BB962C8B-B14F-4D97-AF65-F5344CB8AC3E}">
+        <p14:creationId xmlns:p14="http://schemas.microsoft.com/office/powerpoint/2010/main" val="1169782207"/>
+      </p:ext>
+    </p:extLst>
+  </p:cSld>
+  <p:clrMap bg1="lt1" tx1="dk1" bg2="lt2" tx2="dk2" accent1="accent1" accent2="accent2" accent3="accent3" accent4="accent4" accent5="accent5" accent6="accent6" hlink="hlink" folHlink="folHlink"/>
+  <p:notesStyle>
+    <a:lvl1pPr marL="0" algn="l" defTabSz="914400" rtl="0" eaLnBrk="1" latinLnBrk="0" hangingPunct="1">
+      <a:defRPr sz="1200" kern="1200">
+        <a:solidFill>
+          <a:schemeClr val="tx1"/>
+        </a:solidFill>
+        <a:latin typeface="+mn-lt"/>
+        <a:ea typeface="+mn-ea"/>
+        <a:cs typeface="+mn-cs"/>
+      </a:defRPr>
+    </a:lvl1pPr>
+    <a:lvl2pPr marL="457200" algn="l" defTabSz="914400" rtl="0" eaLnBrk="1" latinLnBrk="0" hangingPunct="1">
+      <a:defRPr sz="1200" kern="1200">
+        <a:solidFill>
+          <a:schemeClr val="tx1"/>
+        </a:solidFill>
+        <a:latin typeface="+mn-lt"/>
+        <a:ea typeface="+mn-ea"/>
+        <a:cs typeface="+mn-cs"/>
+      </a:defRPr>
+    </a:lvl2pPr>
+    <a:lvl3pPr marL="914400" algn="l" defTabSz="914400" rtl="0" eaLnBrk="1" latinLnBrk="0" hangingPunct="1">
+      <a:defRPr sz="1200" kern="1200">
+        <a:solidFill>
+          <a:schemeClr val="tx1"/>
+        </a:solidFill>
+        <a:latin typeface="+mn-lt"/>
+        <a:ea typeface="+mn-ea"/>
+        <a:cs typeface="+mn-cs"/>
+      </a:defRPr>
+    </a:lvl3pPr>
+    <a:lvl4pPr marL="1371600" algn="l" defTabSz="914400" rtl="0" eaLnBrk="1" latinLnBrk="0" hangingPunct="1">
+      <a:defRPr sz="1200" kern="1200">
+        <a:solidFill>
+          <a:schemeClr val="tx1"/>
+        </a:solidFill>
+        <a:latin typeface="+mn-lt"/>
+        <a:ea typeface="+mn-ea"/>
+        <a:cs typeface="+mn-cs"/>
+      </a:defRPr>
+    </a:lvl4pPr>
+    <a:lvl5pPr marL="1828800" algn="l" defTabSz="914400" rtl="0" eaLnBrk="1" latinLnBrk="0" hangingPunct="1">
+      <a:defRPr sz="1200" kern="1200">
+        <a:solidFill>
+          <a:schemeClr val="tx1"/>
+        </a:solidFill>
+        <a:latin typeface="+mn-lt"/>
+        <a:ea typeface="+mn-ea"/>
+        <a:cs typeface="+mn-cs"/>
+      </a:defRPr>
+    </a:lvl5pPr>
+    <a:lvl6pPr marL="2286000" algn="l" defTabSz="914400" rtl="0" eaLnBrk="1" latinLnBrk="0" hangingPunct="1">
+      <a:defRPr sz="1200" kern="1200">
+        <a:solidFill>
+          <a:schemeClr val="tx1"/>
+        </a:solidFill>
+        <a:latin typeface="+mn-lt"/>
+        <a:ea typeface="+mn-ea"/>
+        <a:cs typeface="+mn-cs"/>
+      </a:defRPr>
+    </a:lvl6pPr>
+    <a:lvl7pPr marL="2743200" algn="l" defTabSz="914400" rtl="0" eaLnBrk="1" latinLnBrk="0" hangingPunct="1">
+      <a:defRPr sz="1200" kern="1200">
+        <a:solidFill>
+          <a:schemeClr val="tx1"/>
+        </a:solidFill>
+        <a:latin typeface="+mn-lt"/>
+        <a:ea typeface="+mn-ea"/>
+        <a:cs typeface="+mn-cs"/>
+      </a:defRPr>
+    </a:lvl7pPr>
+    <a:lvl8pPr marL="3200400" algn="l" defTabSz="914400" rtl="0" eaLnBrk="1" latinLnBrk="0" hangingPunct="1">
+      <a:defRPr sz="1200" kern="1200">
+        <a:solidFill>
+          <a:schemeClr val="tx1"/>
+        </a:solidFill>
+        <a:latin typeface="+mn-lt"/>
+        <a:ea typeface="+mn-ea"/>
+        <a:cs typeface="+mn-cs"/>
+      </a:defRPr>
+    </a:lvl8pPr>
+    <a:lvl9pPr marL="3657600" algn="l" defTabSz="914400" rtl="0" eaLnBrk="1" latinLnBrk="0" hangingPunct="1">
+      <a:defRPr sz="1200" kern="1200">
+        <a:solidFill>
+          <a:schemeClr val="tx1"/>
+        </a:solidFill>
+        <a:latin typeface="+mn-lt"/>
+        <a:ea typeface="+mn-ea"/>
+        <a:cs typeface="+mn-cs"/>
+      </a:defRPr>
+    </a:lvl9pPr>
+  </p:notesStyle>
+</p:notesMaster>
+</file>
+
+<file path=ppt/notesSlides/notesSlide1.xml><?xml version="1.0" encoding="utf-8"?>
+<p:notes xmlns:a="http://schemas.openxmlformats.org/drawingml/2006/main" xmlns:r="http://schemas.openxmlformats.org/officeDocument/2006/relationships" xmlns:p="http://schemas.openxmlformats.org/presentationml/2006/main">
+  <p:cSld>
+    <p:spTree>
+      <p:nvGrpSpPr>
+        <p:cNvPr id="1" name=""/>
+        <p:cNvGrpSpPr/>
+        <p:nvPr/>
+      </p:nvGrpSpPr>
+      <p:grpSpPr>
+        <a:xfrm>
+          <a:off x="0" y="0"/>
+          <a:ext cx="0" cy="0"/>
+          <a:chOff x="0" y="0"/>
+          <a:chExt cx="0" cy="0"/>
+        </a:xfrm>
+      </p:grpSpPr>
+      <p:sp>
+        <p:nvSpPr>
+          <p:cNvPr id="2" name="Slide Image Placeholder 1"/>
+          <p:cNvSpPr>
+            <a:spLocks noGrp="1" noRot="1" noChangeAspect="1"/>
+          </p:cNvSpPr>
+          <p:nvPr>
+            <p:ph type="sldImg"/>
+          </p:nvPr>
+        </p:nvSpPr>
+        <p:spPr/>
+      </p:sp>
+      <p:sp>
+        <p:nvSpPr>
+          <p:cNvPr id="3" name="Notes Placeholder 2"/>
+          <p:cNvSpPr>
+            <a:spLocks noGrp="1"/>
+          </p:cNvSpPr>
+          <p:nvPr>
+            <p:ph type="body" idx="1"/>
+          </p:nvPr>
+        </p:nvSpPr>
+        <p:spPr/>
+        <p:txBody>
+          <a:bodyPr/>
+          <a:lstStyle/>
+          <a:p>
+            <a:endParaRPr lang="en-US" dirty="0"/>
+          </a:p>
+        </p:txBody>
+      </p:sp>
+      <p:sp>
+        <p:nvSpPr>
+          <p:cNvPr id="4" name="Slide Number Placeholder 3"/>
+          <p:cNvSpPr>
+            <a:spLocks noGrp="1"/>
+          </p:cNvSpPr>
+          <p:nvPr>
+            <p:ph type="sldNum" sz="quarter" idx="5"/>
+          </p:nvPr>
+        </p:nvSpPr>
+        <p:spPr/>
+        <p:txBody>
+          <a:bodyPr/>
+          <a:lstStyle/>
+          <a:p>
+            <a:fld id="{5D3EE235-9978-4A85-8DAC-D0CF6D817DDD}" type="slidenum">
+              <a:rPr lang="en-US" smtClean="0"/>
+              <a:t>3</a:t>
+            </a:fld>
+            <a:endParaRPr lang="en-US"/>
+          </a:p>
+        </p:txBody>
+      </p:sp>
+    </p:spTree>
+    <p:extLst>
+      <p:ext uri="{BB962C8B-B14F-4D97-AF65-F5344CB8AC3E}">
+        <p14:creationId xmlns:p14="http://schemas.microsoft.com/office/powerpoint/2010/main" val="3711213041"/>
+      </p:ext>
+    </p:extLst>
+  </p:cSld>
+  <p:clrMapOvr>
+    <a:masterClrMapping/>
+  </p:clrMapOvr>
+</p:notes>
 </file>
 
 <file path=ppt/slideLayouts/slideLayout1.xml><?xml version="1.0" encoding="utf-8"?>
@@ -3364,114 +3828,6 @@
         </p:nvSpPr>
         <p:spPr>
           <a:xfrm>
-            <a:off x="214009" y="1122362"/>
-            <a:ext cx="11712102" cy="3225901"/>
-          </a:xfrm>
-        </p:spPr>
-        <p:txBody>
-          <a:bodyPr>
-            <a:noAutofit/>
-          </a:bodyPr>
-          <a:lstStyle/>
-          <a:p>
-            <a:r>
-              <a:rPr lang="en-US" sz="4800" b="1" dirty="0"/>
-              <a:t>Loss as the Inconsistency of a Probabilistic Dependency Graph:</a:t>
-            </a:r>
-            <a:br>
-              <a:rPr lang="en-US" sz="4800" b="1" dirty="0"/>
-            </a:br>
-            <a:br>
-              <a:rPr lang="en-US" sz="4800" b="1" dirty="0"/>
-            </a:br>
-            <a:r>
-              <a:rPr lang="en-US" sz="4800" b="1" dirty="0"/>
-              <a:t>Choose Your Model, Not Your Loss Function</a:t>
-            </a:r>
-          </a:p>
-        </p:txBody>
-      </p:sp>
-      <p:sp>
-        <p:nvSpPr>
-          <p:cNvPr id="3" name="Subtitle 2">
-            <a:extLst>
-              <a:ext uri="{FF2B5EF4-FFF2-40B4-BE49-F238E27FC236}">
-                <a16:creationId xmlns:a16="http://schemas.microsoft.com/office/drawing/2014/main" id="{9E22D065-41F0-4E83-903F-B156A464432F}"/>
-              </a:ext>
-            </a:extLst>
-          </p:cNvPr>
-          <p:cNvSpPr>
-            <a:spLocks noGrp="1"/>
-          </p:cNvSpPr>
-          <p:nvPr>
-            <p:ph type="subTitle" idx="1"/>
-          </p:nvPr>
-        </p:nvSpPr>
-        <p:spPr>
-          <a:xfrm>
-            <a:off x="1621277" y="5321697"/>
-            <a:ext cx="9046723" cy="827881"/>
-          </a:xfrm>
-        </p:spPr>
-        <p:txBody>
-          <a:bodyPr/>
-          <a:lstStyle/>
-          <a:p>
-            <a:r>
-              <a:rPr lang="en-US" dirty="0"/>
-              <a:t>Oliver Richardson</a:t>
-            </a:r>
-          </a:p>
-        </p:txBody>
-      </p:sp>
-    </p:spTree>
-    <p:extLst>
-      <p:ext uri="{BB962C8B-B14F-4D97-AF65-F5344CB8AC3E}">
-        <p14:creationId xmlns:p14="http://schemas.microsoft.com/office/powerpoint/2010/main" val="338291423"/>
-      </p:ext>
-    </p:extLst>
-  </p:cSld>
-  <p:clrMapOvr>
-    <a:masterClrMapping/>
-  </p:clrMapOvr>
-</p:sld>
-</file>
-
-<file path=ppt/slides/slide2.xml><?xml version="1.0" encoding="utf-8"?>
-<p:sld xmlns:a="http://schemas.openxmlformats.org/drawingml/2006/main" xmlns:r="http://schemas.openxmlformats.org/officeDocument/2006/relationships" xmlns:p="http://schemas.openxmlformats.org/presentationml/2006/main">
-  <p:cSld>
-    <p:spTree>
-      <p:nvGrpSpPr>
-        <p:cNvPr id="1" name=""/>
-        <p:cNvGrpSpPr/>
-        <p:nvPr/>
-      </p:nvGrpSpPr>
-      <p:grpSpPr>
-        <a:xfrm>
-          <a:off x="0" y="0"/>
-          <a:ext cx="0" cy="0"/>
-          <a:chOff x="0" y="0"/>
-          <a:chExt cx="0" cy="0"/>
-        </a:xfrm>
-      </p:grpSpPr>
-      <p:sp>
-        <p:nvSpPr>
-          <p:cNvPr id="2" name="Title 1">
-            <a:extLst>
-              <a:ext uri="{FF2B5EF4-FFF2-40B4-BE49-F238E27FC236}">
-                <a16:creationId xmlns:a16="http://schemas.microsoft.com/office/drawing/2014/main" id="{2E18379B-4963-45E6-810A-C88B1851E192}"/>
-              </a:ext>
-            </a:extLst>
-          </p:cNvPr>
-          <p:cNvSpPr>
-            <a:spLocks noGrp="1"/>
-          </p:cNvSpPr>
-          <p:nvPr>
-            <p:ph type="ctrTitle"/>
-          </p:nvPr>
-        </p:nvSpPr>
-        <p:spPr>
-          <a:xfrm>
             <a:off x="155643" y="2305455"/>
             <a:ext cx="11712102" cy="1828799"/>
           </a:xfrm>
@@ -3483,14 +3839,20 @@
           <a:lstStyle/>
           <a:p>
             <a:r>
-              <a:rPr lang="en-US" sz="4800" b="1" dirty="0"/>
-              <a:t>Loss as the Inconsistency of a P  D G  :</a:t>
+              <a:rPr lang="en-US" sz="4800" b="1" dirty="0">
+                <a:latin typeface="Sitka Heading" panose="02000505000000020004" pitchFamily="2" charset="0"/>
+              </a:rPr>
+              <a:t>Loss as the Inconsistency of a P  D G :</a:t>
             </a:r>
             <a:br>
-              <a:rPr lang="en-US" sz="4800" b="1" dirty="0"/>
+              <a:rPr lang="en-US" sz="4800" b="1" dirty="0">
+                <a:latin typeface="Sitka Heading" panose="02000505000000020004" pitchFamily="2" charset="0"/>
+              </a:rPr>
             </a:br>
             <a:r>
-              <a:rPr lang="en-US" sz="4800" b="1" dirty="0"/>
+              <a:rPr lang="en-US" sz="4800" b="1" dirty="0">
+                <a:latin typeface="Sitka Heading" panose="02000505000000020004" pitchFamily="2" charset="0"/>
+              </a:rPr>
               <a:t>Choose Your Model, Not Your Loss</a:t>
             </a:r>
           </a:p>
@@ -3551,10 +3913,10 @@
         </p:nvGrpSpPr>
         <p:grpSpPr>
           <a:xfrm>
-            <a:off x="8334842" y="2305455"/>
-            <a:ext cx="2527047" cy="655510"/>
+            <a:off x="8800510" y="2374979"/>
+            <a:ext cx="2527047" cy="691493"/>
             <a:chOff x="8530881" y="2305455"/>
-            <a:chExt cx="2527047" cy="655510"/>
+            <a:chExt cx="2527047" cy="691493"/>
           </a:xfrm>
         </p:grpSpPr>
         <p:sp>
@@ -3571,7 +3933,7 @@
           </p:nvSpPr>
           <p:spPr>
             <a:xfrm>
-              <a:off x="10147262" y="2437745"/>
+              <a:off x="10116305" y="2473728"/>
               <a:ext cx="877163" cy="523220"/>
             </a:xfrm>
             <a:prstGeom prst="rect">
@@ -3724,6 +4086,445 @@
 </p:sld>
 </file>
 
+<file path=ppt/slides/slide10.xml><?xml version="1.0" encoding="utf-8"?>
+<p:sld xmlns:a="http://schemas.openxmlformats.org/drawingml/2006/main" xmlns:r="http://schemas.openxmlformats.org/officeDocument/2006/relationships" xmlns:p="http://schemas.openxmlformats.org/presentationml/2006/main">
+  <p:cSld>
+    <p:spTree>
+      <p:nvGrpSpPr>
+        <p:cNvPr id="1" name=""/>
+        <p:cNvGrpSpPr/>
+        <p:nvPr/>
+      </p:nvGrpSpPr>
+      <p:grpSpPr>
+        <a:xfrm>
+          <a:off x="0" y="0"/>
+          <a:ext cx="0" cy="0"/>
+          <a:chOff x="0" y="0"/>
+          <a:chExt cx="0" cy="0"/>
+        </a:xfrm>
+      </p:grpSpPr>
+      <p:sp>
+        <p:nvSpPr>
+          <p:cNvPr id="2" name="Title 1">
+            <a:extLst>
+              <a:ext uri="{FF2B5EF4-FFF2-40B4-BE49-F238E27FC236}">
+                <a16:creationId xmlns:a16="http://schemas.microsoft.com/office/drawing/2014/main" id="{AA7CF23D-80BA-4F91-B70F-AAC53E4F72BD}"/>
+              </a:ext>
+            </a:extLst>
+          </p:cNvPr>
+          <p:cNvSpPr>
+            <a:spLocks noGrp="1"/>
+          </p:cNvSpPr>
+          <p:nvPr>
+            <p:ph type="title"/>
+          </p:nvPr>
+        </p:nvSpPr>
+        <p:spPr/>
+        <p:txBody>
+          <a:bodyPr/>
+          <a:lstStyle/>
+          <a:p>
+            <a:r>
+              <a:rPr lang="en-US" dirty="0"/>
+              <a:t>Visual Proof: The ELBO</a:t>
+            </a:r>
+          </a:p>
+        </p:txBody>
+      </p:sp>
+      <p:pic>
+        <p:nvPicPr>
+          <p:cNvPr id="11" name="Picture 10">
+            <a:extLst>
+              <a:ext uri="{FF2B5EF4-FFF2-40B4-BE49-F238E27FC236}">
+                <a16:creationId xmlns:a16="http://schemas.microsoft.com/office/drawing/2014/main" id="{9ED5AA9A-FA80-4902-B266-439F580B26FA}"/>
+              </a:ext>
+            </a:extLst>
+          </p:cNvPr>
+          <p:cNvPicPr>
+            <a:picLocks noChangeAspect="1"/>
+          </p:cNvPicPr>
+          <p:nvPr/>
+        </p:nvPicPr>
+        <p:blipFill>
+          <a:blip r:embed="rId2"/>
+          <a:srcRect l="46825" r="48758"/>
+          <a:stretch>
+            <a:fillRect/>
+          </a:stretch>
+        </p:blipFill>
+        <p:spPr>
+          <a:xfrm>
+            <a:off x="5762171" y="2058748"/>
+            <a:ext cx="464457" cy="2740504"/>
+          </a:xfrm>
+          <a:custGeom>
+            <a:avLst/>
+            <a:gdLst>
+              <a:gd name="connsiteX0" fmla="*/ 0 w 464457"/>
+              <a:gd name="connsiteY0" fmla="*/ 0 h 2740504"/>
+              <a:gd name="connsiteX1" fmla="*/ 464457 w 464457"/>
+              <a:gd name="connsiteY1" fmla="*/ 0 h 2740504"/>
+              <a:gd name="connsiteX2" fmla="*/ 464457 w 464457"/>
+              <a:gd name="connsiteY2" fmla="*/ 2740504 h 2740504"/>
+              <a:gd name="connsiteX3" fmla="*/ 0 w 464457"/>
+              <a:gd name="connsiteY3" fmla="*/ 2740504 h 2740504"/>
+              <a:gd name="connsiteX4" fmla="*/ 0 w 464457"/>
+              <a:gd name="connsiteY4" fmla="*/ 0 h 2740504"/>
+            </a:gdLst>
+            <a:ahLst/>
+            <a:cxnLst>
+              <a:cxn ang="0">
+                <a:pos x="connsiteX0" y="connsiteY0"/>
+              </a:cxn>
+              <a:cxn ang="0">
+                <a:pos x="connsiteX1" y="connsiteY1"/>
+              </a:cxn>
+              <a:cxn ang="0">
+                <a:pos x="connsiteX2" y="connsiteY2"/>
+              </a:cxn>
+              <a:cxn ang="0">
+                <a:pos x="connsiteX3" y="connsiteY3"/>
+              </a:cxn>
+              <a:cxn ang="0">
+                <a:pos x="connsiteX4" y="connsiteY4"/>
+              </a:cxn>
+            </a:cxnLst>
+            <a:rect l="l" t="t" r="r" b="b"/>
+            <a:pathLst>
+              <a:path w="464457" h="2740504">
+                <a:moveTo>
+                  <a:pt x="0" y="0"/>
+                </a:moveTo>
+                <a:lnTo>
+                  <a:pt x="464457" y="0"/>
+                </a:lnTo>
+                <a:lnTo>
+                  <a:pt x="464457" y="2740504"/>
+                </a:lnTo>
+                <a:lnTo>
+                  <a:pt x="0" y="2740504"/>
+                </a:lnTo>
+                <a:lnTo>
+                  <a:pt x="0" y="0"/>
+                </a:lnTo>
+                <a:close/>
+              </a:path>
+            </a:pathLst>
+          </a:custGeom>
+        </p:spPr>
+      </p:pic>
+      <p:pic>
+        <p:nvPicPr>
+          <p:cNvPr id="9" name="Picture 8">
+            <a:extLst>
+              <a:ext uri="{FF2B5EF4-FFF2-40B4-BE49-F238E27FC236}">
+                <a16:creationId xmlns:a16="http://schemas.microsoft.com/office/drawing/2014/main" id="{43B0C9A1-0EB2-47B9-85C8-991B23B03DFB}"/>
+              </a:ext>
+            </a:extLst>
+          </p:cNvPr>
+          <p:cNvPicPr>
+            <a:picLocks noChangeAspect="1"/>
+          </p:cNvPicPr>
+          <p:nvPr/>
+        </p:nvPicPr>
+        <p:blipFill>
+          <a:blip r:embed="rId2"/>
+          <a:srcRect r="53175"/>
+          <a:stretch>
+            <a:fillRect/>
+          </a:stretch>
+        </p:blipFill>
+        <p:spPr>
+          <a:xfrm>
+            <a:off x="547915" y="2058748"/>
+            <a:ext cx="4923971" cy="2740504"/>
+          </a:xfrm>
+          <a:custGeom>
+            <a:avLst/>
+            <a:gdLst>
+              <a:gd name="connsiteX0" fmla="*/ 0 w 4923971"/>
+              <a:gd name="connsiteY0" fmla="*/ 0 h 2740504"/>
+              <a:gd name="connsiteX1" fmla="*/ 4923971 w 4923971"/>
+              <a:gd name="connsiteY1" fmla="*/ 0 h 2740504"/>
+              <a:gd name="connsiteX2" fmla="*/ 4923971 w 4923971"/>
+              <a:gd name="connsiteY2" fmla="*/ 2740504 h 2740504"/>
+              <a:gd name="connsiteX3" fmla="*/ 0 w 4923971"/>
+              <a:gd name="connsiteY3" fmla="*/ 2740504 h 2740504"/>
+              <a:gd name="connsiteX4" fmla="*/ 0 w 4923971"/>
+              <a:gd name="connsiteY4" fmla="*/ 0 h 2740504"/>
+            </a:gdLst>
+            <a:ahLst/>
+            <a:cxnLst>
+              <a:cxn ang="0">
+                <a:pos x="connsiteX0" y="connsiteY0"/>
+              </a:cxn>
+              <a:cxn ang="0">
+                <a:pos x="connsiteX1" y="connsiteY1"/>
+              </a:cxn>
+              <a:cxn ang="0">
+                <a:pos x="connsiteX2" y="connsiteY2"/>
+              </a:cxn>
+              <a:cxn ang="0">
+                <a:pos x="connsiteX3" y="connsiteY3"/>
+              </a:cxn>
+              <a:cxn ang="0">
+                <a:pos x="connsiteX4" y="connsiteY4"/>
+              </a:cxn>
+            </a:cxnLst>
+            <a:rect l="l" t="t" r="r" b="b"/>
+            <a:pathLst>
+              <a:path w="4923971" h="2740504">
+                <a:moveTo>
+                  <a:pt x="0" y="0"/>
+                </a:moveTo>
+                <a:lnTo>
+                  <a:pt x="4923971" y="0"/>
+                </a:lnTo>
+                <a:lnTo>
+                  <a:pt x="4923971" y="2740504"/>
+                </a:lnTo>
+                <a:lnTo>
+                  <a:pt x="0" y="2740504"/>
+                </a:lnTo>
+                <a:lnTo>
+                  <a:pt x="0" y="0"/>
+                </a:lnTo>
+                <a:close/>
+              </a:path>
+            </a:pathLst>
+          </a:custGeom>
+        </p:spPr>
+      </p:pic>
+      <p:pic>
+        <p:nvPicPr>
+          <p:cNvPr id="8" name="Picture 7">
+            <a:extLst>
+              <a:ext uri="{FF2B5EF4-FFF2-40B4-BE49-F238E27FC236}">
+                <a16:creationId xmlns:a16="http://schemas.microsoft.com/office/drawing/2014/main" id="{D349796F-41A0-4DED-A96B-0DA4D89E9EA7}"/>
+              </a:ext>
+            </a:extLst>
+          </p:cNvPr>
+          <p:cNvPicPr>
+            <a:picLocks noChangeAspect="1"/>
+          </p:cNvPicPr>
+          <p:nvPr/>
+        </p:nvPicPr>
+        <p:blipFill>
+          <a:blip r:embed="rId2"/>
+          <a:srcRect l="51242"/>
+          <a:stretch>
+            <a:fillRect/>
+          </a:stretch>
+        </p:blipFill>
+        <p:spPr>
+          <a:xfrm>
+            <a:off x="6516913" y="2058748"/>
+            <a:ext cx="5127172" cy="2740504"/>
+          </a:xfrm>
+          <a:custGeom>
+            <a:avLst/>
+            <a:gdLst>
+              <a:gd name="connsiteX0" fmla="*/ 0 w 5127172"/>
+              <a:gd name="connsiteY0" fmla="*/ 0 h 2740504"/>
+              <a:gd name="connsiteX1" fmla="*/ 5127172 w 5127172"/>
+              <a:gd name="connsiteY1" fmla="*/ 0 h 2740504"/>
+              <a:gd name="connsiteX2" fmla="*/ 5127172 w 5127172"/>
+              <a:gd name="connsiteY2" fmla="*/ 2740504 h 2740504"/>
+              <a:gd name="connsiteX3" fmla="*/ 0 w 5127172"/>
+              <a:gd name="connsiteY3" fmla="*/ 2740504 h 2740504"/>
+              <a:gd name="connsiteX4" fmla="*/ 0 w 5127172"/>
+              <a:gd name="connsiteY4" fmla="*/ 0 h 2740504"/>
+            </a:gdLst>
+            <a:ahLst/>
+            <a:cxnLst>
+              <a:cxn ang="0">
+                <a:pos x="connsiteX0" y="connsiteY0"/>
+              </a:cxn>
+              <a:cxn ang="0">
+                <a:pos x="connsiteX1" y="connsiteY1"/>
+              </a:cxn>
+              <a:cxn ang="0">
+                <a:pos x="connsiteX2" y="connsiteY2"/>
+              </a:cxn>
+              <a:cxn ang="0">
+                <a:pos x="connsiteX3" y="connsiteY3"/>
+              </a:cxn>
+              <a:cxn ang="0">
+                <a:pos x="connsiteX4" y="connsiteY4"/>
+              </a:cxn>
+            </a:cxnLst>
+            <a:rect l="l" t="t" r="r" b="b"/>
+            <a:pathLst>
+              <a:path w="5127172" h="2740504">
+                <a:moveTo>
+                  <a:pt x="0" y="0"/>
+                </a:moveTo>
+                <a:lnTo>
+                  <a:pt x="5127172" y="0"/>
+                </a:lnTo>
+                <a:lnTo>
+                  <a:pt x="5127172" y="2740504"/>
+                </a:lnTo>
+                <a:lnTo>
+                  <a:pt x="0" y="2740504"/>
+                </a:lnTo>
+                <a:lnTo>
+                  <a:pt x="0" y="0"/>
+                </a:lnTo>
+                <a:close/>
+              </a:path>
+            </a:pathLst>
+          </a:custGeom>
+        </p:spPr>
+      </p:pic>
+    </p:spTree>
+    <p:extLst>
+      <p:ext uri="{BB962C8B-B14F-4D97-AF65-F5344CB8AC3E}">
+        <p14:creationId xmlns:p14="http://schemas.microsoft.com/office/powerpoint/2010/main" val="3679871277"/>
+      </p:ext>
+    </p:extLst>
+  </p:cSld>
+  <p:clrMapOvr>
+    <a:masterClrMapping/>
+  </p:clrMapOvr>
+  <p:timing>
+    <p:tnLst>
+      <p:par>
+        <p:cTn id="1" dur="indefinite" restart="never" nodeType="tmRoot">
+          <p:childTnLst>
+            <p:seq concurrent="1" nextAc="seek">
+              <p:cTn id="2" dur="indefinite" nodeType="mainSeq">
+                <p:childTnLst>
+                  <p:par>
+                    <p:cTn id="3" fill="hold">
+                      <p:stCondLst>
+                        <p:cond delay="indefinite"/>
+                      </p:stCondLst>
+                      <p:childTnLst>
+                        <p:par>
+                          <p:cTn id="4" fill="hold">
+                            <p:stCondLst>
+                              <p:cond delay="0"/>
+                            </p:stCondLst>
+                            <p:childTnLst>
+                              <p:par>
+                                <p:cTn id="5" presetID="1" presetClass="entr" presetSubtype="0" fill="hold" nodeType="clickEffect">
+                                  <p:stCondLst>
+                                    <p:cond delay="0"/>
+                                  </p:stCondLst>
+                                  <p:childTnLst>
+                                    <p:set>
+                                      <p:cBhvr>
+                                        <p:cTn id="6" dur="1" fill="hold">
+                                          <p:stCondLst>
+                                            <p:cond delay="0"/>
+                                          </p:stCondLst>
+                                        </p:cTn>
+                                        <p:tgtEl>
+                                          <p:spTgt spid="11"/>
+                                        </p:tgtEl>
+                                        <p:attrNameLst>
+                                          <p:attrName>style.visibility</p:attrName>
+                                        </p:attrNameLst>
+                                      </p:cBhvr>
+                                      <p:to>
+                                        <p:strVal val="visible"/>
+                                      </p:to>
+                                    </p:set>
+                                  </p:childTnLst>
+                                </p:cTn>
+                              </p:par>
+                            </p:childTnLst>
+                          </p:cTn>
+                        </p:par>
+                      </p:childTnLst>
+                    </p:cTn>
+                  </p:par>
+                </p:childTnLst>
+              </p:cTn>
+              <p:prevCondLst>
+                <p:cond evt="onPrev" delay="0">
+                  <p:tgtEl>
+                    <p:sldTgt/>
+                  </p:tgtEl>
+                </p:cond>
+              </p:prevCondLst>
+              <p:nextCondLst>
+                <p:cond evt="onNext" delay="0">
+                  <p:tgtEl>
+                    <p:sldTgt/>
+                  </p:tgtEl>
+                </p:cond>
+              </p:nextCondLst>
+            </p:seq>
+          </p:childTnLst>
+        </p:cTn>
+      </p:par>
+    </p:tnLst>
+  </p:timing>
+</p:sld>
+</file>
+
+<file path=ppt/slides/slide2.xml><?xml version="1.0" encoding="utf-8"?>
+<p:sld xmlns:a="http://schemas.openxmlformats.org/drawingml/2006/main" xmlns:r="http://schemas.openxmlformats.org/officeDocument/2006/relationships" xmlns:p="http://schemas.openxmlformats.org/presentationml/2006/main">
+  <p:cSld>
+    <p:spTree>
+      <p:nvGrpSpPr>
+        <p:cNvPr id="1" name=""/>
+        <p:cNvGrpSpPr/>
+        <p:nvPr/>
+      </p:nvGrpSpPr>
+      <p:grpSpPr>
+        <a:xfrm>
+          <a:off x="0" y="0"/>
+          <a:ext cx="0" cy="0"/>
+          <a:chOff x="0" y="0"/>
+          <a:chExt cx="0" cy="0"/>
+        </a:xfrm>
+      </p:grpSpPr>
+      <p:pic>
+        <p:nvPicPr>
+          <p:cNvPr id="5" name="Picture 4">
+            <a:extLst>
+              <a:ext uri="{FF2B5EF4-FFF2-40B4-BE49-F238E27FC236}">
+                <a16:creationId xmlns:a16="http://schemas.microsoft.com/office/drawing/2014/main" id="{36EF5987-CD3C-4C58-8734-6C9A19F467B4}"/>
+              </a:ext>
+            </a:extLst>
+          </p:cNvPr>
+          <p:cNvPicPr>
+            <a:picLocks noChangeAspect="1"/>
+          </p:cNvPicPr>
+          <p:nvPr/>
+        </p:nvPicPr>
+        <p:blipFill>
+          <a:blip r:embed="rId2"/>
+          <a:stretch>
+            <a:fillRect/>
+          </a:stretch>
+        </p:blipFill>
+        <p:spPr>
+          <a:xfrm>
+            <a:off x="2414073" y="2643078"/>
+            <a:ext cx="7363853" cy="1571844"/>
+          </a:xfrm>
+          <a:prstGeom prst="rect">
+            <a:avLst/>
+          </a:prstGeom>
+        </p:spPr>
+      </p:pic>
+    </p:spTree>
+    <p:extLst>
+      <p:ext uri="{BB962C8B-B14F-4D97-AF65-F5344CB8AC3E}">
+        <p14:creationId xmlns:p14="http://schemas.microsoft.com/office/powerpoint/2010/main" val="3194484784"/>
+      </p:ext>
+    </p:extLst>
+  </p:cSld>
+  <p:clrMapOvr>
+    <a:masterClrMapping/>
+  </p:clrMapOvr>
+</p:sld>
+</file>
+
 <file path=ppt/slides/slide3.xml><?xml version="1.0" encoding="utf-8"?>
 <p:sld xmlns:a="http://schemas.openxmlformats.org/drawingml/2006/main" xmlns:r="http://schemas.openxmlformats.org/officeDocument/2006/relationships" xmlns:p="http://schemas.openxmlformats.org/presentationml/2006/main">
   <p:cSld>
@@ -3746,7 +4547,7 @@
           <p:cNvPr id="2" name="Title 1">
             <a:extLst>
               <a:ext uri="{FF2B5EF4-FFF2-40B4-BE49-F238E27FC236}">
-                <a16:creationId xmlns:a16="http://schemas.microsoft.com/office/drawing/2014/main" id="{26993B9C-5DDB-4A33-BA50-C2A1B34A78BF}"/>
+                <a16:creationId xmlns:a16="http://schemas.microsoft.com/office/drawing/2014/main" id="{513AD30A-0ADF-4EB3-9E1B-E37D25E14B40}"/>
               </a:ext>
             </a:extLst>
           </p:cNvPr>
@@ -3762,16 +4563,235 @@
           <a:bodyPr/>
           <a:lstStyle/>
           <a:p>
-            <a:endParaRPr lang="en-US"/>
+            <a:endParaRPr lang="en-US" dirty="0"/>
           </a:p>
         </p:txBody>
       </p:sp>
+      <p:pic>
+        <p:nvPicPr>
+          <p:cNvPr id="6" name="Content Placeholder 4">
+            <a:extLst>
+              <a:ext uri="{FF2B5EF4-FFF2-40B4-BE49-F238E27FC236}">
+                <a16:creationId xmlns:a16="http://schemas.microsoft.com/office/drawing/2014/main" id="{6B5C51E6-1957-40C7-AF4D-118278977155}"/>
+              </a:ext>
+            </a:extLst>
+          </p:cNvPr>
+          <p:cNvPicPr>
+            <a:picLocks noChangeAspect="1"/>
+          </p:cNvPicPr>
+          <p:nvPr/>
+        </p:nvPicPr>
+        <p:blipFill>
+          <a:blip r:embed="rId3">
+            <a:clrChange>
+              <a:clrFrom>
+                <a:srgbClr val="FFFFFF"/>
+              </a:clrFrom>
+              <a:clrTo>
+                <a:srgbClr val="FFFFFF">
+                  <a:alpha val="0"/>
+                </a:srgbClr>
+              </a:clrTo>
+            </a:clrChange>
+            <a:extLst>
+              <a:ext uri="{BEBA8EAE-BF5A-486C-A8C5-ECC9F3942E4B}">
+                <a14:imgProps xmlns:a14="http://schemas.microsoft.com/office/drawing/2010/main">
+                  <a14:imgLayer r:embed="rId4">
+                    <a14:imgEffect>
+                      <a14:backgroundRemoval t="5160" b="94349" l="2012" r="99882">
+                        <a14:foregroundMark x1="64465" y1="13163" x2="66036" y2="18673"/>
+                        <a14:foregroundMark x1="63444" y1="9582" x2="64421" y2="13010"/>
+                        <a14:foregroundMark x1="62604" y1="6634" x2="63444" y2="9582"/>
+                        <a14:foregroundMark x1="71720" y1="18933" x2="74399" y2="19055"/>
+                        <a14:foregroundMark x1="70764" y1="18889" x2="71256" y2="18911"/>
+                        <a14:foregroundMark x1="67569" y1="18743" x2="69160" y2="18816"/>
+                        <a14:foregroundMark x1="66036" y1="18673" x2="66784" y2="18707"/>
+                        <a14:foregroundMark x1="78728" y1="18677" x2="92308" y2="15233"/>
+                        <a14:foregroundMark x1="92308" y1="15233" x2="98935" y2="63882"/>
+                        <a14:foregroundMark x1="98935" y1="63882" x2="94793" y2="78133"/>
+                        <a14:foregroundMark x1="94793" y1="78133" x2="87929" y2="87715"/>
+                        <a14:foregroundMark x1="73599" y1="88404" x2="11243" y2="91400"/>
+                        <a14:foregroundMark x1="87929" y1="87715" x2="73611" y2="88403"/>
+                        <a14:foregroundMark x1="11243" y1="91400" x2="4379" y2="79607"/>
+                        <a14:foregroundMark x1="4379" y1="79607" x2="1302" y2="38329"/>
+                        <a14:foregroundMark x1="1302" y1="38329" x2="5325" y2="20393"/>
+                        <a14:foregroundMark x1="5325" y1="20393" x2="10059" y2="9091"/>
+                        <a14:foregroundMark x1="10059" y1="9091" x2="48639" y2="15971"/>
+                        <a14:foregroundMark x1="48639" y1="15971" x2="54675" y2="3194"/>
+                        <a14:foregroundMark x1="54675" y1="3194" x2="62722" y2="5651"/>
+                        <a14:foregroundMark x1="62722" y1="5651" x2="63077" y2="6634"/>
+                        <a14:foregroundMark x1="14556" y1="6634" x2="2722" y2="21376"/>
+                        <a14:foregroundMark x1="2722" y1="21376" x2="4497" y2="74447"/>
+                        <a14:foregroundMark x1="4497" y1="74447" x2="16923" y2="90172"/>
+                        <a14:foregroundMark x1="16923" y1="90172" x2="27692" y2="24816"/>
+                        <a14:foregroundMark x1="27692" y1="24816" x2="18107" y2="11302"/>
+                        <a14:foregroundMark x1="18107" y1="11302" x2="15266" y2="11302"/>
+                        <a14:foregroundMark x1="11834" y1="10319" x2="7929" y2="22359"/>
+                        <a14:foregroundMark x1="7929" y1="22359" x2="4024" y2="55528"/>
+                        <a14:foregroundMark x1="8402" y1="20885" x2="2130" y2="70516"/>
+                        <a14:foregroundMark x1="90414" y1="34152" x2="95503" y2="45946"/>
+                        <a14:foregroundMark x1="95503" y1="45946" x2="91716" y2="70762"/>
+                        <a14:foregroundMark x1="54793" y1="84521" x2="56805" y2="94349"/>
+                        <a14:foregroundMark x1="92189" y1="27273" x2="99882" y2="35381"/>
+                        <a14:foregroundMark x1="55030" y1="56757" x2="39053" y2="85749"/>
+                        <a14:foregroundMark x1="30178" y1="42752" x2="11834" y2="77150"/>
+                        <a14:foregroundMark x1="20828" y1="26044" x2="13491" y2="31941"/>
+                        <a14:foregroundMark x1="63905" y1="53317" x2="55976" y2="56511"/>
+                        <a14:foregroundMark x1="55976" y1="56511" x2="45207" y2="48894"/>
+                        <a14:foregroundMark x1="63077" y1="41769" x2="53018" y2="67568"/>
+                        <a14:foregroundMark x1="60710" y1="37592" x2="74320" y2="63636"/>
+                        <a14:backgroundMark x1="65799" y1="6388" x2="71479" y2="17690"/>
+                        <a14:backgroundMark x1="71479" y1="17690" x2="66982" y2="5405"/>
+                        <a14:backgroundMark x1="66982" y1="5405" x2="66627" y2="8600"/>
+                        <a14:backgroundMark x1="65799" y1="6880" x2="68757" y2="17445"/>
+                        <a14:backgroundMark x1="68876" y1="13514" x2="65325" y2="7125"/>
+                        <a14:backgroundMark x1="72308" y1="6143" x2="68994" y2="13022"/>
+                        <a14:backgroundMark x1="70651" y1="5405" x2="76568" y2="17690"/>
+                        <a14:backgroundMark x1="76568" y1="17690" x2="77278" y2="24570"/>
+                        <a14:backgroundMark x1="68284" y1="71744" x2="62959" y2="82801"/>
+                        <a14:backgroundMark x1="62959" y1="82801" x2="73018" y2="85012"/>
+                        <a14:backgroundMark x1="73018" y1="85012" x2="69467" y2="67076"/>
+                        <a14:backgroundMark x1="69467" y1="67076" x2="64615" y2="74447"/>
+                        <a14:backgroundMark x1="64615" y1="74447" x2="64497" y2="76413"/>
+                        <a14:backgroundMark x1="64970" y1="7371" x2="65207" y2="10074"/>
+                        <a14:backgroundMark x1="65325" y1="9582" x2="65325" y2="9582"/>
+                        <a14:backgroundMark x1="64970" y1="10074" x2="65325" y2="6388"/>
+                      </a14:backgroundRemoval>
+                    </a14:imgEffect>
+                  </a14:imgLayer>
+                </a14:imgProps>
+              </a:ext>
+            </a:extLst>
+          </a:blip>
+          <a:stretch>
+            <a:fillRect/>
+          </a:stretch>
+        </p:blipFill>
+        <p:spPr>
+          <a:xfrm>
+            <a:off x="1370735" y="1899118"/>
+            <a:ext cx="8049748" cy="3877216"/>
+          </a:xfrm>
+          <a:prstGeom prst="rect">
+            <a:avLst/>
+          </a:prstGeom>
+        </p:spPr>
+      </p:pic>
+      <p:pic>
+        <p:nvPicPr>
+          <p:cNvPr id="5" name="Content Placeholder 4">
+            <a:extLst>
+              <a:ext uri="{FF2B5EF4-FFF2-40B4-BE49-F238E27FC236}">
+                <a16:creationId xmlns:a16="http://schemas.microsoft.com/office/drawing/2014/main" id="{1727357C-3C62-4F50-BB53-9BB77BFC3CB1}"/>
+              </a:ext>
+            </a:extLst>
+          </p:cNvPr>
+          <p:cNvPicPr>
+            <a:picLocks noGrp="1" noChangeAspect="1"/>
+          </p:cNvPicPr>
+          <p:nvPr>
+            <p:ph idx="1"/>
+          </p:nvPr>
+        </p:nvPicPr>
+        <p:blipFill rotWithShape="1">
+          <a:blip r:embed="rId5">
+            <a:clrChange>
+              <a:clrFrom>
+                <a:srgbClr val="FFFFFF"/>
+              </a:clrFrom>
+              <a:clrTo>
+                <a:srgbClr val="FFFFFF">
+                  <a:alpha val="0"/>
+                </a:srgbClr>
+              </a:clrTo>
+            </a:clrChange>
+          </a:blip>
+          <a:srcRect l="65025" t="4883" r="26395" b="83325"/>
+          <a:stretch/>
+        </p:blipFill>
+        <p:spPr>
+          <a:xfrm>
+            <a:off x="6496243" y="1994522"/>
+            <a:ext cx="690665" cy="457201"/>
+          </a:xfrm>
+        </p:spPr>
+      </p:pic>
+      <p:pic>
+        <p:nvPicPr>
+          <p:cNvPr id="7" name="Content Placeholder 4">
+            <a:extLst>
+              <a:ext uri="{FF2B5EF4-FFF2-40B4-BE49-F238E27FC236}">
+                <a16:creationId xmlns:a16="http://schemas.microsoft.com/office/drawing/2014/main" id="{EA996649-0435-4E18-AD92-E837CCDA3643}"/>
+              </a:ext>
+            </a:extLst>
+          </p:cNvPr>
+          <p:cNvPicPr>
+            <a:picLocks noChangeAspect="1"/>
+          </p:cNvPicPr>
+          <p:nvPr/>
+        </p:nvPicPr>
+        <p:blipFill rotWithShape="1">
+          <a:blip r:embed="rId5">
+            <a:clrChange>
+              <a:clrFrom>
+                <a:srgbClr val="FFFFFF"/>
+              </a:clrFrom>
+              <a:clrTo>
+                <a:srgbClr val="FFFFFF">
+                  <a:alpha val="0"/>
+                </a:srgbClr>
+              </a:clrTo>
+            </a:clrChange>
+          </a:blip>
+          <a:srcRect l="64743" t="70878" r="26395" b="15683"/>
+          <a:stretch/>
+        </p:blipFill>
+        <p:spPr>
+          <a:xfrm>
+            <a:off x="6496243" y="4777798"/>
+            <a:ext cx="713398" cy="521046"/>
+          </a:xfrm>
+          <a:prstGeom prst="rect">
+            <a:avLst/>
+          </a:prstGeom>
+        </p:spPr>
+      </p:pic>
+    </p:spTree>
+    <p:extLst>
+      <p:ext uri="{BB962C8B-B14F-4D97-AF65-F5344CB8AC3E}">
+        <p14:creationId xmlns:p14="http://schemas.microsoft.com/office/powerpoint/2010/main" val="2225576905"/>
+      </p:ext>
+    </p:extLst>
+  </p:cSld>
+  <p:clrMapOvr>
+    <a:masterClrMapping/>
+  </p:clrMapOvr>
+</p:sld>
+</file>
+
+<file path=ppt/slides/slide4.xml><?xml version="1.0" encoding="utf-8"?>
+<p:sld xmlns:a="http://schemas.openxmlformats.org/drawingml/2006/main" xmlns:r="http://schemas.openxmlformats.org/officeDocument/2006/relationships" xmlns:p="http://schemas.openxmlformats.org/presentationml/2006/main">
+  <p:cSld>
+    <p:spTree>
+      <p:nvGrpSpPr>
+        <p:cNvPr id="1" name=""/>
+        <p:cNvGrpSpPr/>
+        <p:nvPr/>
+      </p:nvGrpSpPr>
+      <p:grpSpPr>
+        <a:xfrm>
+          <a:off x="0" y="0"/>
+          <a:ext cx="0" cy="0"/>
+          <a:chOff x="0" y="0"/>
+          <a:chExt cx="0" cy="0"/>
+        </a:xfrm>
+      </p:grpSpPr>
       <p:sp>
         <p:nvSpPr>
-          <p:cNvPr id="3" name="Content Placeholder 2">
-            <a:extLst>
-              <a:ext uri="{FF2B5EF4-FFF2-40B4-BE49-F238E27FC236}">
-                <a16:creationId xmlns:a16="http://schemas.microsoft.com/office/drawing/2014/main" id="{6CA8C060-DD77-4B42-A717-BB5B888A68DB}"/>
+          <p:cNvPr id="2" name="Title 1">
+            <a:extLst>
+              <a:ext uri="{FF2B5EF4-FFF2-40B4-BE49-F238E27FC236}">
+                <a16:creationId xmlns:a16="http://schemas.microsoft.com/office/drawing/2014/main" id="{3F78AB56-B0FD-451A-AC69-4433064A4CAF}"/>
               </a:ext>
             </a:extLst>
           </p:cNvPr>
@@ -3779,7 +4799,7 @@
             <a:spLocks noGrp="1"/>
           </p:cNvSpPr>
           <p:nvPr>
-            <p:ph idx="1"/>
+            <p:ph type="title"/>
           </p:nvPr>
         </p:nvSpPr>
         <p:spPr/>
@@ -3791,6 +4811,1487 @@
           </a:p>
         </p:txBody>
       </p:sp>
+      <p:pic>
+        <p:nvPicPr>
+          <p:cNvPr id="5" name="Content Placeholder 4">
+            <a:extLst>
+              <a:ext uri="{FF2B5EF4-FFF2-40B4-BE49-F238E27FC236}">
+                <a16:creationId xmlns:a16="http://schemas.microsoft.com/office/drawing/2014/main" id="{647C44FF-14DB-4AC1-9406-95701BDA81C7}"/>
+              </a:ext>
+            </a:extLst>
+          </p:cNvPr>
+          <p:cNvPicPr>
+            <a:picLocks noGrp="1" noChangeAspect="1"/>
+          </p:cNvPicPr>
+          <p:nvPr>
+            <p:ph idx="1"/>
+          </p:nvPr>
+        </p:nvPicPr>
+        <p:blipFill>
+          <a:blip r:embed="rId2"/>
+          <a:stretch>
+            <a:fillRect/>
+          </a:stretch>
+        </p:blipFill>
+        <p:spPr>
+          <a:xfrm>
+            <a:off x="1618625" y="2591397"/>
+            <a:ext cx="8954750" cy="2819794"/>
+          </a:xfrm>
+        </p:spPr>
+      </p:pic>
+    </p:spTree>
+    <p:extLst>
+      <p:ext uri="{BB962C8B-B14F-4D97-AF65-F5344CB8AC3E}">
+        <p14:creationId xmlns:p14="http://schemas.microsoft.com/office/powerpoint/2010/main" val="3923432391"/>
+      </p:ext>
+    </p:extLst>
+  </p:cSld>
+  <p:clrMapOvr>
+    <a:masterClrMapping/>
+  </p:clrMapOvr>
+</p:sld>
+</file>
+
+<file path=ppt/slides/slide5.xml><?xml version="1.0" encoding="utf-8"?>
+<p:sld xmlns:a="http://schemas.openxmlformats.org/drawingml/2006/main" xmlns:r="http://schemas.openxmlformats.org/officeDocument/2006/relationships" xmlns:p="http://schemas.openxmlformats.org/presentationml/2006/main">
+  <p:cSld>
+    <p:spTree>
+      <p:nvGrpSpPr>
+        <p:cNvPr id="1" name=""/>
+        <p:cNvGrpSpPr/>
+        <p:nvPr/>
+      </p:nvGrpSpPr>
+      <p:grpSpPr>
+        <a:xfrm>
+          <a:off x="0" y="0"/>
+          <a:ext cx="0" cy="0"/>
+          <a:chOff x="0" y="0"/>
+          <a:chExt cx="0" cy="0"/>
+        </a:xfrm>
+      </p:grpSpPr>
+      <p:pic>
+        <p:nvPicPr>
+          <p:cNvPr id="14" name="Picture 13">
+            <a:extLst>
+              <a:ext uri="{FF2B5EF4-FFF2-40B4-BE49-F238E27FC236}">
+                <a16:creationId xmlns:a16="http://schemas.microsoft.com/office/drawing/2014/main" id="{1F8E1C8E-A7A8-4397-B820-9452B31AA754}"/>
+              </a:ext>
+            </a:extLst>
+          </p:cNvPr>
+          <p:cNvPicPr>
+            <a:picLocks noChangeAspect="1"/>
+          </p:cNvPicPr>
+          <p:nvPr/>
+        </p:nvPicPr>
+        <p:blipFill>
+          <a:blip r:embed="rId2"/>
+          <a:srcRect/>
+          <a:stretch>
+            <a:fillRect/>
+          </a:stretch>
+        </p:blipFill>
+        <p:spPr>
+          <a:xfrm>
+            <a:off x="232563" y="745968"/>
+            <a:ext cx="9562289" cy="6038420"/>
+          </a:xfrm>
+          <a:custGeom>
+            <a:avLst/>
+            <a:gdLst>
+              <a:gd name="connsiteX0" fmla="*/ 0 w 9562289"/>
+              <a:gd name="connsiteY0" fmla="*/ 0 h 6038420"/>
+              <a:gd name="connsiteX1" fmla="*/ 9562289 w 9562289"/>
+              <a:gd name="connsiteY1" fmla="*/ 0 h 6038420"/>
+              <a:gd name="connsiteX2" fmla="*/ 9562289 w 9562289"/>
+              <a:gd name="connsiteY2" fmla="*/ 6038420 h 6038420"/>
+              <a:gd name="connsiteX3" fmla="*/ 0 w 9562289"/>
+              <a:gd name="connsiteY3" fmla="*/ 6038420 h 6038420"/>
+              <a:gd name="connsiteX4" fmla="*/ 0 w 9562289"/>
+              <a:gd name="connsiteY4" fmla="*/ 0 h 6038420"/>
+              <a:gd name="connsiteX5" fmla="*/ 5999084 w 9562289"/>
+              <a:gd name="connsiteY5" fmla="*/ 180475 h 6038420"/>
+              <a:gd name="connsiteX6" fmla="*/ 5999084 w 9562289"/>
+              <a:gd name="connsiteY6" fmla="*/ 1382562 h 6038420"/>
+              <a:gd name="connsiteX7" fmla="*/ 8293550 w 9562289"/>
+              <a:gd name="connsiteY7" fmla="*/ 1382562 h 6038420"/>
+              <a:gd name="connsiteX8" fmla="*/ 8293550 w 9562289"/>
+              <a:gd name="connsiteY8" fmla="*/ 180475 h 6038420"/>
+              <a:gd name="connsiteX9" fmla="*/ 5999084 w 9562289"/>
+              <a:gd name="connsiteY9" fmla="*/ 180475 h 6038420"/>
+            </a:gdLst>
+            <a:ahLst/>
+            <a:cxnLst>
+              <a:cxn ang="0">
+                <a:pos x="connsiteX0" y="connsiteY0"/>
+              </a:cxn>
+              <a:cxn ang="0">
+                <a:pos x="connsiteX1" y="connsiteY1"/>
+              </a:cxn>
+              <a:cxn ang="0">
+                <a:pos x="connsiteX2" y="connsiteY2"/>
+              </a:cxn>
+              <a:cxn ang="0">
+                <a:pos x="connsiteX3" y="connsiteY3"/>
+              </a:cxn>
+              <a:cxn ang="0">
+                <a:pos x="connsiteX4" y="connsiteY4"/>
+              </a:cxn>
+              <a:cxn ang="0">
+                <a:pos x="connsiteX5" y="connsiteY5"/>
+              </a:cxn>
+              <a:cxn ang="0">
+                <a:pos x="connsiteX6" y="connsiteY6"/>
+              </a:cxn>
+              <a:cxn ang="0">
+                <a:pos x="connsiteX7" y="connsiteY7"/>
+              </a:cxn>
+              <a:cxn ang="0">
+                <a:pos x="connsiteX8" y="connsiteY8"/>
+              </a:cxn>
+              <a:cxn ang="0">
+                <a:pos x="connsiteX9" y="connsiteY9"/>
+              </a:cxn>
+            </a:cxnLst>
+            <a:rect l="l" t="t" r="r" b="b"/>
+            <a:pathLst>
+              <a:path w="9562289" h="6038420">
+                <a:moveTo>
+                  <a:pt x="0" y="0"/>
+                </a:moveTo>
+                <a:lnTo>
+                  <a:pt x="9562289" y="0"/>
+                </a:lnTo>
+                <a:lnTo>
+                  <a:pt x="9562289" y="6038420"/>
+                </a:lnTo>
+                <a:lnTo>
+                  <a:pt x="0" y="6038420"/>
+                </a:lnTo>
+                <a:lnTo>
+                  <a:pt x="0" y="0"/>
+                </a:lnTo>
+                <a:close/>
+                <a:moveTo>
+                  <a:pt x="5999084" y="180475"/>
+                </a:moveTo>
+                <a:lnTo>
+                  <a:pt x="5999084" y="1382562"/>
+                </a:lnTo>
+                <a:lnTo>
+                  <a:pt x="8293550" y="1382562"/>
+                </a:lnTo>
+                <a:lnTo>
+                  <a:pt x="8293550" y="180475"/>
+                </a:lnTo>
+                <a:lnTo>
+                  <a:pt x="5999084" y="180475"/>
+                </a:lnTo>
+                <a:close/>
+              </a:path>
+            </a:pathLst>
+          </a:custGeom>
+        </p:spPr>
+      </p:pic>
+      <p:pic>
+        <p:nvPicPr>
+          <p:cNvPr id="15" name="Picture 14">
+            <a:extLst>
+              <a:ext uri="{FF2B5EF4-FFF2-40B4-BE49-F238E27FC236}">
+                <a16:creationId xmlns:a16="http://schemas.microsoft.com/office/drawing/2014/main" id="{5DAB86D4-A3B0-49E5-9F44-A01BB740FBE9}"/>
+              </a:ext>
+            </a:extLst>
+          </p:cNvPr>
+          <p:cNvPicPr>
+            <a:picLocks noChangeAspect="1"/>
+          </p:cNvPicPr>
+          <p:nvPr/>
+        </p:nvPicPr>
+        <p:blipFill>
+          <a:blip r:embed="rId2"/>
+          <a:srcRect l="62737" t="2989" r="13268" b="77104"/>
+          <a:stretch>
+            <a:fillRect/>
+          </a:stretch>
+        </p:blipFill>
+        <p:spPr>
+          <a:xfrm>
+            <a:off x="5976745" y="144924"/>
+            <a:ext cx="2294466" cy="1202087"/>
+          </a:xfrm>
+          <a:custGeom>
+            <a:avLst/>
+            <a:gdLst>
+              <a:gd name="connsiteX0" fmla="*/ 0 w 2294466"/>
+              <a:gd name="connsiteY0" fmla="*/ 0 h 1202087"/>
+              <a:gd name="connsiteX1" fmla="*/ 2294466 w 2294466"/>
+              <a:gd name="connsiteY1" fmla="*/ 0 h 1202087"/>
+              <a:gd name="connsiteX2" fmla="*/ 2294466 w 2294466"/>
+              <a:gd name="connsiteY2" fmla="*/ 1202087 h 1202087"/>
+              <a:gd name="connsiteX3" fmla="*/ 0 w 2294466"/>
+              <a:gd name="connsiteY3" fmla="*/ 1202087 h 1202087"/>
+              <a:gd name="connsiteX4" fmla="*/ 0 w 2294466"/>
+              <a:gd name="connsiteY4" fmla="*/ 0 h 1202087"/>
+            </a:gdLst>
+            <a:ahLst/>
+            <a:cxnLst>
+              <a:cxn ang="0">
+                <a:pos x="connsiteX0" y="connsiteY0"/>
+              </a:cxn>
+              <a:cxn ang="0">
+                <a:pos x="connsiteX1" y="connsiteY1"/>
+              </a:cxn>
+              <a:cxn ang="0">
+                <a:pos x="connsiteX2" y="connsiteY2"/>
+              </a:cxn>
+              <a:cxn ang="0">
+                <a:pos x="connsiteX3" y="connsiteY3"/>
+              </a:cxn>
+              <a:cxn ang="0">
+                <a:pos x="connsiteX4" y="connsiteY4"/>
+              </a:cxn>
+            </a:cxnLst>
+            <a:rect l="l" t="t" r="r" b="b"/>
+            <a:pathLst>
+              <a:path w="2294466" h="1202087">
+                <a:moveTo>
+                  <a:pt x="0" y="0"/>
+                </a:moveTo>
+                <a:lnTo>
+                  <a:pt x="2294466" y="0"/>
+                </a:lnTo>
+                <a:lnTo>
+                  <a:pt x="2294466" y="1202087"/>
+                </a:lnTo>
+                <a:lnTo>
+                  <a:pt x="0" y="1202087"/>
+                </a:lnTo>
+                <a:lnTo>
+                  <a:pt x="0" y="0"/>
+                </a:lnTo>
+                <a:close/>
+              </a:path>
+            </a:pathLst>
+          </a:custGeom>
+        </p:spPr>
+      </p:pic>
+    </p:spTree>
+    <p:extLst>
+      <p:ext uri="{BB962C8B-B14F-4D97-AF65-F5344CB8AC3E}">
+        <p14:creationId xmlns:p14="http://schemas.microsoft.com/office/powerpoint/2010/main" val="3963554827"/>
+      </p:ext>
+    </p:extLst>
+  </p:cSld>
+  <p:clrMapOvr>
+    <a:masterClrMapping/>
+  </p:clrMapOvr>
+</p:sld>
+</file>
+
+<file path=ppt/slides/slide6.xml><?xml version="1.0" encoding="utf-8"?>
+<p:sld xmlns:a="http://schemas.openxmlformats.org/drawingml/2006/main" xmlns:r="http://schemas.openxmlformats.org/officeDocument/2006/relationships" xmlns:p="http://schemas.openxmlformats.org/presentationml/2006/main">
+  <p:cSld>
+    <p:spTree>
+      <p:nvGrpSpPr>
+        <p:cNvPr id="1" name=""/>
+        <p:cNvGrpSpPr/>
+        <p:nvPr/>
+      </p:nvGrpSpPr>
+      <p:grpSpPr>
+        <a:xfrm>
+          <a:off x="0" y="0"/>
+          <a:ext cx="0" cy="0"/>
+          <a:chOff x="0" y="0"/>
+          <a:chExt cx="0" cy="0"/>
+        </a:xfrm>
+      </p:grpSpPr>
+      <p:sp>
+        <p:nvSpPr>
+          <p:cNvPr id="2" name="Title 1">
+            <a:extLst>
+              <a:ext uri="{FF2B5EF4-FFF2-40B4-BE49-F238E27FC236}">
+                <a16:creationId xmlns:a16="http://schemas.microsoft.com/office/drawing/2014/main" id="{CDFB4535-9278-426D-B3FF-4EF66E092075}"/>
+              </a:ext>
+            </a:extLst>
+          </p:cNvPr>
+          <p:cNvSpPr>
+            <a:spLocks noGrp="1"/>
+          </p:cNvSpPr>
+          <p:nvPr>
+            <p:ph type="title"/>
+          </p:nvPr>
+        </p:nvSpPr>
+        <p:spPr>
+          <a:xfrm>
+            <a:off x="203200" y="128760"/>
+            <a:ext cx="10515600" cy="1325563"/>
+          </a:xfrm>
+        </p:spPr>
+        <p:txBody>
+          <a:bodyPr/>
+          <a:lstStyle/>
+          <a:p>
+            <a:r>
+              <a:rPr lang="en-US" dirty="0"/>
+              <a:t>Visual Proof: Data-Processing Inequality</a:t>
+            </a:r>
+          </a:p>
+        </p:txBody>
+      </p:sp>
+      <p:pic>
+        <p:nvPicPr>
+          <p:cNvPr id="51" name="Picture 50">
+            <a:extLst>
+              <a:ext uri="{FF2B5EF4-FFF2-40B4-BE49-F238E27FC236}">
+                <a16:creationId xmlns:a16="http://schemas.microsoft.com/office/drawing/2014/main" id="{7849D5F4-CD23-44CD-8D80-40B361524FC4}"/>
+              </a:ext>
+            </a:extLst>
+          </p:cNvPr>
+          <p:cNvPicPr>
+            <a:picLocks noChangeAspect="1"/>
+          </p:cNvPicPr>
+          <p:nvPr/>
+        </p:nvPicPr>
+        <p:blipFill>
+          <a:blip r:embed="rId2"/>
+          <a:srcRect l="1452" t="10612" r="62657" b="68872"/>
+          <a:stretch>
+            <a:fillRect/>
+          </a:stretch>
+        </p:blipFill>
+        <p:spPr>
+          <a:xfrm>
+            <a:off x="399835" y="2622869"/>
+            <a:ext cx="2282586" cy="853440"/>
+          </a:xfrm>
+          <a:custGeom>
+            <a:avLst/>
+            <a:gdLst>
+              <a:gd name="connsiteX0" fmla="*/ 0 w 2282586"/>
+              <a:gd name="connsiteY0" fmla="*/ 0 h 853440"/>
+              <a:gd name="connsiteX1" fmla="*/ 2282586 w 2282586"/>
+              <a:gd name="connsiteY1" fmla="*/ 0 h 853440"/>
+              <a:gd name="connsiteX2" fmla="*/ 2282586 w 2282586"/>
+              <a:gd name="connsiteY2" fmla="*/ 853440 h 853440"/>
+              <a:gd name="connsiteX3" fmla="*/ 0 w 2282586"/>
+              <a:gd name="connsiteY3" fmla="*/ 853440 h 853440"/>
+              <a:gd name="connsiteX4" fmla="*/ 0 w 2282586"/>
+              <a:gd name="connsiteY4" fmla="*/ 0 h 853440"/>
+            </a:gdLst>
+            <a:ahLst/>
+            <a:cxnLst>
+              <a:cxn ang="0">
+                <a:pos x="connsiteX0" y="connsiteY0"/>
+              </a:cxn>
+              <a:cxn ang="0">
+                <a:pos x="connsiteX1" y="connsiteY1"/>
+              </a:cxn>
+              <a:cxn ang="0">
+                <a:pos x="connsiteX2" y="connsiteY2"/>
+              </a:cxn>
+              <a:cxn ang="0">
+                <a:pos x="connsiteX3" y="connsiteY3"/>
+              </a:cxn>
+              <a:cxn ang="0">
+                <a:pos x="connsiteX4" y="connsiteY4"/>
+              </a:cxn>
+            </a:cxnLst>
+            <a:rect l="l" t="t" r="r" b="b"/>
+            <a:pathLst>
+              <a:path w="2282586" h="853440">
+                <a:moveTo>
+                  <a:pt x="0" y="0"/>
+                </a:moveTo>
+                <a:lnTo>
+                  <a:pt x="2282586" y="0"/>
+                </a:lnTo>
+                <a:lnTo>
+                  <a:pt x="2282586" y="853440"/>
+                </a:lnTo>
+                <a:lnTo>
+                  <a:pt x="0" y="853440"/>
+                </a:lnTo>
+                <a:lnTo>
+                  <a:pt x="0" y="0"/>
+                </a:lnTo>
+                <a:close/>
+              </a:path>
+            </a:pathLst>
+          </a:custGeom>
+        </p:spPr>
+      </p:pic>
+      <p:grpSp>
+        <p:nvGrpSpPr>
+          <p:cNvPr id="56" name="Group 55">
+            <a:extLst>
+              <a:ext uri="{FF2B5EF4-FFF2-40B4-BE49-F238E27FC236}">
+                <a16:creationId xmlns:a16="http://schemas.microsoft.com/office/drawing/2014/main" id="{570092AF-4F83-456C-BDE0-06AF3682E06B}"/>
+              </a:ext>
+            </a:extLst>
+          </p:cNvPr>
+          <p:cNvGrpSpPr/>
+          <p:nvPr/>
+        </p:nvGrpSpPr>
+        <p:grpSpPr>
+          <a:xfrm>
+            <a:off x="2823289" y="2155015"/>
+            <a:ext cx="2834641" cy="1484883"/>
+            <a:chOff x="3032397" y="2258714"/>
+            <a:chExt cx="2834641" cy="1484883"/>
+          </a:xfrm>
+        </p:grpSpPr>
+        <p:pic>
+          <p:nvPicPr>
+            <p:cNvPr id="52" name="Picture 51">
+              <a:extLst>
+                <a:ext uri="{FF2B5EF4-FFF2-40B4-BE49-F238E27FC236}">
+                  <a16:creationId xmlns:a16="http://schemas.microsoft.com/office/drawing/2014/main" id="{B64F2200-0F15-4BE0-B180-3DC5F1B87133}"/>
+                </a:ext>
+              </a:extLst>
+            </p:cNvPr>
+            <p:cNvPicPr>
+              <a:picLocks noChangeAspect="1"/>
+            </p:cNvPicPr>
+            <p:nvPr/>
+          </p:nvPicPr>
+          <p:blipFill>
+            <a:blip r:embed="rId2"/>
+            <a:srcRect l="44292" t="1478" r="16694" b="62828"/>
+            <a:stretch>
+              <a:fillRect/>
+            </a:stretch>
+          </p:blipFill>
+          <p:spPr>
+            <a:xfrm>
+              <a:off x="3385854" y="2258714"/>
+              <a:ext cx="2481184" cy="1484883"/>
+            </a:xfrm>
+            <a:custGeom>
+              <a:avLst/>
+              <a:gdLst>
+                <a:gd name="connsiteX0" fmla="*/ 0 w 2481184"/>
+                <a:gd name="connsiteY0" fmla="*/ 0 h 1484883"/>
+                <a:gd name="connsiteX1" fmla="*/ 2481184 w 2481184"/>
+                <a:gd name="connsiteY1" fmla="*/ 0 h 1484883"/>
+                <a:gd name="connsiteX2" fmla="*/ 2481184 w 2481184"/>
+                <a:gd name="connsiteY2" fmla="*/ 1484883 h 1484883"/>
+                <a:gd name="connsiteX3" fmla="*/ 0 w 2481184"/>
+                <a:gd name="connsiteY3" fmla="*/ 1484883 h 1484883"/>
+                <a:gd name="connsiteX4" fmla="*/ 0 w 2481184"/>
+                <a:gd name="connsiteY4" fmla="*/ 0 h 1484883"/>
+              </a:gdLst>
+              <a:ahLst/>
+              <a:cxnLst>
+                <a:cxn ang="0">
+                  <a:pos x="connsiteX0" y="connsiteY0"/>
+                </a:cxn>
+                <a:cxn ang="0">
+                  <a:pos x="connsiteX1" y="connsiteY1"/>
+                </a:cxn>
+                <a:cxn ang="0">
+                  <a:pos x="connsiteX2" y="connsiteY2"/>
+                </a:cxn>
+                <a:cxn ang="0">
+                  <a:pos x="connsiteX3" y="connsiteY3"/>
+                </a:cxn>
+                <a:cxn ang="0">
+                  <a:pos x="connsiteX4" y="connsiteY4"/>
+                </a:cxn>
+              </a:cxnLst>
+              <a:rect l="l" t="t" r="r" b="b"/>
+              <a:pathLst>
+                <a:path w="2481184" h="1484883">
+                  <a:moveTo>
+                    <a:pt x="0" y="0"/>
+                  </a:moveTo>
+                  <a:lnTo>
+                    <a:pt x="2481184" y="0"/>
+                  </a:lnTo>
+                  <a:lnTo>
+                    <a:pt x="2481184" y="1484883"/>
+                  </a:lnTo>
+                  <a:lnTo>
+                    <a:pt x="0" y="1484883"/>
+                  </a:lnTo>
+                  <a:lnTo>
+                    <a:pt x="0" y="0"/>
+                  </a:lnTo>
+                  <a:close/>
+                </a:path>
+              </a:pathLst>
+            </a:custGeom>
+          </p:spPr>
+        </p:pic>
+        <p:pic>
+          <p:nvPicPr>
+            <p:cNvPr id="50" name="Picture 49">
+              <a:extLst>
+                <a:ext uri="{FF2B5EF4-FFF2-40B4-BE49-F238E27FC236}">
+                  <a16:creationId xmlns:a16="http://schemas.microsoft.com/office/drawing/2014/main" id="{7994B79A-B59C-477F-90FA-5F88907403DD}"/>
+                </a:ext>
+              </a:extLst>
+            </p:cNvPr>
+            <p:cNvPicPr>
+              <a:picLocks noChangeAspect="1"/>
+            </p:cNvPicPr>
+            <p:nvPr/>
+          </p:nvPicPr>
+          <p:blipFill>
+            <a:blip r:embed="rId2"/>
+            <a:srcRect l="38734" t="15993" r="57243" b="76869"/>
+            <a:stretch>
+              <a:fillRect/>
+            </a:stretch>
+          </p:blipFill>
+          <p:spPr>
+            <a:xfrm>
+              <a:off x="3032397" y="2862528"/>
+              <a:ext cx="255866" cy="296926"/>
+            </a:xfrm>
+            <a:custGeom>
+              <a:avLst/>
+              <a:gdLst>
+                <a:gd name="connsiteX0" fmla="*/ 0 w 255866"/>
+                <a:gd name="connsiteY0" fmla="*/ 0 h 296926"/>
+                <a:gd name="connsiteX1" fmla="*/ 255866 w 255866"/>
+                <a:gd name="connsiteY1" fmla="*/ 0 h 296926"/>
+                <a:gd name="connsiteX2" fmla="*/ 255866 w 255866"/>
+                <a:gd name="connsiteY2" fmla="*/ 296926 h 296926"/>
+                <a:gd name="connsiteX3" fmla="*/ 0 w 255866"/>
+                <a:gd name="connsiteY3" fmla="*/ 296926 h 296926"/>
+                <a:gd name="connsiteX4" fmla="*/ 0 w 255866"/>
+                <a:gd name="connsiteY4" fmla="*/ 0 h 296926"/>
+              </a:gdLst>
+              <a:ahLst/>
+              <a:cxnLst>
+                <a:cxn ang="0">
+                  <a:pos x="connsiteX0" y="connsiteY0"/>
+                </a:cxn>
+                <a:cxn ang="0">
+                  <a:pos x="connsiteX1" y="connsiteY1"/>
+                </a:cxn>
+                <a:cxn ang="0">
+                  <a:pos x="connsiteX2" y="connsiteY2"/>
+                </a:cxn>
+                <a:cxn ang="0">
+                  <a:pos x="connsiteX3" y="connsiteY3"/>
+                </a:cxn>
+                <a:cxn ang="0">
+                  <a:pos x="connsiteX4" y="connsiteY4"/>
+                </a:cxn>
+              </a:cxnLst>
+              <a:rect l="l" t="t" r="r" b="b"/>
+              <a:pathLst>
+                <a:path w="255866" h="296926">
+                  <a:moveTo>
+                    <a:pt x="0" y="0"/>
+                  </a:moveTo>
+                  <a:lnTo>
+                    <a:pt x="255866" y="0"/>
+                  </a:lnTo>
+                  <a:lnTo>
+                    <a:pt x="255866" y="296926"/>
+                  </a:lnTo>
+                  <a:lnTo>
+                    <a:pt x="0" y="296926"/>
+                  </a:lnTo>
+                  <a:lnTo>
+                    <a:pt x="0" y="0"/>
+                  </a:lnTo>
+                  <a:close/>
+                </a:path>
+              </a:pathLst>
+            </a:custGeom>
+          </p:spPr>
+        </p:pic>
+      </p:grpSp>
+      <p:grpSp>
+        <p:nvGrpSpPr>
+          <p:cNvPr id="57" name="Group 56">
+            <a:extLst>
+              <a:ext uri="{FF2B5EF4-FFF2-40B4-BE49-F238E27FC236}">
+                <a16:creationId xmlns:a16="http://schemas.microsoft.com/office/drawing/2014/main" id="{CBD00EB1-B3DD-497B-B2F5-567D13449E3A}"/>
+              </a:ext>
+            </a:extLst>
+          </p:cNvPr>
+          <p:cNvGrpSpPr/>
+          <p:nvPr/>
+        </p:nvGrpSpPr>
+        <p:grpSpPr>
+          <a:xfrm>
+            <a:off x="1541128" y="3818729"/>
+            <a:ext cx="3827345" cy="1365114"/>
+            <a:chOff x="3032397" y="3756838"/>
+            <a:chExt cx="3827345" cy="1365114"/>
+          </a:xfrm>
+        </p:grpSpPr>
+        <p:pic>
+          <p:nvPicPr>
+            <p:cNvPr id="49" name="Picture 48">
+              <a:extLst>
+                <a:ext uri="{FF2B5EF4-FFF2-40B4-BE49-F238E27FC236}">
+                  <a16:creationId xmlns:a16="http://schemas.microsoft.com/office/drawing/2014/main" id="{E6439541-EACA-4939-95F1-31655E8011E5}"/>
+                </a:ext>
+              </a:extLst>
+            </p:cNvPr>
+            <p:cNvPicPr>
+              <a:picLocks noChangeAspect="1"/>
+            </p:cNvPicPr>
+            <p:nvPr/>
+          </p:nvPicPr>
+          <p:blipFill>
+            <a:blip r:embed="rId2"/>
+            <a:srcRect l="44292" t="37491" r="1085" b="29695"/>
+            <a:stretch>
+              <a:fillRect/>
+            </a:stretch>
+          </p:blipFill>
+          <p:spPr>
+            <a:xfrm>
+              <a:off x="3385854" y="3756838"/>
+              <a:ext cx="3473888" cy="1365114"/>
+            </a:xfrm>
+            <a:custGeom>
+              <a:avLst/>
+              <a:gdLst>
+                <a:gd name="connsiteX0" fmla="*/ 0 w 3473888"/>
+                <a:gd name="connsiteY0" fmla="*/ 0 h 1365114"/>
+                <a:gd name="connsiteX1" fmla="*/ 3473888 w 3473888"/>
+                <a:gd name="connsiteY1" fmla="*/ 0 h 1365114"/>
+                <a:gd name="connsiteX2" fmla="*/ 3473888 w 3473888"/>
+                <a:gd name="connsiteY2" fmla="*/ 1365114 h 1365114"/>
+                <a:gd name="connsiteX3" fmla="*/ 0 w 3473888"/>
+                <a:gd name="connsiteY3" fmla="*/ 1365114 h 1365114"/>
+                <a:gd name="connsiteX4" fmla="*/ 0 w 3473888"/>
+                <a:gd name="connsiteY4" fmla="*/ 0 h 1365114"/>
+              </a:gdLst>
+              <a:ahLst/>
+              <a:cxnLst>
+                <a:cxn ang="0">
+                  <a:pos x="connsiteX0" y="connsiteY0"/>
+                </a:cxn>
+                <a:cxn ang="0">
+                  <a:pos x="connsiteX1" y="connsiteY1"/>
+                </a:cxn>
+                <a:cxn ang="0">
+                  <a:pos x="connsiteX2" y="connsiteY2"/>
+                </a:cxn>
+                <a:cxn ang="0">
+                  <a:pos x="connsiteX3" y="connsiteY3"/>
+                </a:cxn>
+                <a:cxn ang="0">
+                  <a:pos x="connsiteX4" y="connsiteY4"/>
+                </a:cxn>
+              </a:cxnLst>
+              <a:rect l="l" t="t" r="r" b="b"/>
+              <a:pathLst>
+                <a:path w="3473888" h="1365114">
+                  <a:moveTo>
+                    <a:pt x="0" y="0"/>
+                  </a:moveTo>
+                  <a:lnTo>
+                    <a:pt x="3473888" y="0"/>
+                  </a:lnTo>
+                  <a:lnTo>
+                    <a:pt x="3473888" y="1365114"/>
+                  </a:lnTo>
+                  <a:lnTo>
+                    <a:pt x="0" y="1365114"/>
+                  </a:lnTo>
+                  <a:lnTo>
+                    <a:pt x="0" y="0"/>
+                  </a:lnTo>
+                  <a:close/>
+                </a:path>
+              </a:pathLst>
+            </a:custGeom>
+          </p:spPr>
+        </p:pic>
+        <p:pic>
+          <p:nvPicPr>
+            <p:cNvPr id="48" name="Picture 47">
+              <a:extLst>
+                <a:ext uri="{FF2B5EF4-FFF2-40B4-BE49-F238E27FC236}">
+                  <a16:creationId xmlns:a16="http://schemas.microsoft.com/office/drawing/2014/main" id="{7D0E90F7-EBA5-4FC8-B633-2060EE62A13B}"/>
+                </a:ext>
+              </a:extLst>
+            </p:cNvPr>
+            <p:cNvPicPr>
+              <a:picLocks noChangeAspect="1"/>
+            </p:cNvPicPr>
+            <p:nvPr/>
+          </p:nvPicPr>
+          <p:blipFill>
+            <a:blip r:embed="rId2"/>
+            <a:srcRect l="38734" t="52051" r="57385" b="42809"/>
+            <a:stretch>
+              <a:fillRect/>
+            </a:stretch>
+          </p:blipFill>
+          <p:spPr>
+            <a:xfrm>
+              <a:off x="3032397" y="4362558"/>
+              <a:ext cx="246780" cy="213825"/>
+            </a:xfrm>
+            <a:custGeom>
+              <a:avLst/>
+              <a:gdLst>
+                <a:gd name="connsiteX0" fmla="*/ 0 w 246780"/>
+                <a:gd name="connsiteY0" fmla="*/ 0 h 213825"/>
+                <a:gd name="connsiteX1" fmla="*/ 246780 w 246780"/>
+                <a:gd name="connsiteY1" fmla="*/ 0 h 213825"/>
+                <a:gd name="connsiteX2" fmla="*/ 246780 w 246780"/>
+                <a:gd name="connsiteY2" fmla="*/ 213825 h 213825"/>
+                <a:gd name="connsiteX3" fmla="*/ 0 w 246780"/>
+                <a:gd name="connsiteY3" fmla="*/ 213825 h 213825"/>
+                <a:gd name="connsiteX4" fmla="*/ 0 w 246780"/>
+                <a:gd name="connsiteY4" fmla="*/ 0 h 213825"/>
+              </a:gdLst>
+              <a:ahLst/>
+              <a:cxnLst>
+                <a:cxn ang="0">
+                  <a:pos x="connsiteX0" y="connsiteY0"/>
+                </a:cxn>
+                <a:cxn ang="0">
+                  <a:pos x="connsiteX1" y="connsiteY1"/>
+                </a:cxn>
+                <a:cxn ang="0">
+                  <a:pos x="connsiteX2" y="connsiteY2"/>
+                </a:cxn>
+                <a:cxn ang="0">
+                  <a:pos x="connsiteX3" y="connsiteY3"/>
+                </a:cxn>
+                <a:cxn ang="0">
+                  <a:pos x="connsiteX4" y="connsiteY4"/>
+                </a:cxn>
+              </a:cxnLst>
+              <a:rect l="l" t="t" r="r" b="b"/>
+              <a:pathLst>
+                <a:path w="246780" h="213825">
+                  <a:moveTo>
+                    <a:pt x="0" y="0"/>
+                  </a:moveTo>
+                  <a:lnTo>
+                    <a:pt x="246780" y="0"/>
+                  </a:lnTo>
+                  <a:lnTo>
+                    <a:pt x="246780" y="213825"/>
+                  </a:lnTo>
+                  <a:lnTo>
+                    <a:pt x="0" y="213825"/>
+                  </a:lnTo>
+                  <a:lnTo>
+                    <a:pt x="0" y="0"/>
+                  </a:lnTo>
+                  <a:close/>
+                </a:path>
+              </a:pathLst>
+            </a:custGeom>
+          </p:spPr>
+        </p:pic>
+      </p:grpSp>
+      <p:pic>
+        <p:nvPicPr>
+          <p:cNvPr id="47" name="Picture 46">
+            <a:extLst>
+              <a:ext uri="{FF2B5EF4-FFF2-40B4-BE49-F238E27FC236}">
+                <a16:creationId xmlns:a16="http://schemas.microsoft.com/office/drawing/2014/main" id="{EAC7F076-D707-4F6C-AA63-4E604515C7FB}"/>
+              </a:ext>
+            </a:extLst>
+          </p:cNvPr>
+          <p:cNvPicPr>
+            <a:picLocks noChangeAspect="1"/>
+          </p:cNvPicPr>
+          <p:nvPr/>
+        </p:nvPicPr>
+        <p:blipFill>
+          <a:blip r:embed="rId2"/>
+          <a:srcRect l="43207" t="72474" r="474" b="916"/>
+          <a:stretch>
+            <a:fillRect/>
+          </a:stretch>
+        </p:blipFill>
+        <p:spPr>
+          <a:xfrm>
+            <a:off x="5947387" y="3977870"/>
+            <a:ext cx="3581757" cy="1106982"/>
+          </a:xfrm>
+          <a:custGeom>
+            <a:avLst/>
+            <a:gdLst>
+              <a:gd name="connsiteX0" fmla="*/ 0 w 3581757"/>
+              <a:gd name="connsiteY0" fmla="*/ 0 h 1106982"/>
+              <a:gd name="connsiteX1" fmla="*/ 3581757 w 3581757"/>
+              <a:gd name="connsiteY1" fmla="*/ 0 h 1106982"/>
+              <a:gd name="connsiteX2" fmla="*/ 3581757 w 3581757"/>
+              <a:gd name="connsiteY2" fmla="*/ 1106982 h 1106982"/>
+              <a:gd name="connsiteX3" fmla="*/ 0 w 3581757"/>
+              <a:gd name="connsiteY3" fmla="*/ 1106982 h 1106982"/>
+              <a:gd name="connsiteX4" fmla="*/ 0 w 3581757"/>
+              <a:gd name="connsiteY4" fmla="*/ 0 h 1106982"/>
+            </a:gdLst>
+            <a:ahLst/>
+            <a:cxnLst>
+              <a:cxn ang="0">
+                <a:pos x="connsiteX0" y="connsiteY0"/>
+              </a:cxn>
+              <a:cxn ang="0">
+                <a:pos x="connsiteX1" y="connsiteY1"/>
+              </a:cxn>
+              <a:cxn ang="0">
+                <a:pos x="connsiteX2" y="connsiteY2"/>
+              </a:cxn>
+              <a:cxn ang="0">
+                <a:pos x="connsiteX3" y="connsiteY3"/>
+              </a:cxn>
+              <a:cxn ang="0">
+                <a:pos x="connsiteX4" y="connsiteY4"/>
+              </a:cxn>
+            </a:cxnLst>
+            <a:rect l="l" t="t" r="r" b="b"/>
+            <a:pathLst>
+              <a:path w="3581757" h="1106982">
+                <a:moveTo>
+                  <a:pt x="0" y="0"/>
+                </a:moveTo>
+                <a:lnTo>
+                  <a:pt x="3581757" y="0"/>
+                </a:lnTo>
+                <a:lnTo>
+                  <a:pt x="3581757" y="1106982"/>
+                </a:lnTo>
+                <a:lnTo>
+                  <a:pt x="0" y="1106982"/>
+                </a:lnTo>
+                <a:lnTo>
+                  <a:pt x="0" y="0"/>
+                </a:lnTo>
+                <a:close/>
+              </a:path>
+            </a:pathLst>
+          </a:custGeom>
+        </p:spPr>
+      </p:pic>
+      <p:pic>
+        <p:nvPicPr>
+          <p:cNvPr id="46" name="Picture 45">
+            <a:extLst>
+              <a:ext uri="{FF2B5EF4-FFF2-40B4-BE49-F238E27FC236}">
+                <a16:creationId xmlns:a16="http://schemas.microsoft.com/office/drawing/2014/main" id="{740945A9-FDFA-4E41-BD0A-E9BCCC72BA43}"/>
+              </a:ext>
+            </a:extLst>
+          </p:cNvPr>
+          <p:cNvPicPr>
+            <a:picLocks noChangeAspect="1"/>
+          </p:cNvPicPr>
+          <p:nvPr/>
+        </p:nvPicPr>
+        <p:blipFill>
+          <a:blip r:embed="rId2"/>
+          <a:srcRect l="38316" t="82543" r="57661" b="10320"/>
+          <a:stretch>
+            <a:fillRect/>
+          </a:stretch>
+        </p:blipFill>
+        <p:spPr>
+          <a:xfrm>
+            <a:off x="5566336" y="4376148"/>
+            <a:ext cx="255866" cy="296926"/>
+          </a:xfrm>
+          <a:custGeom>
+            <a:avLst/>
+            <a:gdLst>
+              <a:gd name="connsiteX0" fmla="*/ 0 w 255866"/>
+              <a:gd name="connsiteY0" fmla="*/ 0 h 296926"/>
+              <a:gd name="connsiteX1" fmla="*/ 255866 w 255866"/>
+              <a:gd name="connsiteY1" fmla="*/ 0 h 296926"/>
+              <a:gd name="connsiteX2" fmla="*/ 255866 w 255866"/>
+              <a:gd name="connsiteY2" fmla="*/ 296926 h 296926"/>
+              <a:gd name="connsiteX3" fmla="*/ 0 w 255866"/>
+              <a:gd name="connsiteY3" fmla="*/ 296926 h 296926"/>
+              <a:gd name="connsiteX4" fmla="*/ 0 w 255866"/>
+              <a:gd name="connsiteY4" fmla="*/ 0 h 296926"/>
+            </a:gdLst>
+            <a:ahLst/>
+            <a:cxnLst>
+              <a:cxn ang="0">
+                <a:pos x="connsiteX0" y="connsiteY0"/>
+              </a:cxn>
+              <a:cxn ang="0">
+                <a:pos x="connsiteX1" y="connsiteY1"/>
+              </a:cxn>
+              <a:cxn ang="0">
+                <a:pos x="connsiteX2" y="connsiteY2"/>
+              </a:cxn>
+              <a:cxn ang="0">
+                <a:pos x="connsiteX3" y="connsiteY3"/>
+              </a:cxn>
+              <a:cxn ang="0">
+                <a:pos x="connsiteX4" y="connsiteY4"/>
+              </a:cxn>
+            </a:cxnLst>
+            <a:rect l="l" t="t" r="r" b="b"/>
+            <a:pathLst>
+              <a:path w="255866" h="296926">
+                <a:moveTo>
+                  <a:pt x="0" y="0"/>
+                </a:moveTo>
+                <a:lnTo>
+                  <a:pt x="255866" y="0"/>
+                </a:lnTo>
+                <a:lnTo>
+                  <a:pt x="255866" y="296926"/>
+                </a:lnTo>
+                <a:lnTo>
+                  <a:pt x="0" y="296926"/>
+                </a:lnTo>
+                <a:lnTo>
+                  <a:pt x="0" y="0"/>
+                </a:lnTo>
+                <a:close/>
+              </a:path>
+            </a:pathLst>
+          </a:custGeom>
+        </p:spPr>
+      </p:pic>
+      <p:pic>
+        <p:nvPicPr>
+          <p:cNvPr id="55" name="Picture 54">
+            <a:extLst>
+              <a:ext uri="{FF2B5EF4-FFF2-40B4-BE49-F238E27FC236}">
+                <a16:creationId xmlns:a16="http://schemas.microsoft.com/office/drawing/2014/main" id="{58CE8BFB-1E3E-4382-A14B-48EFF89B1A21}"/>
+              </a:ext>
+            </a:extLst>
+          </p:cNvPr>
+          <p:cNvPicPr>
+            <a:picLocks noChangeAspect="1"/>
+          </p:cNvPicPr>
+          <p:nvPr/>
+        </p:nvPicPr>
+        <p:blipFill>
+          <a:blip r:embed="rId3"/>
+          <a:srcRect l="12750" t="13890" r="1775" b="6696"/>
+          <a:stretch>
+            <a:fillRect/>
+          </a:stretch>
+        </p:blipFill>
+        <p:spPr>
+          <a:xfrm>
+            <a:off x="7916817" y="5275217"/>
+            <a:ext cx="2656840" cy="876300"/>
+          </a:xfrm>
+          <a:custGeom>
+            <a:avLst/>
+            <a:gdLst>
+              <a:gd name="connsiteX0" fmla="*/ 0 w 2656840"/>
+              <a:gd name="connsiteY0" fmla="*/ 0 h 876300"/>
+              <a:gd name="connsiteX1" fmla="*/ 2656840 w 2656840"/>
+              <a:gd name="connsiteY1" fmla="*/ 0 h 876300"/>
+              <a:gd name="connsiteX2" fmla="*/ 2656840 w 2656840"/>
+              <a:gd name="connsiteY2" fmla="*/ 876300 h 876300"/>
+              <a:gd name="connsiteX3" fmla="*/ 0 w 2656840"/>
+              <a:gd name="connsiteY3" fmla="*/ 876300 h 876300"/>
+              <a:gd name="connsiteX4" fmla="*/ 0 w 2656840"/>
+              <a:gd name="connsiteY4" fmla="*/ 0 h 876300"/>
+            </a:gdLst>
+            <a:ahLst/>
+            <a:cxnLst>
+              <a:cxn ang="0">
+                <a:pos x="connsiteX0" y="connsiteY0"/>
+              </a:cxn>
+              <a:cxn ang="0">
+                <a:pos x="connsiteX1" y="connsiteY1"/>
+              </a:cxn>
+              <a:cxn ang="0">
+                <a:pos x="connsiteX2" y="connsiteY2"/>
+              </a:cxn>
+              <a:cxn ang="0">
+                <a:pos x="connsiteX3" y="connsiteY3"/>
+              </a:cxn>
+              <a:cxn ang="0">
+                <a:pos x="connsiteX4" y="connsiteY4"/>
+              </a:cxn>
+            </a:cxnLst>
+            <a:rect l="l" t="t" r="r" b="b"/>
+            <a:pathLst>
+              <a:path w="2656840" h="876300">
+                <a:moveTo>
+                  <a:pt x="0" y="0"/>
+                </a:moveTo>
+                <a:lnTo>
+                  <a:pt x="2656840" y="0"/>
+                </a:lnTo>
+                <a:lnTo>
+                  <a:pt x="2656840" y="876300"/>
+                </a:lnTo>
+                <a:lnTo>
+                  <a:pt x="0" y="876300"/>
+                </a:lnTo>
+                <a:lnTo>
+                  <a:pt x="0" y="0"/>
+                </a:lnTo>
+                <a:close/>
+              </a:path>
+            </a:pathLst>
+          </a:custGeom>
+        </p:spPr>
+      </p:pic>
+      <p:pic>
+        <p:nvPicPr>
+          <p:cNvPr id="54" name="Picture 53">
+            <a:extLst>
+              <a:ext uri="{FF2B5EF4-FFF2-40B4-BE49-F238E27FC236}">
+                <a16:creationId xmlns:a16="http://schemas.microsoft.com/office/drawing/2014/main" id="{E412E094-4983-4148-BE21-3C79BF563312}"/>
+              </a:ext>
+            </a:extLst>
+          </p:cNvPr>
+          <p:cNvPicPr>
+            <a:picLocks noChangeAspect="1"/>
+          </p:cNvPicPr>
+          <p:nvPr/>
+        </p:nvPicPr>
+        <p:blipFill>
+          <a:blip r:embed="rId3"/>
+          <a:srcRect l="3036" t="42851" r="89024" b="37771"/>
+          <a:stretch>
+            <a:fillRect/>
+          </a:stretch>
+        </p:blipFill>
+        <p:spPr>
+          <a:xfrm>
+            <a:off x="7614876" y="5594793"/>
+            <a:ext cx="246780" cy="213825"/>
+          </a:xfrm>
+          <a:custGeom>
+            <a:avLst/>
+            <a:gdLst>
+              <a:gd name="connsiteX0" fmla="*/ 0 w 246780"/>
+              <a:gd name="connsiteY0" fmla="*/ 0 h 213825"/>
+              <a:gd name="connsiteX1" fmla="*/ 246780 w 246780"/>
+              <a:gd name="connsiteY1" fmla="*/ 0 h 213825"/>
+              <a:gd name="connsiteX2" fmla="*/ 246780 w 246780"/>
+              <a:gd name="connsiteY2" fmla="*/ 213825 h 213825"/>
+              <a:gd name="connsiteX3" fmla="*/ 0 w 246780"/>
+              <a:gd name="connsiteY3" fmla="*/ 213825 h 213825"/>
+              <a:gd name="connsiteX4" fmla="*/ 0 w 246780"/>
+              <a:gd name="connsiteY4" fmla="*/ 0 h 213825"/>
+            </a:gdLst>
+            <a:ahLst/>
+            <a:cxnLst>
+              <a:cxn ang="0">
+                <a:pos x="connsiteX0" y="connsiteY0"/>
+              </a:cxn>
+              <a:cxn ang="0">
+                <a:pos x="connsiteX1" y="connsiteY1"/>
+              </a:cxn>
+              <a:cxn ang="0">
+                <a:pos x="connsiteX2" y="connsiteY2"/>
+              </a:cxn>
+              <a:cxn ang="0">
+                <a:pos x="connsiteX3" y="connsiteY3"/>
+              </a:cxn>
+              <a:cxn ang="0">
+                <a:pos x="connsiteX4" y="connsiteY4"/>
+              </a:cxn>
+            </a:cxnLst>
+            <a:rect l="l" t="t" r="r" b="b"/>
+            <a:pathLst>
+              <a:path w="246780" h="213825">
+                <a:moveTo>
+                  <a:pt x="0" y="0"/>
+                </a:moveTo>
+                <a:lnTo>
+                  <a:pt x="246780" y="0"/>
+                </a:lnTo>
+                <a:lnTo>
+                  <a:pt x="246780" y="213825"/>
+                </a:lnTo>
+                <a:lnTo>
+                  <a:pt x="0" y="213825"/>
+                </a:lnTo>
+                <a:lnTo>
+                  <a:pt x="0" y="0"/>
+                </a:lnTo>
+                <a:close/>
+              </a:path>
+            </a:pathLst>
+          </a:custGeom>
+        </p:spPr>
+      </p:pic>
+      <p:pic>
+        <p:nvPicPr>
+          <p:cNvPr id="9" name="Picture 8">
+            <a:extLst>
+              <a:ext uri="{FF2B5EF4-FFF2-40B4-BE49-F238E27FC236}">
+                <a16:creationId xmlns:a16="http://schemas.microsoft.com/office/drawing/2014/main" id="{079AB416-4015-435C-ACAC-C41E84EC50A7}"/>
+              </a:ext>
+            </a:extLst>
+          </p:cNvPr>
+          <p:cNvPicPr>
+            <a:picLocks noChangeAspect="1"/>
+          </p:cNvPicPr>
+          <p:nvPr/>
+        </p:nvPicPr>
+        <p:blipFill rotWithShape="1">
+          <a:blip r:embed="rId4">
+            <a:clrChange>
+              <a:clrFrom>
+                <a:srgbClr val="FFFFFF"/>
+              </a:clrFrom>
+              <a:clrTo>
+                <a:srgbClr val="FFFFFF">
+                  <a:alpha val="0"/>
+                </a:srgbClr>
+              </a:clrTo>
+            </a:clrChange>
+          </a:blip>
+          <a:srcRect l="-472" t="16889" r="4696" b="10119"/>
+          <a:stretch/>
+        </p:blipFill>
+        <p:spPr>
+          <a:xfrm>
+            <a:off x="1133238" y="1113759"/>
+            <a:ext cx="5280582" cy="703284"/>
+          </a:xfrm>
+          <a:prstGeom prst="rect">
+            <a:avLst/>
+          </a:prstGeom>
+        </p:spPr>
+      </p:pic>
+      <p:sp>
+        <p:nvSpPr>
+          <p:cNvPr id="58" name="TextBox 57">
+            <a:extLst>
+              <a:ext uri="{FF2B5EF4-FFF2-40B4-BE49-F238E27FC236}">
+                <a16:creationId xmlns:a16="http://schemas.microsoft.com/office/drawing/2014/main" id="{3CE3F941-0AD5-47F2-91AC-B889B5D0F1BD}"/>
+              </a:ext>
+            </a:extLst>
+          </p:cNvPr>
+          <p:cNvSpPr txBox="1"/>
+          <p:nvPr/>
+        </p:nvSpPr>
+        <p:spPr>
+          <a:xfrm>
+            <a:off x="3289247" y="6163445"/>
+            <a:ext cx="3124573" cy="369332"/>
+          </a:xfrm>
+          <a:prstGeom prst="rect">
+            <a:avLst/>
+          </a:prstGeom>
+          <a:noFill/>
+        </p:spPr>
+        <p:txBody>
+          <a:bodyPr wrap="none" rtlCol="0">
+            <a:spAutoFit/>
+          </a:bodyPr>
+          <a:lstStyle/>
+          <a:p>
+            <a:r>
+              <a:rPr lang="en-US" dirty="0"/>
+              <a:t>Monotonicity of inconsistency</a:t>
+            </a:r>
+          </a:p>
+        </p:txBody>
+      </p:sp>
+      <p:sp>
+        <p:nvSpPr>
+          <p:cNvPr id="59" name="Arrow: Up 58">
+            <a:extLst>
+              <a:ext uri="{FF2B5EF4-FFF2-40B4-BE49-F238E27FC236}">
+                <a16:creationId xmlns:a16="http://schemas.microsoft.com/office/drawing/2014/main" id="{1A6F29C3-11CB-47F2-BB27-1CD4CEA52EE1}"/>
+              </a:ext>
+            </a:extLst>
+          </p:cNvPr>
+          <p:cNvSpPr/>
+          <p:nvPr/>
+        </p:nvSpPr>
+        <p:spPr>
+          <a:xfrm rot="747408">
+            <a:off x="5415376" y="4915084"/>
+            <a:ext cx="315183" cy="884106"/>
+          </a:xfrm>
+          <a:custGeom>
+            <a:avLst/>
+            <a:gdLst>
+              <a:gd name="connsiteX0" fmla="*/ 0 w 315183"/>
+              <a:gd name="connsiteY0" fmla="*/ 187427 h 515680"/>
+              <a:gd name="connsiteX1" fmla="*/ 157592 w 315183"/>
+              <a:gd name="connsiteY1" fmla="*/ 0 h 515680"/>
+              <a:gd name="connsiteX2" fmla="*/ 315183 w 315183"/>
+              <a:gd name="connsiteY2" fmla="*/ 187427 h 515680"/>
+              <a:gd name="connsiteX3" fmla="*/ 236387 w 315183"/>
+              <a:gd name="connsiteY3" fmla="*/ 187427 h 515680"/>
+              <a:gd name="connsiteX4" fmla="*/ 236387 w 315183"/>
+              <a:gd name="connsiteY4" fmla="*/ 515680 h 515680"/>
+              <a:gd name="connsiteX5" fmla="*/ 78796 w 315183"/>
+              <a:gd name="connsiteY5" fmla="*/ 515680 h 515680"/>
+              <a:gd name="connsiteX6" fmla="*/ 78796 w 315183"/>
+              <a:gd name="connsiteY6" fmla="*/ 187427 h 515680"/>
+              <a:gd name="connsiteX7" fmla="*/ 0 w 315183"/>
+              <a:gd name="connsiteY7" fmla="*/ 187427 h 515680"/>
+              <a:gd name="connsiteX0" fmla="*/ 0 w 315183"/>
+              <a:gd name="connsiteY0" fmla="*/ 187427 h 515680"/>
+              <a:gd name="connsiteX1" fmla="*/ 157592 w 315183"/>
+              <a:gd name="connsiteY1" fmla="*/ 0 h 515680"/>
+              <a:gd name="connsiteX2" fmla="*/ 315183 w 315183"/>
+              <a:gd name="connsiteY2" fmla="*/ 187427 h 515680"/>
+              <a:gd name="connsiteX3" fmla="*/ 236387 w 315183"/>
+              <a:gd name="connsiteY3" fmla="*/ 187427 h 515680"/>
+              <a:gd name="connsiteX4" fmla="*/ 236387 w 315183"/>
+              <a:gd name="connsiteY4" fmla="*/ 515680 h 515680"/>
+              <a:gd name="connsiteX5" fmla="*/ 78796 w 315183"/>
+              <a:gd name="connsiteY5" fmla="*/ 515680 h 515680"/>
+              <a:gd name="connsiteX6" fmla="*/ 78796 w 315183"/>
+              <a:gd name="connsiteY6" fmla="*/ 187427 h 515680"/>
+              <a:gd name="connsiteX7" fmla="*/ 0 w 315183"/>
+              <a:gd name="connsiteY7" fmla="*/ 187427 h 515680"/>
+              <a:gd name="connsiteX0" fmla="*/ 0 w 315183"/>
+              <a:gd name="connsiteY0" fmla="*/ 187427 h 515680"/>
+              <a:gd name="connsiteX1" fmla="*/ 157592 w 315183"/>
+              <a:gd name="connsiteY1" fmla="*/ 0 h 515680"/>
+              <a:gd name="connsiteX2" fmla="*/ 315183 w 315183"/>
+              <a:gd name="connsiteY2" fmla="*/ 187427 h 515680"/>
+              <a:gd name="connsiteX3" fmla="*/ 236387 w 315183"/>
+              <a:gd name="connsiteY3" fmla="*/ 187427 h 515680"/>
+              <a:gd name="connsiteX4" fmla="*/ 236387 w 315183"/>
+              <a:gd name="connsiteY4" fmla="*/ 515680 h 515680"/>
+              <a:gd name="connsiteX5" fmla="*/ 78796 w 315183"/>
+              <a:gd name="connsiteY5" fmla="*/ 515680 h 515680"/>
+              <a:gd name="connsiteX6" fmla="*/ 78796 w 315183"/>
+              <a:gd name="connsiteY6" fmla="*/ 187427 h 515680"/>
+              <a:gd name="connsiteX7" fmla="*/ 0 w 315183"/>
+              <a:gd name="connsiteY7" fmla="*/ 187427 h 515680"/>
+              <a:gd name="connsiteX0" fmla="*/ 0 w 315183"/>
+              <a:gd name="connsiteY0" fmla="*/ 187427 h 515680"/>
+              <a:gd name="connsiteX1" fmla="*/ 157592 w 315183"/>
+              <a:gd name="connsiteY1" fmla="*/ 0 h 515680"/>
+              <a:gd name="connsiteX2" fmla="*/ 315183 w 315183"/>
+              <a:gd name="connsiteY2" fmla="*/ 187427 h 515680"/>
+              <a:gd name="connsiteX3" fmla="*/ 236387 w 315183"/>
+              <a:gd name="connsiteY3" fmla="*/ 187427 h 515680"/>
+              <a:gd name="connsiteX4" fmla="*/ 236387 w 315183"/>
+              <a:gd name="connsiteY4" fmla="*/ 515680 h 515680"/>
+              <a:gd name="connsiteX5" fmla="*/ 78796 w 315183"/>
+              <a:gd name="connsiteY5" fmla="*/ 515680 h 515680"/>
+              <a:gd name="connsiteX6" fmla="*/ 78796 w 315183"/>
+              <a:gd name="connsiteY6" fmla="*/ 187427 h 515680"/>
+              <a:gd name="connsiteX7" fmla="*/ 0 w 315183"/>
+              <a:gd name="connsiteY7" fmla="*/ 187427 h 515680"/>
+              <a:gd name="connsiteX0" fmla="*/ 0 w 315183"/>
+              <a:gd name="connsiteY0" fmla="*/ 187427 h 515680"/>
+              <a:gd name="connsiteX1" fmla="*/ 157592 w 315183"/>
+              <a:gd name="connsiteY1" fmla="*/ 0 h 515680"/>
+              <a:gd name="connsiteX2" fmla="*/ 315183 w 315183"/>
+              <a:gd name="connsiteY2" fmla="*/ 187427 h 515680"/>
+              <a:gd name="connsiteX3" fmla="*/ 196158 w 315183"/>
+              <a:gd name="connsiteY3" fmla="*/ 137786 h 515680"/>
+              <a:gd name="connsiteX4" fmla="*/ 236387 w 315183"/>
+              <a:gd name="connsiteY4" fmla="*/ 515680 h 515680"/>
+              <a:gd name="connsiteX5" fmla="*/ 78796 w 315183"/>
+              <a:gd name="connsiteY5" fmla="*/ 515680 h 515680"/>
+              <a:gd name="connsiteX6" fmla="*/ 78796 w 315183"/>
+              <a:gd name="connsiteY6" fmla="*/ 187427 h 515680"/>
+              <a:gd name="connsiteX7" fmla="*/ 0 w 315183"/>
+              <a:gd name="connsiteY7" fmla="*/ 187427 h 515680"/>
+              <a:gd name="connsiteX0" fmla="*/ 0 w 315183"/>
+              <a:gd name="connsiteY0" fmla="*/ 187427 h 515680"/>
+              <a:gd name="connsiteX1" fmla="*/ 157592 w 315183"/>
+              <a:gd name="connsiteY1" fmla="*/ 0 h 515680"/>
+              <a:gd name="connsiteX2" fmla="*/ 315183 w 315183"/>
+              <a:gd name="connsiteY2" fmla="*/ 187427 h 515680"/>
+              <a:gd name="connsiteX3" fmla="*/ 196158 w 315183"/>
+              <a:gd name="connsiteY3" fmla="*/ 137786 h 515680"/>
+              <a:gd name="connsiteX4" fmla="*/ 236387 w 315183"/>
+              <a:gd name="connsiteY4" fmla="*/ 515680 h 515680"/>
+              <a:gd name="connsiteX5" fmla="*/ 78796 w 315183"/>
+              <a:gd name="connsiteY5" fmla="*/ 515680 h 515680"/>
+              <a:gd name="connsiteX6" fmla="*/ 136007 w 315183"/>
+              <a:gd name="connsiteY6" fmla="*/ 152028 h 515680"/>
+              <a:gd name="connsiteX7" fmla="*/ 0 w 315183"/>
+              <a:gd name="connsiteY7" fmla="*/ 187427 h 515680"/>
+              <a:gd name="connsiteX0" fmla="*/ 0 w 315183"/>
+              <a:gd name="connsiteY0" fmla="*/ 187427 h 515680"/>
+              <a:gd name="connsiteX1" fmla="*/ 157592 w 315183"/>
+              <a:gd name="connsiteY1" fmla="*/ 0 h 515680"/>
+              <a:gd name="connsiteX2" fmla="*/ 315183 w 315183"/>
+              <a:gd name="connsiteY2" fmla="*/ 187427 h 515680"/>
+              <a:gd name="connsiteX3" fmla="*/ 196158 w 315183"/>
+              <a:gd name="connsiteY3" fmla="*/ 137786 h 515680"/>
+              <a:gd name="connsiteX4" fmla="*/ 236387 w 315183"/>
+              <a:gd name="connsiteY4" fmla="*/ 515680 h 515680"/>
+              <a:gd name="connsiteX5" fmla="*/ 78796 w 315183"/>
+              <a:gd name="connsiteY5" fmla="*/ 515680 h 515680"/>
+              <a:gd name="connsiteX6" fmla="*/ 136007 w 315183"/>
+              <a:gd name="connsiteY6" fmla="*/ 152028 h 515680"/>
+              <a:gd name="connsiteX7" fmla="*/ 0 w 315183"/>
+              <a:gd name="connsiteY7" fmla="*/ 187427 h 515680"/>
+            </a:gdLst>
+            <a:ahLst/>
+            <a:cxnLst>
+              <a:cxn ang="0">
+                <a:pos x="connsiteX0" y="connsiteY0"/>
+              </a:cxn>
+              <a:cxn ang="0">
+                <a:pos x="connsiteX1" y="connsiteY1"/>
+              </a:cxn>
+              <a:cxn ang="0">
+                <a:pos x="connsiteX2" y="connsiteY2"/>
+              </a:cxn>
+              <a:cxn ang="0">
+                <a:pos x="connsiteX3" y="connsiteY3"/>
+              </a:cxn>
+              <a:cxn ang="0">
+                <a:pos x="connsiteX4" y="connsiteY4"/>
+              </a:cxn>
+              <a:cxn ang="0">
+                <a:pos x="connsiteX5" y="connsiteY5"/>
+              </a:cxn>
+              <a:cxn ang="0">
+                <a:pos x="connsiteX6" y="connsiteY6"/>
+              </a:cxn>
+              <a:cxn ang="0">
+                <a:pos x="connsiteX7" y="connsiteY7"/>
+              </a:cxn>
+            </a:cxnLst>
+            <a:rect l="l" t="t" r="r" b="b"/>
+            <a:pathLst>
+              <a:path w="315183" h="515680">
+                <a:moveTo>
+                  <a:pt x="0" y="187427"/>
+                </a:moveTo>
+                <a:cubicBezTo>
+                  <a:pt x="52531" y="124951"/>
+                  <a:pt x="124635" y="106925"/>
+                  <a:pt x="157592" y="0"/>
+                </a:cubicBezTo>
+                <a:cubicBezTo>
+                  <a:pt x="185607" y="113413"/>
+                  <a:pt x="262653" y="124951"/>
+                  <a:pt x="315183" y="187427"/>
+                </a:cubicBezTo>
+                <a:cubicBezTo>
+                  <a:pt x="288918" y="187427"/>
+                  <a:pt x="227217" y="159488"/>
+                  <a:pt x="196158" y="137786"/>
+                </a:cubicBezTo>
+                <a:lnTo>
+                  <a:pt x="236387" y="515680"/>
+                </a:lnTo>
+                <a:lnTo>
+                  <a:pt x="78796" y="515680"/>
+                </a:lnTo>
+                <a:lnTo>
+                  <a:pt x="136007" y="152028"/>
+                </a:lnTo>
+                <a:cubicBezTo>
+                  <a:pt x="79964" y="188954"/>
+                  <a:pt x="45336" y="175627"/>
+                  <a:pt x="0" y="187427"/>
+                </a:cubicBezTo>
+                <a:close/>
+              </a:path>
+            </a:pathLst>
+          </a:custGeom>
+          <a:solidFill>
+            <a:srgbClr val="DD7E0E"/>
+          </a:solidFill>
+          <a:ln>
+            <a:noFill/>
+          </a:ln>
+        </p:spPr>
+        <p:style>
+          <a:lnRef idx="2">
+            <a:schemeClr val="accent1">
+              <a:shade val="50000"/>
+            </a:schemeClr>
+          </a:lnRef>
+          <a:fillRef idx="1">
+            <a:schemeClr val="accent1"/>
+          </a:fillRef>
+          <a:effectRef idx="0">
+            <a:schemeClr val="accent1"/>
+          </a:effectRef>
+          <a:fontRef idx="minor">
+            <a:schemeClr val="lt1"/>
+          </a:fontRef>
+        </p:style>
+        <p:txBody>
+          <a:bodyPr rtlCol="0" anchor="ctr"/>
+          <a:lstStyle/>
+          <a:p>
+            <a:pPr algn="ctr"/>
+            <a:endParaRPr lang="en-US" dirty="0"/>
+          </a:p>
+        </p:txBody>
+      </p:sp>
+    </p:spTree>
+    <p:extLst>
+      <p:ext uri="{BB962C8B-B14F-4D97-AF65-F5344CB8AC3E}">
+        <p14:creationId xmlns:p14="http://schemas.microsoft.com/office/powerpoint/2010/main" val="324822777"/>
+      </p:ext>
+    </p:extLst>
+  </p:cSld>
+  <p:clrMapOvr>
+    <a:masterClrMapping/>
+  </p:clrMapOvr>
+</p:sld>
+</file>
+
+<file path=ppt/slides/slide7.xml><?xml version="1.0" encoding="utf-8"?>
+<p:sld xmlns:a="http://schemas.openxmlformats.org/drawingml/2006/main" xmlns:r="http://schemas.openxmlformats.org/officeDocument/2006/relationships" xmlns:p="http://schemas.openxmlformats.org/presentationml/2006/main">
+  <p:cSld>
+    <p:bg>
+      <p:bgPr>
+        <a:solidFill>
+          <a:schemeClr val="bg1"/>
+        </a:solidFill>
+        <a:effectLst/>
+      </p:bgPr>
+    </p:bg>
+    <p:spTree>
+      <p:nvGrpSpPr>
+        <p:cNvPr id="1" name=""/>
+        <p:cNvGrpSpPr/>
+        <p:nvPr/>
+      </p:nvGrpSpPr>
+      <p:grpSpPr>
+        <a:xfrm>
+          <a:off x="0" y="0"/>
+          <a:ext cx="0" cy="0"/>
+          <a:chOff x="0" y="0"/>
+          <a:chExt cx="0" cy="0"/>
+        </a:xfrm>
+      </p:grpSpPr>
+      <p:pic>
+        <p:nvPicPr>
+          <p:cNvPr id="5" name="Picture 4">
+            <a:extLst>
+              <a:ext uri="{FF2B5EF4-FFF2-40B4-BE49-F238E27FC236}">
+                <a16:creationId xmlns:a16="http://schemas.microsoft.com/office/drawing/2014/main" id="{8EAC5FDD-0028-406E-8391-FEB2D10C5507}"/>
+              </a:ext>
+            </a:extLst>
+          </p:cNvPr>
+          <p:cNvPicPr>
+            <a:picLocks noChangeAspect="1"/>
+          </p:cNvPicPr>
+          <p:nvPr/>
+        </p:nvPicPr>
+        <p:blipFill>
+          <a:blip r:embed="rId2"/>
+          <a:stretch>
+            <a:fillRect/>
+          </a:stretch>
+        </p:blipFill>
+        <p:spPr>
+          <a:xfrm>
+            <a:off x="643467" y="2120391"/>
+            <a:ext cx="10905066" cy="2617216"/>
+          </a:xfrm>
+          <a:prstGeom prst="rect">
+            <a:avLst/>
+          </a:prstGeom>
+        </p:spPr>
+      </p:pic>
     </p:spTree>
     <p:extLst>
       <p:ext uri="{BB962C8B-B14F-4D97-AF65-F5344CB8AC3E}">
@@ -3801,6 +6302,3130 @@
   <p:clrMapOvr>
     <a:masterClrMapping/>
   </p:clrMapOvr>
+</p:sld>
+</file>
+
+<file path=ppt/slides/slide8.xml><?xml version="1.0" encoding="utf-8"?>
+<p:sld xmlns:a="http://schemas.openxmlformats.org/drawingml/2006/main" xmlns:r="http://schemas.openxmlformats.org/officeDocument/2006/relationships" xmlns:p="http://schemas.openxmlformats.org/presentationml/2006/main">
+  <p:cSld>
+    <p:spTree>
+      <p:nvGrpSpPr>
+        <p:cNvPr id="1" name=""/>
+        <p:cNvGrpSpPr/>
+        <p:nvPr/>
+      </p:nvGrpSpPr>
+      <p:grpSpPr>
+        <a:xfrm>
+          <a:off x="0" y="0"/>
+          <a:ext cx="0" cy="0"/>
+          <a:chOff x="0" y="0"/>
+          <a:chExt cx="0" cy="0"/>
+        </a:xfrm>
+      </p:grpSpPr>
+      <p:sp>
+        <p:nvSpPr>
+          <p:cNvPr id="2" name="Title 1">
+            <a:extLst>
+              <a:ext uri="{FF2B5EF4-FFF2-40B4-BE49-F238E27FC236}">
+                <a16:creationId xmlns:a16="http://schemas.microsoft.com/office/drawing/2014/main" id="{27B0F58B-E23D-46C3-BF7B-088C6534B622}"/>
+              </a:ext>
+            </a:extLst>
+          </p:cNvPr>
+          <p:cNvSpPr>
+            <a:spLocks noGrp="1"/>
+          </p:cNvSpPr>
+          <p:nvPr>
+            <p:ph type="title"/>
+          </p:nvPr>
+        </p:nvSpPr>
+        <p:spPr/>
+        <p:txBody>
+          <a:bodyPr/>
+          <a:lstStyle/>
+          <a:p>
+            <a:endParaRPr lang="en-US"/>
+          </a:p>
+        </p:txBody>
+      </p:sp>
+      <p:sp>
+        <p:nvSpPr>
+          <p:cNvPr id="3" name="Content Placeholder 2">
+            <a:extLst>
+              <a:ext uri="{FF2B5EF4-FFF2-40B4-BE49-F238E27FC236}">
+                <a16:creationId xmlns:a16="http://schemas.microsoft.com/office/drawing/2014/main" id="{27508C44-1EAE-4694-B446-06FCBC87E356}"/>
+              </a:ext>
+            </a:extLst>
+          </p:cNvPr>
+          <p:cNvSpPr>
+            <a:spLocks noGrp="1"/>
+          </p:cNvSpPr>
+          <p:nvPr>
+            <p:ph idx="1"/>
+          </p:nvPr>
+        </p:nvSpPr>
+        <p:spPr>
+          <a:xfrm>
+            <a:off x="838200" y="1825625"/>
+            <a:ext cx="5257800" cy="4351338"/>
+          </a:xfrm>
+        </p:spPr>
+        <p:txBody>
+          <a:bodyPr/>
+          <a:lstStyle/>
+          <a:p>
+            <a:endParaRPr lang="en-US" dirty="0"/>
+          </a:p>
+        </p:txBody>
+      </p:sp>
+      <p:pic>
+        <p:nvPicPr>
+          <p:cNvPr id="5" name="Picture 4">
+            <a:extLst>
+              <a:ext uri="{FF2B5EF4-FFF2-40B4-BE49-F238E27FC236}">
+                <a16:creationId xmlns:a16="http://schemas.microsoft.com/office/drawing/2014/main" id="{E190C3A1-81BC-4EDC-B00F-D5BD3263E155}"/>
+              </a:ext>
+            </a:extLst>
+          </p:cNvPr>
+          <p:cNvPicPr>
+            <a:picLocks noChangeAspect="1"/>
+          </p:cNvPicPr>
+          <p:nvPr/>
+        </p:nvPicPr>
+        <p:blipFill rotWithShape="1">
+          <a:blip r:embed="rId2"/>
+          <a:srcRect b="10197"/>
+          <a:stretch/>
+        </p:blipFill>
+        <p:spPr>
+          <a:xfrm>
+            <a:off x="6207315" y="2368192"/>
+            <a:ext cx="5658640" cy="1060808"/>
+          </a:xfrm>
+          <a:prstGeom prst="rect">
+            <a:avLst/>
+          </a:prstGeom>
+        </p:spPr>
+      </p:pic>
+      <p:pic>
+        <p:nvPicPr>
+          <p:cNvPr id="7" name="Picture 6">
+            <a:extLst>
+              <a:ext uri="{FF2B5EF4-FFF2-40B4-BE49-F238E27FC236}">
+                <a16:creationId xmlns:a16="http://schemas.microsoft.com/office/drawing/2014/main" id="{68F2F4F5-6FAE-4BD2-B419-3CCA4F05BB5C}"/>
+              </a:ext>
+            </a:extLst>
+          </p:cNvPr>
+          <p:cNvPicPr>
+            <a:picLocks noChangeAspect="1"/>
+          </p:cNvPicPr>
+          <p:nvPr/>
+        </p:nvPicPr>
+        <p:blipFill>
+          <a:blip r:embed="rId3"/>
+          <a:stretch>
+            <a:fillRect/>
+          </a:stretch>
+        </p:blipFill>
+        <p:spPr>
+          <a:xfrm>
+            <a:off x="0" y="3563937"/>
+            <a:ext cx="12192000" cy="1687860"/>
+          </a:xfrm>
+          <a:prstGeom prst="rect">
+            <a:avLst/>
+          </a:prstGeom>
+        </p:spPr>
+      </p:pic>
+    </p:spTree>
+    <p:extLst>
+      <p:ext uri="{BB962C8B-B14F-4D97-AF65-F5344CB8AC3E}">
+        <p14:creationId xmlns:p14="http://schemas.microsoft.com/office/powerpoint/2010/main" val="4031602515"/>
+      </p:ext>
+    </p:extLst>
+  </p:cSld>
+  <p:clrMapOvr>
+    <a:masterClrMapping/>
+  </p:clrMapOvr>
+</p:sld>
+</file>
+
+<file path=ppt/slides/slide9.xml><?xml version="1.0" encoding="utf-8"?>
+<p:sld xmlns:a="http://schemas.openxmlformats.org/drawingml/2006/main" xmlns:r="http://schemas.openxmlformats.org/officeDocument/2006/relationships" xmlns:p="http://schemas.openxmlformats.org/presentationml/2006/main">
+  <p:cSld>
+    <p:spTree>
+      <p:nvGrpSpPr>
+        <p:cNvPr id="1" name=""/>
+        <p:cNvGrpSpPr/>
+        <p:nvPr/>
+      </p:nvGrpSpPr>
+      <p:grpSpPr>
+        <a:xfrm>
+          <a:off x="0" y="0"/>
+          <a:ext cx="0" cy="0"/>
+          <a:chOff x="0" y="0"/>
+          <a:chExt cx="0" cy="0"/>
+        </a:xfrm>
+      </p:grpSpPr>
+      <p:grpSp>
+        <p:nvGrpSpPr>
+          <p:cNvPr id="191" name="[emph] e">
+            <a:extLst>
+              <a:ext uri="{FF2B5EF4-FFF2-40B4-BE49-F238E27FC236}">
+                <a16:creationId xmlns:a16="http://schemas.microsoft.com/office/drawing/2014/main" id="{AEA49EC3-4AA6-4DD8-8763-F614B02C15FE}"/>
+              </a:ext>
+            </a:extLst>
+          </p:cNvPr>
+          <p:cNvGrpSpPr/>
+          <p:nvPr/>
+        </p:nvGrpSpPr>
+        <p:grpSpPr>
+          <a:xfrm>
+            <a:off x="687621" y="1430139"/>
+            <a:ext cx="7084780" cy="1768447"/>
+            <a:chOff x="687621" y="1431608"/>
+            <a:chExt cx="7084780" cy="1768447"/>
+          </a:xfrm>
+          <a:effectLst>
+            <a:glow rad="228600">
+              <a:schemeClr val="accent2">
+                <a:satMod val="175000"/>
+                <a:alpha val="40000"/>
+              </a:schemeClr>
+            </a:glow>
+          </a:effectLst>
+        </p:grpSpPr>
+        <p:pic>
+          <p:nvPicPr>
+            <p:cNvPr id="192" name="e(Z|X)">
+              <a:extLst>
+                <a:ext uri="{FF2B5EF4-FFF2-40B4-BE49-F238E27FC236}">
+                  <a16:creationId xmlns:a16="http://schemas.microsoft.com/office/drawing/2014/main" id="{BAA73C2D-EABD-466B-B3D3-FF053C1C0B65}"/>
+                </a:ext>
+              </a:extLst>
+            </p:cNvPr>
+            <p:cNvPicPr>
+              <a:picLocks noChangeAspect="1"/>
+            </p:cNvPicPr>
+            <p:nvPr/>
+          </p:nvPicPr>
+          <p:blipFill>
+            <a:blip r:embed="rId2">
+              <a:clrChange>
+                <a:clrFrom>
+                  <a:srgbClr val="FFFFFF"/>
+                </a:clrFrom>
+                <a:clrTo>
+                  <a:srgbClr val="FFFFFF">
+                    <a:alpha val="0"/>
+                  </a:srgbClr>
+                </a:clrTo>
+              </a:clrChange>
+              <a:alphaModFix amt="5000"/>
+            </a:blip>
+            <a:srcRect l="5640" t="18428" r="66812" b="73943"/>
+            <a:stretch>
+              <a:fillRect/>
+            </a:stretch>
+          </p:blipFill>
+          <p:spPr>
+            <a:xfrm>
+              <a:off x="687621" y="1431608"/>
+              <a:ext cx="3358600" cy="482696"/>
+            </a:xfrm>
+            <a:prstGeom prst="rect">
+              <a:avLst/>
+            </a:prstGeom>
+          </p:spPr>
+        </p:pic>
+        <p:pic>
+          <p:nvPicPr>
+            <p:cNvPr id="193" name="-e&gt;">
+              <a:extLst>
+                <a:ext uri="{FF2B5EF4-FFF2-40B4-BE49-F238E27FC236}">
+                  <a16:creationId xmlns:a16="http://schemas.microsoft.com/office/drawing/2014/main" id="{376AE8FB-24CC-4C64-AF7B-D02540342F20}"/>
+                </a:ext>
+              </a:extLst>
+            </p:cNvPr>
+            <p:cNvPicPr>
+              <a:picLocks noChangeAspect="1"/>
+            </p:cNvPicPr>
+            <p:nvPr/>
+          </p:nvPicPr>
+          <p:blipFill>
+            <a:blip r:embed="rId2">
+              <a:clrChange>
+                <a:clrFrom>
+                  <a:srgbClr val="FFFFFF"/>
+                </a:clrFrom>
+                <a:clrTo>
+                  <a:srgbClr val="FFFFFF">
+                    <a:alpha val="0"/>
+                  </a:srgbClr>
+                </a:clrTo>
+              </a:clrChange>
+              <a:alphaModFix amt="5000"/>
+            </a:blip>
+            <a:srcRect l="53382" t="35886" r="36250" b="53619"/>
+            <a:stretch>
+              <a:fillRect/>
+            </a:stretch>
+          </p:blipFill>
+          <p:spPr>
+            <a:xfrm>
+              <a:off x="6508327" y="2536093"/>
+              <a:ext cx="1264074" cy="663962"/>
+            </a:xfrm>
+            <a:prstGeom prst="rect">
+              <a:avLst/>
+            </a:prstGeom>
+          </p:spPr>
+        </p:pic>
+      </p:grpSp>
+      <p:grpSp>
+        <p:nvGrpSpPr>
+          <p:cNvPr id="194" name="[emph] d">
+            <a:extLst>
+              <a:ext uri="{FF2B5EF4-FFF2-40B4-BE49-F238E27FC236}">
+                <a16:creationId xmlns:a16="http://schemas.microsoft.com/office/drawing/2014/main" id="{2B6348BB-654F-4BAD-B8DC-5F0C0BD332A0}"/>
+              </a:ext>
+            </a:extLst>
+          </p:cNvPr>
+          <p:cNvGrpSpPr/>
+          <p:nvPr/>
+        </p:nvGrpSpPr>
+        <p:grpSpPr>
+          <a:xfrm>
+            <a:off x="687621" y="1278691"/>
+            <a:ext cx="7194000" cy="1116840"/>
+            <a:chOff x="687621" y="1280160"/>
+            <a:chExt cx="7194000" cy="1116840"/>
+          </a:xfrm>
+          <a:effectLst>
+            <a:glow rad="228600">
+              <a:schemeClr val="accent2">
+                <a:satMod val="175000"/>
+                <a:alpha val="40000"/>
+              </a:schemeClr>
+            </a:glow>
+          </a:effectLst>
+        </p:grpSpPr>
+        <p:pic>
+          <p:nvPicPr>
+            <p:cNvPr id="195" name="-d&gt;">
+              <a:extLst>
+                <a:ext uri="{FF2B5EF4-FFF2-40B4-BE49-F238E27FC236}">
+                  <a16:creationId xmlns:a16="http://schemas.microsoft.com/office/drawing/2014/main" id="{5A9664BF-D52B-4876-BFCB-1C46C4E74C7D}"/>
+                </a:ext>
+              </a:extLst>
+            </p:cNvPr>
+            <p:cNvPicPr>
+              <a:picLocks noChangeAspect="1"/>
+            </p:cNvPicPr>
+            <p:nvPr/>
+          </p:nvPicPr>
+          <p:blipFill>
+            <a:blip r:embed="rId2">
+              <a:clrChange>
+                <a:clrFrom>
+                  <a:srgbClr val="FFFFFF"/>
+                </a:clrFrom>
+                <a:clrTo>
+                  <a:srgbClr val="FFFFFF">
+                    <a:alpha val="0"/>
+                  </a:srgbClr>
+                </a:clrTo>
+              </a:clrChange>
+              <a:alphaModFix amt="5000"/>
+            </a:blip>
+            <a:srcRect l="52458" t="16034" r="35354" b="72008"/>
+            <a:stretch>
+              <a:fillRect/>
+            </a:stretch>
+          </p:blipFill>
+          <p:spPr>
+            <a:xfrm>
+              <a:off x="6395719" y="1280160"/>
+              <a:ext cx="1485902" cy="756499"/>
+            </a:xfrm>
+            <a:prstGeom prst="rect">
+              <a:avLst/>
+            </a:prstGeom>
+          </p:spPr>
+        </p:pic>
+        <p:pic>
+          <p:nvPicPr>
+            <p:cNvPr id="196" name="d(X|Z)">
+              <a:extLst>
+                <a:ext uri="{FF2B5EF4-FFF2-40B4-BE49-F238E27FC236}">
+                  <a16:creationId xmlns:a16="http://schemas.microsoft.com/office/drawing/2014/main" id="{EF815B42-192C-4DF2-9301-5B19F9DAC8DB}"/>
+                </a:ext>
+              </a:extLst>
+            </p:cNvPr>
+            <p:cNvPicPr>
+              <a:picLocks noChangeAspect="1"/>
+            </p:cNvPicPr>
+            <p:nvPr/>
+          </p:nvPicPr>
+          <p:blipFill>
+            <a:blip r:embed="rId2">
+              <a:clrChange>
+                <a:clrFrom>
+                  <a:srgbClr val="FFFFFF"/>
+                </a:clrFrom>
+                <a:clrTo>
+                  <a:srgbClr val="FFFFFF">
+                    <a:alpha val="0"/>
+                  </a:srgbClr>
+                </a:clrTo>
+              </a:clrChange>
+              <a:alphaModFix amt="5000"/>
+            </a:blip>
+            <a:srcRect l="5640" t="26582" r="66812" b="66313"/>
+            <a:stretch>
+              <a:fillRect/>
+            </a:stretch>
+          </p:blipFill>
+          <p:spPr>
+            <a:xfrm>
+              <a:off x="687621" y="1947486"/>
+              <a:ext cx="3358600" cy="449514"/>
+            </a:xfrm>
+            <a:prstGeom prst="rect">
+              <a:avLst/>
+            </a:prstGeom>
+          </p:spPr>
+        </p:pic>
+      </p:grpSp>
+      <p:grpSp>
+        <p:nvGrpSpPr>
+          <p:cNvPr id="197" name="[emph] p">
+            <a:extLst>
+              <a:ext uri="{FF2B5EF4-FFF2-40B4-BE49-F238E27FC236}">
+                <a16:creationId xmlns:a16="http://schemas.microsoft.com/office/drawing/2014/main" id="{862EC773-5A8C-4243-89AF-D24362A96DD6}"/>
+              </a:ext>
+            </a:extLst>
+          </p:cNvPr>
+          <p:cNvGrpSpPr/>
+          <p:nvPr/>
+        </p:nvGrpSpPr>
+        <p:grpSpPr>
+          <a:xfrm>
+            <a:off x="687621" y="1829681"/>
+            <a:ext cx="5451561" cy="1120485"/>
+            <a:chOff x="687621" y="1831150"/>
+            <a:chExt cx="5451561" cy="1120485"/>
+          </a:xfrm>
+          <a:effectLst>
+            <a:glow rad="228600">
+              <a:schemeClr val="accent2">
+                <a:satMod val="175000"/>
+                <a:alpha val="40000"/>
+              </a:schemeClr>
+            </a:glow>
+          </a:effectLst>
+        </p:grpSpPr>
+        <p:pic>
+          <p:nvPicPr>
+            <p:cNvPr id="198" name="-p&gt;">
+              <a:extLst>
+                <a:ext uri="{FF2B5EF4-FFF2-40B4-BE49-F238E27FC236}">
+                  <a16:creationId xmlns:a16="http://schemas.microsoft.com/office/drawing/2014/main" id="{74279DA0-91C3-44FF-8D77-AFCDE552EAA9}"/>
+                </a:ext>
+              </a:extLst>
+            </p:cNvPr>
+            <p:cNvPicPr>
+              <a:picLocks noChangeAspect="1"/>
+            </p:cNvPicPr>
+            <p:nvPr/>
+          </p:nvPicPr>
+          <p:blipFill>
+            <a:blip r:embed="rId2">
+              <a:clrChange>
+                <a:clrFrom>
+                  <a:srgbClr val="FFFFFF"/>
+                </a:clrFrom>
+                <a:clrTo>
+                  <a:srgbClr val="FFFFFF">
+                    <a:alpha val="0"/>
+                  </a:srgbClr>
+                </a:clrTo>
+              </a:clrChange>
+              <a:alphaModFix amt="5000"/>
+            </a:blip>
+            <a:srcRect l="45260" t="24743" r="49646" b="65443"/>
+            <a:stretch>
+              <a:fillRect/>
+            </a:stretch>
+          </p:blipFill>
+          <p:spPr>
+            <a:xfrm>
+              <a:off x="5518150" y="1831150"/>
+              <a:ext cx="621032" cy="620888"/>
+            </a:xfrm>
+            <a:prstGeom prst="rect">
+              <a:avLst/>
+            </a:prstGeom>
+          </p:spPr>
+        </p:pic>
+        <p:pic>
+          <p:nvPicPr>
+            <p:cNvPr id="199" name="p(Z)">
+              <a:extLst>
+                <a:ext uri="{FF2B5EF4-FFF2-40B4-BE49-F238E27FC236}">
+                  <a16:creationId xmlns:a16="http://schemas.microsoft.com/office/drawing/2014/main" id="{3AE1A2D5-D46C-40E2-873A-E8DC35526456}"/>
+                </a:ext>
+              </a:extLst>
+            </p:cNvPr>
+            <p:cNvPicPr>
+              <a:picLocks noChangeAspect="1"/>
+            </p:cNvPicPr>
+            <p:nvPr/>
+          </p:nvPicPr>
+          <p:blipFill>
+            <a:blip r:embed="rId2">
+              <a:clrChange>
+                <a:clrFrom>
+                  <a:srgbClr val="FFFFFF"/>
+                </a:clrFrom>
+                <a:clrTo>
+                  <a:srgbClr val="FFFFFF">
+                    <a:alpha val="0"/>
+                  </a:srgbClr>
+                </a:clrTo>
+              </a:clrChange>
+              <a:alphaModFix amt="5000"/>
+            </a:blip>
+            <a:srcRect l="5640" t="33918" r="66812" b="57546"/>
+            <a:stretch>
+              <a:fillRect/>
+            </a:stretch>
+          </p:blipFill>
+          <p:spPr>
+            <a:xfrm>
+              <a:off x="687621" y="2411576"/>
+              <a:ext cx="3358600" cy="540059"/>
+            </a:xfrm>
+            <a:prstGeom prst="rect">
+              <a:avLst/>
+            </a:prstGeom>
+          </p:spPr>
+        </p:pic>
+      </p:grpSp>
+      <p:sp>
+        <p:nvSpPr>
+          <p:cNvPr id="2" name="Title 1">
+            <a:extLst>
+              <a:ext uri="{FF2B5EF4-FFF2-40B4-BE49-F238E27FC236}">
+                <a16:creationId xmlns:a16="http://schemas.microsoft.com/office/drawing/2014/main" id="{449E720A-AB19-4E83-B6DB-6AEE5A25EF15}"/>
+              </a:ext>
+            </a:extLst>
+          </p:cNvPr>
+          <p:cNvSpPr>
+            <a:spLocks noGrp="1"/>
+          </p:cNvSpPr>
+          <p:nvPr>
+            <p:ph type="title"/>
+          </p:nvPr>
+        </p:nvSpPr>
+        <p:spPr/>
+        <p:txBody>
+          <a:bodyPr/>
+          <a:lstStyle/>
+          <a:p>
+            <a:endParaRPr lang="en-US" dirty="0"/>
+          </a:p>
+        </p:txBody>
+      </p:sp>
+      <p:grpSp>
+        <p:nvGrpSpPr>
+          <p:cNvPr id="185" name="Group 184">
+            <a:extLst>
+              <a:ext uri="{FF2B5EF4-FFF2-40B4-BE49-F238E27FC236}">
+                <a16:creationId xmlns:a16="http://schemas.microsoft.com/office/drawing/2014/main" id="{C315DD6B-609F-4356-A349-D4054170B463}"/>
+              </a:ext>
+            </a:extLst>
+          </p:cNvPr>
+          <p:cNvGrpSpPr/>
+          <p:nvPr/>
+        </p:nvGrpSpPr>
+        <p:grpSpPr>
+          <a:xfrm>
+            <a:off x="4814890" y="265808"/>
+            <a:ext cx="7227883" cy="2942625"/>
+            <a:chOff x="4814890" y="265808"/>
+            <a:chExt cx="7227883" cy="2942625"/>
+          </a:xfrm>
+        </p:grpSpPr>
+        <p:pic>
+          <p:nvPicPr>
+            <p:cNvPr id="179" name="objective is free">
+              <a:extLst>
+                <a:ext uri="{FF2B5EF4-FFF2-40B4-BE49-F238E27FC236}">
+                  <a16:creationId xmlns:a16="http://schemas.microsoft.com/office/drawing/2014/main" id="{4CBFD705-A801-4329-A0D9-B9BC0A34CC64}"/>
+                </a:ext>
+              </a:extLst>
+            </p:cNvPr>
+            <p:cNvPicPr>
+              <a:picLocks noChangeAspect="1"/>
+            </p:cNvPicPr>
+            <p:nvPr/>
+          </p:nvPicPr>
+          <p:blipFill>
+            <a:blip r:embed="rId2"/>
+            <a:srcRect l="39492" r="21667" b="88664"/>
+            <a:stretch>
+              <a:fillRect/>
+            </a:stretch>
+          </p:blipFill>
+          <p:spPr>
+            <a:xfrm>
+              <a:off x="4814890" y="265808"/>
+              <a:ext cx="4735510" cy="717170"/>
+            </a:xfrm>
+            <a:custGeom>
+              <a:avLst/>
+              <a:gdLst>
+                <a:gd name="connsiteX0" fmla="*/ 0 w 4735510"/>
+                <a:gd name="connsiteY0" fmla="*/ 0 h 717170"/>
+                <a:gd name="connsiteX1" fmla="*/ 4735510 w 4735510"/>
+                <a:gd name="connsiteY1" fmla="*/ 0 h 717170"/>
+                <a:gd name="connsiteX2" fmla="*/ 4735510 w 4735510"/>
+                <a:gd name="connsiteY2" fmla="*/ 717170 h 717170"/>
+                <a:gd name="connsiteX3" fmla="*/ 0 w 4735510"/>
+                <a:gd name="connsiteY3" fmla="*/ 717170 h 717170"/>
+                <a:gd name="connsiteX4" fmla="*/ 0 w 4735510"/>
+                <a:gd name="connsiteY4" fmla="*/ 0 h 717170"/>
+              </a:gdLst>
+              <a:ahLst/>
+              <a:cxnLst>
+                <a:cxn ang="0">
+                  <a:pos x="connsiteX0" y="connsiteY0"/>
+                </a:cxn>
+                <a:cxn ang="0">
+                  <a:pos x="connsiteX1" y="connsiteY1"/>
+                </a:cxn>
+                <a:cxn ang="0">
+                  <a:pos x="connsiteX2" y="connsiteY2"/>
+                </a:cxn>
+                <a:cxn ang="0">
+                  <a:pos x="connsiteX3" y="connsiteY3"/>
+                </a:cxn>
+                <a:cxn ang="0">
+                  <a:pos x="connsiteX4" y="connsiteY4"/>
+                </a:cxn>
+              </a:cxnLst>
+              <a:rect l="l" t="t" r="r" b="b"/>
+              <a:pathLst>
+                <a:path w="4735510" h="717170">
+                  <a:moveTo>
+                    <a:pt x="0" y="0"/>
+                  </a:moveTo>
+                  <a:lnTo>
+                    <a:pt x="4735510" y="0"/>
+                  </a:lnTo>
+                  <a:lnTo>
+                    <a:pt x="4735510" y="717170"/>
+                  </a:lnTo>
+                  <a:lnTo>
+                    <a:pt x="0" y="717170"/>
+                  </a:lnTo>
+                  <a:lnTo>
+                    <a:pt x="0" y="0"/>
+                  </a:lnTo>
+                  <a:close/>
+                </a:path>
+              </a:pathLst>
+            </a:custGeom>
+          </p:spPr>
+        </p:pic>
+        <p:pic>
+          <p:nvPicPr>
+            <p:cNvPr id="177" name="left inc brace">
+              <a:extLst>
+                <a:ext uri="{FF2B5EF4-FFF2-40B4-BE49-F238E27FC236}">
+                  <a16:creationId xmlns:a16="http://schemas.microsoft.com/office/drawing/2014/main" id="{5D8A47D5-6705-4A55-9F59-7DE04EC7ECC8}"/>
+                </a:ext>
+              </a:extLst>
+            </p:cNvPr>
+            <p:cNvPicPr>
+              <a:picLocks noChangeAspect="1"/>
+            </p:cNvPicPr>
+            <p:nvPr/>
+          </p:nvPicPr>
+          <p:blipFill>
+            <a:blip r:embed="rId2"/>
+            <a:srcRect l="42109" t="14877" r="53861" b="53551"/>
+            <a:stretch>
+              <a:fillRect/>
+            </a:stretch>
+          </p:blipFill>
+          <p:spPr>
+            <a:xfrm>
+              <a:off x="5133977" y="1206975"/>
+              <a:ext cx="491302" cy="1997345"/>
+            </a:xfrm>
+            <a:custGeom>
+              <a:avLst/>
+              <a:gdLst>
+                <a:gd name="connsiteX0" fmla="*/ 397646 w 491302"/>
+                <a:gd name="connsiteY0" fmla="*/ 6 h 1997345"/>
+                <a:gd name="connsiteX1" fmla="*/ 483763 w 491302"/>
+                <a:gd name="connsiteY1" fmla="*/ 164623 h 1997345"/>
+                <a:gd name="connsiteX2" fmla="*/ 228600 w 491302"/>
+                <a:gd name="connsiteY2" fmla="*/ 1031398 h 1997345"/>
+                <a:gd name="connsiteX3" fmla="*/ 471486 w 491302"/>
+                <a:gd name="connsiteY3" fmla="*/ 1841023 h 1997345"/>
+                <a:gd name="connsiteX4" fmla="*/ 312314 w 491302"/>
+                <a:gd name="connsiteY4" fmla="*/ 1991836 h 1997345"/>
+                <a:gd name="connsiteX5" fmla="*/ 0 w 491302"/>
+                <a:gd name="connsiteY5" fmla="*/ 979011 h 1997345"/>
+                <a:gd name="connsiteX6" fmla="*/ 314323 w 491302"/>
+                <a:gd name="connsiteY6" fmla="*/ 88424 h 1997345"/>
+                <a:gd name="connsiteX7" fmla="*/ 397646 w 491302"/>
+                <a:gd name="connsiteY7" fmla="*/ 6 h 1997345"/>
+              </a:gdLst>
+              <a:ahLst/>
+              <a:cxnLst>
+                <a:cxn ang="0">
+                  <a:pos x="connsiteX0" y="connsiteY0"/>
+                </a:cxn>
+                <a:cxn ang="0">
+                  <a:pos x="connsiteX1" y="connsiteY1"/>
+                </a:cxn>
+                <a:cxn ang="0">
+                  <a:pos x="connsiteX2" y="connsiteY2"/>
+                </a:cxn>
+                <a:cxn ang="0">
+                  <a:pos x="connsiteX3" y="connsiteY3"/>
+                </a:cxn>
+                <a:cxn ang="0">
+                  <a:pos x="connsiteX4" y="connsiteY4"/>
+                </a:cxn>
+                <a:cxn ang="0">
+                  <a:pos x="connsiteX5" y="connsiteY5"/>
+                </a:cxn>
+                <a:cxn ang="0">
+                  <a:pos x="connsiteX6" y="connsiteY6"/>
+                </a:cxn>
+                <a:cxn ang="0">
+                  <a:pos x="connsiteX7" y="connsiteY7"/>
+                </a:cxn>
+              </a:cxnLst>
+              <a:rect l="l" t="t" r="r" b="b"/>
+              <a:pathLst>
+                <a:path w="491302" h="1997345">
+                  <a:moveTo>
+                    <a:pt x="397646" y="6"/>
+                  </a:moveTo>
+                  <a:cubicBezTo>
+                    <a:pt x="435800" y="-700"/>
+                    <a:pt x="461935" y="69869"/>
+                    <a:pt x="483763" y="164623"/>
+                  </a:cubicBezTo>
+                  <a:cubicBezTo>
+                    <a:pt x="392253" y="545624"/>
+                    <a:pt x="227806" y="644313"/>
+                    <a:pt x="228600" y="1031398"/>
+                  </a:cubicBezTo>
+                  <a:cubicBezTo>
+                    <a:pt x="244810" y="1386204"/>
+                    <a:pt x="405146" y="1653169"/>
+                    <a:pt x="471486" y="1841023"/>
+                  </a:cubicBezTo>
+                  <a:cubicBezTo>
+                    <a:pt x="537826" y="2028877"/>
+                    <a:pt x="425591" y="1997657"/>
+                    <a:pt x="312314" y="1991836"/>
+                  </a:cubicBezTo>
+                  <a:cubicBezTo>
+                    <a:pt x="160584" y="1693916"/>
+                    <a:pt x="104105" y="1329319"/>
+                    <a:pt x="0" y="979011"/>
+                  </a:cubicBezTo>
+                  <a:cubicBezTo>
+                    <a:pt x="25171" y="660188"/>
+                    <a:pt x="225758" y="253524"/>
+                    <a:pt x="314323" y="88424"/>
+                  </a:cubicBezTo>
+                  <a:cubicBezTo>
+                    <a:pt x="347535" y="26512"/>
+                    <a:pt x="374754" y="429"/>
+                    <a:pt x="397646" y="6"/>
+                  </a:cubicBezTo>
+                  <a:close/>
+                </a:path>
+              </a:pathLst>
+            </a:custGeom>
+          </p:spPr>
+        </p:pic>
+        <p:pic>
+          <p:nvPicPr>
+            <p:cNvPr id="176" name="right inc brace">
+              <a:extLst>
+                <a:ext uri="{FF2B5EF4-FFF2-40B4-BE49-F238E27FC236}">
+                  <a16:creationId xmlns:a16="http://schemas.microsoft.com/office/drawing/2014/main" id="{404444E4-4D1E-463A-A78C-20831EC2FA2D}"/>
+                </a:ext>
+              </a:extLst>
+            </p:cNvPr>
+            <p:cNvPicPr>
+              <a:picLocks noChangeAspect="1"/>
+            </p:cNvPicPr>
+            <p:nvPr/>
+          </p:nvPicPr>
+          <p:blipFill>
+            <a:blip r:embed="rId2"/>
+            <a:srcRect l="71095" t="14942" r="24875" b="53486"/>
+            <a:stretch>
+              <a:fillRect/>
+            </a:stretch>
+          </p:blipFill>
+          <p:spPr>
+            <a:xfrm>
+              <a:off x="8667928" y="1211088"/>
+              <a:ext cx="491303" cy="1997345"/>
+            </a:xfrm>
+            <a:custGeom>
+              <a:avLst/>
+              <a:gdLst>
+                <a:gd name="connsiteX0" fmla="*/ 93657 w 491303"/>
+                <a:gd name="connsiteY0" fmla="*/ 6 h 1997345"/>
+                <a:gd name="connsiteX1" fmla="*/ 176980 w 491303"/>
+                <a:gd name="connsiteY1" fmla="*/ 88424 h 1997345"/>
+                <a:gd name="connsiteX2" fmla="*/ 491303 w 491303"/>
+                <a:gd name="connsiteY2" fmla="*/ 979011 h 1997345"/>
+                <a:gd name="connsiteX3" fmla="*/ 178989 w 491303"/>
+                <a:gd name="connsiteY3" fmla="*/ 1991836 h 1997345"/>
+                <a:gd name="connsiteX4" fmla="*/ 19817 w 491303"/>
+                <a:gd name="connsiteY4" fmla="*/ 1841023 h 1997345"/>
+                <a:gd name="connsiteX5" fmla="*/ 262703 w 491303"/>
+                <a:gd name="connsiteY5" fmla="*/ 1031398 h 1997345"/>
+                <a:gd name="connsiteX6" fmla="*/ 7540 w 491303"/>
+                <a:gd name="connsiteY6" fmla="*/ 164623 h 1997345"/>
+                <a:gd name="connsiteX7" fmla="*/ 93657 w 491303"/>
+                <a:gd name="connsiteY7" fmla="*/ 6 h 1997345"/>
+              </a:gdLst>
+              <a:ahLst/>
+              <a:cxnLst>
+                <a:cxn ang="0">
+                  <a:pos x="connsiteX0" y="connsiteY0"/>
+                </a:cxn>
+                <a:cxn ang="0">
+                  <a:pos x="connsiteX1" y="connsiteY1"/>
+                </a:cxn>
+                <a:cxn ang="0">
+                  <a:pos x="connsiteX2" y="connsiteY2"/>
+                </a:cxn>
+                <a:cxn ang="0">
+                  <a:pos x="connsiteX3" y="connsiteY3"/>
+                </a:cxn>
+                <a:cxn ang="0">
+                  <a:pos x="connsiteX4" y="connsiteY4"/>
+                </a:cxn>
+                <a:cxn ang="0">
+                  <a:pos x="connsiteX5" y="connsiteY5"/>
+                </a:cxn>
+                <a:cxn ang="0">
+                  <a:pos x="connsiteX6" y="connsiteY6"/>
+                </a:cxn>
+                <a:cxn ang="0">
+                  <a:pos x="connsiteX7" y="connsiteY7"/>
+                </a:cxn>
+              </a:cxnLst>
+              <a:rect l="l" t="t" r="r" b="b"/>
+              <a:pathLst>
+                <a:path w="491303" h="1997345">
+                  <a:moveTo>
+                    <a:pt x="93657" y="6"/>
+                  </a:moveTo>
+                  <a:cubicBezTo>
+                    <a:pt x="116549" y="429"/>
+                    <a:pt x="143768" y="26512"/>
+                    <a:pt x="176980" y="88424"/>
+                  </a:cubicBezTo>
+                  <a:cubicBezTo>
+                    <a:pt x="265545" y="253524"/>
+                    <a:pt x="466132" y="660188"/>
+                    <a:pt x="491303" y="979011"/>
+                  </a:cubicBezTo>
+                  <a:cubicBezTo>
+                    <a:pt x="387198" y="1329319"/>
+                    <a:pt x="330719" y="1693916"/>
+                    <a:pt x="178989" y="1991836"/>
+                  </a:cubicBezTo>
+                  <a:cubicBezTo>
+                    <a:pt x="65712" y="1997657"/>
+                    <a:pt x="-46523" y="2028877"/>
+                    <a:pt x="19817" y="1841023"/>
+                  </a:cubicBezTo>
+                  <a:cubicBezTo>
+                    <a:pt x="86157" y="1653169"/>
+                    <a:pt x="246493" y="1386204"/>
+                    <a:pt x="262703" y="1031398"/>
+                  </a:cubicBezTo>
+                  <a:cubicBezTo>
+                    <a:pt x="263497" y="644313"/>
+                    <a:pt x="99050" y="545624"/>
+                    <a:pt x="7540" y="164623"/>
+                  </a:cubicBezTo>
+                  <a:cubicBezTo>
+                    <a:pt x="29368" y="69869"/>
+                    <a:pt x="55503" y="-700"/>
+                    <a:pt x="93657" y="6"/>
+                  </a:cubicBezTo>
+                  <a:close/>
+                </a:path>
+              </a:pathLst>
+            </a:custGeom>
+          </p:spPr>
+        </p:pic>
+        <p:pic>
+          <p:nvPicPr>
+            <p:cNvPr id="173" name="elbo-formula">
+              <a:extLst>
+                <a:ext uri="{FF2B5EF4-FFF2-40B4-BE49-F238E27FC236}">
+                  <a16:creationId xmlns:a16="http://schemas.microsoft.com/office/drawing/2014/main" id="{00076BDF-D88A-4739-A52B-9DCA805E8AAB}"/>
+                </a:ext>
+              </a:extLst>
+            </p:cNvPr>
+            <p:cNvPicPr>
+              <a:picLocks noChangeAspect="1"/>
+            </p:cNvPicPr>
+            <p:nvPr/>
+          </p:nvPicPr>
+          <p:blipFill>
+            <a:blip r:embed="rId2"/>
+            <a:srcRect l="75762" t="22261" r="1224" b="58866"/>
+            <a:stretch>
+              <a:fillRect/>
+            </a:stretch>
+          </p:blipFill>
+          <p:spPr>
+            <a:xfrm>
+              <a:off x="9236892" y="1674119"/>
+              <a:ext cx="2805881" cy="1193955"/>
+            </a:xfrm>
+            <a:custGeom>
+              <a:avLst/>
+              <a:gdLst>
+                <a:gd name="connsiteX0" fmla="*/ 0 w 2805881"/>
+                <a:gd name="connsiteY0" fmla="*/ 0 h 1193955"/>
+                <a:gd name="connsiteX1" fmla="*/ 2805881 w 2805881"/>
+                <a:gd name="connsiteY1" fmla="*/ 0 h 1193955"/>
+                <a:gd name="connsiteX2" fmla="*/ 2805881 w 2805881"/>
+                <a:gd name="connsiteY2" fmla="*/ 1193955 h 1193955"/>
+                <a:gd name="connsiteX3" fmla="*/ 0 w 2805881"/>
+                <a:gd name="connsiteY3" fmla="*/ 1193955 h 1193955"/>
+                <a:gd name="connsiteX4" fmla="*/ 0 w 2805881"/>
+                <a:gd name="connsiteY4" fmla="*/ 0 h 1193955"/>
+              </a:gdLst>
+              <a:ahLst/>
+              <a:cxnLst>
+                <a:cxn ang="0">
+                  <a:pos x="connsiteX0" y="connsiteY0"/>
+                </a:cxn>
+                <a:cxn ang="0">
+                  <a:pos x="connsiteX1" y="connsiteY1"/>
+                </a:cxn>
+                <a:cxn ang="0">
+                  <a:pos x="connsiteX2" y="connsiteY2"/>
+                </a:cxn>
+                <a:cxn ang="0">
+                  <a:pos x="connsiteX3" y="connsiteY3"/>
+                </a:cxn>
+                <a:cxn ang="0">
+                  <a:pos x="connsiteX4" y="connsiteY4"/>
+                </a:cxn>
+              </a:cxnLst>
+              <a:rect l="l" t="t" r="r" b="b"/>
+              <a:pathLst>
+                <a:path w="2805881" h="1193955">
+                  <a:moveTo>
+                    <a:pt x="0" y="0"/>
+                  </a:moveTo>
+                  <a:lnTo>
+                    <a:pt x="2805881" y="0"/>
+                  </a:lnTo>
+                  <a:lnTo>
+                    <a:pt x="2805881" y="1193955"/>
+                  </a:lnTo>
+                  <a:lnTo>
+                    <a:pt x="0" y="1193955"/>
+                  </a:lnTo>
+                  <a:lnTo>
+                    <a:pt x="0" y="0"/>
+                  </a:lnTo>
+                  <a:close/>
+                </a:path>
+              </a:pathLst>
+            </a:custGeom>
+          </p:spPr>
+        </p:pic>
+      </p:grpSp>
+      <p:grpSp>
+        <p:nvGrpSpPr>
+          <p:cNvPr id="182" name="decoder d">
+            <a:extLst>
+              <a:ext uri="{FF2B5EF4-FFF2-40B4-BE49-F238E27FC236}">
+                <a16:creationId xmlns:a16="http://schemas.microsoft.com/office/drawing/2014/main" id="{DC8C83CB-3730-4E00-A5A8-FECB61BD52CC}"/>
+              </a:ext>
+            </a:extLst>
+          </p:cNvPr>
+          <p:cNvGrpSpPr/>
+          <p:nvPr/>
+        </p:nvGrpSpPr>
+        <p:grpSpPr>
+          <a:xfrm>
+            <a:off x="687621" y="1280160"/>
+            <a:ext cx="7194000" cy="1116840"/>
+            <a:chOff x="687621" y="1280160"/>
+            <a:chExt cx="7194000" cy="1116840"/>
+          </a:xfrm>
+        </p:grpSpPr>
+        <p:pic>
+          <p:nvPicPr>
+            <p:cNvPr id="175" name="-d&gt;">
+              <a:extLst>
+                <a:ext uri="{FF2B5EF4-FFF2-40B4-BE49-F238E27FC236}">
+                  <a16:creationId xmlns:a16="http://schemas.microsoft.com/office/drawing/2014/main" id="{E95BB116-A196-43AF-8478-9C529EEB100F}"/>
+                </a:ext>
+              </a:extLst>
+            </p:cNvPr>
+            <p:cNvPicPr>
+              <a:picLocks noChangeAspect="1"/>
+            </p:cNvPicPr>
+            <p:nvPr/>
+          </p:nvPicPr>
+          <p:blipFill>
+            <a:blip r:embed="rId2">
+              <a:clrChange>
+                <a:clrFrom>
+                  <a:srgbClr val="FFFFFF"/>
+                </a:clrFrom>
+                <a:clrTo>
+                  <a:srgbClr val="FFFFFF">
+                    <a:alpha val="0"/>
+                  </a:srgbClr>
+                </a:clrTo>
+              </a:clrChange>
+            </a:blip>
+            <a:srcRect l="52458" t="16034" r="35354" b="72008"/>
+            <a:stretch>
+              <a:fillRect/>
+            </a:stretch>
+          </p:blipFill>
+          <p:spPr>
+            <a:xfrm>
+              <a:off x="6395719" y="1280160"/>
+              <a:ext cx="1485902" cy="756499"/>
+            </a:xfrm>
+            <a:custGeom>
+              <a:avLst/>
+              <a:gdLst>
+                <a:gd name="connsiteX0" fmla="*/ 0 w 1485902"/>
+                <a:gd name="connsiteY0" fmla="*/ 0 h 756499"/>
+                <a:gd name="connsiteX1" fmla="*/ 1485902 w 1485902"/>
+                <a:gd name="connsiteY1" fmla="*/ 0 h 756499"/>
+                <a:gd name="connsiteX2" fmla="*/ 1485902 w 1485902"/>
+                <a:gd name="connsiteY2" fmla="*/ 756499 h 756499"/>
+                <a:gd name="connsiteX3" fmla="*/ 0 w 1485902"/>
+                <a:gd name="connsiteY3" fmla="*/ 756499 h 756499"/>
+                <a:gd name="connsiteX4" fmla="*/ 0 w 1485902"/>
+                <a:gd name="connsiteY4" fmla="*/ 0 h 756499"/>
+              </a:gdLst>
+              <a:ahLst/>
+              <a:cxnLst>
+                <a:cxn ang="0">
+                  <a:pos x="connsiteX0" y="connsiteY0"/>
+                </a:cxn>
+                <a:cxn ang="0">
+                  <a:pos x="connsiteX1" y="connsiteY1"/>
+                </a:cxn>
+                <a:cxn ang="0">
+                  <a:pos x="connsiteX2" y="connsiteY2"/>
+                </a:cxn>
+                <a:cxn ang="0">
+                  <a:pos x="connsiteX3" y="connsiteY3"/>
+                </a:cxn>
+                <a:cxn ang="0">
+                  <a:pos x="connsiteX4" y="connsiteY4"/>
+                </a:cxn>
+              </a:cxnLst>
+              <a:rect l="l" t="t" r="r" b="b"/>
+              <a:pathLst>
+                <a:path w="1485902" h="756499">
+                  <a:moveTo>
+                    <a:pt x="0" y="0"/>
+                  </a:moveTo>
+                  <a:lnTo>
+                    <a:pt x="1485902" y="0"/>
+                  </a:lnTo>
+                  <a:lnTo>
+                    <a:pt x="1485902" y="756499"/>
+                  </a:lnTo>
+                  <a:lnTo>
+                    <a:pt x="0" y="756499"/>
+                  </a:lnTo>
+                  <a:lnTo>
+                    <a:pt x="0" y="0"/>
+                  </a:lnTo>
+                  <a:close/>
+                </a:path>
+              </a:pathLst>
+            </a:custGeom>
+          </p:spPr>
+        </p:pic>
+        <p:pic>
+          <p:nvPicPr>
+            <p:cNvPr id="170" name="d(X|Z)">
+              <a:extLst>
+                <a:ext uri="{FF2B5EF4-FFF2-40B4-BE49-F238E27FC236}">
+                  <a16:creationId xmlns:a16="http://schemas.microsoft.com/office/drawing/2014/main" id="{38FA01D3-A65A-473B-996B-1C692B32816C}"/>
+                </a:ext>
+              </a:extLst>
+            </p:cNvPr>
+            <p:cNvPicPr>
+              <a:picLocks noChangeAspect="1"/>
+            </p:cNvPicPr>
+            <p:nvPr/>
+          </p:nvPicPr>
+          <p:blipFill>
+            <a:blip r:embed="rId2">
+              <a:clrChange>
+                <a:clrFrom>
+                  <a:srgbClr val="FFFFFF"/>
+                </a:clrFrom>
+                <a:clrTo>
+                  <a:srgbClr val="FFFFFF">
+                    <a:alpha val="0"/>
+                  </a:srgbClr>
+                </a:clrTo>
+              </a:clrChange>
+            </a:blip>
+            <a:srcRect l="5640" t="26582" r="66812" b="66313"/>
+            <a:stretch>
+              <a:fillRect/>
+            </a:stretch>
+          </p:blipFill>
+          <p:spPr>
+            <a:xfrm>
+              <a:off x="687621" y="1947486"/>
+              <a:ext cx="3358600" cy="449514"/>
+            </a:xfrm>
+            <a:custGeom>
+              <a:avLst/>
+              <a:gdLst>
+                <a:gd name="connsiteX0" fmla="*/ 0 w 3358600"/>
+                <a:gd name="connsiteY0" fmla="*/ 0 h 449514"/>
+                <a:gd name="connsiteX1" fmla="*/ 3358600 w 3358600"/>
+                <a:gd name="connsiteY1" fmla="*/ 0 h 449514"/>
+                <a:gd name="connsiteX2" fmla="*/ 3358600 w 3358600"/>
+                <a:gd name="connsiteY2" fmla="*/ 449514 h 449514"/>
+                <a:gd name="connsiteX3" fmla="*/ 0 w 3358600"/>
+                <a:gd name="connsiteY3" fmla="*/ 449514 h 449514"/>
+                <a:gd name="connsiteX4" fmla="*/ 0 w 3358600"/>
+                <a:gd name="connsiteY4" fmla="*/ 0 h 449514"/>
+              </a:gdLst>
+              <a:ahLst/>
+              <a:cxnLst>
+                <a:cxn ang="0">
+                  <a:pos x="connsiteX0" y="connsiteY0"/>
+                </a:cxn>
+                <a:cxn ang="0">
+                  <a:pos x="connsiteX1" y="connsiteY1"/>
+                </a:cxn>
+                <a:cxn ang="0">
+                  <a:pos x="connsiteX2" y="connsiteY2"/>
+                </a:cxn>
+                <a:cxn ang="0">
+                  <a:pos x="connsiteX3" y="connsiteY3"/>
+                </a:cxn>
+                <a:cxn ang="0">
+                  <a:pos x="connsiteX4" y="connsiteY4"/>
+                </a:cxn>
+              </a:cxnLst>
+              <a:rect l="l" t="t" r="r" b="b"/>
+              <a:pathLst>
+                <a:path w="3358600" h="449514">
+                  <a:moveTo>
+                    <a:pt x="0" y="0"/>
+                  </a:moveTo>
+                  <a:lnTo>
+                    <a:pt x="3358600" y="0"/>
+                  </a:lnTo>
+                  <a:lnTo>
+                    <a:pt x="3358600" y="449514"/>
+                  </a:lnTo>
+                  <a:lnTo>
+                    <a:pt x="0" y="449514"/>
+                  </a:lnTo>
+                  <a:lnTo>
+                    <a:pt x="0" y="0"/>
+                  </a:lnTo>
+                  <a:close/>
+                </a:path>
+              </a:pathLst>
+            </a:custGeom>
+          </p:spPr>
+        </p:pic>
+      </p:grpSp>
+      <p:grpSp>
+        <p:nvGrpSpPr>
+          <p:cNvPr id="180" name="Structure">
+            <a:extLst>
+              <a:ext uri="{FF2B5EF4-FFF2-40B4-BE49-F238E27FC236}">
+                <a16:creationId xmlns:a16="http://schemas.microsoft.com/office/drawing/2014/main" id="{48E10E43-412D-45C2-8199-A1B0CF1F0368}"/>
+              </a:ext>
+            </a:extLst>
+          </p:cNvPr>
+          <p:cNvGrpSpPr/>
+          <p:nvPr/>
+        </p:nvGrpSpPr>
+        <p:grpSpPr>
+          <a:xfrm>
+            <a:off x="183880" y="733675"/>
+            <a:ext cx="7995287" cy="1788305"/>
+            <a:chOff x="183880" y="733675"/>
+            <a:chExt cx="7995287" cy="1788305"/>
+          </a:xfrm>
+        </p:grpSpPr>
+        <p:pic>
+          <p:nvPicPr>
+            <p:cNvPr id="178" name="text: structure">
+              <a:extLst>
+                <a:ext uri="{FF2B5EF4-FFF2-40B4-BE49-F238E27FC236}">
+                  <a16:creationId xmlns:a16="http://schemas.microsoft.com/office/drawing/2014/main" id="{6802FBEA-950B-41A7-BE8E-3FC6F2D1EBF3}"/>
+                </a:ext>
+              </a:extLst>
+            </p:cNvPr>
+            <p:cNvPicPr>
+              <a:picLocks noChangeAspect="1"/>
+            </p:cNvPicPr>
+            <p:nvPr/>
+          </p:nvPicPr>
+          <p:blipFill>
+            <a:blip r:embed="rId2"/>
+            <a:srcRect l="1508" t="7395" r="65236" b="82109"/>
+            <a:stretch>
+              <a:fillRect/>
+            </a:stretch>
+          </p:blipFill>
+          <p:spPr>
+            <a:xfrm>
+              <a:off x="183880" y="733675"/>
+              <a:ext cx="4054571" cy="663962"/>
+            </a:xfrm>
+            <a:custGeom>
+              <a:avLst/>
+              <a:gdLst>
+                <a:gd name="connsiteX0" fmla="*/ 0 w 4054571"/>
+                <a:gd name="connsiteY0" fmla="*/ 0 h 663962"/>
+                <a:gd name="connsiteX1" fmla="*/ 4054571 w 4054571"/>
+                <a:gd name="connsiteY1" fmla="*/ 0 h 663962"/>
+                <a:gd name="connsiteX2" fmla="*/ 4054571 w 4054571"/>
+                <a:gd name="connsiteY2" fmla="*/ 663962 h 663962"/>
+                <a:gd name="connsiteX3" fmla="*/ 0 w 4054571"/>
+                <a:gd name="connsiteY3" fmla="*/ 663962 h 663962"/>
+                <a:gd name="connsiteX4" fmla="*/ 0 w 4054571"/>
+                <a:gd name="connsiteY4" fmla="*/ 0 h 663962"/>
+              </a:gdLst>
+              <a:ahLst/>
+              <a:cxnLst>
+                <a:cxn ang="0">
+                  <a:pos x="connsiteX0" y="connsiteY0"/>
+                </a:cxn>
+                <a:cxn ang="0">
+                  <a:pos x="connsiteX1" y="connsiteY1"/>
+                </a:cxn>
+                <a:cxn ang="0">
+                  <a:pos x="connsiteX2" y="connsiteY2"/>
+                </a:cxn>
+                <a:cxn ang="0">
+                  <a:pos x="connsiteX3" y="connsiteY3"/>
+                </a:cxn>
+                <a:cxn ang="0">
+                  <a:pos x="connsiteX4" y="connsiteY4"/>
+                </a:cxn>
+              </a:cxnLst>
+              <a:rect l="l" t="t" r="r" b="b"/>
+              <a:pathLst>
+                <a:path w="4054571" h="663962">
+                  <a:moveTo>
+                    <a:pt x="0" y="0"/>
+                  </a:moveTo>
+                  <a:lnTo>
+                    <a:pt x="4054571" y="0"/>
+                  </a:lnTo>
+                  <a:lnTo>
+                    <a:pt x="4054571" y="663962"/>
+                  </a:lnTo>
+                  <a:lnTo>
+                    <a:pt x="0" y="663962"/>
+                  </a:lnTo>
+                  <a:lnTo>
+                    <a:pt x="0" y="0"/>
+                  </a:lnTo>
+                  <a:close/>
+                </a:path>
+              </a:pathLst>
+            </a:custGeom>
+          </p:spPr>
+        </p:pic>
+        <p:pic>
+          <p:nvPicPr>
+            <p:cNvPr id="169" name="Latent Space Z">
+              <a:extLst>
+                <a:ext uri="{FF2B5EF4-FFF2-40B4-BE49-F238E27FC236}">
+                  <a16:creationId xmlns:a16="http://schemas.microsoft.com/office/drawing/2014/main" id="{50323ADE-6EA5-4DD6-9A6E-A5CB2ED0758D}"/>
+                </a:ext>
+              </a:extLst>
+            </p:cNvPr>
+            <p:cNvPicPr>
+              <a:picLocks noChangeAspect="1"/>
+            </p:cNvPicPr>
+            <p:nvPr/>
+          </p:nvPicPr>
+          <p:blipFill>
+            <a:blip r:embed="rId2"/>
+            <a:srcRect l="50657" t="28531" r="44939" b="64344"/>
+            <a:stretch>
+              <a:fillRect/>
+            </a:stretch>
+          </p:blipFill>
+          <p:spPr>
+            <a:xfrm>
+              <a:off x="6176157" y="2070819"/>
+              <a:ext cx="536879" cy="450698"/>
+            </a:xfrm>
+            <a:custGeom>
+              <a:avLst/>
+              <a:gdLst>
+                <a:gd name="connsiteX0" fmla="*/ 75116 w 536879"/>
+                <a:gd name="connsiteY0" fmla="*/ 0 h 450698"/>
+                <a:gd name="connsiteX1" fmla="*/ 461763 w 536879"/>
+                <a:gd name="connsiteY1" fmla="*/ 0 h 450698"/>
+                <a:gd name="connsiteX2" fmla="*/ 536879 w 536879"/>
+                <a:gd name="connsiteY2" fmla="*/ 75116 h 450698"/>
+                <a:gd name="connsiteX3" fmla="*/ 536879 w 536879"/>
+                <a:gd name="connsiteY3" fmla="*/ 375582 h 450698"/>
+                <a:gd name="connsiteX4" fmla="*/ 461763 w 536879"/>
+                <a:gd name="connsiteY4" fmla="*/ 450698 h 450698"/>
+                <a:gd name="connsiteX5" fmla="*/ 75116 w 536879"/>
+                <a:gd name="connsiteY5" fmla="*/ 450698 h 450698"/>
+                <a:gd name="connsiteX6" fmla="*/ 0 w 536879"/>
+                <a:gd name="connsiteY6" fmla="*/ 375582 h 450698"/>
+                <a:gd name="connsiteX7" fmla="*/ 0 w 536879"/>
+                <a:gd name="connsiteY7" fmla="*/ 75116 h 450698"/>
+                <a:gd name="connsiteX8" fmla="*/ 75116 w 536879"/>
+                <a:gd name="connsiteY8" fmla="*/ 0 h 450698"/>
+              </a:gdLst>
+              <a:ahLst/>
+              <a:cxnLst>
+                <a:cxn ang="0">
+                  <a:pos x="connsiteX0" y="connsiteY0"/>
+                </a:cxn>
+                <a:cxn ang="0">
+                  <a:pos x="connsiteX1" y="connsiteY1"/>
+                </a:cxn>
+                <a:cxn ang="0">
+                  <a:pos x="connsiteX2" y="connsiteY2"/>
+                </a:cxn>
+                <a:cxn ang="0">
+                  <a:pos x="connsiteX3" y="connsiteY3"/>
+                </a:cxn>
+                <a:cxn ang="0">
+                  <a:pos x="connsiteX4" y="connsiteY4"/>
+                </a:cxn>
+                <a:cxn ang="0">
+                  <a:pos x="connsiteX5" y="connsiteY5"/>
+                </a:cxn>
+                <a:cxn ang="0">
+                  <a:pos x="connsiteX6" y="connsiteY6"/>
+                </a:cxn>
+                <a:cxn ang="0">
+                  <a:pos x="connsiteX7" y="connsiteY7"/>
+                </a:cxn>
+                <a:cxn ang="0">
+                  <a:pos x="connsiteX8" y="connsiteY8"/>
+                </a:cxn>
+              </a:cxnLst>
+              <a:rect l="l" t="t" r="r" b="b"/>
+              <a:pathLst>
+                <a:path w="536879" h="450698">
+                  <a:moveTo>
+                    <a:pt x="75116" y="0"/>
+                  </a:moveTo>
+                  <a:lnTo>
+                    <a:pt x="461763" y="0"/>
+                  </a:lnTo>
+                  <a:cubicBezTo>
+                    <a:pt x="503248" y="0"/>
+                    <a:pt x="536879" y="33631"/>
+                    <a:pt x="536879" y="75116"/>
+                  </a:cubicBezTo>
+                  <a:lnTo>
+                    <a:pt x="536879" y="375582"/>
+                  </a:lnTo>
+                  <a:cubicBezTo>
+                    <a:pt x="536879" y="417067"/>
+                    <a:pt x="503248" y="450698"/>
+                    <a:pt x="461763" y="450698"/>
+                  </a:cubicBezTo>
+                  <a:lnTo>
+                    <a:pt x="75116" y="450698"/>
+                  </a:lnTo>
+                  <a:cubicBezTo>
+                    <a:pt x="33631" y="450698"/>
+                    <a:pt x="0" y="417067"/>
+                    <a:pt x="0" y="375582"/>
+                  </a:cubicBezTo>
+                  <a:lnTo>
+                    <a:pt x="0" y="75116"/>
+                  </a:lnTo>
+                  <a:cubicBezTo>
+                    <a:pt x="0" y="33631"/>
+                    <a:pt x="33631" y="0"/>
+                    <a:pt x="75116" y="0"/>
+                  </a:cubicBezTo>
+                  <a:close/>
+                </a:path>
+              </a:pathLst>
+            </a:custGeom>
+          </p:spPr>
+        </p:pic>
+        <p:pic>
+          <p:nvPicPr>
+            <p:cNvPr id="168" name="Images X">
+              <a:extLst>
+                <a:ext uri="{FF2B5EF4-FFF2-40B4-BE49-F238E27FC236}">
+                  <a16:creationId xmlns:a16="http://schemas.microsoft.com/office/drawing/2014/main" id="{7BF404F9-A9EA-42B2-860C-29FA1EBA7C6D}"/>
+                </a:ext>
+              </a:extLst>
+            </p:cNvPr>
+            <p:cNvPicPr>
+              <a:picLocks noChangeAspect="1"/>
+            </p:cNvPicPr>
+            <p:nvPr/>
+          </p:nvPicPr>
+          <p:blipFill>
+            <a:blip r:embed="rId2"/>
+            <a:srcRect l="62043" t="28539" r="32914" b="64337"/>
+            <a:stretch>
+              <a:fillRect/>
+            </a:stretch>
+          </p:blipFill>
+          <p:spPr>
+            <a:xfrm>
+              <a:off x="7564306" y="2071283"/>
+              <a:ext cx="614861" cy="450697"/>
+            </a:xfrm>
+            <a:custGeom>
+              <a:avLst/>
+              <a:gdLst>
+                <a:gd name="connsiteX0" fmla="*/ 75116 w 614861"/>
+                <a:gd name="connsiteY0" fmla="*/ 0 h 450697"/>
+                <a:gd name="connsiteX1" fmla="*/ 545916 w 614861"/>
+                <a:gd name="connsiteY1" fmla="*/ 0 h 450697"/>
+                <a:gd name="connsiteX2" fmla="*/ 599031 w 614861"/>
+                <a:gd name="connsiteY2" fmla="*/ 22001 h 450697"/>
+                <a:gd name="connsiteX3" fmla="*/ 614495 w 614861"/>
+                <a:gd name="connsiteY3" fmla="*/ 44938 h 450697"/>
+                <a:gd name="connsiteX4" fmla="*/ 614495 w 614861"/>
+                <a:gd name="connsiteY4" fmla="*/ 405217 h 450697"/>
+                <a:gd name="connsiteX5" fmla="*/ 614861 w 614861"/>
+                <a:gd name="connsiteY5" fmla="*/ 405217 h 450697"/>
+                <a:gd name="connsiteX6" fmla="*/ 599031 w 614861"/>
+                <a:gd name="connsiteY6" fmla="*/ 428696 h 450697"/>
+                <a:gd name="connsiteX7" fmla="*/ 545916 w 614861"/>
+                <a:gd name="connsiteY7" fmla="*/ 450697 h 450697"/>
+                <a:gd name="connsiteX8" fmla="*/ 75116 w 614861"/>
+                <a:gd name="connsiteY8" fmla="*/ 450697 h 450697"/>
+                <a:gd name="connsiteX9" fmla="*/ 0 w 614861"/>
+                <a:gd name="connsiteY9" fmla="*/ 375581 h 450697"/>
+                <a:gd name="connsiteX10" fmla="*/ 0 w 614861"/>
+                <a:gd name="connsiteY10" fmla="*/ 75116 h 450697"/>
+                <a:gd name="connsiteX11" fmla="*/ 75116 w 614861"/>
+                <a:gd name="connsiteY11" fmla="*/ 0 h 450697"/>
+              </a:gdLst>
+              <a:ahLst/>
+              <a:cxnLst>
+                <a:cxn ang="0">
+                  <a:pos x="connsiteX0" y="connsiteY0"/>
+                </a:cxn>
+                <a:cxn ang="0">
+                  <a:pos x="connsiteX1" y="connsiteY1"/>
+                </a:cxn>
+                <a:cxn ang="0">
+                  <a:pos x="connsiteX2" y="connsiteY2"/>
+                </a:cxn>
+                <a:cxn ang="0">
+                  <a:pos x="connsiteX3" y="connsiteY3"/>
+                </a:cxn>
+                <a:cxn ang="0">
+                  <a:pos x="connsiteX4" y="connsiteY4"/>
+                </a:cxn>
+                <a:cxn ang="0">
+                  <a:pos x="connsiteX5" y="connsiteY5"/>
+                </a:cxn>
+                <a:cxn ang="0">
+                  <a:pos x="connsiteX6" y="connsiteY6"/>
+                </a:cxn>
+                <a:cxn ang="0">
+                  <a:pos x="connsiteX7" y="connsiteY7"/>
+                </a:cxn>
+                <a:cxn ang="0">
+                  <a:pos x="connsiteX8" y="connsiteY8"/>
+                </a:cxn>
+                <a:cxn ang="0">
+                  <a:pos x="connsiteX9" y="connsiteY9"/>
+                </a:cxn>
+                <a:cxn ang="0">
+                  <a:pos x="connsiteX10" y="connsiteY10"/>
+                </a:cxn>
+                <a:cxn ang="0">
+                  <a:pos x="connsiteX11" y="connsiteY11"/>
+                </a:cxn>
+              </a:cxnLst>
+              <a:rect l="l" t="t" r="r" b="b"/>
+              <a:pathLst>
+                <a:path w="614861" h="450697">
+                  <a:moveTo>
+                    <a:pt x="75116" y="0"/>
+                  </a:moveTo>
+                  <a:lnTo>
+                    <a:pt x="545916" y="0"/>
+                  </a:lnTo>
+                  <a:cubicBezTo>
+                    <a:pt x="566659" y="0"/>
+                    <a:pt x="585438" y="8408"/>
+                    <a:pt x="599031" y="22001"/>
+                  </a:cubicBezTo>
+                  <a:lnTo>
+                    <a:pt x="614495" y="44938"/>
+                  </a:lnTo>
+                  <a:lnTo>
+                    <a:pt x="614495" y="405217"/>
+                  </a:lnTo>
+                  <a:lnTo>
+                    <a:pt x="614861" y="405217"/>
+                  </a:lnTo>
+                  <a:lnTo>
+                    <a:pt x="599031" y="428696"/>
+                  </a:lnTo>
+                  <a:cubicBezTo>
+                    <a:pt x="585438" y="442289"/>
+                    <a:pt x="566659" y="450697"/>
+                    <a:pt x="545916" y="450697"/>
+                  </a:cubicBezTo>
+                  <a:lnTo>
+                    <a:pt x="75116" y="450697"/>
+                  </a:lnTo>
+                  <a:cubicBezTo>
+                    <a:pt x="33631" y="450697"/>
+                    <a:pt x="0" y="417066"/>
+                    <a:pt x="0" y="375581"/>
+                  </a:cubicBezTo>
+                  <a:lnTo>
+                    <a:pt x="0" y="75116"/>
+                  </a:lnTo>
+                  <a:cubicBezTo>
+                    <a:pt x="0" y="33631"/>
+                    <a:pt x="33631" y="0"/>
+                    <a:pt x="75116" y="0"/>
+                  </a:cubicBezTo>
+                  <a:close/>
+                </a:path>
+              </a:pathLst>
+            </a:custGeom>
+          </p:spPr>
+        </p:pic>
+      </p:grpSp>
+      <p:grpSp>
+        <p:nvGrpSpPr>
+          <p:cNvPr id="183" name="prior p">
+            <a:extLst>
+              <a:ext uri="{FF2B5EF4-FFF2-40B4-BE49-F238E27FC236}">
+                <a16:creationId xmlns:a16="http://schemas.microsoft.com/office/drawing/2014/main" id="{8FD35B28-96FE-484C-9F83-2A7DAD3F98EB}"/>
+              </a:ext>
+            </a:extLst>
+          </p:cNvPr>
+          <p:cNvGrpSpPr/>
+          <p:nvPr/>
+        </p:nvGrpSpPr>
+        <p:grpSpPr>
+          <a:xfrm>
+            <a:off x="687621" y="1831150"/>
+            <a:ext cx="5451561" cy="1120485"/>
+            <a:chOff x="687621" y="1831150"/>
+            <a:chExt cx="5451561" cy="1120485"/>
+          </a:xfrm>
+        </p:grpSpPr>
+        <p:pic>
+          <p:nvPicPr>
+            <p:cNvPr id="172" name="-p&gt;">
+              <a:extLst>
+                <a:ext uri="{FF2B5EF4-FFF2-40B4-BE49-F238E27FC236}">
+                  <a16:creationId xmlns:a16="http://schemas.microsoft.com/office/drawing/2014/main" id="{93207355-ED56-4242-B389-4C767EF5B2BE}"/>
+                </a:ext>
+              </a:extLst>
+            </p:cNvPr>
+            <p:cNvPicPr>
+              <a:picLocks noChangeAspect="1"/>
+            </p:cNvPicPr>
+            <p:nvPr/>
+          </p:nvPicPr>
+          <p:blipFill>
+            <a:blip r:embed="rId2">
+              <a:clrChange>
+                <a:clrFrom>
+                  <a:srgbClr val="FFFFFF"/>
+                </a:clrFrom>
+                <a:clrTo>
+                  <a:srgbClr val="FFFFFF">
+                    <a:alpha val="0"/>
+                  </a:srgbClr>
+                </a:clrTo>
+              </a:clrChange>
+            </a:blip>
+            <a:srcRect l="45260" t="24743" r="49646" b="65443"/>
+            <a:stretch>
+              <a:fillRect/>
+            </a:stretch>
+          </p:blipFill>
+          <p:spPr>
+            <a:xfrm>
+              <a:off x="5518150" y="1831150"/>
+              <a:ext cx="621032" cy="620888"/>
+            </a:xfrm>
+            <a:custGeom>
+              <a:avLst/>
+              <a:gdLst>
+                <a:gd name="connsiteX0" fmla="*/ 0 w 621032"/>
+                <a:gd name="connsiteY0" fmla="*/ 0 h 620888"/>
+                <a:gd name="connsiteX1" fmla="*/ 621032 w 621032"/>
+                <a:gd name="connsiteY1" fmla="*/ 0 h 620888"/>
+                <a:gd name="connsiteX2" fmla="*/ 621032 w 621032"/>
+                <a:gd name="connsiteY2" fmla="*/ 620888 h 620888"/>
+                <a:gd name="connsiteX3" fmla="*/ 0 w 621032"/>
+                <a:gd name="connsiteY3" fmla="*/ 620888 h 620888"/>
+                <a:gd name="connsiteX4" fmla="*/ 0 w 621032"/>
+                <a:gd name="connsiteY4" fmla="*/ 0 h 620888"/>
+              </a:gdLst>
+              <a:ahLst/>
+              <a:cxnLst>
+                <a:cxn ang="0">
+                  <a:pos x="connsiteX0" y="connsiteY0"/>
+                </a:cxn>
+                <a:cxn ang="0">
+                  <a:pos x="connsiteX1" y="connsiteY1"/>
+                </a:cxn>
+                <a:cxn ang="0">
+                  <a:pos x="connsiteX2" y="connsiteY2"/>
+                </a:cxn>
+                <a:cxn ang="0">
+                  <a:pos x="connsiteX3" y="connsiteY3"/>
+                </a:cxn>
+                <a:cxn ang="0">
+                  <a:pos x="connsiteX4" y="connsiteY4"/>
+                </a:cxn>
+              </a:cxnLst>
+              <a:rect l="l" t="t" r="r" b="b"/>
+              <a:pathLst>
+                <a:path w="621032" h="620888">
+                  <a:moveTo>
+                    <a:pt x="0" y="0"/>
+                  </a:moveTo>
+                  <a:lnTo>
+                    <a:pt x="621032" y="0"/>
+                  </a:lnTo>
+                  <a:lnTo>
+                    <a:pt x="621032" y="620888"/>
+                  </a:lnTo>
+                  <a:lnTo>
+                    <a:pt x="0" y="620888"/>
+                  </a:lnTo>
+                  <a:lnTo>
+                    <a:pt x="0" y="0"/>
+                  </a:lnTo>
+                  <a:close/>
+                </a:path>
+              </a:pathLst>
+            </a:custGeom>
+          </p:spPr>
+        </p:pic>
+        <p:pic>
+          <p:nvPicPr>
+            <p:cNvPr id="167" name="p(Z)">
+              <a:extLst>
+                <a:ext uri="{FF2B5EF4-FFF2-40B4-BE49-F238E27FC236}">
+                  <a16:creationId xmlns:a16="http://schemas.microsoft.com/office/drawing/2014/main" id="{5F28CD75-E34D-4ADB-86F4-121E1418DB2F}"/>
+                </a:ext>
+              </a:extLst>
+            </p:cNvPr>
+            <p:cNvPicPr>
+              <a:picLocks noChangeAspect="1"/>
+            </p:cNvPicPr>
+            <p:nvPr/>
+          </p:nvPicPr>
+          <p:blipFill>
+            <a:blip r:embed="rId2">
+              <a:clrChange>
+                <a:clrFrom>
+                  <a:srgbClr val="FFFFFF"/>
+                </a:clrFrom>
+                <a:clrTo>
+                  <a:srgbClr val="FFFFFF">
+                    <a:alpha val="0"/>
+                  </a:srgbClr>
+                </a:clrTo>
+              </a:clrChange>
+            </a:blip>
+            <a:srcRect l="5640" t="33918" r="66812" b="57546"/>
+            <a:stretch>
+              <a:fillRect/>
+            </a:stretch>
+          </p:blipFill>
+          <p:spPr>
+            <a:xfrm>
+              <a:off x="687621" y="2411576"/>
+              <a:ext cx="3358600" cy="540059"/>
+            </a:xfrm>
+            <a:custGeom>
+              <a:avLst/>
+              <a:gdLst>
+                <a:gd name="connsiteX0" fmla="*/ 0 w 3358600"/>
+                <a:gd name="connsiteY0" fmla="*/ 0 h 540059"/>
+                <a:gd name="connsiteX1" fmla="*/ 3358600 w 3358600"/>
+                <a:gd name="connsiteY1" fmla="*/ 0 h 540059"/>
+                <a:gd name="connsiteX2" fmla="*/ 3358600 w 3358600"/>
+                <a:gd name="connsiteY2" fmla="*/ 540059 h 540059"/>
+                <a:gd name="connsiteX3" fmla="*/ 0 w 3358600"/>
+                <a:gd name="connsiteY3" fmla="*/ 540059 h 540059"/>
+                <a:gd name="connsiteX4" fmla="*/ 0 w 3358600"/>
+                <a:gd name="connsiteY4" fmla="*/ 0 h 540059"/>
+              </a:gdLst>
+              <a:ahLst/>
+              <a:cxnLst>
+                <a:cxn ang="0">
+                  <a:pos x="connsiteX0" y="connsiteY0"/>
+                </a:cxn>
+                <a:cxn ang="0">
+                  <a:pos x="connsiteX1" y="connsiteY1"/>
+                </a:cxn>
+                <a:cxn ang="0">
+                  <a:pos x="connsiteX2" y="connsiteY2"/>
+                </a:cxn>
+                <a:cxn ang="0">
+                  <a:pos x="connsiteX3" y="connsiteY3"/>
+                </a:cxn>
+                <a:cxn ang="0">
+                  <a:pos x="connsiteX4" y="connsiteY4"/>
+                </a:cxn>
+              </a:cxnLst>
+              <a:rect l="l" t="t" r="r" b="b"/>
+              <a:pathLst>
+                <a:path w="3358600" h="540059">
+                  <a:moveTo>
+                    <a:pt x="0" y="0"/>
+                  </a:moveTo>
+                  <a:lnTo>
+                    <a:pt x="3358600" y="0"/>
+                  </a:lnTo>
+                  <a:lnTo>
+                    <a:pt x="3358600" y="540059"/>
+                  </a:lnTo>
+                  <a:lnTo>
+                    <a:pt x="0" y="540059"/>
+                  </a:lnTo>
+                  <a:lnTo>
+                    <a:pt x="0" y="0"/>
+                  </a:lnTo>
+                  <a:close/>
+                </a:path>
+              </a:pathLst>
+            </a:custGeom>
+          </p:spPr>
+        </p:pic>
+      </p:grpSp>
+      <p:pic>
+        <p:nvPicPr>
+          <p:cNvPr id="166" name="encoder strength">
+            <a:extLst>
+              <a:ext uri="{FF2B5EF4-FFF2-40B4-BE49-F238E27FC236}">
+                <a16:creationId xmlns:a16="http://schemas.microsoft.com/office/drawing/2014/main" id="{ABBD3D1C-8194-42EE-89E9-EACEA296542E}"/>
+              </a:ext>
+            </a:extLst>
+          </p:cNvPr>
+          <p:cNvPicPr>
+            <a:picLocks noChangeAspect="1"/>
+          </p:cNvPicPr>
+          <p:nvPr/>
+        </p:nvPicPr>
+        <p:blipFill>
+          <a:blip r:embed="rId2">
+            <a:clrChange>
+              <a:clrFrom>
+                <a:srgbClr val="FFFFFF"/>
+              </a:clrFrom>
+              <a:clrTo>
+                <a:srgbClr val="FFFFFF">
+                  <a:alpha val="0"/>
+                </a:srgbClr>
+              </a:clrTo>
+            </a:clrChange>
+          </a:blip>
+          <a:srcRect l="56156" t="34648" r="39052" b="60275"/>
+          <a:stretch>
+            <a:fillRect/>
+          </a:stretch>
+        </p:blipFill>
+        <p:spPr>
+          <a:xfrm>
+            <a:off x="6846570" y="2457763"/>
+            <a:ext cx="584200" cy="321188"/>
+          </a:xfrm>
+          <a:custGeom>
+            <a:avLst/>
+            <a:gdLst>
+              <a:gd name="connsiteX0" fmla="*/ 0 w 584200"/>
+              <a:gd name="connsiteY0" fmla="*/ 0 h 321188"/>
+              <a:gd name="connsiteX1" fmla="*/ 584200 w 584200"/>
+              <a:gd name="connsiteY1" fmla="*/ 0 h 321188"/>
+              <a:gd name="connsiteX2" fmla="*/ 559937 w 584200"/>
+              <a:gd name="connsiteY2" fmla="*/ 79069 h 321188"/>
+              <a:gd name="connsiteX3" fmla="*/ 559938 w 584200"/>
+              <a:gd name="connsiteY3" fmla="*/ 79069 h 321188"/>
+              <a:gd name="connsiteX4" fmla="*/ 485640 w 584200"/>
+              <a:gd name="connsiteY4" fmla="*/ 321188 h 321188"/>
+              <a:gd name="connsiteX5" fmla="*/ 120962 w 584200"/>
+              <a:gd name="connsiteY5" fmla="*/ 303268 h 321188"/>
+              <a:gd name="connsiteX6" fmla="*/ 31539 w 584200"/>
+              <a:gd name="connsiteY6" fmla="*/ 79069 h 321188"/>
+              <a:gd name="connsiteX7" fmla="*/ 31538 w 584200"/>
+              <a:gd name="connsiteY7" fmla="*/ 79069 h 321188"/>
+              <a:gd name="connsiteX8" fmla="*/ 0 w 584200"/>
+              <a:gd name="connsiteY8" fmla="*/ 0 h 321188"/>
+            </a:gdLst>
+            <a:ahLst/>
+            <a:cxnLst>
+              <a:cxn ang="0">
+                <a:pos x="connsiteX0" y="connsiteY0"/>
+              </a:cxn>
+              <a:cxn ang="0">
+                <a:pos x="connsiteX1" y="connsiteY1"/>
+              </a:cxn>
+              <a:cxn ang="0">
+                <a:pos x="connsiteX2" y="connsiteY2"/>
+              </a:cxn>
+              <a:cxn ang="0">
+                <a:pos x="connsiteX3" y="connsiteY3"/>
+              </a:cxn>
+              <a:cxn ang="0">
+                <a:pos x="connsiteX4" y="connsiteY4"/>
+              </a:cxn>
+              <a:cxn ang="0">
+                <a:pos x="connsiteX5" y="connsiteY5"/>
+              </a:cxn>
+              <a:cxn ang="0">
+                <a:pos x="connsiteX6" y="connsiteY6"/>
+              </a:cxn>
+              <a:cxn ang="0">
+                <a:pos x="connsiteX7" y="connsiteY7"/>
+              </a:cxn>
+              <a:cxn ang="0">
+                <a:pos x="connsiteX8" y="connsiteY8"/>
+              </a:cxn>
+            </a:cxnLst>
+            <a:rect l="l" t="t" r="r" b="b"/>
+            <a:pathLst>
+              <a:path w="584200" h="321188">
+                <a:moveTo>
+                  <a:pt x="0" y="0"/>
+                </a:moveTo>
+                <a:lnTo>
+                  <a:pt x="584200" y="0"/>
+                </a:lnTo>
+                <a:lnTo>
+                  <a:pt x="559937" y="79069"/>
+                </a:lnTo>
+                <a:lnTo>
+                  <a:pt x="559938" y="79069"/>
+                </a:lnTo>
+                <a:lnTo>
+                  <a:pt x="485640" y="321188"/>
+                </a:lnTo>
+                <a:lnTo>
+                  <a:pt x="120962" y="303268"/>
+                </a:lnTo>
+                <a:lnTo>
+                  <a:pt x="31539" y="79069"/>
+                </a:lnTo>
+                <a:lnTo>
+                  <a:pt x="31538" y="79069"/>
+                </a:lnTo>
+                <a:lnTo>
+                  <a:pt x="0" y="0"/>
+                </a:lnTo>
+                <a:close/>
+              </a:path>
+            </a:pathLst>
+          </a:custGeom>
+        </p:spPr>
+      </p:pic>
+      <p:pic>
+        <p:nvPicPr>
+          <p:cNvPr id="165" name="prior strength">
+            <a:extLst>
+              <a:ext uri="{FF2B5EF4-FFF2-40B4-BE49-F238E27FC236}">
+                <a16:creationId xmlns:a16="http://schemas.microsoft.com/office/drawing/2014/main" id="{7047E6BC-C8DD-4917-BF8C-E0FD9FC91946}"/>
+              </a:ext>
+            </a:extLst>
+          </p:cNvPr>
+          <p:cNvPicPr>
+            <a:picLocks noChangeAspect="1"/>
+          </p:cNvPicPr>
+          <p:nvPr/>
+        </p:nvPicPr>
+        <p:blipFill>
+          <a:blip r:embed="rId2"/>
+          <a:srcRect l="45177" t="34788" r="49729" b="59966"/>
+          <a:stretch>
+            <a:fillRect/>
+          </a:stretch>
+        </p:blipFill>
+        <p:spPr>
+          <a:xfrm>
+            <a:off x="5507991" y="2466613"/>
+            <a:ext cx="621031" cy="331913"/>
+          </a:xfrm>
+          <a:custGeom>
+            <a:avLst/>
+            <a:gdLst>
+              <a:gd name="connsiteX0" fmla="*/ 0 w 621031"/>
+              <a:gd name="connsiteY0" fmla="*/ 0 h 331913"/>
+              <a:gd name="connsiteX1" fmla="*/ 621031 w 621031"/>
+              <a:gd name="connsiteY1" fmla="*/ 0 h 331913"/>
+              <a:gd name="connsiteX2" fmla="*/ 621031 w 621031"/>
+              <a:gd name="connsiteY2" fmla="*/ 331913 h 331913"/>
+              <a:gd name="connsiteX3" fmla="*/ 0 w 621031"/>
+              <a:gd name="connsiteY3" fmla="*/ 331913 h 331913"/>
+              <a:gd name="connsiteX4" fmla="*/ 0 w 621031"/>
+              <a:gd name="connsiteY4" fmla="*/ 0 h 331913"/>
+            </a:gdLst>
+            <a:ahLst/>
+            <a:cxnLst>
+              <a:cxn ang="0">
+                <a:pos x="connsiteX0" y="connsiteY0"/>
+              </a:cxn>
+              <a:cxn ang="0">
+                <a:pos x="connsiteX1" y="connsiteY1"/>
+              </a:cxn>
+              <a:cxn ang="0">
+                <a:pos x="connsiteX2" y="connsiteY2"/>
+              </a:cxn>
+              <a:cxn ang="0">
+                <a:pos x="connsiteX3" y="connsiteY3"/>
+              </a:cxn>
+              <a:cxn ang="0">
+                <a:pos x="connsiteX4" y="connsiteY4"/>
+              </a:cxn>
+            </a:cxnLst>
+            <a:rect l="l" t="t" r="r" b="b"/>
+            <a:pathLst>
+              <a:path w="621031" h="331913">
+                <a:moveTo>
+                  <a:pt x="0" y="0"/>
+                </a:moveTo>
+                <a:lnTo>
+                  <a:pt x="621031" y="0"/>
+                </a:lnTo>
+                <a:lnTo>
+                  <a:pt x="621031" y="331913"/>
+                </a:lnTo>
+                <a:lnTo>
+                  <a:pt x="0" y="331913"/>
+                </a:lnTo>
+                <a:lnTo>
+                  <a:pt x="0" y="0"/>
+                </a:lnTo>
+                <a:close/>
+              </a:path>
+            </a:pathLst>
+          </a:custGeom>
+        </p:spPr>
+      </p:pic>
+      <p:grpSp>
+        <p:nvGrpSpPr>
+          <p:cNvPr id="181" name="encoder e">
+            <a:extLst>
+              <a:ext uri="{FF2B5EF4-FFF2-40B4-BE49-F238E27FC236}">
+                <a16:creationId xmlns:a16="http://schemas.microsoft.com/office/drawing/2014/main" id="{9EB5184D-09FD-486D-962E-5DA68135F6AF}"/>
+              </a:ext>
+            </a:extLst>
+          </p:cNvPr>
+          <p:cNvGrpSpPr/>
+          <p:nvPr/>
+        </p:nvGrpSpPr>
+        <p:grpSpPr>
+          <a:xfrm>
+            <a:off x="687621" y="1431608"/>
+            <a:ext cx="7084780" cy="1768447"/>
+            <a:chOff x="687621" y="1431608"/>
+            <a:chExt cx="7084780" cy="1768447"/>
+          </a:xfrm>
+        </p:grpSpPr>
+        <p:pic>
+          <p:nvPicPr>
+            <p:cNvPr id="174" name="e(Z|X)">
+              <a:extLst>
+                <a:ext uri="{FF2B5EF4-FFF2-40B4-BE49-F238E27FC236}">
+                  <a16:creationId xmlns:a16="http://schemas.microsoft.com/office/drawing/2014/main" id="{FA284E1B-DFD9-42BE-A4E4-42E140CAE9A8}"/>
+                </a:ext>
+              </a:extLst>
+            </p:cNvPr>
+            <p:cNvPicPr>
+              <a:picLocks noChangeAspect="1"/>
+            </p:cNvPicPr>
+            <p:nvPr/>
+          </p:nvPicPr>
+          <p:blipFill>
+            <a:blip r:embed="rId2">
+              <a:clrChange>
+                <a:clrFrom>
+                  <a:srgbClr val="FFFFFF"/>
+                </a:clrFrom>
+                <a:clrTo>
+                  <a:srgbClr val="FFFFFF">
+                    <a:alpha val="0"/>
+                  </a:srgbClr>
+                </a:clrTo>
+              </a:clrChange>
+            </a:blip>
+            <a:srcRect l="5640" t="18428" r="66812" b="73943"/>
+            <a:stretch>
+              <a:fillRect/>
+            </a:stretch>
+          </p:blipFill>
+          <p:spPr>
+            <a:xfrm>
+              <a:off x="687621" y="1431608"/>
+              <a:ext cx="3358600" cy="482696"/>
+            </a:xfrm>
+            <a:custGeom>
+              <a:avLst/>
+              <a:gdLst>
+                <a:gd name="connsiteX0" fmla="*/ 0 w 3358600"/>
+                <a:gd name="connsiteY0" fmla="*/ 0 h 482696"/>
+                <a:gd name="connsiteX1" fmla="*/ 3358600 w 3358600"/>
+                <a:gd name="connsiteY1" fmla="*/ 0 h 482696"/>
+                <a:gd name="connsiteX2" fmla="*/ 3358600 w 3358600"/>
+                <a:gd name="connsiteY2" fmla="*/ 482696 h 482696"/>
+                <a:gd name="connsiteX3" fmla="*/ 0 w 3358600"/>
+                <a:gd name="connsiteY3" fmla="*/ 482696 h 482696"/>
+                <a:gd name="connsiteX4" fmla="*/ 0 w 3358600"/>
+                <a:gd name="connsiteY4" fmla="*/ 0 h 482696"/>
+              </a:gdLst>
+              <a:ahLst/>
+              <a:cxnLst>
+                <a:cxn ang="0">
+                  <a:pos x="connsiteX0" y="connsiteY0"/>
+                </a:cxn>
+                <a:cxn ang="0">
+                  <a:pos x="connsiteX1" y="connsiteY1"/>
+                </a:cxn>
+                <a:cxn ang="0">
+                  <a:pos x="connsiteX2" y="connsiteY2"/>
+                </a:cxn>
+                <a:cxn ang="0">
+                  <a:pos x="connsiteX3" y="connsiteY3"/>
+                </a:cxn>
+                <a:cxn ang="0">
+                  <a:pos x="connsiteX4" y="connsiteY4"/>
+                </a:cxn>
+              </a:cxnLst>
+              <a:rect l="l" t="t" r="r" b="b"/>
+              <a:pathLst>
+                <a:path w="3358600" h="482696">
+                  <a:moveTo>
+                    <a:pt x="0" y="0"/>
+                  </a:moveTo>
+                  <a:lnTo>
+                    <a:pt x="3358600" y="0"/>
+                  </a:lnTo>
+                  <a:lnTo>
+                    <a:pt x="3358600" y="482696"/>
+                  </a:lnTo>
+                  <a:lnTo>
+                    <a:pt x="0" y="482696"/>
+                  </a:lnTo>
+                  <a:lnTo>
+                    <a:pt x="0" y="0"/>
+                  </a:lnTo>
+                  <a:close/>
+                </a:path>
+              </a:pathLst>
+            </a:custGeom>
+          </p:spPr>
+        </p:pic>
+        <p:pic>
+          <p:nvPicPr>
+            <p:cNvPr id="164" name="-e&gt;">
+              <a:extLst>
+                <a:ext uri="{FF2B5EF4-FFF2-40B4-BE49-F238E27FC236}">
+                  <a16:creationId xmlns:a16="http://schemas.microsoft.com/office/drawing/2014/main" id="{01B94404-2924-4894-95EF-81670227B26C}"/>
+                </a:ext>
+              </a:extLst>
+            </p:cNvPr>
+            <p:cNvPicPr>
+              <a:picLocks noChangeAspect="1"/>
+            </p:cNvPicPr>
+            <p:nvPr/>
+          </p:nvPicPr>
+          <p:blipFill>
+            <a:blip r:embed="rId2">
+              <a:clrChange>
+                <a:clrFrom>
+                  <a:srgbClr val="FFFFFF"/>
+                </a:clrFrom>
+                <a:clrTo>
+                  <a:srgbClr val="FFFFFF">
+                    <a:alpha val="0"/>
+                  </a:srgbClr>
+                </a:clrTo>
+              </a:clrChange>
+            </a:blip>
+            <a:srcRect l="53382" t="35886" r="36250" b="53619"/>
+            <a:stretch>
+              <a:fillRect/>
+            </a:stretch>
+          </p:blipFill>
+          <p:spPr>
+            <a:xfrm>
+              <a:off x="6508327" y="2536093"/>
+              <a:ext cx="1264074" cy="663962"/>
+            </a:xfrm>
+            <a:custGeom>
+              <a:avLst/>
+              <a:gdLst>
+                <a:gd name="connsiteX0" fmla="*/ 0 w 1264074"/>
+                <a:gd name="connsiteY0" fmla="*/ 0 h 663962"/>
+                <a:gd name="connsiteX1" fmla="*/ 353353 w 1264074"/>
+                <a:gd name="connsiteY1" fmla="*/ 0 h 663962"/>
+                <a:gd name="connsiteX2" fmla="*/ 448414 w 1264074"/>
+                <a:gd name="connsiteY2" fmla="*/ 238334 h 663962"/>
+                <a:gd name="connsiteX3" fmla="*/ 836084 w 1264074"/>
+                <a:gd name="connsiteY3" fmla="*/ 257384 h 663962"/>
+                <a:gd name="connsiteX4" fmla="*/ 915066 w 1264074"/>
+                <a:gd name="connsiteY4" fmla="*/ 0 h 663962"/>
+                <a:gd name="connsiteX5" fmla="*/ 1264074 w 1264074"/>
+                <a:gd name="connsiteY5" fmla="*/ 0 h 663962"/>
+                <a:gd name="connsiteX6" fmla="*/ 1264074 w 1264074"/>
+                <a:gd name="connsiteY6" fmla="*/ 663962 h 663962"/>
+                <a:gd name="connsiteX7" fmla="*/ 0 w 1264074"/>
+                <a:gd name="connsiteY7" fmla="*/ 663962 h 663962"/>
+                <a:gd name="connsiteX8" fmla="*/ 0 w 1264074"/>
+                <a:gd name="connsiteY8" fmla="*/ 0 h 663962"/>
+              </a:gdLst>
+              <a:ahLst/>
+              <a:cxnLst>
+                <a:cxn ang="0">
+                  <a:pos x="connsiteX0" y="connsiteY0"/>
+                </a:cxn>
+                <a:cxn ang="0">
+                  <a:pos x="connsiteX1" y="connsiteY1"/>
+                </a:cxn>
+                <a:cxn ang="0">
+                  <a:pos x="connsiteX2" y="connsiteY2"/>
+                </a:cxn>
+                <a:cxn ang="0">
+                  <a:pos x="connsiteX3" y="connsiteY3"/>
+                </a:cxn>
+                <a:cxn ang="0">
+                  <a:pos x="connsiteX4" y="connsiteY4"/>
+                </a:cxn>
+                <a:cxn ang="0">
+                  <a:pos x="connsiteX5" y="connsiteY5"/>
+                </a:cxn>
+                <a:cxn ang="0">
+                  <a:pos x="connsiteX6" y="connsiteY6"/>
+                </a:cxn>
+                <a:cxn ang="0">
+                  <a:pos x="connsiteX7" y="connsiteY7"/>
+                </a:cxn>
+                <a:cxn ang="0">
+                  <a:pos x="connsiteX8" y="connsiteY8"/>
+                </a:cxn>
+              </a:cxnLst>
+              <a:rect l="l" t="t" r="r" b="b"/>
+              <a:pathLst>
+                <a:path w="1264074" h="663962">
+                  <a:moveTo>
+                    <a:pt x="0" y="0"/>
+                  </a:moveTo>
+                  <a:lnTo>
+                    <a:pt x="353353" y="0"/>
+                  </a:lnTo>
+                  <a:lnTo>
+                    <a:pt x="448414" y="238334"/>
+                  </a:lnTo>
+                  <a:lnTo>
+                    <a:pt x="836084" y="257384"/>
+                  </a:lnTo>
+                  <a:lnTo>
+                    <a:pt x="915066" y="0"/>
+                  </a:lnTo>
+                  <a:lnTo>
+                    <a:pt x="1264074" y="0"/>
+                  </a:lnTo>
+                  <a:lnTo>
+                    <a:pt x="1264074" y="663962"/>
+                  </a:lnTo>
+                  <a:lnTo>
+                    <a:pt x="0" y="663962"/>
+                  </a:lnTo>
+                  <a:lnTo>
+                    <a:pt x="0" y="0"/>
+                  </a:lnTo>
+                  <a:close/>
+                </a:path>
+              </a:pathLst>
+            </a:custGeom>
+          </p:spPr>
+        </p:pic>
+      </p:grpSp>
+      <p:grpSp>
+        <p:nvGrpSpPr>
+          <p:cNvPr id="184" name="sample x">
+            <a:extLst>
+              <a:ext uri="{FF2B5EF4-FFF2-40B4-BE49-F238E27FC236}">
+                <a16:creationId xmlns:a16="http://schemas.microsoft.com/office/drawing/2014/main" id="{A9E06AD1-3478-4EC0-AB5A-3D40CBCC0FB1}"/>
+              </a:ext>
+            </a:extLst>
+          </p:cNvPr>
+          <p:cNvGrpSpPr/>
+          <p:nvPr/>
+        </p:nvGrpSpPr>
+        <p:grpSpPr>
+          <a:xfrm>
+            <a:off x="183880" y="1914685"/>
+            <a:ext cx="8579120" cy="1734883"/>
+            <a:chOff x="183880" y="1914685"/>
+            <a:chExt cx="8579120" cy="1734883"/>
+          </a:xfrm>
+        </p:grpSpPr>
+        <p:pic>
+          <p:nvPicPr>
+            <p:cNvPr id="171" name="-x&gt;&gt;">
+              <a:extLst>
+                <a:ext uri="{FF2B5EF4-FFF2-40B4-BE49-F238E27FC236}">
+                  <a16:creationId xmlns:a16="http://schemas.microsoft.com/office/drawing/2014/main" id="{0B4CBEC9-D9AC-4327-8BBA-2C32A4B43567}"/>
+                </a:ext>
+              </a:extLst>
+            </p:cNvPr>
+            <p:cNvPicPr>
+              <a:picLocks noChangeAspect="1"/>
+            </p:cNvPicPr>
+            <p:nvPr/>
+          </p:nvPicPr>
+          <p:blipFill>
+            <a:blip r:embed="rId2"/>
+            <a:srcRect l="67083" t="26064" r="28125" b="65056"/>
+            <a:stretch>
+              <a:fillRect/>
+            </a:stretch>
+          </p:blipFill>
+          <p:spPr>
+            <a:xfrm>
+              <a:off x="8178800" y="1914685"/>
+              <a:ext cx="584200" cy="561815"/>
+            </a:xfrm>
+            <a:custGeom>
+              <a:avLst/>
+              <a:gdLst>
+                <a:gd name="connsiteX0" fmla="*/ 0 w 584200"/>
+                <a:gd name="connsiteY0" fmla="*/ 0 h 561815"/>
+                <a:gd name="connsiteX1" fmla="*/ 584200 w 584200"/>
+                <a:gd name="connsiteY1" fmla="*/ 0 h 561815"/>
+                <a:gd name="connsiteX2" fmla="*/ 584200 w 584200"/>
+                <a:gd name="connsiteY2" fmla="*/ 561815 h 561815"/>
+                <a:gd name="connsiteX3" fmla="*/ 366 w 584200"/>
+                <a:gd name="connsiteY3" fmla="*/ 561815 h 561815"/>
+                <a:gd name="connsiteX4" fmla="*/ 634 w 584200"/>
+                <a:gd name="connsiteY4" fmla="*/ 561417 h 561815"/>
+                <a:gd name="connsiteX5" fmla="*/ 6537 w 584200"/>
+                <a:gd name="connsiteY5" fmla="*/ 532179 h 561815"/>
+                <a:gd name="connsiteX6" fmla="*/ 6537 w 584200"/>
+                <a:gd name="connsiteY6" fmla="*/ 231714 h 561815"/>
+                <a:gd name="connsiteX7" fmla="*/ 634 w 584200"/>
+                <a:gd name="connsiteY7" fmla="*/ 202476 h 561815"/>
+                <a:gd name="connsiteX8" fmla="*/ 0 w 584200"/>
+                <a:gd name="connsiteY8" fmla="*/ 201536 h 561815"/>
+                <a:gd name="connsiteX9" fmla="*/ 0 w 584200"/>
+                <a:gd name="connsiteY9" fmla="*/ 0 h 561815"/>
+              </a:gdLst>
+              <a:ahLst/>
+              <a:cxnLst>
+                <a:cxn ang="0">
+                  <a:pos x="connsiteX0" y="connsiteY0"/>
+                </a:cxn>
+                <a:cxn ang="0">
+                  <a:pos x="connsiteX1" y="connsiteY1"/>
+                </a:cxn>
+                <a:cxn ang="0">
+                  <a:pos x="connsiteX2" y="connsiteY2"/>
+                </a:cxn>
+                <a:cxn ang="0">
+                  <a:pos x="connsiteX3" y="connsiteY3"/>
+                </a:cxn>
+                <a:cxn ang="0">
+                  <a:pos x="connsiteX4" y="connsiteY4"/>
+                </a:cxn>
+                <a:cxn ang="0">
+                  <a:pos x="connsiteX5" y="connsiteY5"/>
+                </a:cxn>
+                <a:cxn ang="0">
+                  <a:pos x="connsiteX6" y="connsiteY6"/>
+                </a:cxn>
+                <a:cxn ang="0">
+                  <a:pos x="connsiteX7" y="connsiteY7"/>
+                </a:cxn>
+                <a:cxn ang="0">
+                  <a:pos x="connsiteX8" y="connsiteY8"/>
+                </a:cxn>
+                <a:cxn ang="0">
+                  <a:pos x="connsiteX9" y="connsiteY9"/>
+                </a:cxn>
+              </a:cxnLst>
+              <a:rect l="l" t="t" r="r" b="b"/>
+              <a:pathLst>
+                <a:path w="584200" h="561815">
+                  <a:moveTo>
+                    <a:pt x="0" y="0"/>
+                  </a:moveTo>
+                  <a:lnTo>
+                    <a:pt x="584200" y="0"/>
+                  </a:lnTo>
+                  <a:lnTo>
+                    <a:pt x="584200" y="561815"/>
+                  </a:lnTo>
+                  <a:lnTo>
+                    <a:pt x="366" y="561815"/>
+                  </a:lnTo>
+                  <a:lnTo>
+                    <a:pt x="634" y="561417"/>
+                  </a:lnTo>
+                  <a:cubicBezTo>
+                    <a:pt x="4435" y="552431"/>
+                    <a:pt x="6537" y="542550"/>
+                    <a:pt x="6537" y="532179"/>
+                  </a:cubicBezTo>
+                  <a:lnTo>
+                    <a:pt x="6537" y="231714"/>
+                  </a:lnTo>
+                  <a:cubicBezTo>
+                    <a:pt x="6537" y="221343"/>
+                    <a:pt x="4435" y="211463"/>
+                    <a:pt x="634" y="202476"/>
+                  </a:cubicBezTo>
+                  <a:lnTo>
+                    <a:pt x="0" y="201536"/>
+                  </a:lnTo>
+                  <a:lnTo>
+                    <a:pt x="0" y="0"/>
+                  </a:lnTo>
+                  <a:close/>
+                </a:path>
+              </a:pathLst>
+            </a:custGeom>
+          </p:spPr>
+        </p:pic>
+        <p:pic>
+          <p:nvPicPr>
+            <p:cNvPr id="163" name="observe a sample">
+              <a:extLst>
+                <a:ext uri="{FF2B5EF4-FFF2-40B4-BE49-F238E27FC236}">
+                  <a16:creationId xmlns:a16="http://schemas.microsoft.com/office/drawing/2014/main" id="{B5F7AE79-DB97-4ED1-A922-D9F919261DF5}"/>
+                </a:ext>
+              </a:extLst>
+            </p:cNvPr>
+            <p:cNvPicPr>
+              <a:picLocks noChangeAspect="1"/>
+            </p:cNvPicPr>
+            <p:nvPr/>
+          </p:nvPicPr>
+          <p:blipFill>
+            <a:blip r:embed="rId2"/>
+            <a:srcRect l="1508" t="42991" r="65236" b="46514"/>
+            <a:stretch>
+              <a:fillRect/>
+            </a:stretch>
+          </p:blipFill>
+          <p:spPr>
+            <a:xfrm>
+              <a:off x="183880" y="2985606"/>
+              <a:ext cx="4054571" cy="663962"/>
+            </a:xfrm>
+            <a:custGeom>
+              <a:avLst/>
+              <a:gdLst>
+                <a:gd name="connsiteX0" fmla="*/ 0 w 4054571"/>
+                <a:gd name="connsiteY0" fmla="*/ 0 h 663962"/>
+                <a:gd name="connsiteX1" fmla="*/ 4054571 w 4054571"/>
+                <a:gd name="connsiteY1" fmla="*/ 0 h 663962"/>
+                <a:gd name="connsiteX2" fmla="*/ 4054571 w 4054571"/>
+                <a:gd name="connsiteY2" fmla="*/ 663962 h 663962"/>
+                <a:gd name="connsiteX3" fmla="*/ 0 w 4054571"/>
+                <a:gd name="connsiteY3" fmla="*/ 663962 h 663962"/>
+                <a:gd name="connsiteX4" fmla="*/ 0 w 4054571"/>
+                <a:gd name="connsiteY4" fmla="*/ 0 h 663962"/>
+              </a:gdLst>
+              <a:ahLst/>
+              <a:cxnLst>
+                <a:cxn ang="0">
+                  <a:pos x="connsiteX0" y="connsiteY0"/>
+                </a:cxn>
+                <a:cxn ang="0">
+                  <a:pos x="connsiteX1" y="connsiteY1"/>
+                </a:cxn>
+                <a:cxn ang="0">
+                  <a:pos x="connsiteX2" y="connsiteY2"/>
+                </a:cxn>
+                <a:cxn ang="0">
+                  <a:pos x="connsiteX3" y="connsiteY3"/>
+                </a:cxn>
+                <a:cxn ang="0">
+                  <a:pos x="connsiteX4" y="connsiteY4"/>
+                </a:cxn>
+              </a:cxnLst>
+              <a:rect l="l" t="t" r="r" b="b"/>
+              <a:pathLst>
+                <a:path w="4054571" h="663962">
+                  <a:moveTo>
+                    <a:pt x="0" y="0"/>
+                  </a:moveTo>
+                  <a:lnTo>
+                    <a:pt x="4054571" y="0"/>
+                  </a:lnTo>
+                  <a:lnTo>
+                    <a:pt x="4054571" y="663962"/>
+                  </a:lnTo>
+                  <a:lnTo>
+                    <a:pt x="0" y="663962"/>
+                  </a:lnTo>
+                  <a:lnTo>
+                    <a:pt x="0" y="0"/>
+                  </a:lnTo>
+                  <a:close/>
+                </a:path>
+              </a:pathLst>
+            </a:custGeom>
+          </p:spPr>
+        </p:pic>
+      </p:grpSp>
+      <p:pic>
+        <p:nvPicPr>
+          <p:cNvPr id="162" name="Alt-VAE-Diagram">
+            <a:extLst>
+              <a:ext uri="{FF2B5EF4-FFF2-40B4-BE49-F238E27FC236}">
+                <a16:creationId xmlns:a16="http://schemas.microsoft.com/office/drawing/2014/main" id="{279BCA49-5ACE-40AB-BCF5-D75093019257}"/>
+              </a:ext>
+            </a:extLst>
+          </p:cNvPr>
+          <p:cNvPicPr>
+            <a:picLocks noChangeAspect="1"/>
+          </p:cNvPicPr>
+          <p:nvPr/>
+        </p:nvPicPr>
+        <p:blipFill>
+          <a:blip r:embed="rId2"/>
+          <a:srcRect l="6875" t="57546" r="6875"/>
+          <a:stretch>
+            <a:fillRect/>
+          </a:stretch>
+        </p:blipFill>
+        <p:spPr>
+          <a:xfrm>
+            <a:off x="838200" y="3906366"/>
+            <a:ext cx="10515600" cy="2685825"/>
+          </a:xfrm>
+          <a:custGeom>
+            <a:avLst/>
+            <a:gdLst>
+              <a:gd name="connsiteX0" fmla="*/ 0 w 10515600"/>
+              <a:gd name="connsiteY0" fmla="*/ 0 h 2685825"/>
+              <a:gd name="connsiteX1" fmla="*/ 10515600 w 10515600"/>
+              <a:gd name="connsiteY1" fmla="*/ 0 h 2685825"/>
+              <a:gd name="connsiteX2" fmla="*/ 10515600 w 10515600"/>
+              <a:gd name="connsiteY2" fmla="*/ 2685825 h 2685825"/>
+              <a:gd name="connsiteX3" fmla="*/ 0 w 10515600"/>
+              <a:gd name="connsiteY3" fmla="*/ 2685825 h 2685825"/>
+              <a:gd name="connsiteX4" fmla="*/ 0 w 10515600"/>
+              <a:gd name="connsiteY4" fmla="*/ 0 h 2685825"/>
+            </a:gdLst>
+            <a:ahLst/>
+            <a:cxnLst>
+              <a:cxn ang="0">
+                <a:pos x="connsiteX0" y="connsiteY0"/>
+              </a:cxn>
+              <a:cxn ang="0">
+                <a:pos x="connsiteX1" y="connsiteY1"/>
+              </a:cxn>
+              <a:cxn ang="0">
+                <a:pos x="connsiteX2" y="connsiteY2"/>
+              </a:cxn>
+              <a:cxn ang="0">
+                <a:pos x="connsiteX3" y="connsiteY3"/>
+              </a:cxn>
+              <a:cxn ang="0">
+                <a:pos x="connsiteX4" y="connsiteY4"/>
+              </a:cxn>
+            </a:cxnLst>
+            <a:rect l="l" t="t" r="r" b="b"/>
+            <a:pathLst>
+              <a:path w="10515600" h="2685825">
+                <a:moveTo>
+                  <a:pt x="0" y="0"/>
+                </a:moveTo>
+                <a:lnTo>
+                  <a:pt x="10515600" y="0"/>
+                </a:lnTo>
+                <a:lnTo>
+                  <a:pt x="10515600" y="2685825"/>
+                </a:lnTo>
+                <a:lnTo>
+                  <a:pt x="0" y="2685825"/>
+                </a:lnTo>
+                <a:lnTo>
+                  <a:pt x="0" y="0"/>
+                </a:lnTo>
+                <a:close/>
+              </a:path>
+            </a:pathLst>
+          </a:custGeom>
+        </p:spPr>
+      </p:pic>
+    </p:spTree>
+    <p:extLst>
+      <p:ext uri="{BB962C8B-B14F-4D97-AF65-F5344CB8AC3E}">
+        <p14:creationId xmlns:p14="http://schemas.microsoft.com/office/powerpoint/2010/main" val="2999160906"/>
+      </p:ext>
+    </p:extLst>
+  </p:cSld>
+  <p:clrMapOvr>
+    <a:masterClrMapping/>
+  </p:clrMapOvr>
+  <p:timing>
+    <p:tnLst>
+      <p:par>
+        <p:cTn id="1" dur="indefinite" restart="never" nodeType="tmRoot">
+          <p:childTnLst>
+            <p:seq concurrent="1" nextAc="seek">
+              <p:cTn id="2" dur="indefinite" nodeType="mainSeq">
+                <p:childTnLst>
+                  <p:par>
+                    <p:cTn id="3" fill="hold">
+                      <p:stCondLst>
+                        <p:cond delay="indefinite"/>
+                      </p:stCondLst>
+                      <p:childTnLst>
+                        <p:par>
+                          <p:cTn id="4" fill="hold">
+                            <p:stCondLst>
+                              <p:cond delay="0"/>
+                            </p:stCondLst>
+                            <p:childTnLst>
+                              <p:par>
+                                <p:cTn id="5" presetID="1" presetClass="entr" presetSubtype="0" fill="hold" nodeType="clickEffect">
+                                  <p:stCondLst>
+                                    <p:cond delay="0"/>
+                                  </p:stCondLst>
+                                  <p:childTnLst>
+                                    <p:set>
+                                      <p:cBhvr>
+                                        <p:cTn id="6" dur="1" fill="hold">
+                                          <p:stCondLst>
+                                            <p:cond delay="0"/>
+                                          </p:stCondLst>
+                                        </p:cTn>
+                                        <p:tgtEl>
+                                          <p:spTgt spid="180"/>
+                                        </p:tgtEl>
+                                        <p:attrNameLst>
+                                          <p:attrName>style.visibility</p:attrName>
+                                        </p:attrNameLst>
+                                      </p:cBhvr>
+                                      <p:to>
+                                        <p:strVal val="visible"/>
+                                      </p:to>
+                                    </p:set>
+                                  </p:childTnLst>
+                                  <p:subTnLst>
+                                    <p:animClr clrSpc="rgb" dir="cw">
+                                      <p:cBhvr override="childStyle">
+                                        <p:cTn dur="1" fill="hold" display="0" masterRel="nextClick" afterEffect="1"/>
+                                        <p:tgtEl>
+                                          <p:spTgt spid="180"/>
+                                        </p:tgtEl>
+                                        <p:attrNameLst>
+                                          <p:attrName>ppt_c</p:attrName>
+                                        </p:attrNameLst>
+                                      </p:cBhvr>
+                                      <p:to>
+                                        <a:srgbClr val="CC00CC"/>
+                                      </p:to>
+                                    </p:animClr>
+                                  </p:subTnLst>
+                                </p:cTn>
+                              </p:par>
+                            </p:childTnLst>
+                          </p:cTn>
+                        </p:par>
+                      </p:childTnLst>
+                    </p:cTn>
+                  </p:par>
+                  <p:par>
+                    <p:cTn id="7" fill="hold">
+                      <p:stCondLst>
+                        <p:cond delay="indefinite"/>
+                      </p:stCondLst>
+                      <p:childTnLst>
+                        <p:par>
+                          <p:cTn id="8" fill="hold">
+                            <p:stCondLst>
+                              <p:cond delay="0"/>
+                            </p:stCondLst>
+                            <p:childTnLst>
+                              <p:par>
+                                <p:cTn id="9" presetID="1" presetClass="entr" presetSubtype="0" fill="hold" nodeType="clickEffect">
+                                  <p:stCondLst>
+                                    <p:cond delay="0"/>
+                                  </p:stCondLst>
+                                  <p:childTnLst>
+                                    <p:set>
+                                      <p:cBhvr>
+                                        <p:cTn id="10" dur="1" fill="hold">
+                                          <p:stCondLst>
+                                            <p:cond delay="0"/>
+                                          </p:stCondLst>
+                                        </p:cTn>
+                                        <p:tgtEl>
+                                          <p:spTgt spid="181"/>
+                                        </p:tgtEl>
+                                        <p:attrNameLst>
+                                          <p:attrName>style.visibility</p:attrName>
+                                        </p:attrNameLst>
+                                      </p:cBhvr>
+                                      <p:to>
+                                        <p:strVal val="visible"/>
+                                      </p:to>
+                                    </p:set>
+                                  </p:childTnLst>
+                                </p:cTn>
+                              </p:par>
+                              <p:par>
+                                <p:cTn id="11" presetID="1" presetClass="entr" presetSubtype="0" fill="hold" nodeType="withEffect">
+                                  <p:stCondLst>
+                                    <p:cond delay="0"/>
+                                  </p:stCondLst>
+                                  <p:childTnLst>
+                                    <p:set>
+                                      <p:cBhvr>
+                                        <p:cTn id="12" dur="1" fill="hold">
+                                          <p:stCondLst>
+                                            <p:cond delay="0"/>
+                                          </p:stCondLst>
+                                        </p:cTn>
+                                        <p:tgtEl>
+                                          <p:spTgt spid="191"/>
+                                        </p:tgtEl>
+                                        <p:attrNameLst>
+                                          <p:attrName>style.visibility</p:attrName>
+                                        </p:attrNameLst>
+                                      </p:cBhvr>
+                                      <p:to>
+                                        <p:strVal val="visible"/>
+                                      </p:to>
+                                    </p:set>
+                                  </p:childTnLst>
+                                </p:cTn>
+                              </p:par>
+                            </p:childTnLst>
+                          </p:cTn>
+                        </p:par>
+                      </p:childTnLst>
+                    </p:cTn>
+                  </p:par>
+                  <p:par>
+                    <p:cTn id="13" fill="hold">
+                      <p:stCondLst>
+                        <p:cond delay="indefinite"/>
+                      </p:stCondLst>
+                      <p:childTnLst>
+                        <p:par>
+                          <p:cTn id="14" fill="hold">
+                            <p:stCondLst>
+                              <p:cond delay="0"/>
+                            </p:stCondLst>
+                            <p:childTnLst>
+                              <p:par>
+                                <p:cTn id="15" presetID="1" presetClass="entr" presetSubtype="0" fill="hold" nodeType="clickEffect">
+                                  <p:stCondLst>
+                                    <p:cond delay="0"/>
+                                  </p:stCondLst>
+                                  <p:childTnLst>
+                                    <p:set>
+                                      <p:cBhvr>
+                                        <p:cTn id="16" dur="1" fill="hold">
+                                          <p:stCondLst>
+                                            <p:cond delay="0"/>
+                                          </p:stCondLst>
+                                        </p:cTn>
+                                        <p:tgtEl>
+                                          <p:spTgt spid="166"/>
+                                        </p:tgtEl>
+                                        <p:attrNameLst>
+                                          <p:attrName>style.visibility</p:attrName>
+                                        </p:attrNameLst>
+                                      </p:cBhvr>
+                                      <p:to>
+                                        <p:strVal val="visible"/>
+                                      </p:to>
+                                    </p:set>
+                                  </p:childTnLst>
+                                </p:cTn>
+                              </p:par>
+                            </p:childTnLst>
+                          </p:cTn>
+                        </p:par>
+                      </p:childTnLst>
+                    </p:cTn>
+                  </p:par>
+                  <p:par>
+                    <p:cTn id="17" fill="hold">
+                      <p:stCondLst>
+                        <p:cond delay="indefinite"/>
+                      </p:stCondLst>
+                      <p:childTnLst>
+                        <p:par>
+                          <p:cTn id="18" fill="hold">
+                            <p:stCondLst>
+                              <p:cond delay="0"/>
+                            </p:stCondLst>
+                            <p:childTnLst>
+                              <p:par>
+                                <p:cTn id="19" presetID="1" presetClass="entr" presetSubtype="0" fill="hold" nodeType="clickEffect">
+                                  <p:stCondLst>
+                                    <p:cond delay="0"/>
+                                  </p:stCondLst>
+                                  <p:childTnLst>
+                                    <p:set>
+                                      <p:cBhvr>
+                                        <p:cTn id="20" dur="1" fill="hold">
+                                          <p:stCondLst>
+                                            <p:cond delay="0"/>
+                                          </p:stCondLst>
+                                        </p:cTn>
+                                        <p:tgtEl>
+                                          <p:spTgt spid="182"/>
+                                        </p:tgtEl>
+                                        <p:attrNameLst>
+                                          <p:attrName>style.visibility</p:attrName>
+                                        </p:attrNameLst>
+                                      </p:cBhvr>
+                                      <p:to>
+                                        <p:strVal val="visible"/>
+                                      </p:to>
+                                    </p:set>
+                                  </p:childTnLst>
+                                </p:cTn>
+                              </p:par>
+                              <p:par>
+                                <p:cTn id="21" presetID="1" presetClass="exit" presetSubtype="0" fill="hold" nodeType="withEffect">
+                                  <p:stCondLst>
+                                    <p:cond delay="0"/>
+                                  </p:stCondLst>
+                                  <p:childTnLst>
+                                    <p:set>
+                                      <p:cBhvr>
+                                        <p:cTn id="22" dur="1" fill="hold">
+                                          <p:stCondLst>
+                                            <p:cond delay="0"/>
+                                          </p:stCondLst>
+                                        </p:cTn>
+                                        <p:tgtEl>
+                                          <p:spTgt spid="191"/>
+                                        </p:tgtEl>
+                                        <p:attrNameLst>
+                                          <p:attrName>style.visibility</p:attrName>
+                                        </p:attrNameLst>
+                                      </p:cBhvr>
+                                      <p:to>
+                                        <p:strVal val="hidden"/>
+                                      </p:to>
+                                    </p:set>
+                                  </p:childTnLst>
+                                </p:cTn>
+                              </p:par>
+                              <p:par>
+                                <p:cTn id="23" presetID="1" presetClass="entr" presetSubtype="0" fill="hold" nodeType="withEffect">
+                                  <p:stCondLst>
+                                    <p:cond delay="0"/>
+                                  </p:stCondLst>
+                                  <p:childTnLst>
+                                    <p:set>
+                                      <p:cBhvr>
+                                        <p:cTn id="24" dur="1" fill="hold">
+                                          <p:stCondLst>
+                                            <p:cond delay="0"/>
+                                          </p:stCondLst>
+                                        </p:cTn>
+                                        <p:tgtEl>
+                                          <p:spTgt spid="194"/>
+                                        </p:tgtEl>
+                                        <p:attrNameLst>
+                                          <p:attrName>style.visibility</p:attrName>
+                                        </p:attrNameLst>
+                                      </p:cBhvr>
+                                      <p:to>
+                                        <p:strVal val="visible"/>
+                                      </p:to>
+                                    </p:set>
+                                  </p:childTnLst>
+                                </p:cTn>
+                              </p:par>
+                            </p:childTnLst>
+                          </p:cTn>
+                        </p:par>
+                      </p:childTnLst>
+                    </p:cTn>
+                  </p:par>
+                  <p:par>
+                    <p:cTn id="25" fill="hold">
+                      <p:stCondLst>
+                        <p:cond delay="indefinite"/>
+                      </p:stCondLst>
+                      <p:childTnLst>
+                        <p:par>
+                          <p:cTn id="26" fill="hold">
+                            <p:stCondLst>
+                              <p:cond delay="0"/>
+                            </p:stCondLst>
+                            <p:childTnLst>
+                              <p:par>
+                                <p:cTn id="27" presetID="1" presetClass="entr" presetSubtype="0" fill="hold" nodeType="clickEffect">
+                                  <p:stCondLst>
+                                    <p:cond delay="0"/>
+                                  </p:stCondLst>
+                                  <p:childTnLst>
+                                    <p:set>
+                                      <p:cBhvr>
+                                        <p:cTn id="28" dur="1" fill="hold">
+                                          <p:stCondLst>
+                                            <p:cond delay="0"/>
+                                          </p:stCondLst>
+                                        </p:cTn>
+                                        <p:tgtEl>
+                                          <p:spTgt spid="183"/>
+                                        </p:tgtEl>
+                                        <p:attrNameLst>
+                                          <p:attrName>style.visibility</p:attrName>
+                                        </p:attrNameLst>
+                                      </p:cBhvr>
+                                      <p:to>
+                                        <p:strVal val="visible"/>
+                                      </p:to>
+                                    </p:set>
+                                  </p:childTnLst>
+                                </p:cTn>
+                              </p:par>
+                              <p:par>
+                                <p:cTn id="29" presetID="1" presetClass="exit" presetSubtype="0" fill="hold" nodeType="withEffect">
+                                  <p:stCondLst>
+                                    <p:cond delay="0"/>
+                                  </p:stCondLst>
+                                  <p:childTnLst>
+                                    <p:set>
+                                      <p:cBhvr>
+                                        <p:cTn id="30" dur="1" fill="hold">
+                                          <p:stCondLst>
+                                            <p:cond delay="0"/>
+                                          </p:stCondLst>
+                                        </p:cTn>
+                                        <p:tgtEl>
+                                          <p:spTgt spid="194"/>
+                                        </p:tgtEl>
+                                        <p:attrNameLst>
+                                          <p:attrName>style.visibility</p:attrName>
+                                        </p:attrNameLst>
+                                      </p:cBhvr>
+                                      <p:to>
+                                        <p:strVal val="hidden"/>
+                                      </p:to>
+                                    </p:set>
+                                  </p:childTnLst>
+                                </p:cTn>
+                              </p:par>
+                              <p:par>
+                                <p:cTn id="31" presetID="1" presetClass="entr" presetSubtype="0" fill="hold" nodeType="withEffect">
+                                  <p:stCondLst>
+                                    <p:cond delay="0"/>
+                                  </p:stCondLst>
+                                  <p:childTnLst>
+                                    <p:set>
+                                      <p:cBhvr>
+                                        <p:cTn id="32" dur="1" fill="hold">
+                                          <p:stCondLst>
+                                            <p:cond delay="0"/>
+                                          </p:stCondLst>
+                                        </p:cTn>
+                                        <p:tgtEl>
+                                          <p:spTgt spid="197"/>
+                                        </p:tgtEl>
+                                        <p:attrNameLst>
+                                          <p:attrName>style.visibility</p:attrName>
+                                        </p:attrNameLst>
+                                      </p:cBhvr>
+                                      <p:to>
+                                        <p:strVal val="visible"/>
+                                      </p:to>
+                                    </p:set>
+                                  </p:childTnLst>
+                                </p:cTn>
+                              </p:par>
+                            </p:childTnLst>
+                          </p:cTn>
+                        </p:par>
+                      </p:childTnLst>
+                    </p:cTn>
+                  </p:par>
+                  <p:par>
+                    <p:cTn id="33" fill="hold">
+                      <p:stCondLst>
+                        <p:cond delay="indefinite"/>
+                      </p:stCondLst>
+                      <p:childTnLst>
+                        <p:par>
+                          <p:cTn id="34" fill="hold">
+                            <p:stCondLst>
+                              <p:cond delay="0"/>
+                            </p:stCondLst>
+                            <p:childTnLst>
+                              <p:par>
+                                <p:cTn id="35" presetID="1" presetClass="entr" presetSubtype="0" fill="hold" nodeType="clickEffect">
+                                  <p:stCondLst>
+                                    <p:cond delay="0"/>
+                                  </p:stCondLst>
+                                  <p:childTnLst>
+                                    <p:set>
+                                      <p:cBhvr>
+                                        <p:cTn id="36" dur="1" fill="hold">
+                                          <p:stCondLst>
+                                            <p:cond delay="0"/>
+                                          </p:stCondLst>
+                                        </p:cTn>
+                                        <p:tgtEl>
+                                          <p:spTgt spid="184"/>
+                                        </p:tgtEl>
+                                        <p:attrNameLst>
+                                          <p:attrName>style.visibility</p:attrName>
+                                        </p:attrNameLst>
+                                      </p:cBhvr>
+                                      <p:to>
+                                        <p:strVal val="visible"/>
+                                      </p:to>
+                                    </p:set>
+                                  </p:childTnLst>
+                                </p:cTn>
+                              </p:par>
+                              <p:par>
+                                <p:cTn id="37" presetID="1" presetClass="exit" presetSubtype="0" fill="hold" nodeType="withEffect">
+                                  <p:stCondLst>
+                                    <p:cond delay="0"/>
+                                  </p:stCondLst>
+                                  <p:childTnLst>
+                                    <p:set>
+                                      <p:cBhvr>
+                                        <p:cTn id="38" dur="1" fill="hold">
+                                          <p:stCondLst>
+                                            <p:cond delay="0"/>
+                                          </p:stCondLst>
+                                        </p:cTn>
+                                        <p:tgtEl>
+                                          <p:spTgt spid="197"/>
+                                        </p:tgtEl>
+                                        <p:attrNameLst>
+                                          <p:attrName>style.visibility</p:attrName>
+                                        </p:attrNameLst>
+                                      </p:cBhvr>
+                                      <p:to>
+                                        <p:strVal val="hidden"/>
+                                      </p:to>
+                                    </p:set>
+                                  </p:childTnLst>
+                                </p:cTn>
+                              </p:par>
+                            </p:childTnLst>
+                          </p:cTn>
+                        </p:par>
+                      </p:childTnLst>
+                    </p:cTn>
+                  </p:par>
+                  <p:par>
+                    <p:cTn id="39" fill="hold">
+                      <p:stCondLst>
+                        <p:cond delay="indefinite"/>
+                      </p:stCondLst>
+                      <p:childTnLst>
+                        <p:par>
+                          <p:cTn id="40" fill="hold">
+                            <p:stCondLst>
+                              <p:cond delay="0"/>
+                            </p:stCondLst>
+                            <p:childTnLst>
+                              <p:par>
+                                <p:cTn id="41" presetID="1" presetClass="entr" presetSubtype="0" fill="hold" nodeType="clickEffect">
+                                  <p:stCondLst>
+                                    <p:cond delay="0"/>
+                                  </p:stCondLst>
+                                  <p:childTnLst>
+                                    <p:set>
+                                      <p:cBhvr>
+                                        <p:cTn id="42" dur="1" fill="hold">
+                                          <p:stCondLst>
+                                            <p:cond delay="0"/>
+                                          </p:stCondLst>
+                                        </p:cTn>
+                                        <p:tgtEl>
+                                          <p:spTgt spid="185"/>
+                                        </p:tgtEl>
+                                        <p:attrNameLst>
+                                          <p:attrName>style.visibility</p:attrName>
+                                        </p:attrNameLst>
+                                      </p:cBhvr>
+                                      <p:to>
+                                        <p:strVal val="visible"/>
+                                      </p:to>
+                                    </p:set>
+                                  </p:childTnLst>
+                                </p:cTn>
+                              </p:par>
+                            </p:childTnLst>
+                          </p:cTn>
+                        </p:par>
+                      </p:childTnLst>
+                    </p:cTn>
+                  </p:par>
+                  <p:par>
+                    <p:cTn id="43" fill="hold">
+                      <p:stCondLst>
+                        <p:cond delay="indefinite"/>
+                      </p:stCondLst>
+                      <p:childTnLst>
+                        <p:par>
+                          <p:cTn id="44" fill="hold">
+                            <p:stCondLst>
+                              <p:cond delay="0"/>
+                            </p:stCondLst>
+                            <p:childTnLst>
+                              <p:par>
+                                <p:cTn id="45" presetID="1" presetClass="entr" presetSubtype="0" fill="hold" nodeType="clickEffect">
+                                  <p:stCondLst>
+                                    <p:cond delay="0"/>
+                                  </p:stCondLst>
+                                  <p:childTnLst>
+                                    <p:set>
+                                      <p:cBhvr>
+                                        <p:cTn id="46" dur="1" fill="hold">
+                                          <p:stCondLst>
+                                            <p:cond delay="0"/>
+                                          </p:stCondLst>
+                                        </p:cTn>
+                                        <p:tgtEl>
+                                          <p:spTgt spid="162"/>
+                                        </p:tgtEl>
+                                        <p:attrNameLst>
+                                          <p:attrName>style.visibility</p:attrName>
+                                        </p:attrNameLst>
+                                      </p:cBhvr>
+                                      <p:to>
+                                        <p:strVal val="visible"/>
+                                      </p:to>
+                                    </p:set>
+                                  </p:childTnLst>
+                                </p:cTn>
+                              </p:par>
+                            </p:childTnLst>
+                          </p:cTn>
+                        </p:par>
+                      </p:childTnLst>
+                    </p:cTn>
+                  </p:par>
+                  <p:par>
+                    <p:cTn id="47" fill="hold">
+                      <p:stCondLst>
+                        <p:cond delay="indefinite"/>
+                      </p:stCondLst>
+                      <p:childTnLst>
+                        <p:par>
+                          <p:cTn id="48" fill="hold">
+                            <p:stCondLst>
+                              <p:cond delay="0"/>
+                            </p:stCondLst>
+                            <p:childTnLst>
+                              <p:par>
+                                <p:cTn id="49" presetID="1" presetClass="entr" presetSubtype="0" fill="hold" nodeType="clickEffect">
+                                  <p:stCondLst>
+                                    <p:cond delay="0"/>
+                                  </p:stCondLst>
+                                  <p:childTnLst>
+                                    <p:set>
+                                      <p:cBhvr>
+                                        <p:cTn id="50" dur="1" fill="hold">
+                                          <p:stCondLst>
+                                            <p:cond delay="0"/>
+                                          </p:stCondLst>
+                                        </p:cTn>
+                                        <p:tgtEl>
+                                          <p:spTgt spid="165"/>
+                                        </p:tgtEl>
+                                        <p:attrNameLst>
+                                          <p:attrName>style.visibility</p:attrName>
+                                        </p:attrNameLst>
+                                      </p:cBhvr>
+                                      <p:to>
+                                        <p:strVal val="visible"/>
+                                      </p:to>
+                                    </p:set>
+                                  </p:childTnLst>
+                                </p:cTn>
+                              </p:par>
+                            </p:childTnLst>
+                          </p:cTn>
+                        </p:par>
+                      </p:childTnLst>
+                    </p:cTn>
+                  </p:par>
+                </p:childTnLst>
+              </p:cTn>
+              <p:prevCondLst>
+                <p:cond evt="onPrev" delay="0">
+                  <p:tgtEl>
+                    <p:sldTgt/>
+                  </p:tgtEl>
+                </p:cond>
+              </p:prevCondLst>
+              <p:nextCondLst>
+                <p:cond evt="onNext" delay="0">
+                  <p:tgtEl>
+                    <p:sldTgt/>
+                  </p:tgtEl>
+                </p:cond>
+              </p:nextCondLst>
+            </p:seq>
+          </p:childTnLst>
+        </p:cTn>
+      </p:par>
+    </p:tnLst>
+  </p:timing>
 </p:sld>
 </file>
 
@@ -3845,16 +9470,346 @@
         <a:srgbClr val="7F6F6F"/>
       </a:folHlink>
     </a:clrScheme>
-    <a:fontScheme name="Custom 1">
+    <a:fontScheme name="Custom 3">
       <a:majorFont>
-        <a:latin typeface="Baskerville Old Face"/>
+        <a:latin typeface="Sitka Display"/>
         <a:ea typeface=""/>
         <a:cs typeface=""/>
       </a:majorFont>
       <a:minorFont>
-        <a:latin typeface="Garamond"/>
+        <a:latin typeface="Georgia Pro Light"/>
         <a:ea typeface=""/>
         <a:cs typeface=""/>
+      </a:minorFont>
+    </a:fontScheme>
+    <a:fmtScheme name="Office">
+      <a:fillStyleLst>
+        <a:solidFill>
+          <a:schemeClr val="phClr"/>
+        </a:solidFill>
+        <a:gradFill rotWithShape="1">
+          <a:gsLst>
+            <a:gs pos="0">
+              <a:schemeClr val="phClr">
+                <a:lumMod val="110000"/>
+                <a:satMod val="105000"/>
+                <a:tint val="67000"/>
+              </a:schemeClr>
+            </a:gs>
+            <a:gs pos="50000">
+              <a:schemeClr val="phClr">
+                <a:lumMod val="105000"/>
+                <a:satMod val="103000"/>
+                <a:tint val="73000"/>
+              </a:schemeClr>
+            </a:gs>
+            <a:gs pos="100000">
+              <a:schemeClr val="phClr">
+                <a:lumMod val="105000"/>
+                <a:satMod val="109000"/>
+                <a:tint val="81000"/>
+              </a:schemeClr>
+            </a:gs>
+          </a:gsLst>
+          <a:lin ang="5400000" scaled="0"/>
+        </a:gradFill>
+        <a:gradFill rotWithShape="1">
+          <a:gsLst>
+            <a:gs pos="0">
+              <a:schemeClr val="phClr">
+                <a:satMod val="103000"/>
+                <a:lumMod val="102000"/>
+                <a:tint val="94000"/>
+              </a:schemeClr>
+            </a:gs>
+            <a:gs pos="50000">
+              <a:schemeClr val="phClr">
+                <a:satMod val="110000"/>
+                <a:lumMod val="100000"/>
+                <a:shade val="100000"/>
+              </a:schemeClr>
+            </a:gs>
+            <a:gs pos="100000">
+              <a:schemeClr val="phClr">
+                <a:lumMod val="99000"/>
+                <a:satMod val="120000"/>
+                <a:shade val="78000"/>
+              </a:schemeClr>
+            </a:gs>
+          </a:gsLst>
+          <a:lin ang="5400000" scaled="0"/>
+        </a:gradFill>
+      </a:fillStyleLst>
+      <a:lnStyleLst>
+        <a:ln w="6350" cap="flat" cmpd="sng" algn="ctr">
+          <a:solidFill>
+            <a:schemeClr val="phClr"/>
+          </a:solidFill>
+          <a:prstDash val="solid"/>
+          <a:miter lim="800000"/>
+        </a:ln>
+        <a:ln w="12700" cap="flat" cmpd="sng" algn="ctr">
+          <a:solidFill>
+            <a:schemeClr val="phClr"/>
+          </a:solidFill>
+          <a:prstDash val="solid"/>
+          <a:miter lim="800000"/>
+        </a:ln>
+        <a:ln w="19050" cap="flat" cmpd="sng" algn="ctr">
+          <a:solidFill>
+            <a:schemeClr val="phClr"/>
+          </a:solidFill>
+          <a:prstDash val="solid"/>
+          <a:miter lim="800000"/>
+        </a:ln>
+      </a:lnStyleLst>
+      <a:effectStyleLst>
+        <a:effectStyle>
+          <a:effectLst/>
+        </a:effectStyle>
+        <a:effectStyle>
+          <a:effectLst/>
+        </a:effectStyle>
+        <a:effectStyle>
+          <a:effectLst>
+            <a:outerShdw blurRad="57150" dist="19050" dir="5400000" algn="ctr" rotWithShape="0">
+              <a:srgbClr val="000000">
+                <a:alpha val="63000"/>
+              </a:srgbClr>
+            </a:outerShdw>
+          </a:effectLst>
+        </a:effectStyle>
+      </a:effectStyleLst>
+      <a:bgFillStyleLst>
+        <a:solidFill>
+          <a:schemeClr val="phClr"/>
+        </a:solidFill>
+        <a:solidFill>
+          <a:schemeClr val="phClr">
+            <a:tint val="95000"/>
+            <a:satMod val="170000"/>
+          </a:schemeClr>
+        </a:solidFill>
+        <a:gradFill rotWithShape="1">
+          <a:gsLst>
+            <a:gs pos="0">
+              <a:schemeClr val="phClr">
+                <a:tint val="93000"/>
+                <a:satMod val="150000"/>
+                <a:shade val="98000"/>
+                <a:lumMod val="102000"/>
+              </a:schemeClr>
+            </a:gs>
+            <a:gs pos="50000">
+              <a:schemeClr val="phClr">
+                <a:tint val="98000"/>
+                <a:satMod val="130000"/>
+                <a:shade val="90000"/>
+                <a:lumMod val="103000"/>
+              </a:schemeClr>
+            </a:gs>
+            <a:gs pos="100000">
+              <a:schemeClr val="phClr">
+                <a:shade val="63000"/>
+                <a:satMod val="120000"/>
+              </a:schemeClr>
+            </a:gs>
+          </a:gsLst>
+          <a:lin ang="5400000" scaled="0"/>
+        </a:gradFill>
+      </a:bgFillStyleLst>
+    </a:fmtScheme>
+  </a:themeElements>
+  <a:objectDefaults>
+    <a:spDef>
+      <a:spPr>
+        <a:solidFill>
+          <a:srgbClr val="A5B592">
+            <a:alpha val="32941"/>
+          </a:srgbClr>
+        </a:solidFill>
+        <a:ln>
+          <a:noFill/>
+        </a:ln>
+      </a:spPr>
+      <a:bodyPr rtlCol="0" anchor="ctr"/>
+      <a:lstStyle>
+        <a:defPPr algn="ctr">
+          <a:defRPr/>
+        </a:defPPr>
+      </a:lstStyle>
+      <a:style>
+        <a:lnRef idx="2">
+          <a:schemeClr val="accent1">
+            <a:shade val="50000"/>
+          </a:schemeClr>
+        </a:lnRef>
+        <a:fillRef idx="1">
+          <a:schemeClr val="accent1"/>
+        </a:fillRef>
+        <a:effectRef idx="0">
+          <a:schemeClr val="accent1"/>
+        </a:effectRef>
+        <a:fontRef idx="minor">
+          <a:schemeClr val="lt1"/>
+        </a:fontRef>
+      </a:style>
+    </a:spDef>
+  </a:objectDefaults>
+  <a:extraClrSchemeLst/>
+  <a:extLst>
+    <a:ext uri="{05A4C25C-085E-4340-85A3-A5531E510DB2}">
+      <thm15:themeFamily xmlns:thm15="http://schemas.microsoft.com/office/thememl/2012/main" name="Office Theme" id="{62F939B6-93AF-4DB8-9C6B-D6C7DFDC589F}" vid="{4A3C46E8-61CC-4603-A589-7422A47A8E4A}"/>
+    </a:ext>
+  </a:extLst>
+</a:theme>
+</file>
+
+<file path=ppt/theme/theme2.xml><?xml version="1.0" encoding="utf-8"?>
+<a:theme xmlns:a="http://schemas.openxmlformats.org/drawingml/2006/main" name="Office Theme">
+  <a:themeElements>
+    <a:clrScheme name="Office">
+      <a:dk1>
+        <a:sysClr val="windowText" lastClr="000000"/>
+      </a:dk1>
+      <a:lt1>
+        <a:sysClr val="window" lastClr="FFFFFF"/>
+      </a:lt1>
+      <a:dk2>
+        <a:srgbClr val="44546A"/>
+      </a:dk2>
+      <a:lt2>
+        <a:srgbClr val="E7E6E6"/>
+      </a:lt2>
+      <a:accent1>
+        <a:srgbClr val="4472C4"/>
+      </a:accent1>
+      <a:accent2>
+        <a:srgbClr val="ED7D31"/>
+      </a:accent2>
+      <a:accent3>
+        <a:srgbClr val="A5A5A5"/>
+      </a:accent3>
+      <a:accent4>
+        <a:srgbClr val="FFC000"/>
+      </a:accent4>
+      <a:accent5>
+        <a:srgbClr val="5B9BD5"/>
+      </a:accent5>
+      <a:accent6>
+        <a:srgbClr val="70AD47"/>
+      </a:accent6>
+      <a:hlink>
+        <a:srgbClr val="0563C1"/>
+      </a:hlink>
+      <a:folHlink>
+        <a:srgbClr val="954F72"/>
+      </a:folHlink>
+    </a:clrScheme>
+    <a:fontScheme name="Office">
+      <a:majorFont>
+        <a:latin typeface="Calibri Light" panose="020F0302020204030204"/>
+        <a:ea typeface=""/>
+        <a:cs typeface=""/>
+        <a:font script="Jpan" typeface="游ゴシック Light"/>
+        <a:font script="Hang" typeface="맑은 고딕"/>
+        <a:font script="Hans" typeface="等线 Light"/>
+        <a:font script="Hant" typeface="新細明體"/>
+        <a:font script="Arab" typeface="Times New Roman"/>
+        <a:font script="Hebr" typeface="Times New Roman"/>
+        <a:font script="Thai" typeface="Angsana New"/>
+        <a:font script="Ethi" typeface="Nyala"/>
+        <a:font script="Beng" typeface="Vrinda"/>
+        <a:font script="Gujr" typeface="Shruti"/>
+        <a:font script="Khmr" typeface="MoolBoran"/>
+        <a:font script="Knda" typeface="Tunga"/>
+        <a:font script="Guru" typeface="Raavi"/>
+        <a:font script="Cans" typeface="Euphemia"/>
+        <a:font script="Cher" typeface="Plantagenet Cherokee"/>
+        <a:font script="Yiii" typeface="Microsoft Yi Baiti"/>
+        <a:font script="Tibt" typeface="Microsoft Himalaya"/>
+        <a:font script="Thaa" typeface="MV Boli"/>
+        <a:font script="Deva" typeface="Mangal"/>
+        <a:font script="Telu" typeface="Gautami"/>
+        <a:font script="Taml" typeface="Latha"/>
+        <a:font script="Syrc" typeface="Estrangelo Edessa"/>
+        <a:font script="Orya" typeface="Kalinga"/>
+        <a:font script="Mlym" typeface="Kartika"/>
+        <a:font script="Laoo" typeface="DokChampa"/>
+        <a:font script="Sinh" typeface="Iskoola Pota"/>
+        <a:font script="Mong" typeface="Mongolian Baiti"/>
+        <a:font script="Viet" typeface="Times New Roman"/>
+        <a:font script="Uigh" typeface="Microsoft Uighur"/>
+        <a:font script="Geor" typeface="Sylfaen"/>
+        <a:font script="Armn" typeface="Arial"/>
+        <a:font script="Bugi" typeface="Leelawadee UI"/>
+        <a:font script="Bopo" typeface="Microsoft JhengHei"/>
+        <a:font script="Java" typeface="Javanese Text"/>
+        <a:font script="Lisu" typeface="Segoe UI"/>
+        <a:font script="Mymr" typeface="Myanmar Text"/>
+        <a:font script="Nkoo" typeface="Ebrima"/>
+        <a:font script="Olck" typeface="Nirmala UI"/>
+        <a:font script="Osma" typeface="Ebrima"/>
+        <a:font script="Phag" typeface="Phagspa"/>
+        <a:font script="Syrn" typeface="Estrangelo Edessa"/>
+        <a:font script="Syrj" typeface="Estrangelo Edessa"/>
+        <a:font script="Syre" typeface="Estrangelo Edessa"/>
+        <a:font script="Sora" typeface="Nirmala UI"/>
+        <a:font script="Tale" typeface="Microsoft Tai Le"/>
+        <a:font script="Talu" typeface="Microsoft New Tai Lue"/>
+        <a:font script="Tfng" typeface="Ebrima"/>
+      </a:majorFont>
+      <a:minorFont>
+        <a:latin typeface="Calibri" panose="020F0502020204030204"/>
+        <a:ea typeface=""/>
+        <a:cs typeface=""/>
+        <a:font script="Jpan" typeface="游ゴシック"/>
+        <a:font script="Hang" typeface="맑은 고딕"/>
+        <a:font script="Hans" typeface="等线"/>
+        <a:font script="Hant" typeface="新細明體"/>
+        <a:font script="Arab" typeface="Arial"/>
+        <a:font script="Hebr" typeface="Arial"/>
+        <a:font script="Thai" typeface="Cordia New"/>
+        <a:font script="Ethi" typeface="Nyala"/>
+        <a:font script="Beng" typeface="Vrinda"/>
+        <a:font script="Gujr" typeface="Shruti"/>
+        <a:font script="Khmr" typeface="DaunPenh"/>
+        <a:font script="Knda" typeface="Tunga"/>
+        <a:font script="Guru" typeface="Raavi"/>
+        <a:font script="Cans" typeface="Euphemia"/>
+        <a:font script="Cher" typeface="Plantagenet Cherokee"/>
+        <a:font script="Yiii" typeface="Microsoft Yi Baiti"/>
+        <a:font script="Tibt" typeface="Microsoft Himalaya"/>
+        <a:font script="Thaa" typeface="MV Boli"/>
+        <a:font script="Deva" typeface="Mangal"/>
+        <a:font script="Telu" typeface="Gautami"/>
+        <a:font script="Taml" typeface="Latha"/>
+        <a:font script="Syrc" typeface="Estrangelo Edessa"/>
+        <a:font script="Orya" typeface="Kalinga"/>
+        <a:font script="Mlym" typeface="Kartika"/>
+        <a:font script="Laoo" typeface="DokChampa"/>
+        <a:font script="Sinh" typeface="Iskoola Pota"/>
+        <a:font script="Mong" typeface="Mongolian Baiti"/>
+        <a:font script="Viet" typeface="Arial"/>
+        <a:font script="Uigh" typeface="Microsoft Uighur"/>
+        <a:font script="Geor" typeface="Sylfaen"/>
+        <a:font script="Armn" typeface="Arial"/>
+        <a:font script="Bugi" typeface="Leelawadee UI"/>
+        <a:font script="Bopo" typeface="Microsoft JhengHei"/>
+        <a:font script="Java" typeface="Javanese Text"/>
+        <a:font script="Lisu" typeface="Segoe UI"/>
+        <a:font script="Mymr" typeface="Myanmar Text"/>
+        <a:font script="Nkoo" typeface="Ebrima"/>
+        <a:font script="Olck" typeface="Nirmala UI"/>
+        <a:font script="Osma" typeface="Ebrima"/>
+        <a:font script="Phag" typeface="Phagspa"/>
+        <a:font script="Syrn" typeface="Estrangelo Edessa"/>
+        <a:font script="Syrj" typeface="Estrangelo Edessa"/>
+        <a:font script="Syre" typeface="Estrangelo Edessa"/>
+        <a:font script="Sora" typeface="Nirmala UI"/>
+        <a:font script="Tale" typeface="Microsoft Tai Le"/>
+        <a:font script="Talu" typeface="Microsoft New Tai Lue"/>
+        <a:font script="Tfng" typeface="Ebrima"/>
       </a:minorFont>
     </a:fontScheme>
     <a:fmtScheme name="Office">

--- a/present/AISTATS-2022/one-true-loss.pptx
+++ b/present/AISTATS-2022/one-true-loss.pptx
@@ -5,19 +5,22 @@
     <p:sldMasterId id="2147483648" r:id="rId1"/>
   </p:sldMasterIdLst>
   <p:notesMasterIdLst>
-    <p:notesMasterId r:id="rId12"/>
+    <p:notesMasterId r:id="rId15"/>
   </p:notesMasterIdLst>
   <p:sldIdLst>
     <p:sldId id="258" r:id="rId2"/>
-    <p:sldId id="260" r:id="rId3"/>
-    <p:sldId id="261" r:id="rId4"/>
-    <p:sldId id="262" r:id="rId5"/>
-    <p:sldId id="259" r:id="rId6"/>
-    <p:sldId id="266" r:id="rId7"/>
-    <p:sldId id="257" r:id="rId8"/>
-    <p:sldId id="263" r:id="rId9"/>
-    <p:sldId id="264" r:id="rId10"/>
-    <p:sldId id="265" r:id="rId11"/>
+    <p:sldId id="267" r:id="rId3"/>
+    <p:sldId id="268" r:id="rId4"/>
+    <p:sldId id="260" r:id="rId5"/>
+    <p:sldId id="261" r:id="rId6"/>
+    <p:sldId id="262" r:id="rId7"/>
+    <p:sldId id="259" r:id="rId8"/>
+    <p:sldId id="266" r:id="rId9"/>
+    <p:sldId id="257" r:id="rId10"/>
+    <p:sldId id="263" r:id="rId11"/>
+    <p:sldId id="264" r:id="rId12"/>
+    <p:sldId id="269" r:id="rId13"/>
+    <p:sldId id="265" r:id="rId14"/>
   </p:sldIdLst>
   <p:sldSz cx="12192000" cy="6858000"/>
   <p:notesSz cx="6858000" cy="9144000"/>
@@ -122,6 +125,8 @@
         <p14:section name="Overview of PDGs" id="{C38E23F1-F862-4DB7-91C1-FB193CC205FB}">
           <p14:sldIdLst>
             <p14:sldId id="258"/>
+            <p14:sldId id="267"/>
+            <p14:sldId id="268"/>
           </p14:sldIdLst>
         </p14:section>
         <p14:section name="Simple Metrics" id="{6AD7253B-FC1E-49A8-ABF8-CC2F13DBC12F}">
@@ -142,6 +147,7 @@
             <p14:sldId id="257"/>
             <p14:sldId id="263"/>
             <p14:sldId id="264"/>
+            <p14:sldId id="269"/>
             <p14:sldId id="265"/>
           </p14:sldIdLst>
         </p14:section>
@@ -245,7 +251,7 @@
           <a:p>
             <a:fld id="{F5DDDE9D-E35D-4903-86F5-E1B8CFAF0592}" type="datetimeFigureOut">
               <a:rPr lang="en-US" smtClean="0"/>
-              <a:t>3/10/2022</a:t>
+              <a:t>11-Mar-22</a:t>
             </a:fld>
             <a:endParaRPr lang="en-US"/>
           </a:p>
@@ -577,7 +583,7 @@
           <a:p>
             <a:fld id="{5D3EE235-9978-4A85-8DAC-D0CF6D817DDD}" type="slidenum">
               <a:rPr lang="en-US" smtClean="0"/>
-              <a:t>3</a:t>
+              <a:t>5</a:t>
             </a:fld>
             <a:endParaRPr lang="en-US"/>
           </a:p>
@@ -743,7 +749,7 @@
           <a:p>
             <a:fld id="{A4490AF7-DA27-43A2-9584-68F5DE0895D6}" type="datetimeFigureOut">
               <a:rPr lang="en-US" smtClean="0"/>
-              <a:t>3/10/2022</a:t>
+              <a:t>11-Mar-22</a:t>
             </a:fld>
             <a:endParaRPr lang="en-US"/>
           </a:p>
@@ -941,7 +947,7 @@
           <a:p>
             <a:fld id="{A4490AF7-DA27-43A2-9584-68F5DE0895D6}" type="datetimeFigureOut">
               <a:rPr lang="en-US" smtClean="0"/>
-              <a:t>3/10/2022</a:t>
+              <a:t>11-Mar-22</a:t>
             </a:fld>
             <a:endParaRPr lang="en-US"/>
           </a:p>
@@ -1149,7 +1155,7 @@
           <a:p>
             <a:fld id="{A4490AF7-DA27-43A2-9584-68F5DE0895D6}" type="datetimeFigureOut">
               <a:rPr lang="en-US" smtClean="0"/>
-              <a:t>3/10/2022</a:t>
+              <a:t>11-Mar-22</a:t>
             </a:fld>
             <a:endParaRPr lang="en-US"/>
           </a:p>
@@ -1347,7 +1353,7 @@
           <a:p>
             <a:fld id="{A4490AF7-DA27-43A2-9584-68F5DE0895D6}" type="datetimeFigureOut">
               <a:rPr lang="en-US" smtClean="0"/>
-              <a:t>3/10/2022</a:t>
+              <a:t>11-Mar-22</a:t>
             </a:fld>
             <a:endParaRPr lang="en-US"/>
           </a:p>
@@ -1622,7 +1628,7 @@
           <a:p>
             <a:fld id="{A4490AF7-DA27-43A2-9584-68F5DE0895D6}" type="datetimeFigureOut">
               <a:rPr lang="en-US" smtClean="0"/>
-              <a:t>3/10/2022</a:t>
+              <a:t>11-Mar-22</a:t>
             </a:fld>
             <a:endParaRPr lang="en-US"/>
           </a:p>
@@ -1887,7 +1893,7 @@
           <a:p>
             <a:fld id="{A4490AF7-DA27-43A2-9584-68F5DE0895D6}" type="datetimeFigureOut">
               <a:rPr lang="en-US" smtClean="0"/>
-              <a:t>3/10/2022</a:t>
+              <a:t>11-Mar-22</a:t>
             </a:fld>
             <a:endParaRPr lang="en-US"/>
           </a:p>
@@ -2299,7 +2305,7 @@
           <a:p>
             <a:fld id="{A4490AF7-DA27-43A2-9584-68F5DE0895D6}" type="datetimeFigureOut">
               <a:rPr lang="en-US" smtClean="0"/>
-              <a:t>3/10/2022</a:t>
+              <a:t>11-Mar-22</a:t>
             </a:fld>
             <a:endParaRPr lang="en-US"/>
           </a:p>
@@ -2440,7 +2446,7 @@
           <a:p>
             <a:fld id="{A4490AF7-DA27-43A2-9584-68F5DE0895D6}" type="datetimeFigureOut">
               <a:rPr lang="en-US" smtClean="0"/>
-              <a:t>3/10/2022</a:t>
+              <a:t>11-Mar-22</a:t>
             </a:fld>
             <a:endParaRPr lang="en-US"/>
           </a:p>
@@ -2553,7 +2559,7 @@
           <a:p>
             <a:fld id="{A4490AF7-DA27-43A2-9584-68F5DE0895D6}" type="datetimeFigureOut">
               <a:rPr lang="en-US" smtClean="0"/>
-              <a:t>3/10/2022</a:t>
+              <a:t>11-Mar-22</a:t>
             </a:fld>
             <a:endParaRPr lang="en-US"/>
           </a:p>
@@ -2864,7 +2870,7 @@
           <a:p>
             <a:fld id="{A4490AF7-DA27-43A2-9584-68F5DE0895D6}" type="datetimeFigureOut">
               <a:rPr lang="en-US" smtClean="0"/>
-              <a:t>3/10/2022</a:t>
+              <a:t>11-Mar-22</a:t>
             </a:fld>
             <a:endParaRPr lang="en-US"/>
           </a:p>
@@ -3152,7 +3158,7 @@
           <a:p>
             <a:fld id="{A4490AF7-DA27-43A2-9584-68F5DE0895D6}" type="datetimeFigureOut">
               <a:rPr lang="en-US" smtClean="0"/>
-              <a:t>3/10/2022</a:t>
+              <a:t>11-Mar-22</a:t>
             </a:fld>
             <a:endParaRPr lang="en-US"/>
           </a:p>
@@ -3393,7 +3399,7 @@
           <a:p>
             <a:fld id="{A4490AF7-DA27-43A2-9584-68F5DE0895D6}" type="datetimeFigureOut">
               <a:rPr lang="en-US" smtClean="0"/>
-              <a:t>3/10/2022</a:t>
+              <a:t>11-Mar-22</a:t>
             </a:fld>
             <a:endParaRPr lang="en-US"/>
           </a:p>
@@ -4108,2225 +4114,6 @@
           <p:cNvPr id="2" name="Title 1">
             <a:extLst>
               <a:ext uri="{FF2B5EF4-FFF2-40B4-BE49-F238E27FC236}">
-                <a16:creationId xmlns:a16="http://schemas.microsoft.com/office/drawing/2014/main" id="{AA7CF23D-80BA-4F91-B70F-AAC53E4F72BD}"/>
-              </a:ext>
-            </a:extLst>
-          </p:cNvPr>
-          <p:cNvSpPr>
-            <a:spLocks noGrp="1"/>
-          </p:cNvSpPr>
-          <p:nvPr>
-            <p:ph type="title"/>
-          </p:nvPr>
-        </p:nvSpPr>
-        <p:spPr/>
-        <p:txBody>
-          <a:bodyPr/>
-          <a:lstStyle/>
-          <a:p>
-            <a:r>
-              <a:rPr lang="en-US" dirty="0"/>
-              <a:t>Visual Proof: The ELBO</a:t>
-            </a:r>
-          </a:p>
-        </p:txBody>
-      </p:sp>
-      <p:pic>
-        <p:nvPicPr>
-          <p:cNvPr id="11" name="Picture 10">
-            <a:extLst>
-              <a:ext uri="{FF2B5EF4-FFF2-40B4-BE49-F238E27FC236}">
-                <a16:creationId xmlns:a16="http://schemas.microsoft.com/office/drawing/2014/main" id="{9ED5AA9A-FA80-4902-B266-439F580B26FA}"/>
-              </a:ext>
-            </a:extLst>
-          </p:cNvPr>
-          <p:cNvPicPr>
-            <a:picLocks noChangeAspect="1"/>
-          </p:cNvPicPr>
-          <p:nvPr/>
-        </p:nvPicPr>
-        <p:blipFill>
-          <a:blip r:embed="rId2"/>
-          <a:srcRect l="46825" r="48758"/>
-          <a:stretch>
-            <a:fillRect/>
-          </a:stretch>
-        </p:blipFill>
-        <p:spPr>
-          <a:xfrm>
-            <a:off x="5762171" y="2058748"/>
-            <a:ext cx="464457" cy="2740504"/>
-          </a:xfrm>
-          <a:custGeom>
-            <a:avLst/>
-            <a:gdLst>
-              <a:gd name="connsiteX0" fmla="*/ 0 w 464457"/>
-              <a:gd name="connsiteY0" fmla="*/ 0 h 2740504"/>
-              <a:gd name="connsiteX1" fmla="*/ 464457 w 464457"/>
-              <a:gd name="connsiteY1" fmla="*/ 0 h 2740504"/>
-              <a:gd name="connsiteX2" fmla="*/ 464457 w 464457"/>
-              <a:gd name="connsiteY2" fmla="*/ 2740504 h 2740504"/>
-              <a:gd name="connsiteX3" fmla="*/ 0 w 464457"/>
-              <a:gd name="connsiteY3" fmla="*/ 2740504 h 2740504"/>
-              <a:gd name="connsiteX4" fmla="*/ 0 w 464457"/>
-              <a:gd name="connsiteY4" fmla="*/ 0 h 2740504"/>
-            </a:gdLst>
-            <a:ahLst/>
-            <a:cxnLst>
-              <a:cxn ang="0">
-                <a:pos x="connsiteX0" y="connsiteY0"/>
-              </a:cxn>
-              <a:cxn ang="0">
-                <a:pos x="connsiteX1" y="connsiteY1"/>
-              </a:cxn>
-              <a:cxn ang="0">
-                <a:pos x="connsiteX2" y="connsiteY2"/>
-              </a:cxn>
-              <a:cxn ang="0">
-                <a:pos x="connsiteX3" y="connsiteY3"/>
-              </a:cxn>
-              <a:cxn ang="0">
-                <a:pos x="connsiteX4" y="connsiteY4"/>
-              </a:cxn>
-            </a:cxnLst>
-            <a:rect l="l" t="t" r="r" b="b"/>
-            <a:pathLst>
-              <a:path w="464457" h="2740504">
-                <a:moveTo>
-                  <a:pt x="0" y="0"/>
-                </a:moveTo>
-                <a:lnTo>
-                  <a:pt x="464457" y="0"/>
-                </a:lnTo>
-                <a:lnTo>
-                  <a:pt x="464457" y="2740504"/>
-                </a:lnTo>
-                <a:lnTo>
-                  <a:pt x="0" y="2740504"/>
-                </a:lnTo>
-                <a:lnTo>
-                  <a:pt x="0" y="0"/>
-                </a:lnTo>
-                <a:close/>
-              </a:path>
-            </a:pathLst>
-          </a:custGeom>
-        </p:spPr>
-      </p:pic>
-      <p:pic>
-        <p:nvPicPr>
-          <p:cNvPr id="9" name="Picture 8">
-            <a:extLst>
-              <a:ext uri="{FF2B5EF4-FFF2-40B4-BE49-F238E27FC236}">
-                <a16:creationId xmlns:a16="http://schemas.microsoft.com/office/drawing/2014/main" id="{43B0C9A1-0EB2-47B9-85C8-991B23B03DFB}"/>
-              </a:ext>
-            </a:extLst>
-          </p:cNvPr>
-          <p:cNvPicPr>
-            <a:picLocks noChangeAspect="1"/>
-          </p:cNvPicPr>
-          <p:nvPr/>
-        </p:nvPicPr>
-        <p:blipFill>
-          <a:blip r:embed="rId2"/>
-          <a:srcRect r="53175"/>
-          <a:stretch>
-            <a:fillRect/>
-          </a:stretch>
-        </p:blipFill>
-        <p:spPr>
-          <a:xfrm>
-            <a:off x="547915" y="2058748"/>
-            <a:ext cx="4923971" cy="2740504"/>
-          </a:xfrm>
-          <a:custGeom>
-            <a:avLst/>
-            <a:gdLst>
-              <a:gd name="connsiteX0" fmla="*/ 0 w 4923971"/>
-              <a:gd name="connsiteY0" fmla="*/ 0 h 2740504"/>
-              <a:gd name="connsiteX1" fmla="*/ 4923971 w 4923971"/>
-              <a:gd name="connsiteY1" fmla="*/ 0 h 2740504"/>
-              <a:gd name="connsiteX2" fmla="*/ 4923971 w 4923971"/>
-              <a:gd name="connsiteY2" fmla="*/ 2740504 h 2740504"/>
-              <a:gd name="connsiteX3" fmla="*/ 0 w 4923971"/>
-              <a:gd name="connsiteY3" fmla="*/ 2740504 h 2740504"/>
-              <a:gd name="connsiteX4" fmla="*/ 0 w 4923971"/>
-              <a:gd name="connsiteY4" fmla="*/ 0 h 2740504"/>
-            </a:gdLst>
-            <a:ahLst/>
-            <a:cxnLst>
-              <a:cxn ang="0">
-                <a:pos x="connsiteX0" y="connsiteY0"/>
-              </a:cxn>
-              <a:cxn ang="0">
-                <a:pos x="connsiteX1" y="connsiteY1"/>
-              </a:cxn>
-              <a:cxn ang="0">
-                <a:pos x="connsiteX2" y="connsiteY2"/>
-              </a:cxn>
-              <a:cxn ang="0">
-                <a:pos x="connsiteX3" y="connsiteY3"/>
-              </a:cxn>
-              <a:cxn ang="0">
-                <a:pos x="connsiteX4" y="connsiteY4"/>
-              </a:cxn>
-            </a:cxnLst>
-            <a:rect l="l" t="t" r="r" b="b"/>
-            <a:pathLst>
-              <a:path w="4923971" h="2740504">
-                <a:moveTo>
-                  <a:pt x="0" y="0"/>
-                </a:moveTo>
-                <a:lnTo>
-                  <a:pt x="4923971" y="0"/>
-                </a:lnTo>
-                <a:lnTo>
-                  <a:pt x="4923971" y="2740504"/>
-                </a:lnTo>
-                <a:lnTo>
-                  <a:pt x="0" y="2740504"/>
-                </a:lnTo>
-                <a:lnTo>
-                  <a:pt x="0" y="0"/>
-                </a:lnTo>
-                <a:close/>
-              </a:path>
-            </a:pathLst>
-          </a:custGeom>
-        </p:spPr>
-      </p:pic>
-      <p:pic>
-        <p:nvPicPr>
-          <p:cNvPr id="8" name="Picture 7">
-            <a:extLst>
-              <a:ext uri="{FF2B5EF4-FFF2-40B4-BE49-F238E27FC236}">
-                <a16:creationId xmlns:a16="http://schemas.microsoft.com/office/drawing/2014/main" id="{D349796F-41A0-4DED-A96B-0DA4D89E9EA7}"/>
-              </a:ext>
-            </a:extLst>
-          </p:cNvPr>
-          <p:cNvPicPr>
-            <a:picLocks noChangeAspect="1"/>
-          </p:cNvPicPr>
-          <p:nvPr/>
-        </p:nvPicPr>
-        <p:blipFill>
-          <a:blip r:embed="rId2"/>
-          <a:srcRect l="51242"/>
-          <a:stretch>
-            <a:fillRect/>
-          </a:stretch>
-        </p:blipFill>
-        <p:spPr>
-          <a:xfrm>
-            <a:off x="6516913" y="2058748"/>
-            <a:ext cx="5127172" cy="2740504"/>
-          </a:xfrm>
-          <a:custGeom>
-            <a:avLst/>
-            <a:gdLst>
-              <a:gd name="connsiteX0" fmla="*/ 0 w 5127172"/>
-              <a:gd name="connsiteY0" fmla="*/ 0 h 2740504"/>
-              <a:gd name="connsiteX1" fmla="*/ 5127172 w 5127172"/>
-              <a:gd name="connsiteY1" fmla="*/ 0 h 2740504"/>
-              <a:gd name="connsiteX2" fmla="*/ 5127172 w 5127172"/>
-              <a:gd name="connsiteY2" fmla="*/ 2740504 h 2740504"/>
-              <a:gd name="connsiteX3" fmla="*/ 0 w 5127172"/>
-              <a:gd name="connsiteY3" fmla="*/ 2740504 h 2740504"/>
-              <a:gd name="connsiteX4" fmla="*/ 0 w 5127172"/>
-              <a:gd name="connsiteY4" fmla="*/ 0 h 2740504"/>
-            </a:gdLst>
-            <a:ahLst/>
-            <a:cxnLst>
-              <a:cxn ang="0">
-                <a:pos x="connsiteX0" y="connsiteY0"/>
-              </a:cxn>
-              <a:cxn ang="0">
-                <a:pos x="connsiteX1" y="connsiteY1"/>
-              </a:cxn>
-              <a:cxn ang="0">
-                <a:pos x="connsiteX2" y="connsiteY2"/>
-              </a:cxn>
-              <a:cxn ang="0">
-                <a:pos x="connsiteX3" y="connsiteY3"/>
-              </a:cxn>
-              <a:cxn ang="0">
-                <a:pos x="connsiteX4" y="connsiteY4"/>
-              </a:cxn>
-            </a:cxnLst>
-            <a:rect l="l" t="t" r="r" b="b"/>
-            <a:pathLst>
-              <a:path w="5127172" h="2740504">
-                <a:moveTo>
-                  <a:pt x="0" y="0"/>
-                </a:moveTo>
-                <a:lnTo>
-                  <a:pt x="5127172" y="0"/>
-                </a:lnTo>
-                <a:lnTo>
-                  <a:pt x="5127172" y="2740504"/>
-                </a:lnTo>
-                <a:lnTo>
-                  <a:pt x="0" y="2740504"/>
-                </a:lnTo>
-                <a:lnTo>
-                  <a:pt x="0" y="0"/>
-                </a:lnTo>
-                <a:close/>
-              </a:path>
-            </a:pathLst>
-          </a:custGeom>
-        </p:spPr>
-      </p:pic>
-    </p:spTree>
-    <p:extLst>
-      <p:ext uri="{BB962C8B-B14F-4D97-AF65-F5344CB8AC3E}">
-        <p14:creationId xmlns:p14="http://schemas.microsoft.com/office/powerpoint/2010/main" val="3679871277"/>
-      </p:ext>
-    </p:extLst>
-  </p:cSld>
-  <p:clrMapOvr>
-    <a:masterClrMapping/>
-  </p:clrMapOvr>
-  <p:timing>
-    <p:tnLst>
-      <p:par>
-        <p:cTn id="1" dur="indefinite" restart="never" nodeType="tmRoot">
-          <p:childTnLst>
-            <p:seq concurrent="1" nextAc="seek">
-              <p:cTn id="2" dur="indefinite" nodeType="mainSeq">
-                <p:childTnLst>
-                  <p:par>
-                    <p:cTn id="3" fill="hold">
-                      <p:stCondLst>
-                        <p:cond delay="indefinite"/>
-                      </p:stCondLst>
-                      <p:childTnLst>
-                        <p:par>
-                          <p:cTn id="4" fill="hold">
-                            <p:stCondLst>
-                              <p:cond delay="0"/>
-                            </p:stCondLst>
-                            <p:childTnLst>
-                              <p:par>
-                                <p:cTn id="5" presetID="1" presetClass="entr" presetSubtype="0" fill="hold" nodeType="clickEffect">
-                                  <p:stCondLst>
-                                    <p:cond delay="0"/>
-                                  </p:stCondLst>
-                                  <p:childTnLst>
-                                    <p:set>
-                                      <p:cBhvr>
-                                        <p:cTn id="6" dur="1" fill="hold">
-                                          <p:stCondLst>
-                                            <p:cond delay="0"/>
-                                          </p:stCondLst>
-                                        </p:cTn>
-                                        <p:tgtEl>
-                                          <p:spTgt spid="11"/>
-                                        </p:tgtEl>
-                                        <p:attrNameLst>
-                                          <p:attrName>style.visibility</p:attrName>
-                                        </p:attrNameLst>
-                                      </p:cBhvr>
-                                      <p:to>
-                                        <p:strVal val="visible"/>
-                                      </p:to>
-                                    </p:set>
-                                  </p:childTnLst>
-                                </p:cTn>
-                              </p:par>
-                            </p:childTnLst>
-                          </p:cTn>
-                        </p:par>
-                      </p:childTnLst>
-                    </p:cTn>
-                  </p:par>
-                </p:childTnLst>
-              </p:cTn>
-              <p:prevCondLst>
-                <p:cond evt="onPrev" delay="0">
-                  <p:tgtEl>
-                    <p:sldTgt/>
-                  </p:tgtEl>
-                </p:cond>
-              </p:prevCondLst>
-              <p:nextCondLst>
-                <p:cond evt="onNext" delay="0">
-                  <p:tgtEl>
-                    <p:sldTgt/>
-                  </p:tgtEl>
-                </p:cond>
-              </p:nextCondLst>
-            </p:seq>
-          </p:childTnLst>
-        </p:cTn>
-      </p:par>
-    </p:tnLst>
-  </p:timing>
-</p:sld>
-</file>
-
-<file path=ppt/slides/slide2.xml><?xml version="1.0" encoding="utf-8"?>
-<p:sld xmlns:a="http://schemas.openxmlformats.org/drawingml/2006/main" xmlns:r="http://schemas.openxmlformats.org/officeDocument/2006/relationships" xmlns:p="http://schemas.openxmlformats.org/presentationml/2006/main">
-  <p:cSld>
-    <p:spTree>
-      <p:nvGrpSpPr>
-        <p:cNvPr id="1" name=""/>
-        <p:cNvGrpSpPr/>
-        <p:nvPr/>
-      </p:nvGrpSpPr>
-      <p:grpSpPr>
-        <a:xfrm>
-          <a:off x="0" y="0"/>
-          <a:ext cx="0" cy="0"/>
-          <a:chOff x="0" y="0"/>
-          <a:chExt cx="0" cy="0"/>
-        </a:xfrm>
-      </p:grpSpPr>
-      <p:pic>
-        <p:nvPicPr>
-          <p:cNvPr id="5" name="Picture 4">
-            <a:extLst>
-              <a:ext uri="{FF2B5EF4-FFF2-40B4-BE49-F238E27FC236}">
-                <a16:creationId xmlns:a16="http://schemas.microsoft.com/office/drawing/2014/main" id="{36EF5987-CD3C-4C58-8734-6C9A19F467B4}"/>
-              </a:ext>
-            </a:extLst>
-          </p:cNvPr>
-          <p:cNvPicPr>
-            <a:picLocks noChangeAspect="1"/>
-          </p:cNvPicPr>
-          <p:nvPr/>
-        </p:nvPicPr>
-        <p:blipFill>
-          <a:blip r:embed="rId2"/>
-          <a:stretch>
-            <a:fillRect/>
-          </a:stretch>
-        </p:blipFill>
-        <p:spPr>
-          <a:xfrm>
-            <a:off x="2414073" y="2643078"/>
-            <a:ext cx="7363853" cy="1571844"/>
-          </a:xfrm>
-          <a:prstGeom prst="rect">
-            <a:avLst/>
-          </a:prstGeom>
-        </p:spPr>
-      </p:pic>
-    </p:spTree>
-    <p:extLst>
-      <p:ext uri="{BB962C8B-B14F-4D97-AF65-F5344CB8AC3E}">
-        <p14:creationId xmlns:p14="http://schemas.microsoft.com/office/powerpoint/2010/main" val="3194484784"/>
-      </p:ext>
-    </p:extLst>
-  </p:cSld>
-  <p:clrMapOvr>
-    <a:masterClrMapping/>
-  </p:clrMapOvr>
-</p:sld>
-</file>
-
-<file path=ppt/slides/slide3.xml><?xml version="1.0" encoding="utf-8"?>
-<p:sld xmlns:a="http://schemas.openxmlformats.org/drawingml/2006/main" xmlns:r="http://schemas.openxmlformats.org/officeDocument/2006/relationships" xmlns:p="http://schemas.openxmlformats.org/presentationml/2006/main">
-  <p:cSld>
-    <p:spTree>
-      <p:nvGrpSpPr>
-        <p:cNvPr id="1" name=""/>
-        <p:cNvGrpSpPr/>
-        <p:nvPr/>
-      </p:nvGrpSpPr>
-      <p:grpSpPr>
-        <a:xfrm>
-          <a:off x="0" y="0"/>
-          <a:ext cx="0" cy="0"/>
-          <a:chOff x="0" y="0"/>
-          <a:chExt cx="0" cy="0"/>
-        </a:xfrm>
-      </p:grpSpPr>
-      <p:sp>
-        <p:nvSpPr>
-          <p:cNvPr id="2" name="Title 1">
-            <a:extLst>
-              <a:ext uri="{FF2B5EF4-FFF2-40B4-BE49-F238E27FC236}">
-                <a16:creationId xmlns:a16="http://schemas.microsoft.com/office/drawing/2014/main" id="{513AD30A-0ADF-4EB3-9E1B-E37D25E14B40}"/>
-              </a:ext>
-            </a:extLst>
-          </p:cNvPr>
-          <p:cNvSpPr>
-            <a:spLocks noGrp="1"/>
-          </p:cNvSpPr>
-          <p:nvPr>
-            <p:ph type="title"/>
-          </p:nvPr>
-        </p:nvSpPr>
-        <p:spPr/>
-        <p:txBody>
-          <a:bodyPr/>
-          <a:lstStyle/>
-          <a:p>
-            <a:endParaRPr lang="en-US" dirty="0"/>
-          </a:p>
-        </p:txBody>
-      </p:sp>
-      <p:pic>
-        <p:nvPicPr>
-          <p:cNvPr id="6" name="Content Placeholder 4">
-            <a:extLst>
-              <a:ext uri="{FF2B5EF4-FFF2-40B4-BE49-F238E27FC236}">
-                <a16:creationId xmlns:a16="http://schemas.microsoft.com/office/drawing/2014/main" id="{6B5C51E6-1957-40C7-AF4D-118278977155}"/>
-              </a:ext>
-            </a:extLst>
-          </p:cNvPr>
-          <p:cNvPicPr>
-            <a:picLocks noChangeAspect="1"/>
-          </p:cNvPicPr>
-          <p:nvPr/>
-        </p:nvPicPr>
-        <p:blipFill>
-          <a:blip r:embed="rId3">
-            <a:clrChange>
-              <a:clrFrom>
-                <a:srgbClr val="FFFFFF"/>
-              </a:clrFrom>
-              <a:clrTo>
-                <a:srgbClr val="FFFFFF">
-                  <a:alpha val="0"/>
-                </a:srgbClr>
-              </a:clrTo>
-            </a:clrChange>
-            <a:extLst>
-              <a:ext uri="{BEBA8EAE-BF5A-486C-A8C5-ECC9F3942E4B}">
-                <a14:imgProps xmlns:a14="http://schemas.microsoft.com/office/drawing/2010/main">
-                  <a14:imgLayer r:embed="rId4">
-                    <a14:imgEffect>
-                      <a14:backgroundRemoval t="5160" b="94349" l="2012" r="99882">
-                        <a14:foregroundMark x1="64465" y1="13163" x2="66036" y2="18673"/>
-                        <a14:foregroundMark x1="63444" y1="9582" x2="64421" y2="13010"/>
-                        <a14:foregroundMark x1="62604" y1="6634" x2="63444" y2="9582"/>
-                        <a14:foregroundMark x1="71720" y1="18933" x2="74399" y2="19055"/>
-                        <a14:foregroundMark x1="70764" y1="18889" x2="71256" y2="18911"/>
-                        <a14:foregroundMark x1="67569" y1="18743" x2="69160" y2="18816"/>
-                        <a14:foregroundMark x1="66036" y1="18673" x2="66784" y2="18707"/>
-                        <a14:foregroundMark x1="78728" y1="18677" x2="92308" y2="15233"/>
-                        <a14:foregroundMark x1="92308" y1="15233" x2="98935" y2="63882"/>
-                        <a14:foregroundMark x1="98935" y1="63882" x2="94793" y2="78133"/>
-                        <a14:foregroundMark x1="94793" y1="78133" x2="87929" y2="87715"/>
-                        <a14:foregroundMark x1="73599" y1="88404" x2="11243" y2="91400"/>
-                        <a14:foregroundMark x1="87929" y1="87715" x2="73611" y2="88403"/>
-                        <a14:foregroundMark x1="11243" y1="91400" x2="4379" y2="79607"/>
-                        <a14:foregroundMark x1="4379" y1="79607" x2="1302" y2="38329"/>
-                        <a14:foregroundMark x1="1302" y1="38329" x2="5325" y2="20393"/>
-                        <a14:foregroundMark x1="5325" y1="20393" x2="10059" y2="9091"/>
-                        <a14:foregroundMark x1="10059" y1="9091" x2="48639" y2="15971"/>
-                        <a14:foregroundMark x1="48639" y1="15971" x2="54675" y2="3194"/>
-                        <a14:foregroundMark x1="54675" y1="3194" x2="62722" y2="5651"/>
-                        <a14:foregroundMark x1="62722" y1="5651" x2="63077" y2="6634"/>
-                        <a14:foregroundMark x1="14556" y1="6634" x2="2722" y2="21376"/>
-                        <a14:foregroundMark x1="2722" y1="21376" x2="4497" y2="74447"/>
-                        <a14:foregroundMark x1="4497" y1="74447" x2="16923" y2="90172"/>
-                        <a14:foregroundMark x1="16923" y1="90172" x2="27692" y2="24816"/>
-                        <a14:foregroundMark x1="27692" y1="24816" x2="18107" y2="11302"/>
-                        <a14:foregroundMark x1="18107" y1="11302" x2="15266" y2="11302"/>
-                        <a14:foregroundMark x1="11834" y1="10319" x2="7929" y2="22359"/>
-                        <a14:foregroundMark x1="7929" y1="22359" x2="4024" y2="55528"/>
-                        <a14:foregroundMark x1="8402" y1="20885" x2="2130" y2="70516"/>
-                        <a14:foregroundMark x1="90414" y1="34152" x2="95503" y2="45946"/>
-                        <a14:foregroundMark x1="95503" y1="45946" x2="91716" y2="70762"/>
-                        <a14:foregroundMark x1="54793" y1="84521" x2="56805" y2="94349"/>
-                        <a14:foregroundMark x1="92189" y1="27273" x2="99882" y2="35381"/>
-                        <a14:foregroundMark x1="55030" y1="56757" x2="39053" y2="85749"/>
-                        <a14:foregroundMark x1="30178" y1="42752" x2="11834" y2="77150"/>
-                        <a14:foregroundMark x1="20828" y1="26044" x2="13491" y2="31941"/>
-                        <a14:foregroundMark x1="63905" y1="53317" x2="55976" y2="56511"/>
-                        <a14:foregroundMark x1="55976" y1="56511" x2="45207" y2="48894"/>
-                        <a14:foregroundMark x1="63077" y1="41769" x2="53018" y2="67568"/>
-                        <a14:foregroundMark x1="60710" y1="37592" x2="74320" y2="63636"/>
-                        <a14:backgroundMark x1="65799" y1="6388" x2="71479" y2="17690"/>
-                        <a14:backgroundMark x1="71479" y1="17690" x2="66982" y2="5405"/>
-                        <a14:backgroundMark x1="66982" y1="5405" x2="66627" y2="8600"/>
-                        <a14:backgroundMark x1="65799" y1="6880" x2="68757" y2="17445"/>
-                        <a14:backgroundMark x1="68876" y1="13514" x2="65325" y2="7125"/>
-                        <a14:backgroundMark x1="72308" y1="6143" x2="68994" y2="13022"/>
-                        <a14:backgroundMark x1="70651" y1="5405" x2="76568" y2="17690"/>
-                        <a14:backgroundMark x1="76568" y1="17690" x2="77278" y2="24570"/>
-                        <a14:backgroundMark x1="68284" y1="71744" x2="62959" y2="82801"/>
-                        <a14:backgroundMark x1="62959" y1="82801" x2="73018" y2="85012"/>
-                        <a14:backgroundMark x1="73018" y1="85012" x2="69467" y2="67076"/>
-                        <a14:backgroundMark x1="69467" y1="67076" x2="64615" y2="74447"/>
-                        <a14:backgroundMark x1="64615" y1="74447" x2="64497" y2="76413"/>
-                        <a14:backgroundMark x1="64970" y1="7371" x2="65207" y2="10074"/>
-                        <a14:backgroundMark x1="65325" y1="9582" x2="65325" y2="9582"/>
-                        <a14:backgroundMark x1="64970" y1="10074" x2="65325" y2="6388"/>
-                      </a14:backgroundRemoval>
-                    </a14:imgEffect>
-                  </a14:imgLayer>
-                </a14:imgProps>
-              </a:ext>
-            </a:extLst>
-          </a:blip>
-          <a:stretch>
-            <a:fillRect/>
-          </a:stretch>
-        </p:blipFill>
-        <p:spPr>
-          <a:xfrm>
-            <a:off x="1370735" y="1899118"/>
-            <a:ext cx="8049748" cy="3877216"/>
-          </a:xfrm>
-          <a:prstGeom prst="rect">
-            <a:avLst/>
-          </a:prstGeom>
-        </p:spPr>
-      </p:pic>
-      <p:pic>
-        <p:nvPicPr>
-          <p:cNvPr id="5" name="Content Placeholder 4">
-            <a:extLst>
-              <a:ext uri="{FF2B5EF4-FFF2-40B4-BE49-F238E27FC236}">
-                <a16:creationId xmlns:a16="http://schemas.microsoft.com/office/drawing/2014/main" id="{1727357C-3C62-4F50-BB53-9BB77BFC3CB1}"/>
-              </a:ext>
-            </a:extLst>
-          </p:cNvPr>
-          <p:cNvPicPr>
-            <a:picLocks noGrp="1" noChangeAspect="1"/>
-          </p:cNvPicPr>
-          <p:nvPr>
-            <p:ph idx="1"/>
-          </p:nvPr>
-        </p:nvPicPr>
-        <p:blipFill rotWithShape="1">
-          <a:blip r:embed="rId5">
-            <a:clrChange>
-              <a:clrFrom>
-                <a:srgbClr val="FFFFFF"/>
-              </a:clrFrom>
-              <a:clrTo>
-                <a:srgbClr val="FFFFFF">
-                  <a:alpha val="0"/>
-                </a:srgbClr>
-              </a:clrTo>
-            </a:clrChange>
-          </a:blip>
-          <a:srcRect l="65025" t="4883" r="26395" b="83325"/>
-          <a:stretch/>
-        </p:blipFill>
-        <p:spPr>
-          <a:xfrm>
-            <a:off x="6496243" y="1994522"/>
-            <a:ext cx="690665" cy="457201"/>
-          </a:xfrm>
-        </p:spPr>
-      </p:pic>
-      <p:pic>
-        <p:nvPicPr>
-          <p:cNvPr id="7" name="Content Placeholder 4">
-            <a:extLst>
-              <a:ext uri="{FF2B5EF4-FFF2-40B4-BE49-F238E27FC236}">
-                <a16:creationId xmlns:a16="http://schemas.microsoft.com/office/drawing/2014/main" id="{EA996649-0435-4E18-AD92-E837CCDA3643}"/>
-              </a:ext>
-            </a:extLst>
-          </p:cNvPr>
-          <p:cNvPicPr>
-            <a:picLocks noChangeAspect="1"/>
-          </p:cNvPicPr>
-          <p:nvPr/>
-        </p:nvPicPr>
-        <p:blipFill rotWithShape="1">
-          <a:blip r:embed="rId5">
-            <a:clrChange>
-              <a:clrFrom>
-                <a:srgbClr val="FFFFFF"/>
-              </a:clrFrom>
-              <a:clrTo>
-                <a:srgbClr val="FFFFFF">
-                  <a:alpha val="0"/>
-                </a:srgbClr>
-              </a:clrTo>
-            </a:clrChange>
-          </a:blip>
-          <a:srcRect l="64743" t="70878" r="26395" b="15683"/>
-          <a:stretch/>
-        </p:blipFill>
-        <p:spPr>
-          <a:xfrm>
-            <a:off x="6496243" y="4777798"/>
-            <a:ext cx="713398" cy="521046"/>
-          </a:xfrm>
-          <a:prstGeom prst="rect">
-            <a:avLst/>
-          </a:prstGeom>
-        </p:spPr>
-      </p:pic>
-    </p:spTree>
-    <p:extLst>
-      <p:ext uri="{BB962C8B-B14F-4D97-AF65-F5344CB8AC3E}">
-        <p14:creationId xmlns:p14="http://schemas.microsoft.com/office/powerpoint/2010/main" val="2225576905"/>
-      </p:ext>
-    </p:extLst>
-  </p:cSld>
-  <p:clrMapOvr>
-    <a:masterClrMapping/>
-  </p:clrMapOvr>
-</p:sld>
-</file>
-
-<file path=ppt/slides/slide4.xml><?xml version="1.0" encoding="utf-8"?>
-<p:sld xmlns:a="http://schemas.openxmlformats.org/drawingml/2006/main" xmlns:r="http://schemas.openxmlformats.org/officeDocument/2006/relationships" xmlns:p="http://schemas.openxmlformats.org/presentationml/2006/main">
-  <p:cSld>
-    <p:spTree>
-      <p:nvGrpSpPr>
-        <p:cNvPr id="1" name=""/>
-        <p:cNvGrpSpPr/>
-        <p:nvPr/>
-      </p:nvGrpSpPr>
-      <p:grpSpPr>
-        <a:xfrm>
-          <a:off x="0" y="0"/>
-          <a:ext cx="0" cy="0"/>
-          <a:chOff x="0" y="0"/>
-          <a:chExt cx="0" cy="0"/>
-        </a:xfrm>
-      </p:grpSpPr>
-      <p:sp>
-        <p:nvSpPr>
-          <p:cNvPr id="2" name="Title 1">
-            <a:extLst>
-              <a:ext uri="{FF2B5EF4-FFF2-40B4-BE49-F238E27FC236}">
-                <a16:creationId xmlns:a16="http://schemas.microsoft.com/office/drawing/2014/main" id="{3F78AB56-B0FD-451A-AC69-4433064A4CAF}"/>
-              </a:ext>
-            </a:extLst>
-          </p:cNvPr>
-          <p:cNvSpPr>
-            <a:spLocks noGrp="1"/>
-          </p:cNvSpPr>
-          <p:nvPr>
-            <p:ph type="title"/>
-          </p:nvPr>
-        </p:nvSpPr>
-        <p:spPr/>
-        <p:txBody>
-          <a:bodyPr/>
-          <a:lstStyle/>
-          <a:p>
-            <a:endParaRPr lang="en-US"/>
-          </a:p>
-        </p:txBody>
-      </p:sp>
-      <p:pic>
-        <p:nvPicPr>
-          <p:cNvPr id="5" name="Content Placeholder 4">
-            <a:extLst>
-              <a:ext uri="{FF2B5EF4-FFF2-40B4-BE49-F238E27FC236}">
-                <a16:creationId xmlns:a16="http://schemas.microsoft.com/office/drawing/2014/main" id="{647C44FF-14DB-4AC1-9406-95701BDA81C7}"/>
-              </a:ext>
-            </a:extLst>
-          </p:cNvPr>
-          <p:cNvPicPr>
-            <a:picLocks noGrp="1" noChangeAspect="1"/>
-          </p:cNvPicPr>
-          <p:nvPr>
-            <p:ph idx="1"/>
-          </p:nvPr>
-        </p:nvPicPr>
-        <p:blipFill>
-          <a:blip r:embed="rId2"/>
-          <a:stretch>
-            <a:fillRect/>
-          </a:stretch>
-        </p:blipFill>
-        <p:spPr>
-          <a:xfrm>
-            <a:off x="1618625" y="2591397"/>
-            <a:ext cx="8954750" cy="2819794"/>
-          </a:xfrm>
-        </p:spPr>
-      </p:pic>
-    </p:spTree>
-    <p:extLst>
-      <p:ext uri="{BB962C8B-B14F-4D97-AF65-F5344CB8AC3E}">
-        <p14:creationId xmlns:p14="http://schemas.microsoft.com/office/powerpoint/2010/main" val="3923432391"/>
-      </p:ext>
-    </p:extLst>
-  </p:cSld>
-  <p:clrMapOvr>
-    <a:masterClrMapping/>
-  </p:clrMapOvr>
-</p:sld>
-</file>
-
-<file path=ppt/slides/slide5.xml><?xml version="1.0" encoding="utf-8"?>
-<p:sld xmlns:a="http://schemas.openxmlformats.org/drawingml/2006/main" xmlns:r="http://schemas.openxmlformats.org/officeDocument/2006/relationships" xmlns:p="http://schemas.openxmlformats.org/presentationml/2006/main">
-  <p:cSld>
-    <p:spTree>
-      <p:nvGrpSpPr>
-        <p:cNvPr id="1" name=""/>
-        <p:cNvGrpSpPr/>
-        <p:nvPr/>
-      </p:nvGrpSpPr>
-      <p:grpSpPr>
-        <a:xfrm>
-          <a:off x="0" y="0"/>
-          <a:ext cx="0" cy="0"/>
-          <a:chOff x="0" y="0"/>
-          <a:chExt cx="0" cy="0"/>
-        </a:xfrm>
-      </p:grpSpPr>
-      <p:pic>
-        <p:nvPicPr>
-          <p:cNvPr id="14" name="Picture 13">
-            <a:extLst>
-              <a:ext uri="{FF2B5EF4-FFF2-40B4-BE49-F238E27FC236}">
-                <a16:creationId xmlns:a16="http://schemas.microsoft.com/office/drawing/2014/main" id="{1F8E1C8E-A7A8-4397-B820-9452B31AA754}"/>
-              </a:ext>
-            </a:extLst>
-          </p:cNvPr>
-          <p:cNvPicPr>
-            <a:picLocks noChangeAspect="1"/>
-          </p:cNvPicPr>
-          <p:nvPr/>
-        </p:nvPicPr>
-        <p:blipFill>
-          <a:blip r:embed="rId2"/>
-          <a:srcRect/>
-          <a:stretch>
-            <a:fillRect/>
-          </a:stretch>
-        </p:blipFill>
-        <p:spPr>
-          <a:xfrm>
-            <a:off x="232563" y="745968"/>
-            <a:ext cx="9562289" cy="6038420"/>
-          </a:xfrm>
-          <a:custGeom>
-            <a:avLst/>
-            <a:gdLst>
-              <a:gd name="connsiteX0" fmla="*/ 0 w 9562289"/>
-              <a:gd name="connsiteY0" fmla="*/ 0 h 6038420"/>
-              <a:gd name="connsiteX1" fmla="*/ 9562289 w 9562289"/>
-              <a:gd name="connsiteY1" fmla="*/ 0 h 6038420"/>
-              <a:gd name="connsiteX2" fmla="*/ 9562289 w 9562289"/>
-              <a:gd name="connsiteY2" fmla="*/ 6038420 h 6038420"/>
-              <a:gd name="connsiteX3" fmla="*/ 0 w 9562289"/>
-              <a:gd name="connsiteY3" fmla="*/ 6038420 h 6038420"/>
-              <a:gd name="connsiteX4" fmla="*/ 0 w 9562289"/>
-              <a:gd name="connsiteY4" fmla="*/ 0 h 6038420"/>
-              <a:gd name="connsiteX5" fmla="*/ 5999084 w 9562289"/>
-              <a:gd name="connsiteY5" fmla="*/ 180475 h 6038420"/>
-              <a:gd name="connsiteX6" fmla="*/ 5999084 w 9562289"/>
-              <a:gd name="connsiteY6" fmla="*/ 1382562 h 6038420"/>
-              <a:gd name="connsiteX7" fmla="*/ 8293550 w 9562289"/>
-              <a:gd name="connsiteY7" fmla="*/ 1382562 h 6038420"/>
-              <a:gd name="connsiteX8" fmla="*/ 8293550 w 9562289"/>
-              <a:gd name="connsiteY8" fmla="*/ 180475 h 6038420"/>
-              <a:gd name="connsiteX9" fmla="*/ 5999084 w 9562289"/>
-              <a:gd name="connsiteY9" fmla="*/ 180475 h 6038420"/>
-            </a:gdLst>
-            <a:ahLst/>
-            <a:cxnLst>
-              <a:cxn ang="0">
-                <a:pos x="connsiteX0" y="connsiteY0"/>
-              </a:cxn>
-              <a:cxn ang="0">
-                <a:pos x="connsiteX1" y="connsiteY1"/>
-              </a:cxn>
-              <a:cxn ang="0">
-                <a:pos x="connsiteX2" y="connsiteY2"/>
-              </a:cxn>
-              <a:cxn ang="0">
-                <a:pos x="connsiteX3" y="connsiteY3"/>
-              </a:cxn>
-              <a:cxn ang="0">
-                <a:pos x="connsiteX4" y="connsiteY4"/>
-              </a:cxn>
-              <a:cxn ang="0">
-                <a:pos x="connsiteX5" y="connsiteY5"/>
-              </a:cxn>
-              <a:cxn ang="0">
-                <a:pos x="connsiteX6" y="connsiteY6"/>
-              </a:cxn>
-              <a:cxn ang="0">
-                <a:pos x="connsiteX7" y="connsiteY7"/>
-              </a:cxn>
-              <a:cxn ang="0">
-                <a:pos x="connsiteX8" y="connsiteY8"/>
-              </a:cxn>
-              <a:cxn ang="0">
-                <a:pos x="connsiteX9" y="connsiteY9"/>
-              </a:cxn>
-            </a:cxnLst>
-            <a:rect l="l" t="t" r="r" b="b"/>
-            <a:pathLst>
-              <a:path w="9562289" h="6038420">
-                <a:moveTo>
-                  <a:pt x="0" y="0"/>
-                </a:moveTo>
-                <a:lnTo>
-                  <a:pt x="9562289" y="0"/>
-                </a:lnTo>
-                <a:lnTo>
-                  <a:pt x="9562289" y="6038420"/>
-                </a:lnTo>
-                <a:lnTo>
-                  <a:pt x="0" y="6038420"/>
-                </a:lnTo>
-                <a:lnTo>
-                  <a:pt x="0" y="0"/>
-                </a:lnTo>
-                <a:close/>
-                <a:moveTo>
-                  <a:pt x="5999084" y="180475"/>
-                </a:moveTo>
-                <a:lnTo>
-                  <a:pt x="5999084" y="1382562"/>
-                </a:lnTo>
-                <a:lnTo>
-                  <a:pt x="8293550" y="1382562"/>
-                </a:lnTo>
-                <a:lnTo>
-                  <a:pt x="8293550" y="180475"/>
-                </a:lnTo>
-                <a:lnTo>
-                  <a:pt x="5999084" y="180475"/>
-                </a:lnTo>
-                <a:close/>
-              </a:path>
-            </a:pathLst>
-          </a:custGeom>
-        </p:spPr>
-      </p:pic>
-      <p:pic>
-        <p:nvPicPr>
-          <p:cNvPr id="15" name="Picture 14">
-            <a:extLst>
-              <a:ext uri="{FF2B5EF4-FFF2-40B4-BE49-F238E27FC236}">
-                <a16:creationId xmlns:a16="http://schemas.microsoft.com/office/drawing/2014/main" id="{5DAB86D4-A3B0-49E5-9F44-A01BB740FBE9}"/>
-              </a:ext>
-            </a:extLst>
-          </p:cNvPr>
-          <p:cNvPicPr>
-            <a:picLocks noChangeAspect="1"/>
-          </p:cNvPicPr>
-          <p:nvPr/>
-        </p:nvPicPr>
-        <p:blipFill>
-          <a:blip r:embed="rId2"/>
-          <a:srcRect l="62737" t="2989" r="13268" b="77104"/>
-          <a:stretch>
-            <a:fillRect/>
-          </a:stretch>
-        </p:blipFill>
-        <p:spPr>
-          <a:xfrm>
-            <a:off x="5976745" y="144924"/>
-            <a:ext cx="2294466" cy="1202087"/>
-          </a:xfrm>
-          <a:custGeom>
-            <a:avLst/>
-            <a:gdLst>
-              <a:gd name="connsiteX0" fmla="*/ 0 w 2294466"/>
-              <a:gd name="connsiteY0" fmla="*/ 0 h 1202087"/>
-              <a:gd name="connsiteX1" fmla="*/ 2294466 w 2294466"/>
-              <a:gd name="connsiteY1" fmla="*/ 0 h 1202087"/>
-              <a:gd name="connsiteX2" fmla="*/ 2294466 w 2294466"/>
-              <a:gd name="connsiteY2" fmla="*/ 1202087 h 1202087"/>
-              <a:gd name="connsiteX3" fmla="*/ 0 w 2294466"/>
-              <a:gd name="connsiteY3" fmla="*/ 1202087 h 1202087"/>
-              <a:gd name="connsiteX4" fmla="*/ 0 w 2294466"/>
-              <a:gd name="connsiteY4" fmla="*/ 0 h 1202087"/>
-            </a:gdLst>
-            <a:ahLst/>
-            <a:cxnLst>
-              <a:cxn ang="0">
-                <a:pos x="connsiteX0" y="connsiteY0"/>
-              </a:cxn>
-              <a:cxn ang="0">
-                <a:pos x="connsiteX1" y="connsiteY1"/>
-              </a:cxn>
-              <a:cxn ang="0">
-                <a:pos x="connsiteX2" y="connsiteY2"/>
-              </a:cxn>
-              <a:cxn ang="0">
-                <a:pos x="connsiteX3" y="connsiteY3"/>
-              </a:cxn>
-              <a:cxn ang="0">
-                <a:pos x="connsiteX4" y="connsiteY4"/>
-              </a:cxn>
-            </a:cxnLst>
-            <a:rect l="l" t="t" r="r" b="b"/>
-            <a:pathLst>
-              <a:path w="2294466" h="1202087">
-                <a:moveTo>
-                  <a:pt x="0" y="0"/>
-                </a:moveTo>
-                <a:lnTo>
-                  <a:pt x="2294466" y="0"/>
-                </a:lnTo>
-                <a:lnTo>
-                  <a:pt x="2294466" y="1202087"/>
-                </a:lnTo>
-                <a:lnTo>
-                  <a:pt x="0" y="1202087"/>
-                </a:lnTo>
-                <a:lnTo>
-                  <a:pt x="0" y="0"/>
-                </a:lnTo>
-                <a:close/>
-              </a:path>
-            </a:pathLst>
-          </a:custGeom>
-        </p:spPr>
-      </p:pic>
-    </p:spTree>
-    <p:extLst>
-      <p:ext uri="{BB962C8B-B14F-4D97-AF65-F5344CB8AC3E}">
-        <p14:creationId xmlns:p14="http://schemas.microsoft.com/office/powerpoint/2010/main" val="3963554827"/>
-      </p:ext>
-    </p:extLst>
-  </p:cSld>
-  <p:clrMapOvr>
-    <a:masterClrMapping/>
-  </p:clrMapOvr>
-</p:sld>
-</file>
-
-<file path=ppt/slides/slide6.xml><?xml version="1.0" encoding="utf-8"?>
-<p:sld xmlns:a="http://schemas.openxmlformats.org/drawingml/2006/main" xmlns:r="http://schemas.openxmlformats.org/officeDocument/2006/relationships" xmlns:p="http://schemas.openxmlformats.org/presentationml/2006/main">
-  <p:cSld>
-    <p:spTree>
-      <p:nvGrpSpPr>
-        <p:cNvPr id="1" name=""/>
-        <p:cNvGrpSpPr/>
-        <p:nvPr/>
-      </p:nvGrpSpPr>
-      <p:grpSpPr>
-        <a:xfrm>
-          <a:off x="0" y="0"/>
-          <a:ext cx="0" cy="0"/>
-          <a:chOff x="0" y="0"/>
-          <a:chExt cx="0" cy="0"/>
-        </a:xfrm>
-      </p:grpSpPr>
-      <p:sp>
-        <p:nvSpPr>
-          <p:cNvPr id="2" name="Title 1">
-            <a:extLst>
-              <a:ext uri="{FF2B5EF4-FFF2-40B4-BE49-F238E27FC236}">
-                <a16:creationId xmlns:a16="http://schemas.microsoft.com/office/drawing/2014/main" id="{CDFB4535-9278-426D-B3FF-4EF66E092075}"/>
-              </a:ext>
-            </a:extLst>
-          </p:cNvPr>
-          <p:cNvSpPr>
-            <a:spLocks noGrp="1"/>
-          </p:cNvSpPr>
-          <p:nvPr>
-            <p:ph type="title"/>
-          </p:nvPr>
-        </p:nvSpPr>
-        <p:spPr>
-          <a:xfrm>
-            <a:off x="203200" y="128760"/>
-            <a:ext cx="10515600" cy="1325563"/>
-          </a:xfrm>
-        </p:spPr>
-        <p:txBody>
-          <a:bodyPr/>
-          <a:lstStyle/>
-          <a:p>
-            <a:r>
-              <a:rPr lang="en-US" dirty="0"/>
-              <a:t>Visual Proof: Data-Processing Inequality</a:t>
-            </a:r>
-          </a:p>
-        </p:txBody>
-      </p:sp>
-      <p:pic>
-        <p:nvPicPr>
-          <p:cNvPr id="51" name="Picture 50">
-            <a:extLst>
-              <a:ext uri="{FF2B5EF4-FFF2-40B4-BE49-F238E27FC236}">
-                <a16:creationId xmlns:a16="http://schemas.microsoft.com/office/drawing/2014/main" id="{7849D5F4-CD23-44CD-8D80-40B361524FC4}"/>
-              </a:ext>
-            </a:extLst>
-          </p:cNvPr>
-          <p:cNvPicPr>
-            <a:picLocks noChangeAspect="1"/>
-          </p:cNvPicPr>
-          <p:nvPr/>
-        </p:nvPicPr>
-        <p:blipFill>
-          <a:blip r:embed="rId2"/>
-          <a:srcRect l="1452" t="10612" r="62657" b="68872"/>
-          <a:stretch>
-            <a:fillRect/>
-          </a:stretch>
-        </p:blipFill>
-        <p:spPr>
-          <a:xfrm>
-            <a:off x="399835" y="2622869"/>
-            <a:ext cx="2282586" cy="853440"/>
-          </a:xfrm>
-          <a:custGeom>
-            <a:avLst/>
-            <a:gdLst>
-              <a:gd name="connsiteX0" fmla="*/ 0 w 2282586"/>
-              <a:gd name="connsiteY0" fmla="*/ 0 h 853440"/>
-              <a:gd name="connsiteX1" fmla="*/ 2282586 w 2282586"/>
-              <a:gd name="connsiteY1" fmla="*/ 0 h 853440"/>
-              <a:gd name="connsiteX2" fmla="*/ 2282586 w 2282586"/>
-              <a:gd name="connsiteY2" fmla="*/ 853440 h 853440"/>
-              <a:gd name="connsiteX3" fmla="*/ 0 w 2282586"/>
-              <a:gd name="connsiteY3" fmla="*/ 853440 h 853440"/>
-              <a:gd name="connsiteX4" fmla="*/ 0 w 2282586"/>
-              <a:gd name="connsiteY4" fmla="*/ 0 h 853440"/>
-            </a:gdLst>
-            <a:ahLst/>
-            <a:cxnLst>
-              <a:cxn ang="0">
-                <a:pos x="connsiteX0" y="connsiteY0"/>
-              </a:cxn>
-              <a:cxn ang="0">
-                <a:pos x="connsiteX1" y="connsiteY1"/>
-              </a:cxn>
-              <a:cxn ang="0">
-                <a:pos x="connsiteX2" y="connsiteY2"/>
-              </a:cxn>
-              <a:cxn ang="0">
-                <a:pos x="connsiteX3" y="connsiteY3"/>
-              </a:cxn>
-              <a:cxn ang="0">
-                <a:pos x="connsiteX4" y="connsiteY4"/>
-              </a:cxn>
-            </a:cxnLst>
-            <a:rect l="l" t="t" r="r" b="b"/>
-            <a:pathLst>
-              <a:path w="2282586" h="853440">
-                <a:moveTo>
-                  <a:pt x="0" y="0"/>
-                </a:moveTo>
-                <a:lnTo>
-                  <a:pt x="2282586" y="0"/>
-                </a:lnTo>
-                <a:lnTo>
-                  <a:pt x="2282586" y="853440"/>
-                </a:lnTo>
-                <a:lnTo>
-                  <a:pt x="0" y="853440"/>
-                </a:lnTo>
-                <a:lnTo>
-                  <a:pt x="0" y="0"/>
-                </a:lnTo>
-                <a:close/>
-              </a:path>
-            </a:pathLst>
-          </a:custGeom>
-        </p:spPr>
-      </p:pic>
-      <p:grpSp>
-        <p:nvGrpSpPr>
-          <p:cNvPr id="56" name="Group 55">
-            <a:extLst>
-              <a:ext uri="{FF2B5EF4-FFF2-40B4-BE49-F238E27FC236}">
-                <a16:creationId xmlns:a16="http://schemas.microsoft.com/office/drawing/2014/main" id="{570092AF-4F83-456C-BDE0-06AF3682E06B}"/>
-              </a:ext>
-            </a:extLst>
-          </p:cNvPr>
-          <p:cNvGrpSpPr/>
-          <p:nvPr/>
-        </p:nvGrpSpPr>
-        <p:grpSpPr>
-          <a:xfrm>
-            <a:off x="2823289" y="2155015"/>
-            <a:ext cx="2834641" cy="1484883"/>
-            <a:chOff x="3032397" y="2258714"/>
-            <a:chExt cx="2834641" cy="1484883"/>
-          </a:xfrm>
-        </p:grpSpPr>
-        <p:pic>
-          <p:nvPicPr>
-            <p:cNvPr id="52" name="Picture 51">
-              <a:extLst>
-                <a:ext uri="{FF2B5EF4-FFF2-40B4-BE49-F238E27FC236}">
-                  <a16:creationId xmlns:a16="http://schemas.microsoft.com/office/drawing/2014/main" id="{B64F2200-0F15-4BE0-B180-3DC5F1B87133}"/>
-                </a:ext>
-              </a:extLst>
-            </p:cNvPr>
-            <p:cNvPicPr>
-              <a:picLocks noChangeAspect="1"/>
-            </p:cNvPicPr>
-            <p:nvPr/>
-          </p:nvPicPr>
-          <p:blipFill>
-            <a:blip r:embed="rId2"/>
-            <a:srcRect l="44292" t="1478" r="16694" b="62828"/>
-            <a:stretch>
-              <a:fillRect/>
-            </a:stretch>
-          </p:blipFill>
-          <p:spPr>
-            <a:xfrm>
-              <a:off x="3385854" y="2258714"/>
-              <a:ext cx="2481184" cy="1484883"/>
-            </a:xfrm>
-            <a:custGeom>
-              <a:avLst/>
-              <a:gdLst>
-                <a:gd name="connsiteX0" fmla="*/ 0 w 2481184"/>
-                <a:gd name="connsiteY0" fmla="*/ 0 h 1484883"/>
-                <a:gd name="connsiteX1" fmla="*/ 2481184 w 2481184"/>
-                <a:gd name="connsiteY1" fmla="*/ 0 h 1484883"/>
-                <a:gd name="connsiteX2" fmla="*/ 2481184 w 2481184"/>
-                <a:gd name="connsiteY2" fmla="*/ 1484883 h 1484883"/>
-                <a:gd name="connsiteX3" fmla="*/ 0 w 2481184"/>
-                <a:gd name="connsiteY3" fmla="*/ 1484883 h 1484883"/>
-                <a:gd name="connsiteX4" fmla="*/ 0 w 2481184"/>
-                <a:gd name="connsiteY4" fmla="*/ 0 h 1484883"/>
-              </a:gdLst>
-              <a:ahLst/>
-              <a:cxnLst>
-                <a:cxn ang="0">
-                  <a:pos x="connsiteX0" y="connsiteY0"/>
-                </a:cxn>
-                <a:cxn ang="0">
-                  <a:pos x="connsiteX1" y="connsiteY1"/>
-                </a:cxn>
-                <a:cxn ang="0">
-                  <a:pos x="connsiteX2" y="connsiteY2"/>
-                </a:cxn>
-                <a:cxn ang="0">
-                  <a:pos x="connsiteX3" y="connsiteY3"/>
-                </a:cxn>
-                <a:cxn ang="0">
-                  <a:pos x="connsiteX4" y="connsiteY4"/>
-                </a:cxn>
-              </a:cxnLst>
-              <a:rect l="l" t="t" r="r" b="b"/>
-              <a:pathLst>
-                <a:path w="2481184" h="1484883">
-                  <a:moveTo>
-                    <a:pt x="0" y="0"/>
-                  </a:moveTo>
-                  <a:lnTo>
-                    <a:pt x="2481184" y="0"/>
-                  </a:lnTo>
-                  <a:lnTo>
-                    <a:pt x="2481184" y="1484883"/>
-                  </a:lnTo>
-                  <a:lnTo>
-                    <a:pt x="0" y="1484883"/>
-                  </a:lnTo>
-                  <a:lnTo>
-                    <a:pt x="0" y="0"/>
-                  </a:lnTo>
-                  <a:close/>
-                </a:path>
-              </a:pathLst>
-            </a:custGeom>
-          </p:spPr>
-        </p:pic>
-        <p:pic>
-          <p:nvPicPr>
-            <p:cNvPr id="50" name="Picture 49">
-              <a:extLst>
-                <a:ext uri="{FF2B5EF4-FFF2-40B4-BE49-F238E27FC236}">
-                  <a16:creationId xmlns:a16="http://schemas.microsoft.com/office/drawing/2014/main" id="{7994B79A-B59C-477F-90FA-5F88907403DD}"/>
-                </a:ext>
-              </a:extLst>
-            </p:cNvPr>
-            <p:cNvPicPr>
-              <a:picLocks noChangeAspect="1"/>
-            </p:cNvPicPr>
-            <p:nvPr/>
-          </p:nvPicPr>
-          <p:blipFill>
-            <a:blip r:embed="rId2"/>
-            <a:srcRect l="38734" t="15993" r="57243" b="76869"/>
-            <a:stretch>
-              <a:fillRect/>
-            </a:stretch>
-          </p:blipFill>
-          <p:spPr>
-            <a:xfrm>
-              <a:off x="3032397" y="2862528"/>
-              <a:ext cx="255866" cy="296926"/>
-            </a:xfrm>
-            <a:custGeom>
-              <a:avLst/>
-              <a:gdLst>
-                <a:gd name="connsiteX0" fmla="*/ 0 w 255866"/>
-                <a:gd name="connsiteY0" fmla="*/ 0 h 296926"/>
-                <a:gd name="connsiteX1" fmla="*/ 255866 w 255866"/>
-                <a:gd name="connsiteY1" fmla="*/ 0 h 296926"/>
-                <a:gd name="connsiteX2" fmla="*/ 255866 w 255866"/>
-                <a:gd name="connsiteY2" fmla="*/ 296926 h 296926"/>
-                <a:gd name="connsiteX3" fmla="*/ 0 w 255866"/>
-                <a:gd name="connsiteY3" fmla="*/ 296926 h 296926"/>
-                <a:gd name="connsiteX4" fmla="*/ 0 w 255866"/>
-                <a:gd name="connsiteY4" fmla="*/ 0 h 296926"/>
-              </a:gdLst>
-              <a:ahLst/>
-              <a:cxnLst>
-                <a:cxn ang="0">
-                  <a:pos x="connsiteX0" y="connsiteY0"/>
-                </a:cxn>
-                <a:cxn ang="0">
-                  <a:pos x="connsiteX1" y="connsiteY1"/>
-                </a:cxn>
-                <a:cxn ang="0">
-                  <a:pos x="connsiteX2" y="connsiteY2"/>
-                </a:cxn>
-                <a:cxn ang="0">
-                  <a:pos x="connsiteX3" y="connsiteY3"/>
-                </a:cxn>
-                <a:cxn ang="0">
-                  <a:pos x="connsiteX4" y="connsiteY4"/>
-                </a:cxn>
-              </a:cxnLst>
-              <a:rect l="l" t="t" r="r" b="b"/>
-              <a:pathLst>
-                <a:path w="255866" h="296926">
-                  <a:moveTo>
-                    <a:pt x="0" y="0"/>
-                  </a:moveTo>
-                  <a:lnTo>
-                    <a:pt x="255866" y="0"/>
-                  </a:lnTo>
-                  <a:lnTo>
-                    <a:pt x="255866" y="296926"/>
-                  </a:lnTo>
-                  <a:lnTo>
-                    <a:pt x="0" y="296926"/>
-                  </a:lnTo>
-                  <a:lnTo>
-                    <a:pt x="0" y="0"/>
-                  </a:lnTo>
-                  <a:close/>
-                </a:path>
-              </a:pathLst>
-            </a:custGeom>
-          </p:spPr>
-        </p:pic>
-      </p:grpSp>
-      <p:grpSp>
-        <p:nvGrpSpPr>
-          <p:cNvPr id="57" name="Group 56">
-            <a:extLst>
-              <a:ext uri="{FF2B5EF4-FFF2-40B4-BE49-F238E27FC236}">
-                <a16:creationId xmlns:a16="http://schemas.microsoft.com/office/drawing/2014/main" id="{CBD00EB1-B3DD-497B-B2F5-567D13449E3A}"/>
-              </a:ext>
-            </a:extLst>
-          </p:cNvPr>
-          <p:cNvGrpSpPr/>
-          <p:nvPr/>
-        </p:nvGrpSpPr>
-        <p:grpSpPr>
-          <a:xfrm>
-            <a:off x="1541128" y="3818729"/>
-            <a:ext cx="3827345" cy="1365114"/>
-            <a:chOff x="3032397" y="3756838"/>
-            <a:chExt cx="3827345" cy="1365114"/>
-          </a:xfrm>
-        </p:grpSpPr>
-        <p:pic>
-          <p:nvPicPr>
-            <p:cNvPr id="49" name="Picture 48">
-              <a:extLst>
-                <a:ext uri="{FF2B5EF4-FFF2-40B4-BE49-F238E27FC236}">
-                  <a16:creationId xmlns:a16="http://schemas.microsoft.com/office/drawing/2014/main" id="{E6439541-EACA-4939-95F1-31655E8011E5}"/>
-                </a:ext>
-              </a:extLst>
-            </p:cNvPr>
-            <p:cNvPicPr>
-              <a:picLocks noChangeAspect="1"/>
-            </p:cNvPicPr>
-            <p:nvPr/>
-          </p:nvPicPr>
-          <p:blipFill>
-            <a:blip r:embed="rId2"/>
-            <a:srcRect l="44292" t="37491" r="1085" b="29695"/>
-            <a:stretch>
-              <a:fillRect/>
-            </a:stretch>
-          </p:blipFill>
-          <p:spPr>
-            <a:xfrm>
-              <a:off x="3385854" y="3756838"/>
-              <a:ext cx="3473888" cy="1365114"/>
-            </a:xfrm>
-            <a:custGeom>
-              <a:avLst/>
-              <a:gdLst>
-                <a:gd name="connsiteX0" fmla="*/ 0 w 3473888"/>
-                <a:gd name="connsiteY0" fmla="*/ 0 h 1365114"/>
-                <a:gd name="connsiteX1" fmla="*/ 3473888 w 3473888"/>
-                <a:gd name="connsiteY1" fmla="*/ 0 h 1365114"/>
-                <a:gd name="connsiteX2" fmla="*/ 3473888 w 3473888"/>
-                <a:gd name="connsiteY2" fmla="*/ 1365114 h 1365114"/>
-                <a:gd name="connsiteX3" fmla="*/ 0 w 3473888"/>
-                <a:gd name="connsiteY3" fmla="*/ 1365114 h 1365114"/>
-                <a:gd name="connsiteX4" fmla="*/ 0 w 3473888"/>
-                <a:gd name="connsiteY4" fmla="*/ 0 h 1365114"/>
-              </a:gdLst>
-              <a:ahLst/>
-              <a:cxnLst>
-                <a:cxn ang="0">
-                  <a:pos x="connsiteX0" y="connsiteY0"/>
-                </a:cxn>
-                <a:cxn ang="0">
-                  <a:pos x="connsiteX1" y="connsiteY1"/>
-                </a:cxn>
-                <a:cxn ang="0">
-                  <a:pos x="connsiteX2" y="connsiteY2"/>
-                </a:cxn>
-                <a:cxn ang="0">
-                  <a:pos x="connsiteX3" y="connsiteY3"/>
-                </a:cxn>
-                <a:cxn ang="0">
-                  <a:pos x="connsiteX4" y="connsiteY4"/>
-                </a:cxn>
-              </a:cxnLst>
-              <a:rect l="l" t="t" r="r" b="b"/>
-              <a:pathLst>
-                <a:path w="3473888" h="1365114">
-                  <a:moveTo>
-                    <a:pt x="0" y="0"/>
-                  </a:moveTo>
-                  <a:lnTo>
-                    <a:pt x="3473888" y="0"/>
-                  </a:lnTo>
-                  <a:lnTo>
-                    <a:pt x="3473888" y="1365114"/>
-                  </a:lnTo>
-                  <a:lnTo>
-                    <a:pt x="0" y="1365114"/>
-                  </a:lnTo>
-                  <a:lnTo>
-                    <a:pt x="0" y="0"/>
-                  </a:lnTo>
-                  <a:close/>
-                </a:path>
-              </a:pathLst>
-            </a:custGeom>
-          </p:spPr>
-        </p:pic>
-        <p:pic>
-          <p:nvPicPr>
-            <p:cNvPr id="48" name="Picture 47">
-              <a:extLst>
-                <a:ext uri="{FF2B5EF4-FFF2-40B4-BE49-F238E27FC236}">
-                  <a16:creationId xmlns:a16="http://schemas.microsoft.com/office/drawing/2014/main" id="{7D0E90F7-EBA5-4FC8-B633-2060EE62A13B}"/>
-                </a:ext>
-              </a:extLst>
-            </p:cNvPr>
-            <p:cNvPicPr>
-              <a:picLocks noChangeAspect="1"/>
-            </p:cNvPicPr>
-            <p:nvPr/>
-          </p:nvPicPr>
-          <p:blipFill>
-            <a:blip r:embed="rId2"/>
-            <a:srcRect l="38734" t="52051" r="57385" b="42809"/>
-            <a:stretch>
-              <a:fillRect/>
-            </a:stretch>
-          </p:blipFill>
-          <p:spPr>
-            <a:xfrm>
-              <a:off x="3032397" y="4362558"/>
-              <a:ext cx="246780" cy="213825"/>
-            </a:xfrm>
-            <a:custGeom>
-              <a:avLst/>
-              <a:gdLst>
-                <a:gd name="connsiteX0" fmla="*/ 0 w 246780"/>
-                <a:gd name="connsiteY0" fmla="*/ 0 h 213825"/>
-                <a:gd name="connsiteX1" fmla="*/ 246780 w 246780"/>
-                <a:gd name="connsiteY1" fmla="*/ 0 h 213825"/>
-                <a:gd name="connsiteX2" fmla="*/ 246780 w 246780"/>
-                <a:gd name="connsiteY2" fmla="*/ 213825 h 213825"/>
-                <a:gd name="connsiteX3" fmla="*/ 0 w 246780"/>
-                <a:gd name="connsiteY3" fmla="*/ 213825 h 213825"/>
-                <a:gd name="connsiteX4" fmla="*/ 0 w 246780"/>
-                <a:gd name="connsiteY4" fmla="*/ 0 h 213825"/>
-              </a:gdLst>
-              <a:ahLst/>
-              <a:cxnLst>
-                <a:cxn ang="0">
-                  <a:pos x="connsiteX0" y="connsiteY0"/>
-                </a:cxn>
-                <a:cxn ang="0">
-                  <a:pos x="connsiteX1" y="connsiteY1"/>
-                </a:cxn>
-                <a:cxn ang="0">
-                  <a:pos x="connsiteX2" y="connsiteY2"/>
-                </a:cxn>
-                <a:cxn ang="0">
-                  <a:pos x="connsiteX3" y="connsiteY3"/>
-                </a:cxn>
-                <a:cxn ang="0">
-                  <a:pos x="connsiteX4" y="connsiteY4"/>
-                </a:cxn>
-              </a:cxnLst>
-              <a:rect l="l" t="t" r="r" b="b"/>
-              <a:pathLst>
-                <a:path w="246780" h="213825">
-                  <a:moveTo>
-                    <a:pt x="0" y="0"/>
-                  </a:moveTo>
-                  <a:lnTo>
-                    <a:pt x="246780" y="0"/>
-                  </a:lnTo>
-                  <a:lnTo>
-                    <a:pt x="246780" y="213825"/>
-                  </a:lnTo>
-                  <a:lnTo>
-                    <a:pt x="0" y="213825"/>
-                  </a:lnTo>
-                  <a:lnTo>
-                    <a:pt x="0" y="0"/>
-                  </a:lnTo>
-                  <a:close/>
-                </a:path>
-              </a:pathLst>
-            </a:custGeom>
-          </p:spPr>
-        </p:pic>
-      </p:grpSp>
-      <p:pic>
-        <p:nvPicPr>
-          <p:cNvPr id="47" name="Picture 46">
-            <a:extLst>
-              <a:ext uri="{FF2B5EF4-FFF2-40B4-BE49-F238E27FC236}">
-                <a16:creationId xmlns:a16="http://schemas.microsoft.com/office/drawing/2014/main" id="{EAC7F076-D707-4F6C-AA63-4E604515C7FB}"/>
-              </a:ext>
-            </a:extLst>
-          </p:cNvPr>
-          <p:cNvPicPr>
-            <a:picLocks noChangeAspect="1"/>
-          </p:cNvPicPr>
-          <p:nvPr/>
-        </p:nvPicPr>
-        <p:blipFill>
-          <a:blip r:embed="rId2"/>
-          <a:srcRect l="43207" t="72474" r="474" b="916"/>
-          <a:stretch>
-            <a:fillRect/>
-          </a:stretch>
-        </p:blipFill>
-        <p:spPr>
-          <a:xfrm>
-            <a:off x="5947387" y="3977870"/>
-            <a:ext cx="3581757" cy="1106982"/>
-          </a:xfrm>
-          <a:custGeom>
-            <a:avLst/>
-            <a:gdLst>
-              <a:gd name="connsiteX0" fmla="*/ 0 w 3581757"/>
-              <a:gd name="connsiteY0" fmla="*/ 0 h 1106982"/>
-              <a:gd name="connsiteX1" fmla="*/ 3581757 w 3581757"/>
-              <a:gd name="connsiteY1" fmla="*/ 0 h 1106982"/>
-              <a:gd name="connsiteX2" fmla="*/ 3581757 w 3581757"/>
-              <a:gd name="connsiteY2" fmla="*/ 1106982 h 1106982"/>
-              <a:gd name="connsiteX3" fmla="*/ 0 w 3581757"/>
-              <a:gd name="connsiteY3" fmla="*/ 1106982 h 1106982"/>
-              <a:gd name="connsiteX4" fmla="*/ 0 w 3581757"/>
-              <a:gd name="connsiteY4" fmla="*/ 0 h 1106982"/>
-            </a:gdLst>
-            <a:ahLst/>
-            <a:cxnLst>
-              <a:cxn ang="0">
-                <a:pos x="connsiteX0" y="connsiteY0"/>
-              </a:cxn>
-              <a:cxn ang="0">
-                <a:pos x="connsiteX1" y="connsiteY1"/>
-              </a:cxn>
-              <a:cxn ang="0">
-                <a:pos x="connsiteX2" y="connsiteY2"/>
-              </a:cxn>
-              <a:cxn ang="0">
-                <a:pos x="connsiteX3" y="connsiteY3"/>
-              </a:cxn>
-              <a:cxn ang="0">
-                <a:pos x="connsiteX4" y="connsiteY4"/>
-              </a:cxn>
-            </a:cxnLst>
-            <a:rect l="l" t="t" r="r" b="b"/>
-            <a:pathLst>
-              <a:path w="3581757" h="1106982">
-                <a:moveTo>
-                  <a:pt x="0" y="0"/>
-                </a:moveTo>
-                <a:lnTo>
-                  <a:pt x="3581757" y="0"/>
-                </a:lnTo>
-                <a:lnTo>
-                  <a:pt x="3581757" y="1106982"/>
-                </a:lnTo>
-                <a:lnTo>
-                  <a:pt x="0" y="1106982"/>
-                </a:lnTo>
-                <a:lnTo>
-                  <a:pt x="0" y="0"/>
-                </a:lnTo>
-                <a:close/>
-              </a:path>
-            </a:pathLst>
-          </a:custGeom>
-        </p:spPr>
-      </p:pic>
-      <p:pic>
-        <p:nvPicPr>
-          <p:cNvPr id="46" name="Picture 45">
-            <a:extLst>
-              <a:ext uri="{FF2B5EF4-FFF2-40B4-BE49-F238E27FC236}">
-                <a16:creationId xmlns:a16="http://schemas.microsoft.com/office/drawing/2014/main" id="{740945A9-FDFA-4E41-BD0A-E9BCCC72BA43}"/>
-              </a:ext>
-            </a:extLst>
-          </p:cNvPr>
-          <p:cNvPicPr>
-            <a:picLocks noChangeAspect="1"/>
-          </p:cNvPicPr>
-          <p:nvPr/>
-        </p:nvPicPr>
-        <p:blipFill>
-          <a:blip r:embed="rId2"/>
-          <a:srcRect l="38316" t="82543" r="57661" b="10320"/>
-          <a:stretch>
-            <a:fillRect/>
-          </a:stretch>
-        </p:blipFill>
-        <p:spPr>
-          <a:xfrm>
-            <a:off x="5566336" y="4376148"/>
-            <a:ext cx="255866" cy="296926"/>
-          </a:xfrm>
-          <a:custGeom>
-            <a:avLst/>
-            <a:gdLst>
-              <a:gd name="connsiteX0" fmla="*/ 0 w 255866"/>
-              <a:gd name="connsiteY0" fmla="*/ 0 h 296926"/>
-              <a:gd name="connsiteX1" fmla="*/ 255866 w 255866"/>
-              <a:gd name="connsiteY1" fmla="*/ 0 h 296926"/>
-              <a:gd name="connsiteX2" fmla="*/ 255866 w 255866"/>
-              <a:gd name="connsiteY2" fmla="*/ 296926 h 296926"/>
-              <a:gd name="connsiteX3" fmla="*/ 0 w 255866"/>
-              <a:gd name="connsiteY3" fmla="*/ 296926 h 296926"/>
-              <a:gd name="connsiteX4" fmla="*/ 0 w 255866"/>
-              <a:gd name="connsiteY4" fmla="*/ 0 h 296926"/>
-            </a:gdLst>
-            <a:ahLst/>
-            <a:cxnLst>
-              <a:cxn ang="0">
-                <a:pos x="connsiteX0" y="connsiteY0"/>
-              </a:cxn>
-              <a:cxn ang="0">
-                <a:pos x="connsiteX1" y="connsiteY1"/>
-              </a:cxn>
-              <a:cxn ang="0">
-                <a:pos x="connsiteX2" y="connsiteY2"/>
-              </a:cxn>
-              <a:cxn ang="0">
-                <a:pos x="connsiteX3" y="connsiteY3"/>
-              </a:cxn>
-              <a:cxn ang="0">
-                <a:pos x="connsiteX4" y="connsiteY4"/>
-              </a:cxn>
-            </a:cxnLst>
-            <a:rect l="l" t="t" r="r" b="b"/>
-            <a:pathLst>
-              <a:path w="255866" h="296926">
-                <a:moveTo>
-                  <a:pt x="0" y="0"/>
-                </a:moveTo>
-                <a:lnTo>
-                  <a:pt x="255866" y="0"/>
-                </a:lnTo>
-                <a:lnTo>
-                  <a:pt x="255866" y="296926"/>
-                </a:lnTo>
-                <a:lnTo>
-                  <a:pt x="0" y="296926"/>
-                </a:lnTo>
-                <a:lnTo>
-                  <a:pt x="0" y="0"/>
-                </a:lnTo>
-                <a:close/>
-              </a:path>
-            </a:pathLst>
-          </a:custGeom>
-        </p:spPr>
-      </p:pic>
-      <p:pic>
-        <p:nvPicPr>
-          <p:cNvPr id="55" name="Picture 54">
-            <a:extLst>
-              <a:ext uri="{FF2B5EF4-FFF2-40B4-BE49-F238E27FC236}">
-                <a16:creationId xmlns:a16="http://schemas.microsoft.com/office/drawing/2014/main" id="{58CE8BFB-1E3E-4382-A14B-48EFF89B1A21}"/>
-              </a:ext>
-            </a:extLst>
-          </p:cNvPr>
-          <p:cNvPicPr>
-            <a:picLocks noChangeAspect="1"/>
-          </p:cNvPicPr>
-          <p:nvPr/>
-        </p:nvPicPr>
-        <p:blipFill>
-          <a:blip r:embed="rId3"/>
-          <a:srcRect l="12750" t="13890" r="1775" b="6696"/>
-          <a:stretch>
-            <a:fillRect/>
-          </a:stretch>
-        </p:blipFill>
-        <p:spPr>
-          <a:xfrm>
-            <a:off x="7916817" y="5275217"/>
-            <a:ext cx="2656840" cy="876300"/>
-          </a:xfrm>
-          <a:custGeom>
-            <a:avLst/>
-            <a:gdLst>
-              <a:gd name="connsiteX0" fmla="*/ 0 w 2656840"/>
-              <a:gd name="connsiteY0" fmla="*/ 0 h 876300"/>
-              <a:gd name="connsiteX1" fmla="*/ 2656840 w 2656840"/>
-              <a:gd name="connsiteY1" fmla="*/ 0 h 876300"/>
-              <a:gd name="connsiteX2" fmla="*/ 2656840 w 2656840"/>
-              <a:gd name="connsiteY2" fmla="*/ 876300 h 876300"/>
-              <a:gd name="connsiteX3" fmla="*/ 0 w 2656840"/>
-              <a:gd name="connsiteY3" fmla="*/ 876300 h 876300"/>
-              <a:gd name="connsiteX4" fmla="*/ 0 w 2656840"/>
-              <a:gd name="connsiteY4" fmla="*/ 0 h 876300"/>
-            </a:gdLst>
-            <a:ahLst/>
-            <a:cxnLst>
-              <a:cxn ang="0">
-                <a:pos x="connsiteX0" y="connsiteY0"/>
-              </a:cxn>
-              <a:cxn ang="0">
-                <a:pos x="connsiteX1" y="connsiteY1"/>
-              </a:cxn>
-              <a:cxn ang="0">
-                <a:pos x="connsiteX2" y="connsiteY2"/>
-              </a:cxn>
-              <a:cxn ang="0">
-                <a:pos x="connsiteX3" y="connsiteY3"/>
-              </a:cxn>
-              <a:cxn ang="0">
-                <a:pos x="connsiteX4" y="connsiteY4"/>
-              </a:cxn>
-            </a:cxnLst>
-            <a:rect l="l" t="t" r="r" b="b"/>
-            <a:pathLst>
-              <a:path w="2656840" h="876300">
-                <a:moveTo>
-                  <a:pt x="0" y="0"/>
-                </a:moveTo>
-                <a:lnTo>
-                  <a:pt x="2656840" y="0"/>
-                </a:lnTo>
-                <a:lnTo>
-                  <a:pt x="2656840" y="876300"/>
-                </a:lnTo>
-                <a:lnTo>
-                  <a:pt x="0" y="876300"/>
-                </a:lnTo>
-                <a:lnTo>
-                  <a:pt x="0" y="0"/>
-                </a:lnTo>
-                <a:close/>
-              </a:path>
-            </a:pathLst>
-          </a:custGeom>
-        </p:spPr>
-      </p:pic>
-      <p:pic>
-        <p:nvPicPr>
-          <p:cNvPr id="54" name="Picture 53">
-            <a:extLst>
-              <a:ext uri="{FF2B5EF4-FFF2-40B4-BE49-F238E27FC236}">
-                <a16:creationId xmlns:a16="http://schemas.microsoft.com/office/drawing/2014/main" id="{E412E094-4983-4148-BE21-3C79BF563312}"/>
-              </a:ext>
-            </a:extLst>
-          </p:cNvPr>
-          <p:cNvPicPr>
-            <a:picLocks noChangeAspect="1"/>
-          </p:cNvPicPr>
-          <p:nvPr/>
-        </p:nvPicPr>
-        <p:blipFill>
-          <a:blip r:embed="rId3"/>
-          <a:srcRect l="3036" t="42851" r="89024" b="37771"/>
-          <a:stretch>
-            <a:fillRect/>
-          </a:stretch>
-        </p:blipFill>
-        <p:spPr>
-          <a:xfrm>
-            <a:off x="7614876" y="5594793"/>
-            <a:ext cx="246780" cy="213825"/>
-          </a:xfrm>
-          <a:custGeom>
-            <a:avLst/>
-            <a:gdLst>
-              <a:gd name="connsiteX0" fmla="*/ 0 w 246780"/>
-              <a:gd name="connsiteY0" fmla="*/ 0 h 213825"/>
-              <a:gd name="connsiteX1" fmla="*/ 246780 w 246780"/>
-              <a:gd name="connsiteY1" fmla="*/ 0 h 213825"/>
-              <a:gd name="connsiteX2" fmla="*/ 246780 w 246780"/>
-              <a:gd name="connsiteY2" fmla="*/ 213825 h 213825"/>
-              <a:gd name="connsiteX3" fmla="*/ 0 w 246780"/>
-              <a:gd name="connsiteY3" fmla="*/ 213825 h 213825"/>
-              <a:gd name="connsiteX4" fmla="*/ 0 w 246780"/>
-              <a:gd name="connsiteY4" fmla="*/ 0 h 213825"/>
-            </a:gdLst>
-            <a:ahLst/>
-            <a:cxnLst>
-              <a:cxn ang="0">
-                <a:pos x="connsiteX0" y="connsiteY0"/>
-              </a:cxn>
-              <a:cxn ang="0">
-                <a:pos x="connsiteX1" y="connsiteY1"/>
-              </a:cxn>
-              <a:cxn ang="0">
-                <a:pos x="connsiteX2" y="connsiteY2"/>
-              </a:cxn>
-              <a:cxn ang="0">
-                <a:pos x="connsiteX3" y="connsiteY3"/>
-              </a:cxn>
-              <a:cxn ang="0">
-                <a:pos x="connsiteX4" y="connsiteY4"/>
-              </a:cxn>
-            </a:cxnLst>
-            <a:rect l="l" t="t" r="r" b="b"/>
-            <a:pathLst>
-              <a:path w="246780" h="213825">
-                <a:moveTo>
-                  <a:pt x="0" y="0"/>
-                </a:moveTo>
-                <a:lnTo>
-                  <a:pt x="246780" y="0"/>
-                </a:lnTo>
-                <a:lnTo>
-                  <a:pt x="246780" y="213825"/>
-                </a:lnTo>
-                <a:lnTo>
-                  <a:pt x="0" y="213825"/>
-                </a:lnTo>
-                <a:lnTo>
-                  <a:pt x="0" y="0"/>
-                </a:lnTo>
-                <a:close/>
-              </a:path>
-            </a:pathLst>
-          </a:custGeom>
-        </p:spPr>
-      </p:pic>
-      <p:pic>
-        <p:nvPicPr>
-          <p:cNvPr id="9" name="Picture 8">
-            <a:extLst>
-              <a:ext uri="{FF2B5EF4-FFF2-40B4-BE49-F238E27FC236}">
-                <a16:creationId xmlns:a16="http://schemas.microsoft.com/office/drawing/2014/main" id="{079AB416-4015-435C-ACAC-C41E84EC50A7}"/>
-              </a:ext>
-            </a:extLst>
-          </p:cNvPr>
-          <p:cNvPicPr>
-            <a:picLocks noChangeAspect="1"/>
-          </p:cNvPicPr>
-          <p:nvPr/>
-        </p:nvPicPr>
-        <p:blipFill rotWithShape="1">
-          <a:blip r:embed="rId4">
-            <a:clrChange>
-              <a:clrFrom>
-                <a:srgbClr val="FFFFFF"/>
-              </a:clrFrom>
-              <a:clrTo>
-                <a:srgbClr val="FFFFFF">
-                  <a:alpha val="0"/>
-                </a:srgbClr>
-              </a:clrTo>
-            </a:clrChange>
-          </a:blip>
-          <a:srcRect l="-472" t="16889" r="4696" b="10119"/>
-          <a:stretch/>
-        </p:blipFill>
-        <p:spPr>
-          <a:xfrm>
-            <a:off x="1133238" y="1113759"/>
-            <a:ext cx="5280582" cy="703284"/>
-          </a:xfrm>
-          <a:prstGeom prst="rect">
-            <a:avLst/>
-          </a:prstGeom>
-        </p:spPr>
-      </p:pic>
-      <p:sp>
-        <p:nvSpPr>
-          <p:cNvPr id="58" name="TextBox 57">
-            <a:extLst>
-              <a:ext uri="{FF2B5EF4-FFF2-40B4-BE49-F238E27FC236}">
-                <a16:creationId xmlns:a16="http://schemas.microsoft.com/office/drawing/2014/main" id="{3CE3F941-0AD5-47F2-91AC-B889B5D0F1BD}"/>
-              </a:ext>
-            </a:extLst>
-          </p:cNvPr>
-          <p:cNvSpPr txBox="1"/>
-          <p:nvPr/>
-        </p:nvSpPr>
-        <p:spPr>
-          <a:xfrm>
-            <a:off x="3289247" y="6163445"/>
-            <a:ext cx="3124573" cy="369332"/>
-          </a:xfrm>
-          <a:prstGeom prst="rect">
-            <a:avLst/>
-          </a:prstGeom>
-          <a:noFill/>
-        </p:spPr>
-        <p:txBody>
-          <a:bodyPr wrap="none" rtlCol="0">
-            <a:spAutoFit/>
-          </a:bodyPr>
-          <a:lstStyle/>
-          <a:p>
-            <a:r>
-              <a:rPr lang="en-US" dirty="0"/>
-              <a:t>Monotonicity of inconsistency</a:t>
-            </a:r>
-          </a:p>
-        </p:txBody>
-      </p:sp>
-      <p:sp>
-        <p:nvSpPr>
-          <p:cNvPr id="59" name="Arrow: Up 58">
-            <a:extLst>
-              <a:ext uri="{FF2B5EF4-FFF2-40B4-BE49-F238E27FC236}">
-                <a16:creationId xmlns:a16="http://schemas.microsoft.com/office/drawing/2014/main" id="{1A6F29C3-11CB-47F2-BB27-1CD4CEA52EE1}"/>
-              </a:ext>
-            </a:extLst>
-          </p:cNvPr>
-          <p:cNvSpPr/>
-          <p:nvPr/>
-        </p:nvSpPr>
-        <p:spPr>
-          <a:xfrm rot="747408">
-            <a:off x="5415376" y="4915084"/>
-            <a:ext cx="315183" cy="884106"/>
-          </a:xfrm>
-          <a:custGeom>
-            <a:avLst/>
-            <a:gdLst>
-              <a:gd name="connsiteX0" fmla="*/ 0 w 315183"/>
-              <a:gd name="connsiteY0" fmla="*/ 187427 h 515680"/>
-              <a:gd name="connsiteX1" fmla="*/ 157592 w 315183"/>
-              <a:gd name="connsiteY1" fmla="*/ 0 h 515680"/>
-              <a:gd name="connsiteX2" fmla="*/ 315183 w 315183"/>
-              <a:gd name="connsiteY2" fmla="*/ 187427 h 515680"/>
-              <a:gd name="connsiteX3" fmla="*/ 236387 w 315183"/>
-              <a:gd name="connsiteY3" fmla="*/ 187427 h 515680"/>
-              <a:gd name="connsiteX4" fmla="*/ 236387 w 315183"/>
-              <a:gd name="connsiteY4" fmla="*/ 515680 h 515680"/>
-              <a:gd name="connsiteX5" fmla="*/ 78796 w 315183"/>
-              <a:gd name="connsiteY5" fmla="*/ 515680 h 515680"/>
-              <a:gd name="connsiteX6" fmla="*/ 78796 w 315183"/>
-              <a:gd name="connsiteY6" fmla="*/ 187427 h 515680"/>
-              <a:gd name="connsiteX7" fmla="*/ 0 w 315183"/>
-              <a:gd name="connsiteY7" fmla="*/ 187427 h 515680"/>
-              <a:gd name="connsiteX0" fmla="*/ 0 w 315183"/>
-              <a:gd name="connsiteY0" fmla="*/ 187427 h 515680"/>
-              <a:gd name="connsiteX1" fmla="*/ 157592 w 315183"/>
-              <a:gd name="connsiteY1" fmla="*/ 0 h 515680"/>
-              <a:gd name="connsiteX2" fmla="*/ 315183 w 315183"/>
-              <a:gd name="connsiteY2" fmla="*/ 187427 h 515680"/>
-              <a:gd name="connsiteX3" fmla="*/ 236387 w 315183"/>
-              <a:gd name="connsiteY3" fmla="*/ 187427 h 515680"/>
-              <a:gd name="connsiteX4" fmla="*/ 236387 w 315183"/>
-              <a:gd name="connsiteY4" fmla="*/ 515680 h 515680"/>
-              <a:gd name="connsiteX5" fmla="*/ 78796 w 315183"/>
-              <a:gd name="connsiteY5" fmla="*/ 515680 h 515680"/>
-              <a:gd name="connsiteX6" fmla="*/ 78796 w 315183"/>
-              <a:gd name="connsiteY6" fmla="*/ 187427 h 515680"/>
-              <a:gd name="connsiteX7" fmla="*/ 0 w 315183"/>
-              <a:gd name="connsiteY7" fmla="*/ 187427 h 515680"/>
-              <a:gd name="connsiteX0" fmla="*/ 0 w 315183"/>
-              <a:gd name="connsiteY0" fmla="*/ 187427 h 515680"/>
-              <a:gd name="connsiteX1" fmla="*/ 157592 w 315183"/>
-              <a:gd name="connsiteY1" fmla="*/ 0 h 515680"/>
-              <a:gd name="connsiteX2" fmla="*/ 315183 w 315183"/>
-              <a:gd name="connsiteY2" fmla="*/ 187427 h 515680"/>
-              <a:gd name="connsiteX3" fmla="*/ 236387 w 315183"/>
-              <a:gd name="connsiteY3" fmla="*/ 187427 h 515680"/>
-              <a:gd name="connsiteX4" fmla="*/ 236387 w 315183"/>
-              <a:gd name="connsiteY4" fmla="*/ 515680 h 515680"/>
-              <a:gd name="connsiteX5" fmla="*/ 78796 w 315183"/>
-              <a:gd name="connsiteY5" fmla="*/ 515680 h 515680"/>
-              <a:gd name="connsiteX6" fmla="*/ 78796 w 315183"/>
-              <a:gd name="connsiteY6" fmla="*/ 187427 h 515680"/>
-              <a:gd name="connsiteX7" fmla="*/ 0 w 315183"/>
-              <a:gd name="connsiteY7" fmla="*/ 187427 h 515680"/>
-              <a:gd name="connsiteX0" fmla="*/ 0 w 315183"/>
-              <a:gd name="connsiteY0" fmla="*/ 187427 h 515680"/>
-              <a:gd name="connsiteX1" fmla="*/ 157592 w 315183"/>
-              <a:gd name="connsiteY1" fmla="*/ 0 h 515680"/>
-              <a:gd name="connsiteX2" fmla="*/ 315183 w 315183"/>
-              <a:gd name="connsiteY2" fmla="*/ 187427 h 515680"/>
-              <a:gd name="connsiteX3" fmla="*/ 236387 w 315183"/>
-              <a:gd name="connsiteY3" fmla="*/ 187427 h 515680"/>
-              <a:gd name="connsiteX4" fmla="*/ 236387 w 315183"/>
-              <a:gd name="connsiteY4" fmla="*/ 515680 h 515680"/>
-              <a:gd name="connsiteX5" fmla="*/ 78796 w 315183"/>
-              <a:gd name="connsiteY5" fmla="*/ 515680 h 515680"/>
-              <a:gd name="connsiteX6" fmla="*/ 78796 w 315183"/>
-              <a:gd name="connsiteY6" fmla="*/ 187427 h 515680"/>
-              <a:gd name="connsiteX7" fmla="*/ 0 w 315183"/>
-              <a:gd name="connsiteY7" fmla="*/ 187427 h 515680"/>
-              <a:gd name="connsiteX0" fmla="*/ 0 w 315183"/>
-              <a:gd name="connsiteY0" fmla="*/ 187427 h 515680"/>
-              <a:gd name="connsiteX1" fmla="*/ 157592 w 315183"/>
-              <a:gd name="connsiteY1" fmla="*/ 0 h 515680"/>
-              <a:gd name="connsiteX2" fmla="*/ 315183 w 315183"/>
-              <a:gd name="connsiteY2" fmla="*/ 187427 h 515680"/>
-              <a:gd name="connsiteX3" fmla="*/ 196158 w 315183"/>
-              <a:gd name="connsiteY3" fmla="*/ 137786 h 515680"/>
-              <a:gd name="connsiteX4" fmla="*/ 236387 w 315183"/>
-              <a:gd name="connsiteY4" fmla="*/ 515680 h 515680"/>
-              <a:gd name="connsiteX5" fmla="*/ 78796 w 315183"/>
-              <a:gd name="connsiteY5" fmla="*/ 515680 h 515680"/>
-              <a:gd name="connsiteX6" fmla="*/ 78796 w 315183"/>
-              <a:gd name="connsiteY6" fmla="*/ 187427 h 515680"/>
-              <a:gd name="connsiteX7" fmla="*/ 0 w 315183"/>
-              <a:gd name="connsiteY7" fmla="*/ 187427 h 515680"/>
-              <a:gd name="connsiteX0" fmla="*/ 0 w 315183"/>
-              <a:gd name="connsiteY0" fmla="*/ 187427 h 515680"/>
-              <a:gd name="connsiteX1" fmla="*/ 157592 w 315183"/>
-              <a:gd name="connsiteY1" fmla="*/ 0 h 515680"/>
-              <a:gd name="connsiteX2" fmla="*/ 315183 w 315183"/>
-              <a:gd name="connsiteY2" fmla="*/ 187427 h 515680"/>
-              <a:gd name="connsiteX3" fmla="*/ 196158 w 315183"/>
-              <a:gd name="connsiteY3" fmla="*/ 137786 h 515680"/>
-              <a:gd name="connsiteX4" fmla="*/ 236387 w 315183"/>
-              <a:gd name="connsiteY4" fmla="*/ 515680 h 515680"/>
-              <a:gd name="connsiteX5" fmla="*/ 78796 w 315183"/>
-              <a:gd name="connsiteY5" fmla="*/ 515680 h 515680"/>
-              <a:gd name="connsiteX6" fmla="*/ 136007 w 315183"/>
-              <a:gd name="connsiteY6" fmla="*/ 152028 h 515680"/>
-              <a:gd name="connsiteX7" fmla="*/ 0 w 315183"/>
-              <a:gd name="connsiteY7" fmla="*/ 187427 h 515680"/>
-              <a:gd name="connsiteX0" fmla="*/ 0 w 315183"/>
-              <a:gd name="connsiteY0" fmla="*/ 187427 h 515680"/>
-              <a:gd name="connsiteX1" fmla="*/ 157592 w 315183"/>
-              <a:gd name="connsiteY1" fmla="*/ 0 h 515680"/>
-              <a:gd name="connsiteX2" fmla="*/ 315183 w 315183"/>
-              <a:gd name="connsiteY2" fmla="*/ 187427 h 515680"/>
-              <a:gd name="connsiteX3" fmla="*/ 196158 w 315183"/>
-              <a:gd name="connsiteY3" fmla="*/ 137786 h 515680"/>
-              <a:gd name="connsiteX4" fmla="*/ 236387 w 315183"/>
-              <a:gd name="connsiteY4" fmla="*/ 515680 h 515680"/>
-              <a:gd name="connsiteX5" fmla="*/ 78796 w 315183"/>
-              <a:gd name="connsiteY5" fmla="*/ 515680 h 515680"/>
-              <a:gd name="connsiteX6" fmla="*/ 136007 w 315183"/>
-              <a:gd name="connsiteY6" fmla="*/ 152028 h 515680"/>
-              <a:gd name="connsiteX7" fmla="*/ 0 w 315183"/>
-              <a:gd name="connsiteY7" fmla="*/ 187427 h 515680"/>
-            </a:gdLst>
-            <a:ahLst/>
-            <a:cxnLst>
-              <a:cxn ang="0">
-                <a:pos x="connsiteX0" y="connsiteY0"/>
-              </a:cxn>
-              <a:cxn ang="0">
-                <a:pos x="connsiteX1" y="connsiteY1"/>
-              </a:cxn>
-              <a:cxn ang="0">
-                <a:pos x="connsiteX2" y="connsiteY2"/>
-              </a:cxn>
-              <a:cxn ang="0">
-                <a:pos x="connsiteX3" y="connsiteY3"/>
-              </a:cxn>
-              <a:cxn ang="0">
-                <a:pos x="connsiteX4" y="connsiteY4"/>
-              </a:cxn>
-              <a:cxn ang="0">
-                <a:pos x="connsiteX5" y="connsiteY5"/>
-              </a:cxn>
-              <a:cxn ang="0">
-                <a:pos x="connsiteX6" y="connsiteY6"/>
-              </a:cxn>
-              <a:cxn ang="0">
-                <a:pos x="connsiteX7" y="connsiteY7"/>
-              </a:cxn>
-            </a:cxnLst>
-            <a:rect l="l" t="t" r="r" b="b"/>
-            <a:pathLst>
-              <a:path w="315183" h="515680">
-                <a:moveTo>
-                  <a:pt x="0" y="187427"/>
-                </a:moveTo>
-                <a:cubicBezTo>
-                  <a:pt x="52531" y="124951"/>
-                  <a:pt x="124635" y="106925"/>
-                  <a:pt x="157592" y="0"/>
-                </a:cubicBezTo>
-                <a:cubicBezTo>
-                  <a:pt x="185607" y="113413"/>
-                  <a:pt x="262653" y="124951"/>
-                  <a:pt x="315183" y="187427"/>
-                </a:cubicBezTo>
-                <a:cubicBezTo>
-                  <a:pt x="288918" y="187427"/>
-                  <a:pt x="227217" y="159488"/>
-                  <a:pt x="196158" y="137786"/>
-                </a:cubicBezTo>
-                <a:lnTo>
-                  <a:pt x="236387" y="515680"/>
-                </a:lnTo>
-                <a:lnTo>
-                  <a:pt x="78796" y="515680"/>
-                </a:lnTo>
-                <a:lnTo>
-                  <a:pt x="136007" y="152028"/>
-                </a:lnTo>
-                <a:cubicBezTo>
-                  <a:pt x="79964" y="188954"/>
-                  <a:pt x="45336" y="175627"/>
-                  <a:pt x="0" y="187427"/>
-                </a:cubicBezTo>
-                <a:close/>
-              </a:path>
-            </a:pathLst>
-          </a:custGeom>
-          <a:solidFill>
-            <a:srgbClr val="DD7E0E"/>
-          </a:solidFill>
-          <a:ln>
-            <a:noFill/>
-          </a:ln>
-        </p:spPr>
-        <p:style>
-          <a:lnRef idx="2">
-            <a:schemeClr val="accent1">
-              <a:shade val="50000"/>
-            </a:schemeClr>
-          </a:lnRef>
-          <a:fillRef idx="1">
-            <a:schemeClr val="accent1"/>
-          </a:fillRef>
-          <a:effectRef idx="0">
-            <a:schemeClr val="accent1"/>
-          </a:effectRef>
-          <a:fontRef idx="minor">
-            <a:schemeClr val="lt1"/>
-          </a:fontRef>
-        </p:style>
-        <p:txBody>
-          <a:bodyPr rtlCol="0" anchor="ctr"/>
-          <a:lstStyle/>
-          <a:p>
-            <a:pPr algn="ctr"/>
-            <a:endParaRPr lang="en-US" dirty="0"/>
-          </a:p>
-        </p:txBody>
-      </p:sp>
-    </p:spTree>
-    <p:extLst>
-      <p:ext uri="{BB962C8B-B14F-4D97-AF65-F5344CB8AC3E}">
-        <p14:creationId xmlns:p14="http://schemas.microsoft.com/office/powerpoint/2010/main" val="324822777"/>
-      </p:ext>
-    </p:extLst>
-  </p:cSld>
-  <p:clrMapOvr>
-    <a:masterClrMapping/>
-  </p:clrMapOvr>
-</p:sld>
-</file>
-
-<file path=ppt/slides/slide7.xml><?xml version="1.0" encoding="utf-8"?>
-<p:sld xmlns:a="http://schemas.openxmlformats.org/drawingml/2006/main" xmlns:r="http://schemas.openxmlformats.org/officeDocument/2006/relationships" xmlns:p="http://schemas.openxmlformats.org/presentationml/2006/main">
-  <p:cSld>
-    <p:bg>
-      <p:bgPr>
-        <a:solidFill>
-          <a:schemeClr val="bg1"/>
-        </a:solidFill>
-        <a:effectLst/>
-      </p:bgPr>
-    </p:bg>
-    <p:spTree>
-      <p:nvGrpSpPr>
-        <p:cNvPr id="1" name=""/>
-        <p:cNvGrpSpPr/>
-        <p:nvPr/>
-      </p:nvGrpSpPr>
-      <p:grpSpPr>
-        <a:xfrm>
-          <a:off x="0" y="0"/>
-          <a:ext cx="0" cy="0"/>
-          <a:chOff x="0" y="0"/>
-          <a:chExt cx="0" cy="0"/>
-        </a:xfrm>
-      </p:grpSpPr>
-      <p:pic>
-        <p:nvPicPr>
-          <p:cNvPr id="5" name="Picture 4">
-            <a:extLst>
-              <a:ext uri="{FF2B5EF4-FFF2-40B4-BE49-F238E27FC236}">
-                <a16:creationId xmlns:a16="http://schemas.microsoft.com/office/drawing/2014/main" id="{8EAC5FDD-0028-406E-8391-FEB2D10C5507}"/>
-              </a:ext>
-            </a:extLst>
-          </p:cNvPr>
-          <p:cNvPicPr>
-            <a:picLocks noChangeAspect="1"/>
-          </p:cNvPicPr>
-          <p:nvPr/>
-        </p:nvPicPr>
-        <p:blipFill>
-          <a:blip r:embed="rId2"/>
-          <a:stretch>
-            <a:fillRect/>
-          </a:stretch>
-        </p:blipFill>
-        <p:spPr>
-          <a:xfrm>
-            <a:off x="643467" y="2120391"/>
-            <a:ext cx="10905066" cy="2617216"/>
-          </a:xfrm>
-          <a:prstGeom prst="rect">
-            <a:avLst/>
-          </a:prstGeom>
-        </p:spPr>
-      </p:pic>
-    </p:spTree>
-    <p:extLst>
-      <p:ext uri="{BB962C8B-B14F-4D97-AF65-F5344CB8AC3E}">
-        <p14:creationId xmlns:p14="http://schemas.microsoft.com/office/powerpoint/2010/main" val="3951124628"/>
-      </p:ext>
-    </p:extLst>
-  </p:cSld>
-  <p:clrMapOvr>
-    <a:masterClrMapping/>
-  </p:clrMapOvr>
-</p:sld>
-</file>
-
-<file path=ppt/slides/slide8.xml><?xml version="1.0" encoding="utf-8"?>
-<p:sld xmlns:a="http://schemas.openxmlformats.org/drawingml/2006/main" xmlns:r="http://schemas.openxmlformats.org/officeDocument/2006/relationships" xmlns:p="http://schemas.openxmlformats.org/presentationml/2006/main">
-  <p:cSld>
-    <p:spTree>
-      <p:nvGrpSpPr>
-        <p:cNvPr id="1" name=""/>
-        <p:cNvGrpSpPr/>
-        <p:nvPr/>
-      </p:nvGrpSpPr>
-      <p:grpSpPr>
-        <a:xfrm>
-          <a:off x="0" y="0"/>
-          <a:ext cx="0" cy="0"/>
-          <a:chOff x="0" y="0"/>
-          <a:chExt cx="0" cy="0"/>
-        </a:xfrm>
-      </p:grpSpPr>
-      <p:sp>
-        <p:nvSpPr>
-          <p:cNvPr id="2" name="Title 1">
-            <a:extLst>
-              <a:ext uri="{FF2B5EF4-FFF2-40B4-BE49-F238E27FC236}">
                 <a16:creationId xmlns:a16="http://schemas.microsoft.com/office/drawing/2014/main" id="{27B0F58B-E23D-46C3-BF7B-088C6534B622}"/>
               </a:ext>
             </a:extLst>
@@ -6344,36 +4131,6 @@
           <a:lstStyle/>
           <a:p>
             <a:endParaRPr lang="en-US"/>
-          </a:p>
-        </p:txBody>
-      </p:sp>
-      <p:sp>
-        <p:nvSpPr>
-          <p:cNvPr id="3" name="Content Placeholder 2">
-            <a:extLst>
-              <a:ext uri="{FF2B5EF4-FFF2-40B4-BE49-F238E27FC236}">
-                <a16:creationId xmlns:a16="http://schemas.microsoft.com/office/drawing/2014/main" id="{27508C44-1EAE-4694-B446-06FCBC87E356}"/>
-              </a:ext>
-            </a:extLst>
-          </p:cNvPr>
-          <p:cNvSpPr>
-            <a:spLocks noGrp="1"/>
-          </p:cNvSpPr>
-          <p:nvPr>
-            <p:ph idx="1"/>
-          </p:nvPr>
-        </p:nvSpPr>
-        <p:spPr>
-          <a:xfrm>
-            <a:off x="838200" y="1825625"/>
-            <a:ext cx="5257800" cy="4351338"/>
-          </a:xfrm>
-        </p:spPr>
-        <p:txBody>
-          <a:bodyPr/>
-          <a:lstStyle/>
-          <a:p>
-            <a:endParaRPr lang="en-US" dirty="0"/>
           </a:p>
         </p:txBody>
       </p:sp>
@@ -6428,7 +4185,7 @@
         </p:blipFill>
         <p:spPr>
           <a:xfrm>
-            <a:off x="0" y="3563937"/>
+            <a:off x="0" y="3887787"/>
             <a:ext cx="12192000" cy="1687860"/>
           </a:xfrm>
           <a:prstGeom prst="rect">
@@ -6449,7 +4206,7 @@
 </p:sld>
 </file>
 
-<file path=ppt/slides/slide9.xml><?xml version="1.0" encoding="utf-8"?>
+<file path=ppt/slides/slide11.xml><?xml version="1.0" encoding="utf-8"?>
 <p:sld xmlns:a="http://schemas.openxmlformats.org/drawingml/2006/main" xmlns:r="http://schemas.openxmlformats.org/officeDocument/2006/relationships" xmlns:p="http://schemas.openxmlformats.org/presentationml/2006/main">
   <p:cSld>
     <p:spTree>
@@ -9429,6 +7186,6290 @@
 </p:sld>
 </file>
 
+<file path=ppt/slides/slide12.xml><?xml version="1.0" encoding="utf-8"?>
+<p:sld xmlns:a="http://schemas.openxmlformats.org/drawingml/2006/main" xmlns:r="http://schemas.openxmlformats.org/officeDocument/2006/relationships" xmlns:p="http://schemas.openxmlformats.org/presentationml/2006/main">
+  <p:cSld>
+    <p:spTree>
+      <p:nvGrpSpPr>
+        <p:cNvPr id="1" name=""/>
+        <p:cNvGrpSpPr/>
+        <p:nvPr/>
+      </p:nvGrpSpPr>
+      <p:grpSpPr>
+        <a:xfrm>
+          <a:off x="0" y="0"/>
+          <a:ext cx="0" cy="0"/>
+          <a:chOff x="0" y="0"/>
+          <a:chExt cx="0" cy="0"/>
+        </a:xfrm>
+      </p:grpSpPr>
+      <p:grpSp>
+        <p:nvGrpSpPr>
+          <p:cNvPr id="191" name="[emph] e">
+            <a:extLst>
+              <a:ext uri="{FF2B5EF4-FFF2-40B4-BE49-F238E27FC236}">
+                <a16:creationId xmlns:a16="http://schemas.microsoft.com/office/drawing/2014/main" id="{AEA49EC3-4AA6-4DD8-8763-F614B02C15FE}"/>
+              </a:ext>
+            </a:extLst>
+          </p:cNvPr>
+          <p:cNvGrpSpPr/>
+          <p:nvPr/>
+        </p:nvGrpSpPr>
+        <p:grpSpPr>
+          <a:xfrm>
+            <a:off x="687621" y="1430139"/>
+            <a:ext cx="7084780" cy="1768447"/>
+            <a:chOff x="687621" y="1431608"/>
+            <a:chExt cx="7084780" cy="1768447"/>
+          </a:xfrm>
+          <a:effectLst>
+            <a:glow rad="228600">
+              <a:schemeClr val="accent2">
+                <a:satMod val="175000"/>
+                <a:alpha val="40000"/>
+              </a:schemeClr>
+            </a:glow>
+          </a:effectLst>
+        </p:grpSpPr>
+        <p:pic>
+          <p:nvPicPr>
+            <p:cNvPr id="192" name="e(Z|X)">
+              <a:extLst>
+                <a:ext uri="{FF2B5EF4-FFF2-40B4-BE49-F238E27FC236}">
+                  <a16:creationId xmlns:a16="http://schemas.microsoft.com/office/drawing/2014/main" id="{BAA73C2D-EABD-466B-B3D3-FF053C1C0B65}"/>
+                </a:ext>
+              </a:extLst>
+            </p:cNvPr>
+            <p:cNvPicPr>
+              <a:picLocks noChangeAspect="1"/>
+            </p:cNvPicPr>
+            <p:nvPr/>
+          </p:nvPicPr>
+          <p:blipFill>
+            <a:blip r:embed="rId2">
+              <a:clrChange>
+                <a:clrFrom>
+                  <a:srgbClr val="FFFFFF"/>
+                </a:clrFrom>
+                <a:clrTo>
+                  <a:srgbClr val="FFFFFF">
+                    <a:alpha val="0"/>
+                  </a:srgbClr>
+                </a:clrTo>
+              </a:clrChange>
+              <a:alphaModFix amt="5000"/>
+            </a:blip>
+            <a:srcRect l="5640" t="18428" r="66812" b="73943"/>
+            <a:stretch>
+              <a:fillRect/>
+            </a:stretch>
+          </p:blipFill>
+          <p:spPr>
+            <a:xfrm>
+              <a:off x="687621" y="1431608"/>
+              <a:ext cx="3358600" cy="482696"/>
+            </a:xfrm>
+            <a:prstGeom prst="rect">
+              <a:avLst/>
+            </a:prstGeom>
+          </p:spPr>
+        </p:pic>
+        <p:pic>
+          <p:nvPicPr>
+            <p:cNvPr id="193" name="-e&gt;">
+              <a:extLst>
+                <a:ext uri="{FF2B5EF4-FFF2-40B4-BE49-F238E27FC236}">
+                  <a16:creationId xmlns:a16="http://schemas.microsoft.com/office/drawing/2014/main" id="{376AE8FB-24CC-4C64-AF7B-D02540342F20}"/>
+                </a:ext>
+              </a:extLst>
+            </p:cNvPr>
+            <p:cNvPicPr>
+              <a:picLocks noChangeAspect="1"/>
+            </p:cNvPicPr>
+            <p:nvPr/>
+          </p:nvPicPr>
+          <p:blipFill>
+            <a:blip r:embed="rId2">
+              <a:clrChange>
+                <a:clrFrom>
+                  <a:srgbClr val="FFFFFF"/>
+                </a:clrFrom>
+                <a:clrTo>
+                  <a:srgbClr val="FFFFFF">
+                    <a:alpha val="0"/>
+                  </a:srgbClr>
+                </a:clrTo>
+              </a:clrChange>
+              <a:alphaModFix amt="5000"/>
+            </a:blip>
+            <a:srcRect l="53382" t="35886" r="36250" b="53619"/>
+            <a:stretch>
+              <a:fillRect/>
+            </a:stretch>
+          </p:blipFill>
+          <p:spPr>
+            <a:xfrm>
+              <a:off x="6508327" y="2536093"/>
+              <a:ext cx="1264074" cy="663962"/>
+            </a:xfrm>
+            <a:prstGeom prst="rect">
+              <a:avLst/>
+            </a:prstGeom>
+          </p:spPr>
+        </p:pic>
+      </p:grpSp>
+      <p:grpSp>
+        <p:nvGrpSpPr>
+          <p:cNvPr id="194" name="[emph] d">
+            <a:extLst>
+              <a:ext uri="{FF2B5EF4-FFF2-40B4-BE49-F238E27FC236}">
+                <a16:creationId xmlns:a16="http://schemas.microsoft.com/office/drawing/2014/main" id="{2B6348BB-654F-4BAD-B8DC-5F0C0BD332A0}"/>
+              </a:ext>
+            </a:extLst>
+          </p:cNvPr>
+          <p:cNvGrpSpPr/>
+          <p:nvPr/>
+        </p:nvGrpSpPr>
+        <p:grpSpPr>
+          <a:xfrm>
+            <a:off x="687621" y="1278691"/>
+            <a:ext cx="7194000" cy="1116840"/>
+            <a:chOff x="687621" y="1280160"/>
+            <a:chExt cx="7194000" cy="1116840"/>
+          </a:xfrm>
+          <a:effectLst>
+            <a:glow rad="228600">
+              <a:schemeClr val="accent2">
+                <a:satMod val="175000"/>
+                <a:alpha val="40000"/>
+              </a:schemeClr>
+            </a:glow>
+          </a:effectLst>
+        </p:grpSpPr>
+        <p:pic>
+          <p:nvPicPr>
+            <p:cNvPr id="195" name="-d&gt;">
+              <a:extLst>
+                <a:ext uri="{FF2B5EF4-FFF2-40B4-BE49-F238E27FC236}">
+                  <a16:creationId xmlns:a16="http://schemas.microsoft.com/office/drawing/2014/main" id="{5A9664BF-D52B-4876-BFCB-1C46C4E74C7D}"/>
+                </a:ext>
+              </a:extLst>
+            </p:cNvPr>
+            <p:cNvPicPr>
+              <a:picLocks noChangeAspect="1"/>
+            </p:cNvPicPr>
+            <p:nvPr/>
+          </p:nvPicPr>
+          <p:blipFill>
+            <a:blip r:embed="rId2">
+              <a:clrChange>
+                <a:clrFrom>
+                  <a:srgbClr val="FFFFFF"/>
+                </a:clrFrom>
+                <a:clrTo>
+                  <a:srgbClr val="FFFFFF">
+                    <a:alpha val="0"/>
+                  </a:srgbClr>
+                </a:clrTo>
+              </a:clrChange>
+              <a:alphaModFix amt="5000"/>
+            </a:blip>
+            <a:srcRect l="52458" t="16034" r="35354" b="72008"/>
+            <a:stretch>
+              <a:fillRect/>
+            </a:stretch>
+          </p:blipFill>
+          <p:spPr>
+            <a:xfrm>
+              <a:off x="6395719" y="1280160"/>
+              <a:ext cx="1485902" cy="756499"/>
+            </a:xfrm>
+            <a:prstGeom prst="rect">
+              <a:avLst/>
+            </a:prstGeom>
+          </p:spPr>
+        </p:pic>
+        <p:pic>
+          <p:nvPicPr>
+            <p:cNvPr id="196" name="d(X|Z)">
+              <a:extLst>
+                <a:ext uri="{FF2B5EF4-FFF2-40B4-BE49-F238E27FC236}">
+                  <a16:creationId xmlns:a16="http://schemas.microsoft.com/office/drawing/2014/main" id="{EF815B42-192C-4DF2-9301-5B19F9DAC8DB}"/>
+                </a:ext>
+              </a:extLst>
+            </p:cNvPr>
+            <p:cNvPicPr>
+              <a:picLocks noChangeAspect="1"/>
+            </p:cNvPicPr>
+            <p:nvPr/>
+          </p:nvPicPr>
+          <p:blipFill>
+            <a:blip r:embed="rId2">
+              <a:clrChange>
+                <a:clrFrom>
+                  <a:srgbClr val="FFFFFF"/>
+                </a:clrFrom>
+                <a:clrTo>
+                  <a:srgbClr val="FFFFFF">
+                    <a:alpha val="0"/>
+                  </a:srgbClr>
+                </a:clrTo>
+              </a:clrChange>
+              <a:alphaModFix amt="5000"/>
+            </a:blip>
+            <a:srcRect l="5640" t="26582" r="66812" b="66313"/>
+            <a:stretch>
+              <a:fillRect/>
+            </a:stretch>
+          </p:blipFill>
+          <p:spPr>
+            <a:xfrm>
+              <a:off x="687621" y="1947486"/>
+              <a:ext cx="3358600" cy="449514"/>
+            </a:xfrm>
+            <a:prstGeom prst="rect">
+              <a:avLst/>
+            </a:prstGeom>
+          </p:spPr>
+        </p:pic>
+      </p:grpSp>
+      <p:grpSp>
+        <p:nvGrpSpPr>
+          <p:cNvPr id="197" name="[emph] p">
+            <a:extLst>
+              <a:ext uri="{FF2B5EF4-FFF2-40B4-BE49-F238E27FC236}">
+                <a16:creationId xmlns:a16="http://schemas.microsoft.com/office/drawing/2014/main" id="{862EC773-5A8C-4243-89AF-D24362A96DD6}"/>
+              </a:ext>
+            </a:extLst>
+          </p:cNvPr>
+          <p:cNvGrpSpPr/>
+          <p:nvPr/>
+        </p:nvGrpSpPr>
+        <p:grpSpPr>
+          <a:xfrm>
+            <a:off x="687621" y="1829681"/>
+            <a:ext cx="5451561" cy="1120485"/>
+            <a:chOff x="687621" y="1831150"/>
+            <a:chExt cx="5451561" cy="1120485"/>
+          </a:xfrm>
+          <a:effectLst>
+            <a:glow rad="228600">
+              <a:schemeClr val="accent2">
+                <a:satMod val="175000"/>
+                <a:alpha val="40000"/>
+              </a:schemeClr>
+            </a:glow>
+          </a:effectLst>
+        </p:grpSpPr>
+        <p:pic>
+          <p:nvPicPr>
+            <p:cNvPr id="198" name="-p&gt;">
+              <a:extLst>
+                <a:ext uri="{FF2B5EF4-FFF2-40B4-BE49-F238E27FC236}">
+                  <a16:creationId xmlns:a16="http://schemas.microsoft.com/office/drawing/2014/main" id="{74279DA0-91C3-44FF-8D77-AFCDE552EAA9}"/>
+                </a:ext>
+              </a:extLst>
+            </p:cNvPr>
+            <p:cNvPicPr>
+              <a:picLocks noChangeAspect="1"/>
+            </p:cNvPicPr>
+            <p:nvPr/>
+          </p:nvPicPr>
+          <p:blipFill>
+            <a:blip r:embed="rId2">
+              <a:clrChange>
+                <a:clrFrom>
+                  <a:srgbClr val="FFFFFF"/>
+                </a:clrFrom>
+                <a:clrTo>
+                  <a:srgbClr val="FFFFFF">
+                    <a:alpha val="0"/>
+                  </a:srgbClr>
+                </a:clrTo>
+              </a:clrChange>
+              <a:alphaModFix amt="5000"/>
+            </a:blip>
+            <a:srcRect l="45260" t="24743" r="49646" b="65443"/>
+            <a:stretch>
+              <a:fillRect/>
+            </a:stretch>
+          </p:blipFill>
+          <p:spPr>
+            <a:xfrm>
+              <a:off x="5518150" y="1831150"/>
+              <a:ext cx="621032" cy="620888"/>
+            </a:xfrm>
+            <a:prstGeom prst="rect">
+              <a:avLst/>
+            </a:prstGeom>
+          </p:spPr>
+        </p:pic>
+        <p:pic>
+          <p:nvPicPr>
+            <p:cNvPr id="199" name="p(Z)">
+              <a:extLst>
+                <a:ext uri="{FF2B5EF4-FFF2-40B4-BE49-F238E27FC236}">
+                  <a16:creationId xmlns:a16="http://schemas.microsoft.com/office/drawing/2014/main" id="{3AE1A2D5-D46C-40E2-873A-E8DC35526456}"/>
+                </a:ext>
+              </a:extLst>
+            </p:cNvPr>
+            <p:cNvPicPr>
+              <a:picLocks noChangeAspect="1"/>
+            </p:cNvPicPr>
+            <p:nvPr/>
+          </p:nvPicPr>
+          <p:blipFill>
+            <a:blip r:embed="rId2">
+              <a:clrChange>
+                <a:clrFrom>
+                  <a:srgbClr val="FFFFFF"/>
+                </a:clrFrom>
+                <a:clrTo>
+                  <a:srgbClr val="FFFFFF">
+                    <a:alpha val="0"/>
+                  </a:srgbClr>
+                </a:clrTo>
+              </a:clrChange>
+              <a:alphaModFix amt="5000"/>
+            </a:blip>
+            <a:srcRect l="5640" t="33918" r="66812" b="57546"/>
+            <a:stretch>
+              <a:fillRect/>
+            </a:stretch>
+          </p:blipFill>
+          <p:spPr>
+            <a:xfrm>
+              <a:off x="687621" y="2411576"/>
+              <a:ext cx="3358600" cy="540059"/>
+            </a:xfrm>
+            <a:prstGeom prst="rect">
+              <a:avLst/>
+            </a:prstGeom>
+          </p:spPr>
+        </p:pic>
+      </p:grpSp>
+      <p:sp>
+        <p:nvSpPr>
+          <p:cNvPr id="2" name="Title 1">
+            <a:extLst>
+              <a:ext uri="{FF2B5EF4-FFF2-40B4-BE49-F238E27FC236}">
+                <a16:creationId xmlns:a16="http://schemas.microsoft.com/office/drawing/2014/main" id="{449E720A-AB19-4E83-B6DB-6AEE5A25EF15}"/>
+              </a:ext>
+            </a:extLst>
+          </p:cNvPr>
+          <p:cNvSpPr>
+            <a:spLocks noGrp="1"/>
+          </p:cNvSpPr>
+          <p:nvPr>
+            <p:ph type="title"/>
+          </p:nvPr>
+        </p:nvSpPr>
+        <p:spPr/>
+        <p:txBody>
+          <a:bodyPr/>
+          <a:lstStyle/>
+          <a:p>
+            <a:endParaRPr lang="en-US" dirty="0"/>
+          </a:p>
+        </p:txBody>
+      </p:sp>
+      <p:grpSp>
+        <p:nvGrpSpPr>
+          <p:cNvPr id="185" name="Group 184">
+            <a:extLst>
+              <a:ext uri="{FF2B5EF4-FFF2-40B4-BE49-F238E27FC236}">
+                <a16:creationId xmlns:a16="http://schemas.microsoft.com/office/drawing/2014/main" id="{C315DD6B-609F-4356-A349-D4054170B463}"/>
+              </a:ext>
+            </a:extLst>
+          </p:cNvPr>
+          <p:cNvGrpSpPr/>
+          <p:nvPr/>
+        </p:nvGrpSpPr>
+        <p:grpSpPr>
+          <a:xfrm>
+            <a:off x="4814890" y="265808"/>
+            <a:ext cx="7227883" cy="2942625"/>
+            <a:chOff x="4814890" y="265808"/>
+            <a:chExt cx="7227883" cy="2942625"/>
+          </a:xfrm>
+        </p:grpSpPr>
+        <p:pic>
+          <p:nvPicPr>
+            <p:cNvPr id="179" name="objective is free">
+              <a:extLst>
+                <a:ext uri="{FF2B5EF4-FFF2-40B4-BE49-F238E27FC236}">
+                  <a16:creationId xmlns:a16="http://schemas.microsoft.com/office/drawing/2014/main" id="{4CBFD705-A801-4329-A0D9-B9BC0A34CC64}"/>
+                </a:ext>
+              </a:extLst>
+            </p:cNvPr>
+            <p:cNvPicPr>
+              <a:picLocks noChangeAspect="1"/>
+            </p:cNvPicPr>
+            <p:nvPr/>
+          </p:nvPicPr>
+          <p:blipFill>
+            <a:blip r:embed="rId2"/>
+            <a:srcRect l="39492" r="21667" b="88664"/>
+            <a:stretch>
+              <a:fillRect/>
+            </a:stretch>
+          </p:blipFill>
+          <p:spPr>
+            <a:xfrm>
+              <a:off x="4814890" y="265808"/>
+              <a:ext cx="4735510" cy="717170"/>
+            </a:xfrm>
+            <a:custGeom>
+              <a:avLst/>
+              <a:gdLst>
+                <a:gd name="connsiteX0" fmla="*/ 0 w 4735510"/>
+                <a:gd name="connsiteY0" fmla="*/ 0 h 717170"/>
+                <a:gd name="connsiteX1" fmla="*/ 4735510 w 4735510"/>
+                <a:gd name="connsiteY1" fmla="*/ 0 h 717170"/>
+                <a:gd name="connsiteX2" fmla="*/ 4735510 w 4735510"/>
+                <a:gd name="connsiteY2" fmla="*/ 717170 h 717170"/>
+                <a:gd name="connsiteX3" fmla="*/ 0 w 4735510"/>
+                <a:gd name="connsiteY3" fmla="*/ 717170 h 717170"/>
+                <a:gd name="connsiteX4" fmla="*/ 0 w 4735510"/>
+                <a:gd name="connsiteY4" fmla="*/ 0 h 717170"/>
+              </a:gdLst>
+              <a:ahLst/>
+              <a:cxnLst>
+                <a:cxn ang="0">
+                  <a:pos x="connsiteX0" y="connsiteY0"/>
+                </a:cxn>
+                <a:cxn ang="0">
+                  <a:pos x="connsiteX1" y="connsiteY1"/>
+                </a:cxn>
+                <a:cxn ang="0">
+                  <a:pos x="connsiteX2" y="connsiteY2"/>
+                </a:cxn>
+                <a:cxn ang="0">
+                  <a:pos x="connsiteX3" y="connsiteY3"/>
+                </a:cxn>
+                <a:cxn ang="0">
+                  <a:pos x="connsiteX4" y="connsiteY4"/>
+                </a:cxn>
+              </a:cxnLst>
+              <a:rect l="l" t="t" r="r" b="b"/>
+              <a:pathLst>
+                <a:path w="4735510" h="717170">
+                  <a:moveTo>
+                    <a:pt x="0" y="0"/>
+                  </a:moveTo>
+                  <a:lnTo>
+                    <a:pt x="4735510" y="0"/>
+                  </a:lnTo>
+                  <a:lnTo>
+                    <a:pt x="4735510" y="717170"/>
+                  </a:lnTo>
+                  <a:lnTo>
+                    <a:pt x="0" y="717170"/>
+                  </a:lnTo>
+                  <a:lnTo>
+                    <a:pt x="0" y="0"/>
+                  </a:lnTo>
+                  <a:close/>
+                </a:path>
+              </a:pathLst>
+            </a:custGeom>
+          </p:spPr>
+        </p:pic>
+        <p:pic>
+          <p:nvPicPr>
+            <p:cNvPr id="177" name="left inc brace">
+              <a:extLst>
+                <a:ext uri="{FF2B5EF4-FFF2-40B4-BE49-F238E27FC236}">
+                  <a16:creationId xmlns:a16="http://schemas.microsoft.com/office/drawing/2014/main" id="{5D8A47D5-6705-4A55-9F59-7DE04EC7ECC8}"/>
+                </a:ext>
+              </a:extLst>
+            </p:cNvPr>
+            <p:cNvPicPr>
+              <a:picLocks noChangeAspect="1"/>
+            </p:cNvPicPr>
+            <p:nvPr/>
+          </p:nvPicPr>
+          <p:blipFill>
+            <a:blip r:embed="rId2"/>
+            <a:srcRect l="42109" t="14877" r="53861" b="53551"/>
+            <a:stretch>
+              <a:fillRect/>
+            </a:stretch>
+          </p:blipFill>
+          <p:spPr>
+            <a:xfrm>
+              <a:off x="5133977" y="1206975"/>
+              <a:ext cx="491302" cy="1997345"/>
+            </a:xfrm>
+            <a:custGeom>
+              <a:avLst/>
+              <a:gdLst>
+                <a:gd name="connsiteX0" fmla="*/ 397646 w 491302"/>
+                <a:gd name="connsiteY0" fmla="*/ 6 h 1997345"/>
+                <a:gd name="connsiteX1" fmla="*/ 483763 w 491302"/>
+                <a:gd name="connsiteY1" fmla="*/ 164623 h 1997345"/>
+                <a:gd name="connsiteX2" fmla="*/ 228600 w 491302"/>
+                <a:gd name="connsiteY2" fmla="*/ 1031398 h 1997345"/>
+                <a:gd name="connsiteX3" fmla="*/ 471486 w 491302"/>
+                <a:gd name="connsiteY3" fmla="*/ 1841023 h 1997345"/>
+                <a:gd name="connsiteX4" fmla="*/ 312314 w 491302"/>
+                <a:gd name="connsiteY4" fmla="*/ 1991836 h 1997345"/>
+                <a:gd name="connsiteX5" fmla="*/ 0 w 491302"/>
+                <a:gd name="connsiteY5" fmla="*/ 979011 h 1997345"/>
+                <a:gd name="connsiteX6" fmla="*/ 314323 w 491302"/>
+                <a:gd name="connsiteY6" fmla="*/ 88424 h 1997345"/>
+                <a:gd name="connsiteX7" fmla="*/ 397646 w 491302"/>
+                <a:gd name="connsiteY7" fmla="*/ 6 h 1997345"/>
+              </a:gdLst>
+              <a:ahLst/>
+              <a:cxnLst>
+                <a:cxn ang="0">
+                  <a:pos x="connsiteX0" y="connsiteY0"/>
+                </a:cxn>
+                <a:cxn ang="0">
+                  <a:pos x="connsiteX1" y="connsiteY1"/>
+                </a:cxn>
+                <a:cxn ang="0">
+                  <a:pos x="connsiteX2" y="connsiteY2"/>
+                </a:cxn>
+                <a:cxn ang="0">
+                  <a:pos x="connsiteX3" y="connsiteY3"/>
+                </a:cxn>
+                <a:cxn ang="0">
+                  <a:pos x="connsiteX4" y="connsiteY4"/>
+                </a:cxn>
+                <a:cxn ang="0">
+                  <a:pos x="connsiteX5" y="connsiteY5"/>
+                </a:cxn>
+                <a:cxn ang="0">
+                  <a:pos x="connsiteX6" y="connsiteY6"/>
+                </a:cxn>
+                <a:cxn ang="0">
+                  <a:pos x="connsiteX7" y="connsiteY7"/>
+                </a:cxn>
+              </a:cxnLst>
+              <a:rect l="l" t="t" r="r" b="b"/>
+              <a:pathLst>
+                <a:path w="491302" h="1997345">
+                  <a:moveTo>
+                    <a:pt x="397646" y="6"/>
+                  </a:moveTo>
+                  <a:cubicBezTo>
+                    <a:pt x="435800" y="-700"/>
+                    <a:pt x="461935" y="69869"/>
+                    <a:pt x="483763" y="164623"/>
+                  </a:cubicBezTo>
+                  <a:cubicBezTo>
+                    <a:pt x="392253" y="545624"/>
+                    <a:pt x="227806" y="644313"/>
+                    <a:pt x="228600" y="1031398"/>
+                  </a:cubicBezTo>
+                  <a:cubicBezTo>
+                    <a:pt x="244810" y="1386204"/>
+                    <a:pt x="405146" y="1653169"/>
+                    <a:pt x="471486" y="1841023"/>
+                  </a:cubicBezTo>
+                  <a:cubicBezTo>
+                    <a:pt x="537826" y="2028877"/>
+                    <a:pt x="425591" y="1997657"/>
+                    <a:pt x="312314" y="1991836"/>
+                  </a:cubicBezTo>
+                  <a:cubicBezTo>
+                    <a:pt x="160584" y="1693916"/>
+                    <a:pt x="104105" y="1329319"/>
+                    <a:pt x="0" y="979011"/>
+                  </a:cubicBezTo>
+                  <a:cubicBezTo>
+                    <a:pt x="25171" y="660188"/>
+                    <a:pt x="225758" y="253524"/>
+                    <a:pt x="314323" y="88424"/>
+                  </a:cubicBezTo>
+                  <a:cubicBezTo>
+                    <a:pt x="347535" y="26512"/>
+                    <a:pt x="374754" y="429"/>
+                    <a:pt x="397646" y="6"/>
+                  </a:cubicBezTo>
+                  <a:close/>
+                </a:path>
+              </a:pathLst>
+            </a:custGeom>
+          </p:spPr>
+        </p:pic>
+        <p:pic>
+          <p:nvPicPr>
+            <p:cNvPr id="176" name="right inc brace">
+              <a:extLst>
+                <a:ext uri="{FF2B5EF4-FFF2-40B4-BE49-F238E27FC236}">
+                  <a16:creationId xmlns:a16="http://schemas.microsoft.com/office/drawing/2014/main" id="{404444E4-4D1E-463A-A78C-20831EC2FA2D}"/>
+                </a:ext>
+              </a:extLst>
+            </p:cNvPr>
+            <p:cNvPicPr>
+              <a:picLocks noChangeAspect="1"/>
+            </p:cNvPicPr>
+            <p:nvPr/>
+          </p:nvPicPr>
+          <p:blipFill>
+            <a:blip r:embed="rId2"/>
+            <a:srcRect l="71095" t="14942" r="24875" b="53486"/>
+            <a:stretch>
+              <a:fillRect/>
+            </a:stretch>
+          </p:blipFill>
+          <p:spPr>
+            <a:xfrm>
+              <a:off x="8667928" y="1211088"/>
+              <a:ext cx="491303" cy="1997345"/>
+            </a:xfrm>
+            <a:custGeom>
+              <a:avLst/>
+              <a:gdLst>
+                <a:gd name="connsiteX0" fmla="*/ 93657 w 491303"/>
+                <a:gd name="connsiteY0" fmla="*/ 6 h 1997345"/>
+                <a:gd name="connsiteX1" fmla="*/ 176980 w 491303"/>
+                <a:gd name="connsiteY1" fmla="*/ 88424 h 1997345"/>
+                <a:gd name="connsiteX2" fmla="*/ 491303 w 491303"/>
+                <a:gd name="connsiteY2" fmla="*/ 979011 h 1997345"/>
+                <a:gd name="connsiteX3" fmla="*/ 178989 w 491303"/>
+                <a:gd name="connsiteY3" fmla="*/ 1991836 h 1997345"/>
+                <a:gd name="connsiteX4" fmla="*/ 19817 w 491303"/>
+                <a:gd name="connsiteY4" fmla="*/ 1841023 h 1997345"/>
+                <a:gd name="connsiteX5" fmla="*/ 262703 w 491303"/>
+                <a:gd name="connsiteY5" fmla="*/ 1031398 h 1997345"/>
+                <a:gd name="connsiteX6" fmla="*/ 7540 w 491303"/>
+                <a:gd name="connsiteY6" fmla="*/ 164623 h 1997345"/>
+                <a:gd name="connsiteX7" fmla="*/ 93657 w 491303"/>
+                <a:gd name="connsiteY7" fmla="*/ 6 h 1997345"/>
+              </a:gdLst>
+              <a:ahLst/>
+              <a:cxnLst>
+                <a:cxn ang="0">
+                  <a:pos x="connsiteX0" y="connsiteY0"/>
+                </a:cxn>
+                <a:cxn ang="0">
+                  <a:pos x="connsiteX1" y="connsiteY1"/>
+                </a:cxn>
+                <a:cxn ang="0">
+                  <a:pos x="connsiteX2" y="connsiteY2"/>
+                </a:cxn>
+                <a:cxn ang="0">
+                  <a:pos x="connsiteX3" y="connsiteY3"/>
+                </a:cxn>
+                <a:cxn ang="0">
+                  <a:pos x="connsiteX4" y="connsiteY4"/>
+                </a:cxn>
+                <a:cxn ang="0">
+                  <a:pos x="connsiteX5" y="connsiteY5"/>
+                </a:cxn>
+                <a:cxn ang="0">
+                  <a:pos x="connsiteX6" y="connsiteY6"/>
+                </a:cxn>
+                <a:cxn ang="0">
+                  <a:pos x="connsiteX7" y="connsiteY7"/>
+                </a:cxn>
+              </a:cxnLst>
+              <a:rect l="l" t="t" r="r" b="b"/>
+              <a:pathLst>
+                <a:path w="491303" h="1997345">
+                  <a:moveTo>
+                    <a:pt x="93657" y="6"/>
+                  </a:moveTo>
+                  <a:cubicBezTo>
+                    <a:pt x="116549" y="429"/>
+                    <a:pt x="143768" y="26512"/>
+                    <a:pt x="176980" y="88424"/>
+                  </a:cubicBezTo>
+                  <a:cubicBezTo>
+                    <a:pt x="265545" y="253524"/>
+                    <a:pt x="466132" y="660188"/>
+                    <a:pt x="491303" y="979011"/>
+                  </a:cubicBezTo>
+                  <a:cubicBezTo>
+                    <a:pt x="387198" y="1329319"/>
+                    <a:pt x="330719" y="1693916"/>
+                    <a:pt x="178989" y="1991836"/>
+                  </a:cubicBezTo>
+                  <a:cubicBezTo>
+                    <a:pt x="65712" y="1997657"/>
+                    <a:pt x="-46523" y="2028877"/>
+                    <a:pt x="19817" y="1841023"/>
+                  </a:cubicBezTo>
+                  <a:cubicBezTo>
+                    <a:pt x="86157" y="1653169"/>
+                    <a:pt x="246493" y="1386204"/>
+                    <a:pt x="262703" y="1031398"/>
+                  </a:cubicBezTo>
+                  <a:cubicBezTo>
+                    <a:pt x="263497" y="644313"/>
+                    <a:pt x="99050" y="545624"/>
+                    <a:pt x="7540" y="164623"/>
+                  </a:cubicBezTo>
+                  <a:cubicBezTo>
+                    <a:pt x="29368" y="69869"/>
+                    <a:pt x="55503" y="-700"/>
+                    <a:pt x="93657" y="6"/>
+                  </a:cubicBezTo>
+                  <a:close/>
+                </a:path>
+              </a:pathLst>
+            </a:custGeom>
+          </p:spPr>
+        </p:pic>
+        <p:pic>
+          <p:nvPicPr>
+            <p:cNvPr id="173" name="elbo-formula">
+              <a:extLst>
+                <a:ext uri="{FF2B5EF4-FFF2-40B4-BE49-F238E27FC236}">
+                  <a16:creationId xmlns:a16="http://schemas.microsoft.com/office/drawing/2014/main" id="{00076BDF-D88A-4739-A52B-9DCA805E8AAB}"/>
+                </a:ext>
+              </a:extLst>
+            </p:cNvPr>
+            <p:cNvPicPr>
+              <a:picLocks noChangeAspect="1"/>
+            </p:cNvPicPr>
+            <p:nvPr/>
+          </p:nvPicPr>
+          <p:blipFill>
+            <a:blip r:embed="rId2"/>
+            <a:srcRect l="75762" t="22261" r="1224" b="58866"/>
+            <a:stretch>
+              <a:fillRect/>
+            </a:stretch>
+          </p:blipFill>
+          <p:spPr>
+            <a:xfrm>
+              <a:off x="9236892" y="1674119"/>
+              <a:ext cx="2805881" cy="1193955"/>
+            </a:xfrm>
+            <a:custGeom>
+              <a:avLst/>
+              <a:gdLst>
+                <a:gd name="connsiteX0" fmla="*/ 0 w 2805881"/>
+                <a:gd name="connsiteY0" fmla="*/ 0 h 1193955"/>
+                <a:gd name="connsiteX1" fmla="*/ 2805881 w 2805881"/>
+                <a:gd name="connsiteY1" fmla="*/ 0 h 1193955"/>
+                <a:gd name="connsiteX2" fmla="*/ 2805881 w 2805881"/>
+                <a:gd name="connsiteY2" fmla="*/ 1193955 h 1193955"/>
+                <a:gd name="connsiteX3" fmla="*/ 0 w 2805881"/>
+                <a:gd name="connsiteY3" fmla="*/ 1193955 h 1193955"/>
+                <a:gd name="connsiteX4" fmla="*/ 0 w 2805881"/>
+                <a:gd name="connsiteY4" fmla="*/ 0 h 1193955"/>
+              </a:gdLst>
+              <a:ahLst/>
+              <a:cxnLst>
+                <a:cxn ang="0">
+                  <a:pos x="connsiteX0" y="connsiteY0"/>
+                </a:cxn>
+                <a:cxn ang="0">
+                  <a:pos x="connsiteX1" y="connsiteY1"/>
+                </a:cxn>
+                <a:cxn ang="0">
+                  <a:pos x="connsiteX2" y="connsiteY2"/>
+                </a:cxn>
+                <a:cxn ang="0">
+                  <a:pos x="connsiteX3" y="connsiteY3"/>
+                </a:cxn>
+                <a:cxn ang="0">
+                  <a:pos x="connsiteX4" y="connsiteY4"/>
+                </a:cxn>
+              </a:cxnLst>
+              <a:rect l="l" t="t" r="r" b="b"/>
+              <a:pathLst>
+                <a:path w="2805881" h="1193955">
+                  <a:moveTo>
+                    <a:pt x="0" y="0"/>
+                  </a:moveTo>
+                  <a:lnTo>
+                    <a:pt x="2805881" y="0"/>
+                  </a:lnTo>
+                  <a:lnTo>
+                    <a:pt x="2805881" y="1193955"/>
+                  </a:lnTo>
+                  <a:lnTo>
+                    <a:pt x="0" y="1193955"/>
+                  </a:lnTo>
+                  <a:lnTo>
+                    <a:pt x="0" y="0"/>
+                  </a:lnTo>
+                  <a:close/>
+                </a:path>
+              </a:pathLst>
+            </a:custGeom>
+          </p:spPr>
+        </p:pic>
+      </p:grpSp>
+      <p:grpSp>
+        <p:nvGrpSpPr>
+          <p:cNvPr id="182" name="decoder d">
+            <a:extLst>
+              <a:ext uri="{FF2B5EF4-FFF2-40B4-BE49-F238E27FC236}">
+                <a16:creationId xmlns:a16="http://schemas.microsoft.com/office/drawing/2014/main" id="{DC8C83CB-3730-4E00-A5A8-FECB61BD52CC}"/>
+              </a:ext>
+            </a:extLst>
+          </p:cNvPr>
+          <p:cNvGrpSpPr/>
+          <p:nvPr/>
+        </p:nvGrpSpPr>
+        <p:grpSpPr>
+          <a:xfrm>
+            <a:off x="687621" y="1280160"/>
+            <a:ext cx="7194000" cy="1116840"/>
+            <a:chOff x="687621" y="1280160"/>
+            <a:chExt cx="7194000" cy="1116840"/>
+          </a:xfrm>
+        </p:grpSpPr>
+        <p:pic>
+          <p:nvPicPr>
+            <p:cNvPr id="175" name="-d&gt;">
+              <a:extLst>
+                <a:ext uri="{FF2B5EF4-FFF2-40B4-BE49-F238E27FC236}">
+                  <a16:creationId xmlns:a16="http://schemas.microsoft.com/office/drawing/2014/main" id="{E95BB116-A196-43AF-8478-9C529EEB100F}"/>
+                </a:ext>
+              </a:extLst>
+            </p:cNvPr>
+            <p:cNvPicPr>
+              <a:picLocks noChangeAspect="1"/>
+            </p:cNvPicPr>
+            <p:nvPr/>
+          </p:nvPicPr>
+          <p:blipFill>
+            <a:blip r:embed="rId2">
+              <a:clrChange>
+                <a:clrFrom>
+                  <a:srgbClr val="FFFFFF"/>
+                </a:clrFrom>
+                <a:clrTo>
+                  <a:srgbClr val="FFFFFF">
+                    <a:alpha val="0"/>
+                  </a:srgbClr>
+                </a:clrTo>
+              </a:clrChange>
+            </a:blip>
+            <a:srcRect l="52458" t="16034" r="35354" b="72008"/>
+            <a:stretch>
+              <a:fillRect/>
+            </a:stretch>
+          </p:blipFill>
+          <p:spPr>
+            <a:xfrm>
+              <a:off x="6395719" y="1280160"/>
+              <a:ext cx="1485902" cy="756499"/>
+            </a:xfrm>
+            <a:custGeom>
+              <a:avLst/>
+              <a:gdLst>
+                <a:gd name="connsiteX0" fmla="*/ 0 w 1485902"/>
+                <a:gd name="connsiteY0" fmla="*/ 0 h 756499"/>
+                <a:gd name="connsiteX1" fmla="*/ 1485902 w 1485902"/>
+                <a:gd name="connsiteY1" fmla="*/ 0 h 756499"/>
+                <a:gd name="connsiteX2" fmla="*/ 1485902 w 1485902"/>
+                <a:gd name="connsiteY2" fmla="*/ 756499 h 756499"/>
+                <a:gd name="connsiteX3" fmla="*/ 0 w 1485902"/>
+                <a:gd name="connsiteY3" fmla="*/ 756499 h 756499"/>
+                <a:gd name="connsiteX4" fmla="*/ 0 w 1485902"/>
+                <a:gd name="connsiteY4" fmla="*/ 0 h 756499"/>
+              </a:gdLst>
+              <a:ahLst/>
+              <a:cxnLst>
+                <a:cxn ang="0">
+                  <a:pos x="connsiteX0" y="connsiteY0"/>
+                </a:cxn>
+                <a:cxn ang="0">
+                  <a:pos x="connsiteX1" y="connsiteY1"/>
+                </a:cxn>
+                <a:cxn ang="0">
+                  <a:pos x="connsiteX2" y="connsiteY2"/>
+                </a:cxn>
+                <a:cxn ang="0">
+                  <a:pos x="connsiteX3" y="connsiteY3"/>
+                </a:cxn>
+                <a:cxn ang="0">
+                  <a:pos x="connsiteX4" y="connsiteY4"/>
+                </a:cxn>
+              </a:cxnLst>
+              <a:rect l="l" t="t" r="r" b="b"/>
+              <a:pathLst>
+                <a:path w="1485902" h="756499">
+                  <a:moveTo>
+                    <a:pt x="0" y="0"/>
+                  </a:moveTo>
+                  <a:lnTo>
+                    <a:pt x="1485902" y="0"/>
+                  </a:lnTo>
+                  <a:lnTo>
+                    <a:pt x="1485902" y="756499"/>
+                  </a:lnTo>
+                  <a:lnTo>
+                    <a:pt x="0" y="756499"/>
+                  </a:lnTo>
+                  <a:lnTo>
+                    <a:pt x="0" y="0"/>
+                  </a:lnTo>
+                  <a:close/>
+                </a:path>
+              </a:pathLst>
+            </a:custGeom>
+          </p:spPr>
+        </p:pic>
+        <p:pic>
+          <p:nvPicPr>
+            <p:cNvPr id="170" name="d(X|Z)">
+              <a:extLst>
+                <a:ext uri="{FF2B5EF4-FFF2-40B4-BE49-F238E27FC236}">
+                  <a16:creationId xmlns:a16="http://schemas.microsoft.com/office/drawing/2014/main" id="{38FA01D3-A65A-473B-996B-1C692B32816C}"/>
+                </a:ext>
+              </a:extLst>
+            </p:cNvPr>
+            <p:cNvPicPr>
+              <a:picLocks noChangeAspect="1"/>
+            </p:cNvPicPr>
+            <p:nvPr/>
+          </p:nvPicPr>
+          <p:blipFill>
+            <a:blip r:embed="rId2">
+              <a:clrChange>
+                <a:clrFrom>
+                  <a:srgbClr val="FFFFFF"/>
+                </a:clrFrom>
+                <a:clrTo>
+                  <a:srgbClr val="FFFFFF">
+                    <a:alpha val="0"/>
+                  </a:srgbClr>
+                </a:clrTo>
+              </a:clrChange>
+            </a:blip>
+            <a:srcRect l="5640" t="26582" r="66812" b="66313"/>
+            <a:stretch>
+              <a:fillRect/>
+            </a:stretch>
+          </p:blipFill>
+          <p:spPr>
+            <a:xfrm>
+              <a:off x="687621" y="1947486"/>
+              <a:ext cx="3358600" cy="449514"/>
+            </a:xfrm>
+            <a:custGeom>
+              <a:avLst/>
+              <a:gdLst>
+                <a:gd name="connsiteX0" fmla="*/ 0 w 3358600"/>
+                <a:gd name="connsiteY0" fmla="*/ 0 h 449514"/>
+                <a:gd name="connsiteX1" fmla="*/ 3358600 w 3358600"/>
+                <a:gd name="connsiteY1" fmla="*/ 0 h 449514"/>
+                <a:gd name="connsiteX2" fmla="*/ 3358600 w 3358600"/>
+                <a:gd name="connsiteY2" fmla="*/ 449514 h 449514"/>
+                <a:gd name="connsiteX3" fmla="*/ 0 w 3358600"/>
+                <a:gd name="connsiteY3" fmla="*/ 449514 h 449514"/>
+                <a:gd name="connsiteX4" fmla="*/ 0 w 3358600"/>
+                <a:gd name="connsiteY4" fmla="*/ 0 h 449514"/>
+              </a:gdLst>
+              <a:ahLst/>
+              <a:cxnLst>
+                <a:cxn ang="0">
+                  <a:pos x="connsiteX0" y="connsiteY0"/>
+                </a:cxn>
+                <a:cxn ang="0">
+                  <a:pos x="connsiteX1" y="connsiteY1"/>
+                </a:cxn>
+                <a:cxn ang="0">
+                  <a:pos x="connsiteX2" y="connsiteY2"/>
+                </a:cxn>
+                <a:cxn ang="0">
+                  <a:pos x="connsiteX3" y="connsiteY3"/>
+                </a:cxn>
+                <a:cxn ang="0">
+                  <a:pos x="connsiteX4" y="connsiteY4"/>
+                </a:cxn>
+              </a:cxnLst>
+              <a:rect l="l" t="t" r="r" b="b"/>
+              <a:pathLst>
+                <a:path w="3358600" h="449514">
+                  <a:moveTo>
+                    <a:pt x="0" y="0"/>
+                  </a:moveTo>
+                  <a:lnTo>
+                    <a:pt x="3358600" y="0"/>
+                  </a:lnTo>
+                  <a:lnTo>
+                    <a:pt x="3358600" y="449514"/>
+                  </a:lnTo>
+                  <a:lnTo>
+                    <a:pt x="0" y="449514"/>
+                  </a:lnTo>
+                  <a:lnTo>
+                    <a:pt x="0" y="0"/>
+                  </a:lnTo>
+                  <a:close/>
+                </a:path>
+              </a:pathLst>
+            </a:custGeom>
+          </p:spPr>
+        </p:pic>
+      </p:grpSp>
+      <p:grpSp>
+        <p:nvGrpSpPr>
+          <p:cNvPr id="180" name="Structure">
+            <a:extLst>
+              <a:ext uri="{FF2B5EF4-FFF2-40B4-BE49-F238E27FC236}">
+                <a16:creationId xmlns:a16="http://schemas.microsoft.com/office/drawing/2014/main" id="{48E10E43-412D-45C2-8199-A1B0CF1F0368}"/>
+              </a:ext>
+            </a:extLst>
+          </p:cNvPr>
+          <p:cNvGrpSpPr/>
+          <p:nvPr/>
+        </p:nvGrpSpPr>
+        <p:grpSpPr>
+          <a:xfrm>
+            <a:off x="183880" y="733675"/>
+            <a:ext cx="7995287" cy="1788305"/>
+            <a:chOff x="183880" y="733675"/>
+            <a:chExt cx="7995287" cy="1788305"/>
+          </a:xfrm>
+        </p:grpSpPr>
+        <p:pic>
+          <p:nvPicPr>
+            <p:cNvPr id="178" name="text: structure">
+              <a:extLst>
+                <a:ext uri="{FF2B5EF4-FFF2-40B4-BE49-F238E27FC236}">
+                  <a16:creationId xmlns:a16="http://schemas.microsoft.com/office/drawing/2014/main" id="{6802FBEA-950B-41A7-BE8E-3FC6F2D1EBF3}"/>
+                </a:ext>
+              </a:extLst>
+            </p:cNvPr>
+            <p:cNvPicPr>
+              <a:picLocks noChangeAspect="1"/>
+            </p:cNvPicPr>
+            <p:nvPr/>
+          </p:nvPicPr>
+          <p:blipFill>
+            <a:blip r:embed="rId2"/>
+            <a:srcRect l="1508" t="7395" r="65236" b="82109"/>
+            <a:stretch>
+              <a:fillRect/>
+            </a:stretch>
+          </p:blipFill>
+          <p:spPr>
+            <a:xfrm>
+              <a:off x="183880" y="733675"/>
+              <a:ext cx="4054571" cy="663962"/>
+            </a:xfrm>
+            <a:custGeom>
+              <a:avLst/>
+              <a:gdLst>
+                <a:gd name="connsiteX0" fmla="*/ 0 w 4054571"/>
+                <a:gd name="connsiteY0" fmla="*/ 0 h 663962"/>
+                <a:gd name="connsiteX1" fmla="*/ 4054571 w 4054571"/>
+                <a:gd name="connsiteY1" fmla="*/ 0 h 663962"/>
+                <a:gd name="connsiteX2" fmla="*/ 4054571 w 4054571"/>
+                <a:gd name="connsiteY2" fmla="*/ 663962 h 663962"/>
+                <a:gd name="connsiteX3" fmla="*/ 0 w 4054571"/>
+                <a:gd name="connsiteY3" fmla="*/ 663962 h 663962"/>
+                <a:gd name="connsiteX4" fmla="*/ 0 w 4054571"/>
+                <a:gd name="connsiteY4" fmla="*/ 0 h 663962"/>
+              </a:gdLst>
+              <a:ahLst/>
+              <a:cxnLst>
+                <a:cxn ang="0">
+                  <a:pos x="connsiteX0" y="connsiteY0"/>
+                </a:cxn>
+                <a:cxn ang="0">
+                  <a:pos x="connsiteX1" y="connsiteY1"/>
+                </a:cxn>
+                <a:cxn ang="0">
+                  <a:pos x="connsiteX2" y="connsiteY2"/>
+                </a:cxn>
+                <a:cxn ang="0">
+                  <a:pos x="connsiteX3" y="connsiteY3"/>
+                </a:cxn>
+                <a:cxn ang="0">
+                  <a:pos x="connsiteX4" y="connsiteY4"/>
+                </a:cxn>
+              </a:cxnLst>
+              <a:rect l="l" t="t" r="r" b="b"/>
+              <a:pathLst>
+                <a:path w="4054571" h="663962">
+                  <a:moveTo>
+                    <a:pt x="0" y="0"/>
+                  </a:moveTo>
+                  <a:lnTo>
+                    <a:pt x="4054571" y="0"/>
+                  </a:lnTo>
+                  <a:lnTo>
+                    <a:pt x="4054571" y="663962"/>
+                  </a:lnTo>
+                  <a:lnTo>
+                    <a:pt x="0" y="663962"/>
+                  </a:lnTo>
+                  <a:lnTo>
+                    <a:pt x="0" y="0"/>
+                  </a:lnTo>
+                  <a:close/>
+                </a:path>
+              </a:pathLst>
+            </a:custGeom>
+          </p:spPr>
+        </p:pic>
+        <p:pic>
+          <p:nvPicPr>
+            <p:cNvPr id="169" name="Latent Space Z">
+              <a:extLst>
+                <a:ext uri="{FF2B5EF4-FFF2-40B4-BE49-F238E27FC236}">
+                  <a16:creationId xmlns:a16="http://schemas.microsoft.com/office/drawing/2014/main" id="{50323ADE-6EA5-4DD6-9A6E-A5CB2ED0758D}"/>
+                </a:ext>
+              </a:extLst>
+            </p:cNvPr>
+            <p:cNvPicPr>
+              <a:picLocks noChangeAspect="1"/>
+            </p:cNvPicPr>
+            <p:nvPr/>
+          </p:nvPicPr>
+          <p:blipFill>
+            <a:blip r:embed="rId2"/>
+            <a:srcRect l="50657" t="28531" r="44939" b="64344"/>
+            <a:stretch>
+              <a:fillRect/>
+            </a:stretch>
+          </p:blipFill>
+          <p:spPr>
+            <a:xfrm>
+              <a:off x="6176157" y="2070819"/>
+              <a:ext cx="536879" cy="450698"/>
+            </a:xfrm>
+            <a:custGeom>
+              <a:avLst/>
+              <a:gdLst>
+                <a:gd name="connsiteX0" fmla="*/ 75116 w 536879"/>
+                <a:gd name="connsiteY0" fmla="*/ 0 h 450698"/>
+                <a:gd name="connsiteX1" fmla="*/ 461763 w 536879"/>
+                <a:gd name="connsiteY1" fmla="*/ 0 h 450698"/>
+                <a:gd name="connsiteX2" fmla="*/ 536879 w 536879"/>
+                <a:gd name="connsiteY2" fmla="*/ 75116 h 450698"/>
+                <a:gd name="connsiteX3" fmla="*/ 536879 w 536879"/>
+                <a:gd name="connsiteY3" fmla="*/ 375582 h 450698"/>
+                <a:gd name="connsiteX4" fmla="*/ 461763 w 536879"/>
+                <a:gd name="connsiteY4" fmla="*/ 450698 h 450698"/>
+                <a:gd name="connsiteX5" fmla="*/ 75116 w 536879"/>
+                <a:gd name="connsiteY5" fmla="*/ 450698 h 450698"/>
+                <a:gd name="connsiteX6" fmla="*/ 0 w 536879"/>
+                <a:gd name="connsiteY6" fmla="*/ 375582 h 450698"/>
+                <a:gd name="connsiteX7" fmla="*/ 0 w 536879"/>
+                <a:gd name="connsiteY7" fmla="*/ 75116 h 450698"/>
+                <a:gd name="connsiteX8" fmla="*/ 75116 w 536879"/>
+                <a:gd name="connsiteY8" fmla="*/ 0 h 450698"/>
+              </a:gdLst>
+              <a:ahLst/>
+              <a:cxnLst>
+                <a:cxn ang="0">
+                  <a:pos x="connsiteX0" y="connsiteY0"/>
+                </a:cxn>
+                <a:cxn ang="0">
+                  <a:pos x="connsiteX1" y="connsiteY1"/>
+                </a:cxn>
+                <a:cxn ang="0">
+                  <a:pos x="connsiteX2" y="connsiteY2"/>
+                </a:cxn>
+                <a:cxn ang="0">
+                  <a:pos x="connsiteX3" y="connsiteY3"/>
+                </a:cxn>
+                <a:cxn ang="0">
+                  <a:pos x="connsiteX4" y="connsiteY4"/>
+                </a:cxn>
+                <a:cxn ang="0">
+                  <a:pos x="connsiteX5" y="connsiteY5"/>
+                </a:cxn>
+                <a:cxn ang="0">
+                  <a:pos x="connsiteX6" y="connsiteY6"/>
+                </a:cxn>
+                <a:cxn ang="0">
+                  <a:pos x="connsiteX7" y="connsiteY7"/>
+                </a:cxn>
+                <a:cxn ang="0">
+                  <a:pos x="connsiteX8" y="connsiteY8"/>
+                </a:cxn>
+              </a:cxnLst>
+              <a:rect l="l" t="t" r="r" b="b"/>
+              <a:pathLst>
+                <a:path w="536879" h="450698">
+                  <a:moveTo>
+                    <a:pt x="75116" y="0"/>
+                  </a:moveTo>
+                  <a:lnTo>
+                    <a:pt x="461763" y="0"/>
+                  </a:lnTo>
+                  <a:cubicBezTo>
+                    <a:pt x="503248" y="0"/>
+                    <a:pt x="536879" y="33631"/>
+                    <a:pt x="536879" y="75116"/>
+                  </a:cubicBezTo>
+                  <a:lnTo>
+                    <a:pt x="536879" y="375582"/>
+                  </a:lnTo>
+                  <a:cubicBezTo>
+                    <a:pt x="536879" y="417067"/>
+                    <a:pt x="503248" y="450698"/>
+                    <a:pt x="461763" y="450698"/>
+                  </a:cubicBezTo>
+                  <a:lnTo>
+                    <a:pt x="75116" y="450698"/>
+                  </a:lnTo>
+                  <a:cubicBezTo>
+                    <a:pt x="33631" y="450698"/>
+                    <a:pt x="0" y="417067"/>
+                    <a:pt x="0" y="375582"/>
+                  </a:cubicBezTo>
+                  <a:lnTo>
+                    <a:pt x="0" y="75116"/>
+                  </a:lnTo>
+                  <a:cubicBezTo>
+                    <a:pt x="0" y="33631"/>
+                    <a:pt x="33631" y="0"/>
+                    <a:pt x="75116" y="0"/>
+                  </a:cubicBezTo>
+                  <a:close/>
+                </a:path>
+              </a:pathLst>
+            </a:custGeom>
+          </p:spPr>
+        </p:pic>
+        <p:pic>
+          <p:nvPicPr>
+            <p:cNvPr id="168" name="Images X">
+              <a:extLst>
+                <a:ext uri="{FF2B5EF4-FFF2-40B4-BE49-F238E27FC236}">
+                  <a16:creationId xmlns:a16="http://schemas.microsoft.com/office/drawing/2014/main" id="{7BF404F9-A9EA-42B2-860C-29FA1EBA7C6D}"/>
+                </a:ext>
+              </a:extLst>
+            </p:cNvPr>
+            <p:cNvPicPr>
+              <a:picLocks noChangeAspect="1"/>
+            </p:cNvPicPr>
+            <p:nvPr/>
+          </p:nvPicPr>
+          <p:blipFill>
+            <a:blip r:embed="rId2"/>
+            <a:srcRect l="62043" t="28539" r="32914" b="64337"/>
+            <a:stretch>
+              <a:fillRect/>
+            </a:stretch>
+          </p:blipFill>
+          <p:spPr>
+            <a:xfrm>
+              <a:off x="7564306" y="2071283"/>
+              <a:ext cx="614861" cy="450697"/>
+            </a:xfrm>
+            <a:custGeom>
+              <a:avLst/>
+              <a:gdLst>
+                <a:gd name="connsiteX0" fmla="*/ 75116 w 614861"/>
+                <a:gd name="connsiteY0" fmla="*/ 0 h 450697"/>
+                <a:gd name="connsiteX1" fmla="*/ 545916 w 614861"/>
+                <a:gd name="connsiteY1" fmla="*/ 0 h 450697"/>
+                <a:gd name="connsiteX2" fmla="*/ 599031 w 614861"/>
+                <a:gd name="connsiteY2" fmla="*/ 22001 h 450697"/>
+                <a:gd name="connsiteX3" fmla="*/ 614495 w 614861"/>
+                <a:gd name="connsiteY3" fmla="*/ 44938 h 450697"/>
+                <a:gd name="connsiteX4" fmla="*/ 614495 w 614861"/>
+                <a:gd name="connsiteY4" fmla="*/ 405217 h 450697"/>
+                <a:gd name="connsiteX5" fmla="*/ 614861 w 614861"/>
+                <a:gd name="connsiteY5" fmla="*/ 405217 h 450697"/>
+                <a:gd name="connsiteX6" fmla="*/ 599031 w 614861"/>
+                <a:gd name="connsiteY6" fmla="*/ 428696 h 450697"/>
+                <a:gd name="connsiteX7" fmla="*/ 545916 w 614861"/>
+                <a:gd name="connsiteY7" fmla="*/ 450697 h 450697"/>
+                <a:gd name="connsiteX8" fmla="*/ 75116 w 614861"/>
+                <a:gd name="connsiteY8" fmla="*/ 450697 h 450697"/>
+                <a:gd name="connsiteX9" fmla="*/ 0 w 614861"/>
+                <a:gd name="connsiteY9" fmla="*/ 375581 h 450697"/>
+                <a:gd name="connsiteX10" fmla="*/ 0 w 614861"/>
+                <a:gd name="connsiteY10" fmla="*/ 75116 h 450697"/>
+                <a:gd name="connsiteX11" fmla="*/ 75116 w 614861"/>
+                <a:gd name="connsiteY11" fmla="*/ 0 h 450697"/>
+              </a:gdLst>
+              <a:ahLst/>
+              <a:cxnLst>
+                <a:cxn ang="0">
+                  <a:pos x="connsiteX0" y="connsiteY0"/>
+                </a:cxn>
+                <a:cxn ang="0">
+                  <a:pos x="connsiteX1" y="connsiteY1"/>
+                </a:cxn>
+                <a:cxn ang="0">
+                  <a:pos x="connsiteX2" y="connsiteY2"/>
+                </a:cxn>
+                <a:cxn ang="0">
+                  <a:pos x="connsiteX3" y="connsiteY3"/>
+                </a:cxn>
+                <a:cxn ang="0">
+                  <a:pos x="connsiteX4" y="connsiteY4"/>
+                </a:cxn>
+                <a:cxn ang="0">
+                  <a:pos x="connsiteX5" y="connsiteY5"/>
+                </a:cxn>
+                <a:cxn ang="0">
+                  <a:pos x="connsiteX6" y="connsiteY6"/>
+                </a:cxn>
+                <a:cxn ang="0">
+                  <a:pos x="connsiteX7" y="connsiteY7"/>
+                </a:cxn>
+                <a:cxn ang="0">
+                  <a:pos x="connsiteX8" y="connsiteY8"/>
+                </a:cxn>
+                <a:cxn ang="0">
+                  <a:pos x="connsiteX9" y="connsiteY9"/>
+                </a:cxn>
+                <a:cxn ang="0">
+                  <a:pos x="connsiteX10" y="connsiteY10"/>
+                </a:cxn>
+                <a:cxn ang="0">
+                  <a:pos x="connsiteX11" y="connsiteY11"/>
+                </a:cxn>
+              </a:cxnLst>
+              <a:rect l="l" t="t" r="r" b="b"/>
+              <a:pathLst>
+                <a:path w="614861" h="450697">
+                  <a:moveTo>
+                    <a:pt x="75116" y="0"/>
+                  </a:moveTo>
+                  <a:lnTo>
+                    <a:pt x="545916" y="0"/>
+                  </a:lnTo>
+                  <a:cubicBezTo>
+                    <a:pt x="566659" y="0"/>
+                    <a:pt x="585438" y="8408"/>
+                    <a:pt x="599031" y="22001"/>
+                  </a:cubicBezTo>
+                  <a:lnTo>
+                    <a:pt x="614495" y="44938"/>
+                  </a:lnTo>
+                  <a:lnTo>
+                    <a:pt x="614495" y="405217"/>
+                  </a:lnTo>
+                  <a:lnTo>
+                    <a:pt x="614861" y="405217"/>
+                  </a:lnTo>
+                  <a:lnTo>
+                    <a:pt x="599031" y="428696"/>
+                  </a:lnTo>
+                  <a:cubicBezTo>
+                    <a:pt x="585438" y="442289"/>
+                    <a:pt x="566659" y="450697"/>
+                    <a:pt x="545916" y="450697"/>
+                  </a:cubicBezTo>
+                  <a:lnTo>
+                    <a:pt x="75116" y="450697"/>
+                  </a:lnTo>
+                  <a:cubicBezTo>
+                    <a:pt x="33631" y="450697"/>
+                    <a:pt x="0" y="417066"/>
+                    <a:pt x="0" y="375581"/>
+                  </a:cubicBezTo>
+                  <a:lnTo>
+                    <a:pt x="0" y="75116"/>
+                  </a:lnTo>
+                  <a:cubicBezTo>
+                    <a:pt x="0" y="33631"/>
+                    <a:pt x="33631" y="0"/>
+                    <a:pt x="75116" y="0"/>
+                  </a:cubicBezTo>
+                  <a:close/>
+                </a:path>
+              </a:pathLst>
+            </a:custGeom>
+          </p:spPr>
+        </p:pic>
+      </p:grpSp>
+      <p:grpSp>
+        <p:nvGrpSpPr>
+          <p:cNvPr id="183" name="prior p">
+            <a:extLst>
+              <a:ext uri="{FF2B5EF4-FFF2-40B4-BE49-F238E27FC236}">
+                <a16:creationId xmlns:a16="http://schemas.microsoft.com/office/drawing/2014/main" id="{8FD35B28-96FE-484C-9F83-2A7DAD3F98EB}"/>
+              </a:ext>
+            </a:extLst>
+          </p:cNvPr>
+          <p:cNvGrpSpPr/>
+          <p:nvPr/>
+        </p:nvGrpSpPr>
+        <p:grpSpPr>
+          <a:xfrm>
+            <a:off x="687621" y="1831150"/>
+            <a:ext cx="5451561" cy="1120485"/>
+            <a:chOff x="687621" y="1831150"/>
+            <a:chExt cx="5451561" cy="1120485"/>
+          </a:xfrm>
+        </p:grpSpPr>
+        <p:pic>
+          <p:nvPicPr>
+            <p:cNvPr id="172" name="-p&gt;">
+              <a:extLst>
+                <a:ext uri="{FF2B5EF4-FFF2-40B4-BE49-F238E27FC236}">
+                  <a16:creationId xmlns:a16="http://schemas.microsoft.com/office/drawing/2014/main" id="{93207355-ED56-4242-B389-4C767EF5B2BE}"/>
+                </a:ext>
+              </a:extLst>
+            </p:cNvPr>
+            <p:cNvPicPr>
+              <a:picLocks noChangeAspect="1"/>
+            </p:cNvPicPr>
+            <p:nvPr/>
+          </p:nvPicPr>
+          <p:blipFill>
+            <a:blip r:embed="rId2">
+              <a:clrChange>
+                <a:clrFrom>
+                  <a:srgbClr val="FFFFFF"/>
+                </a:clrFrom>
+                <a:clrTo>
+                  <a:srgbClr val="FFFFFF">
+                    <a:alpha val="0"/>
+                  </a:srgbClr>
+                </a:clrTo>
+              </a:clrChange>
+            </a:blip>
+            <a:srcRect l="45260" t="24743" r="49646" b="65443"/>
+            <a:stretch>
+              <a:fillRect/>
+            </a:stretch>
+          </p:blipFill>
+          <p:spPr>
+            <a:xfrm>
+              <a:off x="5518150" y="1831150"/>
+              <a:ext cx="621032" cy="620888"/>
+            </a:xfrm>
+            <a:custGeom>
+              <a:avLst/>
+              <a:gdLst>
+                <a:gd name="connsiteX0" fmla="*/ 0 w 621032"/>
+                <a:gd name="connsiteY0" fmla="*/ 0 h 620888"/>
+                <a:gd name="connsiteX1" fmla="*/ 621032 w 621032"/>
+                <a:gd name="connsiteY1" fmla="*/ 0 h 620888"/>
+                <a:gd name="connsiteX2" fmla="*/ 621032 w 621032"/>
+                <a:gd name="connsiteY2" fmla="*/ 620888 h 620888"/>
+                <a:gd name="connsiteX3" fmla="*/ 0 w 621032"/>
+                <a:gd name="connsiteY3" fmla="*/ 620888 h 620888"/>
+                <a:gd name="connsiteX4" fmla="*/ 0 w 621032"/>
+                <a:gd name="connsiteY4" fmla="*/ 0 h 620888"/>
+              </a:gdLst>
+              <a:ahLst/>
+              <a:cxnLst>
+                <a:cxn ang="0">
+                  <a:pos x="connsiteX0" y="connsiteY0"/>
+                </a:cxn>
+                <a:cxn ang="0">
+                  <a:pos x="connsiteX1" y="connsiteY1"/>
+                </a:cxn>
+                <a:cxn ang="0">
+                  <a:pos x="connsiteX2" y="connsiteY2"/>
+                </a:cxn>
+                <a:cxn ang="0">
+                  <a:pos x="connsiteX3" y="connsiteY3"/>
+                </a:cxn>
+                <a:cxn ang="0">
+                  <a:pos x="connsiteX4" y="connsiteY4"/>
+                </a:cxn>
+              </a:cxnLst>
+              <a:rect l="l" t="t" r="r" b="b"/>
+              <a:pathLst>
+                <a:path w="621032" h="620888">
+                  <a:moveTo>
+                    <a:pt x="0" y="0"/>
+                  </a:moveTo>
+                  <a:lnTo>
+                    <a:pt x="621032" y="0"/>
+                  </a:lnTo>
+                  <a:lnTo>
+                    <a:pt x="621032" y="620888"/>
+                  </a:lnTo>
+                  <a:lnTo>
+                    <a:pt x="0" y="620888"/>
+                  </a:lnTo>
+                  <a:lnTo>
+                    <a:pt x="0" y="0"/>
+                  </a:lnTo>
+                  <a:close/>
+                </a:path>
+              </a:pathLst>
+            </a:custGeom>
+          </p:spPr>
+        </p:pic>
+        <p:pic>
+          <p:nvPicPr>
+            <p:cNvPr id="167" name="p(Z)">
+              <a:extLst>
+                <a:ext uri="{FF2B5EF4-FFF2-40B4-BE49-F238E27FC236}">
+                  <a16:creationId xmlns:a16="http://schemas.microsoft.com/office/drawing/2014/main" id="{5F28CD75-E34D-4ADB-86F4-121E1418DB2F}"/>
+                </a:ext>
+              </a:extLst>
+            </p:cNvPr>
+            <p:cNvPicPr>
+              <a:picLocks noChangeAspect="1"/>
+            </p:cNvPicPr>
+            <p:nvPr/>
+          </p:nvPicPr>
+          <p:blipFill>
+            <a:blip r:embed="rId2">
+              <a:clrChange>
+                <a:clrFrom>
+                  <a:srgbClr val="FFFFFF"/>
+                </a:clrFrom>
+                <a:clrTo>
+                  <a:srgbClr val="FFFFFF">
+                    <a:alpha val="0"/>
+                  </a:srgbClr>
+                </a:clrTo>
+              </a:clrChange>
+            </a:blip>
+            <a:srcRect l="5640" t="33918" r="66812" b="57546"/>
+            <a:stretch>
+              <a:fillRect/>
+            </a:stretch>
+          </p:blipFill>
+          <p:spPr>
+            <a:xfrm>
+              <a:off x="687621" y="2411576"/>
+              <a:ext cx="3358600" cy="540059"/>
+            </a:xfrm>
+            <a:custGeom>
+              <a:avLst/>
+              <a:gdLst>
+                <a:gd name="connsiteX0" fmla="*/ 0 w 3358600"/>
+                <a:gd name="connsiteY0" fmla="*/ 0 h 540059"/>
+                <a:gd name="connsiteX1" fmla="*/ 3358600 w 3358600"/>
+                <a:gd name="connsiteY1" fmla="*/ 0 h 540059"/>
+                <a:gd name="connsiteX2" fmla="*/ 3358600 w 3358600"/>
+                <a:gd name="connsiteY2" fmla="*/ 540059 h 540059"/>
+                <a:gd name="connsiteX3" fmla="*/ 0 w 3358600"/>
+                <a:gd name="connsiteY3" fmla="*/ 540059 h 540059"/>
+                <a:gd name="connsiteX4" fmla="*/ 0 w 3358600"/>
+                <a:gd name="connsiteY4" fmla="*/ 0 h 540059"/>
+              </a:gdLst>
+              <a:ahLst/>
+              <a:cxnLst>
+                <a:cxn ang="0">
+                  <a:pos x="connsiteX0" y="connsiteY0"/>
+                </a:cxn>
+                <a:cxn ang="0">
+                  <a:pos x="connsiteX1" y="connsiteY1"/>
+                </a:cxn>
+                <a:cxn ang="0">
+                  <a:pos x="connsiteX2" y="connsiteY2"/>
+                </a:cxn>
+                <a:cxn ang="0">
+                  <a:pos x="connsiteX3" y="connsiteY3"/>
+                </a:cxn>
+                <a:cxn ang="0">
+                  <a:pos x="connsiteX4" y="connsiteY4"/>
+                </a:cxn>
+              </a:cxnLst>
+              <a:rect l="l" t="t" r="r" b="b"/>
+              <a:pathLst>
+                <a:path w="3358600" h="540059">
+                  <a:moveTo>
+                    <a:pt x="0" y="0"/>
+                  </a:moveTo>
+                  <a:lnTo>
+                    <a:pt x="3358600" y="0"/>
+                  </a:lnTo>
+                  <a:lnTo>
+                    <a:pt x="3358600" y="540059"/>
+                  </a:lnTo>
+                  <a:lnTo>
+                    <a:pt x="0" y="540059"/>
+                  </a:lnTo>
+                  <a:lnTo>
+                    <a:pt x="0" y="0"/>
+                  </a:lnTo>
+                  <a:close/>
+                </a:path>
+              </a:pathLst>
+            </a:custGeom>
+          </p:spPr>
+        </p:pic>
+      </p:grpSp>
+      <p:pic>
+        <p:nvPicPr>
+          <p:cNvPr id="166" name="encoder strength">
+            <a:extLst>
+              <a:ext uri="{FF2B5EF4-FFF2-40B4-BE49-F238E27FC236}">
+                <a16:creationId xmlns:a16="http://schemas.microsoft.com/office/drawing/2014/main" id="{ABBD3D1C-8194-42EE-89E9-EACEA296542E}"/>
+              </a:ext>
+            </a:extLst>
+          </p:cNvPr>
+          <p:cNvPicPr>
+            <a:picLocks noChangeAspect="1"/>
+          </p:cNvPicPr>
+          <p:nvPr/>
+        </p:nvPicPr>
+        <p:blipFill>
+          <a:blip r:embed="rId2">
+            <a:clrChange>
+              <a:clrFrom>
+                <a:srgbClr val="FFFFFF"/>
+              </a:clrFrom>
+              <a:clrTo>
+                <a:srgbClr val="FFFFFF">
+                  <a:alpha val="0"/>
+                </a:srgbClr>
+              </a:clrTo>
+            </a:clrChange>
+          </a:blip>
+          <a:srcRect l="56156" t="34648" r="39052" b="60275"/>
+          <a:stretch>
+            <a:fillRect/>
+          </a:stretch>
+        </p:blipFill>
+        <p:spPr>
+          <a:xfrm>
+            <a:off x="6846570" y="2457763"/>
+            <a:ext cx="584200" cy="321188"/>
+          </a:xfrm>
+          <a:custGeom>
+            <a:avLst/>
+            <a:gdLst>
+              <a:gd name="connsiteX0" fmla="*/ 0 w 584200"/>
+              <a:gd name="connsiteY0" fmla="*/ 0 h 321188"/>
+              <a:gd name="connsiteX1" fmla="*/ 584200 w 584200"/>
+              <a:gd name="connsiteY1" fmla="*/ 0 h 321188"/>
+              <a:gd name="connsiteX2" fmla="*/ 559937 w 584200"/>
+              <a:gd name="connsiteY2" fmla="*/ 79069 h 321188"/>
+              <a:gd name="connsiteX3" fmla="*/ 559938 w 584200"/>
+              <a:gd name="connsiteY3" fmla="*/ 79069 h 321188"/>
+              <a:gd name="connsiteX4" fmla="*/ 485640 w 584200"/>
+              <a:gd name="connsiteY4" fmla="*/ 321188 h 321188"/>
+              <a:gd name="connsiteX5" fmla="*/ 120962 w 584200"/>
+              <a:gd name="connsiteY5" fmla="*/ 303268 h 321188"/>
+              <a:gd name="connsiteX6" fmla="*/ 31539 w 584200"/>
+              <a:gd name="connsiteY6" fmla="*/ 79069 h 321188"/>
+              <a:gd name="connsiteX7" fmla="*/ 31538 w 584200"/>
+              <a:gd name="connsiteY7" fmla="*/ 79069 h 321188"/>
+              <a:gd name="connsiteX8" fmla="*/ 0 w 584200"/>
+              <a:gd name="connsiteY8" fmla="*/ 0 h 321188"/>
+            </a:gdLst>
+            <a:ahLst/>
+            <a:cxnLst>
+              <a:cxn ang="0">
+                <a:pos x="connsiteX0" y="connsiteY0"/>
+              </a:cxn>
+              <a:cxn ang="0">
+                <a:pos x="connsiteX1" y="connsiteY1"/>
+              </a:cxn>
+              <a:cxn ang="0">
+                <a:pos x="connsiteX2" y="connsiteY2"/>
+              </a:cxn>
+              <a:cxn ang="0">
+                <a:pos x="connsiteX3" y="connsiteY3"/>
+              </a:cxn>
+              <a:cxn ang="0">
+                <a:pos x="connsiteX4" y="connsiteY4"/>
+              </a:cxn>
+              <a:cxn ang="0">
+                <a:pos x="connsiteX5" y="connsiteY5"/>
+              </a:cxn>
+              <a:cxn ang="0">
+                <a:pos x="connsiteX6" y="connsiteY6"/>
+              </a:cxn>
+              <a:cxn ang="0">
+                <a:pos x="connsiteX7" y="connsiteY7"/>
+              </a:cxn>
+              <a:cxn ang="0">
+                <a:pos x="connsiteX8" y="connsiteY8"/>
+              </a:cxn>
+            </a:cxnLst>
+            <a:rect l="l" t="t" r="r" b="b"/>
+            <a:pathLst>
+              <a:path w="584200" h="321188">
+                <a:moveTo>
+                  <a:pt x="0" y="0"/>
+                </a:moveTo>
+                <a:lnTo>
+                  <a:pt x="584200" y="0"/>
+                </a:lnTo>
+                <a:lnTo>
+                  <a:pt x="559937" y="79069"/>
+                </a:lnTo>
+                <a:lnTo>
+                  <a:pt x="559938" y="79069"/>
+                </a:lnTo>
+                <a:lnTo>
+                  <a:pt x="485640" y="321188"/>
+                </a:lnTo>
+                <a:lnTo>
+                  <a:pt x="120962" y="303268"/>
+                </a:lnTo>
+                <a:lnTo>
+                  <a:pt x="31539" y="79069"/>
+                </a:lnTo>
+                <a:lnTo>
+                  <a:pt x="31538" y="79069"/>
+                </a:lnTo>
+                <a:lnTo>
+                  <a:pt x="0" y="0"/>
+                </a:lnTo>
+                <a:close/>
+              </a:path>
+            </a:pathLst>
+          </a:custGeom>
+        </p:spPr>
+      </p:pic>
+      <p:pic>
+        <p:nvPicPr>
+          <p:cNvPr id="165" name="prior strength">
+            <a:extLst>
+              <a:ext uri="{FF2B5EF4-FFF2-40B4-BE49-F238E27FC236}">
+                <a16:creationId xmlns:a16="http://schemas.microsoft.com/office/drawing/2014/main" id="{7047E6BC-C8DD-4917-BF8C-E0FD9FC91946}"/>
+              </a:ext>
+            </a:extLst>
+          </p:cNvPr>
+          <p:cNvPicPr>
+            <a:picLocks noChangeAspect="1"/>
+          </p:cNvPicPr>
+          <p:nvPr/>
+        </p:nvPicPr>
+        <p:blipFill>
+          <a:blip r:embed="rId2"/>
+          <a:srcRect l="45177" t="34788" r="49729" b="59966"/>
+          <a:stretch>
+            <a:fillRect/>
+          </a:stretch>
+        </p:blipFill>
+        <p:spPr>
+          <a:xfrm>
+            <a:off x="5507991" y="2466613"/>
+            <a:ext cx="621031" cy="331913"/>
+          </a:xfrm>
+          <a:custGeom>
+            <a:avLst/>
+            <a:gdLst>
+              <a:gd name="connsiteX0" fmla="*/ 0 w 621031"/>
+              <a:gd name="connsiteY0" fmla="*/ 0 h 331913"/>
+              <a:gd name="connsiteX1" fmla="*/ 621031 w 621031"/>
+              <a:gd name="connsiteY1" fmla="*/ 0 h 331913"/>
+              <a:gd name="connsiteX2" fmla="*/ 621031 w 621031"/>
+              <a:gd name="connsiteY2" fmla="*/ 331913 h 331913"/>
+              <a:gd name="connsiteX3" fmla="*/ 0 w 621031"/>
+              <a:gd name="connsiteY3" fmla="*/ 331913 h 331913"/>
+              <a:gd name="connsiteX4" fmla="*/ 0 w 621031"/>
+              <a:gd name="connsiteY4" fmla="*/ 0 h 331913"/>
+            </a:gdLst>
+            <a:ahLst/>
+            <a:cxnLst>
+              <a:cxn ang="0">
+                <a:pos x="connsiteX0" y="connsiteY0"/>
+              </a:cxn>
+              <a:cxn ang="0">
+                <a:pos x="connsiteX1" y="connsiteY1"/>
+              </a:cxn>
+              <a:cxn ang="0">
+                <a:pos x="connsiteX2" y="connsiteY2"/>
+              </a:cxn>
+              <a:cxn ang="0">
+                <a:pos x="connsiteX3" y="connsiteY3"/>
+              </a:cxn>
+              <a:cxn ang="0">
+                <a:pos x="connsiteX4" y="connsiteY4"/>
+              </a:cxn>
+            </a:cxnLst>
+            <a:rect l="l" t="t" r="r" b="b"/>
+            <a:pathLst>
+              <a:path w="621031" h="331913">
+                <a:moveTo>
+                  <a:pt x="0" y="0"/>
+                </a:moveTo>
+                <a:lnTo>
+                  <a:pt x="621031" y="0"/>
+                </a:lnTo>
+                <a:lnTo>
+                  <a:pt x="621031" y="331913"/>
+                </a:lnTo>
+                <a:lnTo>
+                  <a:pt x="0" y="331913"/>
+                </a:lnTo>
+                <a:lnTo>
+                  <a:pt x="0" y="0"/>
+                </a:lnTo>
+                <a:close/>
+              </a:path>
+            </a:pathLst>
+          </a:custGeom>
+        </p:spPr>
+      </p:pic>
+      <p:grpSp>
+        <p:nvGrpSpPr>
+          <p:cNvPr id="181" name="encoder e">
+            <a:extLst>
+              <a:ext uri="{FF2B5EF4-FFF2-40B4-BE49-F238E27FC236}">
+                <a16:creationId xmlns:a16="http://schemas.microsoft.com/office/drawing/2014/main" id="{9EB5184D-09FD-486D-962E-5DA68135F6AF}"/>
+              </a:ext>
+            </a:extLst>
+          </p:cNvPr>
+          <p:cNvGrpSpPr/>
+          <p:nvPr/>
+        </p:nvGrpSpPr>
+        <p:grpSpPr>
+          <a:xfrm>
+            <a:off x="687621" y="1431608"/>
+            <a:ext cx="7084780" cy="1768447"/>
+            <a:chOff x="687621" y="1431608"/>
+            <a:chExt cx="7084780" cy="1768447"/>
+          </a:xfrm>
+        </p:grpSpPr>
+        <p:pic>
+          <p:nvPicPr>
+            <p:cNvPr id="174" name="e(Z|X)">
+              <a:extLst>
+                <a:ext uri="{FF2B5EF4-FFF2-40B4-BE49-F238E27FC236}">
+                  <a16:creationId xmlns:a16="http://schemas.microsoft.com/office/drawing/2014/main" id="{FA284E1B-DFD9-42BE-A4E4-42E140CAE9A8}"/>
+                </a:ext>
+              </a:extLst>
+            </p:cNvPr>
+            <p:cNvPicPr>
+              <a:picLocks noChangeAspect="1"/>
+            </p:cNvPicPr>
+            <p:nvPr/>
+          </p:nvPicPr>
+          <p:blipFill>
+            <a:blip r:embed="rId2">
+              <a:clrChange>
+                <a:clrFrom>
+                  <a:srgbClr val="FFFFFF"/>
+                </a:clrFrom>
+                <a:clrTo>
+                  <a:srgbClr val="FFFFFF">
+                    <a:alpha val="0"/>
+                  </a:srgbClr>
+                </a:clrTo>
+              </a:clrChange>
+            </a:blip>
+            <a:srcRect l="5640" t="18428" r="66812" b="73943"/>
+            <a:stretch>
+              <a:fillRect/>
+            </a:stretch>
+          </p:blipFill>
+          <p:spPr>
+            <a:xfrm>
+              <a:off x="687621" y="1431608"/>
+              <a:ext cx="3358600" cy="482696"/>
+            </a:xfrm>
+            <a:custGeom>
+              <a:avLst/>
+              <a:gdLst>
+                <a:gd name="connsiteX0" fmla="*/ 0 w 3358600"/>
+                <a:gd name="connsiteY0" fmla="*/ 0 h 482696"/>
+                <a:gd name="connsiteX1" fmla="*/ 3358600 w 3358600"/>
+                <a:gd name="connsiteY1" fmla="*/ 0 h 482696"/>
+                <a:gd name="connsiteX2" fmla="*/ 3358600 w 3358600"/>
+                <a:gd name="connsiteY2" fmla="*/ 482696 h 482696"/>
+                <a:gd name="connsiteX3" fmla="*/ 0 w 3358600"/>
+                <a:gd name="connsiteY3" fmla="*/ 482696 h 482696"/>
+                <a:gd name="connsiteX4" fmla="*/ 0 w 3358600"/>
+                <a:gd name="connsiteY4" fmla="*/ 0 h 482696"/>
+              </a:gdLst>
+              <a:ahLst/>
+              <a:cxnLst>
+                <a:cxn ang="0">
+                  <a:pos x="connsiteX0" y="connsiteY0"/>
+                </a:cxn>
+                <a:cxn ang="0">
+                  <a:pos x="connsiteX1" y="connsiteY1"/>
+                </a:cxn>
+                <a:cxn ang="0">
+                  <a:pos x="connsiteX2" y="connsiteY2"/>
+                </a:cxn>
+                <a:cxn ang="0">
+                  <a:pos x="connsiteX3" y="connsiteY3"/>
+                </a:cxn>
+                <a:cxn ang="0">
+                  <a:pos x="connsiteX4" y="connsiteY4"/>
+                </a:cxn>
+              </a:cxnLst>
+              <a:rect l="l" t="t" r="r" b="b"/>
+              <a:pathLst>
+                <a:path w="3358600" h="482696">
+                  <a:moveTo>
+                    <a:pt x="0" y="0"/>
+                  </a:moveTo>
+                  <a:lnTo>
+                    <a:pt x="3358600" y="0"/>
+                  </a:lnTo>
+                  <a:lnTo>
+                    <a:pt x="3358600" y="482696"/>
+                  </a:lnTo>
+                  <a:lnTo>
+                    <a:pt x="0" y="482696"/>
+                  </a:lnTo>
+                  <a:lnTo>
+                    <a:pt x="0" y="0"/>
+                  </a:lnTo>
+                  <a:close/>
+                </a:path>
+              </a:pathLst>
+            </a:custGeom>
+          </p:spPr>
+        </p:pic>
+        <p:pic>
+          <p:nvPicPr>
+            <p:cNvPr id="164" name="-e&gt;">
+              <a:extLst>
+                <a:ext uri="{FF2B5EF4-FFF2-40B4-BE49-F238E27FC236}">
+                  <a16:creationId xmlns:a16="http://schemas.microsoft.com/office/drawing/2014/main" id="{01B94404-2924-4894-95EF-81670227B26C}"/>
+                </a:ext>
+              </a:extLst>
+            </p:cNvPr>
+            <p:cNvPicPr>
+              <a:picLocks noChangeAspect="1"/>
+            </p:cNvPicPr>
+            <p:nvPr/>
+          </p:nvPicPr>
+          <p:blipFill>
+            <a:blip r:embed="rId2">
+              <a:clrChange>
+                <a:clrFrom>
+                  <a:srgbClr val="FFFFFF"/>
+                </a:clrFrom>
+                <a:clrTo>
+                  <a:srgbClr val="FFFFFF">
+                    <a:alpha val="0"/>
+                  </a:srgbClr>
+                </a:clrTo>
+              </a:clrChange>
+            </a:blip>
+            <a:srcRect l="53382" t="35886" r="36250" b="53619"/>
+            <a:stretch>
+              <a:fillRect/>
+            </a:stretch>
+          </p:blipFill>
+          <p:spPr>
+            <a:xfrm>
+              <a:off x="6508327" y="2536093"/>
+              <a:ext cx="1264074" cy="663962"/>
+            </a:xfrm>
+            <a:custGeom>
+              <a:avLst/>
+              <a:gdLst>
+                <a:gd name="connsiteX0" fmla="*/ 0 w 1264074"/>
+                <a:gd name="connsiteY0" fmla="*/ 0 h 663962"/>
+                <a:gd name="connsiteX1" fmla="*/ 353353 w 1264074"/>
+                <a:gd name="connsiteY1" fmla="*/ 0 h 663962"/>
+                <a:gd name="connsiteX2" fmla="*/ 448414 w 1264074"/>
+                <a:gd name="connsiteY2" fmla="*/ 238334 h 663962"/>
+                <a:gd name="connsiteX3" fmla="*/ 836084 w 1264074"/>
+                <a:gd name="connsiteY3" fmla="*/ 257384 h 663962"/>
+                <a:gd name="connsiteX4" fmla="*/ 915066 w 1264074"/>
+                <a:gd name="connsiteY4" fmla="*/ 0 h 663962"/>
+                <a:gd name="connsiteX5" fmla="*/ 1264074 w 1264074"/>
+                <a:gd name="connsiteY5" fmla="*/ 0 h 663962"/>
+                <a:gd name="connsiteX6" fmla="*/ 1264074 w 1264074"/>
+                <a:gd name="connsiteY6" fmla="*/ 663962 h 663962"/>
+                <a:gd name="connsiteX7" fmla="*/ 0 w 1264074"/>
+                <a:gd name="connsiteY7" fmla="*/ 663962 h 663962"/>
+                <a:gd name="connsiteX8" fmla="*/ 0 w 1264074"/>
+                <a:gd name="connsiteY8" fmla="*/ 0 h 663962"/>
+              </a:gdLst>
+              <a:ahLst/>
+              <a:cxnLst>
+                <a:cxn ang="0">
+                  <a:pos x="connsiteX0" y="connsiteY0"/>
+                </a:cxn>
+                <a:cxn ang="0">
+                  <a:pos x="connsiteX1" y="connsiteY1"/>
+                </a:cxn>
+                <a:cxn ang="0">
+                  <a:pos x="connsiteX2" y="connsiteY2"/>
+                </a:cxn>
+                <a:cxn ang="0">
+                  <a:pos x="connsiteX3" y="connsiteY3"/>
+                </a:cxn>
+                <a:cxn ang="0">
+                  <a:pos x="connsiteX4" y="connsiteY4"/>
+                </a:cxn>
+                <a:cxn ang="0">
+                  <a:pos x="connsiteX5" y="connsiteY5"/>
+                </a:cxn>
+                <a:cxn ang="0">
+                  <a:pos x="connsiteX6" y="connsiteY6"/>
+                </a:cxn>
+                <a:cxn ang="0">
+                  <a:pos x="connsiteX7" y="connsiteY7"/>
+                </a:cxn>
+                <a:cxn ang="0">
+                  <a:pos x="connsiteX8" y="connsiteY8"/>
+                </a:cxn>
+              </a:cxnLst>
+              <a:rect l="l" t="t" r="r" b="b"/>
+              <a:pathLst>
+                <a:path w="1264074" h="663962">
+                  <a:moveTo>
+                    <a:pt x="0" y="0"/>
+                  </a:moveTo>
+                  <a:lnTo>
+                    <a:pt x="353353" y="0"/>
+                  </a:lnTo>
+                  <a:lnTo>
+                    <a:pt x="448414" y="238334"/>
+                  </a:lnTo>
+                  <a:lnTo>
+                    <a:pt x="836084" y="257384"/>
+                  </a:lnTo>
+                  <a:lnTo>
+                    <a:pt x="915066" y="0"/>
+                  </a:lnTo>
+                  <a:lnTo>
+                    <a:pt x="1264074" y="0"/>
+                  </a:lnTo>
+                  <a:lnTo>
+                    <a:pt x="1264074" y="663962"/>
+                  </a:lnTo>
+                  <a:lnTo>
+                    <a:pt x="0" y="663962"/>
+                  </a:lnTo>
+                  <a:lnTo>
+                    <a:pt x="0" y="0"/>
+                  </a:lnTo>
+                  <a:close/>
+                </a:path>
+              </a:pathLst>
+            </a:custGeom>
+          </p:spPr>
+        </p:pic>
+      </p:grpSp>
+      <p:grpSp>
+        <p:nvGrpSpPr>
+          <p:cNvPr id="184" name="sample x">
+            <a:extLst>
+              <a:ext uri="{FF2B5EF4-FFF2-40B4-BE49-F238E27FC236}">
+                <a16:creationId xmlns:a16="http://schemas.microsoft.com/office/drawing/2014/main" id="{A9E06AD1-3478-4EC0-AB5A-3D40CBCC0FB1}"/>
+              </a:ext>
+            </a:extLst>
+          </p:cNvPr>
+          <p:cNvGrpSpPr/>
+          <p:nvPr/>
+        </p:nvGrpSpPr>
+        <p:grpSpPr>
+          <a:xfrm>
+            <a:off x="183880" y="1914685"/>
+            <a:ext cx="8579120" cy="1734883"/>
+            <a:chOff x="183880" y="1914685"/>
+            <a:chExt cx="8579120" cy="1734883"/>
+          </a:xfrm>
+        </p:grpSpPr>
+        <p:pic>
+          <p:nvPicPr>
+            <p:cNvPr id="171" name="-x&gt;&gt;">
+              <a:extLst>
+                <a:ext uri="{FF2B5EF4-FFF2-40B4-BE49-F238E27FC236}">
+                  <a16:creationId xmlns:a16="http://schemas.microsoft.com/office/drawing/2014/main" id="{0B4CBEC9-D9AC-4327-8BBA-2C32A4B43567}"/>
+                </a:ext>
+              </a:extLst>
+            </p:cNvPr>
+            <p:cNvPicPr>
+              <a:picLocks noChangeAspect="1"/>
+            </p:cNvPicPr>
+            <p:nvPr/>
+          </p:nvPicPr>
+          <p:blipFill>
+            <a:blip r:embed="rId2"/>
+            <a:srcRect l="67083" t="26064" r="28125" b="65056"/>
+            <a:stretch>
+              <a:fillRect/>
+            </a:stretch>
+          </p:blipFill>
+          <p:spPr>
+            <a:xfrm>
+              <a:off x="8178800" y="1914685"/>
+              <a:ext cx="584200" cy="561815"/>
+            </a:xfrm>
+            <a:custGeom>
+              <a:avLst/>
+              <a:gdLst>
+                <a:gd name="connsiteX0" fmla="*/ 0 w 584200"/>
+                <a:gd name="connsiteY0" fmla="*/ 0 h 561815"/>
+                <a:gd name="connsiteX1" fmla="*/ 584200 w 584200"/>
+                <a:gd name="connsiteY1" fmla="*/ 0 h 561815"/>
+                <a:gd name="connsiteX2" fmla="*/ 584200 w 584200"/>
+                <a:gd name="connsiteY2" fmla="*/ 561815 h 561815"/>
+                <a:gd name="connsiteX3" fmla="*/ 366 w 584200"/>
+                <a:gd name="connsiteY3" fmla="*/ 561815 h 561815"/>
+                <a:gd name="connsiteX4" fmla="*/ 634 w 584200"/>
+                <a:gd name="connsiteY4" fmla="*/ 561417 h 561815"/>
+                <a:gd name="connsiteX5" fmla="*/ 6537 w 584200"/>
+                <a:gd name="connsiteY5" fmla="*/ 532179 h 561815"/>
+                <a:gd name="connsiteX6" fmla="*/ 6537 w 584200"/>
+                <a:gd name="connsiteY6" fmla="*/ 231714 h 561815"/>
+                <a:gd name="connsiteX7" fmla="*/ 634 w 584200"/>
+                <a:gd name="connsiteY7" fmla="*/ 202476 h 561815"/>
+                <a:gd name="connsiteX8" fmla="*/ 0 w 584200"/>
+                <a:gd name="connsiteY8" fmla="*/ 201536 h 561815"/>
+                <a:gd name="connsiteX9" fmla="*/ 0 w 584200"/>
+                <a:gd name="connsiteY9" fmla="*/ 0 h 561815"/>
+              </a:gdLst>
+              <a:ahLst/>
+              <a:cxnLst>
+                <a:cxn ang="0">
+                  <a:pos x="connsiteX0" y="connsiteY0"/>
+                </a:cxn>
+                <a:cxn ang="0">
+                  <a:pos x="connsiteX1" y="connsiteY1"/>
+                </a:cxn>
+                <a:cxn ang="0">
+                  <a:pos x="connsiteX2" y="connsiteY2"/>
+                </a:cxn>
+                <a:cxn ang="0">
+                  <a:pos x="connsiteX3" y="connsiteY3"/>
+                </a:cxn>
+                <a:cxn ang="0">
+                  <a:pos x="connsiteX4" y="connsiteY4"/>
+                </a:cxn>
+                <a:cxn ang="0">
+                  <a:pos x="connsiteX5" y="connsiteY5"/>
+                </a:cxn>
+                <a:cxn ang="0">
+                  <a:pos x="connsiteX6" y="connsiteY6"/>
+                </a:cxn>
+                <a:cxn ang="0">
+                  <a:pos x="connsiteX7" y="connsiteY7"/>
+                </a:cxn>
+                <a:cxn ang="0">
+                  <a:pos x="connsiteX8" y="connsiteY8"/>
+                </a:cxn>
+                <a:cxn ang="0">
+                  <a:pos x="connsiteX9" y="connsiteY9"/>
+                </a:cxn>
+              </a:cxnLst>
+              <a:rect l="l" t="t" r="r" b="b"/>
+              <a:pathLst>
+                <a:path w="584200" h="561815">
+                  <a:moveTo>
+                    <a:pt x="0" y="0"/>
+                  </a:moveTo>
+                  <a:lnTo>
+                    <a:pt x="584200" y="0"/>
+                  </a:lnTo>
+                  <a:lnTo>
+                    <a:pt x="584200" y="561815"/>
+                  </a:lnTo>
+                  <a:lnTo>
+                    <a:pt x="366" y="561815"/>
+                  </a:lnTo>
+                  <a:lnTo>
+                    <a:pt x="634" y="561417"/>
+                  </a:lnTo>
+                  <a:cubicBezTo>
+                    <a:pt x="4435" y="552431"/>
+                    <a:pt x="6537" y="542550"/>
+                    <a:pt x="6537" y="532179"/>
+                  </a:cubicBezTo>
+                  <a:lnTo>
+                    <a:pt x="6537" y="231714"/>
+                  </a:lnTo>
+                  <a:cubicBezTo>
+                    <a:pt x="6537" y="221343"/>
+                    <a:pt x="4435" y="211463"/>
+                    <a:pt x="634" y="202476"/>
+                  </a:cubicBezTo>
+                  <a:lnTo>
+                    <a:pt x="0" y="201536"/>
+                  </a:lnTo>
+                  <a:lnTo>
+                    <a:pt x="0" y="0"/>
+                  </a:lnTo>
+                  <a:close/>
+                </a:path>
+              </a:pathLst>
+            </a:custGeom>
+          </p:spPr>
+        </p:pic>
+        <p:pic>
+          <p:nvPicPr>
+            <p:cNvPr id="163" name="observe a sample">
+              <a:extLst>
+                <a:ext uri="{FF2B5EF4-FFF2-40B4-BE49-F238E27FC236}">
+                  <a16:creationId xmlns:a16="http://schemas.microsoft.com/office/drawing/2014/main" id="{B5F7AE79-DB97-4ED1-A922-D9F919261DF5}"/>
+                </a:ext>
+              </a:extLst>
+            </p:cNvPr>
+            <p:cNvPicPr>
+              <a:picLocks noChangeAspect="1"/>
+            </p:cNvPicPr>
+            <p:nvPr/>
+          </p:nvPicPr>
+          <p:blipFill>
+            <a:blip r:embed="rId2"/>
+            <a:srcRect l="1508" t="42991" r="65236" b="46514"/>
+            <a:stretch>
+              <a:fillRect/>
+            </a:stretch>
+          </p:blipFill>
+          <p:spPr>
+            <a:xfrm>
+              <a:off x="183880" y="2985606"/>
+              <a:ext cx="4054571" cy="663962"/>
+            </a:xfrm>
+            <a:custGeom>
+              <a:avLst/>
+              <a:gdLst>
+                <a:gd name="connsiteX0" fmla="*/ 0 w 4054571"/>
+                <a:gd name="connsiteY0" fmla="*/ 0 h 663962"/>
+                <a:gd name="connsiteX1" fmla="*/ 4054571 w 4054571"/>
+                <a:gd name="connsiteY1" fmla="*/ 0 h 663962"/>
+                <a:gd name="connsiteX2" fmla="*/ 4054571 w 4054571"/>
+                <a:gd name="connsiteY2" fmla="*/ 663962 h 663962"/>
+                <a:gd name="connsiteX3" fmla="*/ 0 w 4054571"/>
+                <a:gd name="connsiteY3" fmla="*/ 663962 h 663962"/>
+                <a:gd name="connsiteX4" fmla="*/ 0 w 4054571"/>
+                <a:gd name="connsiteY4" fmla="*/ 0 h 663962"/>
+              </a:gdLst>
+              <a:ahLst/>
+              <a:cxnLst>
+                <a:cxn ang="0">
+                  <a:pos x="connsiteX0" y="connsiteY0"/>
+                </a:cxn>
+                <a:cxn ang="0">
+                  <a:pos x="connsiteX1" y="connsiteY1"/>
+                </a:cxn>
+                <a:cxn ang="0">
+                  <a:pos x="connsiteX2" y="connsiteY2"/>
+                </a:cxn>
+                <a:cxn ang="0">
+                  <a:pos x="connsiteX3" y="connsiteY3"/>
+                </a:cxn>
+                <a:cxn ang="0">
+                  <a:pos x="connsiteX4" y="connsiteY4"/>
+                </a:cxn>
+              </a:cxnLst>
+              <a:rect l="l" t="t" r="r" b="b"/>
+              <a:pathLst>
+                <a:path w="4054571" h="663962">
+                  <a:moveTo>
+                    <a:pt x="0" y="0"/>
+                  </a:moveTo>
+                  <a:lnTo>
+                    <a:pt x="4054571" y="0"/>
+                  </a:lnTo>
+                  <a:lnTo>
+                    <a:pt x="4054571" y="663962"/>
+                  </a:lnTo>
+                  <a:lnTo>
+                    <a:pt x="0" y="663962"/>
+                  </a:lnTo>
+                  <a:lnTo>
+                    <a:pt x="0" y="0"/>
+                  </a:lnTo>
+                  <a:close/>
+                </a:path>
+              </a:pathLst>
+            </a:custGeom>
+          </p:spPr>
+        </p:pic>
+      </p:grpSp>
+      <p:pic>
+        <p:nvPicPr>
+          <p:cNvPr id="162" name="Alt-VAE-Diagram">
+            <a:extLst>
+              <a:ext uri="{FF2B5EF4-FFF2-40B4-BE49-F238E27FC236}">
+                <a16:creationId xmlns:a16="http://schemas.microsoft.com/office/drawing/2014/main" id="{279BCA49-5ACE-40AB-BCF5-D75093019257}"/>
+              </a:ext>
+            </a:extLst>
+          </p:cNvPr>
+          <p:cNvPicPr>
+            <a:picLocks noChangeAspect="1"/>
+          </p:cNvPicPr>
+          <p:nvPr/>
+        </p:nvPicPr>
+        <p:blipFill>
+          <a:blip r:embed="rId2"/>
+          <a:srcRect l="6875" t="57546" r="6875"/>
+          <a:stretch>
+            <a:fillRect/>
+          </a:stretch>
+        </p:blipFill>
+        <p:spPr>
+          <a:xfrm>
+            <a:off x="838200" y="3906366"/>
+            <a:ext cx="10515600" cy="2685825"/>
+          </a:xfrm>
+          <a:custGeom>
+            <a:avLst/>
+            <a:gdLst>
+              <a:gd name="connsiteX0" fmla="*/ 0 w 10515600"/>
+              <a:gd name="connsiteY0" fmla="*/ 0 h 2685825"/>
+              <a:gd name="connsiteX1" fmla="*/ 10515600 w 10515600"/>
+              <a:gd name="connsiteY1" fmla="*/ 0 h 2685825"/>
+              <a:gd name="connsiteX2" fmla="*/ 10515600 w 10515600"/>
+              <a:gd name="connsiteY2" fmla="*/ 2685825 h 2685825"/>
+              <a:gd name="connsiteX3" fmla="*/ 0 w 10515600"/>
+              <a:gd name="connsiteY3" fmla="*/ 2685825 h 2685825"/>
+              <a:gd name="connsiteX4" fmla="*/ 0 w 10515600"/>
+              <a:gd name="connsiteY4" fmla="*/ 0 h 2685825"/>
+            </a:gdLst>
+            <a:ahLst/>
+            <a:cxnLst>
+              <a:cxn ang="0">
+                <a:pos x="connsiteX0" y="connsiteY0"/>
+              </a:cxn>
+              <a:cxn ang="0">
+                <a:pos x="connsiteX1" y="connsiteY1"/>
+              </a:cxn>
+              <a:cxn ang="0">
+                <a:pos x="connsiteX2" y="connsiteY2"/>
+              </a:cxn>
+              <a:cxn ang="0">
+                <a:pos x="connsiteX3" y="connsiteY3"/>
+              </a:cxn>
+              <a:cxn ang="0">
+                <a:pos x="connsiteX4" y="connsiteY4"/>
+              </a:cxn>
+            </a:cxnLst>
+            <a:rect l="l" t="t" r="r" b="b"/>
+            <a:pathLst>
+              <a:path w="10515600" h="2685825">
+                <a:moveTo>
+                  <a:pt x="0" y="0"/>
+                </a:moveTo>
+                <a:lnTo>
+                  <a:pt x="10515600" y="0"/>
+                </a:lnTo>
+                <a:lnTo>
+                  <a:pt x="10515600" y="2685825"/>
+                </a:lnTo>
+                <a:lnTo>
+                  <a:pt x="0" y="2685825"/>
+                </a:lnTo>
+                <a:lnTo>
+                  <a:pt x="0" y="0"/>
+                </a:lnTo>
+                <a:close/>
+              </a:path>
+            </a:pathLst>
+          </a:custGeom>
+        </p:spPr>
+      </p:pic>
+    </p:spTree>
+    <p:extLst>
+      <p:ext uri="{BB962C8B-B14F-4D97-AF65-F5344CB8AC3E}">
+        <p14:creationId xmlns:p14="http://schemas.microsoft.com/office/powerpoint/2010/main" val="534343509"/>
+      </p:ext>
+    </p:extLst>
+  </p:cSld>
+  <p:clrMapOvr>
+    <a:masterClrMapping/>
+  </p:clrMapOvr>
+  <p:timing>
+    <p:tnLst>
+      <p:par>
+        <p:cTn id="1" dur="indefinite" restart="never" nodeType="tmRoot">
+          <p:childTnLst>
+            <p:seq concurrent="1" nextAc="seek">
+              <p:cTn id="2" dur="indefinite" nodeType="mainSeq">
+                <p:childTnLst>
+                  <p:par>
+                    <p:cTn id="3" fill="hold">
+                      <p:stCondLst>
+                        <p:cond delay="indefinite"/>
+                      </p:stCondLst>
+                      <p:childTnLst>
+                        <p:par>
+                          <p:cTn id="4" fill="hold">
+                            <p:stCondLst>
+                              <p:cond delay="0"/>
+                            </p:stCondLst>
+                            <p:childTnLst>
+                              <p:par>
+                                <p:cTn id="5" presetID="1" presetClass="entr" presetSubtype="0" fill="hold" nodeType="clickEffect">
+                                  <p:stCondLst>
+                                    <p:cond delay="0"/>
+                                  </p:stCondLst>
+                                  <p:childTnLst>
+                                    <p:set>
+                                      <p:cBhvr>
+                                        <p:cTn id="6" dur="1" fill="hold">
+                                          <p:stCondLst>
+                                            <p:cond delay="0"/>
+                                          </p:stCondLst>
+                                        </p:cTn>
+                                        <p:tgtEl>
+                                          <p:spTgt spid="180"/>
+                                        </p:tgtEl>
+                                        <p:attrNameLst>
+                                          <p:attrName>style.visibility</p:attrName>
+                                        </p:attrNameLst>
+                                      </p:cBhvr>
+                                      <p:to>
+                                        <p:strVal val="visible"/>
+                                      </p:to>
+                                    </p:set>
+                                  </p:childTnLst>
+                                  <p:subTnLst>
+                                    <p:animClr clrSpc="rgb" dir="cw">
+                                      <p:cBhvr override="childStyle">
+                                        <p:cTn dur="1" fill="hold" display="0" masterRel="nextClick" afterEffect="1"/>
+                                        <p:tgtEl>
+                                          <p:spTgt spid="180"/>
+                                        </p:tgtEl>
+                                        <p:attrNameLst>
+                                          <p:attrName>ppt_c</p:attrName>
+                                        </p:attrNameLst>
+                                      </p:cBhvr>
+                                      <p:to>
+                                        <a:srgbClr val="CC00CC"/>
+                                      </p:to>
+                                    </p:animClr>
+                                  </p:subTnLst>
+                                </p:cTn>
+                              </p:par>
+                            </p:childTnLst>
+                          </p:cTn>
+                        </p:par>
+                      </p:childTnLst>
+                    </p:cTn>
+                  </p:par>
+                  <p:par>
+                    <p:cTn id="7" fill="hold">
+                      <p:stCondLst>
+                        <p:cond delay="indefinite"/>
+                      </p:stCondLst>
+                      <p:childTnLst>
+                        <p:par>
+                          <p:cTn id="8" fill="hold">
+                            <p:stCondLst>
+                              <p:cond delay="0"/>
+                            </p:stCondLst>
+                            <p:childTnLst>
+                              <p:par>
+                                <p:cTn id="9" presetID="1" presetClass="entr" presetSubtype="0" fill="hold" nodeType="clickEffect">
+                                  <p:stCondLst>
+                                    <p:cond delay="0"/>
+                                  </p:stCondLst>
+                                  <p:childTnLst>
+                                    <p:set>
+                                      <p:cBhvr>
+                                        <p:cTn id="10" dur="1" fill="hold">
+                                          <p:stCondLst>
+                                            <p:cond delay="0"/>
+                                          </p:stCondLst>
+                                        </p:cTn>
+                                        <p:tgtEl>
+                                          <p:spTgt spid="181"/>
+                                        </p:tgtEl>
+                                        <p:attrNameLst>
+                                          <p:attrName>style.visibility</p:attrName>
+                                        </p:attrNameLst>
+                                      </p:cBhvr>
+                                      <p:to>
+                                        <p:strVal val="visible"/>
+                                      </p:to>
+                                    </p:set>
+                                  </p:childTnLst>
+                                </p:cTn>
+                              </p:par>
+                              <p:par>
+                                <p:cTn id="11" presetID="1" presetClass="entr" presetSubtype="0" fill="hold" nodeType="withEffect">
+                                  <p:stCondLst>
+                                    <p:cond delay="0"/>
+                                  </p:stCondLst>
+                                  <p:childTnLst>
+                                    <p:set>
+                                      <p:cBhvr>
+                                        <p:cTn id="12" dur="1" fill="hold">
+                                          <p:stCondLst>
+                                            <p:cond delay="0"/>
+                                          </p:stCondLst>
+                                        </p:cTn>
+                                        <p:tgtEl>
+                                          <p:spTgt spid="191"/>
+                                        </p:tgtEl>
+                                        <p:attrNameLst>
+                                          <p:attrName>style.visibility</p:attrName>
+                                        </p:attrNameLst>
+                                      </p:cBhvr>
+                                      <p:to>
+                                        <p:strVal val="visible"/>
+                                      </p:to>
+                                    </p:set>
+                                  </p:childTnLst>
+                                </p:cTn>
+                              </p:par>
+                            </p:childTnLst>
+                          </p:cTn>
+                        </p:par>
+                      </p:childTnLst>
+                    </p:cTn>
+                  </p:par>
+                  <p:par>
+                    <p:cTn id="13" fill="hold">
+                      <p:stCondLst>
+                        <p:cond delay="indefinite"/>
+                      </p:stCondLst>
+                      <p:childTnLst>
+                        <p:par>
+                          <p:cTn id="14" fill="hold">
+                            <p:stCondLst>
+                              <p:cond delay="0"/>
+                            </p:stCondLst>
+                            <p:childTnLst>
+                              <p:par>
+                                <p:cTn id="15" presetID="1" presetClass="entr" presetSubtype="0" fill="hold" nodeType="clickEffect">
+                                  <p:stCondLst>
+                                    <p:cond delay="0"/>
+                                  </p:stCondLst>
+                                  <p:childTnLst>
+                                    <p:set>
+                                      <p:cBhvr>
+                                        <p:cTn id="16" dur="1" fill="hold">
+                                          <p:stCondLst>
+                                            <p:cond delay="0"/>
+                                          </p:stCondLst>
+                                        </p:cTn>
+                                        <p:tgtEl>
+                                          <p:spTgt spid="166"/>
+                                        </p:tgtEl>
+                                        <p:attrNameLst>
+                                          <p:attrName>style.visibility</p:attrName>
+                                        </p:attrNameLst>
+                                      </p:cBhvr>
+                                      <p:to>
+                                        <p:strVal val="visible"/>
+                                      </p:to>
+                                    </p:set>
+                                  </p:childTnLst>
+                                </p:cTn>
+                              </p:par>
+                            </p:childTnLst>
+                          </p:cTn>
+                        </p:par>
+                      </p:childTnLst>
+                    </p:cTn>
+                  </p:par>
+                  <p:par>
+                    <p:cTn id="17" fill="hold">
+                      <p:stCondLst>
+                        <p:cond delay="indefinite"/>
+                      </p:stCondLst>
+                      <p:childTnLst>
+                        <p:par>
+                          <p:cTn id="18" fill="hold">
+                            <p:stCondLst>
+                              <p:cond delay="0"/>
+                            </p:stCondLst>
+                            <p:childTnLst>
+                              <p:par>
+                                <p:cTn id="19" presetID="1" presetClass="entr" presetSubtype="0" fill="hold" nodeType="clickEffect">
+                                  <p:stCondLst>
+                                    <p:cond delay="0"/>
+                                  </p:stCondLst>
+                                  <p:childTnLst>
+                                    <p:set>
+                                      <p:cBhvr>
+                                        <p:cTn id="20" dur="1" fill="hold">
+                                          <p:stCondLst>
+                                            <p:cond delay="0"/>
+                                          </p:stCondLst>
+                                        </p:cTn>
+                                        <p:tgtEl>
+                                          <p:spTgt spid="182"/>
+                                        </p:tgtEl>
+                                        <p:attrNameLst>
+                                          <p:attrName>style.visibility</p:attrName>
+                                        </p:attrNameLst>
+                                      </p:cBhvr>
+                                      <p:to>
+                                        <p:strVal val="visible"/>
+                                      </p:to>
+                                    </p:set>
+                                  </p:childTnLst>
+                                </p:cTn>
+                              </p:par>
+                              <p:par>
+                                <p:cTn id="21" presetID="1" presetClass="exit" presetSubtype="0" fill="hold" nodeType="withEffect">
+                                  <p:stCondLst>
+                                    <p:cond delay="0"/>
+                                  </p:stCondLst>
+                                  <p:childTnLst>
+                                    <p:set>
+                                      <p:cBhvr>
+                                        <p:cTn id="22" dur="1" fill="hold">
+                                          <p:stCondLst>
+                                            <p:cond delay="0"/>
+                                          </p:stCondLst>
+                                        </p:cTn>
+                                        <p:tgtEl>
+                                          <p:spTgt spid="191"/>
+                                        </p:tgtEl>
+                                        <p:attrNameLst>
+                                          <p:attrName>style.visibility</p:attrName>
+                                        </p:attrNameLst>
+                                      </p:cBhvr>
+                                      <p:to>
+                                        <p:strVal val="hidden"/>
+                                      </p:to>
+                                    </p:set>
+                                  </p:childTnLst>
+                                </p:cTn>
+                              </p:par>
+                              <p:par>
+                                <p:cTn id="23" presetID="1" presetClass="entr" presetSubtype="0" fill="hold" nodeType="withEffect">
+                                  <p:stCondLst>
+                                    <p:cond delay="0"/>
+                                  </p:stCondLst>
+                                  <p:childTnLst>
+                                    <p:set>
+                                      <p:cBhvr>
+                                        <p:cTn id="24" dur="1" fill="hold">
+                                          <p:stCondLst>
+                                            <p:cond delay="0"/>
+                                          </p:stCondLst>
+                                        </p:cTn>
+                                        <p:tgtEl>
+                                          <p:spTgt spid="194"/>
+                                        </p:tgtEl>
+                                        <p:attrNameLst>
+                                          <p:attrName>style.visibility</p:attrName>
+                                        </p:attrNameLst>
+                                      </p:cBhvr>
+                                      <p:to>
+                                        <p:strVal val="visible"/>
+                                      </p:to>
+                                    </p:set>
+                                  </p:childTnLst>
+                                </p:cTn>
+                              </p:par>
+                            </p:childTnLst>
+                          </p:cTn>
+                        </p:par>
+                      </p:childTnLst>
+                    </p:cTn>
+                  </p:par>
+                  <p:par>
+                    <p:cTn id="25" fill="hold">
+                      <p:stCondLst>
+                        <p:cond delay="indefinite"/>
+                      </p:stCondLst>
+                      <p:childTnLst>
+                        <p:par>
+                          <p:cTn id="26" fill="hold">
+                            <p:stCondLst>
+                              <p:cond delay="0"/>
+                            </p:stCondLst>
+                            <p:childTnLst>
+                              <p:par>
+                                <p:cTn id="27" presetID="1" presetClass="entr" presetSubtype="0" fill="hold" nodeType="clickEffect">
+                                  <p:stCondLst>
+                                    <p:cond delay="0"/>
+                                  </p:stCondLst>
+                                  <p:childTnLst>
+                                    <p:set>
+                                      <p:cBhvr>
+                                        <p:cTn id="28" dur="1" fill="hold">
+                                          <p:stCondLst>
+                                            <p:cond delay="0"/>
+                                          </p:stCondLst>
+                                        </p:cTn>
+                                        <p:tgtEl>
+                                          <p:spTgt spid="183"/>
+                                        </p:tgtEl>
+                                        <p:attrNameLst>
+                                          <p:attrName>style.visibility</p:attrName>
+                                        </p:attrNameLst>
+                                      </p:cBhvr>
+                                      <p:to>
+                                        <p:strVal val="visible"/>
+                                      </p:to>
+                                    </p:set>
+                                  </p:childTnLst>
+                                </p:cTn>
+                              </p:par>
+                              <p:par>
+                                <p:cTn id="29" presetID="1" presetClass="exit" presetSubtype="0" fill="hold" nodeType="withEffect">
+                                  <p:stCondLst>
+                                    <p:cond delay="0"/>
+                                  </p:stCondLst>
+                                  <p:childTnLst>
+                                    <p:set>
+                                      <p:cBhvr>
+                                        <p:cTn id="30" dur="1" fill="hold">
+                                          <p:stCondLst>
+                                            <p:cond delay="0"/>
+                                          </p:stCondLst>
+                                        </p:cTn>
+                                        <p:tgtEl>
+                                          <p:spTgt spid="194"/>
+                                        </p:tgtEl>
+                                        <p:attrNameLst>
+                                          <p:attrName>style.visibility</p:attrName>
+                                        </p:attrNameLst>
+                                      </p:cBhvr>
+                                      <p:to>
+                                        <p:strVal val="hidden"/>
+                                      </p:to>
+                                    </p:set>
+                                  </p:childTnLst>
+                                </p:cTn>
+                              </p:par>
+                              <p:par>
+                                <p:cTn id="31" presetID="1" presetClass="entr" presetSubtype="0" fill="hold" nodeType="withEffect">
+                                  <p:stCondLst>
+                                    <p:cond delay="0"/>
+                                  </p:stCondLst>
+                                  <p:childTnLst>
+                                    <p:set>
+                                      <p:cBhvr>
+                                        <p:cTn id="32" dur="1" fill="hold">
+                                          <p:stCondLst>
+                                            <p:cond delay="0"/>
+                                          </p:stCondLst>
+                                        </p:cTn>
+                                        <p:tgtEl>
+                                          <p:spTgt spid="197"/>
+                                        </p:tgtEl>
+                                        <p:attrNameLst>
+                                          <p:attrName>style.visibility</p:attrName>
+                                        </p:attrNameLst>
+                                      </p:cBhvr>
+                                      <p:to>
+                                        <p:strVal val="visible"/>
+                                      </p:to>
+                                    </p:set>
+                                  </p:childTnLst>
+                                </p:cTn>
+                              </p:par>
+                            </p:childTnLst>
+                          </p:cTn>
+                        </p:par>
+                      </p:childTnLst>
+                    </p:cTn>
+                  </p:par>
+                  <p:par>
+                    <p:cTn id="33" fill="hold">
+                      <p:stCondLst>
+                        <p:cond delay="indefinite"/>
+                      </p:stCondLst>
+                      <p:childTnLst>
+                        <p:par>
+                          <p:cTn id="34" fill="hold">
+                            <p:stCondLst>
+                              <p:cond delay="0"/>
+                            </p:stCondLst>
+                            <p:childTnLst>
+                              <p:par>
+                                <p:cTn id="35" presetID="1" presetClass="entr" presetSubtype="0" fill="hold" nodeType="clickEffect">
+                                  <p:stCondLst>
+                                    <p:cond delay="0"/>
+                                  </p:stCondLst>
+                                  <p:childTnLst>
+                                    <p:set>
+                                      <p:cBhvr>
+                                        <p:cTn id="36" dur="1" fill="hold">
+                                          <p:stCondLst>
+                                            <p:cond delay="0"/>
+                                          </p:stCondLst>
+                                        </p:cTn>
+                                        <p:tgtEl>
+                                          <p:spTgt spid="184"/>
+                                        </p:tgtEl>
+                                        <p:attrNameLst>
+                                          <p:attrName>style.visibility</p:attrName>
+                                        </p:attrNameLst>
+                                      </p:cBhvr>
+                                      <p:to>
+                                        <p:strVal val="visible"/>
+                                      </p:to>
+                                    </p:set>
+                                  </p:childTnLst>
+                                </p:cTn>
+                              </p:par>
+                              <p:par>
+                                <p:cTn id="37" presetID="1" presetClass="exit" presetSubtype="0" fill="hold" nodeType="withEffect">
+                                  <p:stCondLst>
+                                    <p:cond delay="0"/>
+                                  </p:stCondLst>
+                                  <p:childTnLst>
+                                    <p:set>
+                                      <p:cBhvr>
+                                        <p:cTn id="38" dur="1" fill="hold">
+                                          <p:stCondLst>
+                                            <p:cond delay="0"/>
+                                          </p:stCondLst>
+                                        </p:cTn>
+                                        <p:tgtEl>
+                                          <p:spTgt spid="197"/>
+                                        </p:tgtEl>
+                                        <p:attrNameLst>
+                                          <p:attrName>style.visibility</p:attrName>
+                                        </p:attrNameLst>
+                                      </p:cBhvr>
+                                      <p:to>
+                                        <p:strVal val="hidden"/>
+                                      </p:to>
+                                    </p:set>
+                                  </p:childTnLst>
+                                </p:cTn>
+                              </p:par>
+                            </p:childTnLst>
+                          </p:cTn>
+                        </p:par>
+                      </p:childTnLst>
+                    </p:cTn>
+                  </p:par>
+                  <p:par>
+                    <p:cTn id="39" fill="hold">
+                      <p:stCondLst>
+                        <p:cond delay="indefinite"/>
+                      </p:stCondLst>
+                      <p:childTnLst>
+                        <p:par>
+                          <p:cTn id="40" fill="hold">
+                            <p:stCondLst>
+                              <p:cond delay="0"/>
+                            </p:stCondLst>
+                            <p:childTnLst>
+                              <p:par>
+                                <p:cTn id="41" presetID="1" presetClass="entr" presetSubtype="0" fill="hold" nodeType="clickEffect">
+                                  <p:stCondLst>
+                                    <p:cond delay="0"/>
+                                  </p:stCondLst>
+                                  <p:childTnLst>
+                                    <p:set>
+                                      <p:cBhvr>
+                                        <p:cTn id="42" dur="1" fill="hold">
+                                          <p:stCondLst>
+                                            <p:cond delay="0"/>
+                                          </p:stCondLst>
+                                        </p:cTn>
+                                        <p:tgtEl>
+                                          <p:spTgt spid="185"/>
+                                        </p:tgtEl>
+                                        <p:attrNameLst>
+                                          <p:attrName>style.visibility</p:attrName>
+                                        </p:attrNameLst>
+                                      </p:cBhvr>
+                                      <p:to>
+                                        <p:strVal val="visible"/>
+                                      </p:to>
+                                    </p:set>
+                                  </p:childTnLst>
+                                </p:cTn>
+                              </p:par>
+                            </p:childTnLst>
+                          </p:cTn>
+                        </p:par>
+                      </p:childTnLst>
+                    </p:cTn>
+                  </p:par>
+                  <p:par>
+                    <p:cTn id="43" fill="hold">
+                      <p:stCondLst>
+                        <p:cond delay="indefinite"/>
+                      </p:stCondLst>
+                      <p:childTnLst>
+                        <p:par>
+                          <p:cTn id="44" fill="hold">
+                            <p:stCondLst>
+                              <p:cond delay="0"/>
+                            </p:stCondLst>
+                            <p:childTnLst>
+                              <p:par>
+                                <p:cTn id="45" presetID="1" presetClass="entr" presetSubtype="0" fill="hold" nodeType="clickEffect">
+                                  <p:stCondLst>
+                                    <p:cond delay="0"/>
+                                  </p:stCondLst>
+                                  <p:childTnLst>
+                                    <p:set>
+                                      <p:cBhvr>
+                                        <p:cTn id="46" dur="1" fill="hold">
+                                          <p:stCondLst>
+                                            <p:cond delay="0"/>
+                                          </p:stCondLst>
+                                        </p:cTn>
+                                        <p:tgtEl>
+                                          <p:spTgt spid="162"/>
+                                        </p:tgtEl>
+                                        <p:attrNameLst>
+                                          <p:attrName>style.visibility</p:attrName>
+                                        </p:attrNameLst>
+                                      </p:cBhvr>
+                                      <p:to>
+                                        <p:strVal val="visible"/>
+                                      </p:to>
+                                    </p:set>
+                                  </p:childTnLst>
+                                </p:cTn>
+                              </p:par>
+                            </p:childTnLst>
+                          </p:cTn>
+                        </p:par>
+                      </p:childTnLst>
+                    </p:cTn>
+                  </p:par>
+                  <p:par>
+                    <p:cTn id="47" fill="hold">
+                      <p:stCondLst>
+                        <p:cond delay="indefinite"/>
+                      </p:stCondLst>
+                      <p:childTnLst>
+                        <p:par>
+                          <p:cTn id="48" fill="hold">
+                            <p:stCondLst>
+                              <p:cond delay="0"/>
+                            </p:stCondLst>
+                            <p:childTnLst>
+                              <p:par>
+                                <p:cTn id="49" presetID="1" presetClass="entr" presetSubtype="0" fill="hold" nodeType="clickEffect">
+                                  <p:stCondLst>
+                                    <p:cond delay="0"/>
+                                  </p:stCondLst>
+                                  <p:childTnLst>
+                                    <p:set>
+                                      <p:cBhvr>
+                                        <p:cTn id="50" dur="1" fill="hold">
+                                          <p:stCondLst>
+                                            <p:cond delay="0"/>
+                                          </p:stCondLst>
+                                        </p:cTn>
+                                        <p:tgtEl>
+                                          <p:spTgt spid="165"/>
+                                        </p:tgtEl>
+                                        <p:attrNameLst>
+                                          <p:attrName>style.visibility</p:attrName>
+                                        </p:attrNameLst>
+                                      </p:cBhvr>
+                                      <p:to>
+                                        <p:strVal val="visible"/>
+                                      </p:to>
+                                    </p:set>
+                                  </p:childTnLst>
+                                </p:cTn>
+                              </p:par>
+                            </p:childTnLst>
+                          </p:cTn>
+                        </p:par>
+                      </p:childTnLst>
+                    </p:cTn>
+                  </p:par>
+                </p:childTnLst>
+              </p:cTn>
+              <p:prevCondLst>
+                <p:cond evt="onPrev" delay="0">
+                  <p:tgtEl>
+                    <p:sldTgt/>
+                  </p:tgtEl>
+                </p:cond>
+              </p:prevCondLst>
+              <p:nextCondLst>
+                <p:cond evt="onNext" delay="0">
+                  <p:tgtEl>
+                    <p:sldTgt/>
+                  </p:tgtEl>
+                </p:cond>
+              </p:nextCondLst>
+            </p:seq>
+          </p:childTnLst>
+        </p:cTn>
+      </p:par>
+    </p:tnLst>
+  </p:timing>
+</p:sld>
+</file>
+
+<file path=ppt/slides/slide13.xml><?xml version="1.0" encoding="utf-8"?>
+<p:sld xmlns:a="http://schemas.openxmlformats.org/drawingml/2006/main" xmlns:r="http://schemas.openxmlformats.org/officeDocument/2006/relationships" xmlns:p="http://schemas.openxmlformats.org/presentationml/2006/main">
+  <p:cSld>
+    <p:spTree>
+      <p:nvGrpSpPr>
+        <p:cNvPr id="1" name=""/>
+        <p:cNvGrpSpPr/>
+        <p:nvPr/>
+      </p:nvGrpSpPr>
+      <p:grpSpPr>
+        <a:xfrm>
+          <a:off x="0" y="0"/>
+          <a:ext cx="0" cy="0"/>
+          <a:chOff x="0" y="0"/>
+          <a:chExt cx="0" cy="0"/>
+        </a:xfrm>
+      </p:grpSpPr>
+      <p:sp>
+        <p:nvSpPr>
+          <p:cNvPr id="2" name="Title 1">
+            <a:extLst>
+              <a:ext uri="{FF2B5EF4-FFF2-40B4-BE49-F238E27FC236}">
+                <a16:creationId xmlns:a16="http://schemas.microsoft.com/office/drawing/2014/main" id="{AA7CF23D-80BA-4F91-B70F-AAC53E4F72BD}"/>
+              </a:ext>
+            </a:extLst>
+          </p:cNvPr>
+          <p:cNvSpPr>
+            <a:spLocks noGrp="1"/>
+          </p:cNvSpPr>
+          <p:nvPr>
+            <p:ph type="title"/>
+          </p:nvPr>
+        </p:nvSpPr>
+        <p:spPr/>
+        <p:txBody>
+          <a:bodyPr/>
+          <a:lstStyle/>
+          <a:p>
+            <a:r>
+              <a:rPr lang="en-US" dirty="0"/>
+              <a:t>Visual Proof: The ELBO</a:t>
+            </a:r>
+          </a:p>
+        </p:txBody>
+      </p:sp>
+      <p:pic>
+        <p:nvPicPr>
+          <p:cNvPr id="11" name="Picture 10">
+            <a:extLst>
+              <a:ext uri="{FF2B5EF4-FFF2-40B4-BE49-F238E27FC236}">
+                <a16:creationId xmlns:a16="http://schemas.microsoft.com/office/drawing/2014/main" id="{9ED5AA9A-FA80-4902-B266-439F580B26FA}"/>
+              </a:ext>
+            </a:extLst>
+          </p:cNvPr>
+          <p:cNvPicPr>
+            <a:picLocks noChangeAspect="1"/>
+          </p:cNvPicPr>
+          <p:nvPr/>
+        </p:nvPicPr>
+        <p:blipFill>
+          <a:blip r:embed="rId2"/>
+          <a:srcRect l="46825" r="48758"/>
+          <a:stretch>
+            <a:fillRect/>
+          </a:stretch>
+        </p:blipFill>
+        <p:spPr>
+          <a:xfrm>
+            <a:off x="5762171" y="2058748"/>
+            <a:ext cx="464457" cy="2740504"/>
+          </a:xfrm>
+          <a:custGeom>
+            <a:avLst/>
+            <a:gdLst>
+              <a:gd name="connsiteX0" fmla="*/ 0 w 464457"/>
+              <a:gd name="connsiteY0" fmla="*/ 0 h 2740504"/>
+              <a:gd name="connsiteX1" fmla="*/ 464457 w 464457"/>
+              <a:gd name="connsiteY1" fmla="*/ 0 h 2740504"/>
+              <a:gd name="connsiteX2" fmla="*/ 464457 w 464457"/>
+              <a:gd name="connsiteY2" fmla="*/ 2740504 h 2740504"/>
+              <a:gd name="connsiteX3" fmla="*/ 0 w 464457"/>
+              <a:gd name="connsiteY3" fmla="*/ 2740504 h 2740504"/>
+              <a:gd name="connsiteX4" fmla="*/ 0 w 464457"/>
+              <a:gd name="connsiteY4" fmla="*/ 0 h 2740504"/>
+            </a:gdLst>
+            <a:ahLst/>
+            <a:cxnLst>
+              <a:cxn ang="0">
+                <a:pos x="connsiteX0" y="connsiteY0"/>
+              </a:cxn>
+              <a:cxn ang="0">
+                <a:pos x="connsiteX1" y="connsiteY1"/>
+              </a:cxn>
+              <a:cxn ang="0">
+                <a:pos x="connsiteX2" y="connsiteY2"/>
+              </a:cxn>
+              <a:cxn ang="0">
+                <a:pos x="connsiteX3" y="connsiteY3"/>
+              </a:cxn>
+              <a:cxn ang="0">
+                <a:pos x="connsiteX4" y="connsiteY4"/>
+              </a:cxn>
+            </a:cxnLst>
+            <a:rect l="l" t="t" r="r" b="b"/>
+            <a:pathLst>
+              <a:path w="464457" h="2740504">
+                <a:moveTo>
+                  <a:pt x="0" y="0"/>
+                </a:moveTo>
+                <a:lnTo>
+                  <a:pt x="464457" y="0"/>
+                </a:lnTo>
+                <a:lnTo>
+                  <a:pt x="464457" y="2740504"/>
+                </a:lnTo>
+                <a:lnTo>
+                  <a:pt x="0" y="2740504"/>
+                </a:lnTo>
+                <a:lnTo>
+                  <a:pt x="0" y="0"/>
+                </a:lnTo>
+                <a:close/>
+              </a:path>
+            </a:pathLst>
+          </a:custGeom>
+        </p:spPr>
+      </p:pic>
+      <p:pic>
+        <p:nvPicPr>
+          <p:cNvPr id="9" name="Picture 8">
+            <a:extLst>
+              <a:ext uri="{FF2B5EF4-FFF2-40B4-BE49-F238E27FC236}">
+                <a16:creationId xmlns:a16="http://schemas.microsoft.com/office/drawing/2014/main" id="{43B0C9A1-0EB2-47B9-85C8-991B23B03DFB}"/>
+              </a:ext>
+            </a:extLst>
+          </p:cNvPr>
+          <p:cNvPicPr>
+            <a:picLocks noChangeAspect="1"/>
+          </p:cNvPicPr>
+          <p:nvPr/>
+        </p:nvPicPr>
+        <p:blipFill>
+          <a:blip r:embed="rId2"/>
+          <a:srcRect r="53175"/>
+          <a:stretch>
+            <a:fillRect/>
+          </a:stretch>
+        </p:blipFill>
+        <p:spPr>
+          <a:xfrm>
+            <a:off x="547915" y="2058748"/>
+            <a:ext cx="4923971" cy="2740504"/>
+          </a:xfrm>
+          <a:custGeom>
+            <a:avLst/>
+            <a:gdLst>
+              <a:gd name="connsiteX0" fmla="*/ 0 w 4923971"/>
+              <a:gd name="connsiteY0" fmla="*/ 0 h 2740504"/>
+              <a:gd name="connsiteX1" fmla="*/ 4923971 w 4923971"/>
+              <a:gd name="connsiteY1" fmla="*/ 0 h 2740504"/>
+              <a:gd name="connsiteX2" fmla="*/ 4923971 w 4923971"/>
+              <a:gd name="connsiteY2" fmla="*/ 2740504 h 2740504"/>
+              <a:gd name="connsiteX3" fmla="*/ 0 w 4923971"/>
+              <a:gd name="connsiteY3" fmla="*/ 2740504 h 2740504"/>
+              <a:gd name="connsiteX4" fmla="*/ 0 w 4923971"/>
+              <a:gd name="connsiteY4" fmla="*/ 0 h 2740504"/>
+            </a:gdLst>
+            <a:ahLst/>
+            <a:cxnLst>
+              <a:cxn ang="0">
+                <a:pos x="connsiteX0" y="connsiteY0"/>
+              </a:cxn>
+              <a:cxn ang="0">
+                <a:pos x="connsiteX1" y="connsiteY1"/>
+              </a:cxn>
+              <a:cxn ang="0">
+                <a:pos x="connsiteX2" y="connsiteY2"/>
+              </a:cxn>
+              <a:cxn ang="0">
+                <a:pos x="connsiteX3" y="connsiteY3"/>
+              </a:cxn>
+              <a:cxn ang="0">
+                <a:pos x="connsiteX4" y="connsiteY4"/>
+              </a:cxn>
+            </a:cxnLst>
+            <a:rect l="l" t="t" r="r" b="b"/>
+            <a:pathLst>
+              <a:path w="4923971" h="2740504">
+                <a:moveTo>
+                  <a:pt x="0" y="0"/>
+                </a:moveTo>
+                <a:lnTo>
+                  <a:pt x="4923971" y="0"/>
+                </a:lnTo>
+                <a:lnTo>
+                  <a:pt x="4923971" y="2740504"/>
+                </a:lnTo>
+                <a:lnTo>
+                  <a:pt x="0" y="2740504"/>
+                </a:lnTo>
+                <a:lnTo>
+                  <a:pt x="0" y="0"/>
+                </a:lnTo>
+                <a:close/>
+              </a:path>
+            </a:pathLst>
+          </a:custGeom>
+        </p:spPr>
+      </p:pic>
+      <p:pic>
+        <p:nvPicPr>
+          <p:cNvPr id="8" name="Picture 7">
+            <a:extLst>
+              <a:ext uri="{FF2B5EF4-FFF2-40B4-BE49-F238E27FC236}">
+                <a16:creationId xmlns:a16="http://schemas.microsoft.com/office/drawing/2014/main" id="{D349796F-41A0-4DED-A96B-0DA4D89E9EA7}"/>
+              </a:ext>
+            </a:extLst>
+          </p:cNvPr>
+          <p:cNvPicPr>
+            <a:picLocks noChangeAspect="1"/>
+          </p:cNvPicPr>
+          <p:nvPr/>
+        </p:nvPicPr>
+        <p:blipFill>
+          <a:blip r:embed="rId2"/>
+          <a:srcRect l="51242"/>
+          <a:stretch>
+            <a:fillRect/>
+          </a:stretch>
+        </p:blipFill>
+        <p:spPr>
+          <a:xfrm>
+            <a:off x="6516913" y="2058748"/>
+            <a:ext cx="5127172" cy="2740504"/>
+          </a:xfrm>
+          <a:custGeom>
+            <a:avLst/>
+            <a:gdLst>
+              <a:gd name="connsiteX0" fmla="*/ 0 w 5127172"/>
+              <a:gd name="connsiteY0" fmla="*/ 0 h 2740504"/>
+              <a:gd name="connsiteX1" fmla="*/ 5127172 w 5127172"/>
+              <a:gd name="connsiteY1" fmla="*/ 0 h 2740504"/>
+              <a:gd name="connsiteX2" fmla="*/ 5127172 w 5127172"/>
+              <a:gd name="connsiteY2" fmla="*/ 2740504 h 2740504"/>
+              <a:gd name="connsiteX3" fmla="*/ 0 w 5127172"/>
+              <a:gd name="connsiteY3" fmla="*/ 2740504 h 2740504"/>
+              <a:gd name="connsiteX4" fmla="*/ 0 w 5127172"/>
+              <a:gd name="connsiteY4" fmla="*/ 0 h 2740504"/>
+            </a:gdLst>
+            <a:ahLst/>
+            <a:cxnLst>
+              <a:cxn ang="0">
+                <a:pos x="connsiteX0" y="connsiteY0"/>
+              </a:cxn>
+              <a:cxn ang="0">
+                <a:pos x="connsiteX1" y="connsiteY1"/>
+              </a:cxn>
+              <a:cxn ang="0">
+                <a:pos x="connsiteX2" y="connsiteY2"/>
+              </a:cxn>
+              <a:cxn ang="0">
+                <a:pos x="connsiteX3" y="connsiteY3"/>
+              </a:cxn>
+              <a:cxn ang="0">
+                <a:pos x="connsiteX4" y="connsiteY4"/>
+              </a:cxn>
+            </a:cxnLst>
+            <a:rect l="l" t="t" r="r" b="b"/>
+            <a:pathLst>
+              <a:path w="5127172" h="2740504">
+                <a:moveTo>
+                  <a:pt x="0" y="0"/>
+                </a:moveTo>
+                <a:lnTo>
+                  <a:pt x="5127172" y="0"/>
+                </a:lnTo>
+                <a:lnTo>
+                  <a:pt x="5127172" y="2740504"/>
+                </a:lnTo>
+                <a:lnTo>
+                  <a:pt x="0" y="2740504"/>
+                </a:lnTo>
+                <a:lnTo>
+                  <a:pt x="0" y="0"/>
+                </a:lnTo>
+                <a:close/>
+              </a:path>
+            </a:pathLst>
+          </a:custGeom>
+        </p:spPr>
+      </p:pic>
+    </p:spTree>
+    <p:extLst>
+      <p:ext uri="{BB962C8B-B14F-4D97-AF65-F5344CB8AC3E}">
+        <p14:creationId xmlns:p14="http://schemas.microsoft.com/office/powerpoint/2010/main" val="3679871277"/>
+      </p:ext>
+    </p:extLst>
+  </p:cSld>
+  <p:clrMapOvr>
+    <a:masterClrMapping/>
+  </p:clrMapOvr>
+  <p:timing>
+    <p:tnLst>
+      <p:par>
+        <p:cTn id="1" dur="indefinite" restart="never" nodeType="tmRoot">
+          <p:childTnLst>
+            <p:seq concurrent="1" nextAc="seek">
+              <p:cTn id="2" dur="indefinite" nodeType="mainSeq">
+                <p:childTnLst>
+                  <p:par>
+                    <p:cTn id="3" fill="hold">
+                      <p:stCondLst>
+                        <p:cond delay="indefinite"/>
+                      </p:stCondLst>
+                      <p:childTnLst>
+                        <p:par>
+                          <p:cTn id="4" fill="hold">
+                            <p:stCondLst>
+                              <p:cond delay="0"/>
+                            </p:stCondLst>
+                            <p:childTnLst>
+                              <p:par>
+                                <p:cTn id="5" presetID="1" presetClass="entr" presetSubtype="0" fill="hold" nodeType="clickEffect">
+                                  <p:stCondLst>
+                                    <p:cond delay="0"/>
+                                  </p:stCondLst>
+                                  <p:childTnLst>
+                                    <p:set>
+                                      <p:cBhvr>
+                                        <p:cTn id="6" dur="1" fill="hold">
+                                          <p:stCondLst>
+                                            <p:cond delay="0"/>
+                                          </p:stCondLst>
+                                        </p:cTn>
+                                        <p:tgtEl>
+                                          <p:spTgt spid="11"/>
+                                        </p:tgtEl>
+                                        <p:attrNameLst>
+                                          <p:attrName>style.visibility</p:attrName>
+                                        </p:attrNameLst>
+                                      </p:cBhvr>
+                                      <p:to>
+                                        <p:strVal val="visible"/>
+                                      </p:to>
+                                    </p:set>
+                                  </p:childTnLst>
+                                </p:cTn>
+                              </p:par>
+                            </p:childTnLst>
+                          </p:cTn>
+                        </p:par>
+                      </p:childTnLst>
+                    </p:cTn>
+                  </p:par>
+                </p:childTnLst>
+              </p:cTn>
+              <p:prevCondLst>
+                <p:cond evt="onPrev" delay="0">
+                  <p:tgtEl>
+                    <p:sldTgt/>
+                  </p:tgtEl>
+                </p:cond>
+              </p:prevCondLst>
+              <p:nextCondLst>
+                <p:cond evt="onNext" delay="0">
+                  <p:tgtEl>
+                    <p:sldTgt/>
+                  </p:tgtEl>
+                </p:cond>
+              </p:nextCondLst>
+            </p:seq>
+          </p:childTnLst>
+        </p:cTn>
+      </p:par>
+    </p:tnLst>
+  </p:timing>
+</p:sld>
+</file>
+
+<file path=ppt/slides/slide2.xml><?xml version="1.0" encoding="utf-8"?>
+<p:sld xmlns:a="http://schemas.openxmlformats.org/drawingml/2006/main" xmlns:r="http://schemas.openxmlformats.org/officeDocument/2006/relationships" xmlns:p="http://schemas.openxmlformats.org/presentationml/2006/main">
+  <p:cSld>
+    <p:spTree>
+      <p:nvGrpSpPr>
+        <p:cNvPr id="1" name=""/>
+        <p:cNvGrpSpPr/>
+        <p:nvPr/>
+      </p:nvGrpSpPr>
+      <p:grpSpPr>
+        <a:xfrm>
+          <a:off x="0" y="0"/>
+          <a:ext cx="0" cy="0"/>
+          <a:chOff x="0" y="0"/>
+          <a:chExt cx="0" cy="0"/>
+        </a:xfrm>
+      </p:grpSpPr>
+      <p:sp>
+        <p:nvSpPr>
+          <p:cNvPr id="2" name="Title 1">
+            <a:extLst>
+              <a:ext uri="{FF2B5EF4-FFF2-40B4-BE49-F238E27FC236}">
+                <a16:creationId xmlns:a16="http://schemas.microsoft.com/office/drawing/2014/main" id="{02B03AE6-C945-42B0-A146-7016305817ED}"/>
+              </a:ext>
+            </a:extLst>
+          </p:cNvPr>
+          <p:cNvSpPr>
+            <a:spLocks noGrp="1"/>
+          </p:cNvSpPr>
+          <p:nvPr>
+            <p:ph type="title"/>
+          </p:nvPr>
+        </p:nvSpPr>
+        <p:spPr/>
+        <p:txBody>
+          <a:bodyPr/>
+          <a:lstStyle/>
+          <a:p>
+            <a:r>
+              <a:rPr lang="en-US" dirty="0"/>
+              <a:t>Probabilistic Dependency Graphs</a:t>
+            </a:r>
+          </a:p>
+        </p:txBody>
+      </p:sp>
+      <p:sp>
+        <p:nvSpPr>
+          <p:cNvPr id="3" name="Content Placeholder 2">
+            <a:extLst>
+              <a:ext uri="{FF2B5EF4-FFF2-40B4-BE49-F238E27FC236}">
+                <a16:creationId xmlns:a16="http://schemas.microsoft.com/office/drawing/2014/main" id="{40677F92-E8FE-45DB-9CC7-6AE6DFAE4140}"/>
+              </a:ext>
+            </a:extLst>
+          </p:cNvPr>
+          <p:cNvSpPr>
+            <a:spLocks noGrp="1"/>
+          </p:cNvSpPr>
+          <p:nvPr>
+            <p:ph idx="1"/>
+          </p:nvPr>
+        </p:nvSpPr>
+        <p:spPr>
+          <a:xfrm>
+            <a:off x="990600" y="1825625"/>
+            <a:ext cx="5257800" cy="4351338"/>
+          </a:xfrm>
+        </p:spPr>
+        <p:txBody>
+          <a:bodyPr>
+            <a:normAutofit/>
+          </a:bodyPr>
+          <a:lstStyle/>
+          <a:p>
+            <a:r>
+              <a:rPr lang="en-US" dirty="0"/>
+              <a:t>A weighted collection of </a:t>
+            </a:r>
+            <a:r>
+              <a:rPr lang="en-US" dirty="0" err="1"/>
+              <a:t>cpds</a:t>
+            </a:r>
+            <a:endParaRPr lang="en-US" dirty="0"/>
+          </a:p>
+          <a:p>
+            <a:r>
+              <a:rPr lang="en-US" dirty="0"/>
+              <a:t>Generalize Bayesian Networks and Factor Graphs</a:t>
+            </a:r>
+          </a:p>
+          <a:p>
+            <a:pPr marL="457200" lvl="1" indent="0">
+              <a:buNone/>
+            </a:pPr>
+            <a:endParaRPr lang="en-US" dirty="0"/>
+          </a:p>
+          <a:p>
+            <a:r>
+              <a:rPr lang="en-US" dirty="0"/>
+              <a:t>Comes with </a:t>
+            </a:r>
+            <a:br>
+              <a:rPr lang="en-US" dirty="0"/>
+            </a:br>
+            <a:r>
+              <a:rPr lang="en-US" dirty="0"/>
+              <a:t>a Measure of Inconsistency…</a:t>
+            </a:r>
+          </a:p>
+        </p:txBody>
+      </p:sp>
+      <p:pic>
+        <p:nvPicPr>
+          <p:cNvPr id="4" name="Picture 3">
+            <a:extLst>
+              <a:ext uri="{FF2B5EF4-FFF2-40B4-BE49-F238E27FC236}">
+                <a16:creationId xmlns:a16="http://schemas.microsoft.com/office/drawing/2014/main" id="{5FFCDCDF-2CA4-4B02-B990-885E430E5FD8}"/>
+              </a:ext>
+            </a:extLst>
+          </p:cNvPr>
+          <p:cNvPicPr>
+            <a:picLocks noChangeAspect="1"/>
+          </p:cNvPicPr>
+          <p:nvPr/>
+        </p:nvPicPr>
+        <p:blipFill>
+          <a:blip r:embed="rId2"/>
+          <a:stretch>
+            <a:fillRect/>
+          </a:stretch>
+        </p:blipFill>
+        <p:spPr>
+          <a:xfrm>
+            <a:off x="9699781" y="2091644"/>
+            <a:ext cx="2003218" cy="903529"/>
+          </a:xfrm>
+          <a:prstGeom prst="rect">
+            <a:avLst/>
+          </a:prstGeom>
+        </p:spPr>
+      </p:pic>
+      <p:pic>
+        <p:nvPicPr>
+          <p:cNvPr id="5" name="Picture 4">
+            <a:extLst>
+              <a:ext uri="{FF2B5EF4-FFF2-40B4-BE49-F238E27FC236}">
+                <a16:creationId xmlns:a16="http://schemas.microsoft.com/office/drawing/2014/main" id="{E6375C24-2354-42A0-BB05-A92574F90CF6}"/>
+              </a:ext>
+            </a:extLst>
+          </p:cNvPr>
+          <p:cNvPicPr>
+            <a:picLocks noChangeAspect="1"/>
+          </p:cNvPicPr>
+          <p:nvPr/>
+        </p:nvPicPr>
+        <p:blipFill>
+          <a:blip r:embed="rId3"/>
+          <a:stretch>
+            <a:fillRect/>
+          </a:stretch>
+        </p:blipFill>
+        <p:spPr>
+          <a:xfrm>
+            <a:off x="8145048" y="2221469"/>
+            <a:ext cx="1213316" cy="594645"/>
+          </a:xfrm>
+          <a:prstGeom prst="rect">
+            <a:avLst/>
+          </a:prstGeom>
+        </p:spPr>
+      </p:pic>
+      <p:pic>
+        <p:nvPicPr>
+          <p:cNvPr id="6" name="Picture 5">
+            <a:extLst>
+              <a:ext uri="{FF2B5EF4-FFF2-40B4-BE49-F238E27FC236}">
+                <a16:creationId xmlns:a16="http://schemas.microsoft.com/office/drawing/2014/main" id="{EEC476A8-4C4D-4C52-80A9-4D209FB3641A}"/>
+              </a:ext>
+            </a:extLst>
+          </p:cNvPr>
+          <p:cNvPicPr>
+            <a:picLocks noChangeAspect="1"/>
+          </p:cNvPicPr>
+          <p:nvPr/>
+        </p:nvPicPr>
+        <p:blipFill>
+          <a:blip r:embed="rId4"/>
+          <a:stretch>
+            <a:fillRect/>
+          </a:stretch>
+        </p:blipFill>
+        <p:spPr>
+          <a:xfrm>
+            <a:off x="7851545" y="4387072"/>
+            <a:ext cx="1506819" cy="594645"/>
+          </a:xfrm>
+          <a:prstGeom prst="rect">
+            <a:avLst/>
+          </a:prstGeom>
+        </p:spPr>
+      </p:pic>
+      <p:pic>
+        <p:nvPicPr>
+          <p:cNvPr id="7" name="Picture 6">
+            <a:extLst>
+              <a:ext uri="{FF2B5EF4-FFF2-40B4-BE49-F238E27FC236}">
+                <a16:creationId xmlns:a16="http://schemas.microsoft.com/office/drawing/2014/main" id="{7A8909C6-D0B5-4CAE-A34A-376B8410ADE1}"/>
+              </a:ext>
+            </a:extLst>
+          </p:cNvPr>
+          <p:cNvPicPr>
+            <a:picLocks noChangeAspect="1"/>
+          </p:cNvPicPr>
+          <p:nvPr/>
+        </p:nvPicPr>
+        <p:blipFill>
+          <a:blip r:embed="rId5"/>
+          <a:stretch>
+            <a:fillRect/>
+          </a:stretch>
+        </p:blipFill>
+        <p:spPr>
+          <a:xfrm>
+            <a:off x="9704542" y="4038060"/>
+            <a:ext cx="1561730" cy="1292668"/>
+          </a:xfrm>
+          <a:prstGeom prst="rect">
+            <a:avLst/>
+          </a:prstGeom>
+        </p:spPr>
+      </p:pic>
+      <p:pic>
+        <p:nvPicPr>
+          <p:cNvPr id="8" name="Picture 7">
+            <a:extLst>
+              <a:ext uri="{FF2B5EF4-FFF2-40B4-BE49-F238E27FC236}">
+                <a16:creationId xmlns:a16="http://schemas.microsoft.com/office/drawing/2014/main" id="{8D66BAF7-27FE-47F9-95B4-F9AD73AD5EC5}"/>
+              </a:ext>
+            </a:extLst>
+          </p:cNvPr>
+          <p:cNvPicPr>
+            <a:picLocks noChangeAspect="1"/>
+          </p:cNvPicPr>
+          <p:nvPr/>
+        </p:nvPicPr>
+        <p:blipFill>
+          <a:blip r:embed="rId6"/>
+          <a:stretch>
+            <a:fillRect/>
+          </a:stretch>
+        </p:blipFill>
+        <p:spPr>
+          <a:xfrm>
+            <a:off x="9699781" y="3064690"/>
+            <a:ext cx="1842625" cy="728620"/>
+          </a:xfrm>
+          <a:prstGeom prst="rect">
+            <a:avLst/>
+          </a:prstGeom>
+        </p:spPr>
+      </p:pic>
+      <p:pic>
+        <p:nvPicPr>
+          <p:cNvPr id="9" name="Picture 8">
+            <a:extLst>
+              <a:ext uri="{FF2B5EF4-FFF2-40B4-BE49-F238E27FC236}">
+                <a16:creationId xmlns:a16="http://schemas.microsoft.com/office/drawing/2014/main" id="{2EC5EF3F-E896-4353-B168-6394004B4525}"/>
+              </a:ext>
+            </a:extLst>
+          </p:cNvPr>
+          <p:cNvPicPr>
+            <a:picLocks noChangeAspect="1"/>
+          </p:cNvPicPr>
+          <p:nvPr/>
+        </p:nvPicPr>
+        <p:blipFill>
+          <a:blip r:embed="rId7"/>
+          <a:stretch>
+            <a:fillRect/>
+          </a:stretch>
+        </p:blipFill>
+        <p:spPr>
+          <a:xfrm>
+            <a:off x="8093939" y="5521789"/>
+            <a:ext cx="1212302" cy="533159"/>
+          </a:xfrm>
+          <a:prstGeom prst="rect">
+            <a:avLst/>
+          </a:prstGeom>
+        </p:spPr>
+      </p:pic>
+      <p:pic>
+        <p:nvPicPr>
+          <p:cNvPr id="10" name="Picture 9">
+            <a:extLst>
+              <a:ext uri="{FF2B5EF4-FFF2-40B4-BE49-F238E27FC236}">
+                <a16:creationId xmlns:a16="http://schemas.microsoft.com/office/drawing/2014/main" id="{8B3811FB-015D-46D8-B251-0B42B3A32F1F}"/>
+              </a:ext>
+            </a:extLst>
+          </p:cNvPr>
+          <p:cNvPicPr>
+            <a:picLocks noChangeAspect="1"/>
+          </p:cNvPicPr>
+          <p:nvPr/>
+        </p:nvPicPr>
+        <p:blipFill>
+          <a:blip r:embed="rId8">
+            <a:clrChange>
+              <a:clrFrom>
+                <a:srgbClr val="FFFFFF"/>
+              </a:clrFrom>
+              <a:clrTo>
+                <a:srgbClr val="FFFFFF">
+                  <a:alpha val="0"/>
+                </a:srgbClr>
+              </a:clrTo>
+            </a:clrChange>
+          </a:blip>
+          <a:stretch>
+            <a:fillRect/>
+          </a:stretch>
+        </p:blipFill>
+        <p:spPr>
+          <a:xfrm>
+            <a:off x="9951859" y="5298233"/>
+            <a:ext cx="1499061" cy="1130440"/>
+          </a:xfrm>
+          <a:prstGeom prst="rect">
+            <a:avLst/>
+          </a:prstGeom>
+        </p:spPr>
+      </p:pic>
+      <p:pic>
+        <p:nvPicPr>
+          <p:cNvPr id="11" name="Picture 10">
+            <a:extLst>
+              <a:ext uri="{FF2B5EF4-FFF2-40B4-BE49-F238E27FC236}">
+                <a16:creationId xmlns:a16="http://schemas.microsoft.com/office/drawing/2014/main" id="{8DEC0CBC-ECA4-474D-896D-9E365C0C0E6D}"/>
+              </a:ext>
+            </a:extLst>
+          </p:cNvPr>
+          <p:cNvPicPr>
+            <a:picLocks noChangeAspect="1"/>
+          </p:cNvPicPr>
+          <p:nvPr/>
+        </p:nvPicPr>
+        <p:blipFill>
+          <a:blip r:embed="rId9"/>
+          <a:stretch>
+            <a:fillRect/>
+          </a:stretch>
+        </p:blipFill>
+        <p:spPr>
+          <a:xfrm>
+            <a:off x="7735835" y="3131678"/>
+            <a:ext cx="1652485" cy="594644"/>
+          </a:xfrm>
+          <a:prstGeom prst="rect">
+            <a:avLst/>
+          </a:prstGeom>
+        </p:spPr>
+      </p:pic>
+      <p:cxnSp>
+        <p:nvCxnSpPr>
+          <p:cNvPr id="13" name="Straight Connector 12">
+            <a:extLst>
+              <a:ext uri="{FF2B5EF4-FFF2-40B4-BE49-F238E27FC236}">
+                <a16:creationId xmlns:a16="http://schemas.microsoft.com/office/drawing/2014/main" id="{78494BFE-FC84-4BF2-9D86-7A16E4F1B53D}"/>
+              </a:ext>
+            </a:extLst>
+          </p:cNvPr>
+          <p:cNvCxnSpPr/>
+          <p:nvPr/>
+        </p:nvCxnSpPr>
+        <p:spPr>
+          <a:xfrm>
+            <a:off x="9544050" y="1825625"/>
+            <a:ext cx="0" cy="4756150"/>
+          </a:xfrm>
+          <a:prstGeom prst="line">
+            <a:avLst/>
+          </a:prstGeom>
+        </p:spPr>
+        <p:style>
+          <a:lnRef idx="1">
+            <a:schemeClr val="accent1"/>
+          </a:lnRef>
+          <a:fillRef idx="0">
+            <a:schemeClr val="accent1"/>
+          </a:fillRef>
+          <a:effectRef idx="0">
+            <a:schemeClr val="accent1"/>
+          </a:effectRef>
+          <a:fontRef idx="minor">
+            <a:schemeClr val="tx1"/>
+          </a:fontRef>
+        </p:style>
+      </p:cxnSp>
+    </p:spTree>
+    <p:extLst>
+      <p:ext uri="{BB962C8B-B14F-4D97-AF65-F5344CB8AC3E}">
+        <p14:creationId xmlns:p14="http://schemas.microsoft.com/office/powerpoint/2010/main" val="996794747"/>
+      </p:ext>
+    </p:extLst>
+  </p:cSld>
+  <p:clrMapOvr>
+    <a:masterClrMapping/>
+  </p:clrMapOvr>
+</p:sld>
+</file>
+
+<file path=ppt/slides/slide3.xml><?xml version="1.0" encoding="utf-8"?>
+<p:sld xmlns:a="http://schemas.openxmlformats.org/drawingml/2006/main" xmlns:r="http://schemas.openxmlformats.org/officeDocument/2006/relationships" xmlns:p="http://schemas.openxmlformats.org/presentationml/2006/main">
+  <p:cSld>
+    <p:spTree>
+      <p:nvGrpSpPr>
+        <p:cNvPr id="1" name=""/>
+        <p:cNvGrpSpPr/>
+        <p:nvPr/>
+      </p:nvGrpSpPr>
+      <p:grpSpPr>
+        <a:xfrm>
+          <a:off x="0" y="0"/>
+          <a:ext cx="0" cy="0"/>
+          <a:chOff x="0" y="0"/>
+          <a:chExt cx="0" cy="0"/>
+        </a:xfrm>
+      </p:grpSpPr>
+      <p:sp>
+        <p:nvSpPr>
+          <p:cNvPr id="2" name="Title 1">
+            <a:extLst>
+              <a:ext uri="{FF2B5EF4-FFF2-40B4-BE49-F238E27FC236}">
+                <a16:creationId xmlns:a16="http://schemas.microsoft.com/office/drawing/2014/main" id="{D899FECF-DB57-4AE1-92DD-B8CCB3707679}"/>
+              </a:ext>
+            </a:extLst>
+          </p:cNvPr>
+          <p:cNvSpPr>
+            <a:spLocks noGrp="1"/>
+          </p:cNvSpPr>
+          <p:nvPr>
+            <p:ph type="title"/>
+          </p:nvPr>
+        </p:nvSpPr>
+        <p:spPr/>
+        <p:txBody>
+          <a:bodyPr/>
+          <a:lstStyle/>
+          <a:p>
+            <a:r>
+              <a:rPr lang="en-US" dirty="0"/>
+              <a:t>Semantics of PDGs</a:t>
+            </a:r>
+          </a:p>
+        </p:txBody>
+      </p:sp>
+      <p:sp>
+        <p:nvSpPr>
+          <p:cNvPr id="3" name="Content Placeholder 2">
+            <a:extLst>
+              <a:ext uri="{FF2B5EF4-FFF2-40B4-BE49-F238E27FC236}">
+                <a16:creationId xmlns:a16="http://schemas.microsoft.com/office/drawing/2014/main" id="{ADCAE370-37DA-4A7E-8D7A-181BAA713C06}"/>
+              </a:ext>
+            </a:extLst>
+          </p:cNvPr>
+          <p:cNvSpPr>
+            <a:spLocks noGrp="1"/>
+          </p:cNvSpPr>
+          <p:nvPr>
+            <p:ph idx="1"/>
+          </p:nvPr>
+        </p:nvSpPr>
+        <p:spPr/>
+        <p:txBody>
+          <a:bodyPr/>
+          <a:lstStyle/>
+          <a:p>
+            <a:endParaRPr lang="en-US"/>
+          </a:p>
+        </p:txBody>
+      </p:sp>
+    </p:spTree>
+    <p:extLst>
+      <p:ext uri="{BB962C8B-B14F-4D97-AF65-F5344CB8AC3E}">
+        <p14:creationId xmlns:p14="http://schemas.microsoft.com/office/powerpoint/2010/main" val="3597612718"/>
+      </p:ext>
+    </p:extLst>
+  </p:cSld>
+  <p:clrMapOvr>
+    <a:masterClrMapping/>
+  </p:clrMapOvr>
+</p:sld>
+</file>
+
+<file path=ppt/slides/slide4.xml><?xml version="1.0" encoding="utf-8"?>
+<p:sld xmlns:a="http://schemas.openxmlformats.org/drawingml/2006/main" xmlns:r="http://schemas.openxmlformats.org/officeDocument/2006/relationships" xmlns:p="http://schemas.openxmlformats.org/presentationml/2006/main">
+  <p:cSld>
+    <p:spTree>
+      <p:nvGrpSpPr>
+        <p:cNvPr id="1" name=""/>
+        <p:cNvGrpSpPr/>
+        <p:nvPr/>
+      </p:nvGrpSpPr>
+      <p:grpSpPr>
+        <a:xfrm>
+          <a:off x="0" y="0"/>
+          <a:ext cx="0" cy="0"/>
+          <a:chOff x="0" y="0"/>
+          <a:chExt cx="0" cy="0"/>
+        </a:xfrm>
+      </p:grpSpPr>
+      <p:pic>
+        <p:nvPicPr>
+          <p:cNvPr id="5" name="Picture 4">
+            <a:extLst>
+              <a:ext uri="{FF2B5EF4-FFF2-40B4-BE49-F238E27FC236}">
+                <a16:creationId xmlns:a16="http://schemas.microsoft.com/office/drawing/2014/main" id="{36EF5987-CD3C-4C58-8734-6C9A19F467B4}"/>
+              </a:ext>
+            </a:extLst>
+          </p:cNvPr>
+          <p:cNvPicPr>
+            <a:picLocks noChangeAspect="1"/>
+          </p:cNvPicPr>
+          <p:nvPr/>
+        </p:nvPicPr>
+        <p:blipFill rotWithShape="1">
+          <a:blip r:embed="rId2"/>
+          <a:srcRect l="35901"/>
+          <a:stretch/>
+        </p:blipFill>
+        <p:spPr>
+          <a:xfrm>
+            <a:off x="5164056" y="3976687"/>
+            <a:ext cx="4237120" cy="1410991"/>
+          </a:xfrm>
+          <a:prstGeom prst="rect">
+            <a:avLst/>
+          </a:prstGeom>
+        </p:spPr>
+      </p:pic>
+      <p:sp>
+        <p:nvSpPr>
+          <p:cNvPr id="4" name="Title 3">
+            <a:extLst>
+              <a:ext uri="{FF2B5EF4-FFF2-40B4-BE49-F238E27FC236}">
+                <a16:creationId xmlns:a16="http://schemas.microsoft.com/office/drawing/2014/main" id="{C1319901-7E0D-48A7-B2B5-101576BC5F13}"/>
+              </a:ext>
+            </a:extLst>
+          </p:cNvPr>
+          <p:cNvSpPr>
+            <a:spLocks noGrp="1"/>
+          </p:cNvSpPr>
+          <p:nvPr>
+            <p:ph type="title"/>
+          </p:nvPr>
+        </p:nvSpPr>
+        <p:spPr/>
+        <p:txBody>
+          <a:bodyPr/>
+          <a:lstStyle/>
+          <a:p>
+            <a:r>
+              <a:rPr lang="en-US" b="1" dirty="0"/>
+              <a:t>Information Content / Neg Log Likelihood </a:t>
+            </a:r>
+            <a:br>
+              <a:rPr lang="en-US" b="1" dirty="0"/>
+            </a:br>
+            <a:r>
+              <a:rPr lang="en-US" b="1" dirty="0"/>
+              <a:t>	</a:t>
+            </a:r>
+            <a:r>
+              <a:rPr lang="en-US" dirty="0"/>
+              <a:t>as Inconsistency</a:t>
+            </a:r>
+          </a:p>
+        </p:txBody>
+      </p:sp>
+      <mc:AlternateContent xmlns:mc="http://schemas.openxmlformats.org/markup-compatibility/2006">
+        <mc:Choice xmlns:a14="http://schemas.microsoft.com/office/drawing/2010/main" Requires="a14">
+          <p:sp>
+            <p:nvSpPr>
+              <p:cNvPr id="6" name="Content Placeholder 5">
+                <a:extLst>
+                  <a:ext uri="{FF2B5EF4-FFF2-40B4-BE49-F238E27FC236}">
+                    <a16:creationId xmlns:a16="http://schemas.microsoft.com/office/drawing/2014/main" id="{AE5A47F4-CC1D-41CD-AA20-C4EAA62B3D6C}"/>
+                  </a:ext>
+                </a:extLst>
+              </p:cNvPr>
+              <p:cNvSpPr>
+                <a:spLocks noGrp="1"/>
+              </p:cNvSpPr>
+              <p:nvPr>
+                <p:ph idx="1"/>
+              </p:nvPr>
+            </p:nvSpPr>
+            <p:spPr>
+              <a:xfrm>
+                <a:off x="1001497" y="3293378"/>
+                <a:ext cx="10515600" cy="683309"/>
+              </a:xfrm>
+            </p:spPr>
+            <p:txBody>
+              <a:bodyPr>
+                <a:normAutofit/>
+              </a:bodyPr>
+              <a:lstStyle/>
+              <a:p>
+                <a:r>
+                  <a:rPr lang="en-US" dirty="0"/>
+                  <a:t>Standard measure of discrepancy between </a:t>
+                </a:r>
+                <a14:m>
+                  <m:oMath xmlns:m="http://schemas.openxmlformats.org/officeDocument/2006/math">
+                    <m:r>
+                      <a:rPr lang="en-US" b="0" i="1" smtClean="0">
+                        <a:latin typeface="Cambria Math" panose="02040503050406030204" pitchFamily="18" charset="0"/>
+                      </a:rPr>
+                      <m:t>𝑝</m:t>
+                    </m:r>
+                  </m:oMath>
+                </a14:m>
+                <a:r>
+                  <a:rPr lang="en-US" dirty="0"/>
+                  <a:t> and </a:t>
+                </a:r>
+                <a14:m>
+                  <m:oMath xmlns:m="http://schemas.openxmlformats.org/officeDocument/2006/math">
+                    <m:r>
+                      <a:rPr lang="en-US" b="0" i="1" smtClean="0">
+                        <a:latin typeface="Cambria Math" panose="02040503050406030204" pitchFamily="18" charset="0"/>
+                      </a:rPr>
+                      <m:t>𝑋</m:t>
+                    </m:r>
+                    <m:r>
+                      <a:rPr lang="en-US" b="0" i="1" smtClean="0">
+                        <a:latin typeface="Cambria Math" panose="02040503050406030204" pitchFamily="18" charset="0"/>
+                      </a:rPr>
+                      <m:t>=</m:t>
+                    </m:r>
+                    <m:r>
+                      <a:rPr lang="en-US" b="0" i="1" smtClean="0">
+                        <a:latin typeface="Cambria Math" panose="02040503050406030204" pitchFamily="18" charset="0"/>
+                      </a:rPr>
+                      <m:t>𝑥</m:t>
+                    </m:r>
+                  </m:oMath>
+                </a14:m>
+                <a:endParaRPr lang="en-US" dirty="0"/>
+              </a:p>
+            </p:txBody>
+          </p:sp>
+        </mc:Choice>
+        <mc:Fallback>
+          <p:sp>
+            <p:nvSpPr>
+              <p:cNvPr id="6" name="Content Placeholder 5">
+                <a:extLst>
+                  <a:ext uri="{FF2B5EF4-FFF2-40B4-BE49-F238E27FC236}">
+                    <a16:creationId xmlns:a16="http://schemas.microsoft.com/office/drawing/2014/main" id="{AE5A47F4-CC1D-41CD-AA20-C4EAA62B3D6C}"/>
+                  </a:ext>
+                </a:extLst>
+              </p:cNvPr>
+              <p:cNvSpPr>
+                <a:spLocks noGrp="1" noRot="1" noChangeAspect="1" noMove="1" noResize="1" noEditPoints="1" noAdjustHandles="1" noChangeArrowheads="1" noChangeShapeType="1" noTextEdit="1"/>
+              </p:cNvSpPr>
+              <p:nvPr>
+                <p:ph idx="1"/>
+              </p:nvPr>
+            </p:nvSpPr>
+            <p:spPr>
+              <a:xfrm>
+                <a:off x="1001497" y="3293378"/>
+                <a:ext cx="10515600" cy="683309"/>
+              </a:xfrm>
+              <a:blipFill>
+                <a:blip r:embed="rId3"/>
+                <a:stretch>
+                  <a:fillRect l="-1043" t="-14286"/>
+                </a:stretch>
+              </a:blipFill>
+            </p:spPr>
+            <p:txBody>
+              <a:bodyPr/>
+              <a:lstStyle/>
+              <a:p>
+                <a:r>
+                  <a:rPr lang="en-US">
+                    <a:noFill/>
+                  </a:rPr>
+                  <a:t> </a:t>
+                </a:r>
+              </a:p>
+            </p:txBody>
+          </p:sp>
+        </mc:Fallback>
+      </mc:AlternateContent>
+      <p:pic>
+        <p:nvPicPr>
+          <p:cNvPr id="1026" name="Picture 2">
+            <a:extLst>
+              <a:ext uri="{FF2B5EF4-FFF2-40B4-BE49-F238E27FC236}">
+                <a16:creationId xmlns:a16="http://schemas.microsoft.com/office/drawing/2014/main" id="{E6C1EE77-5085-484F-A4E4-E0BB878A5D7C}"/>
+              </a:ext>
+            </a:extLst>
+          </p:cNvPr>
+          <p:cNvPicPr>
+            <a:picLocks noChangeAspect="1" noChangeArrowheads="1"/>
+          </p:cNvPicPr>
+          <p:nvPr/>
+        </p:nvPicPr>
+        <p:blipFill>
+          <a:blip r:embed="rId4">
+            <a:extLst>
+              <a:ext uri="{28A0092B-C50C-407E-A947-70E740481C1C}">
+                <a14:useLocalDpi xmlns:a14="http://schemas.microsoft.com/office/drawing/2010/main" val="0"/>
+              </a:ext>
+            </a:extLst>
+          </a:blip>
+          <a:srcRect/>
+          <a:stretch>
+            <a:fillRect/>
+          </a:stretch>
+        </p:blipFill>
+        <p:spPr bwMode="auto">
+          <a:xfrm>
+            <a:off x="3317444" y="1690688"/>
+            <a:ext cx="5369356" cy="1167789"/>
+          </a:xfrm>
+          <a:prstGeom prst="rect">
+            <a:avLst/>
+          </a:prstGeom>
+          <a:noFill/>
+          <a:extLst>
+            <a:ext uri="{909E8E84-426E-40DD-AFC4-6F175D3DCCD1}">
+              <a14:hiddenFill xmlns:a14="http://schemas.microsoft.com/office/drawing/2010/main">
+                <a:solidFill>
+                  <a:srgbClr val="FFFFFF"/>
+                </a:solidFill>
+              </a14:hiddenFill>
+            </a:ext>
+          </a:extLst>
+        </p:spPr>
+      </p:pic>
+      <p:sp>
+        <p:nvSpPr>
+          <p:cNvPr id="18" name="Content Placeholder 5">
+            <a:extLst>
+              <a:ext uri="{FF2B5EF4-FFF2-40B4-BE49-F238E27FC236}">
+                <a16:creationId xmlns:a16="http://schemas.microsoft.com/office/drawing/2014/main" id="{F950C506-E2A8-49CA-9E93-F07708E9BA70}"/>
+              </a:ext>
+            </a:extLst>
+          </p:cNvPr>
+          <p:cNvSpPr txBox="1">
+            <a:spLocks/>
+          </p:cNvSpPr>
+          <p:nvPr/>
+        </p:nvSpPr>
+        <p:spPr>
+          <a:xfrm>
+            <a:off x="1001497" y="5524499"/>
+            <a:ext cx="10515600" cy="833437"/>
+          </a:xfrm>
+          <a:prstGeom prst="rect">
+            <a:avLst/>
+          </a:prstGeom>
+        </p:spPr>
+        <p:txBody>
+          <a:bodyPr vert="horz" lIns="91440" tIns="45720" rIns="91440" bIns="45720" rtlCol="0">
+            <a:normAutofit/>
+          </a:bodyPr>
+          <a:lstStyle>
+            <a:lvl1pPr marL="228600" indent="-228600" algn="l" defTabSz="914400" rtl="0" eaLnBrk="1" latinLnBrk="0" hangingPunct="1">
+              <a:lnSpc>
+                <a:spcPct val="90000"/>
+              </a:lnSpc>
+              <a:spcBef>
+                <a:spcPts val="1000"/>
+              </a:spcBef>
+              <a:buFont typeface="Arial" panose="020B0604020202020204" pitchFamily="34" charset="0"/>
+              <a:buChar char="•"/>
+              <a:defRPr sz="2800" kern="1200">
+                <a:solidFill>
+                  <a:schemeClr val="tx1"/>
+                </a:solidFill>
+                <a:latin typeface="+mn-lt"/>
+                <a:ea typeface="+mn-ea"/>
+                <a:cs typeface="+mn-cs"/>
+              </a:defRPr>
+            </a:lvl1pPr>
+            <a:lvl2pPr marL="685800" indent="-228600" algn="l" defTabSz="914400" rtl="0" eaLnBrk="1" latinLnBrk="0" hangingPunct="1">
+              <a:lnSpc>
+                <a:spcPct val="90000"/>
+              </a:lnSpc>
+              <a:spcBef>
+                <a:spcPts val="500"/>
+              </a:spcBef>
+              <a:buFont typeface="Arial" panose="020B0604020202020204" pitchFamily="34" charset="0"/>
+              <a:buChar char="•"/>
+              <a:defRPr sz="2400" kern="1200">
+                <a:solidFill>
+                  <a:schemeClr val="tx1"/>
+                </a:solidFill>
+                <a:latin typeface="+mn-lt"/>
+                <a:ea typeface="+mn-ea"/>
+                <a:cs typeface="+mn-cs"/>
+              </a:defRPr>
+            </a:lvl2pPr>
+            <a:lvl3pPr marL="1143000" indent="-228600" algn="l" defTabSz="914400" rtl="0" eaLnBrk="1" latinLnBrk="0" hangingPunct="1">
+              <a:lnSpc>
+                <a:spcPct val="90000"/>
+              </a:lnSpc>
+              <a:spcBef>
+                <a:spcPts val="500"/>
+              </a:spcBef>
+              <a:buFont typeface="Arial" panose="020B0604020202020204" pitchFamily="34" charset="0"/>
+              <a:buChar char="•"/>
+              <a:defRPr sz="2000" kern="1200">
+                <a:solidFill>
+                  <a:schemeClr val="tx1"/>
+                </a:solidFill>
+                <a:latin typeface="+mn-lt"/>
+                <a:ea typeface="+mn-ea"/>
+                <a:cs typeface="+mn-cs"/>
+              </a:defRPr>
+            </a:lvl3pPr>
+            <a:lvl4pPr marL="1600200" indent="-228600" algn="l" defTabSz="914400" rtl="0" eaLnBrk="1" latinLnBrk="0" hangingPunct="1">
+              <a:lnSpc>
+                <a:spcPct val="90000"/>
+              </a:lnSpc>
+              <a:spcBef>
+                <a:spcPts val="500"/>
+              </a:spcBef>
+              <a:buFont typeface="Arial" panose="020B0604020202020204" pitchFamily="34" charset="0"/>
+              <a:buChar char="•"/>
+              <a:defRPr sz="1800" kern="1200">
+                <a:solidFill>
+                  <a:schemeClr val="tx1"/>
+                </a:solidFill>
+                <a:latin typeface="+mn-lt"/>
+                <a:ea typeface="+mn-ea"/>
+                <a:cs typeface="+mn-cs"/>
+              </a:defRPr>
+            </a:lvl4pPr>
+            <a:lvl5pPr marL="2057400" indent="-228600" algn="l" defTabSz="914400" rtl="0" eaLnBrk="1" latinLnBrk="0" hangingPunct="1">
+              <a:lnSpc>
+                <a:spcPct val="90000"/>
+              </a:lnSpc>
+              <a:spcBef>
+                <a:spcPts val="500"/>
+              </a:spcBef>
+              <a:buFont typeface="Arial" panose="020B0604020202020204" pitchFamily="34" charset="0"/>
+              <a:buChar char="•"/>
+              <a:defRPr sz="1800" kern="1200">
+                <a:solidFill>
+                  <a:schemeClr val="tx1"/>
+                </a:solidFill>
+                <a:latin typeface="+mn-lt"/>
+                <a:ea typeface="+mn-ea"/>
+                <a:cs typeface="+mn-cs"/>
+              </a:defRPr>
+            </a:lvl5pPr>
+            <a:lvl6pPr marL="2514600" indent="-228600" algn="l" defTabSz="914400" rtl="0" eaLnBrk="1" latinLnBrk="0" hangingPunct="1">
+              <a:lnSpc>
+                <a:spcPct val="90000"/>
+              </a:lnSpc>
+              <a:spcBef>
+                <a:spcPts val="500"/>
+              </a:spcBef>
+              <a:buFont typeface="Arial" panose="020B0604020202020204" pitchFamily="34" charset="0"/>
+              <a:buChar char="•"/>
+              <a:defRPr sz="1800" kern="1200">
+                <a:solidFill>
+                  <a:schemeClr val="tx1"/>
+                </a:solidFill>
+                <a:latin typeface="+mn-lt"/>
+                <a:ea typeface="+mn-ea"/>
+                <a:cs typeface="+mn-cs"/>
+              </a:defRPr>
+            </a:lvl6pPr>
+            <a:lvl7pPr marL="2971800" indent="-228600" algn="l" defTabSz="914400" rtl="0" eaLnBrk="1" latinLnBrk="0" hangingPunct="1">
+              <a:lnSpc>
+                <a:spcPct val="90000"/>
+              </a:lnSpc>
+              <a:spcBef>
+                <a:spcPts val="500"/>
+              </a:spcBef>
+              <a:buFont typeface="Arial" panose="020B0604020202020204" pitchFamily="34" charset="0"/>
+              <a:buChar char="•"/>
+              <a:defRPr sz="1800" kern="1200">
+                <a:solidFill>
+                  <a:schemeClr val="tx1"/>
+                </a:solidFill>
+                <a:latin typeface="+mn-lt"/>
+                <a:ea typeface="+mn-ea"/>
+                <a:cs typeface="+mn-cs"/>
+              </a:defRPr>
+            </a:lvl7pPr>
+            <a:lvl8pPr marL="3429000" indent="-228600" algn="l" defTabSz="914400" rtl="0" eaLnBrk="1" latinLnBrk="0" hangingPunct="1">
+              <a:lnSpc>
+                <a:spcPct val="90000"/>
+              </a:lnSpc>
+              <a:spcBef>
+                <a:spcPts val="500"/>
+              </a:spcBef>
+              <a:buFont typeface="Arial" panose="020B0604020202020204" pitchFamily="34" charset="0"/>
+              <a:buChar char="•"/>
+              <a:defRPr sz="1800" kern="1200">
+                <a:solidFill>
+                  <a:schemeClr val="tx1"/>
+                </a:solidFill>
+                <a:latin typeface="+mn-lt"/>
+                <a:ea typeface="+mn-ea"/>
+                <a:cs typeface="+mn-cs"/>
+              </a:defRPr>
+            </a:lvl8pPr>
+            <a:lvl9pPr marL="3886200" indent="-228600" algn="l" defTabSz="914400" rtl="0" eaLnBrk="1" latinLnBrk="0" hangingPunct="1">
+              <a:lnSpc>
+                <a:spcPct val="90000"/>
+              </a:lnSpc>
+              <a:spcBef>
+                <a:spcPts val="500"/>
+              </a:spcBef>
+              <a:buFont typeface="Arial" panose="020B0604020202020204" pitchFamily="34" charset="0"/>
+              <a:buChar char="•"/>
+              <a:defRPr sz="1800" kern="1200">
+                <a:solidFill>
+                  <a:schemeClr val="tx1"/>
+                </a:solidFill>
+                <a:latin typeface="+mn-lt"/>
+                <a:ea typeface="+mn-ea"/>
+                <a:cs typeface="+mn-cs"/>
+              </a:defRPr>
+            </a:lvl9pPr>
+          </a:lstStyle>
+          <a:p>
+            <a:r>
+              <a:rPr lang="en-US" dirty="0"/>
+              <a:t>Known as “surprisal”, an expression of epistemic conflict</a:t>
+            </a:r>
+          </a:p>
+          <a:p>
+            <a:pPr marL="0" indent="0">
+              <a:buFont typeface="Arial" panose="020B0604020202020204" pitchFamily="34" charset="0"/>
+              <a:buNone/>
+            </a:pPr>
+            <a:endParaRPr lang="en-US" dirty="0"/>
+          </a:p>
+        </p:txBody>
+      </p:sp>
+    </p:spTree>
+    <p:extLst>
+      <p:ext uri="{BB962C8B-B14F-4D97-AF65-F5344CB8AC3E}">
+        <p14:creationId xmlns:p14="http://schemas.microsoft.com/office/powerpoint/2010/main" val="3194484784"/>
+      </p:ext>
+    </p:extLst>
+  </p:cSld>
+  <p:clrMapOvr>
+    <a:masterClrMapping/>
+  </p:clrMapOvr>
+</p:sld>
+</file>
+
+<file path=ppt/slides/slide5.xml><?xml version="1.0" encoding="utf-8"?>
+<p:sld xmlns:a="http://schemas.openxmlformats.org/drawingml/2006/main" xmlns:r="http://schemas.openxmlformats.org/officeDocument/2006/relationships" xmlns:p="http://schemas.openxmlformats.org/presentationml/2006/main">
+  <p:cSld>
+    <p:spTree>
+      <p:nvGrpSpPr>
+        <p:cNvPr id="1" name=""/>
+        <p:cNvGrpSpPr/>
+        <p:nvPr/>
+      </p:nvGrpSpPr>
+      <p:grpSpPr>
+        <a:xfrm>
+          <a:off x="0" y="0"/>
+          <a:ext cx="0" cy="0"/>
+          <a:chOff x="0" y="0"/>
+          <a:chExt cx="0" cy="0"/>
+        </a:xfrm>
+      </p:grpSpPr>
+      <p:sp>
+        <p:nvSpPr>
+          <p:cNvPr id="2" name="Title 1">
+            <a:extLst>
+              <a:ext uri="{FF2B5EF4-FFF2-40B4-BE49-F238E27FC236}">
+                <a16:creationId xmlns:a16="http://schemas.microsoft.com/office/drawing/2014/main" id="{513AD30A-0ADF-4EB3-9E1B-E37D25E14B40}"/>
+              </a:ext>
+            </a:extLst>
+          </p:cNvPr>
+          <p:cNvSpPr>
+            <a:spLocks noGrp="1"/>
+          </p:cNvSpPr>
+          <p:nvPr>
+            <p:ph type="title"/>
+          </p:nvPr>
+        </p:nvSpPr>
+        <p:spPr/>
+        <p:txBody>
+          <a:bodyPr/>
+          <a:lstStyle/>
+          <a:p>
+            <a:r>
+              <a:rPr lang="en-US" b="1" dirty="0"/>
+              <a:t>Accuracy as Inconsistency</a:t>
+            </a:r>
+          </a:p>
+        </p:txBody>
+      </p:sp>
+      <p:grpSp>
+        <p:nvGrpSpPr>
+          <p:cNvPr id="13" name="Group 12">
+            <a:extLst>
+              <a:ext uri="{FF2B5EF4-FFF2-40B4-BE49-F238E27FC236}">
+                <a16:creationId xmlns:a16="http://schemas.microsoft.com/office/drawing/2014/main" id="{DA932559-9551-4CD7-BAED-4C4A63CC5DD0}"/>
+              </a:ext>
+            </a:extLst>
+          </p:cNvPr>
+          <p:cNvGrpSpPr/>
+          <p:nvPr/>
+        </p:nvGrpSpPr>
+        <p:grpSpPr>
+          <a:xfrm>
+            <a:off x="4230266" y="3099422"/>
+            <a:ext cx="4619582" cy="2225053"/>
+            <a:chOff x="838200" y="2451722"/>
+            <a:chExt cx="8049748" cy="3877216"/>
+          </a:xfrm>
+        </p:grpSpPr>
+        <p:pic>
+          <p:nvPicPr>
+            <p:cNvPr id="6" name="Content Placeholder 4">
+              <a:extLst>
+                <a:ext uri="{FF2B5EF4-FFF2-40B4-BE49-F238E27FC236}">
+                  <a16:creationId xmlns:a16="http://schemas.microsoft.com/office/drawing/2014/main" id="{6B5C51E6-1957-40C7-AF4D-118278977155}"/>
+                </a:ext>
+              </a:extLst>
+            </p:cNvPr>
+            <p:cNvPicPr>
+              <a:picLocks noChangeAspect="1"/>
+            </p:cNvPicPr>
+            <p:nvPr/>
+          </p:nvPicPr>
+          <p:blipFill>
+            <a:blip r:embed="rId3">
+              <a:clrChange>
+                <a:clrFrom>
+                  <a:srgbClr val="FFFFFF"/>
+                </a:clrFrom>
+                <a:clrTo>
+                  <a:srgbClr val="FFFFFF">
+                    <a:alpha val="0"/>
+                  </a:srgbClr>
+                </a:clrTo>
+              </a:clrChange>
+              <a:extLst>
+                <a:ext uri="{BEBA8EAE-BF5A-486C-A8C5-ECC9F3942E4B}">
+                  <a14:imgProps xmlns:a14="http://schemas.microsoft.com/office/drawing/2010/main">
+                    <a14:imgLayer r:embed="rId4">
+                      <a14:imgEffect>
+                        <a14:backgroundRemoval t="5160" b="94349" l="2012" r="99882">
+                          <a14:foregroundMark x1="64465" y1="13163" x2="66036" y2="18673"/>
+                          <a14:foregroundMark x1="63444" y1="9582" x2="64421" y2="13010"/>
+                          <a14:foregroundMark x1="62604" y1="6634" x2="63444" y2="9582"/>
+                          <a14:foregroundMark x1="71720" y1="18933" x2="74399" y2="19055"/>
+                          <a14:foregroundMark x1="70764" y1="18889" x2="71256" y2="18911"/>
+                          <a14:foregroundMark x1="67569" y1="18743" x2="69160" y2="18816"/>
+                          <a14:foregroundMark x1="66036" y1="18673" x2="66784" y2="18707"/>
+                          <a14:foregroundMark x1="78728" y1="18677" x2="92308" y2="15233"/>
+                          <a14:foregroundMark x1="92308" y1="15233" x2="98935" y2="63882"/>
+                          <a14:foregroundMark x1="98935" y1="63882" x2="94793" y2="78133"/>
+                          <a14:foregroundMark x1="94793" y1="78133" x2="87929" y2="87715"/>
+                          <a14:foregroundMark x1="73599" y1="88404" x2="11243" y2="91400"/>
+                          <a14:foregroundMark x1="87929" y1="87715" x2="73611" y2="88403"/>
+                          <a14:foregroundMark x1="11243" y1="91400" x2="4379" y2="79607"/>
+                          <a14:foregroundMark x1="4379" y1="79607" x2="1302" y2="38329"/>
+                          <a14:foregroundMark x1="1302" y1="38329" x2="5325" y2="20393"/>
+                          <a14:foregroundMark x1="5325" y1="20393" x2="10059" y2="9091"/>
+                          <a14:foregroundMark x1="10059" y1="9091" x2="48639" y2="15971"/>
+                          <a14:foregroundMark x1="48639" y1="15971" x2="54675" y2="3194"/>
+                          <a14:foregroundMark x1="54675" y1="3194" x2="62722" y2="5651"/>
+                          <a14:foregroundMark x1="62722" y1="5651" x2="63077" y2="6634"/>
+                          <a14:foregroundMark x1="14556" y1="6634" x2="2722" y2="21376"/>
+                          <a14:foregroundMark x1="2722" y1="21376" x2="4497" y2="74447"/>
+                          <a14:foregroundMark x1="4497" y1="74447" x2="16923" y2="90172"/>
+                          <a14:foregroundMark x1="16923" y1="90172" x2="27692" y2="24816"/>
+                          <a14:foregroundMark x1="27692" y1="24816" x2="18107" y2="11302"/>
+                          <a14:foregroundMark x1="18107" y1="11302" x2="15266" y2="11302"/>
+                          <a14:foregroundMark x1="11834" y1="10319" x2="7929" y2="22359"/>
+                          <a14:foregroundMark x1="7929" y1="22359" x2="4024" y2="55528"/>
+                          <a14:foregroundMark x1="8402" y1="20885" x2="2130" y2="70516"/>
+                          <a14:foregroundMark x1="90414" y1="34152" x2="95503" y2="45946"/>
+                          <a14:foregroundMark x1="95503" y1="45946" x2="91716" y2="70762"/>
+                          <a14:foregroundMark x1="54793" y1="84521" x2="56805" y2="94349"/>
+                          <a14:foregroundMark x1="92189" y1="27273" x2="99882" y2="35381"/>
+                          <a14:foregroundMark x1="55030" y1="56757" x2="39053" y2="85749"/>
+                          <a14:foregroundMark x1="30178" y1="42752" x2="11834" y2="77150"/>
+                          <a14:foregroundMark x1="20828" y1="26044" x2="13491" y2="31941"/>
+                          <a14:foregroundMark x1="63905" y1="53317" x2="55976" y2="56511"/>
+                          <a14:foregroundMark x1="55976" y1="56511" x2="45207" y2="48894"/>
+                          <a14:foregroundMark x1="63077" y1="41769" x2="53018" y2="67568"/>
+                          <a14:foregroundMark x1="60710" y1="37592" x2="74320" y2="63636"/>
+                          <a14:backgroundMark x1="65799" y1="6388" x2="71479" y2="17690"/>
+                          <a14:backgroundMark x1="71479" y1="17690" x2="66982" y2="5405"/>
+                          <a14:backgroundMark x1="66982" y1="5405" x2="66627" y2="8600"/>
+                          <a14:backgroundMark x1="65799" y1="6880" x2="68757" y2="17445"/>
+                          <a14:backgroundMark x1="68876" y1="13514" x2="65325" y2="7125"/>
+                          <a14:backgroundMark x1="72308" y1="6143" x2="68994" y2="13022"/>
+                          <a14:backgroundMark x1="70651" y1="5405" x2="76568" y2="17690"/>
+                          <a14:backgroundMark x1="76568" y1="17690" x2="77278" y2="24570"/>
+                          <a14:backgroundMark x1="68284" y1="71744" x2="62959" y2="82801"/>
+                          <a14:backgroundMark x1="62959" y1="82801" x2="73018" y2="85012"/>
+                          <a14:backgroundMark x1="73018" y1="85012" x2="69467" y2="67076"/>
+                          <a14:backgroundMark x1="69467" y1="67076" x2="64615" y2="74447"/>
+                          <a14:backgroundMark x1="64615" y1="74447" x2="64497" y2="76413"/>
+                          <a14:backgroundMark x1="64970" y1="7371" x2="65207" y2="10074"/>
+                          <a14:backgroundMark x1="65325" y1="9582" x2="65325" y2="9582"/>
+                          <a14:backgroundMark x1="64970" y1="10074" x2="65325" y2="6388"/>
+                        </a14:backgroundRemoval>
+                      </a14:imgEffect>
+                    </a14:imgLayer>
+                  </a14:imgProps>
+                </a:ext>
+              </a:extLst>
+            </a:blip>
+            <a:stretch>
+              <a:fillRect/>
+            </a:stretch>
+          </p:blipFill>
+          <p:spPr>
+            <a:xfrm>
+              <a:off x="838200" y="2451722"/>
+              <a:ext cx="8049748" cy="3877216"/>
+            </a:xfrm>
+            <a:prstGeom prst="rect">
+              <a:avLst/>
+            </a:prstGeom>
+          </p:spPr>
+        </p:pic>
+        <p:pic>
+          <p:nvPicPr>
+            <p:cNvPr id="8" name="Content Placeholder 4">
+              <a:extLst>
+                <a:ext uri="{FF2B5EF4-FFF2-40B4-BE49-F238E27FC236}">
+                  <a16:creationId xmlns:a16="http://schemas.microsoft.com/office/drawing/2014/main" id="{4F921BD6-7794-4DC7-AD83-AE58D31EBA4C}"/>
+                </a:ext>
+              </a:extLst>
+            </p:cNvPr>
+            <p:cNvPicPr>
+              <a:picLocks noChangeAspect="1"/>
+            </p:cNvPicPr>
+            <p:nvPr/>
+          </p:nvPicPr>
+          <p:blipFill rotWithShape="1">
+            <a:blip r:embed="rId5">
+              <a:clrChange>
+                <a:clrFrom>
+                  <a:srgbClr val="FFFFFF"/>
+                </a:clrFrom>
+                <a:clrTo>
+                  <a:srgbClr val="FFFFFF">
+                    <a:alpha val="0"/>
+                  </a:srgbClr>
+                </a:clrTo>
+              </a:clrChange>
+              <a:extLst>
+                <a:ext uri="{28A0092B-C50C-407E-A947-70E740481C1C}">
+                  <a14:useLocalDpi xmlns:a14="http://schemas.microsoft.com/office/drawing/2010/main" val="0"/>
+                </a:ext>
+              </a:extLst>
+            </a:blip>
+            <a:srcRect/>
+            <a:stretch/>
+          </p:blipFill>
+          <p:spPr>
+            <a:xfrm>
+              <a:off x="6658168" y="2804147"/>
+              <a:ext cx="690665" cy="457201"/>
+            </a:xfrm>
+            <a:prstGeom prst="rect">
+              <a:avLst/>
+            </a:prstGeom>
+          </p:spPr>
+        </p:pic>
+        <p:pic>
+          <p:nvPicPr>
+            <p:cNvPr id="9" name="Content Placeholder 4">
+              <a:extLst>
+                <a:ext uri="{FF2B5EF4-FFF2-40B4-BE49-F238E27FC236}">
+                  <a16:creationId xmlns:a16="http://schemas.microsoft.com/office/drawing/2014/main" id="{E7241ED9-AEFF-4D03-89B9-C14B0E19C139}"/>
+                </a:ext>
+              </a:extLst>
+            </p:cNvPr>
+            <p:cNvPicPr>
+              <a:picLocks noChangeAspect="1"/>
+            </p:cNvPicPr>
+            <p:nvPr/>
+          </p:nvPicPr>
+          <p:blipFill rotWithShape="1">
+            <a:blip r:embed="rId6">
+              <a:clrChange>
+                <a:clrFrom>
+                  <a:srgbClr val="FFFFFF"/>
+                </a:clrFrom>
+                <a:clrTo>
+                  <a:srgbClr val="FFFFFF">
+                    <a:alpha val="0"/>
+                  </a:srgbClr>
+                </a:clrTo>
+              </a:clrChange>
+              <a:extLst>
+                <a:ext uri="{28A0092B-C50C-407E-A947-70E740481C1C}">
+                  <a14:useLocalDpi xmlns:a14="http://schemas.microsoft.com/office/drawing/2010/main" val="0"/>
+                </a:ext>
+              </a:extLst>
+            </a:blip>
+            <a:srcRect/>
+            <a:stretch/>
+          </p:blipFill>
+          <p:spPr>
+            <a:xfrm>
+              <a:off x="6658168" y="5006398"/>
+              <a:ext cx="713398" cy="521046"/>
+            </a:xfrm>
+            <a:prstGeom prst="rect">
+              <a:avLst/>
+            </a:prstGeom>
+          </p:spPr>
+        </p:pic>
+      </p:grpSp>
+    </p:spTree>
+    <p:extLst>
+      <p:ext uri="{BB962C8B-B14F-4D97-AF65-F5344CB8AC3E}">
+        <p14:creationId xmlns:p14="http://schemas.microsoft.com/office/powerpoint/2010/main" val="2225576905"/>
+      </p:ext>
+    </p:extLst>
+  </p:cSld>
+  <p:clrMapOvr>
+    <a:masterClrMapping/>
+  </p:clrMapOvr>
+  <p:timing>
+    <p:tnLst>
+      <p:par>
+        <p:cTn id="1" dur="indefinite" restart="never" nodeType="tmRoot">
+          <p:childTnLst>
+            <p:seq concurrent="1" nextAc="seek">
+              <p:cTn id="2" dur="indefinite" nodeType="mainSeq">
+                <p:childTnLst>
+                  <p:par>
+                    <p:cTn id="3" fill="hold">
+                      <p:stCondLst>
+                        <p:cond delay="indefinite"/>
+                      </p:stCondLst>
+                      <p:childTnLst>
+                        <p:par>
+                          <p:cTn id="4" fill="hold">
+                            <p:stCondLst>
+                              <p:cond delay="0"/>
+                            </p:stCondLst>
+                            <p:childTnLst>
+                              <p:par>
+                                <p:cTn id="5" presetID="1" presetClass="entr" presetSubtype="0" fill="hold" nodeType="clickEffect">
+                                  <p:stCondLst>
+                                    <p:cond delay="0"/>
+                                  </p:stCondLst>
+                                  <p:childTnLst>
+                                    <p:set>
+                                      <p:cBhvr>
+                                        <p:cTn id="6" dur="1" fill="hold">
+                                          <p:stCondLst>
+                                            <p:cond delay="0"/>
+                                          </p:stCondLst>
+                                        </p:cTn>
+                                        <p:tgtEl>
+                                          <p:spTgt spid="13"/>
+                                        </p:tgtEl>
+                                        <p:attrNameLst>
+                                          <p:attrName>style.visibility</p:attrName>
+                                        </p:attrNameLst>
+                                      </p:cBhvr>
+                                      <p:to>
+                                        <p:strVal val="visible"/>
+                                      </p:to>
+                                    </p:set>
+                                  </p:childTnLst>
+                                </p:cTn>
+                              </p:par>
+                            </p:childTnLst>
+                          </p:cTn>
+                        </p:par>
+                      </p:childTnLst>
+                    </p:cTn>
+                  </p:par>
+                </p:childTnLst>
+              </p:cTn>
+              <p:prevCondLst>
+                <p:cond evt="onPrev" delay="0">
+                  <p:tgtEl>
+                    <p:sldTgt/>
+                  </p:tgtEl>
+                </p:cond>
+              </p:prevCondLst>
+              <p:nextCondLst>
+                <p:cond evt="onNext" delay="0">
+                  <p:tgtEl>
+                    <p:sldTgt/>
+                  </p:tgtEl>
+                </p:cond>
+              </p:nextCondLst>
+            </p:seq>
+          </p:childTnLst>
+        </p:cTn>
+      </p:par>
+    </p:tnLst>
+  </p:timing>
+</p:sld>
+</file>
+
+<file path=ppt/slides/slide6.xml><?xml version="1.0" encoding="utf-8"?>
+<p:sld xmlns:a="http://schemas.openxmlformats.org/drawingml/2006/main" xmlns:r="http://schemas.openxmlformats.org/officeDocument/2006/relationships" xmlns:p="http://schemas.openxmlformats.org/presentationml/2006/main">
+  <p:cSld>
+    <p:spTree>
+      <p:nvGrpSpPr>
+        <p:cNvPr id="1" name=""/>
+        <p:cNvGrpSpPr/>
+        <p:nvPr/>
+      </p:nvGrpSpPr>
+      <p:grpSpPr>
+        <a:xfrm>
+          <a:off x="0" y="0"/>
+          <a:ext cx="0" cy="0"/>
+          <a:chOff x="0" y="0"/>
+          <a:chExt cx="0" cy="0"/>
+        </a:xfrm>
+      </p:grpSpPr>
+      <p:sp>
+        <p:nvSpPr>
+          <p:cNvPr id="2" name="Title 1">
+            <a:extLst>
+              <a:ext uri="{FF2B5EF4-FFF2-40B4-BE49-F238E27FC236}">
+                <a16:creationId xmlns:a16="http://schemas.microsoft.com/office/drawing/2014/main" id="{3F78AB56-B0FD-451A-AC69-4433064A4CAF}"/>
+              </a:ext>
+            </a:extLst>
+          </p:cNvPr>
+          <p:cNvSpPr>
+            <a:spLocks noGrp="1"/>
+          </p:cNvSpPr>
+          <p:nvPr>
+            <p:ph type="title"/>
+          </p:nvPr>
+        </p:nvSpPr>
+        <p:spPr/>
+        <p:txBody>
+          <a:bodyPr/>
+          <a:lstStyle/>
+          <a:p>
+            <a:endParaRPr lang="en-US"/>
+          </a:p>
+        </p:txBody>
+      </p:sp>
+      <p:pic>
+        <p:nvPicPr>
+          <p:cNvPr id="5" name="Content Placeholder 4">
+            <a:extLst>
+              <a:ext uri="{FF2B5EF4-FFF2-40B4-BE49-F238E27FC236}">
+                <a16:creationId xmlns:a16="http://schemas.microsoft.com/office/drawing/2014/main" id="{647C44FF-14DB-4AC1-9406-95701BDA81C7}"/>
+              </a:ext>
+            </a:extLst>
+          </p:cNvPr>
+          <p:cNvPicPr>
+            <a:picLocks noGrp="1" noChangeAspect="1"/>
+          </p:cNvPicPr>
+          <p:nvPr>
+            <p:ph idx="1"/>
+          </p:nvPr>
+        </p:nvPicPr>
+        <p:blipFill>
+          <a:blip r:embed="rId2"/>
+          <a:stretch>
+            <a:fillRect/>
+          </a:stretch>
+        </p:blipFill>
+        <p:spPr>
+          <a:xfrm>
+            <a:off x="1618625" y="2591397"/>
+            <a:ext cx="8954750" cy="2819794"/>
+          </a:xfrm>
+        </p:spPr>
+      </p:pic>
+    </p:spTree>
+    <p:extLst>
+      <p:ext uri="{BB962C8B-B14F-4D97-AF65-F5344CB8AC3E}">
+        <p14:creationId xmlns:p14="http://schemas.microsoft.com/office/powerpoint/2010/main" val="3923432391"/>
+      </p:ext>
+    </p:extLst>
+  </p:cSld>
+  <p:clrMapOvr>
+    <a:masterClrMapping/>
+  </p:clrMapOvr>
+</p:sld>
+</file>
+
+<file path=ppt/slides/slide7.xml><?xml version="1.0" encoding="utf-8"?>
+<p:sld xmlns:a="http://schemas.openxmlformats.org/drawingml/2006/main" xmlns:r="http://schemas.openxmlformats.org/officeDocument/2006/relationships" xmlns:p="http://schemas.openxmlformats.org/presentationml/2006/main">
+  <p:cSld>
+    <p:spTree>
+      <p:nvGrpSpPr>
+        <p:cNvPr id="1" name=""/>
+        <p:cNvGrpSpPr/>
+        <p:nvPr/>
+      </p:nvGrpSpPr>
+      <p:grpSpPr>
+        <a:xfrm>
+          <a:off x="0" y="0"/>
+          <a:ext cx="0" cy="0"/>
+          <a:chOff x="0" y="0"/>
+          <a:chExt cx="0" cy="0"/>
+        </a:xfrm>
+      </p:grpSpPr>
+      <p:pic>
+        <p:nvPicPr>
+          <p:cNvPr id="14" name="Picture 13">
+            <a:extLst>
+              <a:ext uri="{FF2B5EF4-FFF2-40B4-BE49-F238E27FC236}">
+                <a16:creationId xmlns:a16="http://schemas.microsoft.com/office/drawing/2014/main" id="{1F8E1C8E-A7A8-4397-B820-9452B31AA754}"/>
+              </a:ext>
+            </a:extLst>
+          </p:cNvPr>
+          <p:cNvPicPr>
+            <a:picLocks noChangeAspect="1"/>
+          </p:cNvPicPr>
+          <p:nvPr/>
+        </p:nvPicPr>
+        <p:blipFill>
+          <a:blip r:embed="rId2"/>
+          <a:srcRect/>
+          <a:stretch>
+            <a:fillRect/>
+          </a:stretch>
+        </p:blipFill>
+        <p:spPr>
+          <a:xfrm>
+            <a:off x="232563" y="745968"/>
+            <a:ext cx="9562289" cy="6038420"/>
+          </a:xfrm>
+          <a:custGeom>
+            <a:avLst/>
+            <a:gdLst>
+              <a:gd name="connsiteX0" fmla="*/ 0 w 9562289"/>
+              <a:gd name="connsiteY0" fmla="*/ 0 h 6038420"/>
+              <a:gd name="connsiteX1" fmla="*/ 9562289 w 9562289"/>
+              <a:gd name="connsiteY1" fmla="*/ 0 h 6038420"/>
+              <a:gd name="connsiteX2" fmla="*/ 9562289 w 9562289"/>
+              <a:gd name="connsiteY2" fmla="*/ 6038420 h 6038420"/>
+              <a:gd name="connsiteX3" fmla="*/ 0 w 9562289"/>
+              <a:gd name="connsiteY3" fmla="*/ 6038420 h 6038420"/>
+              <a:gd name="connsiteX4" fmla="*/ 0 w 9562289"/>
+              <a:gd name="connsiteY4" fmla="*/ 0 h 6038420"/>
+              <a:gd name="connsiteX5" fmla="*/ 5999084 w 9562289"/>
+              <a:gd name="connsiteY5" fmla="*/ 180475 h 6038420"/>
+              <a:gd name="connsiteX6" fmla="*/ 5999084 w 9562289"/>
+              <a:gd name="connsiteY6" fmla="*/ 1382562 h 6038420"/>
+              <a:gd name="connsiteX7" fmla="*/ 8293550 w 9562289"/>
+              <a:gd name="connsiteY7" fmla="*/ 1382562 h 6038420"/>
+              <a:gd name="connsiteX8" fmla="*/ 8293550 w 9562289"/>
+              <a:gd name="connsiteY8" fmla="*/ 180475 h 6038420"/>
+              <a:gd name="connsiteX9" fmla="*/ 5999084 w 9562289"/>
+              <a:gd name="connsiteY9" fmla="*/ 180475 h 6038420"/>
+            </a:gdLst>
+            <a:ahLst/>
+            <a:cxnLst>
+              <a:cxn ang="0">
+                <a:pos x="connsiteX0" y="connsiteY0"/>
+              </a:cxn>
+              <a:cxn ang="0">
+                <a:pos x="connsiteX1" y="connsiteY1"/>
+              </a:cxn>
+              <a:cxn ang="0">
+                <a:pos x="connsiteX2" y="connsiteY2"/>
+              </a:cxn>
+              <a:cxn ang="0">
+                <a:pos x="connsiteX3" y="connsiteY3"/>
+              </a:cxn>
+              <a:cxn ang="0">
+                <a:pos x="connsiteX4" y="connsiteY4"/>
+              </a:cxn>
+              <a:cxn ang="0">
+                <a:pos x="connsiteX5" y="connsiteY5"/>
+              </a:cxn>
+              <a:cxn ang="0">
+                <a:pos x="connsiteX6" y="connsiteY6"/>
+              </a:cxn>
+              <a:cxn ang="0">
+                <a:pos x="connsiteX7" y="connsiteY7"/>
+              </a:cxn>
+              <a:cxn ang="0">
+                <a:pos x="connsiteX8" y="connsiteY8"/>
+              </a:cxn>
+              <a:cxn ang="0">
+                <a:pos x="connsiteX9" y="connsiteY9"/>
+              </a:cxn>
+            </a:cxnLst>
+            <a:rect l="l" t="t" r="r" b="b"/>
+            <a:pathLst>
+              <a:path w="9562289" h="6038420">
+                <a:moveTo>
+                  <a:pt x="0" y="0"/>
+                </a:moveTo>
+                <a:lnTo>
+                  <a:pt x="9562289" y="0"/>
+                </a:lnTo>
+                <a:lnTo>
+                  <a:pt x="9562289" y="6038420"/>
+                </a:lnTo>
+                <a:lnTo>
+                  <a:pt x="0" y="6038420"/>
+                </a:lnTo>
+                <a:lnTo>
+                  <a:pt x="0" y="0"/>
+                </a:lnTo>
+                <a:close/>
+                <a:moveTo>
+                  <a:pt x="5999084" y="180475"/>
+                </a:moveTo>
+                <a:lnTo>
+                  <a:pt x="5999084" y="1382562"/>
+                </a:lnTo>
+                <a:lnTo>
+                  <a:pt x="8293550" y="1382562"/>
+                </a:lnTo>
+                <a:lnTo>
+                  <a:pt x="8293550" y="180475"/>
+                </a:lnTo>
+                <a:lnTo>
+                  <a:pt x="5999084" y="180475"/>
+                </a:lnTo>
+                <a:close/>
+              </a:path>
+            </a:pathLst>
+          </a:custGeom>
+        </p:spPr>
+      </p:pic>
+      <p:pic>
+        <p:nvPicPr>
+          <p:cNvPr id="15" name="Picture 14">
+            <a:extLst>
+              <a:ext uri="{FF2B5EF4-FFF2-40B4-BE49-F238E27FC236}">
+                <a16:creationId xmlns:a16="http://schemas.microsoft.com/office/drawing/2014/main" id="{5DAB86D4-A3B0-49E5-9F44-A01BB740FBE9}"/>
+              </a:ext>
+            </a:extLst>
+          </p:cNvPr>
+          <p:cNvPicPr>
+            <a:picLocks noChangeAspect="1"/>
+          </p:cNvPicPr>
+          <p:nvPr/>
+        </p:nvPicPr>
+        <p:blipFill>
+          <a:blip r:embed="rId2"/>
+          <a:srcRect l="62737" t="2989" r="13268" b="77104"/>
+          <a:stretch>
+            <a:fillRect/>
+          </a:stretch>
+        </p:blipFill>
+        <p:spPr>
+          <a:xfrm>
+            <a:off x="5976745" y="144924"/>
+            <a:ext cx="2294466" cy="1202087"/>
+          </a:xfrm>
+          <a:custGeom>
+            <a:avLst/>
+            <a:gdLst>
+              <a:gd name="connsiteX0" fmla="*/ 0 w 2294466"/>
+              <a:gd name="connsiteY0" fmla="*/ 0 h 1202087"/>
+              <a:gd name="connsiteX1" fmla="*/ 2294466 w 2294466"/>
+              <a:gd name="connsiteY1" fmla="*/ 0 h 1202087"/>
+              <a:gd name="connsiteX2" fmla="*/ 2294466 w 2294466"/>
+              <a:gd name="connsiteY2" fmla="*/ 1202087 h 1202087"/>
+              <a:gd name="connsiteX3" fmla="*/ 0 w 2294466"/>
+              <a:gd name="connsiteY3" fmla="*/ 1202087 h 1202087"/>
+              <a:gd name="connsiteX4" fmla="*/ 0 w 2294466"/>
+              <a:gd name="connsiteY4" fmla="*/ 0 h 1202087"/>
+            </a:gdLst>
+            <a:ahLst/>
+            <a:cxnLst>
+              <a:cxn ang="0">
+                <a:pos x="connsiteX0" y="connsiteY0"/>
+              </a:cxn>
+              <a:cxn ang="0">
+                <a:pos x="connsiteX1" y="connsiteY1"/>
+              </a:cxn>
+              <a:cxn ang="0">
+                <a:pos x="connsiteX2" y="connsiteY2"/>
+              </a:cxn>
+              <a:cxn ang="0">
+                <a:pos x="connsiteX3" y="connsiteY3"/>
+              </a:cxn>
+              <a:cxn ang="0">
+                <a:pos x="connsiteX4" y="connsiteY4"/>
+              </a:cxn>
+            </a:cxnLst>
+            <a:rect l="l" t="t" r="r" b="b"/>
+            <a:pathLst>
+              <a:path w="2294466" h="1202087">
+                <a:moveTo>
+                  <a:pt x="0" y="0"/>
+                </a:moveTo>
+                <a:lnTo>
+                  <a:pt x="2294466" y="0"/>
+                </a:lnTo>
+                <a:lnTo>
+                  <a:pt x="2294466" y="1202087"/>
+                </a:lnTo>
+                <a:lnTo>
+                  <a:pt x="0" y="1202087"/>
+                </a:lnTo>
+                <a:lnTo>
+                  <a:pt x="0" y="0"/>
+                </a:lnTo>
+                <a:close/>
+              </a:path>
+            </a:pathLst>
+          </a:custGeom>
+        </p:spPr>
+      </p:pic>
+    </p:spTree>
+    <p:extLst>
+      <p:ext uri="{BB962C8B-B14F-4D97-AF65-F5344CB8AC3E}">
+        <p14:creationId xmlns:p14="http://schemas.microsoft.com/office/powerpoint/2010/main" val="3963554827"/>
+      </p:ext>
+    </p:extLst>
+  </p:cSld>
+  <p:clrMapOvr>
+    <a:masterClrMapping/>
+  </p:clrMapOvr>
+</p:sld>
+</file>
+
+<file path=ppt/slides/slide8.xml><?xml version="1.0" encoding="utf-8"?>
+<p:sld xmlns:a="http://schemas.openxmlformats.org/drawingml/2006/main" xmlns:r="http://schemas.openxmlformats.org/officeDocument/2006/relationships" xmlns:p="http://schemas.openxmlformats.org/presentationml/2006/main">
+  <p:cSld>
+    <p:spTree>
+      <p:nvGrpSpPr>
+        <p:cNvPr id="1" name=""/>
+        <p:cNvGrpSpPr/>
+        <p:nvPr/>
+      </p:nvGrpSpPr>
+      <p:grpSpPr>
+        <a:xfrm>
+          <a:off x="0" y="0"/>
+          <a:ext cx="0" cy="0"/>
+          <a:chOff x="0" y="0"/>
+          <a:chExt cx="0" cy="0"/>
+        </a:xfrm>
+      </p:grpSpPr>
+      <p:sp>
+        <p:nvSpPr>
+          <p:cNvPr id="2" name="Title 1">
+            <a:extLst>
+              <a:ext uri="{FF2B5EF4-FFF2-40B4-BE49-F238E27FC236}">
+                <a16:creationId xmlns:a16="http://schemas.microsoft.com/office/drawing/2014/main" id="{CDFB4535-9278-426D-B3FF-4EF66E092075}"/>
+              </a:ext>
+            </a:extLst>
+          </p:cNvPr>
+          <p:cNvSpPr>
+            <a:spLocks noGrp="1"/>
+          </p:cNvSpPr>
+          <p:nvPr>
+            <p:ph type="title"/>
+          </p:nvPr>
+        </p:nvSpPr>
+        <p:spPr>
+          <a:xfrm>
+            <a:off x="203200" y="128760"/>
+            <a:ext cx="10515600" cy="1325563"/>
+          </a:xfrm>
+        </p:spPr>
+        <p:txBody>
+          <a:bodyPr/>
+          <a:lstStyle/>
+          <a:p>
+            <a:r>
+              <a:rPr lang="en-US" dirty="0"/>
+              <a:t>Visual Proof: Data-Processing Inequality</a:t>
+            </a:r>
+          </a:p>
+        </p:txBody>
+      </p:sp>
+      <p:pic>
+        <p:nvPicPr>
+          <p:cNvPr id="51" name="Picture 50">
+            <a:extLst>
+              <a:ext uri="{FF2B5EF4-FFF2-40B4-BE49-F238E27FC236}">
+                <a16:creationId xmlns:a16="http://schemas.microsoft.com/office/drawing/2014/main" id="{7849D5F4-CD23-44CD-8D80-40B361524FC4}"/>
+              </a:ext>
+            </a:extLst>
+          </p:cNvPr>
+          <p:cNvPicPr>
+            <a:picLocks noChangeAspect="1"/>
+          </p:cNvPicPr>
+          <p:nvPr/>
+        </p:nvPicPr>
+        <p:blipFill>
+          <a:blip r:embed="rId2"/>
+          <a:srcRect l="1452" t="10612" r="62657" b="68872"/>
+          <a:stretch>
+            <a:fillRect/>
+          </a:stretch>
+        </p:blipFill>
+        <p:spPr>
+          <a:xfrm>
+            <a:off x="399835" y="2622869"/>
+            <a:ext cx="2282586" cy="853440"/>
+          </a:xfrm>
+          <a:custGeom>
+            <a:avLst/>
+            <a:gdLst>
+              <a:gd name="connsiteX0" fmla="*/ 0 w 2282586"/>
+              <a:gd name="connsiteY0" fmla="*/ 0 h 853440"/>
+              <a:gd name="connsiteX1" fmla="*/ 2282586 w 2282586"/>
+              <a:gd name="connsiteY1" fmla="*/ 0 h 853440"/>
+              <a:gd name="connsiteX2" fmla="*/ 2282586 w 2282586"/>
+              <a:gd name="connsiteY2" fmla="*/ 853440 h 853440"/>
+              <a:gd name="connsiteX3" fmla="*/ 0 w 2282586"/>
+              <a:gd name="connsiteY3" fmla="*/ 853440 h 853440"/>
+              <a:gd name="connsiteX4" fmla="*/ 0 w 2282586"/>
+              <a:gd name="connsiteY4" fmla="*/ 0 h 853440"/>
+            </a:gdLst>
+            <a:ahLst/>
+            <a:cxnLst>
+              <a:cxn ang="0">
+                <a:pos x="connsiteX0" y="connsiteY0"/>
+              </a:cxn>
+              <a:cxn ang="0">
+                <a:pos x="connsiteX1" y="connsiteY1"/>
+              </a:cxn>
+              <a:cxn ang="0">
+                <a:pos x="connsiteX2" y="connsiteY2"/>
+              </a:cxn>
+              <a:cxn ang="0">
+                <a:pos x="connsiteX3" y="connsiteY3"/>
+              </a:cxn>
+              <a:cxn ang="0">
+                <a:pos x="connsiteX4" y="connsiteY4"/>
+              </a:cxn>
+            </a:cxnLst>
+            <a:rect l="l" t="t" r="r" b="b"/>
+            <a:pathLst>
+              <a:path w="2282586" h="853440">
+                <a:moveTo>
+                  <a:pt x="0" y="0"/>
+                </a:moveTo>
+                <a:lnTo>
+                  <a:pt x="2282586" y="0"/>
+                </a:lnTo>
+                <a:lnTo>
+                  <a:pt x="2282586" y="853440"/>
+                </a:lnTo>
+                <a:lnTo>
+                  <a:pt x="0" y="853440"/>
+                </a:lnTo>
+                <a:lnTo>
+                  <a:pt x="0" y="0"/>
+                </a:lnTo>
+                <a:close/>
+              </a:path>
+            </a:pathLst>
+          </a:custGeom>
+        </p:spPr>
+      </p:pic>
+      <p:grpSp>
+        <p:nvGrpSpPr>
+          <p:cNvPr id="56" name="Group 55">
+            <a:extLst>
+              <a:ext uri="{FF2B5EF4-FFF2-40B4-BE49-F238E27FC236}">
+                <a16:creationId xmlns:a16="http://schemas.microsoft.com/office/drawing/2014/main" id="{570092AF-4F83-456C-BDE0-06AF3682E06B}"/>
+              </a:ext>
+            </a:extLst>
+          </p:cNvPr>
+          <p:cNvGrpSpPr/>
+          <p:nvPr/>
+        </p:nvGrpSpPr>
+        <p:grpSpPr>
+          <a:xfrm>
+            <a:off x="2823289" y="2155015"/>
+            <a:ext cx="2834641" cy="1484883"/>
+            <a:chOff x="3032397" y="2258714"/>
+            <a:chExt cx="2834641" cy="1484883"/>
+          </a:xfrm>
+        </p:grpSpPr>
+        <p:pic>
+          <p:nvPicPr>
+            <p:cNvPr id="52" name="Picture 51">
+              <a:extLst>
+                <a:ext uri="{FF2B5EF4-FFF2-40B4-BE49-F238E27FC236}">
+                  <a16:creationId xmlns:a16="http://schemas.microsoft.com/office/drawing/2014/main" id="{B64F2200-0F15-4BE0-B180-3DC5F1B87133}"/>
+                </a:ext>
+              </a:extLst>
+            </p:cNvPr>
+            <p:cNvPicPr>
+              <a:picLocks noChangeAspect="1"/>
+            </p:cNvPicPr>
+            <p:nvPr/>
+          </p:nvPicPr>
+          <p:blipFill>
+            <a:blip r:embed="rId2"/>
+            <a:srcRect l="44292" t="1478" r="16694" b="62828"/>
+            <a:stretch>
+              <a:fillRect/>
+            </a:stretch>
+          </p:blipFill>
+          <p:spPr>
+            <a:xfrm>
+              <a:off x="3385854" y="2258714"/>
+              <a:ext cx="2481184" cy="1484883"/>
+            </a:xfrm>
+            <a:custGeom>
+              <a:avLst/>
+              <a:gdLst>
+                <a:gd name="connsiteX0" fmla="*/ 0 w 2481184"/>
+                <a:gd name="connsiteY0" fmla="*/ 0 h 1484883"/>
+                <a:gd name="connsiteX1" fmla="*/ 2481184 w 2481184"/>
+                <a:gd name="connsiteY1" fmla="*/ 0 h 1484883"/>
+                <a:gd name="connsiteX2" fmla="*/ 2481184 w 2481184"/>
+                <a:gd name="connsiteY2" fmla="*/ 1484883 h 1484883"/>
+                <a:gd name="connsiteX3" fmla="*/ 0 w 2481184"/>
+                <a:gd name="connsiteY3" fmla="*/ 1484883 h 1484883"/>
+                <a:gd name="connsiteX4" fmla="*/ 0 w 2481184"/>
+                <a:gd name="connsiteY4" fmla="*/ 0 h 1484883"/>
+              </a:gdLst>
+              <a:ahLst/>
+              <a:cxnLst>
+                <a:cxn ang="0">
+                  <a:pos x="connsiteX0" y="connsiteY0"/>
+                </a:cxn>
+                <a:cxn ang="0">
+                  <a:pos x="connsiteX1" y="connsiteY1"/>
+                </a:cxn>
+                <a:cxn ang="0">
+                  <a:pos x="connsiteX2" y="connsiteY2"/>
+                </a:cxn>
+                <a:cxn ang="0">
+                  <a:pos x="connsiteX3" y="connsiteY3"/>
+                </a:cxn>
+                <a:cxn ang="0">
+                  <a:pos x="connsiteX4" y="connsiteY4"/>
+                </a:cxn>
+              </a:cxnLst>
+              <a:rect l="l" t="t" r="r" b="b"/>
+              <a:pathLst>
+                <a:path w="2481184" h="1484883">
+                  <a:moveTo>
+                    <a:pt x="0" y="0"/>
+                  </a:moveTo>
+                  <a:lnTo>
+                    <a:pt x="2481184" y="0"/>
+                  </a:lnTo>
+                  <a:lnTo>
+                    <a:pt x="2481184" y="1484883"/>
+                  </a:lnTo>
+                  <a:lnTo>
+                    <a:pt x="0" y="1484883"/>
+                  </a:lnTo>
+                  <a:lnTo>
+                    <a:pt x="0" y="0"/>
+                  </a:lnTo>
+                  <a:close/>
+                </a:path>
+              </a:pathLst>
+            </a:custGeom>
+          </p:spPr>
+        </p:pic>
+        <p:pic>
+          <p:nvPicPr>
+            <p:cNvPr id="50" name="Picture 49">
+              <a:extLst>
+                <a:ext uri="{FF2B5EF4-FFF2-40B4-BE49-F238E27FC236}">
+                  <a16:creationId xmlns:a16="http://schemas.microsoft.com/office/drawing/2014/main" id="{7994B79A-B59C-477F-90FA-5F88907403DD}"/>
+                </a:ext>
+              </a:extLst>
+            </p:cNvPr>
+            <p:cNvPicPr>
+              <a:picLocks noChangeAspect="1"/>
+            </p:cNvPicPr>
+            <p:nvPr/>
+          </p:nvPicPr>
+          <p:blipFill>
+            <a:blip r:embed="rId2"/>
+            <a:srcRect l="38734" t="15993" r="57243" b="76869"/>
+            <a:stretch>
+              <a:fillRect/>
+            </a:stretch>
+          </p:blipFill>
+          <p:spPr>
+            <a:xfrm>
+              <a:off x="3032397" y="2862528"/>
+              <a:ext cx="255866" cy="296926"/>
+            </a:xfrm>
+            <a:custGeom>
+              <a:avLst/>
+              <a:gdLst>
+                <a:gd name="connsiteX0" fmla="*/ 0 w 255866"/>
+                <a:gd name="connsiteY0" fmla="*/ 0 h 296926"/>
+                <a:gd name="connsiteX1" fmla="*/ 255866 w 255866"/>
+                <a:gd name="connsiteY1" fmla="*/ 0 h 296926"/>
+                <a:gd name="connsiteX2" fmla="*/ 255866 w 255866"/>
+                <a:gd name="connsiteY2" fmla="*/ 296926 h 296926"/>
+                <a:gd name="connsiteX3" fmla="*/ 0 w 255866"/>
+                <a:gd name="connsiteY3" fmla="*/ 296926 h 296926"/>
+                <a:gd name="connsiteX4" fmla="*/ 0 w 255866"/>
+                <a:gd name="connsiteY4" fmla="*/ 0 h 296926"/>
+              </a:gdLst>
+              <a:ahLst/>
+              <a:cxnLst>
+                <a:cxn ang="0">
+                  <a:pos x="connsiteX0" y="connsiteY0"/>
+                </a:cxn>
+                <a:cxn ang="0">
+                  <a:pos x="connsiteX1" y="connsiteY1"/>
+                </a:cxn>
+                <a:cxn ang="0">
+                  <a:pos x="connsiteX2" y="connsiteY2"/>
+                </a:cxn>
+                <a:cxn ang="0">
+                  <a:pos x="connsiteX3" y="connsiteY3"/>
+                </a:cxn>
+                <a:cxn ang="0">
+                  <a:pos x="connsiteX4" y="connsiteY4"/>
+                </a:cxn>
+              </a:cxnLst>
+              <a:rect l="l" t="t" r="r" b="b"/>
+              <a:pathLst>
+                <a:path w="255866" h="296926">
+                  <a:moveTo>
+                    <a:pt x="0" y="0"/>
+                  </a:moveTo>
+                  <a:lnTo>
+                    <a:pt x="255866" y="0"/>
+                  </a:lnTo>
+                  <a:lnTo>
+                    <a:pt x="255866" y="296926"/>
+                  </a:lnTo>
+                  <a:lnTo>
+                    <a:pt x="0" y="296926"/>
+                  </a:lnTo>
+                  <a:lnTo>
+                    <a:pt x="0" y="0"/>
+                  </a:lnTo>
+                  <a:close/>
+                </a:path>
+              </a:pathLst>
+            </a:custGeom>
+          </p:spPr>
+        </p:pic>
+      </p:grpSp>
+      <p:grpSp>
+        <p:nvGrpSpPr>
+          <p:cNvPr id="57" name="Group 56">
+            <a:extLst>
+              <a:ext uri="{FF2B5EF4-FFF2-40B4-BE49-F238E27FC236}">
+                <a16:creationId xmlns:a16="http://schemas.microsoft.com/office/drawing/2014/main" id="{CBD00EB1-B3DD-497B-B2F5-567D13449E3A}"/>
+              </a:ext>
+            </a:extLst>
+          </p:cNvPr>
+          <p:cNvGrpSpPr/>
+          <p:nvPr/>
+        </p:nvGrpSpPr>
+        <p:grpSpPr>
+          <a:xfrm>
+            <a:off x="1541128" y="3818729"/>
+            <a:ext cx="3827345" cy="1365114"/>
+            <a:chOff x="3032397" y="3756838"/>
+            <a:chExt cx="3827345" cy="1365114"/>
+          </a:xfrm>
+        </p:grpSpPr>
+        <p:pic>
+          <p:nvPicPr>
+            <p:cNvPr id="49" name="Picture 48">
+              <a:extLst>
+                <a:ext uri="{FF2B5EF4-FFF2-40B4-BE49-F238E27FC236}">
+                  <a16:creationId xmlns:a16="http://schemas.microsoft.com/office/drawing/2014/main" id="{E6439541-EACA-4939-95F1-31655E8011E5}"/>
+                </a:ext>
+              </a:extLst>
+            </p:cNvPr>
+            <p:cNvPicPr>
+              <a:picLocks noChangeAspect="1"/>
+            </p:cNvPicPr>
+            <p:nvPr/>
+          </p:nvPicPr>
+          <p:blipFill>
+            <a:blip r:embed="rId2"/>
+            <a:srcRect l="44292" t="37491" r="1085" b="29695"/>
+            <a:stretch>
+              <a:fillRect/>
+            </a:stretch>
+          </p:blipFill>
+          <p:spPr>
+            <a:xfrm>
+              <a:off x="3385854" y="3756838"/>
+              <a:ext cx="3473888" cy="1365114"/>
+            </a:xfrm>
+            <a:custGeom>
+              <a:avLst/>
+              <a:gdLst>
+                <a:gd name="connsiteX0" fmla="*/ 0 w 3473888"/>
+                <a:gd name="connsiteY0" fmla="*/ 0 h 1365114"/>
+                <a:gd name="connsiteX1" fmla="*/ 3473888 w 3473888"/>
+                <a:gd name="connsiteY1" fmla="*/ 0 h 1365114"/>
+                <a:gd name="connsiteX2" fmla="*/ 3473888 w 3473888"/>
+                <a:gd name="connsiteY2" fmla="*/ 1365114 h 1365114"/>
+                <a:gd name="connsiteX3" fmla="*/ 0 w 3473888"/>
+                <a:gd name="connsiteY3" fmla="*/ 1365114 h 1365114"/>
+                <a:gd name="connsiteX4" fmla="*/ 0 w 3473888"/>
+                <a:gd name="connsiteY4" fmla="*/ 0 h 1365114"/>
+              </a:gdLst>
+              <a:ahLst/>
+              <a:cxnLst>
+                <a:cxn ang="0">
+                  <a:pos x="connsiteX0" y="connsiteY0"/>
+                </a:cxn>
+                <a:cxn ang="0">
+                  <a:pos x="connsiteX1" y="connsiteY1"/>
+                </a:cxn>
+                <a:cxn ang="0">
+                  <a:pos x="connsiteX2" y="connsiteY2"/>
+                </a:cxn>
+                <a:cxn ang="0">
+                  <a:pos x="connsiteX3" y="connsiteY3"/>
+                </a:cxn>
+                <a:cxn ang="0">
+                  <a:pos x="connsiteX4" y="connsiteY4"/>
+                </a:cxn>
+              </a:cxnLst>
+              <a:rect l="l" t="t" r="r" b="b"/>
+              <a:pathLst>
+                <a:path w="3473888" h="1365114">
+                  <a:moveTo>
+                    <a:pt x="0" y="0"/>
+                  </a:moveTo>
+                  <a:lnTo>
+                    <a:pt x="3473888" y="0"/>
+                  </a:lnTo>
+                  <a:lnTo>
+                    <a:pt x="3473888" y="1365114"/>
+                  </a:lnTo>
+                  <a:lnTo>
+                    <a:pt x="0" y="1365114"/>
+                  </a:lnTo>
+                  <a:lnTo>
+                    <a:pt x="0" y="0"/>
+                  </a:lnTo>
+                  <a:close/>
+                </a:path>
+              </a:pathLst>
+            </a:custGeom>
+          </p:spPr>
+        </p:pic>
+        <p:pic>
+          <p:nvPicPr>
+            <p:cNvPr id="48" name="Picture 47">
+              <a:extLst>
+                <a:ext uri="{FF2B5EF4-FFF2-40B4-BE49-F238E27FC236}">
+                  <a16:creationId xmlns:a16="http://schemas.microsoft.com/office/drawing/2014/main" id="{7D0E90F7-EBA5-4FC8-B633-2060EE62A13B}"/>
+                </a:ext>
+              </a:extLst>
+            </p:cNvPr>
+            <p:cNvPicPr>
+              <a:picLocks noChangeAspect="1"/>
+            </p:cNvPicPr>
+            <p:nvPr/>
+          </p:nvPicPr>
+          <p:blipFill>
+            <a:blip r:embed="rId2"/>
+            <a:srcRect l="38734" t="52051" r="57385" b="42809"/>
+            <a:stretch>
+              <a:fillRect/>
+            </a:stretch>
+          </p:blipFill>
+          <p:spPr>
+            <a:xfrm>
+              <a:off x="3032397" y="4362558"/>
+              <a:ext cx="246780" cy="213825"/>
+            </a:xfrm>
+            <a:custGeom>
+              <a:avLst/>
+              <a:gdLst>
+                <a:gd name="connsiteX0" fmla="*/ 0 w 246780"/>
+                <a:gd name="connsiteY0" fmla="*/ 0 h 213825"/>
+                <a:gd name="connsiteX1" fmla="*/ 246780 w 246780"/>
+                <a:gd name="connsiteY1" fmla="*/ 0 h 213825"/>
+                <a:gd name="connsiteX2" fmla="*/ 246780 w 246780"/>
+                <a:gd name="connsiteY2" fmla="*/ 213825 h 213825"/>
+                <a:gd name="connsiteX3" fmla="*/ 0 w 246780"/>
+                <a:gd name="connsiteY3" fmla="*/ 213825 h 213825"/>
+                <a:gd name="connsiteX4" fmla="*/ 0 w 246780"/>
+                <a:gd name="connsiteY4" fmla="*/ 0 h 213825"/>
+              </a:gdLst>
+              <a:ahLst/>
+              <a:cxnLst>
+                <a:cxn ang="0">
+                  <a:pos x="connsiteX0" y="connsiteY0"/>
+                </a:cxn>
+                <a:cxn ang="0">
+                  <a:pos x="connsiteX1" y="connsiteY1"/>
+                </a:cxn>
+                <a:cxn ang="0">
+                  <a:pos x="connsiteX2" y="connsiteY2"/>
+                </a:cxn>
+                <a:cxn ang="0">
+                  <a:pos x="connsiteX3" y="connsiteY3"/>
+                </a:cxn>
+                <a:cxn ang="0">
+                  <a:pos x="connsiteX4" y="connsiteY4"/>
+                </a:cxn>
+              </a:cxnLst>
+              <a:rect l="l" t="t" r="r" b="b"/>
+              <a:pathLst>
+                <a:path w="246780" h="213825">
+                  <a:moveTo>
+                    <a:pt x="0" y="0"/>
+                  </a:moveTo>
+                  <a:lnTo>
+                    <a:pt x="246780" y="0"/>
+                  </a:lnTo>
+                  <a:lnTo>
+                    <a:pt x="246780" y="213825"/>
+                  </a:lnTo>
+                  <a:lnTo>
+                    <a:pt x="0" y="213825"/>
+                  </a:lnTo>
+                  <a:lnTo>
+                    <a:pt x="0" y="0"/>
+                  </a:lnTo>
+                  <a:close/>
+                </a:path>
+              </a:pathLst>
+            </a:custGeom>
+          </p:spPr>
+        </p:pic>
+      </p:grpSp>
+      <p:pic>
+        <p:nvPicPr>
+          <p:cNvPr id="47" name="Picture 46">
+            <a:extLst>
+              <a:ext uri="{FF2B5EF4-FFF2-40B4-BE49-F238E27FC236}">
+                <a16:creationId xmlns:a16="http://schemas.microsoft.com/office/drawing/2014/main" id="{EAC7F076-D707-4F6C-AA63-4E604515C7FB}"/>
+              </a:ext>
+            </a:extLst>
+          </p:cNvPr>
+          <p:cNvPicPr>
+            <a:picLocks noChangeAspect="1"/>
+          </p:cNvPicPr>
+          <p:nvPr/>
+        </p:nvPicPr>
+        <p:blipFill>
+          <a:blip r:embed="rId2"/>
+          <a:srcRect l="43207" t="72474" r="474" b="916"/>
+          <a:stretch>
+            <a:fillRect/>
+          </a:stretch>
+        </p:blipFill>
+        <p:spPr>
+          <a:xfrm>
+            <a:off x="5947387" y="3977870"/>
+            <a:ext cx="3581757" cy="1106982"/>
+          </a:xfrm>
+          <a:custGeom>
+            <a:avLst/>
+            <a:gdLst>
+              <a:gd name="connsiteX0" fmla="*/ 0 w 3581757"/>
+              <a:gd name="connsiteY0" fmla="*/ 0 h 1106982"/>
+              <a:gd name="connsiteX1" fmla="*/ 3581757 w 3581757"/>
+              <a:gd name="connsiteY1" fmla="*/ 0 h 1106982"/>
+              <a:gd name="connsiteX2" fmla="*/ 3581757 w 3581757"/>
+              <a:gd name="connsiteY2" fmla="*/ 1106982 h 1106982"/>
+              <a:gd name="connsiteX3" fmla="*/ 0 w 3581757"/>
+              <a:gd name="connsiteY3" fmla="*/ 1106982 h 1106982"/>
+              <a:gd name="connsiteX4" fmla="*/ 0 w 3581757"/>
+              <a:gd name="connsiteY4" fmla="*/ 0 h 1106982"/>
+            </a:gdLst>
+            <a:ahLst/>
+            <a:cxnLst>
+              <a:cxn ang="0">
+                <a:pos x="connsiteX0" y="connsiteY0"/>
+              </a:cxn>
+              <a:cxn ang="0">
+                <a:pos x="connsiteX1" y="connsiteY1"/>
+              </a:cxn>
+              <a:cxn ang="0">
+                <a:pos x="connsiteX2" y="connsiteY2"/>
+              </a:cxn>
+              <a:cxn ang="0">
+                <a:pos x="connsiteX3" y="connsiteY3"/>
+              </a:cxn>
+              <a:cxn ang="0">
+                <a:pos x="connsiteX4" y="connsiteY4"/>
+              </a:cxn>
+            </a:cxnLst>
+            <a:rect l="l" t="t" r="r" b="b"/>
+            <a:pathLst>
+              <a:path w="3581757" h="1106982">
+                <a:moveTo>
+                  <a:pt x="0" y="0"/>
+                </a:moveTo>
+                <a:lnTo>
+                  <a:pt x="3581757" y="0"/>
+                </a:lnTo>
+                <a:lnTo>
+                  <a:pt x="3581757" y="1106982"/>
+                </a:lnTo>
+                <a:lnTo>
+                  <a:pt x="0" y="1106982"/>
+                </a:lnTo>
+                <a:lnTo>
+                  <a:pt x="0" y="0"/>
+                </a:lnTo>
+                <a:close/>
+              </a:path>
+            </a:pathLst>
+          </a:custGeom>
+        </p:spPr>
+      </p:pic>
+      <p:pic>
+        <p:nvPicPr>
+          <p:cNvPr id="46" name="Picture 45">
+            <a:extLst>
+              <a:ext uri="{FF2B5EF4-FFF2-40B4-BE49-F238E27FC236}">
+                <a16:creationId xmlns:a16="http://schemas.microsoft.com/office/drawing/2014/main" id="{740945A9-FDFA-4E41-BD0A-E9BCCC72BA43}"/>
+              </a:ext>
+            </a:extLst>
+          </p:cNvPr>
+          <p:cNvPicPr>
+            <a:picLocks noChangeAspect="1"/>
+          </p:cNvPicPr>
+          <p:nvPr/>
+        </p:nvPicPr>
+        <p:blipFill>
+          <a:blip r:embed="rId2"/>
+          <a:srcRect l="38316" t="82543" r="57661" b="10320"/>
+          <a:stretch>
+            <a:fillRect/>
+          </a:stretch>
+        </p:blipFill>
+        <p:spPr>
+          <a:xfrm>
+            <a:off x="5566336" y="4376148"/>
+            <a:ext cx="255866" cy="296926"/>
+          </a:xfrm>
+          <a:custGeom>
+            <a:avLst/>
+            <a:gdLst>
+              <a:gd name="connsiteX0" fmla="*/ 0 w 255866"/>
+              <a:gd name="connsiteY0" fmla="*/ 0 h 296926"/>
+              <a:gd name="connsiteX1" fmla="*/ 255866 w 255866"/>
+              <a:gd name="connsiteY1" fmla="*/ 0 h 296926"/>
+              <a:gd name="connsiteX2" fmla="*/ 255866 w 255866"/>
+              <a:gd name="connsiteY2" fmla="*/ 296926 h 296926"/>
+              <a:gd name="connsiteX3" fmla="*/ 0 w 255866"/>
+              <a:gd name="connsiteY3" fmla="*/ 296926 h 296926"/>
+              <a:gd name="connsiteX4" fmla="*/ 0 w 255866"/>
+              <a:gd name="connsiteY4" fmla="*/ 0 h 296926"/>
+            </a:gdLst>
+            <a:ahLst/>
+            <a:cxnLst>
+              <a:cxn ang="0">
+                <a:pos x="connsiteX0" y="connsiteY0"/>
+              </a:cxn>
+              <a:cxn ang="0">
+                <a:pos x="connsiteX1" y="connsiteY1"/>
+              </a:cxn>
+              <a:cxn ang="0">
+                <a:pos x="connsiteX2" y="connsiteY2"/>
+              </a:cxn>
+              <a:cxn ang="0">
+                <a:pos x="connsiteX3" y="connsiteY3"/>
+              </a:cxn>
+              <a:cxn ang="0">
+                <a:pos x="connsiteX4" y="connsiteY4"/>
+              </a:cxn>
+            </a:cxnLst>
+            <a:rect l="l" t="t" r="r" b="b"/>
+            <a:pathLst>
+              <a:path w="255866" h="296926">
+                <a:moveTo>
+                  <a:pt x="0" y="0"/>
+                </a:moveTo>
+                <a:lnTo>
+                  <a:pt x="255866" y="0"/>
+                </a:lnTo>
+                <a:lnTo>
+                  <a:pt x="255866" y="296926"/>
+                </a:lnTo>
+                <a:lnTo>
+                  <a:pt x="0" y="296926"/>
+                </a:lnTo>
+                <a:lnTo>
+                  <a:pt x="0" y="0"/>
+                </a:lnTo>
+                <a:close/>
+              </a:path>
+            </a:pathLst>
+          </a:custGeom>
+        </p:spPr>
+      </p:pic>
+      <p:pic>
+        <p:nvPicPr>
+          <p:cNvPr id="55" name="Picture 54">
+            <a:extLst>
+              <a:ext uri="{FF2B5EF4-FFF2-40B4-BE49-F238E27FC236}">
+                <a16:creationId xmlns:a16="http://schemas.microsoft.com/office/drawing/2014/main" id="{58CE8BFB-1E3E-4382-A14B-48EFF89B1A21}"/>
+              </a:ext>
+            </a:extLst>
+          </p:cNvPr>
+          <p:cNvPicPr>
+            <a:picLocks noChangeAspect="1"/>
+          </p:cNvPicPr>
+          <p:nvPr/>
+        </p:nvPicPr>
+        <p:blipFill>
+          <a:blip r:embed="rId3"/>
+          <a:srcRect l="12750" t="13890" r="1775" b="6696"/>
+          <a:stretch>
+            <a:fillRect/>
+          </a:stretch>
+        </p:blipFill>
+        <p:spPr>
+          <a:xfrm>
+            <a:off x="7916817" y="5275217"/>
+            <a:ext cx="2656840" cy="876300"/>
+          </a:xfrm>
+          <a:custGeom>
+            <a:avLst/>
+            <a:gdLst>
+              <a:gd name="connsiteX0" fmla="*/ 0 w 2656840"/>
+              <a:gd name="connsiteY0" fmla="*/ 0 h 876300"/>
+              <a:gd name="connsiteX1" fmla="*/ 2656840 w 2656840"/>
+              <a:gd name="connsiteY1" fmla="*/ 0 h 876300"/>
+              <a:gd name="connsiteX2" fmla="*/ 2656840 w 2656840"/>
+              <a:gd name="connsiteY2" fmla="*/ 876300 h 876300"/>
+              <a:gd name="connsiteX3" fmla="*/ 0 w 2656840"/>
+              <a:gd name="connsiteY3" fmla="*/ 876300 h 876300"/>
+              <a:gd name="connsiteX4" fmla="*/ 0 w 2656840"/>
+              <a:gd name="connsiteY4" fmla="*/ 0 h 876300"/>
+            </a:gdLst>
+            <a:ahLst/>
+            <a:cxnLst>
+              <a:cxn ang="0">
+                <a:pos x="connsiteX0" y="connsiteY0"/>
+              </a:cxn>
+              <a:cxn ang="0">
+                <a:pos x="connsiteX1" y="connsiteY1"/>
+              </a:cxn>
+              <a:cxn ang="0">
+                <a:pos x="connsiteX2" y="connsiteY2"/>
+              </a:cxn>
+              <a:cxn ang="0">
+                <a:pos x="connsiteX3" y="connsiteY3"/>
+              </a:cxn>
+              <a:cxn ang="0">
+                <a:pos x="connsiteX4" y="connsiteY4"/>
+              </a:cxn>
+            </a:cxnLst>
+            <a:rect l="l" t="t" r="r" b="b"/>
+            <a:pathLst>
+              <a:path w="2656840" h="876300">
+                <a:moveTo>
+                  <a:pt x="0" y="0"/>
+                </a:moveTo>
+                <a:lnTo>
+                  <a:pt x="2656840" y="0"/>
+                </a:lnTo>
+                <a:lnTo>
+                  <a:pt x="2656840" y="876300"/>
+                </a:lnTo>
+                <a:lnTo>
+                  <a:pt x="0" y="876300"/>
+                </a:lnTo>
+                <a:lnTo>
+                  <a:pt x="0" y="0"/>
+                </a:lnTo>
+                <a:close/>
+              </a:path>
+            </a:pathLst>
+          </a:custGeom>
+        </p:spPr>
+      </p:pic>
+      <p:pic>
+        <p:nvPicPr>
+          <p:cNvPr id="54" name="Picture 53">
+            <a:extLst>
+              <a:ext uri="{FF2B5EF4-FFF2-40B4-BE49-F238E27FC236}">
+                <a16:creationId xmlns:a16="http://schemas.microsoft.com/office/drawing/2014/main" id="{E412E094-4983-4148-BE21-3C79BF563312}"/>
+              </a:ext>
+            </a:extLst>
+          </p:cNvPr>
+          <p:cNvPicPr>
+            <a:picLocks noChangeAspect="1"/>
+          </p:cNvPicPr>
+          <p:nvPr/>
+        </p:nvPicPr>
+        <p:blipFill>
+          <a:blip r:embed="rId3"/>
+          <a:srcRect l="3036" t="42851" r="89024" b="37771"/>
+          <a:stretch>
+            <a:fillRect/>
+          </a:stretch>
+        </p:blipFill>
+        <p:spPr>
+          <a:xfrm>
+            <a:off x="7614876" y="5594793"/>
+            <a:ext cx="246780" cy="213825"/>
+          </a:xfrm>
+          <a:custGeom>
+            <a:avLst/>
+            <a:gdLst>
+              <a:gd name="connsiteX0" fmla="*/ 0 w 246780"/>
+              <a:gd name="connsiteY0" fmla="*/ 0 h 213825"/>
+              <a:gd name="connsiteX1" fmla="*/ 246780 w 246780"/>
+              <a:gd name="connsiteY1" fmla="*/ 0 h 213825"/>
+              <a:gd name="connsiteX2" fmla="*/ 246780 w 246780"/>
+              <a:gd name="connsiteY2" fmla="*/ 213825 h 213825"/>
+              <a:gd name="connsiteX3" fmla="*/ 0 w 246780"/>
+              <a:gd name="connsiteY3" fmla="*/ 213825 h 213825"/>
+              <a:gd name="connsiteX4" fmla="*/ 0 w 246780"/>
+              <a:gd name="connsiteY4" fmla="*/ 0 h 213825"/>
+            </a:gdLst>
+            <a:ahLst/>
+            <a:cxnLst>
+              <a:cxn ang="0">
+                <a:pos x="connsiteX0" y="connsiteY0"/>
+              </a:cxn>
+              <a:cxn ang="0">
+                <a:pos x="connsiteX1" y="connsiteY1"/>
+              </a:cxn>
+              <a:cxn ang="0">
+                <a:pos x="connsiteX2" y="connsiteY2"/>
+              </a:cxn>
+              <a:cxn ang="0">
+                <a:pos x="connsiteX3" y="connsiteY3"/>
+              </a:cxn>
+              <a:cxn ang="0">
+                <a:pos x="connsiteX4" y="connsiteY4"/>
+              </a:cxn>
+            </a:cxnLst>
+            <a:rect l="l" t="t" r="r" b="b"/>
+            <a:pathLst>
+              <a:path w="246780" h="213825">
+                <a:moveTo>
+                  <a:pt x="0" y="0"/>
+                </a:moveTo>
+                <a:lnTo>
+                  <a:pt x="246780" y="0"/>
+                </a:lnTo>
+                <a:lnTo>
+                  <a:pt x="246780" y="213825"/>
+                </a:lnTo>
+                <a:lnTo>
+                  <a:pt x="0" y="213825"/>
+                </a:lnTo>
+                <a:lnTo>
+                  <a:pt x="0" y="0"/>
+                </a:lnTo>
+                <a:close/>
+              </a:path>
+            </a:pathLst>
+          </a:custGeom>
+        </p:spPr>
+      </p:pic>
+      <p:pic>
+        <p:nvPicPr>
+          <p:cNvPr id="9" name="Picture 8">
+            <a:extLst>
+              <a:ext uri="{FF2B5EF4-FFF2-40B4-BE49-F238E27FC236}">
+                <a16:creationId xmlns:a16="http://schemas.microsoft.com/office/drawing/2014/main" id="{079AB416-4015-435C-ACAC-C41E84EC50A7}"/>
+              </a:ext>
+            </a:extLst>
+          </p:cNvPr>
+          <p:cNvPicPr>
+            <a:picLocks noChangeAspect="1"/>
+          </p:cNvPicPr>
+          <p:nvPr/>
+        </p:nvPicPr>
+        <p:blipFill rotWithShape="1">
+          <a:blip r:embed="rId4">
+            <a:clrChange>
+              <a:clrFrom>
+                <a:srgbClr val="FFFFFF"/>
+              </a:clrFrom>
+              <a:clrTo>
+                <a:srgbClr val="FFFFFF">
+                  <a:alpha val="0"/>
+                </a:srgbClr>
+              </a:clrTo>
+            </a:clrChange>
+          </a:blip>
+          <a:srcRect l="-472" t="16889" r="4696" b="10119"/>
+          <a:stretch/>
+        </p:blipFill>
+        <p:spPr>
+          <a:xfrm>
+            <a:off x="1133238" y="1113759"/>
+            <a:ext cx="5280582" cy="703284"/>
+          </a:xfrm>
+          <a:prstGeom prst="rect">
+            <a:avLst/>
+          </a:prstGeom>
+        </p:spPr>
+      </p:pic>
+      <p:sp>
+        <p:nvSpPr>
+          <p:cNvPr id="58" name="TextBox 57">
+            <a:extLst>
+              <a:ext uri="{FF2B5EF4-FFF2-40B4-BE49-F238E27FC236}">
+                <a16:creationId xmlns:a16="http://schemas.microsoft.com/office/drawing/2014/main" id="{3CE3F941-0AD5-47F2-91AC-B889B5D0F1BD}"/>
+              </a:ext>
+            </a:extLst>
+          </p:cNvPr>
+          <p:cNvSpPr txBox="1"/>
+          <p:nvPr/>
+        </p:nvSpPr>
+        <p:spPr>
+          <a:xfrm>
+            <a:off x="3305916" y="5856534"/>
+            <a:ext cx="3124573" cy="369332"/>
+          </a:xfrm>
+          <a:prstGeom prst="rect">
+            <a:avLst/>
+          </a:prstGeom>
+          <a:noFill/>
+        </p:spPr>
+        <p:txBody>
+          <a:bodyPr wrap="none" rtlCol="0">
+            <a:spAutoFit/>
+          </a:bodyPr>
+          <a:lstStyle/>
+          <a:p>
+            <a:r>
+              <a:rPr lang="en-US" dirty="0">
+                <a:solidFill>
+                  <a:schemeClr val="accent2">
+                    <a:lumMod val="75000"/>
+                  </a:schemeClr>
+                </a:solidFill>
+              </a:rPr>
+              <a:t>Monotonicity of inconsistency</a:t>
+            </a:r>
+          </a:p>
+        </p:txBody>
+      </p:sp>
+      <p:sp>
+        <p:nvSpPr>
+          <p:cNvPr id="59" name="Arrow: Up 58">
+            <a:extLst>
+              <a:ext uri="{FF2B5EF4-FFF2-40B4-BE49-F238E27FC236}">
+                <a16:creationId xmlns:a16="http://schemas.microsoft.com/office/drawing/2014/main" id="{1A6F29C3-11CB-47F2-BB27-1CD4CEA52EE1}"/>
+              </a:ext>
+            </a:extLst>
+          </p:cNvPr>
+          <p:cNvSpPr/>
+          <p:nvPr/>
+        </p:nvSpPr>
+        <p:spPr>
+          <a:xfrm rot="747408">
+            <a:off x="5415376" y="4915084"/>
+            <a:ext cx="315183" cy="884106"/>
+          </a:xfrm>
+          <a:custGeom>
+            <a:avLst/>
+            <a:gdLst>
+              <a:gd name="connsiteX0" fmla="*/ 0 w 315183"/>
+              <a:gd name="connsiteY0" fmla="*/ 187427 h 515680"/>
+              <a:gd name="connsiteX1" fmla="*/ 157592 w 315183"/>
+              <a:gd name="connsiteY1" fmla="*/ 0 h 515680"/>
+              <a:gd name="connsiteX2" fmla="*/ 315183 w 315183"/>
+              <a:gd name="connsiteY2" fmla="*/ 187427 h 515680"/>
+              <a:gd name="connsiteX3" fmla="*/ 236387 w 315183"/>
+              <a:gd name="connsiteY3" fmla="*/ 187427 h 515680"/>
+              <a:gd name="connsiteX4" fmla="*/ 236387 w 315183"/>
+              <a:gd name="connsiteY4" fmla="*/ 515680 h 515680"/>
+              <a:gd name="connsiteX5" fmla="*/ 78796 w 315183"/>
+              <a:gd name="connsiteY5" fmla="*/ 515680 h 515680"/>
+              <a:gd name="connsiteX6" fmla="*/ 78796 w 315183"/>
+              <a:gd name="connsiteY6" fmla="*/ 187427 h 515680"/>
+              <a:gd name="connsiteX7" fmla="*/ 0 w 315183"/>
+              <a:gd name="connsiteY7" fmla="*/ 187427 h 515680"/>
+              <a:gd name="connsiteX0" fmla="*/ 0 w 315183"/>
+              <a:gd name="connsiteY0" fmla="*/ 187427 h 515680"/>
+              <a:gd name="connsiteX1" fmla="*/ 157592 w 315183"/>
+              <a:gd name="connsiteY1" fmla="*/ 0 h 515680"/>
+              <a:gd name="connsiteX2" fmla="*/ 315183 w 315183"/>
+              <a:gd name="connsiteY2" fmla="*/ 187427 h 515680"/>
+              <a:gd name="connsiteX3" fmla="*/ 236387 w 315183"/>
+              <a:gd name="connsiteY3" fmla="*/ 187427 h 515680"/>
+              <a:gd name="connsiteX4" fmla="*/ 236387 w 315183"/>
+              <a:gd name="connsiteY4" fmla="*/ 515680 h 515680"/>
+              <a:gd name="connsiteX5" fmla="*/ 78796 w 315183"/>
+              <a:gd name="connsiteY5" fmla="*/ 515680 h 515680"/>
+              <a:gd name="connsiteX6" fmla="*/ 78796 w 315183"/>
+              <a:gd name="connsiteY6" fmla="*/ 187427 h 515680"/>
+              <a:gd name="connsiteX7" fmla="*/ 0 w 315183"/>
+              <a:gd name="connsiteY7" fmla="*/ 187427 h 515680"/>
+              <a:gd name="connsiteX0" fmla="*/ 0 w 315183"/>
+              <a:gd name="connsiteY0" fmla="*/ 187427 h 515680"/>
+              <a:gd name="connsiteX1" fmla="*/ 157592 w 315183"/>
+              <a:gd name="connsiteY1" fmla="*/ 0 h 515680"/>
+              <a:gd name="connsiteX2" fmla="*/ 315183 w 315183"/>
+              <a:gd name="connsiteY2" fmla="*/ 187427 h 515680"/>
+              <a:gd name="connsiteX3" fmla="*/ 236387 w 315183"/>
+              <a:gd name="connsiteY3" fmla="*/ 187427 h 515680"/>
+              <a:gd name="connsiteX4" fmla="*/ 236387 w 315183"/>
+              <a:gd name="connsiteY4" fmla="*/ 515680 h 515680"/>
+              <a:gd name="connsiteX5" fmla="*/ 78796 w 315183"/>
+              <a:gd name="connsiteY5" fmla="*/ 515680 h 515680"/>
+              <a:gd name="connsiteX6" fmla="*/ 78796 w 315183"/>
+              <a:gd name="connsiteY6" fmla="*/ 187427 h 515680"/>
+              <a:gd name="connsiteX7" fmla="*/ 0 w 315183"/>
+              <a:gd name="connsiteY7" fmla="*/ 187427 h 515680"/>
+              <a:gd name="connsiteX0" fmla="*/ 0 w 315183"/>
+              <a:gd name="connsiteY0" fmla="*/ 187427 h 515680"/>
+              <a:gd name="connsiteX1" fmla="*/ 157592 w 315183"/>
+              <a:gd name="connsiteY1" fmla="*/ 0 h 515680"/>
+              <a:gd name="connsiteX2" fmla="*/ 315183 w 315183"/>
+              <a:gd name="connsiteY2" fmla="*/ 187427 h 515680"/>
+              <a:gd name="connsiteX3" fmla="*/ 236387 w 315183"/>
+              <a:gd name="connsiteY3" fmla="*/ 187427 h 515680"/>
+              <a:gd name="connsiteX4" fmla="*/ 236387 w 315183"/>
+              <a:gd name="connsiteY4" fmla="*/ 515680 h 515680"/>
+              <a:gd name="connsiteX5" fmla="*/ 78796 w 315183"/>
+              <a:gd name="connsiteY5" fmla="*/ 515680 h 515680"/>
+              <a:gd name="connsiteX6" fmla="*/ 78796 w 315183"/>
+              <a:gd name="connsiteY6" fmla="*/ 187427 h 515680"/>
+              <a:gd name="connsiteX7" fmla="*/ 0 w 315183"/>
+              <a:gd name="connsiteY7" fmla="*/ 187427 h 515680"/>
+              <a:gd name="connsiteX0" fmla="*/ 0 w 315183"/>
+              <a:gd name="connsiteY0" fmla="*/ 187427 h 515680"/>
+              <a:gd name="connsiteX1" fmla="*/ 157592 w 315183"/>
+              <a:gd name="connsiteY1" fmla="*/ 0 h 515680"/>
+              <a:gd name="connsiteX2" fmla="*/ 315183 w 315183"/>
+              <a:gd name="connsiteY2" fmla="*/ 187427 h 515680"/>
+              <a:gd name="connsiteX3" fmla="*/ 196158 w 315183"/>
+              <a:gd name="connsiteY3" fmla="*/ 137786 h 515680"/>
+              <a:gd name="connsiteX4" fmla="*/ 236387 w 315183"/>
+              <a:gd name="connsiteY4" fmla="*/ 515680 h 515680"/>
+              <a:gd name="connsiteX5" fmla="*/ 78796 w 315183"/>
+              <a:gd name="connsiteY5" fmla="*/ 515680 h 515680"/>
+              <a:gd name="connsiteX6" fmla="*/ 78796 w 315183"/>
+              <a:gd name="connsiteY6" fmla="*/ 187427 h 515680"/>
+              <a:gd name="connsiteX7" fmla="*/ 0 w 315183"/>
+              <a:gd name="connsiteY7" fmla="*/ 187427 h 515680"/>
+              <a:gd name="connsiteX0" fmla="*/ 0 w 315183"/>
+              <a:gd name="connsiteY0" fmla="*/ 187427 h 515680"/>
+              <a:gd name="connsiteX1" fmla="*/ 157592 w 315183"/>
+              <a:gd name="connsiteY1" fmla="*/ 0 h 515680"/>
+              <a:gd name="connsiteX2" fmla="*/ 315183 w 315183"/>
+              <a:gd name="connsiteY2" fmla="*/ 187427 h 515680"/>
+              <a:gd name="connsiteX3" fmla="*/ 196158 w 315183"/>
+              <a:gd name="connsiteY3" fmla="*/ 137786 h 515680"/>
+              <a:gd name="connsiteX4" fmla="*/ 236387 w 315183"/>
+              <a:gd name="connsiteY4" fmla="*/ 515680 h 515680"/>
+              <a:gd name="connsiteX5" fmla="*/ 78796 w 315183"/>
+              <a:gd name="connsiteY5" fmla="*/ 515680 h 515680"/>
+              <a:gd name="connsiteX6" fmla="*/ 136007 w 315183"/>
+              <a:gd name="connsiteY6" fmla="*/ 152028 h 515680"/>
+              <a:gd name="connsiteX7" fmla="*/ 0 w 315183"/>
+              <a:gd name="connsiteY7" fmla="*/ 187427 h 515680"/>
+              <a:gd name="connsiteX0" fmla="*/ 0 w 315183"/>
+              <a:gd name="connsiteY0" fmla="*/ 187427 h 515680"/>
+              <a:gd name="connsiteX1" fmla="*/ 157592 w 315183"/>
+              <a:gd name="connsiteY1" fmla="*/ 0 h 515680"/>
+              <a:gd name="connsiteX2" fmla="*/ 315183 w 315183"/>
+              <a:gd name="connsiteY2" fmla="*/ 187427 h 515680"/>
+              <a:gd name="connsiteX3" fmla="*/ 196158 w 315183"/>
+              <a:gd name="connsiteY3" fmla="*/ 137786 h 515680"/>
+              <a:gd name="connsiteX4" fmla="*/ 236387 w 315183"/>
+              <a:gd name="connsiteY4" fmla="*/ 515680 h 515680"/>
+              <a:gd name="connsiteX5" fmla="*/ 78796 w 315183"/>
+              <a:gd name="connsiteY5" fmla="*/ 515680 h 515680"/>
+              <a:gd name="connsiteX6" fmla="*/ 136007 w 315183"/>
+              <a:gd name="connsiteY6" fmla="*/ 152028 h 515680"/>
+              <a:gd name="connsiteX7" fmla="*/ 0 w 315183"/>
+              <a:gd name="connsiteY7" fmla="*/ 187427 h 515680"/>
+              <a:gd name="connsiteX0" fmla="*/ 0 w 315183"/>
+              <a:gd name="connsiteY0" fmla="*/ 187427 h 515680"/>
+              <a:gd name="connsiteX1" fmla="*/ 157592 w 315183"/>
+              <a:gd name="connsiteY1" fmla="*/ 0 h 515680"/>
+              <a:gd name="connsiteX2" fmla="*/ 315183 w 315183"/>
+              <a:gd name="connsiteY2" fmla="*/ 187427 h 515680"/>
+              <a:gd name="connsiteX3" fmla="*/ 196158 w 315183"/>
+              <a:gd name="connsiteY3" fmla="*/ 137786 h 515680"/>
+              <a:gd name="connsiteX4" fmla="*/ 236387 w 315183"/>
+              <a:gd name="connsiteY4" fmla="*/ 515680 h 515680"/>
+              <a:gd name="connsiteX5" fmla="*/ 78796 w 315183"/>
+              <a:gd name="connsiteY5" fmla="*/ 515680 h 515680"/>
+              <a:gd name="connsiteX6" fmla="*/ 140927 w 315183"/>
+              <a:gd name="connsiteY6" fmla="*/ 145705 h 515680"/>
+              <a:gd name="connsiteX7" fmla="*/ 0 w 315183"/>
+              <a:gd name="connsiteY7" fmla="*/ 187427 h 515680"/>
+              <a:gd name="connsiteX0" fmla="*/ 0 w 315183"/>
+              <a:gd name="connsiteY0" fmla="*/ 187427 h 515680"/>
+              <a:gd name="connsiteX1" fmla="*/ 157592 w 315183"/>
+              <a:gd name="connsiteY1" fmla="*/ 0 h 515680"/>
+              <a:gd name="connsiteX2" fmla="*/ 315183 w 315183"/>
+              <a:gd name="connsiteY2" fmla="*/ 187427 h 515680"/>
+              <a:gd name="connsiteX3" fmla="*/ 196158 w 315183"/>
+              <a:gd name="connsiteY3" fmla="*/ 137786 h 515680"/>
+              <a:gd name="connsiteX4" fmla="*/ 236387 w 315183"/>
+              <a:gd name="connsiteY4" fmla="*/ 515680 h 515680"/>
+              <a:gd name="connsiteX5" fmla="*/ 78796 w 315183"/>
+              <a:gd name="connsiteY5" fmla="*/ 515680 h 515680"/>
+              <a:gd name="connsiteX6" fmla="*/ 140927 w 315183"/>
+              <a:gd name="connsiteY6" fmla="*/ 145705 h 515680"/>
+              <a:gd name="connsiteX7" fmla="*/ 0 w 315183"/>
+              <a:gd name="connsiteY7" fmla="*/ 187427 h 515680"/>
+              <a:gd name="connsiteX0" fmla="*/ 0 w 315183"/>
+              <a:gd name="connsiteY0" fmla="*/ 187427 h 515680"/>
+              <a:gd name="connsiteX1" fmla="*/ 157592 w 315183"/>
+              <a:gd name="connsiteY1" fmla="*/ 0 h 515680"/>
+              <a:gd name="connsiteX2" fmla="*/ 315183 w 315183"/>
+              <a:gd name="connsiteY2" fmla="*/ 187427 h 515680"/>
+              <a:gd name="connsiteX3" fmla="*/ 196158 w 315183"/>
+              <a:gd name="connsiteY3" fmla="*/ 137786 h 515680"/>
+              <a:gd name="connsiteX4" fmla="*/ 236387 w 315183"/>
+              <a:gd name="connsiteY4" fmla="*/ 515680 h 515680"/>
+              <a:gd name="connsiteX5" fmla="*/ 78796 w 315183"/>
+              <a:gd name="connsiteY5" fmla="*/ 515680 h 515680"/>
+              <a:gd name="connsiteX6" fmla="*/ 140927 w 315183"/>
+              <a:gd name="connsiteY6" fmla="*/ 145705 h 515680"/>
+              <a:gd name="connsiteX7" fmla="*/ 0 w 315183"/>
+              <a:gd name="connsiteY7" fmla="*/ 187427 h 515680"/>
+              <a:gd name="connsiteX0" fmla="*/ 0 w 315183"/>
+              <a:gd name="connsiteY0" fmla="*/ 187427 h 515680"/>
+              <a:gd name="connsiteX1" fmla="*/ 157592 w 315183"/>
+              <a:gd name="connsiteY1" fmla="*/ 0 h 515680"/>
+              <a:gd name="connsiteX2" fmla="*/ 315183 w 315183"/>
+              <a:gd name="connsiteY2" fmla="*/ 187427 h 515680"/>
+              <a:gd name="connsiteX3" fmla="*/ 196158 w 315183"/>
+              <a:gd name="connsiteY3" fmla="*/ 137786 h 515680"/>
+              <a:gd name="connsiteX4" fmla="*/ 236387 w 315183"/>
+              <a:gd name="connsiteY4" fmla="*/ 515680 h 515680"/>
+              <a:gd name="connsiteX5" fmla="*/ 78796 w 315183"/>
+              <a:gd name="connsiteY5" fmla="*/ 515680 h 515680"/>
+              <a:gd name="connsiteX6" fmla="*/ 140927 w 315183"/>
+              <a:gd name="connsiteY6" fmla="*/ 145705 h 515680"/>
+              <a:gd name="connsiteX7" fmla="*/ 0 w 315183"/>
+              <a:gd name="connsiteY7" fmla="*/ 187427 h 515680"/>
+            </a:gdLst>
+            <a:ahLst/>
+            <a:cxnLst>
+              <a:cxn ang="0">
+                <a:pos x="connsiteX0" y="connsiteY0"/>
+              </a:cxn>
+              <a:cxn ang="0">
+                <a:pos x="connsiteX1" y="connsiteY1"/>
+              </a:cxn>
+              <a:cxn ang="0">
+                <a:pos x="connsiteX2" y="connsiteY2"/>
+              </a:cxn>
+              <a:cxn ang="0">
+                <a:pos x="connsiteX3" y="connsiteY3"/>
+              </a:cxn>
+              <a:cxn ang="0">
+                <a:pos x="connsiteX4" y="connsiteY4"/>
+              </a:cxn>
+              <a:cxn ang="0">
+                <a:pos x="connsiteX5" y="connsiteY5"/>
+              </a:cxn>
+              <a:cxn ang="0">
+                <a:pos x="connsiteX6" y="connsiteY6"/>
+              </a:cxn>
+              <a:cxn ang="0">
+                <a:pos x="connsiteX7" y="connsiteY7"/>
+              </a:cxn>
+            </a:cxnLst>
+            <a:rect l="l" t="t" r="r" b="b"/>
+            <a:pathLst>
+              <a:path w="315183" h="515680">
+                <a:moveTo>
+                  <a:pt x="0" y="187427"/>
+                </a:moveTo>
+                <a:cubicBezTo>
+                  <a:pt x="117635" y="116563"/>
+                  <a:pt x="124635" y="106925"/>
+                  <a:pt x="157592" y="0"/>
+                </a:cubicBezTo>
+                <a:cubicBezTo>
+                  <a:pt x="185607" y="113413"/>
+                  <a:pt x="262653" y="124951"/>
+                  <a:pt x="315183" y="187427"/>
+                </a:cubicBezTo>
+                <a:cubicBezTo>
+                  <a:pt x="288918" y="187427"/>
+                  <a:pt x="227217" y="159488"/>
+                  <a:pt x="196158" y="137786"/>
+                </a:cubicBezTo>
+                <a:lnTo>
+                  <a:pt x="236387" y="515680"/>
+                </a:lnTo>
+                <a:lnTo>
+                  <a:pt x="78796" y="515680"/>
+                </a:lnTo>
+                <a:cubicBezTo>
+                  <a:pt x="97866" y="394463"/>
+                  <a:pt x="121857" y="266922"/>
+                  <a:pt x="140927" y="145705"/>
+                </a:cubicBezTo>
+                <a:cubicBezTo>
+                  <a:pt x="67338" y="174935"/>
+                  <a:pt x="45336" y="175627"/>
+                  <a:pt x="0" y="187427"/>
+                </a:cubicBezTo>
+                <a:close/>
+              </a:path>
+            </a:pathLst>
+          </a:custGeom>
+          <a:solidFill>
+            <a:srgbClr val="DD7E0E"/>
+          </a:solidFill>
+          <a:ln>
+            <a:noFill/>
+          </a:ln>
+        </p:spPr>
+        <p:style>
+          <a:lnRef idx="2">
+            <a:schemeClr val="accent1">
+              <a:shade val="50000"/>
+            </a:schemeClr>
+          </a:lnRef>
+          <a:fillRef idx="1">
+            <a:schemeClr val="accent1"/>
+          </a:fillRef>
+          <a:effectRef idx="0">
+            <a:schemeClr val="accent1"/>
+          </a:effectRef>
+          <a:fontRef idx="minor">
+            <a:schemeClr val="lt1"/>
+          </a:fontRef>
+        </p:style>
+        <p:txBody>
+          <a:bodyPr rtlCol="0" anchor="ctr"/>
+          <a:lstStyle/>
+          <a:p>
+            <a:pPr algn="ctr"/>
+            <a:endParaRPr lang="en-US" dirty="0"/>
+          </a:p>
+        </p:txBody>
+      </p:sp>
+    </p:spTree>
+    <p:extLst>
+      <p:ext uri="{BB962C8B-B14F-4D97-AF65-F5344CB8AC3E}">
+        <p14:creationId xmlns:p14="http://schemas.microsoft.com/office/powerpoint/2010/main" val="324822777"/>
+      </p:ext>
+    </p:extLst>
+  </p:cSld>
+  <p:clrMapOvr>
+    <a:masterClrMapping/>
+  </p:clrMapOvr>
+</p:sld>
+</file>
+
+<file path=ppt/slides/slide9.xml><?xml version="1.0" encoding="utf-8"?>
+<p:sld xmlns:a="http://schemas.openxmlformats.org/drawingml/2006/main" xmlns:r="http://schemas.openxmlformats.org/officeDocument/2006/relationships" xmlns:p="http://schemas.openxmlformats.org/presentationml/2006/main">
+  <p:cSld>
+    <p:bg>
+      <p:bgPr>
+        <a:solidFill>
+          <a:schemeClr val="bg1"/>
+        </a:solidFill>
+        <a:effectLst/>
+      </p:bgPr>
+    </p:bg>
+    <p:spTree>
+      <p:nvGrpSpPr>
+        <p:cNvPr id="1" name=""/>
+        <p:cNvGrpSpPr/>
+        <p:nvPr/>
+      </p:nvGrpSpPr>
+      <p:grpSpPr>
+        <a:xfrm>
+          <a:off x="0" y="0"/>
+          <a:ext cx="0" cy="0"/>
+          <a:chOff x="0" y="0"/>
+          <a:chExt cx="0" cy="0"/>
+        </a:xfrm>
+      </p:grpSpPr>
+      <p:pic>
+        <p:nvPicPr>
+          <p:cNvPr id="5" name="Picture 4">
+            <a:extLst>
+              <a:ext uri="{FF2B5EF4-FFF2-40B4-BE49-F238E27FC236}">
+                <a16:creationId xmlns:a16="http://schemas.microsoft.com/office/drawing/2014/main" id="{8EAC5FDD-0028-406E-8391-FEB2D10C5507}"/>
+              </a:ext>
+            </a:extLst>
+          </p:cNvPr>
+          <p:cNvPicPr>
+            <a:picLocks noChangeAspect="1"/>
+          </p:cNvPicPr>
+          <p:nvPr/>
+        </p:nvPicPr>
+        <p:blipFill>
+          <a:blip r:embed="rId2"/>
+          <a:stretch>
+            <a:fillRect/>
+          </a:stretch>
+        </p:blipFill>
+        <p:spPr>
+          <a:xfrm>
+            <a:off x="643467" y="2120391"/>
+            <a:ext cx="10905066" cy="2617216"/>
+          </a:xfrm>
+          <a:prstGeom prst="rect">
+            <a:avLst/>
+          </a:prstGeom>
+        </p:spPr>
+      </p:pic>
+    </p:spTree>
+    <p:extLst>
+      <p:ext uri="{BB962C8B-B14F-4D97-AF65-F5344CB8AC3E}">
+        <p14:creationId xmlns:p14="http://schemas.microsoft.com/office/powerpoint/2010/main" val="3951124628"/>
+      </p:ext>
+    </p:extLst>
+  </p:cSld>
+  <p:clrMapOvr>
+    <a:masterClrMapping/>
+  </p:clrMapOvr>
+</p:sld>
+</file>
+
 <file path=ppt/theme/theme1.xml><?xml version="1.0" encoding="utf-8"?>
 <a:theme xmlns:a="http://schemas.openxmlformats.org/drawingml/2006/main" name="Office Theme">
   <a:themeElements>

--- a/present/AISTATS-2022/one-true-loss.pptx
+++ b/present/AISTATS-2022/one-true-loss.pptx
@@ -4120,6 +4120,36 @@
           <a:chExt cx="0" cy="0"/>
         </a:xfrm>
       </p:grpSpPr>
+      <p:pic>
+        <p:nvPicPr>
+          <p:cNvPr id="9228" name="Picture 9227">
+            <a:extLst>
+              <a:ext uri="{FF2B5EF4-FFF2-40B4-BE49-F238E27FC236}">
+                <a16:creationId xmlns:a16="http://schemas.microsoft.com/office/drawing/2014/main" id="{5563EC4A-43A5-4994-B4E5-D34A84780211}"/>
+              </a:ext>
+            </a:extLst>
+          </p:cNvPr>
+          <p:cNvPicPr>
+            <a:picLocks noChangeAspect="1"/>
+          </p:cNvPicPr>
+          <p:nvPr/>
+        </p:nvPicPr>
+        <p:blipFill>
+          <a:blip r:embed="rId2"/>
+          <a:stretch>
+            <a:fillRect/>
+          </a:stretch>
+        </p:blipFill>
+        <p:spPr>
+          <a:xfrm>
+            <a:off x="3332126" y="461512"/>
+            <a:ext cx="4812860" cy="1552714"/>
+          </a:xfrm>
+          <a:prstGeom prst="rect">
+            <a:avLst/>
+          </a:prstGeom>
+        </p:spPr>
+      </p:pic>
       <p:sp>
         <p:nvSpPr>
           <p:cNvPr id="2" name="Title 1">
@@ -4270,10 +4300,10 @@
         </p:nvGrpSpPr>
         <p:grpSpPr>
           <a:xfrm>
-            <a:off x="8658452" y="2433228"/>
-            <a:ext cx="2756730" cy="766813"/>
-            <a:chOff x="8541223" y="2389321"/>
-            <a:chExt cx="2756730" cy="766813"/>
+            <a:off x="8472343" y="2208802"/>
+            <a:ext cx="3499172" cy="914567"/>
+            <a:chOff x="8510743" y="2378255"/>
+            <a:chExt cx="3499172" cy="914567"/>
           </a:xfrm>
         </p:grpSpPr>
         <p:sp>
@@ -4290,8 +4320,8 @@
           </p:nvSpPr>
           <p:spPr>
             <a:xfrm>
-              <a:off x="10300564" y="2571359"/>
-              <a:ext cx="997389" cy="584775"/>
+              <a:off x="10400271" y="2708047"/>
+              <a:ext cx="1305165" cy="584775"/>
             </a:xfrm>
             <a:prstGeom prst="rect">
               <a:avLst/>
@@ -4311,7 +4341,7 @@
             <a:lstStyle/>
             <a:p>
               <a:r>
-                <a:rPr lang="en-US" sz="3200" b="1" cap="none" spc="0" dirty="0">
+                <a:rPr lang="en-US" sz="3200" b="1" cap="none" spc="600" dirty="0">
                   <a:ln w="0">
                     <a:noFill/>
                   </a:ln>
@@ -4341,8 +4371,8 @@
           </p:nvSpPr>
           <p:spPr>
             <a:xfrm>
-              <a:off x="9253804" y="2389321"/>
-              <a:ext cx="2044149" cy="584775"/>
+              <a:off x="9273268" y="2453063"/>
+              <a:ext cx="2736647" cy="584775"/>
             </a:xfrm>
             <a:prstGeom prst="rect">
               <a:avLst/>
@@ -4362,7 +4392,7 @@
             <a:lstStyle/>
             <a:p>
               <a:r>
-                <a:rPr lang="en-US" sz="3200" b="1" dirty="0">
+                <a:rPr lang="en-US" sz="3200" b="1" spc="600" dirty="0">
                   <a:ln w="0">
                     <a:noFill/>
                   </a:ln>
@@ -4392,8 +4422,8 @@
           </p:nvSpPr>
           <p:spPr>
             <a:xfrm>
-              <a:off x="8541223" y="2389321"/>
-              <a:ext cx="2108269" cy="584775"/>
+              <a:off x="8510743" y="2378255"/>
+              <a:ext cx="3031599" cy="584775"/>
             </a:xfrm>
             <a:prstGeom prst="rect">
               <a:avLst/>
@@ -4413,7 +4443,7 @@
             <a:lstStyle/>
             <a:p>
               <a:r>
-                <a:rPr lang="en-US" sz="3200" b="1" cap="none" spc="0" dirty="0">
+                <a:rPr lang="en-US" sz="3200" b="1" cap="none" spc="600" dirty="0">
                   <a:ln w="0">
                     <a:noFill/>
                   </a:ln>
@@ -4965,6 +4995,12 @@
               <a:avLst/>
             </a:prstGeom>
             <a:ln>
+              <a:solidFill>
+                <a:schemeClr val="tx1">
+                  <a:lumMod val="50000"/>
+                  <a:lumOff val="50000"/>
+                </a:schemeClr>
+              </a:solidFill>
               <a:tailEnd type="triangle"/>
             </a:ln>
           </p:spPr>
@@ -5009,6 +5045,12 @@
               </a:avLst>
             </a:prstGeom>
             <a:ln>
+              <a:solidFill>
+                <a:schemeClr val="tx1">
+                  <a:lumMod val="50000"/>
+                  <a:lumOff val="50000"/>
+                </a:schemeClr>
+              </a:solidFill>
               <a:tailEnd type="triangle"/>
             </a:ln>
           </p:spPr>
@@ -5115,36 +5157,6 @@
           </p:style>
         </p:cxnSp>
       </p:grpSp>
-      <p:pic>
-        <p:nvPicPr>
-          <p:cNvPr id="9228" name="Picture 9227">
-            <a:extLst>
-              <a:ext uri="{FF2B5EF4-FFF2-40B4-BE49-F238E27FC236}">
-                <a16:creationId xmlns:a16="http://schemas.microsoft.com/office/drawing/2014/main" id="{5563EC4A-43A5-4994-B4E5-D34A84780211}"/>
-              </a:ext>
-            </a:extLst>
-          </p:cNvPr>
-          <p:cNvPicPr>
-            <a:picLocks noChangeAspect="1"/>
-          </p:cNvPicPr>
-          <p:nvPr/>
-        </p:nvPicPr>
-        <p:blipFill>
-          <a:blip r:embed="rId2"/>
-          <a:stretch>
-            <a:fillRect/>
-          </a:stretch>
-        </p:blipFill>
-        <p:spPr>
-          <a:xfrm>
-            <a:off x="3332126" y="461512"/>
-            <a:ext cx="4812860" cy="1552714"/>
-          </a:xfrm>
-          <a:prstGeom prst="rect">
-            <a:avLst/>
-          </a:prstGeom>
-        </p:spPr>
-      </p:pic>
     </p:spTree>
     <p:extLst>
       <p:ext uri="{BB962C8B-B14F-4D97-AF65-F5344CB8AC3E}">
@@ -14975,7 +14987,7 @@
           <p:nvPr/>
         </p:nvPicPr>
         <p:blipFill rotWithShape="1">
-          <a:blip r:embed="rId3">
+          <a:blip r:embed="rId7">
             <a:clrChange>
               <a:clrFrom>
                 <a:srgbClr val="FFFFFF"/>
@@ -15020,7 +15032,7 @@
           <p:nvPr/>
         </p:nvPicPr>
         <p:blipFill rotWithShape="1">
-          <a:blip r:embed="rId7">
+          <a:blip r:embed="rId8">
             <a:clrChange>
               <a:clrFrom>
                 <a:srgbClr val="FFFFFF"/>
@@ -15065,7 +15077,7 @@
           <p:nvPr/>
         </p:nvPicPr>
         <p:blipFill>
-          <a:blip r:embed="rId8"/>
+          <a:blip r:embed="rId9"/>
           <a:stretch>
             <a:fillRect/>
           </a:stretch>
@@ -37015,10 +37027,10 @@
       </p:pic>
       <p:sp>
         <p:nvSpPr>
-          <p:cNvPr id="18" name="Content Placeholder 5">
+          <p:cNvPr id="7" name="Content Placeholder 5">
             <a:extLst>
               <a:ext uri="{FF2B5EF4-FFF2-40B4-BE49-F238E27FC236}">
-                <a16:creationId xmlns:a16="http://schemas.microsoft.com/office/drawing/2014/main" id="{F950C506-E2A8-49CA-9E93-F07708E9BA70}"/>
+                <a16:creationId xmlns:a16="http://schemas.microsoft.com/office/drawing/2014/main" id="{3B609D20-86A6-4C52-B431-4ABDE75DD5B1}"/>
               </a:ext>
             </a:extLst>
           </p:cNvPr>
@@ -37207,7 +37219,7 @@
           <a:p>
             <a:r>
               <a:rPr lang="en-US" dirty="0"/>
-              <a:t>Also known as “surprisal”, an expression of epistemic conflict</a:t>
+              <a:t>known as “surprisal”, an expression of epistemic conflict</a:t>
             </a:r>
           </a:p>
           <a:p>
@@ -37229,18 +37241,6 @@
   <p:clrMapOvr>
     <a:masterClrMapping/>
   </p:clrMapOvr>
-  <mc:AlternateContent xmlns:mc="http://schemas.openxmlformats.org/markup-compatibility/2006" xmlns:p159="http://schemas.microsoft.com/office/powerpoint/2015/09/main">
-    <mc:Choice Requires="p159">
-      <p:transition xmlns:p14="http://schemas.microsoft.com/office/powerpoint/2010/main" spd="slow" p14:dur="2000">
-        <p159:morph option="byObject"/>
-      </p:transition>
-    </mc:Choice>
-    <mc:Fallback xmlns="">
-      <p:transition spd="slow">
-        <p:fade/>
-      </p:transition>
-    </mc:Fallback>
-  </mc:AlternateContent>
   <p:timing>
     <p:tnLst>
       <p:par>
@@ -37320,7 +37320,7 @@
                                           </p:stCondLst>
                                         </p:cTn>
                                         <p:tgtEl>
-                                          <p:spTgt spid="18"/>
+                                          <p:spTgt spid="7"/>
                                         </p:tgtEl>
                                         <p:attrNameLst>
                                           <p:attrName>style.visibility</p:attrName>
@@ -37361,7 +37361,7 @@
       </p:par>
     </p:tnLst>
     <p:bldLst>
-      <p:bldP spid="18" grpId="0"/>
+      <p:bldP spid="7" grpId="0"/>
     </p:bldLst>
   </p:timing>
 </p:sld>
@@ -37406,7 +37406,7 @@
         </p:blipFill>
         <p:spPr>
           <a:xfrm>
-            <a:off x="2791844" y="3362198"/>
+            <a:off x="2925194" y="3495803"/>
             <a:ext cx="7196706" cy="1582434"/>
           </a:xfrm>
           <a:prstGeom prst="rect">
@@ -37524,7 +37524,7 @@
             </a:r>
             <a:r>
               <a:rPr lang="en-US" b="1" dirty="0"/>
-              <a:t> Information</a:t>
+              <a:t> Information Content</a:t>
             </a:r>
             <a:br>
               <a:rPr lang="en-US" b="1" dirty="0"/>
@@ -37546,8 +37546,8 @@
           </a:p>
         </p:txBody>
       </p:sp>
-      <mc:AlternateContent xmlns:mc="http://schemas.openxmlformats.org/markup-compatibility/2006" xmlns:a14="http://schemas.microsoft.com/office/drawing/2010/main">
-        <mc:Choice Requires="a14">
+      <mc:AlternateContent xmlns:mc="http://schemas.openxmlformats.org/markup-compatibility/2006">
+        <mc:Choice xmlns:a14="http://schemas.microsoft.com/office/drawing/2010/main" Requires="a14">
           <p:sp>
             <p:nvSpPr>
               <p:cNvPr id="20" name="Content Placeholder 5">
@@ -37578,15 +37578,7 @@
               <a:p>
                 <a:r>
                   <a:rPr lang="en-US" dirty="0"/>
-                  <a:t>Also works for  </a:t>
-                </a:r>
-                <a:r>
-                  <a:rPr lang="en-US" b="1" i="1" dirty="0"/>
-                  <a:t>joint</a:t>
-                </a:r>
-                <a:r>
-                  <a:rPr lang="en-US" dirty="0"/>
-                  <a:t>  distributions  </a:t>
+                  <a:t>Also works for joint distributions  </a:t>
                 </a:r>
                 <a14:m>
                   <m:oMath xmlns:m="http://schemas.openxmlformats.org/officeDocument/2006/math">
@@ -37625,11 +37617,34 @@
                         </m:r>
                       </m:e>
                     </m:d>
+                  </m:oMath>
+                </a14:m>
+                <a:r>
+                  <a:rPr lang="en-US" dirty="0"/>
+                  <a:t>,</a:t>
+                </a:r>
+                <a:br>
+                  <a:rPr lang="en-US" dirty="0"/>
+                </a:br>
+                <a:r>
+                  <a:rPr lang="en-US" dirty="0"/>
+                  <a:t>and </a:t>
+                </a:r>
+                <a:r>
+                  <a:rPr lang="en-US" i="1" dirty="0"/>
+                  <a:t>partial </a:t>
+                </a:r>
+                <a:r>
+                  <a:rPr lang="en-US" dirty="0"/>
+                  <a:t>observations </a:t>
+                </a:r>
+                <a14:m>
+                  <m:oMath xmlns:m="http://schemas.openxmlformats.org/officeDocument/2006/math">
                     <m:r>
-                      <a:rPr lang="en-US" b="0" i="1" dirty="0" smtClean="0">
+                      <a:rPr lang="en-US" b="0" i="1" smtClean="0">
                         <a:latin typeface="Cambria Math" panose="02040503050406030204" pitchFamily="18" charset="0"/>
                       </a:rPr>
-                      <m:t>.</m:t>
+                      <m:t>𝑥</m:t>
                     </m:r>
                   </m:oMath>
                 </a14:m>
@@ -37638,7 +37653,7 @@
             </p:txBody>
           </p:sp>
         </mc:Choice>
-        <mc:Fallback xmlns="">
+        <mc:Fallback>
           <p:sp>
             <p:nvSpPr>
               <p:cNvPr id="20" name="Content Placeholder 5">

--- a/present/AISTATS-2022/one-true-loss.pptx
+++ b/present/AISTATS-2022/one-true-loss.pptx
@@ -21988,7 +21988,7 @@
       </p:pic>
       <p:pic>
         <p:nvPicPr>
-          <p:cNvPr id="12" name="Picture 11" descr="Diagram, shape&#10;&#10;Description automatically generated" hidden="1">
+          <p:cNvPr id="12" name="Picture 11" descr="Diagram, shape&#10;&#10;Description automatically generated">
             <a:extLst>
               <a:ext uri="{FF2B5EF4-FFF2-40B4-BE49-F238E27FC236}">
                 <a16:creationId xmlns:a16="http://schemas.microsoft.com/office/drawing/2014/main" id="{2E35659F-2200-4344-8C28-D95CC49940D6}"/>
@@ -22670,7 +22670,7 @@
       </p:pic>
       <p:pic>
         <p:nvPicPr>
-          <p:cNvPr id="17" name="Picture 16" descr="Shape, rectangle&#10;&#10;Description automatically generated" hidden="1">
+          <p:cNvPr id="17" name="Picture 16" descr="Shape, rectangle&#10;&#10;Description automatically generated">
             <a:extLst>
               <a:ext uri="{FF2B5EF4-FFF2-40B4-BE49-F238E27FC236}">
                 <a16:creationId xmlns:a16="http://schemas.microsoft.com/office/drawing/2014/main" id="{CDE6A45C-45CA-4A12-B5C1-8BF36242C33D}"/>
@@ -23292,7 +23292,7 @@
       </p:pic>
       <p:pic>
         <p:nvPicPr>
-          <p:cNvPr id="20" name="Picture 19" descr="Diagram&#10;&#10;Description automatically generated" hidden="1">
+          <p:cNvPr id="20" name="Picture 19" descr="Diagram&#10;&#10;Description automatically generated">
             <a:extLst>
               <a:ext uri="{FF2B5EF4-FFF2-40B4-BE49-F238E27FC236}">
                 <a16:creationId xmlns:a16="http://schemas.microsoft.com/office/drawing/2014/main" id="{C1F9F11F-F2E8-48C0-BF68-D7D823F83F47}"/>
@@ -30389,7 +30389,29 @@
                   </a:schemeClr>
                 </a:solidFill>
               </a:rPr>
-              <a:t>a case study: PDGs give a “better” objective in a more complex scenario;</a:t>
+              <a:t>a case study: PDGs give a “better” objective in </a:t>
+            </a:r>
+            <a:r>
+              <a:rPr lang="en-US">
+                <a:solidFill>
+                  <a:schemeClr val="tx1">
+                    <a:lumMod val="50000"/>
+                    <a:lumOff val="50000"/>
+                  </a:schemeClr>
+                </a:solidFill>
+              </a:rPr>
+              <a:t>a complex </a:t>
+            </a:r>
+            <a:r>
+              <a:rPr lang="en-US" dirty="0">
+                <a:solidFill>
+                  <a:schemeClr val="tx1">
+                    <a:lumMod val="50000"/>
+                    <a:lumOff val="50000"/>
+                  </a:schemeClr>
+                </a:solidFill>
+              </a:rPr>
+              <a:t>scenario;</a:t>
             </a:r>
           </a:p>
           <a:p>

--- a/present/AISTATS-2022/one-true-loss.pptx
+++ b/present/AISTATS-2022/one-true-loss.pptx
@@ -1,6 +1,6 @@
 
 <file path=ppt/presentation.xml><?xml version="1.0" encoding="utf-8"?>
-<p:presentation xmlns:a="http://schemas.openxmlformats.org/drawingml/2006/main" xmlns:r="http://schemas.openxmlformats.org/officeDocument/2006/relationships" xmlns:p="http://schemas.openxmlformats.org/presentationml/2006/main" saveSubsetFonts="1">
+<p:presentation xmlns:a="http://schemas.openxmlformats.org/drawingml/2006/main" xmlns:r="http://schemas.openxmlformats.org/officeDocument/2006/relationships" xmlns:p="http://schemas.openxmlformats.org/presentationml/2006/main" showSpecialPlsOnTitleSld="0" saveSubsetFonts="1">
   <p:sldMasterIdLst>
     <p:sldMasterId id="2147483648" r:id="rId1"/>
   </p:sldMasterIdLst>
@@ -284,7 +284,7 @@
           <a:p>
             <a:fld id="{F5DDDE9D-E35D-4903-86F5-E1B8CFAF0592}" type="datetimeFigureOut">
               <a:rPr lang="en-US" smtClean="0"/>
-              <a:t>3/13/2022</a:t>
+              <a:t>14-Mar-22</a:t>
             </a:fld>
             <a:endParaRPr lang="en-US"/>
           </a:p>
@@ -1032,9 +1032,9 @@
           <a:bodyPr/>
           <a:lstStyle/>
           <a:p>
-            <a:fld id="{A4490AF7-DA27-43A2-9584-68F5DE0895D6}" type="datetimeFigureOut">
+            <a:fld id="{4A8ADDCC-B367-41F4-AAA2-B877429E4084}" type="datetime1">
               <a:rPr lang="en-US" smtClean="0"/>
-              <a:t>3/13/2022</a:t>
+              <a:t>14-Mar-22</a:t>
             </a:fld>
             <a:endParaRPr lang="en-US"/>
           </a:p>
@@ -1230,9 +1230,9 @@
           <a:bodyPr/>
           <a:lstStyle/>
           <a:p>
-            <a:fld id="{A4490AF7-DA27-43A2-9584-68F5DE0895D6}" type="datetimeFigureOut">
+            <a:fld id="{1B055FF5-A0E5-4291-9737-85F30D1F97A1}" type="datetime1">
               <a:rPr lang="en-US" smtClean="0"/>
-              <a:t>3/13/2022</a:t>
+              <a:t>14-Mar-22</a:t>
             </a:fld>
             <a:endParaRPr lang="en-US"/>
           </a:p>
@@ -1438,9 +1438,9 @@
           <a:bodyPr/>
           <a:lstStyle/>
           <a:p>
-            <a:fld id="{A4490AF7-DA27-43A2-9584-68F5DE0895D6}" type="datetimeFigureOut">
+            <a:fld id="{B62626A5-7E04-4999-AA42-889DCBEAFD75}" type="datetime1">
               <a:rPr lang="en-US" smtClean="0"/>
-              <a:t>3/13/2022</a:t>
+              <a:t>14-Mar-22</a:t>
             </a:fld>
             <a:endParaRPr lang="en-US"/>
           </a:p>
@@ -1636,9 +1636,9 @@
           <a:bodyPr/>
           <a:lstStyle/>
           <a:p>
-            <a:fld id="{A4490AF7-DA27-43A2-9584-68F5DE0895D6}" type="datetimeFigureOut">
+            <a:fld id="{B62B030E-B2E4-4267-8602-D580CA2E059B}" type="datetime1">
               <a:rPr lang="en-US" smtClean="0"/>
-              <a:t>3/13/2022</a:t>
+              <a:t>14-Mar-22</a:t>
             </a:fld>
             <a:endParaRPr lang="en-US"/>
           </a:p>
@@ -1694,7 +1694,7 @@
               <a:rPr lang="en-US" smtClean="0"/>
               <a:t>‹#›</a:t>
             </a:fld>
-            <a:endParaRPr lang="en-US"/>
+            <a:endParaRPr lang="en-US" dirty="0"/>
           </a:p>
         </p:txBody>
       </p:sp>
@@ -1911,9 +1911,9 @@
           <a:bodyPr/>
           <a:lstStyle/>
           <a:p>
-            <a:fld id="{A4490AF7-DA27-43A2-9584-68F5DE0895D6}" type="datetimeFigureOut">
+            <a:fld id="{FAE0EC02-EE86-4F96-AD6E-2798D16BDE28}" type="datetime1">
               <a:rPr lang="en-US" smtClean="0"/>
-              <a:t>3/13/2022</a:t>
+              <a:t>14-Mar-22</a:t>
             </a:fld>
             <a:endParaRPr lang="en-US"/>
           </a:p>
@@ -2176,9 +2176,9 @@
           <a:bodyPr/>
           <a:lstStyle/>
           <a:p>
-            <a:fld id="{A4490AF7-DA27-43A2-9584-68F5DE0895D6}" type="datetimeFigureOut">
+            <a:fld id="{60769A85-C446-4B9E-9E6A-0A38A5C50432}" type="datetime1">
               <a:rPr lang="en-US" smtClean="0"/>
-              <a:t>3/13/2022</a:t>
+              <a:t>14-Mar-22</a:t>
             </a:fld>
             <a:endParaRPr lang="en-US"/>
           </a:p>
@@ -2588,9 +2588,9 @@
           <a:bodyPr/>
           <a:lstStyle/>
           <a:p>
-            <a:fld id="{A4490AF7-DA27-43A2-9584-68F5DE0895D6}" type="datetimeFigureOut">
+            <a:fld id="{CBC45266-B6FB-41EC-A90F-B8C5B22BA098}" type="datetime1">
               <a:rPr lang="en-US" smtClean="0"/>
-              <a:t>3/13/2022</a:t>
+              <a:t>14-Mar-22</a:t>
             </a:fld>
             <a:endParaRPr lang="en-US"/>
           </a:p>
@@ -2729,9 +2729,9 @@
           <a:bodyPr/>
           <a:lstStyle/>
           <a:p>
-            <a:fld id="{A4490AF7-DA27-43A2-9584-68F5DE0895D6}" type="datetimeFigureOut">
+            <a:fld id="{427EBC3C-EFA2-45F2-826F-98A851DFF79C}" type="datetime1">
               <a:rPr lang="en-US" smtClean="0"/>
-              <a:t>3/13/2022</a:t>
+              <a:t>14-Mar-22</a:t>
             </a:fld>
             <a:endParaRPr lang="en-US"/>
           </a:p>
@@ -2842,9 +2842,9 @@
           <a:bodyPr/>
           <a:lstStyle/>
           <a:p>
-            <a:fld id="{A4490AF7-DA27-43A2-9584-68F5DE0895D6}" type="datetimeFigureOut">
+            <a:fld id="{7E32D71F-BB00-4060-962E-601076B259EF}" type="datetime1">
               <a:rPr lang="en-US" smtClean="0"/>
-              <a:t>3/13/2022</a:t>
+              <a:t>14-Mar-22</a:t>
             </a:fld>
             <a:endParaRPr lang="en-US"/>
           </a:p>
@@ -3153,9 +3153,9 @@
           <a:bodyPr/>
           <a:lstStyle/>
           <a:p>
-            <a:fld id="{A4490AF7-DA27-43A2-9584-68F5DE0895D6}" type="datetimeFigureOut">
+            <a:fld id="{DFCCC762-430C-4A9B-8FEB-C7BCB3A0A51C}" type="datetime1">
               <a:rPr lang="en-US" smtClean="0"/>
-              <a:t>3/13/2022</a:t>
+              <a:t>14-Mar-22</a:t>
             </a:fld>
             <a:endParaRPr lang="en-US"/>
           </a:p>
@@ -3441,9 +3441,9 @@
           <a:bodyPr/>
           <a:lstStyle/>
           <a:p>
-            <a:fld id="{A4490AF7-DA27-43A2-9584-68F5DE0895D6}" type="datetimeFigureOut">
+            <a:fld id="{AB2C2A59-9F73-4E30-B1C8-D612DCC092A3}" type="datetime1">
               <a:rPr lang="en-US" smtClean="0"/>
-              <a:t>3/13/2022</a:t>
+              <a:t>14-Mar-22</a:t>
             </a:fld>
             <a:endParaRPr lang="en-US"/>
           </a:p>
@@ -3682,9 +3682,9 @@
             </a:lvl1pPr>
           </a:lstStyle>
           <a:p>
-            <a:fld id="{A4490AF7-DA27-43A2-9584-68F5DE0895D6}" type="datetimeFigureOut">
+            <a:fld id="{F6D7004A-F216-489A-9921-E81C2DB80F66}" type="datetime1">
               <a:rPr lang="en-US" smtClean="0"/>
-              <a:t>3/13/2022</a:t>
+              <a:t>14-Mar-22</a:t>
             </a:fld>
             <a:endParaRPr lang="en-US"/>
           </a:p>
@@ -3801,6 +3801,7 @@
     <p:sldLayoutId id="2147483658" r:id="rId10"/>
     <p:sldLayoutId id="2147483659" r:id="rId11"/>
   </p:sldLayoutIdLst>
+  <p:hf hdr="0" ftr="0" dt="0"/>
   <p:txStyles>
     <p:titleStyle>
       <a:lvl1pPr algn="l" defTabSz="914400" rtl="0" eaLnBrk="1" latinLnBrk="0" hangingPunct="1">
@@ -4251,8 +4252,8 @@
         </p:nvSpPr>
         <p:spPr>
           <a:xfrm>
-            <a:off x="1435001" y="4792250"/>
-            <a:ext cx="9046723" cy="827881"/>
+            <a:off x="4019551" y="4792250"/>
+            <a:ext cx="3866518" cy="827881"/>
           </a:xfrm>
         </p:spPr>
         <p:txBody>
@@ -4300,10 +4301,10 @@
         </p:nvGrpSpPr>
         <p:grpSpPr>
           <a:xfrm>
-            <a:off x="8472343" y="2208802"/>
-            <a:ext cx="3499172" cy="914567"/>
+            <a:off x="8586643" y="2294527"/>
+            <a:ext cx="3152923" cy="914567"/>
             <a:chOff x="8510743" y="2378255"/>
-            <a:chExt cx="3499172" cy="914567"/>
+            <a:chExt cx="3152923" cy="914567"/>
           </a:xfrm>
         </p:grpSpPr>
         <p:sp>
@@ -4321,7 +4322,7 @@
           <p:spPr>
             <a:xfrm>
               <a:off x="10400271" y="2708047"/>
-              <a:ext cx="1305165" cy="584775"/>
+              <a:ext cx="1151277" cy="584775"/>
             </a:xfrm>
             <a:prstGeom prst="rect">
               <a:avLst/>
@@ -4341,7 +4342,7 @@
             <a:lstStyle/>
             <a:p>
               <a:r>
-                <a:rPr lang="en-US" sz="3200" b="1" cap="none" spc="600" dirty="0">
+                <a:rPr lang="en-US" sz="3200" b="1" cap="none" spc="300" dirty="0">
                   <a:ln w="0">
                     <a:noFill/>
                   </a:ln>
@@ -4372,7 +4373,7 @@
           <p:spPr>
             <a:xfrm>
               <a:off x="9273268" y="2453063"/>
-              <a:ext cx="2736647" cy="584775"/>
+              <a:ext cx="2390398" cy="584775"/>
             </a:xfrm>
             <a:prstGeom prst="rect">
               <a:avLst/>
@@ -4392,7 +4393,7 @@
             <a:lstStyle/>
             <a:p>
               <a:r>
-                <a:rPr lang="en-US" sz="3200" b="1" spc="600" dirty="0">
+                <a:rPr lang="en-US" sz="3200" b="1" spc="300" dirty="0">
                   <a:ln w="0">
                     <a:noFill/>
                   </a:ln>
@@ -4423,7 +4424,7 @@
           <p:spPr>
             <a:xfrm>
               <a:off x="8510743" y="2378255"/>
-              <a:ext cx="3031599" cy="584775"/>
+              <a:ext cx="2569934" cy="584775"/>
             </a:xfrm>
             <a:prstGeom prst="rect">
               <a:avLst/>
@@ -4443,7 +4444,7 @@
             <a:lstStyle/>
             <a:p>
               <a:r>
-                <a:rPr lang="en-US" sz="3200" b="1" cap="none" spc="600" dirty="0">
+                <a:rPr lang="en-US" sz="3200" b="1" cap="none" spc="300" dirty="0">
                   <a:ln w="0">
                     <a:noFill/>
                   </a:ln>
@@ -5290,8 +5291,8 @@
           </a:prstGeom>
         </p:spPr>
       </p:pic>
-      <mc:AlternateContent xmlns:mc="http://schemas.openxmlformats.org/markup-compatibility/2006">
-        <mc:Choice xmlns:a14="http://schemas.microsoft.com/office/drawing/2010/main" Requires="a14">
+      <mc:AlternateContent xmlns:mc="http://schemas.openxmlformats.org/markup-compatibility/2006" xmlns:a14="http://schemas.microsoft.com/office/drawing/2010/main">
+        <mc:Choice Requires="a14">
           <p:sp>
             <p:nvSpPr>
               <p:cNvPr id="6" name="Content Placeholder 5">
@@ -5351,7 +5352,7 @@
             </p:txBody>
           </p:sp>
         </mc:Choice>
-        <mc:Fallback>
+        <mc:Fallback xmlns="">
           <p:sp>
             <p:nvSpPr>
               <p:cNvPr id="6" name="Content Placeholder 5">
@@ -5442,8 +5443,8 @@
           </a:extLst>
         </p:spPr>
       </p:pic>
-      <mc:AlternateContent xmlns:mc="http://schemas.openxmlformats.org/markup-compatibility/2006">
-        <mc:Choice xmlns:a14="http://schemas.microsoft.com/office/drawing/2010/main" Requires="a14">
+      <mc:AlternateContent xmlns:mc="http://schemas.openxmlformats.org/markup-compatibility/2006" xmlns:a14="http://schemas.microsoft.com/office/drawing/2010/main">
+        <mc:Choice Requires="a14">
           <p:sp>
             <p:nvSpPr>
               <p:cNvPr id="8" name="TextBox 7">
@@ -5524,7 +5525,7 @@
             </p:txBody>
           </p:sp>
         </mc:Choice>
-        <mc:Fallback>
+        <mc:Fallback xmlns="">
           <p:sp>
             <p:nvSpPr>
               <p:cNvPr id="8" name="TextBox 7">
@@ -5863,6 +5864,35 @@
           <a:p>
             <a:pPr algn="ctr"/>
             <a:endParaRPr lang="en-US" dirty="0"/>
+          </a:p>
+        </p:txBody>
+      </p:sp>
+      <p:sp>
+        <p:nvSpPr>
+          <p:cNvPr id="4" name="Slide Number Placeholder 3">
+            <a:extLst>
+              <a:ext uri="{FF2B5EF4-FFF2-40B4-BE49-F238E27FC236}">
+                <a16:creationId xmlns:a16="http://schemas.microsoft.com/office/drawing/2014/main" id="{9642F761-84F4-4A48-B6E0-11C7B2A5A64A}"/>
+              </a:ext>
+            </a:extLst>
+          </p:cNvPr>
+          <p:cNvSpPr>
+            <a:spLocks noGrp="1"/>
+          </p:cNvSpPr>
+          <p:nvPr>
+            <p:ph type="sldNum" sz="quarter" idx="12"/>
+          </p:nvPr>
+        </p:nvSpPr>
+        <p:spPr/>
+        <p:txBody>
+          <a:bodyPr/>
+          <a:lstStyle/>
+          <a:p>
+            <a:fld id="{6CB50425-FF15-4809-B051-6F0DDC60174A}" type="slidenum">
+              <a:rPr lang="en-US" smtClean="0"/>
+              <a:t>10</a:t>
+            </a:fld>
+            <a:endParaRPr lang="en-US"/>
           </a:p>
         </p:txBody>
       </p:sp>
@@ -6299,6 +6329,35 @@
           </a:p>
         </p:txBody>
       </p:sp>
+      <p:sp>
+        <p:nvSpPr>
+          <p:cNvPr id="4" name="Slide Number Placeholder 3">
+            <a:extLst>
+              <a:ext uri="{FF2B5EF4-FFF2-40B4-BE49-F238E27FC236}">
+                <a16:creationId xmlns:a16="http://schemas.microsoft.com/office/drawing/2014/main" id="{AB343A5E-6B12-4313-A19A-7419EB62F7E4}"/>
+              </a:ext>
+            </a:extLst>
+          </p:cNvPr>
+          <p:cNvSpPr>
+            <a:spLocks noGrp="1"/>
+          </p:cNvSpPr>
+          <p:nvPr>
+            <p:ph type="sldNum" sz="quarter" idx="12"/>
+          </p:nvPr>
+        </p:nvSpPr>
+        <p:spPr/>
+        <p:txBody>
+          <a:bodyPr/>
+          <a:lstStyle/>
+          <a:p>
+            <a:fld id="{6CB50425-FF15-4809-B051-6F0DDC60174A}" type="slidenum">
+              <a:rPr lang="en-US" smtClean="0"/>
+              <a:t>11</a:t>
+            </a:fld>
+            <a:endParaRPr lang="en-US"/>
+          </a:p>
+        </p:txBody>
+      </p:sp>
     </p:spTree>
     <p:extLst>
       <p:ext uri="{BB962C8B-B14F-4D97-AF65-F5344CB8AC3E}">
@@ -6329,6 +6388,47 @@
           <a:chExt cx="0" cy="0"/>
         </a:xfrm>
       </p:grpSpPr>
+      <p:cxnSp>
+        <p:nvCxnSpPr>
+          <p:cNvPr id="307" name="Straight Arrow Connector 306">
+            <a:extLst>
+              <a:ext uri="{FF2B5EF4-FFF2-40B4-BE49-F238E27FC236}">
+                <a16:creationId xmlns:a16="http://schemas.microsoft.com/office/drawing/2014/main" id="{0DB7EC08-F082-4476-BFAB-11E928235EDF}"/>
+              </a:ext>
+            </a:extLst>
+          </p:cNvPr>
+          <p:cNvCxnSpPr>
+            <a:cxnSpLocks/>
+          </p:cNvCxnSpPr>
+          <p:nvPr/>
+        </p:nvCxnSpPr>
+        <p:spPr>
+          <a:xfrm>
+            <a:off x="5634852" y="1864249"/>
+            <a:ext cx="1199607" cy="1509902"/>
+          </a:xfrm>
+          <a:prstGeom prst="straightConnector1">
+            <a:avLst/>
+          </a:prstGeom>
+          <a:ln w="38100">
+            <a:tailEnd type="stealth" w="lg" len="med"/>
+          </a:ln>
+        </p:spPr>
+        <p:style>
+          <a:lnRef idx="3">
+            <a:schemeClr val="accent5"/>
+          </a:lnRef>
+          <a:fillRef idx="0">
+            <a:schemeClr val="accent5"/>
+          </a:fillRef>
+          <a:effectRef idx="2">
+            <a:schemeClr val="accent5"/>
+          </a:effectRef>
+          <a:fontRef idx="minor">
+            <a:schemeClr val="tx1"/>
+          </a:fontRef>
+        </p:style>
+      </p:cxnSp>
       <p:sp>
         <p:nvSpPr>
           <p:cNvPr id="2" name="Title 1">
@@ -6428,6 +6528,11 @@
             <a:avLst/>
           </a:prstGeom>
           <a:ln w="38100">
+            <a:solidFill>
+              <a:schemeClr val="accent6">
+                <a:lumMod val="75000"/>
+              </a:schemeClr>
+            </a:solidFill>
             <a:tailEnd type="stealth" w="lg" len="med"/>
           </a:ln>
         </p:spPr>
@@ -6459,9 +6564,9 @@
           <p:nvPr/>
         </p:nvSpPr>
         <p:spPr>
-          <a:xfrm rot="2794241">
-            <a:off x="3215960" y="4133906"/>
-            <a:ext cx="1646286" cy="427609"/>
+          <a:xfrm rot="2703384">
+            <a:off x="3176770" y="4174507"/>
+            <a:ext cx="1697901" cy="307777"/>
           </a:xfrm>
           <a:prstGeom prst="rect">
             <a:avLst/>
@@ -6476,7 +6581,7 @@
           <a:p>
             <a:r>
               <a:rPr lang="en-US" sz="1400" dirty="0"/>
-              <a:t>+ conditional</a:t>
+              <a:t>+ conditional model</a:t>
             </a:r>
             <a:endParaRPr lang="en-US" dirty="0"/>
           </a:p>
@@ -6495,9 +6600,9 @@
           <p:nvPr/>
         </p:nvSpPr>
         <p:spPr>
-          <a:xfrm rot="391621">
-            <a:off x="4133811" y="3172166"/>
-            <a:ext cx="1620081" cy="427607"/>
+          <a:xfrm rot="308301">
+            <a:off x="3942347" y="3125328"/>
+            <a:ext cx="1620081" cy="307777"/>
           </a:xfrm>
           <a:prstGeom prst="rect">
             <a:avLst/>
@@ -6512,7 +6617,7 @@
           <a:p>
             <a:r>
               <a:rPr lang="en-US" sz="1400" dirty="0"/>
-              <a:t>+ marginal</a:t>
+              <a:t>+latent variables</a:t>
             </a:r>
           </a:p>
         </p:txBody>
@@ -6645,6 +6750,11 @@
             <a:avLst/>
           </a:prstGeom>
           <a:ln w="38100">
+            <a:solidFill>
+              <a:schemeClr val="accent4">
+                <a:lumMod val="75000"/>
+              </a:schemeClr>
+            </a:solidFill>
             <a:tailEnd type="stealth" w="lg" len="med"/>
           </a:ln>
         </p:spPr>
@@ -6686,6 +6796,11 @@
             <a:avLst/>
           </a:prstGeom>
           <a:ln w="38100">
+            <a:solidFill>
+              <a:schemeClr val="accent4">
+                <a:lumMod val="75000"/>
+              </a:schemeClr>
+            </a:solidFill>
             <a:tailEnd type="stealth" w="lg" len="med"/>
           </a:ln>
         </p:spPr>
@@ -6768,8 +6883,18 @@
             <a:avLst/>
           </a:prstGeom>
           <a:ln w="38100">
+            <a:solidFill>
+              <a:schemeClr val="accent6">
+                <a:lumMod val="75000"/>
+              </a:schemeClr>
+            </a:solidFill>
             <a:tailEnd type="stealth" w="lg" len="med"/>
           </a:ln>
+          <a:effectLst>
+            <a:glow rad="254000">
+              <a:schemeClr val="bg1"/>
+            </a:glow>
+          </a:effectLst>
         </p:spPr>
         <p:style>
           <a:lnRef idx="3">
@@ -6809,6 +6934,11 @@
             <a:avLst/>
           </a:prstGeom>
           <a:ln w="38100">
+            <a:solidFill>
+              <a:schemeClr val="accent4">
+                <a:lumMod val="75000"/>
+              </a:schemeClr>
+            </a:solidFill>
             <a:tailEnd type="stealth" w="lg" len="med"/>
           </a:ln>
         </p:spPr>
@@ -6891,6 +7021,11 @@
             <a:avLst/>
           </a:prstGeom>
           <a:ln w="38100">
+            <a:solidFill>
+              <a:schemeClr val="accent6">
+                <a:lumMod val="75000"/>
+              </a:schemeClr>
+            </a:solidFill>
             <a:tailEnd type="stealth" w="lg" len="med"/>
           </a:ln>
         </p:spPr>
@@ -6932,6 +7067,11 @@
             <a:avLst/>
           </a:prstGeom>
           <a:ln w="38100">
+            <a:solidFill>
+              <a:schemeClr val="accent4">
+                <a:lumMod val="75000"/>
+              </a:schemeClr>
+            </a:solidFill>
             <a:tailEnd type="stealth" w="lg" len="med"/>
           </a:ln>
         </p:spPr>
@@ -6973,47 +7113,11 @@
             <a:avLst/>
           </a:prstGeom>
           <a:ln w="38100">
-            <a:tailEnd type="stealth" w="lg" len="med"/>
-          </a:ln>
-        </p:spPr>
-        <p:style>
-          <a:lnRef idx="3">
-            <a:schemeClr val="accent5"/>
-          </a:lnRef>
-          <a:fillRef idx="0">
-            <a:schemeClr val="accent5"/>
-          </a:fillRef>
-          <a:effectRef idx="2">
-            <a:schemeClr val="accent5"/>
-          </a:effectRef>
-          <a:fontRef idx="minor">
-            <a:schemeClr val="tx1"/>
-          </a:fontRef>
-        </p:style>
-      </p:cxnSp>
-      <p:cxnSp>
-        <p:nvCxnSpPr>
-          <p:cNvPr id="307" name="Straight Arrow Connector 306">
-            <a:extLst>
-              <a:ext uri="{FF2B5EF4-FFF2-40B4-BE49-F238E27FC236}">
-                <a16:creationId xmlns:a16="http://schemas.microsoft.com/office/drawing/2014/main" id="{0DB7EC08-F082-4476-BFAB-11E928235EDF}"/>
-              </a:ext>
-            </a:extLst>
-          </p:cNvPr>
-          <p:cNvCxnSpPr>
-            <a:cxnSpLocks/>
-          </p:cNvCxnSpPr>
-          <p:nvPr/>
-        </p:nvCxnSpPr>
-        <p:spPr>
-          <a:xfrm>
-            <a:off x="5634852" y="1864249"/>
-            <a:ext cx="1199607" cy="1509902"/>
-          </a:xfrm>
-          <a:prstGeom prst="straightConnector1">
-            <a:avLst/>
-          </a:prstGeom>
-          <a:ln w="38100">
+            <a:solidFill>
+              <a:schemeClr val="accent6">
+                <a:lumMod val="75000"/>
+              </a:schemeClr>
+            </a:solidFill>
             <a:tailEnd type="stealth" w="lg" len="med"/>
           </a:ln>
         </p:spPr>
@@ -7057,6 +7161,11 @@
           <a:ln w="38100">
             <a:tailEnd type="stealth" w="lg" len="med"/>
           </a:ln>
+          <a:effectLst>
+            <a:glow rad="254000">
+              <a:schemeClr val="bg1"/>
+            </a:glow>
+          </a:effectLst>
         </p:spPr>
         <p:style>
           <a:lnRef idx="3">
@@ -7675,6 +7784,60 @@
             <a:schemeClr val="accent5">
               <a:lumMod val="40000"/>
               <a:lumOff val="60000"/>
+            </a:schemeClr>
+          </a:solidFill>
+          <a:ln>
+            <a:noFill/>
+          </a:ln>
+        </p:spPr>
+        <p:style>
+          <a:lnRef idx="2">
+            <a:schemeClr val="accent1">
+              <a:shade val="50000"/>
+            </a:schemeClr>
+          </a:lnRef>
+          <a:fillRef idx="1">
+            <a:schemeClr val="accent1"/>
+          </a:fillRef>
+          <a:effectRef idx="0">
+            <a:schemeClr val="accent1"/>
+          </a:effectRef>
+          <a:fontRef idx="minor">
+            <a:schemeClr val="lt1"/>
+          </a:fontRef>
+        </p:style>
+        <p:txBody>
+          <a:bodyPr rtlCol="0" anchor="ctr"/>
+          <a:lstStyle/>
+          <a:p>
+            <a:pPr algn="ctr"/>
+            <a:endParaRPr lang="en-US"/>
+          </a:p>
+        </p:txBody>
+      </p:sp>
+      <p:sp>
+        <p:nvSpPr>
+          <p:cNvPr id="55" name="Rectangle 54">
+            <a:extLst>
+              <a:ext uri="{FF2B5EF4-FFF2-40B4-BE49-F238E27FC236}">
+                <a16:creationId xmlns:a16="http://schemas.microsoft.com/office/drawing/2014/main" id="{350CDA9D-2770-4FFD-A98D-686E72C9E173}"/>
+              </a:ext>
+            </a:extLst>
+          </p:cNvPr>
+          <p:cNvSpPr/>
+          <p:nvPr/>
+        </p:nvSpPr>
+        <p:spPr>
+          <a:xfrm rot="19067797">
+            <a:off x="6291001" y="2670493"/>
+            <a:ext cx="2091789" cy="1775947"/>
+          </a:xfrm>
+          <a:prstGeom prst="rect">
+            <a:avLst/>
+          </a:prstGeom>
+          <a:solidFill>
+            <a:schemeClr val="bg1">
+              <a:alpha val="70000"/>
             </a:schemeClr>
           </a:solidFill>
           <a:ln>
@@ -10841,6 +11004,35 @@
           </p:txBody>
         </p:sp>
       </p:grpSp>
+      <p:sp>
+        <p:nvSpPr>
+          <p:cNvPr id="4" name="Slide Number Placeholder 3">
+            <a:extLst>
+              <a:ext uri="{FF2B5EF4-FFF2-40B4-BE49-F238E27FC236}">
+                <a16:creationId xmlns:a16="http://schemas.microsoft.com/office/drawing/2014/main" id="{9DB7859E-050F-4AAE-B50B-4963F935122C}"/>
+              </a:ext>
+            </a:extLst>
+          </p:cNvPr>
+          <p:cNvSpPr>
+            <a:spLocks noGrp="1"/>
+          </p:cNvSpPr>
+          <p:nvPr>
+            <p:ph type="sldNum" sz="quarter" idx="12"/>
+          </p:nvPr>
+        </p:nvSpPr>
+        <p:spPr/>
+        <p:txBody>
+          <a:bodyPr/>
+          <a:lstStyle/>
+          <a:p>
+            <a:fld id="{6CB50425-FF15-4809-B051-6F0DDC60174A}" type="slidenum">
+              <a:rPr lang="en-US" smtClean="0"/>
+              <a:t>12</a:t>
+            </a:fld>
+            <a:endParaRPr lang="en-US"/>
+          </a:p>
+        </p:txBody>
+      </p:sp>
     </p:spTree>
     <p:extLst>
       <p:ext uri="{BB962C8B-B14F-4D97-AF65-F5344CB8AC3E}">
@@ -11161,12 +11353,14 @@
         </p:nvSpPr>
         <p:spPr>
           <a:xfrm>
-            <a:off x="1313328" y="2411507"/>
-            <a:ext cx="8192622" cy="1325563"/>
+            <a:off x="1000908" y="2103437"/>
+            <a:ext cx="9806522" cy="1325563"/>
           </a:xfrm>
         </p:spPr>
         <p:txBody>
-          <a:bodyPr/>
+          <a:bodyPr>
+            <a:normAutofit fontScale="90000"/>
+          </a:bodyPr>
           <a:lstStyle/>
           <a:p>
             <a:r>
@@ -11177,7 +11371,7 @@
                   </a:schemeClr>
                 </a:solidFill>
               </a:rPr>
-              <a:t>STANDARD METRICS</a:t>
+              <a:t>STANDARD METRICS &amp; REGULARIZERS</a:t>
             </a:r>
             <a:br>
               <a:rPr lang="en-US" b="1" dirty="0">
@@ -11202,8 +11396,8 @@
               <a:rPr lang="en-US" b="1" dirty="0">
                 <a:solidFill>
                   <a:schemeClr val="tx1">
-                    <a:lumMod val="75000"/>
-                    <a:lumOff val="25000"/>
+                    <a:lumMod val="65000"/>
+                    <a:lumOff val="35000"/>
                   </a:schemeClr>
                 </a:solidFill>
               </a:rPr>
@@ -11230,12 +11424,14 @@
         </p:nvSpPr>
         <p:spPr>
           <a:xfrm>
-            <a:off x="2646829" y="4360769"/>
-            <a:ext cx="6135222" cy="1659032"/>
+            <a:off x="1503829" y="3622263"/>
+            <a:ext cx="6135222" cy="1270411"/>
           </a:xfrm>
         </p:spPr>
         <p:txBody>
-          <a:bodyPr/>
+          <a:bodyPr>
+            <a:normAutofit/>
+          </a:bodyPr>
           <a:lstStyle/>
           <a:p>
             <a:r>
@@ -11261,6 +11457,250 @@
               <a:t>Mean-Squared Error (MSE)</a:t>
             </a:r>
           </a:p>
+          <a:p>
+            <a:endParaRPr lang="en-US" dirty="0">
+              <a:solidFill>
+                <a:schemeClr val="bg1">
+                  <a:lumMod val="65000"/>
+                </a:schemeClr>
+              </a:solidFill>
+            </a:endParaRPr>
+          </a:p>
+        </p:txBody>
+      </p:sp>
+      <p:sp>
+        <p:nvSpPr>
+          <p:cNvPr id="5" name="Slide Number Placeholder 4">
+            <a:extLst>
+              <a:ext uri="{FF2B5EF4-FFF2-40B4-BE49-F238E27FC236}">
+                <a16:creationId xmlns:a16="http://schemas.microsoft.com/office/drawing/2014/main" id="{7B8110C8-0BAC-4FBD-9D9B-F99F7053B316}"/>
+              </a:ext>
+            </a:extLst>
+          </p:cNvPr>
+          <p:cNvSpPr>
+            <a:spLocks noGrp="1"/>
+          </p:cNvSpPr>
+          <p:nvPr>
+            <p:ph type="sldNum" sz="quarter" idx="12"/>
+          </p:nvPr>
+        </p:nvSpPr>
+        <p:spPr/>
+        <p:txBody>
+          <a:bodyPr/>
+          <a:lstStyle/>
+          <a:p>
+            <a:fld id="{6CB50425-FF15-4809-B051-6F0DDC60174A}" type="slidenum">
+              <a:rPr lang="en-US" smtClean="0"/>
+              <a:t>13</a:t>
+            </a:fld>
+            <a:endParaRPr lang="en-US"/>
+          </a:p>
+        </p:txBody>
+      </p:sp>
+      <p:sp>
+        <p:nvSpPr>
+          <p:cNvPr id="6" name="Content Placeholder 2">
+            <a:extLst>
+              <a:ext uri="{FF2B5EF4-FFF2-40B4-BE49-F238E27FC236}">
+                <a16:creationId xmlns:a16="http://schemas.microsoft.com/office/drawing/2014/main" id="{48C82E90-AAAB-4F06-95DA-78B655587E4D}"/>
+              </a:ext>
+            </a:extLst>
+          </p:cNvPr>
+          <p:cNvSpPr txBox="1">
+            <a:spLocks/>
+          </p:cNvSpPr>
+          <p:nvPr/>
+        </p:nvSpPr>
+        <p:spPr>
+          <a:xfrm>
+            <a:off x="1000908" y="5425440"/>
+            <a:ext cx="3243432" cy="566028"/>
+          </a:xfrm>
+          <a:prstGeom prst="rect">
+            <a:avLst/>
+          </a:prstGeom>
+        </p:spPr>
+        <p:txBody>
+          <a:bodyPr vert="horz" lIns="91440" tIns="45720" rIns="91440" bIns="45720" rtlCol="0">
+            <a:normAutofit/>
+          </a:bodyPr>
+          <a:lstStyle>
+            <a:lvl1pPr marL="228600" indent="-228600" algn="l" defTabSz="914400" rtl="0" eaLnBrk="1" latinLnBrk="0" hangingPunct="1">
+              <a:lnSpc>
+                <a:spcPct val="90000"/>
+              </a:lnSpc>
+              <a:spcBef>
+                <a:spcPts val="1000"/>
+              </a:spcBef>
+              <a:buFont typeface="Arial" panose="020B0604020202020204" pitchFamily="34" charset="0"/>
+              <a:buChar char="•"/>
+              <a:defRPr sz="2800" kern="1200">
+                <a:solidFill>
+                  <a:schemeClr val="tx1"/>
+                </a:solidFill>
+                <a:latin typeface="+mn-lt"/>
+                <a:ea typeface="+mn-ea"/>
+                <a:cs typeface="+mn-cs"/>
+              </a:defRPr>
+            </a:lvl1pPr>
+            <a:lvl2pPr marL="685800" indent="-228600" algn="l" defTabSz="914400" rtl="0" eaLnBrk="1" latinLnBrk="0" hangingPunct="1">
+              <a:lnSpc>
+                <a:spcPct val="90000"/>
+              </a:lnSpc>
+              <a:spcBef>
+                <a:spcPts val="500"/>
+              </a:spcBef>
+              <a:buFont typeface="Arial" panose="020B0604020202020204" pitchFamily="34" charset="0"/>
+              <a:buChar char="•"/>
+              <a:defRPr sz="2400" kern="1200">
+                <a:solidFill>
+                  <a:schemeClr val="tx1"/>
+                </a:solidFill>
+                <a:latin typeface="+mn-lt"/>
+                <a:ea typeface="+mn-ea"/>
+                <a:cs typeface="+mn-cs"/>
+              </a:defRPr>
+            </a:lvl2pPr>
+            <a:lvl3pPr marL="1143000" indent="-228600" algn="l" defTabSz="914400" rtl="0" eaLnBrk="1" latinLnBrk="0" hangingPunct="1">
+              <a:lnSpc>
+                <a:spcPct val="90000"/>
+              </a:lnSpc>
+              <a:spcBef>
+                <a:spcPts val="500"/>
+              </a:spcBef>
+              <a:buFont typeface="Arial" panose="020B0604020202020204" pitchFamily="34" charset="0"/>
+              <a:buChar char="•"/>
+              <a:defRPr sz="2000" kern="1200">
+                <a:solidFill>
+                  <a:schemeClr val="tx1"/>
+                </a:solidFill>
+                <a:latin typeface="+mn-lt"/>
+                <a:ea typeface="+mn-ea"/>
+                <a:cs typeface="+mn-cs"/>
+              </a:defRPr>
+            </a:lvl3pPr>
+            <a:lvl4pPr marL="1600200" indent="-228600" algn="l" defTabSz="914400" rtl="0" eaLnBrk="1" latinLnBrk="0" hangingPunct="1">
+              <a:lnSpc>
+                <a:spcPct val="90000"/>
+              </a:lnSpc>
+              <a:spcBef>
+                <a:spcPts val="500"/>
+              </a:spcBef>
+              <a:buFont typeface="Arial" panose="020B0604020202020204" pitchFamily="34" charset="0"/>
+              <a:buChar char="•"/>
+              <a:defRPr sz="1800" kern="1200">
+                <a:solidFill>
+                  <a:schemeClr val="tx1"/>
+                </a:solidFill>
+                <a:latin typeface="+mn-lt"/>
+                <a:ea typeface="+mn-ea"/>
+                <a:cs typeface="+mn-cs"/>
+              </a:defRPr>
+            </a:lvl4pPr>
+            <a:lvl5pPr marL="2057400" indent="-228600" algn="l" defTabSz="914400" rtl="0" eaLnBrk="1" latinLnBrk="0" hangingPunct="1">
+              <a:lnSpc>
+                <a:spcPct val="90000"/>
+              </a:lnSpc>
+              <a:spcBef>
+                <a:spcPts val="500"/>
+              </a:spcBef>
+              <a:buFont typeface="Arial" panose="020B0604020202020204" pitchFamily="34" charset="0"/>
+              <a:buChar char="•"/>
+              <a:defRPr sz="1800" kern="1200">
+                <a:solidFill>
+                  <a:schemeClr val="tx1"/>
+                </a:solidFill>
+                <a:latin typeface="+mn-lt"/>
+                <a:ea typeface="+mn-ea"/>
+                <a:cs typeface="+mn-cs"/>
+              </a:defRPr>
+            </a:lvl5pPr>
+            <a:lvl6pPr marL="2514600" indent="-228600" algn="l" defTabSz="914400" rtl="0" eaLnBrk="1" latinLnBrk="0" hangingPunct="1">
+              <a:lnSpc>
+                <a:spcPct val="90000"/>
+              </a:lnSpc>
+              <a:spcBef>
+                <a:spcPts val="500"/>
+              </a:spcBef>
+              <a:buFont typeface="Arial" panose="020B0604020202020204" pitchFamily="34" charset="0"/>
+              <a:buChar char="•"/>
+              <a:defRPr sz="1800" kern="1200">
+                <a:solidFill>
+                  <a:schemeClr val="tx1"/>
+                </a:solidFill>
+                <a:latin typeface="+mn-lt"/>
+                <a:ea typeface="+mn-ea"/>
+                <a:cs typeface="+mn-cs"/>
+              </a:defRPr>
+            </a:lvl6pPr>
+            <a:lvl7pPr marL="2971800" indent="-228600" algn="l" defTabSz="914400" rtl="0" eaLnBrk="1" latinLnBrk="0" hangingPunct="1">
+              <a:lnSpc>
+                <a:spcPct val="90000"/>
+              </a:lnSpc>
+              <a:spcBef>
+                <a:spcPts val="500"/>
+              </a:spcBef>
+              <a:buFont typeface="Arial" panose="020B0604020202020204" pitchFamily="34" charset="0"/>
+              <a:buChar char="•"/>
+              <a:defRPr sz="1800" kern="1200">
+                <a:solidFill>
+                  <a:schemeClr val="tx1"/>
+                </a:solidFill>
+                <a:latin typeface="+mn-lt"/>
+                <a:ea typeface="+mn-ea"/>
+                <a:cs typeface="+mn-cs"/>
+              </a:defRPr>
+            </a:lvl7pPr>
+            <a:lvl8pPr marL="3429000" indent="-228600" algn="l" defTabSz="914400" rtl="0" eaLnBrk="1" latinLnBrk="0" hangingPunct="1">
+              <a:lnSpc>
+                <a:spcPct val="90000"/>
+              </a:lnSpc>
+              <a:spcBef>
+                <a:spcPts val="500"/>
+              </a:spcBef>
+              <a:buFont typeface="Arial" panose="020B0604020202020204" pitchFamily="34" charset="0"/>
+              <a:buChar char="•"/>
+              <a:defRPr sz="1800" kern="1200">
+                <a:solidFill>
+                  <a:schemeClr val="tx1"/>
+                </a:solidFill>
+                <a:latin typeface="+mn-lt"/>
+                <a:ea typeface="+mn-ea"/>
+                <a:cs typeface="+mn-cs"/>
+              </a:defRPr>
+            </a:lvl8pPr>
+            <a:lvl9pPr marL="3886200" indent="-228600" algn="l" defTabSz="914400" rtl="0" eaLnBrk="1" latinLnBrk="0" hangingPunct="1">
+              <a:lnSpc>
+                <a:spcPct val="90000"/>
+              </a:lnSpc>
+              <a:spcBef>
+                <a:spcPts val="500"/>
+              </a:spcBef>
+              <a:buFont typeface="Arial" panose="020B0604020202020204" pitchFamily="34" charset="0"/>
+              <a:buChar char="•"/>
+              <a:defRPr sz="1800" kern="1200">
+                <a:solidFill>
+                  <a:schemeClr val="tx1"/>
+                </a:solidFill>
+                <a:latin typeface="+mn-lt"/>
+                <a:ea typeface="+mn-ea"/>
+                <a:cs typeface="+mn-cs"/>
+              </a:defRPr>
+            </a:lvl9pPr>
+          </a:lstStyle>
+          <a:p>
+            <a:pPr marL="0" indent="0">
+              <a:buNone/>
+            </a:pPr>
+            <a:r>
+              <a:rPr lang="en-US" dirty="0">
+                <a:solidFill>
+                  <a:schemeClr val="bg1"/>
+                </a:solidFill>
+              </a:rPr>
+              <a:t>… see full paper.</a:t>
+            </a:r>
+          </a:p>
         </p:txBody>
       </p:sp>
     </p:spTree>
@@ -11277,7 +11717,7 @@
 </file>
 
 <file path=ppt/slides/slide14.xml><?xml version="1.0" encoding="utf-8"?>
-<p:sld xmlns:a="http://schemas.openxmlformats.org/drawingml/2006/main" xmlns:r="http://schemas.openxmlformats.org/officeDocument/2006/relationships" xmlns:p="http://schemas.openxmlformats.org/presentationml/2006/main">
+<p:sld xmlns:a="http://schemas.openxmlformats.org/drawingml/2006/main" xmlns:r="http://schemas.openxmlformats.org/officeDocument/2006/relationships" xmlns:p="http://schemas.openxmlformats.org/presentationml/2006/main" show="0">
   <p:cSld>
     <p:spTree>
       <p:nvGrpSpPr>
@@ -11781,6 +12221,35 @@
           </a:p>
         </p:txBody>
       </p:sp>
+      <p:sp>
+        <p:nvSpPr>
+          <p:cNvPr id="4" name="Slide Number Placeholder 3">
+            <a:extLst>
+              <a:ext uri="{FF2B5EF4-FFF2-40B4-BE49-F238E27FC236}">
+                <a16:creationId xmlns:a16="http://schemas.microsoft.com/office/drawing/2014/main" id="{3A3069A1-D92B-48E4-9DBC-22F7E013B38F}"/>
+              </a:ext>
+            </a:extLst>
+          </p:cNvPr>
+          <p:cNvSpPr>
+            <a:spLocks noGrp="1"/>
+          </p:cNvSpPr>
+          <p:nvPr>
+            <p:ph type="sldNum" sz="quarter" idx="12"/>
+          </p:nvPr>
+        </p:nvSpPr>
+        <p:spPr/>
+        <p:txBody>
+          <a:bodyPr/>
+          <a:lstStyle/>
+          <a:p>
+            <a:fld id="{6CB50425-FF15-4809-B051-6F0DDC60174A}" type="slidenum">
+              <a:rPr lang="en-US" smtClean="0"/>
+              <a:t>14</a:t>
+            </a:fld>
+            <a:endParaRPr lang="en-US"/>
+          </a:p>
+        </p:txBody>
+      </p:sp>
     </p:spTree>
     <p:extLst>
       <p:ext uri="{BB962C8B-B14F-4D97-AF65-F5344CB8AC3E}">
@@ -11897,7 +12366,7 @@
 </file>
 
 <file path=ppt/slides/slide15.xml><?xml version="1.0" encoding="utf-8"?>
-<p:sld xmlns:a="http://schemas.openxmlformats.org/drawingml/2006/main" xmlns:r="http://schemas.openxmlformats.org/officeDocument/2006/relationships" xmlns:p="http://schemas.openxmlformats.org/presentationml/2006/main">
+<p:sld xmlns:a="http://schemas.openxmlformats.org/drawingml/2006/main" xmlns:r="http://schemas.openxmlformats.org/officeDocument/2006/relationships" xmlns:p="http://schemas.openxmlformats.org/presentationml/2006/main" show="0">
   <p:cSld>
     <p:spTree>
       <p:nvGrpSpPr>
@@ -12286,6 +12755,35 @@
           </a:p>
         </p:txBody>
       </p:sp>
+      <p:sp>
+        <p:nvSpPr>
+          <p:cNvPr id="4" name="Slide Number Placeholder 3">
+            <a:extLst>
+              <a:ext uri="{FF2B5EF4-FFF2-40B4-BE49-F238E27FC236}">
+                <a16:creationId xmlns:a16="http://schemas.microsoft.com/office/drawing/2014/main" id="{28181980-FFE4-4A8A-A9F2-B477618D3E92}"/>
+              </a:ext>
+            </a:extLst>
+          </p:cNvPr>
+          <p:cNvSpPr>
+            <a:spLocks noGrp="1"/>
+          </p:cNvSpPr>
+          <p:nvPr>
+            <p:ph type="sldNum" sz="quarter" idx="12"/>
+          </p:nvPr>
+        </p:nvSpPr>
+        <p:spPr/>
+        <p:txBody>
+          <a:bodyPr/>
+          <a:lstStyle/>
+          <a:p>
+            <a:fld id="{6CB50425-FF15-4809-B051-6F0DDC60174A}" type="slidenum">
+              <a:rPr lang="en-US" smtClean="0"/>
+              <a:t>15</a:t>
+            </a:fld>
+            <a:endParaRPr lang="en-US"/>
+          </a:p>
+        </p:txBody>
+      </p:sp>
     </p:spTree>
     <p:extLst>
       <p:ext uri="{BB962C8B-B14F-4D97-AF65-F5344CB8AC3E}">
@@ -12300,7 +12798,7 @@
 </file>
 
 <file path=ppt/slides/slide16.xml><?xml version="1.0" encoding="utf-8"?>
-<p:sld xmlns:a="http://schemas.openxmlformats.org/drawingml/2006/main" xmlns:r="http://schemas.openxmlformats.org/officeDocument/2006/relationships" xmlns:p="http://schemas.openxmlformats.org/presentationml/2006/main">
+<p:sld xmlns:a="http://schemas.openxmlformats.org/drawingml/2006/main" xmlns:r="http://schemas.openxmlformats.org/officeDocument/2006/relationships" xmlns:p="http://schemas.openxmlformats.org/presentationml/2006/main" show="0">
   <p:cSld>
     <p:bg>
       <p:bgPr>
@@ -12360,7 +12858,7 @@
                   </a:schemeClr>
                 </a:solidFill>
               </a:rPr>
-              <a:t>Regularizers</a:t>
+              <a:t>REGULARIZERS</a:t>
             </a:r>
             <a:br>
               <a:rPr lang="en-US" b="1" dirty="0">
@@ -12385,8 +12883,8 @@
               <a:rPr lang="en-US" b="1" dirty="0">
                 <a:solidFill>
                   <a:schemeClr val="tx1">
-                    <a:lumMod val="75000"/>
-                    <a:lumOff val="25000"/>
+                    <a:lumMod val="65000"/>
+                    <a:lumOff val="35000"/>
                   </a:schemeClr>
                 </a:solidFill>
               </a:rPr>
@@ -12419,6 +12917,35 @@
                 </a:schemeClr>
               </a:solidFill>
             </a:endParaRPr>
+          </a:p>
+        </p:txBody>
+      </p:sp>
+      <p:sp>
+        <p:nvSpPr>
+          <p:cNvPr id="4" name="Slide Number Placeholder 3">
+            <a:extLst>
+              <a:ext uri="{FF2B5EF4-FFF2-40B4-BE49-F238E27FC236}">
+                <a16:creationId xmlns:a16="http://schemas.microsoft.com/office/drawing/2014/main" id="{6390C11C-AD79-490B-BD32-B85DA9D7F1DC}"/>
+              </a:ext>
+            </a:extLst>
+          </p:cNvPr>
+          <p:cNvSpPr>
+            <a:spLocks noGrp="1"/>
+          </p:cNvSpPr>
+          <p:nvPr>
+            <p:ph type="sldNum" sz="quarter" idx="12"/>
+          </p:nvPr>
+        </p:nvSpPr>
+        <p:spPr/>
+        <p:txBody>
+          <a:bodyPr/>
+          <a:lstStyle/>
+          <a:p>
+            <a:fld id="{6CB50425-FF15-4809-B051-6F0DDC60174A}" type="slidenum">
+              <a:rPr lang="en-US" smtClean="0"/>
+              <a:t>16</a:t>
+            </a:fld>
+            <a:endParaRPr lang="en-US"/>
           </a:p>
         </p:txBody>
       </p:sp>
@@ -13956,6 +14483,35 @@
           </a:extLst>
         </p:spPr>
       </p:pic>
+      <p:sp>
+        <p:nvSpPr>
+          <p:cNvPr id="5" name="Slide Number Placeholder 4">
+            <a:extLst>
+              <a:ext uri="{FF2B5EF4-FFF2-40B4-BE49-F238E27FC236}">
+                <a16:creationId xmlns:a16="http://schemas.microsoft.com/office/drawing/2014/main" id="{79BD4D3B-237A-4A75-AB26-D46FAF9BDB76}"/>
+              </a:ext>
+            </a:extLst>
+          </p:cNvPr>
+          <p:cNvSpPr>
+            <a:spLocks noGrp="1"/>
+          </p:cNvSpPr>
+          <p:nvPr>
+            <p:ph type="sldNum" sz="quarter" idx="12"/>
+          </p:nvPr>
+        </p:nvSpPr>
+        <p:spPr/>
+        <p:txBody>
+          <a:bodyPr/>
+          <a:lstStyle/>
+          <a:p>
+            <a:fld id="{6CB50425-FF15-4809-B051-6F0DDC60174A}" type="slidenum">
+              <a:rPr lang="en-US" smtClean="0"/>
+              <a:t>17</a:t>
+            </a:fld>
+            <a:endParaRPr lang="en-US"/>
+          </a:p>
+        </p:txBody>
+      </p:sp>
     </p:spTree>
     <p:extLst>
       <p:ext uri="{BB962C8B-B14F-4D97-AF65-F5344CB8AC3E}">
@@ -14414,7 +14970,7 @@
                   </a:schemeClr>
                 </a:solidFill>
               </a:rPr>
-              <a:t>Statistical Divergences</a:t>
+              <a:t>STATISTICAL  DIVERGENCES</a:t>
             </a:r>
             <a:br>
               <a:rPr lang="en-US" b="1" dirty="0">
@@ -14428,24 +14984,43 @@
             <a:r>
               <a:rPr lang="en-US" b="1" dirty="0">
                 <a:solidFill>
-                  <a:schemeClr val="bg1">
-                    <a:lumMod val="95000"/>
+                  <a:schemeClr val="tx1">
+                    <a:lumMod val="65000"/>
+                    <a:lumOff val="35000"/>
                   </a:schemeClr>
                 </a:solidFill>
               </a:rPr>
-              <a:t>	</a:t>
+              <a:t>	as Inconsistencies</a:t>
             </a:r>
-            <a:r>
-              <a:rPr lang="en-US" b="1" dirty="0">
-                <a:solidFill>
-                  <a:schemeClr val="tx1">
-                    <a:lumMod val="75000"/>
-                    <a:lumOff val="25000"/>
-                  </a:schemeClr>
-                </a:solidFill>
-              </a:rPr>
-              <a:t>as Inconsistencies</a:t>
-            </a:r>
+          </a:p>
+        </p:txBody>
+      </p:sp>
+      <p:sp>
+        <p:nvSpPr>
+          <p:cNvPr id="4" name="Slide Number Placeholder 3">
+            <a:extLst>
+              <a:ext uri="{FF2B5EF4-FFF2-40B4-BE49-F238E27FC236}">
+                <a16:creationId xmlns:a16="http://schemas.microsoft.com/office/drawing/2014/main" id="{0878D08E-C818-488D-9000-1E72A423DB66}"/>
+              </a:ext>
+            </a:extLst>
+          </p:cNvPr>
+          <p:cNvSpPr>
+            <a:spLocks noGrp="1"/>
+          </p:cNvSpPr>
+          <p:nvPr>
+            <p:ph type="sldNum" sz="quarter" idx="12"/>
+          </p:nvPr>
+        </p:nvSpPr>
+        <p:spPr/>
+        <p:txBody>
+          <a:bodyPr/>
+          <a:lstStyle/>
+          <a:p>
+            <a:fld id="{6CB50425-FF15-4809-B051-6F0DDC60174A}" type="slidenum">
+              <a:rPr lang="en-US" smtClean="0"/>
+              <a:t>18</a:t>
+            </a:fld>
+            <a:endParaRPr lang="en-US"/>
           </a:p>
         </p:txBody>
       </p:sp>
@@ -15092,6 +15667,35 @@
           </a:prstGeom>
         </p:spPr>
       </p:pic>
+      <p:sp>
+        <p:nvSpPr>
+          <p:cNvPr id="8" name="Slide Number Placeholder 7">
+            <a:extLst>
+              <a:ext uri="{FF2B5EF4-FFF2-40B4-BE49-F238E27FC236}">
+                <a16:creationId xmlns:a16="http://schemas.microsoft.com/office/drawing/2014/main" id="{8D6AB0A2-2BDD-4B97-BBE6-02157E1EA597}"/>
+              </a:ext>
+            </a:extLst>
+          </p:cNvPr>
+          <p:cNvSpPr>
+            <a:spLocks noGrp="1"/>
+          </p:cNvSpPr>
+          <p:nvPr>
+            <p:ph type="sldNum" sz="quarter" idx="12"/>
+          </p:nvPr>
+        </p:nvSpPr>
+        <p:spPr/>
+        <p:txBody>
+          <a:bodyPr/>
+          <a:lstStyle/>
+          <a:p>
+            <a:fld id="{6CB50425-FF15-4809-B051-6F0DDC60174A}" type="slidenum">
+              <a:rPr lang="en-US" smtClean="0"/>
+              <a:t>19</a:t>
+            </a:fld>
+            <a:endParaRPr lang="en-US"/>
+          </a:p>
+        </p:txBody>
+      </p:sp>
     </p:spTree>
     <p:extLst>
       <p:ext uri="{BB962C8B-B14F-4D97-AF65-F5344CB8AC3E}">
@@ -15550,6 +16154,35 @@
               <a:t>models, unlike losses, make testable claims.</a:t>
             </a:r>
             <a:endParaRPr lang="en-US" b="1" dirty="0"/>
+          </a:p>
+        </p:txBody>
+      </p:sp>
+      <p:sp>
+        <p:nvSpPr>
+          <p:cNvPr id="5" name="Slide Number Placeholder 4">
+            <a:extLst>
+              <a:ext uri="{FF2B5EF4-FFF2-40B4-BE49-F238E27FC236}">
+                <a16:creationId xmlns:a16="http://schemas.microsoft.com/office/drawing/2014/main" id="{17771F94-58AA-480E-8D75-7400CFB26EC0}"/>
+              </a:ext>
+            </a:extLst>
+          </p:cNvPr>
+          <p:cNvSpPr>
+            <a:spLocks noGrp="1"/>
+          </p:cNvSpPr>
+          <p:nvPr>
+            <p:ph type="sldNum" sz="quarter" idx="12"/>
+          </p:nvPr>
+        </p:nvSpPr>
+        <p:spPr/>
+        <p:txBody>
+          <a:bodyPr/>
+          <a:lstStyle/>
+          <a:p>
+            <a:fld id="{6CB50425-FF15-4809-B051-6F0DDC60174A}" type="slidenum">
+              <a:rPr lang="en-US" smtClean="0"/>
+              <a:t>2</a:t>
+            </a:fld>
+            <a:endParaRPr lang="en-US" dirty="0"/>
           </a:p>
         </p:txBody>
       </p:sp>
@@ -16145,6 +16778,35 @@
           </a:prstGeom>
         </p:spPr>
       </p:pic>
+      <p:sp>
+        <p:nvSpPr>
+          <p:cNvPr id="4" name="Slide Number Placeholder 3">
+            <a:extLst>
+              <a:ext uri="{FF2B5EF4-FFF2-40B4-BE49-F238E27FC236}">
+                <a16:creationId xmlns:a16="http://schemas.microsoft.com/office/drawing/2014/main" id="{8BF9D0B7-1CAC-4ADF-A837-D8DDAACB3551}"/>
+              </a:ext>
+            </a:extLst>
+          </p:cNvPr>
+          <p:cNvSpPr>
+            <a:spLocks noGrp="1"/>
+          </p:cNvSpPr>
+          <p:nvPr>
+            <p:ph type="sldNum" sz="quarter" idx="12"/>
+          </p:nvPr>
+        </p:nvSpPr>
+        <p:spPr/>
+        <p:txBody>
+          <a:bodyPr/>
+          <a:lstStyle/>
+          <a:p>
+            <a:fld id="{6CB50425-FF15-4809-B051-6F0DDC60174A}" type="slidenum">
+              <a:rPr lang="en-US" smtClean="0"/>
+              <a:t>20</a:t>
+            </a:fld>
+            <a:endParaRPr lang="en-US"/>
+          </a:p>
+        </p:txBody>
+      </p:sp>
     </p:spTree>
     <p:extLst>
       <p:ext uri="{BB962C8B-B14F-4D97-AF65-F5344CB8AC3E}">
@@ -16314,14 +16976,19 @@
             <p:ph type="title"/>
           </p:nvPr>
         </p:nvSpPr>
-        <p:spPr/>
+        <p:spPr>
+          <a:xfrm>
+            <a:off x="510651" y="331834"/>
+            <a:ext cx="10515600" cy="1325563"/>
+          </a:xfrm>
+        </p:spPr>
         <p:txBody>
           <a:bodyPr/>
           <a:lstStyle/>
           <a:p>
             <a:r>
-              <a:rPr lang="en-US" b="1" dirty="0"/>
-              <a:t>By Monotonicity…</a:t>
+              <a:rPr lang="en-US" dirty="0"/>
+              <a:t>By Monotonicity      …</a:t>
             </a:r>
             <a:br>
               <a:rPr lang="en-US" b="1" dirty="0"/>
@@ -18386,8 +19053,8 @@
           </a:p>
         </p:txBody>
       </p:sp>
-      <mc:AlternateContent xmlns:mc="http://schemas.openxmlformats.org/markup-compatibility/2006">
-        <mc:Choice xmlns:a14="http://schemas.microsoft.com/office/drawing/2010/main" Requires="a14">
+      <mc:AlternateContent xmlns:mc="http://schemas.openxmlformats.org/markup-compatibility/2006" xmlns:a14="http://schemas.microsoft.com/office/drawing/2010/main">
+        <mc:Choice Requires="a14">
           <p:sp>
             <p:nvSpPr>
               <p:cNvPr id="51" name="Content Placeholder 3">
@@ -18626,7 +19293,7 @@
             </p:txBody>
           </p:sp>
         </mc:Choice>
-        <mc:Fallback>
+        <mc:Fallback xmlns="">
           <p:sp>
             <p:nvSpPr>
               <p:cNvPr id="51" name="Content Placeholder 3">
@@ -18671,6 +19338,171 @@
           </p:sp>
         </mc:Fallback>
       </mc:AlternateContent>
+      <p:sp>
+        <p:nvSpPr>
+          <p:cNvPr id="3" name="Slide Number Placeholder 2">
+            <a:extLst>
+              <a:ext uri="{FF2B5EF4-FFF2-40B4-BE49-F238E27FC236}">
+                <a16:creationId xmlns:a16="http://schemas.microsoft.com/office/drawing/2014/main" id="{B4C723CD-8426-46A7-9830-BAA3A2005D51}"/>
+              </a:ext>
+            </a:extLst>
+          </p:cNvPr>
+          <p:cNvSpPr>
+            <a:spLocks noGrp="1"/>
+          </p:cNvSpPr>
+          <p:nvPr>
+            <p:ph type="sldNum" sz="quarter" idx="12"/>
+          </p:nvPr>
+        </p:nvSpPr>
+        <p:spPr/>
+        <p:txBody>
+          <a:bodyPr/>
+          <a:lstStyle/>
+          <a:p>
+            <a:fld id="{6CB50425-FF15-4809-B051-6F0DDC60174A}" type="slidenum">
+              <a:rPr lang="en-US" smtClean="0"/>
+              <a:t>21</a:t>
+            </a:fld>
+            <a:endParaRPr lang="en-US"/>
+          </a:p>
+        </p:txBody>
+      </p:sp>
+      <p:grpSp>
+        <p:nvGrpSpPr>
+          <p:cNvPr id="46" name="Group 45">
+            <a:extLst>
+              <a:ext uri="{FF2B5EF4-FFF2-40B4-BE49-F238E27FC236}">
+                <a16:creationId xmlns:a16="http://schemas.microsoft.com/office/drawing/2014/main" id="{996A3FFD-D230-4E89-97A5-A90E0D28E6B2}"/>
+              </a:ext>
+            </a:extLst>
+          </p:cNvPr>
+          <p:cNvGrpSpPr/>
+          <p:nvPr/>
+        </p:nvGrpSpPr>
+        <p:grpSpPr>
+          <a:xfrm>
+            <a:off x="4370706" y="511253"/>
+            <a:ext cx="495576" cy="450332"/>
+            <a:chOff x="5061019" y="4630208"/>
+            <a:chExt cx="346800" cy="304122"/>
+          </a:xfrm>
+        </p:grpSpPr>
+        <p:sp>
+          <p:nvSpPr>
+            <p:cNvPr id="47" name="Star: 7 Points 46">
+              <a:extLst>
+                <a:ext uri="{FF2B5EF4-FFF2-40B4-BE49-F238E27FC236}">
+                  <a16:creationId xmlns:a16="http://schemas.microsoft.com/office/drawing/2014/main" id="{F5E93387-4950-412F-87CD-D83F250142EB}"/>
+                </a:ext>
+              </a:extLst>
+            </p:cNvPr>
+            <p:cNvSpPr/>
+            <p:nvPr/>
+          </p:nvSpPr>
+          <p:spPr>
+            <a:xfrm rot="578581">
+              <a:off x="5107215" y="4660511"/>
+              <a:ext cx="260124" cy="243516"/>
+            </a:xfrm>
+            <a:prstGeom prst="star7">
+              <a:avLst>
+                <a:gd name="adj" fmla="val 20453"/>
+                <a:gd name="hf" fmla="val 102572"/>
+                <a:gd name="vf" fmla="val 105210"/>
+              </a:avLst>
+            </a:prstGeom>
+            <a:solidFill>
+              <a:schemeClr val="accent2">
+                <a:lumMod val="75000"/>
+              </a:schemeClr>
+            </a:solidFill>
+            <a:ln>
+              <a:solidFill>
+                <a:schemeClr val="accent2">
+                  <a:lumMod val="50000"/>
+                </a:schemeClr>
+              </a:solidFill>
+            </a:ln>
+          </p:spPr>
+          <p:style>
+            <a:lnRef idx="2">
+              <a:schemeClr val="accent1">
+                <a:shade val="50000"/>
+              </a:schemeClr>
+            </a:lnRef>
+            <a:fillRef idx="1">
+              <a:schemeClr val="accent1"/>
+            </a:fillRef>
+            <a:effectRef idx="0">
+              <a:schemeClr val="accent1"/>
+            </a:effectRef>
+            <a:fontRef idx="minor">
+              <a:schemeClr val="lt1"/>
+            </a:fontRef>
+          </p:style>
+          <p:txBody>
+            <a:bodyPr rtlCol="0" anchor="ctr"/>
+            <a:lstStyle/>
+            <a:p>
+              <a:pPr algn="ctr"/>
+              <a:endParaRPr lang="en-US" dirty="0"/>
+            </a:p>
+          </p:txBody>
+        </p:sp>
+        <p:sp>
+          <p:nvSpPr>
+            <p:cNvPr id="49" name="Double Bracket 48">
+              <a:extLst>
+                <a:ext uri="{FF2B5EF4-FFF2-40B4-BE49-F238E27FC236}">
+                  <a16:creationId xmlns:a16="http://schemas.microsoft.com/office/drawing/2014/main" id="{B4AC79C1-ABEE-4A5E-B0E3-F55B49FE2DF8}"/>
+                </a:ext>
+              </a:extLst>
+            </p:cNvPr>
+            <p:cNvSpPr/>
+            <p:nvPr/>
+          </p:nvSpPr>
+          <p:spPr>
+            <a:xfrm>
+              <a:off x="5061019" y="4630208"/>
+              <a:ext cx="346800" cy="304122"/>
+            </a:xfrm>
+            <a:prstGeom prst="bracketPair">
+              <a:avLst>
+                <a:gd name="adj" fmla="val 15884"/>
+              </a:avLst>
+            </a:prstGeom>
+            <a:ln w="19050">
+              <a:solidFill>
+                <a:schemeClr val="accent2">
+                  <a:lumMod val="50000"/>
+                </a:schemeClr>
+              </a:solidFill>
+            </a:ln>
+          </p:spPr>
+          <p:style>
+            <a:lnRef idx="1">
+              <a:schemeClr val="accent1"/>
+            </a:lnRef>
+            <a:fillRef idx="0">
+              <a:schemeClr val="accent1"/>
+            </a:fillRef>
+            <a:effectRef idx="0">
+              <a:schemeClr val="accent1"/>
+            </a:effectRef>
+            <a:fontRef idx="minor">
+              <a:schemeClr val="tx1"/>
+            </a:fontRef>
+          </p:style>
+          <p:txBody>
+            <a:bodyPr rtlCol="0" anchor="ctr"/>
+            <a:lstStyle/>
+            <a:p>
+              <a:pPr algn="ctr"/>
+              <a:endParaRPr lang="en-US"/>
+            </a:p>
+          </p:txBody>
+        </p:sp>
+      </p:grpSp>
     </p:spTree>
     <p:extLst>
       <p:ext uri="{BB962C8B-B14F-4D97-AF65-F5344CB8AC3E}">
@@ -18681,13 +19513,13 @@
   <p:clrMapOvr>
     <a:masterClrMapping/>
   </p:clrMapOvr>
-  <mc:AlternateContent xmlns:mc="http://schemas.openxmlformats.org/markup-compatibility/2006">
-    <mc:Choice xmlns:p159="http://schemas.microsoft.com/office/powerpoint/2015/09/main" Requires="p159">
+  <mc:AlternateContent xmlns:mc="http://schemas.openxmlformats.org/markup-compatibility/2006" xmlns:p159="http://schemas.microsoft.com/office/powerpoint/2015/09/main">
+    <mc:Choice Requires="p159">
       <p:transition>
         <p159:morph option="byObject"/>
       </p:transition>
     </mc:Choice>
-    <mc:Fallback>
+    <mc:Fallback xmlns="">
       <p:transition>
         <p:fade/>
       </p:transition>
@@ -19120,7 +19952,7 @@
 </file>
 
 <file path=ppt/slides/slide22.xml><?xml version="1.0" encoding="utf-8"?>
-<p:sld xmlns:a="http://schemas.openxmlformats.org/drawingml/2006/main" xmlns:r="http://schemas.openxmlformats.org/officeDocument/2006/relationships" xmlns:p="http://schemas.openxmlformats.org/presentationml/2006/main">
+<p:sld xmlns:a="http://schemas.openxmlformats.org/drawingml/2006/main" xmlns:r="http://schemas.openxmlformats.org/officeDocument/2006/relationships" xmlns:p="http://schemas.openxmlformats.org/presentationml/2006/main" show="0">
   <p:cSld>
     <p:spTree>
       <p:nvGrpSpPr>
@@ -20327,6 +21159,35 @@
           </a:p>
         </p:txBody>
       </p:sp>
+      <p:sp>
+        <p:nvSpPr>
+          <p:cNvPr id="4" name="Slide Number Placeholder 3">
+            <a:extLst>
+              <a:ext uri="{FF2B5EF4-FFF2-40B4-BE49-F238E27FC236}">
+                <a16:creationId xmlns:a16="http://schemas.microsoft.com/office/drawing/2014/main" id="{36AEC278-2F29-4BB9-9740-6364D70B17D8}"/>
+              </a:ext>
+            </a:extLst>
+          </p:cNvPr>
+          <p:cNvSpPr>
+            <a:spLocks noGrp="1"/>
+          </p:cNvSpPr>
+          <p:nvPr>
+            <p:ph type="sldNum" sz="quarter" idx="12"/>
+          </p:nvPr>
+        </p:nvSpPr>
+        <p:spPr/>
+        <p:txBody>
+          <a:bodyPr/>
+          <a:lstStyle/>
+          <a:p>
+            <a:fld id="{6CB50425-FF15-4809-B051-6F0DDC60174A}" type="slidenum">
+              <a:rPr lang="en-US" smtClean="0"/>
+              <a:t>22</a:t>
+            </a:fld>
+            <a:endParaRPr lang="en-US"/>
+          </a:p>
+        </p:txBody>
+      </p:sp>
     </p:spTree>
     <p:extLst>
       <p:ext uri="{BB962C8B-B14F-4D97-AF65-F5344CB8AC3E}">
@@ -20748,7 +21609,7 @@
                   </a:schemeClr>
                 </a:solidFill>
               </a:rPr>
-              <a:t>Variational Objectives</a:t>
+              <a:t>VARIATIONAL OBJECTIVES</a:t>
             </a:r>
             <a:br>
               <a:rPr lang="en-US" b="1" dirty="0">
@@ -20773,13 +21634,42 @@
               <a:rPr lang="en-US" b="1" dirty="0">
                 <a:solidFill>
                   <a:schemeClr val="tx1">
-                    <a:lumMod val="75000"/>
-                    <a:lumOff val="25000"/>
+                    <a:lumMod val="65000"/>
+                    <a:lumOff val="35000"/>
                   </a:schemeClr>
                 </a:solidFill>
               </a:rPr>
               <a:t>as Inconsistencies</a:t>
             </a:r>
+          </a:p>
+        </p:txBody>
+      </p:sp>
+      <p:sp>
+        <p:nvSpPr>
+          <p:cNvPr id="4" name="Slide Number Placeholder 3">
+            <a:extLst>
+              <a:ext uri="{FF2B5EF4-FFF2-40B4-BE49-F238E27FC236}">
+                <a16:creationId xmlns:a16="http://schemas.microsoft.com/office/drawing/2014/main" id="{CF390488-CA9C-4745-A321-4FEBFBDEA539}"/>
+              </a:ext>
+            </a:extLst>
+          </p:cNvPr>
+          <p:cNvSpPr>
+            <a:spLocks noGrp="1"/>
+          </p:cNvSpPr>
+          <p:nvPr>
+            <p:ph type="sldNum" sz="quarter" idx="12"/>
+          </p:nvPr>
+        </p:nvSpPr>
+        <p:spPr/>
+        <p:txBody>
+          <a:bodyPr/>
+          <a:lstStyle/>
+          <a:p>
+            <a:fld id="{6CB50425-FF15-4809-B051-6F0DDC60174A}" type="slidenum">
+              <a:rPr lang="en-US" smtClean="0"/>
+              <a:t>23</a:t>
+            </a:fld>
+            <a:endParaRPr lang="en-US"/>
           </a:p>
         </p:txBody>
       </p:sp>
@@ -20884,8 +21774,8 @@
           </a:p>
         </p:txBody>
       </p:sp>
-      <mc:AlternateContent xmlns:mc="http://schemas.openxmlformats.org/markup-compatibility/2006">
-        <mc:Choice xmlns:a14="http://schemas.microsoft.com/office/drawing/2010/main" Requires="a14">
+      <mc:AlternateContent xmlns:mc="http://schemas.openxmlformats.org/markup-compatibility/2006" xmlns:a14="http://schemas.microsoft.com/office/drawing/2010/main">
+        <mc:Choice Requires="a14">
           <p:sp>
             <p:nvSpPr>
               <p:cNvPr id="4" name="Content Placeholder 3">
@@ -20985,7 +21875,7 @@
             </p:txBody>
           </p:sp>
         </mc:Choice>
-        <mc:Fallback>
+        <mc:Fallback xmlns="">
           <p:sp>
             <p:nvSpPr>
               <p:cNvPr id="4" name="Content Placeholder 3">
@@ -21941,53 +22831,6 @@
       </p:sp>
       <p:pic>
         <p:nvPicPr>
-          <p:cNvPr id="2060" name="Picture 12">
-            <a:extLst>
-              <a:ext uri="{FF2B5EF4-FFF2-40B4-BE49-F238E27FC236}">
-                <a16:creationId xmlns:a16="http://schemas.microsoft.com/office/drawing/2014/main" id="{D5AD2669-1D91-4C8C-AD4C-A2A6CD4D48E6}"/>
-              </a:ext>
-            </a:extLst>
-          </p:cNvPr>
-          <p:cNvPicPr>
-            <a:picLocks noChangeAspect="1" noChangeArrowheads="1"/>
-          </p:cNvPicPr>
-          <p:nvPr/>
-        </p:nvPicPr>
-        <p:blipFill>
-          <a:blip r:embed="rId10">
-            <a:extLst>
-              <a:ext uri="{28A0092B-C50C-407E-A947-70E740481C1C}">
-                <a14:useLocalDpi xmlns:a14="http://schemas.microsoft.com/office/drawing/2010/main" val="0"/>
-              </a:ext>
-            </a:extLst>
-          </a:blip>
-          <a:srcRect/>
-          <a:stretch>
-            <a:fillRect/>
-          </a:stretch>
-        </p:blipFill>
-        <p:spPr bwMode="auto">
-          <a:xfrm>
-            <a:off x="8260291" y="2784160"/>
-            <a:ext cx="3308643" cy="742229"/>
-          </a:xfrm>
-          <a:prstGeom prst="rect">
-            <a:avLst/>
-          </a:prstGeom>
-          <a:noFill/>
-          <a:extLst>
-            <a:ext uri="{909E8E84-426E-40DD-AFC4-6F175D3DCCD1}">
-              <a14:hiddenFill xmlns:a14="http://schemas.microsoft.com/office/drawing/2010/main">
-                <a:solidFill>
-                  <a:srgbClr val="FFFFFF"/>
-                </a:solidFill>
-              </a14:hiddenFill>
-            </a:ext>
-          </a:extLst>
-        </p:spPr>
-      </p:pic>
-      <p:pic>
-        <p:nvPicPr>
           <p:cNvPr id="12" name="Picture 11" descr="Diagram, shape&#10;&#10;Description automatically generated">
             <a:extLst>
               <a:ext uri="{FF2B5EF4-FFF2-40B4-BE49-F238E27FC236}">
@@ -22001,7 +22844,7 @@
           <p:nvPr/>
         </p:nvPicPr>
         <p:blipFill>
-          <a:blip r:embed="rId11">
+          <a:blip r:embed="rId10">
             <a:duotone>
               <a:prstClr val="black"/>
               <a:schemeClr val="accent4">
@@ -22683,7 +23526,7 @@
           <p:nvPr/>
         </p:nvPicPr>
         <p:blipFill>
-          <a:blip r:embed="rId12">
+          <a:blip r:embed="rId11">
             <a:duotone>
               <a:prstClr val="black"/>
               <a:schemeClr val="accent5">
@@ -23305,7 +24148,7 @@
           <p:nvPr/>
         </p:nvPicPr>
         <p:blipFill>
-          <a:blip r:embed="rId13">
+          <a:blip r:embed="rId12">
             <a:extLst>
               <a:ext uri="{28A0092B-C50C-407E-A947-70E740481C1C}">
                 <a14:useLocalDpi xmlns:a14="http://schemas.microsoft.com/office/drawing/2010/main" val="0"/>
@@ -23885,6 +24728,35 @@
           </a:p>
         </p:txBody>
       </p:sp>
+      <p:sp>
+        <p:nvSpPr>
+          <p:cNvPr id="6" name="Slide Number Placeholder 5">
+            <a:extLst>
+              <a:ext uri="{FF2B5EF4-FFF2-40B4-BE49-F238E27FC236}">
+                <a16:creationId xmlns:a16="http://schemas.microsoft.com/office/drawing/2014/main" id="{4842D034-57F0-4489-89F6-20050116CBD7}"/>
+              </a:ext>
+            </a:extLst>
+          </p:cNvPr>
+          <p:cNvSpPr>
+            <a:spLocks noGrp="1"/>
+          </p:cNvSpPr>
+          <p:nvPr>
+            <p:ph type="sldNum" sz="quarter" idx="12"/>
+          </p:nvPr>
+        </p:nvSpPr>
+        <p:spPr/>
+        <p:txBody>
+          <a:bodyPr/>
+          <a:lstStyle/>
+          <a:p>
+            <a:fld id="{6CB50425-FF15-4809-B051-6F0DDC60174A}" type="slidenum">
+              <a:rPr lang="en-US" smtClean="0"/>
+              <a:t>24</a:t>
+            </a:fld>
+            <a:endParaRPr lang="en-US"/>
+          </a:p>
+        </p:txBody>
+      </p:sp>
     </p:spTree>
     <p:extLst>
       <p:ext uri="{BB962C8B-B14F-4D97-AF65-F5344CB8AC3E}">
@@ -24031,33 +24903,6 @@
                                   </p:childTnLst>
                                 </p:cTn>
                               </p:par>
-                              <p:par>
-                                <p:cTn id="13" presetID="1" presetClass="entr" presetSubtype="0" fill="hold" nodeType="withEffect">
-                                  <p:stCondLst>
-                                    <p:cond delay="0"/>
-                                  </p:stCondLst>
-                                  <p:childTnLst>
-                                    <p:set>
-                                      <p:cBhvr>
-                                        <p:cTn id="14" dur="1" fill="hold">
-                                          <p:stCondLst>
-                                            <p:cond delay="0"/>
-                                          </p:stCondLst>
-                                        </p:cTn>
-                                        <p:tgtEl>
-                                          <p:spTgt spid="2060"/>
-                                        </p:tgtEl>
-                                        <p:attrNameLst>
-                                          <p:attrName>style.visibility</p:attrName>
-                                        </p:attrNameLst>
-                                      </p:cBhvr>
-                                      <p:to>
-                                        <p:strVal val="visible"/>
-                                      </p:to>
-                                    </p:set>
-                                  </p:childTnLst>
-                                </p:cTn>
-                              </p:par>
                             </p:childTnLst>
                           </p:cTn>
                         </p:par>
@@ -24065,26 +24910,26 @@
                     </p:cTn>
                   </p:par>
                   <p:par>
-                    <p:cTn id="15" fill="hold">
+                    <p:cTn id="13" fill="hold">
                       <p:stCondLst>
                         <p:cond delay="indefinite"/>
                       </p:stCondLst>
                       <p:childTnLst>
                         <p:par>
-                          <p:cTn id="16" fill="hold">
+                          <p:cTn id="14" fill="hold">
                             <p:stCondLst>
                               <p:cond delay="0"/>
                             </p:stCondLst>
                             <p:childTnLst>
                               <p:par>
-                                <p:cTn id="17" presetID="1" presetClass="entr" presetSubtype="0" fill="hold" nodeType="clickEffect">
+                                <p:cTn id="15" presetID="1" presetClass="entr" presetSubtype="0" fill="hold" nodeType="clickEffect">
                                   <p:stCondLst>
                                     <p:cond delay="0"/>
                                   </p:stCondLst>
                                   <p:childTnLst>
                                     <p:set>
                                       <p:cBhvr>
-                                        <p:cTn id="18" dur="1" fill="hold">
+                                        <p:cTn id="16" dur="1" fill="hold">
                                           <p:stCondLst>
                                             <p:cond delay="0"/>
                                           </p:stCondLst>
@@ -24108,7 +24953,34 @@
                                 </p:cTn>
                               </p:par>
                               <p:par>
-                                <p:cTn id="19" presetID="1" presetClass="entr" presetSubtype="0" fill="hold" nodeType="withEffect">
+                                <p:cTn id="17" presetID="1" presetClass="entr" presetSubtype="0" fill="hold" nodeType="withEffect">
+                                  <p:stCondLst>
+                                    <p:cond delay="0"/>
+                                  </p:stCondLst>
+                                  <p:childTnLst>
+                                    <p:set>
+                                      <p:cBhvr>
+                                        <p:cTn id="18" dur="1" fill="hold">
+                                          <p:stCondLst>
+                                            <p:cond delay="0"/>
+                                          </p:stCondLst>
+                                        </p:cTn>
+                                        <p:tgtEl>
+                                          <p:spTgt spid="2052"/>
+                                        </p:tgtEl>
+                                        <p:attrNameLst>
+                                          <p:attrName>style.visibility</p:attrName>
+                                        </p:attrNameLst>
+                                      </p:cBhvr>
+                                      <p:to>
+                                        <p:strVal val="visible"/>
+                                      </p:to>
+                                    </p:set>
+                                  </p:childTnLst>
+                                </p:cTn>
+                              </p:par>
+                              <p:par>
+                                <p:cTn id="19" presetID="1" presetClass="entr" presetSubtype="0" fill="hold" grpId="0" nodeType="withEffect">
                                   <p:stCondLst>
                                     <p:cond delay="0"/>
                                   </p:stCondLst>
@@ -24121,7 +24993,7 @@
                                           </p:stCondLst>
                                         </p:cTn>
                                         <p:tgtEl>
-                                          <p:spTgt spid="2052"/>
+                                          <p:spTgt spid="16"/>
                                         </p:tgtEl>
                                         <p:attrNameLst>
                                           <p:attrName>style.visibility</p:attrName>
@@ -24148,33 +25020,6 @@
                                           </p:stCondLst>
                                         </p:cTn>
                                         <p:tgtEl>
-                                          <p:spTgt spid="16"/>
-                                        </p:tgtEl>
-                                        <p:attrNameLst>
-                                          <p:attrName>style.visibility</p:attrName>
-                                        </p:attrNameLst>
-                                      </p:cBhvr>
-                                      <p:to>
-                                        <p:strVal val="visible"/>
-                                      </p:to>
-                                    </p:set>
-                                  </p:childTnLst>
-                                </p:cTn>
-                              </p:par>
-                              <p:par>
-                                <p:cTn id="23" presetID="1" presetClass="entr" presetSubtype="0" fill="hold" grpId="0" nodeType="withEffect">
-                                  <p:stCondLst>
-                                    <p:cond delay="0"/>
-                                  </p:stCondLst>
-                                  <p:childTnLst>
-                                    <p:set>
-                                      <p:cBhvr>
-                                        <p:cTn id="24" dur="1" fill="hold">
-                                          <p:stCondLst>
-                                            <p:cond delay="0"/>
-                                          </p:stCondLst>
-                                        </p:cTn>
-                                        <p:tgtEl>
                                           <p:spTgt spid="13"/>
                                         </p:tgtEl>
                                         <p:attrNameLst>
@@ -24195,26 +25040,26 @@
                     </p:cTn>
                   </p:par>
                   <p:par>
-                    <p:cTn id="25" fill="hold">
+                    <p:cTn id="23" fill="hold">
                       <p:stCondLst>
                         <p:cond delay="indefinite"/>
                       </p:stCondLst>
                       <p:childTnLst>
                         <p:par>
-                          <p:cTn id="26" fill="hold">
+                          <p:cTn id="24" fill="hold">
                             <p:stCondLst>
                               <p:cond delay="0"/>
                             </p:stCondLst>
                             <p:childTnLst>
                               <p:par>
-                                <p:cTn id="27" presetID="1" presetClass="entr" presetSubtype="0" fill="hold" grpId="0" nodeType="clickEffect">
+                                <p:cTn id="25" presetID="1" presetClass="entr" presetSubtype="0" fill="hold" grpId="0" nodeType="clickEffect">
                                   <p:stCondLst>
                                     <p:cond delay="0"/>
                                   </p:stCondLst>
                                   <p:childTnLst>
                                     <p:set>
                                       <p:cBhvr>
-                                        <p:cTn id="28" dur="1" fill="hold">
+                                        <p:cTn id="26" dur="1" fill="hold">
                                           <p:stCondLst>
                                             <p:cond delay="0"/>
                                           </p:stCondLst>
@@ -24234,14 +25079,14 @@
                                 </p:cTn>
                               </p:par>
                               <p:par>
-                                <p:cTn id="29" presetID="1" presetClass="entr" presetSubtype="0" fill="hold" nodeType="withEffect">
+                                <p:cTn id="27" presetID="1" presetClass="entr" presetSubtype="0" fill="hold" nodeType="withEffect">
                                   <p:stCondLst>
                                     <p:cond delay="0"/>
                                   </p:stCondLst>
                                   <p:childTnLst>
                                     <p:set>
                                       <p:cBhvr>
-                                        <p:cTn id="30" dur="1" fill="hold">
+                                        <p:cTn id="28" dur="1" fill="hold">
                                           <p:stCondLst>
                                             <p:cond delay="0"/>
                                           </p:stCondLst>
@@ -24261,14 +25106,14 @@
                                 </p:cTn>
                               </p:par>
                               <p:par>
-                                <p:cTn id="31" presetID="1" presetClass="entr" presetSubtype="0" fill="hold" grpId="0" nodeType="withEffect">
+                                <p:cTn id="29" presetID="1" presetClass="entr" presetSubtype="0" fill="hold" grpId="0" nodeType="withEffect">
                                   <p:stCondLst>
                                     <p:cond delay="0"/>
                                   </p:stCondLst>
                                   <p:childTnLst>
                                     <p:set>
                                       <p:cBhvr>
-                                        <p:cTn id="32" dur="1" fill="hold">
+                                        <p:cTn id="30" dur="1" fill="hold">
                                           <p:stCondLst>
                                             <p:cond delay="0"/>
                                           </p:stCondLst>
@@ -24288,14 +25133,14 @@
                                 </p:cTn>
                               </p:par>
                               <p:par>
-                                <p:cTn id="33" presetID="1" presetClass="entr" presetSubtype="0" fill="hold" nodeType="withEffect">
+                                <p:cTn id="31" presetID="1" presetClass="entr" presetSubtype="0" fill="hold" nodeType="withEffect">
                                   <p:stCondLst>
                                     <p:cond delay="0"/>
                                   </p:stCondLst>
                                   <p:childTnLst>
                                     <p:set>
                                       <p:cBhvr>
-                                        <p:cTn id="34" dur="1" fill="hold">
+                                        <p:cTn id="32" dur="1" fill="hold">
                                           <p:stCondLst>
                                             <p:cond delay="0"/>
                                           </p:stCondLst>
@@ -24321,26 +25166,26 @@
                     </p:cTn>
                   </p:par>
                   <p:par>
-                    <p:cTn id="35" fill="hold">
+                    <p:cTn id="33" fill="hold">
                       <p:stCondLst>
                         <p:cond delay="indefinite"/>
                       </p:stCondLst>
                       <p:childTnLst>
                         <p:par>
-                          <p:cTn id="36" fill="hold">
+                          <p:cTn id="34" fill="hold">
                             <p:stCondLst>
                               <p:cond delay="0"/>
                             </p:stCondLst>
                             <p:childTnLst>
                               <p:par>
-                                <p:cTn id="37" presetID="1" presetClass="entr" presetSubtype="0" fill="hold" grpId="0" nodeType="clickEffect">
+                                <p:cTn id="35" presetID="1" presetClass="entr" presetSubtype="0" fill="hold" grpId="0" nodeType="clickEffect">
                                   <p:stCondLst>
                                     <p:cond delay="0"/>
                                   </p:stCondLst>
                                   <p:childTnLst>
                                     <p:set>
                                       <p:cBhvr>
-                                        <p:cTn id="38" dur="1" fill="hold">
+                                        <p:cTn id="36" dur="1" fill="hold">
                                           <p:stCondLst>
                                             <p:cond delay="0"/>
                                           </p:stCondLst>
@@ -24366,26 +25211,26 @@
                     </p:cTn>
                   </p:par>
                   <p:par>
-                    <p:cTn id="39" fill="hold">
+                    <p:cTn id="37" fill="hold">
                       <p:stCondLst>
                         <p:cond delay="indefinite"/>
                       </p:stCondLst>
                       <p:childTnLst>
                         <p:par>
-                          <p:cTn id="40" fill="hold">
+                          <p:cTn id="38" fill="hold">
                             <p:stCondLst>
                               <p:cond delay="0"/>
                             </p:stCondLst>
                             <p:childTnLst>
                               <p:par>
-                                <p:cTn id="41" presetID="1" presetClass="entr" presetSubtype="0" fill="hold" nodeType="clickEffect">
+                                <p:cTn id="39" presetID="1" presetClass="entr" presetSubtype="0" fill="hold" nodeType="clickEffect">
                                   <p:stCondLst>
                                     <p:cond delay="0"/>
                                   </p:stCondLst>
                                   <p:childTnLst>
                                     <p:set>
                                       <p:cBhvr>
-                                        <p:cTn id="42" dur="1" fill="hold">
+                                        <p:cTn id="40" dur="1" fill="hold">
                                           <p:stCondLst>
                                             <p:cond delay="0"/>
                                           </p:stCondLst>
@@ -24411,26 +25256,26 @@
                     </p:cTn>
                   </p:par>
                   <p:par>
-                    <p:cTn id="43" fill="hold">
+                    <p:cTn id="41" fill="hold">
                       <p:stCondLst>
                         <p:cond delay="indefinite"/>
                       </p:stCondLst>
                       <p:childTnLst>
                         <p:par>
-                          <p:cTn id="44" fill="hold">
+                          <p:cTn id="42" fill="hold">
                             <p:stCondLst>
                               <p:cond delay="0"/>
                             </p:stCondLst>
                             <p:childTnLst>
                               <p:par>
-                                <p:cTn id="45" presetID="1" presetClass="entr" presetSubtype="0" fill="hold" nodeType="clickEffect">
+                                <p:cTn id="43" presetID="1" presetClass="entr" presetSubtype="0" fill="hold" nodeType="clickEffect">
                                   <p:stCondLst>
                                     <p:cond delay="0"/>
                                   </p:stCondLst>
                                   <p:childTnLst>
                                     <p:set>
                                       <p:cBhvr>
-                                        <p:cTn id="46" dur="1" fill="hold">
+                                        <p:cTn id="44" dur="1" fill="hold">
                                           <p:stCondLst>
                                             <p:cond delay="0"/>
                                           </p:stCondLst>
@@ -24456,26 +25301,26 @@
                     </p:cTn>
                   </p:par>
                   <p:par>
-                    <p:cTn id="47" fill="hold">
+                    <p:cTn id="45" fill="hold">
                       <p:stCondLst>
                         <p:cond delay="indefinite"/>
                       </p:stCondLst>
                       <p:childTnLst>
                         <p:par>
-                          <p:cTn id="48" fill="hold">
+                          <p:cTn id="46" fill="hold">
                             <p:stCondLst>
                               <p:cond delay="0"/>
                             </p:stCondLst>
                             <p:childTnLst>
                               <p:par>
-                                <p:cTn id="49" presetID="1" presetClass="entr" presetSubtype="0" fill="hold" nodeType="clickEffect">
+                                <p:cTn id="47" presetID="1" presetClass="entr" presetSubtype="0" fill="hold" nodeType="clickEffect">
                                   <p:stCondLst>
                                     <p:cond delay="0"/>
                                   </p:stCondLst>
                                   <p:childTnLst>
                                     <p:set>
                                       <p:cBhvr>
-                                        <p:cTn id="50" dur="1" fill="hold">
+                                        <p:cTn id="48" dur="1" fill="hold">
                                           <p:stCondLst>
                                             <p:cond delay="0"/>
                                           </p:stCondLst>
@@ -26579,8 +27424,8 @@
           </a:p>
         </p:txBody>
       </p:sp>
-      <mc:AlternateContent xmlns:mc="http://schemas.openxmlformats.org/markup-compatibility/2006">
-        <mc:Choice xmlns:a14="http://schemas.microsoft.com/office/drawing/2010/main" Requires="a14">
+      <mc:AlternateContent xmlns:mc="http://schemas.openxmlformats.org/markup-compatibility/2006" xmlns:a14="http://schemas.microsoft.com/office/drawing/2010/main">
+        <mc:Choice Requires="a14">
           <p:sp>
             <p:nvSpPr>
               <p:cNvPr id="6" name="Content Placeholder 5">
@@ -26769,7 +27614,7 @@
             </p:txBody>
           </p:sp>
         </mc:Choice>
-        <mc:Fallback>
+        <mc:Fallback xmlns="">
           <p:sp>
             <p:nvSpPr>
               <p:cNvPr id="6" name="Content Placeholder 5">
@@ -28291,6 +29136,35 @@
           </a:p>
         </p:txBody>
       </p:sp>
+      <p:sp>
+        <p:nvSpPr>
+          <p:cNvPr id="3" name="Slide Number Placeholder 2">
+            <a:extLst>
+              <a:ext uri="{FF2B5EF4-FFF2-40B4-BE49-F238E27FC236}">
+                <a16:creationId xmlns:a16="http://schemas.microsoft.com/office/drawing/2014/main" id="{297C1539-5BAE-4DFE-B957-169F283E73EF}"/>
+              </a:ext>
+            </a:extLst>
+          </p:cNvPr>
+          <p:cNvSpPr>
+            <a:spLocks noGrp="1"/>
+          </p:cNvSpPr>
+          <p:nvPr>
+            <p:ph type="sldNum" sz="quarter" idx="12"/>
+          </p:nvPr>
+        </p:nvSpPr>
+        <p:spPr/>
+        <p:txBody>
+          <a:bodyPr/>
+          <a:lstStyle/>
+          <a:p>
+            <a:fld id="{6CB50425-FF15-4809-B051-6F0DDC60174A}" type="slidenum">
+              <a:rPr lang="en-US" smtClean="0"/>
+              <a:t>25</a:t>
+            </a:fld>
+            <a:endParaRPr lang="en-US"/>
+          </a:p>
+        </p:txBody>
+      </p:sp>
     </p:spTree>
     <p:extLst>
       <p:ext uri="{BB962C8B-B14F-4D97-AF65-F5344CB8AC3E}">
@@ -29600,7 +30474,7 @@
         </p:blipFill>
         <p:spPr>
           <a:xfrm>
-            <a:off x="547915" y="2058748"/>
+            <a:off x="547915" y="2051854"/>
             <a:ext cx="4923971" cy="2740504"/>
           </a:xfrm>
           <a:custGeom>
@@ -29755,8 +30629,8 @@
         </p:nvSpPr>
         <p:spPr>
           <a:xfrm>
-            <a:off x="5122431" y="4799252"/>
-            <a:ext cx="1556836" cy="369332"/>
+            <a:off x="3660229" y="4904027"/>
+            <a:ext cx="5181227" cy="646331"/>
           </a:xfrm>
           <a:prstGeom prst="rect">
             <a:avLst/>
@@ -29769,6 +30643,7 @@
           </a:bodyPr>
           <a:lstStyle/>
           <a:p>
+            <a:pPr algn="ctr"/>
             <a:r>
               <a:rPr lang="en-US" dirty="0">
                 <a:solidFill>
@@ -29778,6 +30653,25 @@
                 </a:solidFill>
               </a:rPr>
               <a:t>Monotonicity</a:t>
+            </a:r>
+            <a:br>
+              <a:rPr lang="en-US" dirty="0">
+                <a:solidFill>
+                  <a:schemeClr val="accent2">
+                    <a:lumMod val="75000"/>
+                  </a:schemeClr>
+                </a:solidFill>
+              </a:rPr>
+            </a:br>
+            <a:r>
+              <a:rPr lang="en-US" dirty="0">
+                <a:solidFill>
+                  <a:schemeClr val="accent2">
+                    <a:lumMod val="75000"/>
+                  </a:schemeClr>
+                </a:solidFill>
+              </a:rPr>
+              <a:t>(believing more cannot make you less inconsistent)</a:t>
             </a:r>
           </a:p>
         </p:txBody>
@@ -29796,7 +30690,7 @@
         </p:nvSpPr>
         <p:spPr>
           <a:xfrm rot="747408">
-            <a:off x="5855225" y="3884665"/>
+            <a:off x="5766731" y="3891560"/>
             <a:ext cx="315183" cy="884106"/>
           </a:xfrm>
           <a:custGeom>
@@ -30079,6 +30973,222 @@
           </a:p>
         </p:txBody>
       </p:sp>
+      <p:sp>
+        <p:nvSpPr>
+          <p:cNvPr id="4" name="Slide Number Placeholder 3">
+            <a:extLst>
+              <a:ext uri="{FF2B5EF4-FFF2-40B4-BE49-F238E27FC236}">
+                <a16:creationId xmlns:a16="http://schemas.microsoft.com/office/drawing/2014/main" id="{68B88735-FD4E-4251-AA1C-F80EF2311D3F}"/>
+              </a:ext>
+            </a:extLst>
+          </p:cNvPr>
+          <p:cNvSpPr>
+            <a:spLocks noGrp="1"/>
+          </p:cNvSpPr>
+          <p:nvPr>
+            <p:ph type="sldNum" sz="quarter" idx="12"/>
+          </p:nvPr>
+        </p:nvSpPr>
+        <p:spPr/>
+        <p:txBody>
+          <a:bodyPr/>
+          <a:lstStyle/>
+          <a:p>
+            <a:fld id="{6CB50425-FF15-4809-B051-6F0DDC60174A}" type="slidenum">
+              <a:rPr lang="en-US" smtClean="0"/>
+              <a:t>26</a:t>
+            </a:fld>
+            <a:endParaRPr lang="en-US"/>
+          </a:p>
+        </p:txBody>
+      </p:sp>
+      <p:grpSp>
+        <p:nvGrpSpPr>
+          <p:cNvPr id="14" name="Group 13">
+            <a:extLst>
+              <a:ext uri="{FF2B5EF4-FFF2-40B4-BE49-F238E27FC236}">
+                <a16:creationId xmlns:a16="http://schemas.microsoft.com/office/drawing/2014/main" id="{7F6C380B-2543-4239-82DE-556837AA139A}"/>
+              </a:ext>
+            </a:extLst>
+          </p:cNvPr>
+          <p:cNvGrpSpPr/>
+          <p:nvPr/>
+        </p:nvGrpSpPr>
+        <p:grpSpPr>
+          <a:xfrm>
+            <a:off x="5267008" y="4992102"/>
+            <a:ext cx="231774" cy="203251"/>
+            <a:chOff x="5061019" y="4630208"/>
+            <a:chExt cx="346800" cy="304122"/>
+          </a:xfrm>
+        </p:grpSpPr>
+        <p:sp>
+          <p:nvSpPr>
+            <p:cNvPr id="6" name="Star: 7 Points 5">
+              <a:extLst>
+                <a:ext uri="{FF2B5EF4-FFF2-40B4-BE49-F238E27FC236}">
+                  <a16:creationId xmlns:a16="http://schemas.microsoft.com/office/drawing/2014/main" id="{6E1574FF-DCD4-4FB4-90AD-9138FA9CF8D3}"/>
+                </a:ext>
+              </a:extLst>
+            </p:cNvPr>
+            <p:cNvSpPr/>
+            <p:nvPr/>
+          </p:nvSpPr>
+          <p:spPr>
+            <a:xfrm rot="578581">
+              <a:off x="5107215" y="4660511"/>
+              <a:ext cx="260124" cy="243516"/>
+            </a:xfrm>
+            <a:prstGeom prst="star7">
+              <a:avLst>
+                <a:gd name="adj" fmla="val 20453"/>
+                <a:gd name="hf" fmla="val 102572"/>
+                <a:gd name="vf" fmla="val 105210"/>
+              </a:avLst>
+            </a:prstGeom>
+            <a:solidFill>
+              <a:schemeClr val="accent2">
+                <a:lumMod val="75000"/>
+              </a:schemeClr>
+            </a:solidFill>
+            <a:ln>
+              <a:solidFill>
+                <a:schemeClr val="accent2">
+                  <a:lumMod val="50000"/>
+                </a:schemeClr>
+              </a:solidFill>
+            </a:ln>
+          </p:spPr>
+          <p:style>
+            <a:lnRef idx="2">
+              <a:schemeClr val="accent1">
+                <a:shade val="50000"/>
+              </a:schemeClr>
+            </a:lnRef>
+            <a:fillRef idx="1">
+              <a:schemeClr val="accent1"/>
+            </a:fillRef>
+            <a:effectRef idx="0">
+              <a:schemeClr val="accent1"/>
+            </a:effectRef>
+            <a:fontRef idx="minor">
+              <a:schemeClr val="lt1"/>
+            </a:fontRef>
+          </p:style>
+          <p:txBody>
+            <a:bodyPr rtlCol="0" anchor="ctr"/>
+            <a:lstStyle/>
+            <a:p>
+              <a:pPr algn="ctr"/>
+              <a:endParaRPr lang="en-US" dirty="0"/>
+            </a:p>
+          </p:txBody>
+        </p:sp>
+        <p:sp>
+          <p:nvSpPr>
+            <p:cNvPr id="7" name="Double Bracket 6">
+              <a:extLst>
+                <a:ext uri="{FF2B5EF4-FFF2-40B4-BE49-F238E27FC236}">
+                  <a16:creationId xmlns:a16="http://schemas.microsoft.com/office/drawing/2014/main" id="{59D06130-4040-430F-A850-025F914963E6}"/>
+                </a:ext>
+              </a:extLst>
+            </p:cNvPr>
+            <p:cNvSpPr/>
+            <p:nvPr/>
+          </p:nvSpPr>
+          <p:spPr>
+            <a:xfrm>
+              <a:off x="5061019" y="4630208"/>
+              <a:ext cx="346800" cy="304122"/>
+            </a:xfrm>
+            <a:prstGeom prst="bracketPair">
+              <a:avLst>
+                <a:gd name="adj" fmla="val 15884"/>
+              </a:avLst>
+            </a:prstGeom>
+            <a:ln w="19050">
+              <a:solidFill>
+                <a:schemeClr val="accent2">
+                  <a:lumMod val="50000"/>
+                </a:schemeClr>
+              </a:solidFill>
+            </a:ln>
+          </p:spPr>
+          <p:style>
+            <a:lnRef idx="1">
+              <a:schemeClr val="accent1"/>
+            </a:lnRef>
+            <a:fillRef idx="0">
+              <a:schemeClr val="accent1"/>
+            </a:fillRef>
+            <a:effectRef idx="0">
+              <a:schemeClr val="accent1"/>
+            </a:effectRef>
+            <a:fontRef idx="minor">
+              <a:schemeClr val="tx1"/>
+            </a:fontRef>
+          </p:style>
+          <p:txBody>
+            <a:bodyPr rtlCol="0" anchor="ctr"/>
+            <a:lstStyle/>
+            <a:p>
+              <a:pPr algn="ctr"/>
+              <a:endParaRPr lang="en-US"/>
+            </a:p>
+          </p:txBody>
+        </p:sp>
+      </p:grpSp>
+      <p:pic>
+        <p:nvPicPr>
+          <p:cNvPr id="15" name="-e&gt; [glow]">
+            <a:extLst>
+              <a:ext uri="{FF2B5EF4-FFF2-40B4-BE49-F238E27FC236}">
+                <a16:creationId xmlns:a16="http://schemas.microsoft.com/office/drawing/2014/main" id="{0BCFE81B-D153-4277-B10D-FCFEAF4887C3}"/>
+              </a:ext>
+            </a:extLst>
+          </p:cNvPr>
+          <p:cNvPicPr>
+            <a:picLocks noChangeAspect="1"/>
+          </p:cNvPicPr>
+          <p:nvPr/>
+        </p:nvPicPr>
+        <p:blipFill>
+          <a:blip r:embed="rId3">
+            <a:clrChange>
+              <a:clrFrom>
+                <a:srgbClr val="FFFFFF"/>
+              </a:clrFrom>
+              <a:clrTo>
+                <a:srgbClr val="FFFFFF">
+                  <a:alpha val="0"/>
+                </a:srgbClr>
+              </a:clrTo>
+            </a:clrChange>
+            <a:alphaModFix amt="5000"/>
+          </a:blip>
+          <a:srcRect l="53382" t="35886" r="36250" b="53619"/>
+          <a:stretch>
+            <a:fillRect/>
+          </a:stretch>
+        </p:blipFill>
+        <p:spPr>
+          <a:xfrm>
+            <a:off x="7874792" y="3794150"/>
+            <a:ext cx="578546" cy="303885"/>
+          </a:xfrm>
+          <a:prstGeom prst="rect">
+            <a:avLst/>
+          </a:prstGeom>
+          <a:effectLst>
+            <a:glow rad="444500">
+              <a:schemeClr val="accent2">
+                <a:satMod val="175000"/>
+                <a:alpha val="29000"/>
+              </a:schemeClr>
+            </a:glow>
+          </a:effectLst>
+        </p:spPr>
+      </p:pic>
     </p:spTree>
     <p:extLst>
       <p:ext uri="{BB962C8B-B14F-4D97-AF65-F5344CB8AC3E}">
@@ -30101,6 +31211,9 @@
                     <p:cTn id="3" fill="hold">
                       <p:stCondLst>
                         <p:cond delay="indefinite"/>
+                        <p:cond evt="onBegin" delay="0">
+                          <p:tn val="2"/>
+                        </p:cond>
                       </p:stCondLst>
                       <p:childTnLst>
                         <p:par>
@@ -30110,7 +31223,7 @@
                             </p:stCondLst>
                             <p:childTnLst>
                               <p:par>
-                                <p:cTn id="5" presetID="1" presetClass="entr" presetSubtype="0" fill="hold" nodeType="clickEffect">
+                                <p:cTn id="5" presetID="1" presetClass="entr" presetSubtype="0" fill="hold" nodeType="withEffect">
                                   <p:stCondLst>
                                     <p:cond delay="0"/>
                                   </p:stCondLst>
@@ -30168,6 +31281,51 @@
                                           </p:stCondLst>
                                         </p:cTn>
                                         <p:tgtEl>
+                                          <p:spTgt spid="9"/>
+                                        </p:tgtEl>
+                                        <p:attrNameLst>
+                                          <p:attrName>style.visibility</p:attrName>
+                                        </p:attrNameLst>
+                                      </p:cBhvr>
+                                      <p:to>
+                                        <p:strVal val="visible"/>
+                                      </p:to>
+                                    </p:set>
+                                  </p:childTnLst>
+                                </p:cTn>
+                              </p:par>
+                            </p:childTnLst>
+                          </p:cTn>
+                        </p:par>
+                      </p:childTnLst>
+                    </p:cTn>
+                  </p:par>
+                  <p:par>
+                    <p:cTn id="11" fill="hold">
+                      <p:stCondLst>
+                        <p:cond delay="indefinite"/>
+                      </p:stCondLst>
+                      <p:childTnLst>
+                        <p:par>
+                          <p:cTn id="12" fill="hold">
+                            <p:stCondLst>
+                              <p:cond delay="0"/>
+                            </p:stCondLst>
+                            <p:childTnLst>
+                              <p:par>
+                                <p:cTn id="13" presetID="1" presetClass="entr" presetSubtype="0" fill="hold" nodeType="clickEffect">
+                                  <p:stCondLst>
+                                    <p:cond delay="0"/>
+                                  </p:stCondLst>
+                                  <p:childTnLst>
+                                    <p:set>
+                                      <p:cBhvr>
+                                        <p:cTn id="14" dur="1" fill="hold">
+                                          <p:stCondLst>
+                                            <p:cond delay="0"/>
+                                          </p:stCondLst>
+                                        </p:cTn>
+                                        <p:tgtEl>
                                           <p:spTgt spid="11"/>
                                         </p:tgtEl>
                                         <p:attrNameLst>
@@ -30182,14 +31340,14 @@
                                 </p:cTn>
                               </p:par>
                               <p:par>
-                                <p:cTn id="11" presetID="1" presetClass="entr" presetSubtype="0" fill="hold" grpId="0" nodeType="withEffect">
+                                <p:cTn id="15" presetID="1" presetClass="entr" presetSubtype="0" fill="hold" grpId="0" nodeType="withEffect">
                                   <p:stCondLst>
                                     <p:cond delay="0"/>
                                   </p:stCondLst>
                                   <p:childTnLst>
                                     <p:set>
                                       <p:cBhvr>
-                                        <p:cTn id="12" dur="1" fill="hold">
+                                        <p:cTn id="16" dur="1" fill="hold">
                                           <p:stCondLst>
                                             <p:cond delay="0"/>
                                           </p:stCondLst>
@@ -30209,20 +31367,74 @@
                                 </p:cTn>
                               </p:par>
                               <p:par>
-                                <p:cTn id="13" presetID="1" presetClass="entr" presetSubtype="0" fill="hold" grpId="0" nodeType="withEffect">
+                                <p:cTn id="17" presetID="1" presetClass="entr" presetSubtype="0" fill="hold" grpId="0" nodeType="withEffect">
                                   <p:stCondLst>
                                     <p:cond delay="0"/>
                                   </p:stCondLst>
                                   <p:childTnLst>
                                     <p:set>
                                       <p:cBhvr>
-                                        <p:cTn id="14" dur="1" fill="hold">
+                                        <p:cTn id="18" dur="1" fill="hold">
                                           <p:stCondLst>
                                             <p:cond delay="0"/>
                                           </p:stCondLst>
                                         </p:cTn>
                                         <p:tgtEl>
                                           <p:spTgt spid="10"/>
+                                        </p:tgtEl>
+                                        <p:attrNameLst>
+                                          <p:attrName>style.visibility</p:attrName>
+                                        </p:attrNameLst>
+                                      </p:cBhvr>
+                                      <p:to>
+                                        <p:strVal val="visible"/>
+                                      </p:to>
+                                    </p:set>
+                                  </p:childTnLst>
+                                </p:cTn>
+                              </p:par>
+                              <p:par>
+                                <p:cTn id="19" presetID="1" presetClass="entr" presetSubtype="0" fill="hold" nodeType="withEffect">
+                                  <p:stCondLst>
+                                    <p:cond delay="0"/>
+                                  </p:stCondLst>
+                                  <p:childTnLst>
+                                    <p:set>
+                                      <p:cBhvr>
+                                        <p:cTn id="20" dur="1" fill="hold">
+                                          <p:stCondLst>
+                                            <p:cond delay="0"/>
+                                          </p:stCondLst>
+                                        </p:cTn>
+                                        <p:tgtEl>
+                                          <p:spTgt spid="14"/>
+                                        </p:tgtEl>
+                                        <p:attrNameLst>
+                                          <p:attrName>style.visibility</p:attrName>
+                                        </p:attrNameLst>
+                                      </p:cBhvr>
+                                      <p:to>
+                                        <p:strVal val="visible"/>
+                                      </p:to>
+                                    </p:set>
+                                  </p:childTnLst>
+                                </p:cTn>
+                              </p:par>
+                              <p:par>
+                                <p:cTn id="21" presetID="1" presetClass="entr" presetSubtype="0" fill="hold" nodeType="withEffect">
+                                  <p:stCondLst>
+                                    <p:cond delay="0"/>
+                                  </p:stCondLst>
+                                  <p:childTnLst>
+                                    <p:set>
+                                      <p:cBhvr>
+                                        <p:cTn id="22" dur="1" fill="hold">
+                                          <p:stCondLst>
+                                            <p:cond delay="0"/>
+                                          </p:stCondLst>
+                                        </p:cTn>
+                                        <p:tgtEl>
+                                          <p:spTgt spid="15"/>
                                         </p:tgtEl>
                                         <p:attrNameLst>
                                           <p:attrName>style.visibility</p:attrName>
@@ -30455,6 +31667,35 @@
           </a:p>
         </p:txBody>
       </p:sp>
+      <p:sp>
+        <p:nvSpPr>
+          <p:cNvPr id="5" name="Slide Number Placeholder 4">
+            <a:extLst>
+              <a:ext uri="{FF2B5EF4-FFF2-40B4-BE49-F238E27FC236}">
+                <a16:creationId xmlns:a16="http://schemas.microsoft.com/office/drawing/2014/main" id="{D00E212E-78D7-4F48-8B62-AC25F08D82EC}"/>
+              </a:ext>
+            </a:extLst>
+          </p:cNvPr>
+          <p:cNvSpPr>
+            <a:spLocks noGrp="1"/>
+          </p:cNvSpPr>
+          <p:nvPr>
+            <p:ph type="sldNum" sz="quarter" idx="12"/>
+          </p:nvPr>
+        </p:nvSpPr>
+        <p:spPr/>
+        <p:txBody>
+          <a:bodyPr/>
+          <a:lstStyle/>
+          <a:p>
+            <a:fld id="{6CB50425-FF15-4809-B051-6F0DDC60174A}" type="slidenum">
+              <a:rPr lang="en-US" smtClean="0"/>
+              <a:t>27</a:t>
+            </a:fld>
+            <a:endParaRPr lang="en-US"/>
+          </a:p>
+        </p:txBody>
+      </p:sp>
     </p:spTree>
     <p:extLst>
       <p:ext uri="{BB962C8B-B14F-4D97-AF65-F5344CB8AC3E}">
@@ -30570,6 +31811,35 @@
           </a:prstGeom>
         </p:spPr>
       </p:pic>
+      <p:sp>
+        <p:nvSpPr>
+          <p:cNvPr id="4" name="Slide Number Placeholder 3">
+            <a:extLst>
+              <a:ext uri="{FF2B5EF4-FFF2-40B4-BE49-F238E27FC236}">
+                <a16:creationId xmlns:a16="http://schemas.microsoft.com/office/drawing/2014/main" id="{69A2A436-768F-4A4D-9E89-B9FEB9153478}"/>
+              </a:ext>
+            </a:extLst>
+          </p:cNvPr>
+          <p:cNvSpPr>
+            <a:spLocks noGrp="1"/>
+          </p:cNvSpPr>
+          <p:nvPr>
+            <p:ph type="sldNum" sz="quarter" idx="12"/>
+          </p:nvPr>
+        </p:nvSpPr>
+        <p:spPr/>
+        <p:txBody>
+          <a:bodyPr/>
+          <a:lstStyle/>
+          <a:p>
+            <a:fld id="{6CB50425-FF15-4809-B051-6F0DDC60174A}" type="slidenum">
+              <a:rPr lang="en-US" smtClean="0"/>
+              <a:t>28</a:t>
+            </a:fld>
+            <a:endParaRPr lang="en-US"/>
+          </a:p>
+        </p:txBody>
+      </p:sp>
     </p:spTree>
     <p:extLst>
       <p:ext uri="{BB962C8B-B14F-4D97-AF65-F5344CB8AC3E}">
@@ -32742,6 +34012,35 @@
           </a:p>
         </p:txBody>
       </p:sp>
+      <p:sp>
+        <p:nvSpPr>
+          <p:cNvPr id="4" name="Slide Number Placeholder 3">
+            <a:extLst>
+              <a:ext uri="{FF2B5EF4-FFF2-40B4-BE49-F238E27FC236}">
+                <a16:creationId xmlns:a16="http://schemas.microsoft.com/office/drawing/2014/main" id="{A6A487DA-CCC9-4D5A-8FDA-B5EC6428AC85}"/>
+              </a:ext>
+            </a:extLst>
+          </p:cNvPr>
+          <p:cNvSpPr>
+            <a:spLocks noGrp="1"/>
+          </p:cNvSpPr>
+          <p:nvPr>
+            <p:ph type="sldNum" sz="quarter" idx="12"/>
+          </p:nvPr>
+        </p:nvSpPr>
+        <p:spPr/>
+        <p:txBody>
+          <a:bodyPr/>
+          <a:lstStyle/>
+          <a:p>
+            <a:fld id="{6CB50425-FF15-4809-B051-6F0DDC60174A}" type="slidenum">
+              <a:rPr lang="en-US" smtClean="0"/>
+              <a:t>3</a:t>
+            </a:fld>
+            <a:endParaRPr lang="en-US"/>
+          </a:p>
+        </p:txBody>
+      </p:sp>
     </p:spTree>
     <p:extLst>
       <p:ext uri="{BB962C8B-B14F-4D97-AF65-F5344CB8AC3E}">
@@ -33820,8 +35119,8 @@
           <a:chExt cx="0" cy="0"/>
         </a:xfrm>
       </p:grpSpPr>
-      <mc:AlternateContent xmlns:mc="http://schemas.openxmlformats.org/markup-compatibility/2006">
-        <mc:Choice xmlns:a14="http://schemas.microsoft.com/office/drawing/2010/main" Requires="a14">
+      <mc:AlternateContent xmlns:mc="http://schemas.openxmlformats.org/markup-compatibility/2006" xmlns:a14="http://schemas.microsoft.com/office/drawing/2010/main">
+        <mc:Choice Requires="a14">
           <p:sp>
             <p:nvSpPr>
               <p:cNvPr id="27" name="Rectangle: Single Corner Snipped 26">
@@ -33999,7 +35298,7 @@
             </p:txBody>
           </p:sp>
         </mc:Choice>
-        <mc:Fallback>
+        <mc:Fallback xmlns="">
           <p:sp>
             <p:nvSpPr>
               <p:cNvPr id="27" name="Rectangle: Single Corner Snipped 26">
@@ -34117,8 +35416,8 @@
           </a:prstGeom>
         </p:spPr>
       </p:pic>
-      <mc:AlternateContent xmlns:mc="http://schemas.openxmlformats.org/markup-compatibility/2006">
-        <mc:Choice xmlns:a14="http://schemas.microsoft.com/office/drawing/2010/main" Requires="a14">
+      <mc:AlternateContent xmlns:mc="http://schemas.openxmlformats.org/markup-compatibility/2006" xmlns:a14="http://schemas.microsoft.com/office/drawing/2010/main">
+        <mc:Choice Requires="a14">
           <p:sp>
             <p:nvSpPr>
               <p:cNvPr id="14" name="TextBox 13">
@@ -34352,7 +35651,7 @@
             </p:txBody>
           </p:sp>
         </mc:Choice>
-        <mc:Fallback>
+        <mc:Fallback xmlns="">
           <p:sp>
             <p:nvSpPr>
               <p:cNvPr id="14" name="TextBox 13">
@@ -34976,8 +36275,8 @@
           </a:p>
         </p:txBody>
       </p:sp>
-      <mc:AlternateContent xmlns:mc="http://schemas.openxmlformats.org/markup-compatibility/2006">
-        <mc:Choice xmlns:a14="http://schemas.microsoft.com/office/drawing/2010/main" Requires="a14">
+      <mc:AlternateContent xmlns:mc="http://schemas.openxmlformats.org/markup-compatibility/2006" xmlns:a14="http://schemas.microsoft.com/office/drawing/2010/main">
+        <mc:Choice Requires="a14">
           <p:sp>
             <p:nvSpPr>
               <p:cNvPr id="20" name="TextBox 19">
@@ -35048,7 +36347,7 @@
             </p:txBody>
           </p:sp>
         </mc:Choice>
-        <mc:Fallback>
+        <mc:Fallback xmlns="">
           <p:sp>
             <p:nvSpPr>
               <p:cNvPr id="20" name="TextBox 19">
@@ -35093,8 +36392,8 @@
           </p:sp>
         </mc:Fallback>
       </mc:AlternateContent>
-      <mc:AlternateContent xmlns:mc="http://schemas.openxmlformats.org/markup-compatibility/2006">
-        <mc:Choice xmlns:a14="http://schemas.microsoft.com/office/drawing/2010/main" Requires="a14">
+      <mc:AlternateContent xmlns:mc="http://schemas.openxmlformats.org/markup-compatibility/2006" xmlns:a14="http://schemas.microsoft.com/office/drawing/2010/main">
+        <mc:Choice Requires="a14">
           <p:sp>
             <p:nvSpPr>
               <p:cNvPr id="21" name="TextBox 20">
@@ -35149,7 +36448,7 @@
             </p:txBody>
           </p:sp>
         </mc:Choice>
-        <mc:Fallback>
+        <mc:Fallback xmlns="">
           <p:sp>
             <p:nvSpPr>
               <p:cNvPr id="21" name="TextBox 20">
@@ -35235,6 +36534,35 @@
           </a:prstGeom>
         </p:spPr>
       </p:pic>
+      <p:sp>
+        <p:nvSpPr>
+          <p:cNvPr id="4" name="Slide Number Placeholder 3">
+            <a:extLst>
+              <a:ext uri="{FF2B5EF4-FFF2-40B4-BE49-F238E27FC236}">
+                <a16:creationId xmlns:a16="http://schemas.microsoft.com/office/drawing/2014/main" id="{1E1C86E8-EEB3-4760-B52B-4F85D70F201C}"/>
+              </a:ext>
+            </a:extLst>
+          </p:cNvPr>
+          <p:cNvSpPr>
+            <a:spLocks noGrp="1"/>
+          </p:cNvSpPr>
+          <p:nvPr>
+            <p:ph type="sldNum" sz="quarter" idx="12"/>
+          </p:nvPr>
+        </p:nvSpPr>
+        <p:spPr/>
+        <p:txBody>
+          <a:bodyPr/>
+          <a:lstStyle/>
+          <a:p>
+            <a:fld id="{6CB50425-FF15-4809-B051-6F0DDC60174A}" type="slidenum">
+              <a:rPr lang="en-US" smtClean="0"/>
+              <a:t>4</a:t>
+            </a:fld>
+            <a:endParaRPr lang="en-US"/>
+          </a:p>
+        </p:txBody>
+      </p:sp>
     </p:spTree>
     <p:extLst>
       <p:ext uri="{BB962C8B-B14F-4D97-AF65-F5344CB8AC3E}">
@@ -36078,6 +37406,307 @@
           </p:spPr>
         </p:pic>
       </p:grpSp>
+      <p:sp>
+        <p:nvSpPr>
+          <p:cNvPr id="5" name="Slide Number Placeholder 4">
+            <a:extLst>
+              <a:ext uri="{FF2B5EF4-FFF2-40B4-BE49-F238E27FC236}">
+                <a16:creationId xmlns:a16="http://schemas.microsoft.com/office/drawing/2014/main" id="{3769E09D-E79F-45E8-A4E2-C9E1D1705C6C}"/>
+              </a:ext>
+            </a:extLst>
+          </p:cNvPr>
+          <p:cNvSpPr>
+            <a:spLocks noGrp="1"/>
+          </p:cNvSpPr>
+          <p:nvPr>
+            <p:ph type="sldNum" sz="quarter" idx="12"/>
+          </p:nvPr>
+        </p:nvSpPr>
+        <p:spPr/>
+        <p:txBody>
+          <a:bodyPr/>
+          <a:lstStyle/>
+          <a:p>
+            <a:fld id="{6CB50425-FF15-4809-B051-6F0DDC60174A}" type="slidenum">
+              <a:rPr lang="en-US" smtClean="0"/>
+              <a:t>5</a:t>
+            </a:fld>
+            <a:endParaRPr lang="en-US"/>
+          </a:p>
+        </p:txBody>
+      </p:sp>
+      <p:grpSp>
+        <p:nvGrpSpPr>
+          <p:cNvPr id="24" name="Group 23">
+            <a:extLst>
+              <a:ext uri="{FF2B5EF4-FFF2-40B4-BE49-F238E27FC236}">
+                <a16:creationId xmlns:a16="http://schemas.microsoft.com/office/drawing/2014/main" id="{BCF5D364-7B66-41E6-AF7B-9B79624BD0A6}"/>
+              </a:ext>
+            </a:extLst>
+          </p:cNvPr>
+          <p:cNvGrpSpPr/>
+          <p:nvPr/>
+        </p:nvGrpSpPr>
+        <p:grpSpPr>
+          <a:xfrm>
+            <a:off x="4088260" y="4538798"/>
+            <a:ext cx="231774" cy="203251"/>
+            <a:chOff x="5061019" y="4630208"/>
+            <a:chExt cx="346800" cy="304122"/>
+          </a:xfrm>
+        </p:grpSpPr>
+        <p:sp>
+          <p:nvSpPr>
+            <p:cNvPr id="25" name="Star: 7 Points 24">
+              <a:extLst>
+                <a:ext uri="{FF2B5EF4-FFF2-40B4-BE49-F238E27FC236}">
+                  <a16:creationId xmlns:a16="http://schemas.microsoft.com/office/drawing/2014/main" id="{03F197E7-33B9-48E9-BC0E-F9C4C1FA15F7}"/>
+                </a:ext>
+              </a:extLst>
+            </p:cNvPr>
+            <p:cNvSpPr/>
+            <p:nvPr/>
+          </p:nvSpPr>
+          <p:spPr>
+            <a:xfrm rot="578581">
+              <a:off x="5107215" y="4660511"/>
+              <a:ext cx="260124" cy="243516"/>
+            </a:xfrm>
+            <a:prstGeom prst="star7">
+              <a:avLst>
+                <a:gd name="adj" fmla="val 20453"/>
+                <a:gd name="hf" fmla="val 102572"/>
+                <a:gd name="vf" fmla="val 105210"/>
+              </a:avLst>
+            </a:prstGeom>
+            <a:solidFill>
+              <a:schemeClr val="accent2">
+                <a:lumMod val="75000"/>
+              </a:schemeClr>
+            </a:solidFill>
+            <a:ln>
+              <a:solidFill>
+                <a:schemeClr val="accent2">
+                  <a:lumMod val="50000"/>
+                </a:schemeClr>
+              </a:solidFill>
+            </a:ln>
+          </p:spPr>
+          <p:style>
+            <a:lnRef idx="2">
+              <a:schemeClr val="accent1">
+                <a:shade val="50000"/>
+              </a:schemeClr>
+            </a:lnRef>
+            <a:fillRef idx="1">
+              <a:schemeClr val="accent1"/>
+            </a:fillRef>
+            <a:effectRef idx="0">
+              <a:schemeClr val="accent1"/>
+            </a:effectRef>
+            <a:fontRef idx="minor">
+              <a:schemeClr val="lt1"/>
+            </a:fontRef>
+          </p:style>
+          <p:txBody>
+            <a:bodyPr rtlCol="0" anchor="ctr"/>
+            <a:lstStyle/>
+            <a:p>
+              <a:pPr algn="ctr"/>
+              <a:endParaRPr lang="en-US" dirty="0"/>
+            </a:p>
+          </p:txBody>
+        </p:sp>
+        <p:sp>
+          <p:nvSpPr>
+            <p:cNvPr id="26" name="Double Bracket 25">
+              <a:extLst>
+                <a:ext uri="{FF2B5EF4-FFF2-40B4-BE49-F238E27FC236}">
+                  <a16:creationId xmlns:a16="http://schemas.microsoft.com/office/drawing/2014/main" id="{43B834F5-8008-40DE-A924-F05425CF58F8}"/>
+                </a:ext>
+              </a:extLst>
+            </p:cNvPr>
+            <p:cNvSpPr/>
+            <p:nvPr/>
+          </p:nvSpPr>
+          <p:spPr>
+            <a:xfrm>
+              <a:off x="5061019" y="4630208"/>
+              <a:ext cx="346800" cy="304122"/>
+            </a:xfrm>
+            <a:prstGeom prst="bracketPair">
+              <a:avLst>
+                <a:gd name="adj" fmla="val 15884"/>
+              </a:avLst>
+            </a:prstGeom>
+            <a:ln w="19050">
+              <a:solidFill>
+                <a:schemeClr val="accent2">
+                  <a:lumMod val="50000"/>
+                </a:schemeClr>
+              </a:solidFill>
+            </a:ln>
+          </p:spPr>
+          <p:style>
+            <a:lnRef idx="1">
+              <a:schemeClr val="accent1"/>
+            </a:lnRef>
+            <a:fillRef idx="0">
+              <a:schemeClr val="accent1"/>
+            </a:fillRef>
+            <a:effectRef idx="0">
+              <a:schemeClr val="accent1"/>
+            </a:effectRef>
+            <a:fontRef idx="minor">
+              <a:schemeClr val="tx1"/>
+            </a:fontRef>
+          </p:style>
+          <p:txBody>
+            <a:bodyPr rtlCol="0" anchor="ctr"/>
+            <a:lstStyle/>
+            <a:p>
+              <a:pPr algn="ctr"/>
+              <a:endParaRPr lang="en-US"/>
+            </a:p>
+          </p:txBody>
+        </p:sp>
+      </p:grpSp>
+      <p:grpSp>
+        <p:nvGrpSpPr>
+          <p:cNvPr id="29" name="Group 28">
+            <a:extLst>
+              <a:ext uri="{FF2B5EF4-FFF2-40B4-BE49-F238E27FC236}">
+                <a16:creationId xmlns:a16="http://schemas.microsoft.com/office/drawing/2014/main" id="{3D726B28-3979-49F0-AD70-C83E67AD9555}"/>
+              </a:ext>
+            </a:extLst>
+          </p:cNvPr>
+          <p:cNvGrpSpPr/>
+          <p:nvPr/>
+        </p:nvGrpSpPr>
+        <p:grpSpPr>
+          <a:xfrm>
+            <a:off x="11238560" y="768556"/>
+            <a:ext cx="591490" cy="518699"/>
+            <a:chOff x="5061019" y="4630208"/>
+            <a:chExt cx="346800" cy="304122"/>
+          </a:xfrm>
+        </p:grpSpPr>
+        <p:sp>
+          <p:nvSpPr>
+            <p:cNvPr id="30" name="Star: 7 Points 29">
+              <a:extLst>
+                <a:ext uri="{FF2B5EF4-FFF2-40B4-BE49-F238E27FC236}">
+                  <a16:creationId xmlns:a16="http://schemas.microsoft.com/office/drawing/2014/main" id="{A1DB082E-B64F-4EE3-95A8-929B088B9CB1}"/>
+                </a:ext>
+              </a:extLst>
+            </p:cNvPr>
+            <p:cNvSpPr/>
+            <p:nvPr/>
+          </p:nvSpPr>
+          <p:spPr>
+            <a:xfrm rot="578581">
+              <a:off x="5107215" y="4660511"/>
+              <a:ext cx="260124" cy="243516"/>
+            </a:xfrm>
+            <a:prstGeom prst="star7">
+              <a:avLst>
+                <a:gd name="adj" fmla="val 20453"/>
+                <a:gd name="hf" fmla="val 102572"/>
+                <a:gd name="vf" fmla="val 105210"/>
+              </a:avLst>
+            </a:prstGeom>
+            <a:solidFill>
+              <a:schemeClr val="accent2">
+                <a:lumMod val="75000"/>
+              </a:schemeClr>
+            </a:solidFill>
+            <a:ln>
+              <a:solidFill>
+                <a:schemeClr val="accent2">
+                  <a:lumMod val="50000"/>
+                </a:schemeClr>
+              </a:solidFill>
+            </a:ln>
+          </p:spPr>
+          <p:style>
+            <a:lnRef idx="2">
+              <a:schemeClr val="accent1">
+                <a:shade val="50000"/>
+              </a:schemeClr>
+            </a:lnRef>
+            <a:fillRef idx="1">
+              <a:schemeClr val="accent1"/>
+            </a:fillRef>
+            <a:effectRef idx="0">
+              <a:schemeClr val="accent1"/>
+            </a:effectRef>
+            <a:fontRef idx="minor">
+              <a:schemeClr val="lt1"/>
+            </a:fontRef>
+          </p:style>
+          <p:txBody>
+            <a:bodyPr rtlCol="0" anchor="ctr"/>
+            <a:lstStyle/>
+            <a:p>
+              <a:pPr algn="ctr"/>
+              <a:endParaRPr lang="en-US" dirty="0"/>
+            </a:p>
+          </p:txBody>
+        </p:sp>
+        <p:sp>
+          <p:nvSpPr>
+            <p:cNvPr id="31" name="Double Bracket 30">
+              <a:extLst>
+                <a:ext uri="{FF2B5EF4-FFF2-40B4-BE49-F238E27FC236}">
+                  <a16:creationId xmlns:a16="http://schemas.microsoft.com/office/drawing/2014/main" id="{3281CCE3-5C88-4C78-8489-0BDD3FB2045E}"/>
+                </a:ext>
+              </a:extLst>
+            </p:cNvPr>
+            <p:cNvSpPr/>
+            <p:nvPr/>
+          </p:nvSpPr>
+          <p:spPr>
+            <a:xfrm>
+              <a:off x="5061019" y="4630208"/>
+              <a:ext cx="346800" cy="304122"/>
+            </a:xfrm>
+            <a:prstGeom prst="bracketPair">
+              <a:avLst>
+                <a:gd name="adj" fmla="val 15884"/>
+              </a:avLst>
+            </a:prstGeom>
+            <a:ln w="19050">
+              <a:solidFill>
+                <a:schemeClr val="accent2">
+                  <a:lumMod val="50000"/>
+                </a:schemeClr>
+              </a:solidFill>
+            </a:ln>
+          </p:spPr>
+          <p:style>
+            <a:lnRef idx="1">
+              <a:schemeClr val="accent1"/>
+            </a:lnRef>
+            <a:fillRef idx="0">
+              <a:schemeClr val="accent1"/>
+            </a:fillRef>
+            <a:effectRef idx="0">
+              <a:schemeClr val="accent1"/>
+            </a:effectRef>
+            <a:fontRef idx="minor">
+              <a:schemeClr val="tx1"/>
+            </a:fontRef>
+          </p:style>
+          <p:txBody>
+            <a:bodyPr rtlCol="0" anchor="ctr"/>
+            <a:lstStyle/>
+            <a:p>
+              <a:pPr algn="ctr"/>
+              <a:endParaRPr lang="en-US"/>
+            </a:p>
+          </p:txBody>
+        </p:sp>
+      </p:grpSp>
     </p:spTree>
     <p:extLst>
       <p:ext uri="{BB962C8B-B14F-4D97-AF65-F5344CB8AC3E}">
@@ -36552,6 +38181,35 @@
           </a:p>
         </p:txBody>
       </p:sp>
+      <p:sp>
+        <p:nvSpPr>
+          <p:cNvPr id="7" name="Slide Number Placeholder 6">
+            <a:extLst>
+              <a:ext uri="{FF2B5EF4-FFF2-40B4-BE49-F238E27FC236}">
+                <a16:creationId xmlns:a16="http://schemas.microsoft.com/office/drawing/2014/main" id="{AE966532-95C5-4DB7-B6D1-AD4D62FA1F75}"/>
+              </a:ext>
+            </a:extLst>
+          </p:cNvPr>
+          <p:cNvSpPr>
+            <a:spLocks noGrp="1"/>
+          </p:cNvSpPr>
+          <p:nvPr>
+            <p:ph type="sldNum" sz="quarter" idx="12"/>
+          </p:nvPr>
+        </p:nvSpPr>
+        <p:spPr/>
+        <p:txBody>
+          <a:bodyPr/>
+          <a:lstStyle/>
+          <a:p>
+            <a:fld id="{6CB50425-FF15-4809-B051-6F0DDC60174A}" type="slidenum">
+              <a:rPr lang="en-US" smtClean="0"/>
+              <a:t>6</a:t>
+            </a:fld>
+            <a:endParaRPr lang="en-US"/>
+          </a:p>
+        </p:txBody>
+      </p:sp>
     </p:spTree>
     <p:extLst>
       <p:ext uri="{BB962C8B-B14F-4D97-AF65-F5344CB8AC3E}">
@@ -36735,6 +38393,35 @@
               </a:rPr>
               <a:t>as Inconsistencies</a:t>
             </a:r>
+          </a:p>
+        </p:txBody>
+      </p:sp>
+      <p:sp>
+        <p:nvSpPr>
+          <p:cNvPr id="4" name="Slide Number Placeholder 3">
+            <a:extLst>
+              <a:ext uri="{FF2B5EF4-FFF2-40B4-BE49-F238E27FC236}">
+                <a16:creationId xmlns:a16="http://schemas.microsoft.com/office/drawing/2014/main" id="{B3A68932-970B-4063-B011-F9A4002E2402}"/>
+              </a:ext>
+            </a:extLst>
+          </p:cNvPr>
+          <p:cNvSpPr>
+            <a:spLocks noGrp="1"/>
+          </p:cNvSpPr>
+          <p:nvPr>
+            <p:ph type="sldNum" sz="quarter" idx="12"/>
+          </p:nvPr>
+        </p:nvSpPr>
+        <p:spPr/>
+        <p:txBody>
+          <a:bodyPr/>
+          <a:lstStyle/>
+          <a:p>
+            <a:fld id="{6CB50425-FF15-4809-B051-6F0DDC60174A}" type="slidenum">
+              <a:rPr lang="en-US" smtClean="0"/>
+              <a:t>7</a:t>
+            </a:fld>
+            <a:endParaRPr lang="en-US"/>
           </a:p>
         </p:txBody>
       </p:sp>
@@ -37049,207 +38736,30 @@
       </p:pic>
       <p:sp>
         <p:nvSpPr>
-          <p:cNvPr id="7" name="Content Placeholder 5">
+          <p:cNvPr id="3" name="Slide Number Placeholder 2">
             <a:extLst>
               <a:ext uri="{FF2B5EF4-FFF2-40B4-BE49-F238E27FC236}">
-                <a16:creationId xmlns:a16="http://schemas.microsoft.com/office/drawing/2014/main" id="{3B609D20-86A6-4C52-B431-4ABDE75DD5B1}"/>
+                <a16:creationId xmlns:a16="http://schemas.microsoft.com/office/drawing/2014/main" id="{00426C3A-DF5C-43A5-9621-6D739FCE8728}"/>
               </a:ext>
             </a:extLst>
           </p:cNvPr>
-          <p:cNvSpPr txBox="1">
-            <a:spLocks/>
+          <p:cNvSpPr>
+            <a:spLocks noGrp="1"/>
           </p:cNvSpPr>
-          <p:nvPr/>
+          <p:nvPr>
+            <p:ph type="sldNum" sz="quarter" idx="12"/>
+          </p:nvPr>
         </p:nvSpPr>
-        <p:spPr>
-          <a:xfrm>
-            <a:off x="1203340" y="5104340"/>
-            <a:ext cx="10515600" cy="833437"/>
-          </a:xfrm>
-          <a:prstGeom prst="rect">
-            <a:avLst/>
-          </a:prstGeom>
-        </p:spPr>
+        <p:spPr/>
         <p:txBody>
-          <a:bodyPr vert="horz" lIns="91440" tIns="45720" rIns="91440" bIns="45720" rtlCol="0">
-            <a:normAutofit/>
-          </a:bodyPr>
-          <a:lstStyle>
-            <a:lvl1pPr marL="228600" indent="-228600" algn="l" defTabSz="914400" rtl="0" eaLnBrk="1" latinLnBrk="0" hangingPunct="1">
-              <a:lnSpc>
-                <a:spcPct val="90000"/>
-              </a:lnSpc>
-              <a:spcBef>
-                <a:spcPts val="1000"/>
-              </a:spcBef>
-              <a:buFont typeface="Arial" panose="020B0604020202020204" pitchFamily="34" charset="0"/>
-              <a:buChar char="•"/>
-              <a:defRPr sz="2800" kern="1200">
-                <a:solidFill>
-                  <a:schemeClr val="tx1"/>
-                </a:solidFill>
-                <a:latin typeface="+mn-lt"/>
-                <a:ea typeface="+mn-ea"/>
-                <a:cs typeface="+mn-cs"/>
-              </a:defRPr>
-            </a:lvl1pPr>
-            <a:lvl2pPr marL="685800" indent="-228600" algn="l" defTabSz="914400" rtl="0" eaLnBrk="1" latinLnBrk="0" hangingPunct="1">
-              <a:lnSpc>
-                <a:spcPct val="90000"/>
-              </a:lnSpc>
-              <a:spcBef>
-                <a:spcPts val="500"/>
-              </a:spcBef>
-              <a:buFont typeface="Arial" panose="020B0604020202020204" pitchFamily="34" charset="0"/>
-              <a:buChar char="•"/>
-              <a:defRPr sz="2400" kern="1200">
-                <a:solidFill>
-                  <a:schemeClr val="tx1"/>
-                </a:solidFill>
-                <a:latin typeface="+mn-lt"/>
-                <a:ea typeface="+mn-ea"/>
-                <a:cs typeface="+mn-cs"/>
-              </a:defRPr>
-            </a:lvl2pPr>
-            <a:lvl3pPr marL="1143000" indent="-228600" algn="l" defTabSz="914400" rtl="0" eaLnBrk="1" latinLnBrk="0" hangingPunct="1">
-              <a:lnSpc>
-                <a:spcPct val="90000"/>
-              </a:lnSpc>
-              <a:spcBef>
-                <a:spcPts val="500"/>
-              </a:spcBef>
-              <a:buFont typeface="Arial" panose="020B0604020202020204" pitchFamily="34" charset="0"/>
-              <a:buChar char="•"/>
-              <a:defRPr sz="2000" kern="1200">
-                <a:solidFill>
-                  <a:schemeClr val="tx1"/>
-                </a:solidFill>
-                <a:latin typeface="+mn-lt"/>
-                <a:ea typeface="+mn-ea"/>
-                <a:cs typeface="+mn-cs"/>
-              </a:defRPr>
-            </a:lvl3pPr>
-            <a:lvl4pPr marL="1600200" indent="-228600" algn="l" defTabSz="914400" rtl="0" eaLnBrk="1" latinLnBrk="0" hangingPunct="1">
-              <a:lnSpc>
-                <a:spcPct val="90000"/>
-              </a:lnSpc>
-              <a:spcBef>
-                <a:spcPts val="500"/>
-              </a:spcBef>
-              <a:buFont typeface="Arial" panose="020B0604020202020204" pitchFamily="34" charset="0"/>
-              <a:buChar char="•"/>
-              <a:defRPr sz="1800" kern="1200">
-                <a:solidFill>
-                  <a:schemeClr val="tx1"/>
-                </a:solidFill>
-                <a:latin typeface="+mn-lt"/>
-                <a:ea typeface="+mn-ea"/>
-                <a:cs typeface="+mn-cs"/>
-              </a:defRPr>
-            </a:lvl4pPr>
-            <a:lvl5pPr marL="2057400" indent="-228600" algn="l" defTabSz="914400" rtl="0" eaLnBrk="1" latinLnBrk="0" hangingPunct="1">
-              <a:lnSpc>
-                <a:spcPct val="90000"/>
-              </a:lnSpc>
-              <a:spcBef>
-                <a:spcPts val="500"/>
-              </a:spcBef>
-              <a:buFont typeface="Arial" panose="020B0604020202020204" pitchFamily="34" charset="0"/>
-              <a:buChar char="•"/>
-              <a:defRPr sz="1800" kern="1200">
-                <a:solidFill>
-                  <a:schemeClr val="tx1"/>
-                </a:solidFill>
-                <a:latin typeface="+mn-lt"/>
-                <a:ea typeface="+mn-ea"/>
-                <a:cs typeface="+mn-cs"/>
-              </a:defRPr>
-            </a:lvl5pPr>
-            <a:lvl6pPr marL="2514600" indent="-228600" algn="l" defTabSz="914400" rtl="0" eaLnBrk="1" latinLnBrk="0" hangingPunct="1">
-              <a:lnSpc>
-                <a:spcPct val="90000"/>
-              </a:lnSpc>
-              <a:spcBef>
-                <a:spcPts val="500"/>
-              </a:spcBef>
-              <a:buFont typeface="Arial" panose="020B0604020202020204" pitchFamily="34" charset="0"/>
-              <a:buChar char="•"/>
-              <a:defRPr sz="1800" kern="1200">
-                <a:solidFill>
-                  <a:schemeClr val="tx1"/>
-                </a:solidFill>
-                <a:latin typeface="+mn-lt"/>
-                <a:ea typeface="+mn-ea"/>
-                <a:cs typeface="+mn-cs"/>
-              </a:defRPr>
-            </a:lvl6pPr>
-            <a:lvl7pPr marL="2971800" indent="-228600" algn="l" defTabSz="914400" rtl="0" eaLnBrk="1" latinLnBrk="0" hangingPunct="1">
-              <a:lnSpc>
-                <a:spcPct val="90000"/>
-              </a:lnSpc>
-              <a:spcBef>
-                <a:spcPts val="500"/>
-              </a:spcBef>
-              <a:buFont typeface="Arial" panose="020B0604020202020204" pitchFamily="34" charset="0"/>
-              <a:buChar char="•"/>
-              <a:defRPr sz="1800" kern="1200">
-                <a:solidFill>
-                  <a:schemeClr val="tx1"/>
-                </a:solidFill>
-                <a:latin typeface="+mn-lt"/>
-                <a:ea typeface="+mn-ea"/>
-                <a:cs typeface="+mn-cs"/>
-              </a:defRPr>
-            </a:lvl7pPr>
-            <a:lvl8pPr marL="3429000" indent="-228600" algn="l" defTabSz="914400" rtl="0" eaLnBrk="1" latinLnBrk="0" hangingPunct="1">
-              <a:lnSpc>
-                <a:spcPct val="90000"/>
-              </a:lnSpc>
-              <a:spcBef>
-                <a:spcPts val="500"/>
-              </a:spcBef>
-              <a:buFont typeface="Arial" panose="020B0604020202020204" pitchFamily="34" charset="0"/>
-              <a:buChar char="•"/>
-              <a:defRPr sz="1800" kern="1200">
-                <a:solidFill>
-                  <a:schemeClr val="tx1"/>
-                </a:solidFill>
-                <a:latin typeface="+mn-lt"/>
-                <a:ea typeface="+mn-ea"/>
-                <a:cs typeface="+mn-cs"/>
-              </a:defRPr>
-            </a:lvl8pPr>
-            <a:lvl9pPr marL="3886200" indent="-228600" algn="l" defTabSz="914400" rtl="0" eaLnBrk="1" latinLnBrk="0" hangingPunct="1">
-              <a:lnSpc>
-                <a:spcPct val="90000"/>
-              </a:lnSpc>
-              <a:spcBef>
-                <a:spcPts val="500"/>
-              </a:spcBef>
-              <a:buFont typeface="Arial" panose="020B0604020202020204" pitchFamily="34" charset="0"/>
-              <a:buChar char="•"/>
-              <a:defRPr sz="1800" kern="1200">
-                <a:solidFill>
-                  <a:schemeClr val="tx1"/>
-                </a:solidFill>
-                <a:latin typeface="+mn-lt"/>
-                <a:ea typeface="+mn-ea"/>
-                <a:cs typeface="+mn-cs"/>
-              </a:defRPr>
-            </a:lvl9pPr>
-          </a:lstStyle>
+          <a:bodyPr/>
+          <a:lstStyle/>
           <a:p>
-            <a:r>
-              <a:rPr lang="en-US" dirty="0"/>
-              <a:t>known as “surprisal”, an expression of epistemic conflict</a:t>
-            </a:r>
-          </a:p>
-          <a:p>
-            <a:pPr marL="0" indent="0">
-              <a:buFont typeface="Arial" panose="020B0604020202020204" pitchFamily="34" charset="0"/>
-              <a:buNone/>
-            </a:pPr>
-            <a:endParaRPr lang="en-US" dirty="0"/>
+            <a:fld id="{6CB50425-FF15-4809-B051-6F0DDC60174A}" type="slidenum">
+              <a:rPr lang="en-US" smtClean="0"/>
+              <a:t>8</a:t>
+            </a:fld>
+            <a:endParaRPr lang="en-US"/>
           </a:p>
         </p:txBody>
       </p:sp>
@@ -37316,51 +38826,6 @@
                       </p:childTnLst>
                     </p:cTn>
                   </p:par>
-                  <p:par>
-                    <p:cTn id="7" fill="hold">
-                      <p:stCondLst>
-                        <p:cond delay="indefinite"/>
-                      </p:stCondLst>
-                      <p:childTnLst>
-                        <p:par>
-                          <p:cTn id="8" fill="hold">
-                            <p:stCondLst>
-                              <p:cond delay="0"/>
-                            </p:stCondLst>
-                            <p:childTnLst>
-                              <p:par>
-                                <p:cTn id="9" presetID="1" presetClass="entr" presetSubtype="0" fill="hold" grpId="0" nodeType="clickEffect">
-                                  <p:stCondLst>
-                                    <p:cond delay="0"/>
-                                  </p:stCondLst>
-                                  <p:childTnLst>
-                                    <p:set>
-                                      <p:cBhvr>
-                                        <p:cTn id="10" dur="1" fill="hold">
-                                          <p:stCondLst>
-                                            <p:cond delay="0"/>
-                                          </p:stCondLst>
-                                        </p:cTn>
-                                        <p:tgtEl>
-                                          <p:spTgt spid="7"/>
-                                        </p:tgtEl>
-                                        <p:attrNameLst>
-                                          <p:attrName>style.visibility</p:attrName>
-                                        </p:attrNameLst>
-                                      </p:cBhvr>
-                                      <p:to>
-                                        <p:strVal val="visible"/>
-                                      </p:to>
-                                    </p:set>
-                                  </p:childTnLst>
-                                </p:cTn>
-                              </p:par>
-                            </p:childTnLst>
-                          </p:cTn>
-                        </p:par>
-                      </p:childTnLst>
-                    </p:cTn>
-                  </p:par>
                 </p:childTnLst>
               </p:cTn>
               <p:prevCondLst>
@@ -37382,9 +38847,6 @@
         </p:cTn>
       </p:par>
     </p:tnLst>
-    <p:bldLst>
-      <p:bldP spid="7" grpId="0"/>
-    </p:bldLst>
   </p:timing>
 </p:sld>
 </file>
@@ -37568,8 +39030,8 @@
           </a:p>
         </p:txBody>
       </p:sp>
-      <mc:AlternateContent xmlns:mc="http://schemas.openxmlformats.org/markup-compatibility/2006">
-        <mc:Choice xmlns:a14="http://schemas.microsoft.com/office/drawing/2010/main" Requires="a14">
+      <mc:AlternateContent xmlns:mc="http://schemas.openxmlformats.org/markup-compatibility/2006" xmlns:a14="http://schemas.microsoft.com/office/drawing/2010/main">
+        <mc:Choice Requires="a14">
           <p:sp>
             <p:nvSpPr>
               <p:cNvPr id="20" name="Content Placeholder 5">
@@ -37675,7 +39137,7 @@
             </p:txBody>
           </p:sp>
         </mc:Choice>
-        <mc:Fallback>
+        <mc:Fallback xmlns="">
           <p:sp>
             <p:nvSpPr>
               <p:cNvPr id="20" name="Content Placeholder 5">
@@ -37719,6 +39181,35 @@
           </p:sp>
         </mc:Fallback>
       </mc:AlternateContent>
+      <p:sp>
+        <p:nvSpPr>
+          <p:cNvPr id="3" name="Slide Number Placeholder 2">
+            <a:extLst>
+              <a:ext uri="{FF2B5EF4-FFF2-40B4-BE49-F238E27FC236}">
+                <a16:creationId xmlns:a16="http://schemas.microsoft.com/office/drawing/2014/main" id="{AEB1E54D-492D-4FF8-A339-03C94DAA43DA}"/>
+              </a:ext>
+            </a:extLst>
+          </p:cNvPr>
+          <p:cNvSpPr>
+            <a:spLocks noGrp="1"/>
+          </p:cNvSpPr>
+          <p:nvPr>
+            <p:ph type="sldNum" sz="quarter" idx="12"/>
+          </p:nvPr>
+        </p:nvSpPr>
+        <p:spPr/>
+        <p:txBody>
+          <a:bodyPr/>
+          <a:lstStyle/>
+          <a:p>
+            <a:fld id="{6CB50425-FF15-4809-B051-6F0DDC60174A}" type="slidenum">
+              <a:rPr lang="en-US" smtClean="0"/>
+              <a:t>9</a:t>
+            </a:fld>
+            <a:endParaRPr lang="en-US"/>
+          </a:p>
+        </p:txBody>
+      </p:sp>
     </p:spTree>
     <p:extLst>
       <p:ext uri="{BB962C8B-B14F-4D97-AF65-F5344CB8AC3E}">

--- a/present/AISTATS-2022/one-true-loss.pptx
+++ b/present/AISTATS-2022/one-true-loss.pptx
@@ -263,7 +263,7 @@
           <a:p>
             <a:fld id="{F5DDDE9D-E35D-4903-86F5-E1B8CFAF0592}" type="datetimeFigureOut">
               <a:rPr lang="en-US" smtClean="0"/>
-              <a:t>3/14/2022</a:t>
+              <a:t>15-Mar-22</a:t>
             </a:fld>
             <a:endParaRPr lang="en-US"/>
           </a:p>
@@ -1013,7 +1013,7 @@
           <a:p>
             <a:fld id="{4A8ADDCC-B367-41F4-AAA2-B877429E4084}" type="datetime1">
               <a:rPr lang="en-US" smtClean="0"/>
-              <a:t>3/14/2022</a:t>
+              <a:t>15-Mar-22</a:t>
             </a:fld>
             <a:endParaRPr lang="en-US"/>
           </a:p>
@@ -1211,7 +1211,7 @@
           <a:p>
             <a:fld id="{1B055FF5-A0E5-4291-9737-85F30D1F97A1}" type="datetime1">
               <a:rPr lang="en-US" smtClean="0"/>
-              <a:t>3/14/2022</a:t>
+              <a:t>15-Mar-22</a:t>
             </a:fld>
             <a:endParaRPr lang="en-US"/>
           </a:p>
@@ -1419,7 +1419,7 @@
           <a:p>
             <a:fld id="{B62626A5-7E04-4999-AA42-889DCBEAFD75}" type="datetime1">
               <a:rPr lang="en-US" smtClean="0"/>
-              <a:t>3/14/2022</a:t>
+              <a:t>15-Mar-22</a:t>
             </a:fld>
             <a:endParaRPr lang="en-US"/>
           </a:p>
@@ -1617,7 +1617,7 @@
           <a:p>
             <a:fld id="{B62B030E-B2E4-4267-8602-D580CA2E059B}" type="datetime1">
               <a:rPr lang="en-US" smtClean="0"/>
-              <a:t>3/14/2022</a:t>
+              <a:t>15-Mar-22</a:t>
             </a:fld>
             <a:endParaRPr lang="en-US"/>
           </a:p>
@@ -1892,7 +1892,7 @@
           <a:p>
             <a:fld id="{FAE0EC02-EE86-4F96-AD6E-2798D16BDE28}" type="datetime1">
               <a:rPr lang="en-US" smtClean="0"/>
-              <a:t>3/14/2022</a:t>
+              <a:t>15-Mar-22</a:t>
             </a:fld>
             <a:endParaRPr lang="en-US"/>
           </a:p>
@@ -2157,7 +2157,7 @@
           <a:p>
             <a:fld id="{60769A85-C446-4B9E-9E6A-0A38A5C50432}" type="datetime1">
               <a:rPr lang="en-US" smtClean="0"/>
-              <a:t>3/14/2022</a:t>
+              <a:t>15-Mar-22</a:t>
             </a:fld>
             <a:endParaRPr lang="en-US"/>
           </a:p>
@@ -2569,7 +2569,7 @@
           <a:p>
             <a:fld id="{CBC45266-B6FB-41EC-A90F-B8C5B22BA098}" type="datetime1">
               <a:rPr lang="en-US" smtClean="0"/>
-              <a:t>3/14/2022</a:t>
+              <a:t>15-Mar-22</a:t>
             </a:fld>
             <a:endParaRPr lang="en-US"/>
           </a:p>
@@ -2710,7 +2710,7 @@
           <a:p>
             <a:fld id="{427EBC3C-EFA2-45F2-826F-98A851DFF79C}" type="datetime1">
               <a:rPr lang="en-US" smtClean="0"/>
-              <a:t>3/14/2022</a:t>
+              <a:t>15-Mar-22</a:t>
             </a:fld>
             <a:endParaRPr lang="en-US"/>
           </a:p>
@@ -2823,7 +2823,7 @@
           <a:p>
             <a:fld id="{7E32D71F-BB00-4060-962E-601076B259EF}" type="datetime1">
               <a:rPr lang="en-US" smtClean="0"/>
-              <a:t>3/14/2022</a:t>
+              <a:t>15-Mar-22</a:t>
             </a:fld>
             <a:endParaRPr lang="en-US"/>
           </a:p>
@@ -3134,7 +3134,7 @@
           <a:p>
             <a:fld id="{DFCCC762-430C-4A9B-8FEB-C7BCB3A0A51C}" type="datetime1">
               <a:rPr lang="en-US" smtClean="0"/>
-              <a:t>3/14/2022</a:t>
+              <a:t>15-Mar-22</a:t>
             </a:fld>
             <a:endParaRPr lang="en-US"/>
           </a:p>
@@ -3422,7 +3422,7 @@
           <a:p>
             <a:fld id="{AB2C2A59-9F73-4E30-B1C8-D612DCC092A3}" type="datetime1">
               <a:rPr lang="en-US" smtClean="0"/>
-              <a:t>3/14/2022</a:t>
+              <a:t>15-Mar-22</a:t>
             </a:fld>
             <a:endParaRPr lang="en-US"/>
           </a:p>
@@ -3663,7 +3663,7 @@
           <a:p>
             <a:fld id="{F6D7004A-F216-489A-9921-E81C2DB80F66}" type="datetime1">
               <a:rPr lang="en-US" smtClean="0"/>
-              <a:t>3/14/2022</a:t>
+              <a:t>15-Mar-22</a:t>
             </a:fld>
             <a:endParaRPr lang="en-US"/>
           </a:p>
@@ -9310,10 +9310,10 @@
       </p:grpSp>
       <p:grpSp>
         <p:nvGrpSpPr>
-          <p:cNvPr id="387" name="Group 386">
+          <p:cNvPr id="6" name="Group 5">
             <a:extLst>
               <a:ext uri="{FF2B5EF4-FFF2-40B4-BE49-F238E27FC236}">
-                <a16:creationId xmlns:a16="http://schemas.microsoft.com/office/drawing/2014/main" id="{AAC54C26-C74D-45D7-94D0-65A01847800C}"/>
+                <a16:creationId xmlns:a16="http://schemas.microsoft.com/office/drawing/2014/main" id="{6802BFC1-4943-49C4-BEBA-9D4DF8ECE670}"/>
               </a:ext>
             </a:extLst>
           </p:cNvPr>
@@ -9322,239 +9322,12 @@
         </p:nvGrpSpPr>
         <p:grpSpPr>
           <a:xfrm>
-            <a:off x="-87158" y="0"/>
-            <a:ext cx="12279158" cy="6890882"/>
-            <a:chOff x="-87158" y="0"/>
-            <a:chExt cx="12279158" cy="6890882"/>
+            <a:off x="-34665" y="-8964"/>
+            <a:ext cx="12226665" cy="6899846"/>
+            <a:chOff x="-34665" y="-8964"/>
+            <a:chExt cx="12226665" cy="6899846"/>
           </a:xfrm>
         </p:grpSpPr>
-        <p:sp>
-          <p:nvSpPr>
-            <p:cNvPr id="385" name="Rectangle 384">
-              <a:extLst>
-                <a:ext uri="{FF2B5EF4-FFF2-40B4-BE49-F238E27FC236}">
-                  <a16:creationId xmlns:a16="http://schemas.microsoft.com/office/drawing/2014/main" id="{A0378391-B4FB-4E2C-88FD-0BBC0A7C6413}"/>
-                </a:ext>
-              </a:extLst>
-            </p:cNvPr>
-            <p:cNvSpPr/>
-            <p:nvPr/>
-          </p:nvSpPr>
-          <p:spPr>
-            <a:xfrm>
-              <a:off x="-87158" y="0"/>
-              <a:ext cx="6332918" cy="6890882"/>
-            </a:xfrm>
-            <a:custGeom>
-              <a:avLst/>
-              <a:gdLst>
-                <a:gd name="connsiteX0" fmla="*/ 0 w 6245761"/>
-                <a:gd name="connsiteY0" fmla="*/ 0 h 6890882"/>
-                <a:gd name="connsiteX1" fmla="*/ 6245761 w 6245761"/>
-                <a:gd name="connsiteY1" fmla="*/ 0 h 6890882"/>
-                <a:gd name="connsiteX2" fmla="*/ 6245761 w 6245761"/>
-                <a:gd name="connsiteY2" fmla="*/ 6890882 h 6890882"/>
-                <a:gd name="connsiteX3" fmla="*/ 0 w 6245761"/>
-                <a:gd name="connsiteY3" fmla="*/ 6890882 h 6890882"/>
-                <a:gd name="connsiteX4" fmla="*/ 0 w 6245761"/>
-                <a:gd name="connsiteY4" fmla="*/ 0 h 6890882"/>
-                <a:gd name="connsiteX0" fmla="*/ 0 w 6245761"/>
-                <a:gd name="connsiteY0" fmla="*/ 0 h 6890882"/>
-                <a:gd name="connsiteX1" fmla="*/ 2657475 w 6245761"/>
-                <a:gd name="connsiteY1" fmla="*/ 0 h 6890882"/>
-                <a:gd name="connsiteX2" fmla="*/ 6245761 w 6245761"/>
-                <a:gd name="connsiteY2" fmla="*/ 0 h 6890882"/>
-                <a:gd name="connsiteX3" fmla="*/ 6245761 w 6245761"/>
-                <a:gd name="connsiteY3" fmla="*/ 6890882 h 6890882"/>
-                <a:gd name="connsiteX4" fmla="*/ 0 w 6245761"/>
-                <a:gd name="connsiteY4" fmla="*/ 6890882 h 6890882"/>
-                <a:gd name="connsiteX5" fmla="*/ 0 w 6245761"/>
-                <a:gd name="connsiteY5" fmla="*/ 0 h 6890882"/>
-                <a:gd name="connsiteX0" fmla="*/ 2657475 w 6245761"/>
-                <a:gd name="connsiteY0" fmla="*/ 1485900 h 6890882"/>
-                <a:gd name="connsiteX1" fmla="*/ 2657475 w 6245761"/>
-                <a:gd name="connsiteY1" fmla="*/ 0 h 6890882"/>
-                <a:gd name="connsiteX2" fmla="*/ 6245761 w 6245761"/>
-                <a:gd name="connsiteY2" fmla="*/ 0 h 6890882"/>
-                <a:gd name="connsiteX3" fmla="*/ 6245761 w 6245761"/>
-                <a:gd name="connsiteY3" fmla="*/ 6890882 h 6890882"/>
-                <a:gd name="connsiteX4" fmla="*/ 0 w 6245761"/>
-                <a:gd name="connsiteY4" fmla="*/ 6890882 h 6890882"/>
-                <a:gd name="connsiteX5" fmla="*/ 2657475 w 6245761"/>
-                <a:gd name="connsiteY5" fmla="*/ 1485900 h 6890882"/>
-                <a:gd name="connsiteX0" fmla="*/ 2860458 w 6448744"/>
-                <a:gd name="connsiteY0" fmla="*/ 1485900 h 6890882"/>
-                <a:gd name="connsiteX1" fmla="*/ 2860458 w 6448744"/>
-                <a:gd name="connsiteY1" fmla="*/ 0 h 6890882"/>
-                <a:gd name="connsiteX2" fmla="*/ 6448744 w 6448744"/>
-                <a:gd name="connsiteY2" fmla="*/ 0 h 6890882"/>
-                <a:gd name="connsiteX3" fmla="*/ 6448744 w 6448744"/>
-                <a:gd name="connsiteY3" fmla="*/ 6890882 h 6890882"/>
-                <a:gd name="connsiteX4" fmla="*/ 202983 w 6448744"/>
-                <a:gd name="connsiteY4" fmla="*/ 6890882 h 6890882"/>
-                <a:gd name="connsiteX5" fmla="*/ 231558 w 6448744"/>
-                <a:gd name="connsiteY5" fmla="*/ 1514475 h 6890882"/>
-                <a:gd name="connsiteX6" fmla="*/ 2860458 w 6448744"/>
-                <a:gd name="connsiteY6" fmla="*/ 1485900 h 6890882"/>
-                <a:gd name="connsiteX0" fmla="*/ 2657475 w 6245761"/>
-                <a:gd name="connsiteY0" fmla="*/ 1485900 h 6890882"/>
-                <a:gd name="connsiteX1" fmla="*/ 2657475 w 6245761"/>
-                <a:gd name="connsiteY1" fmla="*/ 0 h 6890882"/>
-                <a:gd name="connsiteX2" fmla="*/ 6245761 w 6245761"/>
-                <a:gd name="connsiteY2" fmla="*/ 0 h 6890882"/>
-                <a:gd name="connsiteX3" fmla="*/ 6245761 w 6245761"/>
-                <a:gd name="connsiteY3" fmla="*/ 6890882 h 6890882"/>
-                <a:gd name="connsiteX4" fmla="*/ 0 w 6245761"/>
-                <a:gd name="connsiteY4" fmla="*/ 6890882 h 6890882"/>
-                <a:gd name="connsiteX5" fmla="*/ 28575 w 6245761"/>
-                <a:gd name="connsiteY5" fmla="*/ 1514475 h 6890882"/>
-                <a:gd name="connsiteX6" fmla="*/ 2657475 w 6245761"/>
-                <a:gd name="connsiteY6" fmla="*/ 1485900 h 6890882"/>
-                <a:gd name="connsiteX0" fmla="*/ 2672470 w 6260756"/>
-                <a:gd name="connsiteY0" fmla="*/ 1485900 h 6890882"/>
-                <a:gd name="connsiteX1" fmla="*/ 2672470 w 6260756"/>
-                <a:gd name="connsiteY1" fmla="*/ 0 h 6890882"/>
-                <a:gd name="connsiteX2" fmla="*/ 6260756 w 6260756"/>
-                <a:gd name="connsiteY2" fmla="*/ 0 h 6890882"/>
-                <a:gd name="connsiteX3" fmla="*/ 6260756 w 6260756"/>
-                <a:gd name="connsiteY3" fmla="*/ 6890882 h 6890882"/>
-                <a:gd name="connsiteX4" fmla="*/ 14995 w 6260756"/>
-                <a:gd name="connsiteY4" fmla="*/ 6890882 h 6890882"/>
-                <a:gd name="connsiteX5" fmla="*/ 43570 w 6260756"/>
-                <a:gd name="connsiteY5" fmla="*/ 1514475 h 6890882"/>
-                <a:gd name="connsiteX6" fmla="*/ 2672470 w 6260756"/>
-                <a:gd name="connsiteY6" fmla="*/ 1485900 h 6890882"/>
-                <a:gd name="connsiteX0" fmla="*/ 2680667 w 6268953"/>
-                <a:gd name="connsiteY0" fmla="*/ 1485900 h 6890882"/>
-                <a:gd name="connsiteX1" fmla="*/ 2680667 w 6268953"/>
-                <a:gd name="connsiteY1" fmla="*/ 0 h 6890882"/>
-                <a:gd name="connsiteX2" fmla="*/ 6268953 w 6268953"/>
-                <a:gd name="connsiteY2" fmla="*/ 0 h 6890882"/>
-                <a:gd name="connsiteX3" fmla="*/ 6268953 w 6268953"/>
-                <a:gd name="connsiteY3" fmla="*/ 6890882 h 6890882"/>
-                <a:gd name="connsiteX4" fmla="*/ 23192 w 6268953"/>
-                <a:gd name="connsiteY4" fmla="*/ 6890882 h 6890882"/>
-                <a:gd name="connsiteX5" fmla="*/ 39067 w 6268953"/>
-                <a:gd name="connsiteY5" fmla="*/ 1514475 h 6890882"/>
-                <a:gd name="connsiteX6" fmla="*/ 2680667 w 6268953"/>
-                <a:gd name="connsiteY6" fmla="*/ 1485900 h 6890882"/>
-                <a:gd name="connsiteX0" fmla="*/ 2657475 w 6245761"/>
-                <a:gd name="connsiteY0" fmla="*/ 1485900 h 6890882"/>
-                <a:gd name="connsiteX1" fmla="*/ 2657475 w 6245761"/>
-                <a:gd name="connsiteY1" fmla="*/ 0 h 6890882"/>
-                <a:gd name="connsiteX2" fmla="*/ 6245761 w 6245761"/>
-                <a:gd name="connsiteY2" fmla="*/ 0 h 6890882"/>
-                <a:gd name="connsiteX3" fmla="*/ 6245761 w 6245761"/>
-                <a:gd name="connsiteY3" fmla="*/ 6890882 h 6890882"/>
-                <a:gd name="connsiteX4" fmla="*/ 0 w 6245761"/>
-                <a:gd name="connsiteY4" fmla="*/ 6890882 h 6890882"/>
-                <a:gd name="connsiteX5" fmla="*/ 15875 w 6245761"/>
-                <a:gd name="connsiteY5" fmla="*/ 1514475 h 6890882"/>
-                <a:gd name="connsiteX6" fmla="*/ 2657475 w 6245761"/>
-                <a:gd name="connsiteY6" fmla="*/ 1485900 h 6890882"/>
-                <a:gd name="connsiteX0" fmla="*/ 2744632 w 6332918"/>
-                <a:gd name="connsiteY0" fmla="*/ 1485900 h 6890882"/>
-                <a:gd name="connsiteX1" fmla="*/ 2744632 w 6332918"/>
-                <a:gd name="connsiteY1" fmla="*/ 0 h 6890882"/>
-                <a:gd name="connsiteX2" fmla="*/ 6332918 w 6332918"/>
-                <a:gd name="connsiteY2" fmla="*/ 0 h 6890882"/>
-                <a:gd name="connsiteX3" fmla="*/ 6332918 w 6332918"/>
-                <a:gd name="connsiteY3" fmla="*/ 6890882 h 6890882"/>
-                <a:gd name="connsiteX4" fmla="*/ 87157 w 6332918"/>
-                <a:gd name="connsiteY4" fmla="*/ 6890882 h 6890882"/>
-                <a:gd name="connsiteX5" fmla="*/ 1432 w 6332918"/>
-                <a:gd name="connsiteY5" fmla="*/ 1532948 h 6890882"/>
-                <a:gd name="connsiteX6" fmla="*/ 2744632 w 6332918"/>
-                <a:gd name="connsiteY6" fmla="*/ 1485900 h 6890882"/>
-              </a:gdLst>
-              <a:ahLst/>
-              <a:cxnLst>
-                <a:cxn ang="0">
-                  <a:pos x="connsiteX0" y="connsiteY0"/>
-                </a:cxn>
-                <a:cxn ang="0">
-                  <a:pos x="connsiteX1" y="connsiteY1"/>
-                </a:cxn>
-                <a:cxn ang="0">
-                  <a:pos x="connsiteX2" y="connsiteY2"/>
-                </a:cxn>
-                <a:cxn ang="0">
-                  <a:pos x="connsiteX3" y="connsiteY3"/>
-                </a:cxn>
-                <a:cxn ang="0">
-                  <a:pos x="connsiteX4" y="connsiteY4"/>
-                </a:cxn>
-                <a:cxn ang="0">
-                  <a:pos x="connsiteX5" y="connsiteY5"/>
-                </a:cxn>
-                <a:cxn ang="0">
-                  <a:pos x="connsiteX6" y="connsiteY6"/>
-                </a:cxn>
-              </a:cxnLst>
-              <a:rect l="l" t="t" r="r" b="b"/>
-              <a:pathLst>
-                <a:path w="6332918" h="6890882">
-                  <a:moveTo>
-                    <a:pt x="2744632" y="1485900"/>
-                  </a:moveTo>
-                  <a:lnTo>
-                    <a:pt x="2744632" y="0"/>
-                  </a:lnTo>
-                  <a:lnTo>
-                    <a:pt x="6332918" y="0"/>
-                  </a:lnTo>
-                  <a:lnTo>
-                    <a:pt x="6332918" y="6890882"/>
-                  </a:lnTo>
-                  <a:lnTo>
-                    <a:pt x="87157" y="6890882"/>
-                  </a:lnTo>
-                  <a:cubicBezTo>
-                    <a:pt x="90332" y="6244921"/>
-                    <a:pt x="-13288" y="2307063"/>
-                    <a:pt x="1432" y="1532948"/>
-                  </a:cubicBezTo>
-                  <a:lnTo>
-                    <a:pt x="2744632" y="1485900"/>
-                  </a:lnTo>
-                  <a:close/>
-                </a:path>
-              </a:pathLst>
-            </a:custGeom>
-            <a:solidFill>
-              <a:srgbClr val="DD7E0E">
-                <a:alpha val="29020"/>
-              </a:srgbClr>
-            </a:solidFill>
-            <a:ln>
-              <a:noFill/>
-            </a:ln>
-          </p:spPr>
-          <p:style>
-            <a:lnRef idx="2">
-              <a:schemeClr val="accent1">
-                <a:shade val="50000"/>
-              </a:schemeClr>
-            </a:lnRef>
-            <a:fillRef idx="1">
-              <a:schemeClr val="accent1"/>
-            </a:fillRef>
-            <a:effectRef idx="0">
-              <a:schemeClr val="accent1"/>
-            </a:effectRef>
-            <a:fontRef idx="minor">
-              <a:schemeClr val="lt1"/>
-            </a:fontRef>
-          </p:style>
-          <p:txBody>
-            <a:bodyPr rtlCol="0" anchor="ctr"/>
-            <a:lstStyle/>
-            <a:p>
-              <a:pPr algn="ctr"/>
-              <a:endParaRPr lang="en-US"/>
-            </a:p>
-          </p:txBody>
-        </p:sp>
         <p:sp>
           <p:nvSpPr>
             <p:cNvPr id="386" name="Rectangle 385">
@@ -9779,6 +9552,305 @@
             </a:p>
           </p:txBody>
         </p:sp>
+        <p:sp>
+          <p:nvSpPr>
+            <p:cNvPr id="53" name="Rectangle 384">
+              <a:extLst>
+                <a:ext uri="{FF2B5EF4-FFF2-40B4-BE49-F238E27FC236}">
+                  <a16:creationId xmlns:a16="http://schemas.microsoft.com/office/drawing/2014/main" id="{DAD8E116-A0A5-4873-92B1-255DC60A3296}"/>
+                </a:ext>
+              </a:extLst>
+            </p:cNvPr>
+            <p:cNvSpPr/>
+            <p:nvPr/>
+          </p:nvSpPr>
+          <p:spPr>
+            <a:xfrm>
+              <a:off x="-34665" y="-8964"/>
+              <a:ext cx="6280425" cy="6899846"/>
+            </a:xfrm>
+            <a:custGeom>
+              <a:avLst/>
+              <a:gdLst>
+                <a:gd name="connsiteX0" fmla="*/ 0 w 6245761"/>
+                <a:gd name="connsiteY0" fmla="*/ 0 h 6890882"/>
+                <a:gd name="connsiteX1" fmla="*/ 6245761 w 6245761"/>
+                <a:gd name="connsiteY1" fmla="*/ 0 h 6890882"/>
+                <a:gd name="connsiteX2" fmla="*/ 6245761 w 6245761"/>
+                <a:gd name="connsiteY2" fmla="*/ 6890882 h 6890882"/>
+                <a:gd name="connsiteX3" fmla="*/ 0 w 6245761"/>
+                <a:gd name="connsiteY3" fmla="*/ 6890882 h 6890882"/>
+                <a:gd name="connsiteX4" fmla="*/ 0 w 6245761"/>
+                <a:gd name="connsiteY4" fmla="*/ 0 h 6890882"/>
+                <a:gd name="connsiteX0" fmla="*/ 0 w 6245761"/>
+                <a:gd name="connsiteY0" fmla="*/ 0 h 6890882"/>
+                <a:gd name="connsiteX1" fmla="*/ 2657475 w 6245761"/>
+                <a:gd name="connsiteY1" fmla="*/ 0 h 6890882"/>
+                <a:gd name="connsiteX2" fmla="*/ 6245761 w 6245761"/>
+                <a:gd name="connsiteY2" fmla="*/ 0 h 6890882"/>
+                <a:gd name="connsiteX3" fmla="*/ 6245761 w 6245761"/>
+                <a:gd name="connsiteY3" fmla="*/ 6890882 h 6890882"/>
+                <a:gd name="connsiteX4" fmla="*/ 0 w 6245761"/>
+                <a:gd name="connsiteY4" fmla="*/ 6890882 h 6890882"/>
+                <a:gd name="connsiteX5" fmla="*/ 0 w 6245761"/>
+                <a:gd name="connsiteY5" fmla="*/ 0 h 6890882"/>
+                <a:gd name="connsiteX0" fmla="*/ 2657475 w 6245761"/>
+                <a:gd name="connsiteY0" fmla="*/ 1485900 h 6890882"/>
+                <a:gd name="connsiteX1" fmla="*/ 2657475 w 6245761"/>
+                <a:gd name="connsiteY1" fmla="*/ 0 h 6890882"/>
+                <a:gd name="connsiteX2" fmla="*/ 6245761 w 6245761"/>
+                <a:gd name="connsiteY2" fmla="*/ 0 h 6890882"/>
+                <a:gd name="connsiteX3" fmla="*/ 6245761 w 6245761"/>
+                <a:gd name="connsiteY3" fmla="*/ 6890882 h 6890882"/>
+                <a:gd name="connsiteX4" fmla="*/ 0 w 6245761"/>
+                <a:gd name="connsiteY4" fmla="*/ 6890882 h 6890882"/>
+                <a:gd name="connsiteX5" fmla="*/ 2657475 w 6245761"/>
+                <a:gd name="connsiteY5" fmla="*/ 1485900 h 6890882"/>
+                <a:gd name="connsiteX0" fmla="*/ 2860458 w 6448744"/>
+                <a:gd name="connsiteY0" fmla="*/ 1485900 h 6890882"/>
+                <a:gd name="connsiteX1" fmla="*/ 2860458 w 6448744"/>
+                <a:gd name="connsiteY1" fmla="*/ 0 h 6890882"/>
+                <a:gd name="connsiteX2" fmla="*/ 6448744 w 6448744"/>
+                <a:gd name="connsiteY2" fmla="*/ 0 h 6890882"/>
+                <a:gd name="connsiteX3" fmla="*/ 6448744 w 6448744"/>
+                <a:gd name="connsiteY3" fmla="*/ 6890882 h 6890882"/>
+                <a:gd name="connsiteX4" fmla="*/ 202983 w 6448744"/>
+                <a:gd name="connsiteY4" fmla="*/ 6890882 h 6890882"/>
+                <a:gd name="connsiteX5" fmla="*/ 231558 w 6448744"/>
+                <a:gd name="connsiteY5" fmla="*/ 1514475 h 6890882"/>
+                <a:gd name="connsiteX6" fmla="*/ 2860458 w 6448744"/>
+                <a:gd name="connsiteY6" fmla="*/ 1485900 h 6890882"/>
+                <a:gd name="connsiteX0" fmla="*/ 2657475 w 6245761"/>
+                <a:gd name="connsiteY0" fmla="*/ 1485900 h 6890882"/>
+                <a:gd name="connsiteX1" fmla="*/ 2657475 w 6245761"/>
+                <a:gd name="connsiteY1" fmla="*/ 0 h 6890882"/>
+                <a:gd name="connsiteX2" fmla="*/ 6245761 w 6245761"/>
+                <a:gd name="connsiteY2" fmla="*/ 0 h 6890882"/>
+                <a:gd name="connsiteX3" fmla="*/ 6245761 w 6245761"/>
+                <a:gd name="connsiteY3" fmla="*/ 6890882 h 6890882"/>
+                <a:gd name="connsiteX4" fmla="*/ 0 w 6245761"/>
+                <a:gd name="connsiteY4" fmla="*/ 6890882 h 6890882"/>
+                <a:gd name="connsiteX5" fmla="*/ 28575 w 6245761"/>
+                <a:gd name="connsiteY5" fmla="*/ 1514475 h 6890882"/>
+                <a:gd name="connsiteX6" fmla="*/ 2657475 w 6245761"/>
+                <a:gd name="connsiteY6" fmla="*/ 1485900 h 6890882"/>
+                <a:gd name="connsiteX0" fmla="*/ 2672470 w 6260756"/>
+                <a:gd name="connsiteY0" fmla="*/ 1485900 h 6890882"/>
+                <a:gd name="connsiteX1" fmla="*/ 2672470 w 6260756"/>
+                <a:gd name="connsiteY1" fmla="*/ 0 h 6890882"/>
+                <a:gd name="connsiteX2" fmla="*/ 6260756 w 6260756"/>
+                <a:gd name="connsiteY2" fmla="*/ 0 h 6890882"/>
+                <a:gd name="connsiteX3" fmla="*/ 6260756 w 6260756"/>
+                <a:gd name="connsiteY3" fmla="*/ 6890882 h 6890882"/>
+                <a:gd name="connsiteX4" fmla="*/ 14995 w 6260756"/>
+                <a:gd name="connsiteY4" fmla="*/ 6890882 h 6890882"/>
+                <a:gd name="connsiteX5" fmla="*/ 43570 w 6260756"/>
+                <a:gd name="connsiteY5" fmla="*/ 1514475 h 6890882"/>
+                <a:gd name="connsiteX6" fmla="*/ 2672470 w 6260756"/>
+                <a:gd name="connsiteY6" fmla="*/ 1485900 h 6890882"/>
+                <a:gd name="connsiteX0" fmla="*/ 2680667 w 6268953"/>
+                <a:gd name="connsiteY0" fmla="*/ 1485900 h 6890882"/>
+                <a:gd name="connsiteX1" fmla="*/ 2680667 w 6268953"/>
+                <a:gd name="connsiteY1" fmla="*/ 0 h 6890882"/>
+                <a:gd name="connsiteX2" fmla="*/ 6268953 w 6268953"/>
+                <a:gd name="connsiteY2" fmla="*/ 0 h 6890882"/>
+                <a:gd name="connsiteX3" fmla="*/ 6268953 w 6268953"/>
+                <a:gd name="connsiteY3" fmla="*/ 6890882 h 6890882"/>
+                <a:gd name="connsiteX4" fmla="*/ 23192 w 6268953"/>
+                <a:gd name="connsiteY4" fmla="*/ 6890882 h 6890882"/>
+                <a:gd name="connsiteX5" fmla="*/ 39067 w 6268953"/>
+                <a:gd name="connsiteY5" fmla="*/ 1514475 h 6890882"/>
+                <a:gd name="connsiteX6" fmla="*/ 2680667 w 6268953"/>
+                <a:gd name="connsiteY6" fmla="*/ 1485900 h 6890882"/>
+                <a:gd name="connsiteX0" fmla="*/ 2657475 w 6245761"/>
+                <a:gd name="connsiteY0" fmla="*/ 1485900 h 6890882"/>
+                <a:gd name="connsiteX1" fmla="*/ 2657475 w 6245761"/>
+                <a:gd name="connsiteY1" fmla="*/ 0 h 6890882"/>
+                <a:gd name="connsiteX2" fmla="*/ 6245761 w 6245761"/>
+                <a:gd name="connsiteY2" fmla="*/ 0 h 6890882"/>
+                <a:gd name="connsiteX3" fmla="*/ 6245761 w 6245761"/>
+                <a:gd name="connsiteY3" fmla="*/ 6890882 h 6890882"/>
+                <a:gd name="connsiteX4" fmla="*/ 0 w 6245761"/>
+                <a:gd name="connsiteY4" fmla="*/ 6890882 h 6890882"/>
+                <a:gd name="connsiteX5" fmla="*/ 15875 w 6245761"/>
+                <a:gd name="connsiteY5" fmla="*/ 1514475 h 6890882"/>
+                <a:gd name="connsiteX6" fmla="*/ 2657475 w 6245761"/>
+                <a:gd name="connsiteY6" fmla="*/ 1485900 h 6890882"/>
+                <a:gd name="connsiteX0" fmla="*/ 2744632 w 6332918"/>
+                <a:gd name="connsiteY0" fmla="*/ 1485900 h 6890882"/>
+                <a:gd name="connsiteX1" fmla="*/ 2744632 w 6332918"/>
+                <a:gd name="connsiteY1" fmla="*/ 0 h 6890882"/>
+                <a:gd name="connsiteX2" fmla="*/ 6332918 w 6332918"/>
+                <a:gd name="connsiteY2" fmla="*/ 0 h 6890882"/>
+                <a:gd name="connsiteX3" fmla="*/ 6332918 w 6332918"/>
+                <a:gd name="connsiteY3" fmla="*/ 6890882 h 6890882"/>
+                <a:gd name="connsiteX4" fmla="*/ 87157 w 6332918"/>
+                <a:gd name="connsiteY4" fmla="*/ 6890882 h 6890882"/>
+                <a:gd name="connsiteX5" fmla="*/ 1432 w 6332918"/>
+                <a:gd name="connsiteY5" fmla="*/ 1532948 h 6890882"/>
+                <a:gd name="connsiteX6" fmla="*/ 2744632 w 6332918"/>
+                <a:gd name="connsiteY6" fmla="*/ 1485900 h 6890882"/>
+                <a:gd name="connsiteX0" fmla="*/ 2161926 w 6332918"/>
+                <a:gd name="connsiteY0" fmla="*/ 1539688 h 6890882"/>
+                <a:gd name="connsiteX1" fmla="*/ 2744632 w 6332918"/>
+                <a:gd name="connsiteY1" fmla="*/ 0 h 6890882"/>
+                <a:gd name="connsiteX2" fmla="*/ 6332918 w 6332918"/>
+                <a:gd name="connsiteY2" fmla="*/ 0 h 6890882"/>
+                <a:gd name="connsiteX3" fmla="*/ 6332918 w 6332918"/>
+                <a:gd name="connsiteY3" fmla="*/ 6890882 h 6890882"/>
+                <a:gd name="connsiteX4" fmla="*/ 87157 w 6332918"/>
+                <a:gd name="connsiteY4" fmla="*/ 6890882 h 6890882"/>
+                <a:gd name="connsiteX5" fmla="*/ 1432 w 6332918"/>
+                <a:gd name="connsiteY5" fmla="*/ 1532948 h 6890882"/>
+                <a:gd name="connsiteX6" fmla="*/ 2161926 w 6332918"/>
+                <a:gd name="connsiteY6" fmla="*/ 1539688 h 6890882"/>
+                <a:gd name="connsiteX0" fmla="*/ 2092679 w 6263671"/>
+                <a:gd name="connsiteY0" fmla="*/ 1539688 h 6890882"/>
+                <a:gd name="connsiteX1" fmla="*/ 2675385 w 6263671"/>
+                <a:gd name="connsiteY1" fmla="*/ 0 h 6890882"/>
+                <a:gd name="connsiteX2" fmla="*/ 6263671 w 6263671"/>
+                <a:gd name="connsiteY2" fmla="*/ 0 h 6890882"/>
+                <a:gd name="connsiteX3" fmla="*/ 6263671 w 6263671"/>
+                <a:gd name="connsiteY3" fmla="*/ 6890882 h 6890882"/>
+                <a:gd name="connsiteX4" fmla="*/ 17910 w 6263671"/>
+                <a:gd name="connsiteY4" fmla="*/ 6890882 h 6890882"/>
+                <a:gd name="connsiteX5" fmla="*/ 3902 w 6263671"/>
+                <a:gd name="connsiteY5" fmla="*/ 1927395 h 6890882"/>
+                <a:gd name="connsiteX6" fmla="*/ 2092679 w 6263671"/>
+                <a:gd name="connsiteY6" fmla="*/ 1539688 h 6890882"/>
+                <a:gd name="connsiteX0" fmla="*/ 2092679 w 6263671"/>
+                <a:gd name="connsiteY0" fmla="*/ 1566582 h 6917776"/>
+                <a:gd name="connsiteX1" fmla="*/ 3114656 w 6263671"/>
+                <a:gd name="connsiteY1" fmla="*/ 0 h 6917776"/>
+                <a:gd name="connsiteX2" fmla="*/ 6263671 w 6263671"/>
+                <a:gd name="connsiteY2" fmla="*/ 26894 h 6917776"/>
+                <a:gd name="connsiteX3" fmla="*/ 6263671 w 6263671"/>
+                <a:gd name="connsiteY3" fmla="*/ 6917776 h 6917776"/>
+                <a:gd name="connsiteX4" fmla="*/ 17910 w 6263671"/>
+                <a:gd name="connsiteY4" fmla="*/ 6917776 h 6917776"/>
+                <a:gd name="connsiteX5" fmla="*/ 3902 w 6263671"/>
+                <a:gd name="connsiteY5" fmla="*/ 1954289 h 6917776"/>
+                <a:gd name="connsiteX6" fmla="*/ 2092679 w 6263671"/>
+                <a:gd name="connsiteY6" fmla="*/ 1566582 h 6917776"/>
+                <a:gd name="connsiteX0" fmla="*/ 3902 w 6263671"/>
+                <a:gd name="connsiteY0" fmla="*/ 1954289 h 6917776"/>
+                <a:gd name="connsiteX1" fmla="*/ 3114656 w 6263671"/>
+                <a:gd name="connsiteY1" fmla="*/ 0 h 6917776"/>
+                <a:gd name="connsiteX2" fmla="*/ 6263671 w 6263671"/>
+                <a:gd name="connsiteY2" fmla="*/ 26894 h 6917776"/>
+                <a:gd name="connsiteX3" fmla="*/ 6263671 w 6263671"/>
+                <a:gd name="connsiteY3" fmla="*/ 6917776 h 6917776"/>
+                <a:gd name="connsiteX4" fmla="*/ 17910 w 6263671"/>
+                <a:gd name="connsiteY4" fmla="*/ 6917776 h 6917776"/>
+                <a:gd name="connsiteX5" fmla="*/ 3902 w 6263671"/>
+                <a:gd name="connsiteY5" fmla="*/ 1954289 h 6917776"/>
+                <a:gd name="connsiteX0" fmla="*/ 3902 w 6263671"/>
+                <a:gd name="connsiteY0" fmla="*/ 1936359 h 6899846"/>
+                <a:gd name="connsiteX1" fmla="*/ 4109739 w 6263671"/>
+                <a:gd name="connsiteY1" fmla="*/ 0 h 6899846"/>
+                <a:gd name="connsiteX2" fmla="*/ 6263671 w 6263671"/>
+                <a:gd name="connsiteY2" fmla="*/ 8964 h 6899846"/>
+                <a:gd name="connsiteX3" fmla="*/ 6263671 w 6263671"/>
+                <a:gd name="connsiteY3" fmla="*/ 6899846 h 6899846"/>
+                <a:gd name="connsiteX4" fmla="*/ 17910 w 6263671"/>
+                <a:gd name="connsiteY4" fmla="*/ 6899846 h 6899846"/>
+                <a:gd name="connsiteX5" fmla="*/ 3902 w 6263671"/>
+                <a:gd name="connsiteY5" fmla="*/ 1936359 h 6899846"/>
+                <a:gd name="connsiteX0" fmla="*/ 2726 w 6280425"/>
+                <a:gd name="connsiteY0" fmla="*/ 2429418 h 6899846"/>
+                <a:gd name="connsiteX1" fmla="*/ 4126493 w 6280425"/>
+                <a:gd name="connsiteY1" fmla="*/ 0 h 6899846"/>
+                <a:gd name="connsiteX2" fmla="*/ 6280425 w 6280425"/>
+                <a:gd name="connsiteY2" fmla="*/ 8964 h 6899846"/>
+                <a:gd name="connsiteX3" fmla="*/ 6280425 w 6280425"/>
+                <a:gd name="connsiteY3" fmla="*/ 6899846 h 6899846"/>
+                <a:gd name="connsiteX4" fmla="*/ 34664 w 6280425"/>
+                <a:gd name="connsiteY4" fmla="*/ 6899846 h 6899846"/>
+                <a:gd name="connsiteX5" fmla="*/ 2726 w 6280425"/>
+                <a:gd name="connsiteY5" fmla="*/ 2429418 h 6899846"/>
+              </a:gdLst>
+              <a:ahLst/>
+              <a:cxnLst>
+                <a:cxn ang="0">
+                  <a:pos x="connsiteX0" y="connsiteY0"/>
+                </a:cxn>
+                <a:cxn ang="0">
+                  <a:pos x="connsiteX1" y="connsiteY1"/>
+                </a:cxn>
+                <a:cxn ang="0">
+                  <a:pos x="connsiteX2" y="connsiteY2"/>
+                </a:cxn>
+                <a:cxn ang="0">
+                  <a:pos x="connsiteX3" y="connsiteY3"/>
+                </a:cxn>
+                <a:cxn ang="0">
+                  <a:pos x="connsiteX4" y="connsiteY4"/>
+                </a:cxn>
+                <a:cxn ang="0">
+                  <a:pos x="connsiteX5" y="connsiteY5"/>
+                </a:cxn>
+              </a:cxnLst>
+              <a:rect l="l" t="t" r="r" b="b"/>
+              <a:pathLst>
+                <a:path w="6280425" h="6899846">
+                  <a:moveTo>
+                    <a:pt x="2726" y="2429418"/>
+                  </a:moveTo>
+                  <a:lnTo>
+                    <a:pt x="4126493" y="0"/>
+                  </a:lnTo>
+                  <a:lnTo>
+                    <a:pt x="6280425" y="8964"/>
+                  </a:lnTo>
+                  <a:lnTo>
+                    <a:pt x="6280425" y="6899846"/>
+                  </a:lnTo>
+                  <a:lnTo>
+                    <a:pt x="34664" y="6899846"/>
+                  </a:lnTo>
+                  <a:cubicBezTo>
+                    <a:pt x="37839" y="6253885"/>
+                    <a:pt x="-11994" y="3203533"/>
+                    <a:pt x="2726" y="2429418"/>
+                  </a:cubicBezTo>
+                  <a:close/>
+                </a:path>
+              </a:pathLst>
+            </a:custGeom>
+            <a:solidFill>
+              <a:srgbClr val="DD7E0E">
+                <a:alpha val="29020"/>
+              </a:srgbClr>
+            </a:solidFill>
+            <a:ln>
+              <a:noFill/>
+            </a:ln>
+          </p:spPr>
+          <p:style>
+            <a:lnRef idx="2">
+              <a:schemeClr val="accent1">
+                <a:shade val="50000"/>
+              </a:schemeClr>
+            </a:lnRef>
+            <a:fillRef idx="1">
+              <a:schemeClr val="accent1"/>
+            </a:fillRef>
+            <a:effectRef idx="0">
+              <a:schemeClr val="accent1"/>
+            </a:effectRef>
+            <a:fontRef idx="minor">
+              <a:schemeClr val="lt1"/>
+            </a:fontRef>
+          </p:style>
+          <p:txBody>
+            <a:bodyPr rtlCol="0" anchor="ctr"/>
+            <a:lstStyle/>
+            <a:p>
+              <a:pPr algn="ctr"/>
+              <a:endParaRPr lang="en-US"/>
+            </a:p>
+          </p:txBody>
+        </p:sp>
       </p:grpSp>
       <p:sp>
         <p:nvSpPr>
@@ -9970,7 +10042,7 @@
                                           </p:stCondLst>
                                         </p:cTn>
                                         <p:tgtEl>
-                                          <p:spTgt spid="387"/>
+                                          <p:spTgt spid="6"/>
                                         </p:tgtEl>
                                         <p:attrNameLst>
                                           <p:attrName>style.visibility</p:attrName>
@@ -10042,7 +10114,7 @@
                                           </p:stCondLst>
                                         </p:cTn>
                                         <p:tgtEl>
-                                          <p:spTgt spid="387"/>
+                                          <p:spTgt spid="6"/>
                                         </p:tgtEl>
                                         <p:attrNameLst>
                                           <p:attrName>style.visibility</p:attrName>
@@ -15485,8 +15557,8 @@
           </a:p>
         </p:txBody>
       </p:sp>
-      <mc:AlternateContent xmlns:mc="http://schemas.openxmlformats.org/markup-compatibility/2006">
-        <mc:Choice xmlns:a14="http://schemas.microsoft.com/office/drawing/2010/main" Requires="a14">
+      <mc:AlternateContent xmlns:mc="http://schemas.openxmlformats.org/markup-compatibility/2006" xmlns:a14="http://schemas.microsoft.com/office/drawing/2010/main">
+        <mc:Choice Requires="a14">
           <p:sp>
             <p:nvSpPr>
               <p:cNvPr id="4" name="Content Placeholder 3">
@@ -15586,7 +15658,7 @@
             </p:txBody>
           </p:sp>
         </mc:Choice>
-        <mc:Fallback>
+        <mc:Fallback xmlns="">
           <p:sp>
             <p:nvSpPr>
               <p:cNvPr id="4" name="Content Placeholder 3">
@@ -18934,99 +19006,6 @@
           </a:custGeom>
         </p:spPr>
       </p:pic>
-      <p:pic>
-        <p:nvPicPr>
-          <p:cNvPr id="162" name="Alt-VAE-Diagram">
-            <a:extLst>
-              <a:ext uri="{FF2B5EF4-FFF2-40B4-BE49-F238E27FC236}">
-                <a16:creationId xmlns:a16="http://schemas.microsoft.com/office/drawing/2014/main" id="{279BCA49-5ACE-40AB-BCF5-D75093019257}"/>
-              </a:ext>
-            </a:extLst>
-          </p:cNvPr>
-          <p:cNvPicPr>
-            <a:picLocks noChangeAspect="1"/>
-          </p:cNvPicPr>
-          <p:nvPr/>
-        </p:nvPicPr>
-        <p:blipFill>
-          <a:blip r:embed="rId2">
-            <a:clrChange>
-              <a:clrFrom>
-                <a:srgbClr val="FFFFFF"/>
-              </a:clrFrom>
-              <a:clrTo>
-                <a:srgbClr val="FFFFFF">
-                  <a:alpha val="0"/>
-                </a:srgbClr>
-              </a:clrTo>
-            </a:clrChange>
-          </a:blip>
-          <a:srcRect l="6875" t="57546" r="6875"/>
-          <a:stretch>
-            <a:fillRect/>
-          </a:stretch>
-        </p:blipFill>
-        <p:spPr>
-          <a:xfrm>
-            <a:off x="5073581" y="4500323"/>
-            <a:ext cx="7187105" cy="1835683"/>
-          </a:xfrm>
-          <a:custGeom>
-            <a:avLst/>
-            <a:gdLst>
-              <a:gd name="connsiteX0" fmla="*/ 0 w 10515600"/>
-              <a:gd name="connsiteY0" fmla="*/ 0 h 2685825"/>
-              <a:gd name="connsiteX1" fmla="*/ 10515600 w 10515600"/>
-              <a:gd name="connsiteY1" fmla="*/ 0 h 2685825"/>
-              <a:gd name="connsiteX2" fmla="*/ 10515600 w 10515600"/>
-              <a:gd name="connsiteY2" fmla="*/ 2685825 h 2685825"/>
-              <a:gd name="connsiteX3" fmla="*/ 0 w 10515600"/>
-              <a:gd name="connsiteY3" fmla="*/ 2685825 h 2685825"/>
-              <a:gd name="connsiteX4" fmla="*/ 0 w 10515600"/>
-              <a:gd name="connsiteY4" fmla="*/ 0 h 2685825"/>
-            </a:gdLst>
-            <a:ahLst/>
-            <a:cxnLst>
-              <a:cxn ang="0">
-                <a:pos x="connsiteX0" y="connsiteY0"/>
-              </a:cxn>
-              <a:cxn ang="0">
-                <a:pos x="connsiteX1" y="connsiteY1"/>
-              </a:cxn>
-              <a:cxn ang="0">
-                <a:pos x="connsiteX2" y="connsiteY2"/>
-              </a:cxn>
-              <a:cxn ang="0">
-                <a:pos x="connsiteX3" y="connsiteY3"/>
-              </a:cxn>
-              <a:cxn ang="0">
-                <a:pos x="connsiteX4" y="connsiteY4"/>
-              </a:cxn>
-            </a:cxnLst>
-            <a:rect l="l" t="t" r="r" b="b"/>
-            <a:pathLst>
-              <a:path w="10515600" h="2685825">
-                <a:moveTo>
-                  <a:pt x="0" y="0"/>
-                </a:moveTo>
-                <a:lnTo>
-                  <a:pt x="10515600" y="0"/>
-                </a:lnTo>
-                <a:lnTo>
-                  <a:pt x="10515600" y="2685825"/>
-                </a:lnTo>
-                <a:lnTo>
-                  <a:pt x="0" y="2685825"/>
-                </a:lnTo>
-                <a:lnTo>
-                  <a:pt x="0" y="0"/>
-                </a:lnTo>
-                <a:close/>
-              </a:path>
-            </a:pathLst>
-          </a:custGeom>
-        </p:spPr>
-      </p:pic>
       <p:sp>
         <p:nvSpPr>
           <p:cNvPr id="39" name="Title 1">
@@ -19836,10 +19815,10 @@
       </p:grpSp>
       <p:sp>
         <p:nvSpPr>
-          <p:cNvPr id="61" name="Arrow: Up 58">
+          <p:cNvPr id="33" name="Freeform: Shape 32">
             <a:extLst>
               <a:ext uri="{FF2B5EF4-FFF2-40B4-BE49-F238E27FC236}">
-                <a16:creationId xmlns:a16="http://schemas.microsoft.com/office/drawing/2014/main" id="{EAA2938F-BEEA-4D7E-A3EF-AF7A57205C47}"/>
+                <a16:creationId xmlns:a16="http://schemas.microsoft.com/office/drawing/2014/main" id="{E79A2F7C-11C9-409E-B755-D8CFB4B9C7E9}"/>
               </a:ext>
             </a:extLst>
           </p:cNvPr>
@@ -19847,747 +19826,35 @@
           <p:nvPr/>
         </p:nvSpPr>
         <p:spPr>
-          <a:xfrm rot="3031624">
-            <a:off x="5259166" y="3680777"/>
-            <a:ext cx="440462" cy="1201421"/>
+          <a:xfrm rot="2558003">
+            <a:off x="5723858" y="3784113"/>
+            <a:ext cx="424301" cy="508154"/>
           </a:xfrm>
           <a:custGeom>
             <a:avLst/>
             <a:gdLst>
-              <a:gd name="connsiteX0" fmla="*/ 0 w 315183"/>
-              <a:gd name="connsiteY0" fmla="*/ 187427 h 515680"/>
-              <a:gd name="connsiteX1" fmla="*/ 157592 w 315183"/>
-              <a:gd name="connsiteY1" fmla="*/ 0 h 515680"/>
-              <a:gd name="connsiteX2" fmla="*/ 315183 w 315183"/>
-              <a:gd name="connsiteY2" fmla="*/ 187427 h 515680"/>
-              <a:gd name="connsiteX3" fmla="*/ 236387 w 315183"/>
-              <a:gd name="connsiteY3" fmla="*/ 187427 h 515680"/>
-              <a:gd name="connsiteX4" fmla="*/ 236387 w 315183"/>
-              <a:gd name="connsiteY4" fmla="*/ 515680 h 515680"/>
-              <a:gd name="connsiteX5" fmla="*/ 78796 w 315183"/>
-              <a:gd name="connsiteY5" fmla="*/ 515680 h 515680"/>
-              <a:gd name="connsiteX6" fmla="*/ 78796 w 315183"/>
-              <a:gd name="connsiteY6" fmla="*/ 187427 h 515680"/>
-              <a:gd name="connsiteX7" fmla="*/ 0 w 315183"/>
-              <a:gd name="connsiteY7" fmla="*/ 187427 h 515680"/>
-              <a:gd name="connsiteX0" fmla="*/ 0 w 315183"/>
-              <a:gd name="connsiteY0" fmla="*/ 187427 h 515680"/>
-              <a:gd name="connsiteX1" fmla="*/ 157592 w 315183"/>
-              <a:gd name="connsiteY1" fmla="*/ 0 h 515680"/>
-              <a:gd name="connsiteX2" fmla="*/ 315183 w 315183"/>
-              <a:gd name="connsiteY2" fmla="*/ 187427 h 515680"/>
-              <a:gd name="connsiteX3" fmla="*/ 236387 w 315183"/>
-              <a:gd name="connsiteY3" fmla="*/ 187427 h 515680"/>
-              <a:gd name="connsiteX4" fmla="*/ 236387 w 315183"/>
-              <a:gd name="connsiteY4" fmla="*/ 515680 h 515680"/>
-              <a:gd name="connsiteX5" fmla="*/ 78796 w 315183"/>
-              <a:gd name="connsiteY5" fmla="*/ 515680 h 515680"/>
-              <a:gd name="connsiteX6" fmla="*/ 78796 w 315183"/>
-              <a:gd name="connsiteY6" fmla="*/ 187427 h 515680"/>
-              <a:gd name="connsiteX7" fmla="*/ 0 w 315183"/>
-              <a:gd name="connsiteY7" fmla="*/ 187427 h 515680"/>
-              <a:gd name="connsiteX0" fmla="*/ 0 w 315183"/>
-              <a:gd name="connsiteY0" fmla="*/ 187427 h 515680"/>
-              <a:gd name="connsiteX1" fmla="*/ 157592 w 315183"/>
-              <a:gd name="connsiteY1" fmla="*/ 0 h 515680"/>
-              <a:gd name="connsiteX2" fmla="*/ 315183 w 315183"/>
-              <a:gd name="connsiteY2" fmla="*/ 187427 h 515680"/>
-              <a:gd name="connsiteX3" fmla="*/ 236387 w 315183"/>
-              <a:gd name="connsiteY3" fmla="*/ 187427 h 515680"/>
-              <a:gd name="connsiteX4" fmla="*/ 236387 w 315183"/>
-              <a:gd name="connsiteY4" fmla="*/ 515680 h 515680"/>
-              <a:gd name="connsiteX5" fmla="*/ 78796 w 315183"/>
-              <a:gd name="connsiteY5" fmla="*/ 515680 h 515680"/>
-              <a:gd name="connsiteX6" fmla="*/ 78796 w 315183"/>
-              <a:gd name="connsiteY6" fmla="*/ 187427 h 515680"/>
-              <a:gd name="connsiteX7" fmla="*/ 0 w 315183"/>
-              <a:gd name="connsiteY7" fmla="*/ 187427 h 515680"/>
-              <a:gd name="connsiteX0" fmla="*/ 0 w 315183"/>
-              <a:gd name="connsiteY0" fmla="*/ 187427 h 515680"/>
-              <a:gd name="connsiteX1" fmla="*/ 157592 w 315183"/>
-              <a:gd name="connsiteY1" fmla="*/ 0 h 515680"/>
-              <a:gd name="connsiteX2" fmla="*/ 315183 w 315183"/>
-              <a:gd name="connsiteY2" fmla="*/ 187427 h 515680"/>
-              <a:gd name="connsiteX3" fmla="*/ 236387 w 315183"/>
-              <a:gd name="connsiteY3" fmla="*/ 187427 h 515680"/>
-              <a:gd name="connsiteX4" fmla="*/ 236387 w 315183"/>
-              <a:gd name="connsiteY4" fmla="*/ 515680 h 515680"/>
-              <a:gd name="connsiteX5" fmla="*/ 78796 w 315183"/>
-              <a:gd name="connsiteY5" fmla="*/ 515680 h 515680"/>
-              <a:gd name="connsiteX6" fmla="*/ 78796 w 315183"/>
-              <a:gd name="connsiteY6" fmla="*/ 187427 h 515680"/>
-              <a:gd name="connsiteX7" fmla="*/ 0 w 315183"/>
-              <a:gd name="connsiteY7" fmla="*/ 187427 h 515680"/>
-              <a:gd name="connsiteX0" fmla="*/ 0 w 315183"/>
-              <a:gd name="connsiteY0" fmla="*/ 187427 h 515680"/>
-              <a:gd name="connsiteX1" fmla="*/ 157592 w 315183"/>
-              <a:gd name="connsiteY1" fmla="*/ 0 h 515680"/>
-              <a:gd name="connsiteX2" fmla="*/ 315183 w 315183"/>
-              <a:gd name="connsiteY2" fmla="*/ 187427 h 515680"/>
-              <a:gd name="connsiteX3" fmla="*/ 196158 w 315183"/>
-              <a:gd name="connsiteY3" fmla="*/ 137786 h 515680"/>
-              <a:gd name="connsiteX4" fmla="*/ 236387 w 315183"/>
-              <a:gd name="connsiteY4" fmla="*/ 515680 h 515680"/>
-              <a:gd name="connsiteX5" fmla="*/ 78796 w 315183"/>
-              <a:gd name="connsiteY5" fmla="*/ 515680 h 515680"/>
-              <a:gd name="connsiteX6" fmla="*/ 78796 w 315183"/>
-              <a:gd name="connsiteY6" fmla="*/ 187427 h 515680"/>
-              <a:gd name="connsiteX7" fmla="*/ 0 w 315183"/>
-              <a:gd name="connsiteY7" fmla="*/ 187427 h 515680"/>
-              <a:gd name="connsiteX0" fmla="*/ 0 w 315183"/>
-              <a:gd name="connsiteY0" fmla="*/ 187427 h 515680"/>
-              <a:gd name="connsiteX1" fmla="*/ 157592 w 315183"/>
-              <a:gd name="connsiteY1" fmla="*/ 0 h 515680"/>
-              <a:gd name="connsiteX2" fmla="*/ 315183 w 315183"/>
-              <a:gd name="connsiteY2" fmla="*/ 187427 h 515680"/>
-              <a:gd name="connsiteX3" fmla="*/ 196158 w 315183"/>
-              <a:gd name="connsiteY3" fmla="*/ 137786 h 515680"/>
-              <a:gd name="connsiteX4" fmla="*/ 236387 w 315183"/>
-              <a:gd name="connsiteY4" fmla="*/ 515680 h 515680"/>
-              <a:gd name="connsiteX5" fmla="*/ 78796 w 315183"/>
-              <a:gd name="connsiteY5" fmla="*/ 515680 h 515680"/>
-              <a:gd name="connsiteX6" fmla="*/ 136007 w 315183"/>
-              <a:gd name="connsiteY6" fmla="*/ 152028 h 515680"/>
-              <a:gd name="connsiteX7" fmla="*/ 0 w 315183"/>
-              <a:gd name="connsiteY7" fmla="*/ 187427 h 515680"/>
-              <a:gd name="connsiteX0" fmla="*/ 0 w 315183"/>
-              <a:gd name="connsiteY0" fmla="*/ 187427 h 515680"/>
-              <a:gd name="connsiteX1" fmla="*/ 157592 w 315183"/>
-              <a:gd name="connsiteY1" fmla="*/ 0 h 515680"/>
-              <a:gd name="connsiteX2" fmla="*/ 315183 w 315183"/>
-              <a:gd name="connsiteY2" fmla="*/ 187427 h 515680"/>
-              <a:gd name="connsiteX3" fmla="*/ 196158 w 315183"/>
-              <a:gd name="connsiteY3" fmla="*/ 137786 h 515680"/>
-              <a:gd name="connsiteX4" fmla="*/ 236387 w 315183"/>
-              <a:gd name="connsiteY4" fmla="*/ 515680 h 515680"/>
-              <a:gd name="connsiteX5" fmla="*/ 78796 w 315183"/>
-              <a:gd name="connsiteY5" fmla="*/ 515680 h 515680"/>
-              <a:gd name="connsiteX6" fmla="*/ 136007 w 315183"/>
-              <a:gd name="connsiteY6" fmla="*/ 152028 h 515680"/>
-              <a:gd name="connsiteX7" fmla="*/ 0 w 315183"/>
-              <a:gd name="connsiteY7" fmla="*/ 187427 h 515680"/>
-              <a:gd name="connsiteX0" fmla="*/ 0 w 315183"/>
-              <a:gd name="connsiteY0" fmla="*/ 187427 h 515680"/>
-              <a:gd name="connsiteX1" fmla="*/ 157592 w 315183"/>
-              <a:gd name="connsiteY1" fmla="*/ 0 h 515680"/>
-              <a:gd name="connsiteX2" fmla="*/ 315183 w 315183"/>
-              <a:gd name="connsiteY2" fmla="*/ 187427 h 515680"/>
-              <a:gd name="connsiteX3" fmla="*/ 196158 w 315183"/>
-              <a:gd name="connsiteY3" fmla="*/ 137786 h 515680"/>
-              <a:gd name="connsiteX4" fmla="*/ 236387 w 315183"/>
-              <a:gd name="connsiteY4" fmla="*/ 515680 h 515680"/>
-              <a:gd name="connsiteX5" fmla="*/ 78796 w 315183"/>
-              <a:gd name="connsiteY5" fmla="*/ 515680 h 515680"/>
-              <a:gd name="connsiteX6" fmla="*/ 140927 w 315183"/>
-              <a:gd name="connsiteY6" fmla="*/ 145705 h 515680"/>
-              <a:gd name="connsiteX7" fmla="*/ 0 w 315183"/>
-              <a:gd name="connsiteY7" fmla="*/ 187427 h 515680"/>
-              <a:gd name="connsiteX0" fmla="*/ 0 w 315183"/>
-              <a:gd name="connsiteY0" fmla="*/ 187427 h 515680"/>
-              <a:gd name="connsiteX1" fmla="*/ 157592 w 315183"/>
-              <a:gd name="connsiteY1" fmla="*/ 0 h 515680"/>
-              <a:gd name="connsiteX2" fmla="*/ 315183 w 315183"/>
-              <a:gd name="connsiteY2" fmla="*/ 187427 h 515680"/>
-              <a:gd name="connsiteX3" fmla="*/ 196158 w 315183"/>
-              <a:gd name="connsiteY3" fmla="*/ 137786 h 515680"/>
-              <a:gd name="connsiteX4" fmla="*/ 236387 w 315183"/>
-              <a:gd name="connsiteY4" fmla="*/ 515680 h 515680"/>
-              <a:gd name="connsiteX5" fmla="*/ 78796 w 315183"/>
-              <a:gd name="connsiteY5" fmla="*/ 515680 h 515680"/>
-              <a:gd name="connsiteX6" fmla="*/ 140927 w 315183"/>
-              <a:gd name="connsiteY6" fmla="*/ 145705 h 515680"/>
-              <a:gd name="connsiteX7" fmla="*/ 0 w 315183"/>
-              <a:gd name="connsiteY7" fmla="*/ 187427 h 515680"/>
-              <a:gd name="connsiteX0" fmla="*/ 0 w 315183"/>
-              <a:gd name="connsiteY0" fmla="*/ 187427 h 515680"/>
-              <a:gd name="connsiteX1" fmla="*/ 157592 w 315183"/>
-              <a:gd name="connsiteY1" fmla="*/ 0 h 515680"/>
-              <a:gd name="connsiteX2" fmla="*/ 315183 w 315183"/>
-              <a:gd name="connsiteY2" fmla="*/ 187427 h 515680"/>
-              <a:gd name="connsiteX3" fmla="*/ 196158 w 315183"/>
-              <a:gd name="connsiteY3" fmla="*/ 137786 h 515680"/>
-              <a:gd name="connsiteX4" fmla="*/ 236387 w 315183"/>
-              <a:gd name="connsiteY4" fmla="*/ 515680 h 515680"/>
-              <a:gd name="connsiteX5" fmla="*/ 78796 w 315183"/>
-              <a:gd name="connsiteY5" fmla="*/ 515680 h 515680"/>
-              <a:gd name="connsiteX6" fmla="*/ 140927 w 315183"/>
-              <a:gd name="connsiteY6" fmla="*/ 145705 h 515680"/>
-              <a:gd name="connsiteX7" fmla="*/ 0 w 315183"/>
-              <a:gd name="connsiteY7" fmla="*/ 187427 h 515680"/>
-              <a:gd name="connsiteX0" fmla="*/ 0 w 315183"/>
-              <a:gd name="connsiteY0" fmla="*/ 187427 h 515680"/>
-              <a:gd name="connsiteX1" fmla="*/ 157592 w 315183"/>
-              <a:gd name="connsiteY1" fmla="*/ 0 h 515680"/>
-              <a:gd name="connsiteX2" fmla="*/ 315183 w 315183"/>
-              <a:gd name="connsiteY2" fmla="*/ 187427 h 515680"/>
-              <a:gd name="connsiteX3" fmla="*/ 196158 w 315183"/>
-              <a:gd name="connsiteY3" fmla="*/ 137786 h 515680"/>
-              <a:gd name="connsiteX4" fmla="*/ 236387 w 315183"/>
-              <a:gd name="connsiteY4" fmla="*/ 515680 h 515680"/>
-              <a:gd name="connsiteX5" fmla="*/ 78796 w 315183"/>
-              <a:gd name="connsiteY5" fmla="*/ 515680 h 515680"/>
-              <a:gd name="connsiteX6" fmla="*/ 140927 w 315183"/>
-              <a:gd name="connsiteY6" fmla="*/ 145705 h 515680"/>
-              <a:gd name="connsiteX7" fmla="*/ 0 w 315183"/>
-              <a:gd name="connsiteY7" fmla="*/ 187427 h 515680"/>
-              <a:gd name="connsiteX0" fmla="*/ 0 w 467430"/>
-              <a:gd name="connsiteY0" fmla="*/ 187427 h 515680"/>
-              <a:gd name="connsiteX1" fmla="*/ 157592 w 467430"/>
-              <a:gd name="connsiteY1" fmla="*/ 0 h 515680"/>
-              <a:gd name="connsiteX2" fmla="*/ 315183 w 467430"/>
-              <a:gd name="connsiteY2" fmla="*/ 187427 h 515680"/>
-              <a:gd name="connsiteX3" fmla="*/ 196158 w 467430"/>
-              <a:gd name="connsiteY3" fmla="*/ 137786 h 515680"/>
-              <a:gd name="connsiteX4" fmla="*/ 467430 w 467430"/>
-              <a:gd name="connsiteY4" fmla="*/ 329677 h 515680"/>
-              <a:gd name="connsiteX5" fmla="*/ 236387 w 467430"/>
-              <a:gd name="connsiteY5" fmla="*/ 515680 h 515680"/>
-              <a:gd name="connsiteX6" fmla="*/ 78796 w 467430"/>
-              <a:gd name="connsiteY6" fmla="*/ 515680 h 515680"/>
-              <a:gd name="connsiteX7" fmla="*/ 140927 w 467430"/>
-              <a:gd name="connsiteY7" fmla="*/ 145705 h 515680"/>
-              <a:gd name="connsiteX8" fmla="*/ 0 w 467430"/>
-              <a:gd name="connsiteY8" fmla="*/ 187427 h 515680"/>
-              <a:gd name="connsiteX0" fmla="*/ 0 w 467430"/>
-              <a:gd name="connsiteY0" fmla="*/ 187427 h 515680"/>
-              <a:gd name="connsiteX1" fmla="*/ 157592 w 467430"/>
-              <a:gd name="connsiteY1" fmla="*/ 0 h 515680"/>
-              <a:gd name="connsiteX2" fmla="*/ 315183 w 467430"/>
-              <a:gd name="connsiteY2" fmla="*/ 187427 h 515680"/>
-              <a:gd name="connsiteX3" fmla="*/ 196158 w 467430"/>
-              <a:gd name="connsiteY3" fmla="*/ 137786 h 515680"/>
-              <a:gd name="connsiteX4" fmla="*/ 467430 w 467430"/>
-              <a:gd name="connsiteY4" fmla="*/ 329677 h 515680"/>
-              <a:gd name="connsiteX5" fmla="*/ 236387 w 467430"/>
-              <a:gd name="connsiteY5" fmla="*/ 515680 h 515680"/>
-              <a:gd name="connsiteX6" fmla="*/ 78796 w 467430"/>
-              <a:gd name="connsiteY6" fmla="*/ 515680 h 515680"/>
-              <a:gd name="connsiteX7" fmla="*/ 290621 w 467430"/>
-              <a:gd name="connsiteY7" fmla="*/ 308081 h 515680"/>
-              <a:gd name="connsiteX8" fmla="*/ 140927 w 467430"/>
-              <a:gd name="connsiteY8" fmla="*/ 145705 h 515680"/>
-              <a:gd name="connsiteX9" fmla="*/ 0 w 467430"/>
-              <a:gd name="connsiteY9" fmla="*/ 187427 h 515680"/>
-              <a:gd name="connsiteX0" fmla="*/ 0 w 467430"/>
-              <a:gd name="connsiteY0" fmla="*/ 187427 h 592775"/>
-              <a:gd name="connsiteX1" fmla="*/ 157592 w 467430"/>
-              <a:gd name="connsiteY1" fmla="*/ 0 h 592775"/>
-              <a:gd name="connsiteX2" fmla="*/ 315183 w 467430"/>
-              <a:gd name="connsiteY2" fmla="*/ 187427 h 592775"/>
-              <a:gd name="connsiteX3" fmla="*/ 196158 w 467430"/>
-              <a:gd name="connsiteY3" fmla="*/ 137786 h 592775"/>
-              <a:gd name="connsiteX4" fmla="*/ 467430 w 467430"/>
-              <a:gd name="connsiteY4" fmla="*/ 329677 h 592775"/>
-              <a:gd name="connsiteX5" fmla="*/ 236387 w 467430"/>
-              <a:gd name="connsiteY5" fmla="*/ 515680 h 592775"/>
-              <a:gd name="connsiteX6" fmla="*/ 167372 w 467430"/>
-              <a:gd name="connsiteY6" fmla="*/ 592775 h 592775"/>
-              <a:gd name="connsiteX7" fmla="*/ 290621 w 467430"/>
-              <a:gd name="connsiteY7" fmla="*/ 308081 h 592775"/>
-              <a:gd name="connsiteX8" fmla="*/ 140927 w 467430"/>
-              <a:gd name="connsiteY8" fmla="*/ 145705 h 592775"/>
-              <a:gd name="connsiteX9" fmla="*/ 0 w 467430"/>
-              <a:gd name="connsiteY9" fmla="*/ 187427 h 592775"/>
-              <a:gd name="connsiteX0" fmla="*/ 0 w 467430"/>
-              <a:gd name="connsiteY0" fmla="*/ 187427 h 592775"/>
-              <a:gd name="connsiteX1" fmla="*/ 157592 w 467430"/>
-              <a:gd name="connsiteY1" fmla="*/ 0 h 592775"/>
-              <a:gd name="connsiteX2" fmla="*/ 315183 w 467430"/>
-              <a:gd name="connsiteY2" fmla="*/ 187427 h 592775"/>
-              <a:gd name="connsiteX3" fmla="*/ 196158 w 467430"/>
-              <a:gd name="connsiteY3" fmla="*/ 137786 h 592775"/>
-              <a:gd name="connsiteX4" fmla="*/ 467430 w 467430"/>
-              <a:gd name="connsiteY4" fmla="*/ 329677 h 592775"/>
-              <a:gd name="connsiteX5" fmla="*/ 312854 w 467430"/>
-              <a:gd name="connsiteY5" fmla="*/ 552412 h 592775"/>
-              <a:gd name="connsiteX6" fmla="*/ 167372 w 467430"/>
-              <a:gd name="connsiteY6" fmla="*/ 592775 h 592775"/>
-              <a:gd name="connsiteX7" fmla="*/ 290621 w 467430"/>
-              <a:gd name="connsiteY7" fmla="*/ 308081 h 592775"/>
-              <a:gd name="connsiteX8" fmla="*/ 140927 w 467430"/>
-              <a:gd name="connsiteY8" fmla="*/ 145705 h 592775"/>
-              <a:gd name="connsiteX9" fmla="*/ 0 w 467430"/>
-              <a:gd name="connsiteY9" fmla="*/ 187427 h 592775"/>
-              <a:gd name="connsiteX0" fmla="*/ 0 w 467430"/>
-              <a:gd name="connsiteY0" fmla="*/ 187427 h 592775"/>
-              <a:gd name="connsiteX1" fmla="*/ 157592 w 467430"/>
-              <a:gd name="connsiteY1" fmla="*/ 0 h 592775"/>
-              <a:gd name="connsiteX2" fmla="*/ 315183 w 467430"/>
-              <a:gd name="connsiteY2" fmla="*/ 187427 h 592775"/>
-              <a:gd name="connsiteX3" fmla="*/ 196158 w 467430"/>
-              <a:gd name="connsiteY3" fmla="*/ 137786 h 592775"/>
-              <a:gd name="connsiteX4" fmla="*/ 467430 w 467430"/>
-              <a:gd name="connsiteY4" fmla="*/ 329677 h 592775"/>
-              <a:gd name="connsiteX5" fmla="*/ 312854 w 467430"/>
-              <a:gd name="connsiteY5" fmla="*/ 552412 h 592775"/>
-              <a:gd name="connsiteX6" fmla="*/ 167372 w 467430"/>
-              <a:gd name="connsiteY6" fmla="*/ 592775 h 592775"/>
-              <a:gd name="connsiteX7" fmla="*/ 362244 w 467430"/>
-              <a:gd name="connsiteY7" fmla="*/ 348242 h 592775"/>
-              <a:gd name="connsiteX8" fmla="*/ 140927 w 467430"/>
-              <a:gd name="connsiteY8" fmla="*/ 145705 h 592775"/>
-              <a:gd name="connsiteX9" fmla="*/ 0 w 467430"/>
-              <a:gd name="connsiteY9" fmla="*/ 187427 h 592775"/>
-              <a:gd name="connsiteX0" fmla="*/ 16704 w 484134"/>
-              <a:gd name="connsiteY0" fmla="*/ 187427 h 694692"/>
-              <a:gd name="connsiteX1" fmla="*/ 174296 w 484134"/>
-              <a:gd name="connsiteY1" fmla="*/ 0 h 694692"/>
-              <a:gd name="connsiteX2" fmla="*/ 331887 w 484134"/>
-              <a:gd name="connsiteY2" fmla="*/ 187427 h 694692"/>
-              <a:gd name="connsiteX3" fmla="*/ 212862 w 484134"/>
-              <a:gd name="connsiteY3" fmla="*/ 137786 h 694692"/>
-              <a:gd name="connsiteX4" fmla="*/ 484134 w 484134"/>
-              <a:gd name="connsiteY4" fmla="*/ 329677 h 694692"/>
-              <a:gd name="connsiteX5" fmla="*/ 329558 w 484134"/>
-              <a:gd name="connsiteY5" fmla="*/ 552412 h 694692"/>
-              <a:gd name="connsiteX6" fmla="*/ 692 w 484134"/>
-              <a:gd name="connsiteY6" fmla="*/ 694692 h 694692"/>
-              <a:gd name="connsiteX7" fmla="*/ 378948 w 484134"/>
-              <a:gd name="connsiteY7" fmla="*/ 348242 h 694692"/>
-              <a:gd name="connsiteX8" fmla="*/ 157631 w 484134"/>
-              <a:gd name="connsiteY8" fmla="*/ 145705 h 694692"/>
-              <a:gd name="connsiteX9" fmla="*/ 16704 w 484134"/>
-              <a:gd name="connsiteY9" fmla="*/ 187427 h 694692"/>
-              <a:gd name="connsiteX0" fmla="*/ 16704 w 484134"/>
-              <a:gd name="connsiteY0" fmla="*/ 187427 h 694692"/>
-              <a:gd name="connsiteX1" fmla="*/ 174296 w 484134"/>
-              <a:gd name="connsiteY1" fmla="*/ 0 h 694692"/>
-              <a:gd name="connsiteX2" fmla="*/ 331887 w 484134"/>
-              <a:gd name="connsiteY2" fmla="*/ 187427 h 694692"/>
-              <a:gd name="connsiteX3" fmla="*/ 212862 w 484134"/>
-              <a:gd name="connsiteY3" fmla="*/ 137786 h 694692"/>
-              <a:gd name="connsiteX4" fmla="*/ 484134 w 484134"/>
-              <a:gd name="connsiteY4" fmla="*/ 329677 h 694692"/>
-              <a:gd name="connsiteX5" fmla="*/ 192538 w 484134"/>
-              <a:gd name="connsiteY5" fmla="*/ 607508 h 694692"/>
-              <a:gd name="connsiteX6" fmla="*/ 692 w 484134"/>
-              <a:gd name="connsiteY6" fmla="*/ 694692 h 694692"/>
-              <a:gd name="connsiteX7" fmla="*/ 378948 w 484134"/>
-              <a:gd name="connsiteY7" fmla="*/ 348242 h 694692"/>
-              <a:gd name="connsiteX8" fmla="*/ 157631 w 484134"/>
-              <a:gd name="connsiteY8" fmla="*/ 145705 h 694692"/>
-              <a:gd name="connsiteX9" fmla="*/ 16704 w 484134"/>
-              <a:gd name="connsiteY9" fmla="*/ 187427 h 694692"/>
-              <a:gd name="connsiteX0" fmla="*/ 16704 w 484134"/>
-              <a:gd name="connsiteY0" fmla="*/ 218306 h 725571"/>
-              <a:gd name="connsiteX1" fmla="*/ 50080 w 484134"/>
-              <a:gd name="connsiteY1" fmla="*/ 0 h 725571"/>
-              <a:gd name="connsiteX2" fmla="*/ 331887 w 484134"/>
-              <a:gd name="connsiteY2" fmla="*/ 218306 h 725571"/>
-              <a:gd name="connsiteX3" fmla="*/ 212862 w 484134"/>
-              <a:gd name="connsiteY3" fmla="*/ 168665 h 725571"/>
-              <a:gd name="connsiteX4" fmla="*/ 484134 w 484134"/>
-              <a:gd name="connsiteY4" fmla="*/ 360556 h 725571"/>
-              <a:gd name="connsiteX5" fmla="*/ 192538 w 484134"/>
-              <a:gd name="connsiteY5" fmla="*/ 638387 h 725571"/>
-              <a:gd name="connsiteX6" fmla="*/ 692 w 484134"/>
-              <a:gd name="connsiteY6" fmla="*/ 725571 h 725571"/>
-              <a:gd name="connsiteX7" fmla="*/ 378948 w 484134"/>
-              <a:gd name="connsiteY7" fmla="*/ 379121 h 725571"/>
-              <a:gd name="connsiteX8" fmla="*/ 157631 w 484134"/>
-              <a:gd name="connsiteY8" fmla="*/ 176584 h 725571"/>
-              <a:gd name="connsiteX9" fmla="*/ 16704 w 484134"/>
-              <a:gd name="connsiteY9" fmla="*/ 218306 h 725571"/>
-              <a:gd name="connsiteX0" fmla="*/ 16704 w 484134"/>
-              <a:gd name="connsiteY0" fmla="*/ 218306 h 725571"/>
-              <a:gd name="connsiteX1" fmla="*/ 50080 w 484134"/>
-              <a:gd name="connsiteY1" fmla="*/ 0 h 725571"/>
-              <a:gd name="connsiteX2" fmla="*/ 331887 w 484134"/>
-              <a:gd name="connsiteY2" fmla="*/ 218306 h 725571"/>
-              <a:gd name="connsiteX3" fmla="*/ 212862 w 484134"/>
-              <a:gd name="connsiteY3" fmla="*/ 168665 h 725571"/>
-              <a:gd name="connsiteX4" fmla="*/ 484134 w 484134"/>
-              <a:gd name="connsiteY4" fmla="*/ 360556 h 725571"/>
-              <a:gd name="connsiteX5" fmla="*/ 192538 w 484134"/>
-              <a:gd name="connsiteY5" fmla="*/ 638387 h 725571"/>
-              <a:gd name="connsiteX6" fmla="*/ 692 w 484134"/>
-              <a:gd name="connsiteY6" fmla="*/ 725571 h 725571"/>
-              <a:gd name="connsiteX7" fmla="*/ 378948 w 484134"/>
-              <a:gd name="connsiteY7" fmla="*/ 379121 h 725571"/>
-              <a:gd name="connsiteX8" fmla="*/ 157631 w 484134"/>
-              <a:gd name="connsiteY8" fmla="*/ 176584 h 725571"/>
-              <a:gd name="connsiteX9" fmla="*/ 16704 w 484134"/>
-              <a:gd name="connsiteY9" fmla="*/ 218306 h 725571"/>
-              <a:gd name="connsiteX0" fmla="*/ 16704 w 484134"/>
-              <a:gd name="connsiteY0" fmla="*/ 218306 h 725571"/>
-              <a:gd name="connsiteX1" fmla="*/ 50080 w 484134"/>
-              <a:gd name="connsiteY1" fmla="*/ 0 h 725571"/>
-              <a:gd name="connsiteX2" fmla="*/ 331887 w 484134"/>
-              <a:gd name="connsiteY2" fmla="*/ 218306 h 725571"/>
-              <a:gd name="connsiteX3" fmla="*/ 212862 w 484134"/>
-              <a:gd name="connsiteY3" fmla="*/ 168665 h 725571"/>
-              <a:gd name="connsiteX4" fmla="*/ 484134 w 484134"/>
-              <a:gd name="connsiteY4" fmla="*/ 360556 h 725571"/>
-              <a:gd name="connsiteX5" fmla="*/ 192538 w 484134"/>
-              <a:gd name="connsiteY5" fmla="*/ 638387 h 725571"/>
-              <a:gd name="connsiteX6" fmla="*/ 692 w 484134"/>
-              <a:gd name="connsiteY6" fmla="*/ 725571 h 725571"/>
-              <a:gd name="connsiteX7" fmla="*/ 378948 w 484134"/>
-              <a:gd name="connsiteY7" fmla="*/ 379121 h 725571"/>
-              <a:gd name="connsiteX8" fmla="*/ 157631 w 484134"/>
-              <a:gd name="connsiteY8" fmla="*/ 176584 h 725571"/>
-              <a:gd name="connsiteX9" fmla="*/ 16704 w 484134"/>
-              <a:gd name="connsiteY9" fmla="*/ 218306 h 725571"/>
-              <a:gd name="connsiteX0" fmla="*/ 16704 w 484134"/>
-              <a:gd name="connsiteY0" fmla="*/ 218306 h 725571"/>
-              <a:gd name="connsiteX1" fmla="*/ 50080 w 484134"/>
-              <a:gd name="connsiteY1" fmla="*/ 0 h 725571"/>
-              <a:gd name="connsiteX2" fmla="*/ 312857 w 484134"/>
-              <a:gd name="connsiteY2" fmla="*/ 168860 h 725571"/>
-              <a:gd name="connsiteX3" fmla="*/ 212862 w 484134"/>
-              <a:gd name="connsiteY3" fmla="*/ 168665 h 725571"/>
-              <a:gd name="connsiteX4" fmla="*/ 484134 w 484134"/>
-              <a:gd name="connsiteY4" fmla="*/ 360556 h 725571"/>
-              <a:gd name="connsiteX5" fmla="*/ 192538 w 484134"/>
-              <a:gd name="connsiteY5" fmla="*/ 638387 h 725571"/>
-              <a:gd name="connsiteX6" fmla="*/ 692 w 484134"/>
-              <a:gd name="connsiteY6" fmla="*/ 725571 h 725571"/>
-              <a:gd name="connsiteX7" fmla="*/ 378948 w 484134"/>
-              <a:gd name="connsiteY7" fmla="*/ 379121 h 725571"/>
-              <a:gd name="connsiteX8" fmla="*/ 157631 w 484134"/>
-              <a:gd name="connsiteY8" fmla="*/ 176584 h 725571"/>
-              <a:gd name="connsiteX9" fmla="*/ 16704 w 484134"/>
-              <a:gd name="connsiteY9" fmla="*/ 218306 h 725571"/>
-              <a:gd name="connsiteX0" fmla="*/ 103897 w 484134"/>
-              <a:gd name="connsiteY0" fmla="*/ 254432 h 725571"/>
-              <a:gd name="connsiteX1" fmla="*/ 50080 w 484134"/>
-              <a:gd name="connsiteY1" fmla="*/ 0 h 725571"/>
-              <a:gd name="connsiteX2" fmla="*/ 312857 w 484134"/>
-              <a:gd name="connsiteY2" fmla="*/ 168860 h 725571"/>
-              <a:gd name="connsiteX3" fmla="*/ 212862 w 484134"/>
-              <a:gd name="connsiteY3" fmla="*/ 168665 h 725571"/>
-              <a:gd name="connsiteX4" fmla="*/ 484134 w 484134"/>
-              <a:gd name="connsiteY4" fmla="*/ 360556 h 725571"/>
-              <a:gd name="connsiteX5" fmla="*/ 192538 w 484134"/>
-              <a:gd name="connsiteY5" fmla="*/ 638387 h 725571"/>
-              <a:gd name="connsiteX6" fmla="*/ 692 w 484134"/>
-              <a:gd name="connsiteY6" fmla="*/ 725571 h 725571"/>
-              <a:gd name="connsiteX7" fmla="*/ 378948 w 484134"/>
-              <a:gd name="connsiteY7" fmla="*/ 379121 h 725571"/>
-              <a:gd name="connsiteX8" fmla="*/ 157631 w 484134"/>
-              <a:gd name="connsiteY8" fmla="*/ 176584 h 725571"/>
-              <a:gd name="connsiteX9" fmla="*/ 103897 w 484134"/>
-              <a:gd name="connsiteY9" fmla="*/ 254432 h 725571"/>
-              <a:gd name="connsiteX0" fmla="*/ 103897 w 484134"/>
-              <a:gd name="connsiteY0" fmla="*/ 254432 h 725571"/>
-              <a:gd name="connsiteX1" fmla="*/ 50080 w 484134"/>
-              <a:gd name="connsiteY1" fmla="*/ 0 h 725571"/>
-              <a:gd name="connsiteX2" fmla="*/ 312857 w 484134"/>
-              <a:gd name="connsiteY2" fmla="*/ 168860 h 725571"/>
-              <a:gd name="connsiteX3" fmla="*/ 212862 w 484134"/>
-              <a:gd name="connsiteY3" fmla="*/ 168665 h 725571"/>
-              <a:gd name="connsiteX4" fmla="*/ 484134 w 484134"/>
-              <a:gd name="connsiteY4" fmla="*/ 360556 h 725571"/>
-              <a:gd name="connsiteX5" fmla="*/ 192538 w 484134"/>
-              <a:gd name="connsiteY5" fmla="*/ 638387 h 725571"/>
-              <a:gd name="connsiteX6" fmla="*/ 692 w 484134"/>
-              <a:gd name="connsiteY6" fmla="*/ 725571 h 725571"/>
-              <a:gd name="connsiteX7" fmla="*/ 378948 w 484134"/>
-              <a:gd name="connsiteY7" fmla="*/ 379121 h 725571"/>
-              <a:gd name="connsiteX8" fmla="*/ 157631 w 484134"/>
-              <a:gd name="connsiteY8" fmla="*/ 176584 h 725571"/>
-              <a:gd name="connsiteX9" fmla="*/ 103897 w 484134"/>
-              <a:gd name="connsiteY9" fmla="*/ 254432 h 725571"/>
-              <a:gd name="connsiteX0" fmla="*/ 77133 w 457370"/>
-              <a:gd name="connsiteY0" fmla="*/ 254432 h 764841"/>
-              <a:gd name="connsiteX1" fmla="*/ 23316 w 457370"/>
-              <a:gd name="connsiteY1" fmla="*/ 0 h 764841"/>
-              <a:gd name="connsiteX2" fmla="*/ 286093 w 457370"/>
-              <a:gd name="connsiteY2" fmla="*/ 168860 h 764841"/>
-              <a:gd name="connsiteX3" fmla="*/ 186098 w 457370"/>
-              <a:gd name="connsiteY3" fmla="*/ 168665 h 764841"/>
-              <a:gd name="connsiteX4" fmla="*/ 457370 w 457370"/>
-              <a:gd name="connsiteY4" fmla="*/ 360556 h 764841"/>
-              <a:gd name="connsiteX5" fmla="*/ 165774 w 457370"/>
-              <a:gd name="connsiteY5" fmla="*/ 638387 h 764841"/>
-              <a:gd name="connsiteX6" fmla="*/ 743 w 457370"/>
-              <a:gd name="connsiteY6" fmla="*/ 764841 h 764841"/>
-              <a:gd name="connsiteX7" fmla="*/ 352184 w 457370"/>
-              <a:gd name="connsiteY7" fmla="*/ 379121 h 764841"/>
-              <a:gd name="connsiteX8" fmla="*/ 130867 w 457370"/>
-              <a:gd name="connsiteY8" fmla="*/ 176584 h 764841"/>
-              <a:gd name="connsiteX9" fmla="*/ 77133 w 457370"/>
-              <a:gd name="connsiteY9" fmla="*/ 254432 h 764841"/>
-              <a:gd name="connsiteX0" fmla="*/ 77133 w 457370"/>
-              <a:gd name="connsiteY0" fmla="*/ 254432 h 764841"/>
-              <a:gd name="connsiteX1" fmla="*/ 23316 w 457370"/>
-              <a:gd name="connsiteY1" fmla="*/ 0 h 764841"/>
-              <a:gd name="connsiteX2" fmla="*/ 286093 w 457370"/>
-              <a:gd name="connsiteY2" fmla="*/ 168860 h 764841"/>
-              <a:gd name="connsiteX3" fmla="*/ 186098 w 457370"/>
-              <a:gd name="connsiteY3" fmla="*/ 168665 h 764841"/>
-              <a:gd name="connsiteX4" fmla="*/ 457370 w 457370"/>
-              <a:gd name="connsiteY4" fmla="*/ 360556 h 764841"/>
-              <a:gd name="connsiteX5" fmla="*/ 192013 w 457370"/>
-              <a:gd name="connsiteY5" fmla="*/ 619804 h 764841"/>
-              <a:gd name="connsiteX6" fmla="*/ 743 w 457370"/>
-              <a:gd name="connsiteY6" fmla="*/ 764841 h 764841"/>
-              <a:gd name="connsiteX7" fmla="*/ 352184 w 457370"/>
-              <a:gd name="connsiteY7" fmla="*/ 379121 h 764841"/>
-              <a:gd name="connsiteX8" fmla="*/ 130867 w 457370"/>
-              <a:gd name="connsiteY8" fmla="*/ 176584 h 764841"/>
-              <a:gd name="connsiteX9" fmla="*/ 77133 w 457370"/>
-              <a:gd name="connsiteY9" fmla="*/ 254432 h 764841"/>
-              <a:gd name="connsiteX0" fmla="*/ 77133 w 457370"/>
-              <a:gd name="connsiteY0" fmla="*/ 254432 h 764841"/>
-              <a:gd name="connsiteX1" fmla="*/ 23316 w 457370"/>
-              <a:gd name="connsiteY1" fmla="*/ 0 h 764841"/>
-              <a:gd name="connsiteX2" fmla="*/ 286093 w 457370"/>
-              <a:gd name="connsiteY2" fmla="*/ 168860 h 764841"/>
-              <a:gd name="connsiteX3" fmla="*/ 186098 w 457370"/>
-              <a:gd name="connsiteY3" fmla="*/ 168665 h 764841"/>
-              <a:gd name="connsiteX4" fmla="*/ 457370 w 457370"/>
-              <a:gd name="connsiteY4" fmla="*/ 360556 h 764841"/>
-              <a:gd name="connsiteX5" fmla="*/ 192013 w 457370"/>
-              <a:gd name="connsiteY5" fmla="*/ 619804 h 764841"/>
-              <a:gd name="connsiteX6" fmla="*/ 743 w 457370"/>
-              <a:gd name="connsiteY6" fmla="*/ 764841 h 764841"/>
-              <a:gd name="connsiteX7" fmla="*/ 352184 w 457370"/>
-              <a:gd name="connsiteY7" fmla="*/ 379121 h 764841"/>
-              <a:gd name="connsiteX8" fmla="*/ 130867 w 457370"/>
-              <a:gd name="connsiteY8" fmla="*/ 176584 h 764841"/>
-              <a:gd name="connsiteX9" fmla="*/ 77133 w 457370"/>
-              <a:gd name="connsiteY9" fmla="*/ 254432 h 764841"/>
-              <a:gd name="connsiteX0" fmla="*/ 77133 w 440503"/>
-              <a:gd name="connsiteY0" fmla="*/ 254432 h 764841"/>
-              <a:gd name="connsiteX1" fmla="*/ 23316 w 440503"/>
-              <a:gd name="connsiteY1" fmla="*/ 0 h 764841"/>
-              <a:gd name="connsiteX2" fmla="*/ 286093 w 440503"/>
-              <a:gd name="connsiteY2" fmla="*/ 168860 h 764841"/>
-              <a:gd name="connsiteX3" fmla="*/ 186098 w 440503"/>
-              <a:gd name="connsiteY3" fmla="*/ 168665 h 764841"/>
-              <a:gd name="connsiteX4" fmla="*/ 440503 w 440503"/>
-              <a:gd name="connsiteY4" fmla="*/ 340458 h 764841"/>
-              <a:gd name="connsiteX5" fmla="*/ 192013 w 440503"/>
-              <a:gd name="connsiteY5" fmla="*/ 619804 h 764841"/>
-              <a:gd name="connsiteX6" fmla="*/ 743 w 440503"/>
-              <a:gd name="connsiteY6" fmla="*/ 764841 h 764841"/>
-              <a:gd name="connsiteX7" fmla="*/ 352184 w 440503"/>
-              <a:gd name="connsiteY7" fmla="*/ 379121 h 764841"/>
-              <a:gd name="connsiteX8" fmla="*/ 130867 w 440503"/>
-              <a:gd name="connsiteY8" fmla="*/ 176584 h 764841"/>
-              <a:gd name="connsiteX9" fmla="*/ 77133 w 440503"/>
-              <a:gd name="connsiteY9" fmla="*/ 254432 h 764841"/>
-              <a:gd name="connsiteX0" fmla="*/ 77092 w 440462"/>
-              <a:gd name="connsiteY0" fmla="*/ 254432 h 764841"/>
-              <a:gd name="connsiteX1" fmla="*/ 23275 w 440462"/>
-              <a:gd name="connsiteY1" fmla="*/ 0 h 764841"/>
-              <a:gd name="connsiteX2" fmla="*/ 286052 w 440462"/>
-              <a:gd name="connsiteY2" fmla="*/ 168860 h 764841"/>
-              <a:gd name="connsiteX3" fmla="*/ 186057 w 440462"/>
-              <a:gd name="connsiteY3" fmla="*/ 168665 h 764841"/>
-              <a:gd name="connsiteX4" fmla="*/ 440462 w 440462"/>
-              <a:gd name="connsiteY4" fmla="*/ 340458 h 764841"/>
-              <a:gd name="connsiteX5" fmla="*/ 191972 w 440462"/>
-              <a:gd name="connsiteY5" fmla="*/ 619804 h 764841"/>
-              <a:gd name="connsiteX6" fmla="*/ 702 w 440462"/>
-              <a:gd name="connsiteY6" fmla="*/ 764841 h 764841"/>
-              <a:gd name="connsiteX7" fmla="*/ 374058 w 440462"/>
-              <a:gd name="connsiteY7" fmla="*/ 334469 h 764841"/>
-              <a:gd name="connsiteX8" fmla="*/ 130826 w 440462"/>
-              <a:gd name="connsiteY8" fmla="*/ 176584 h 764841"/>
-              <a:gd name="connsiteX9" fmla="*/ 77092 w 440462"/>
-              <a:gd name="connsiteY9" fmla="*/ 254432 h 764841"/>
-              <a:gd name="connsiteX0" fmla="*/ 77092 w 440462"/>
-              <a:gd name="connsiteY0" fmla="*/ 254432 h 764841"/>
-              <a:gd name="connsiteX1" fmla="*/ 23275 w 440462"/>
-              <a:gd name="connsiteY1" fmla="*/ 0 h 764841"/>
-              <a:gd name="connsiteX2" fmla="*/ 286052 w 440462"/>
-              <a:gd name="connsiteY2" fmla="*/ 168860 h 764841"/>
-              <a:gd name="connsiteX3" fmla="*/ 186057 w 440462"/>
-              <a:gd name="connsiteY3" fmla="*/ 168665 h 764841"/>
-              <a:gd name="connsiteX4" fmla="*/ 440462 w 440462"/>
-              <a:gd name="connsiteY4" fmla="*/ 340458 h 764841"/>
-              <a:gd name="connsiteX5" fmla="*/ 191972 w 440462"/>
-              <a:gd name="connsiteY5" fmla="*/ 619804 h 764841"/>
-              <a:gd name="connsiteX6" fmla="*/ 702 w 440462"/>
-              <a:gd name="connsiteY6" fmla="*/ 764841 h 764841"/>
-              <a:gd name="connsiteX7" fmla="*/ 374058 w 440462"/>
-              <a:gd name="connsiteY7" fmla="*/ 334469 h 764841"/>
-              <a:gd name="connsiteX8" fmla="*/ 130826 w 440462"/>
-              <a:gd name="connsiteY8" fmla="*/ 176584 h 764841"/>
-              <a:gd name="connsiteX9" fmla="*/ 77092 w 440462"/>
-              <a:gd name="connsiteY9" fmla="*/ 254432 h 764841"/>
-              <a:gd name="connsiteX0" fmla="*/ 77092 w 440462"/>
-              <a:gd name="connsiteY0" fmla="*/ 254432 h 764841"/>
-              <a:gd name="connsiteX1" fmla="*/ 23275 w 440462"/>
-              <a:gd name="connsiteY1" fmla="*/ 0 h 764841"/>
-              <a:gd name="connsiteX2" fmla="*/ 286052 w 440462"/>
-              <a:gd name="connsiteY2" fmla="*/ 168860 h 764841"/>
-              <a:gd name="connsiteX3" fmla="*/ 186057 w 440462"/>
-              <a:gd name="connsiteY3" fmla="*/ 168665 h 764841"/>
-              <a:gd name="connsiteX4" fmla="*/ 440462 w 440462"/>
-              <a:gd name="connsiteY4" fmla="*/ 340458 h 764841"/>
-              <a:gd name="connsiteX5" fmla="*/ 191972 w 440462"/>
-              <a:gd name="connsiteY5" fmla="*/ 619804 h 764841"/>
-              <a:gd name="connsiteX6" fmla="*/ 702 w 440462"/>
-              <a:gd name="connsiteY6" fmla="*/ 764841 h 764841"/>
-              <a:gd name="connsiteX7" fmla="*/ 374058 w 440462"/>
-              <a:gd name="connsiteY7" fmla="*/ 334469 h 764841"/>
-              <a:gd name="connsiteX8" fmla="*/ 130826 w 440462"/>
-              <a:gd name="connsiteY8" fmla="*/ 176584 h 764841"/>
-              <a:gd name="connsiteX9" fmla="*/ 77092 w 440462"/>
-              <a:gd name="connsiteY9" fmla="*/ 254432 h 764841"/>
-              <a:gd name="connsiteX0" fmla="*/ 77092 w 440462"/>
-              <a:gd name="connsiteY0" fmla="*/ 190355 h 700764"/>
-              <a:gd name="connsiteX1" fmla="*/ 6838 w 440462"/>
-              <a:gd name="connsiteY1" fmla="*/ 0 h 700764"/>
-              <a:gd name="connsiteX2" fmla="*/ 286052 w 440462"/>
-              <a:gd name="connsiteY2" fmla="*/ 104783 h 700764"/>
-              <a:gd name="connsiteX3" fmla="*/ 186057 w 440462"/>
-              <a:gd name="connsiteY3" fmla="*/ 104588 h 700764"/>
-              <a:gd name="connsiteX4" fmla="*/ 440462 w 440462"/>
-              <a:gd name="connsiteY4" fmla="*/ 276381 h 700764"/>
-              <a:gd name="connsiteX5" fmla="*/ 191972 w 440462"/>
-              <a:gd name="connsiteY5" fmla="*/ 555727 h 700764"/>
-              <a:gd name="connsiteX6" fmla="*/ 702 w 440462"/>
-              <a:gd name="connsiteY6" fmla="*/ 700764 h 700764"/>
-              <a:gd name="connsiteX7" fmla="*/ 374058 w 440462"/>
-              <a:gd name="connsiteY7" fmla="*/ 270392 h 700764"/>
-              <a:gd name="connsiteX8" fmla="*/ 130826 w 440462"/>
-              <a:gd name="connsiteY8" fmla="*/ 112507 h 700764"/>
-              <a:gd name="connsiteX9" fmla="*/ 77092 w 440462"/>
-              <a:gd name="connsiteY9" fmla="*/ 190355 h 700764"/>
-              <a:gd name="connsiteX0" fmla="*/ 77092 w 440462"/>
-              <a:gd name="connsiteY0" fmla="*/ 190355 h 700764"/>
-              <a:gd name="connsiteX1" fmla="*/ 6838 w 440462"/>
-              <a:gd name="connsiteY1" fmla="*/ 0 h 700764"/>
-              <a:gd name="connsiteX2" fmla="*/ 286052 w 440462"/>
-              <a:gd name="connsiteY2" fmla="*/ 104783 h 700764"/>
-              <a:gd name="connsiteX3" fmla="*/ 186057 w 440462"/>
-              <a:gd name="connsiteY3" fmla="*/ 104588 h 700764"/>
-              <a:gd name="connsiteX4" fmla="*/ 440462 w 440462"/>
-              <a:gd name="connsiteY4" fmla="*/ 276381 h 700764"/>
-              <a:gd name="connsiteX5" fmla="*/ 191972 w 440462"/>
-              <a:gd name="connsiteY5" fmla="*/ 555727 h 700764"/>
-              <a:gd name="connsiteX6" fmla="*/ 702 w 440462"/>
-              <a:gd name="connsiteY6" fmla="*/ 700764 h 700764"/>
-              <a:gd name="connsiteX7" fmla="*/ 374058 w 440462"/>
-              <a:gd name="connsiteY7" fmla="*/ 270392 h 700764"/>
-              <a:gd name="connsiteX8" fmla="*/ 130826 w 440462"/>
-              <a:gd name="connsiteY8" fmla="*/ 112507 h 700764"/>
-              <a:gd name="connsiteX9" fmla="*/ 77092 w 440462"/>
-              <a:gd name="connsiteY9" fmla="*/ 190355 h 700764"/>
-              <a:gd name="connsiteX0" fmla="*/ 77092 w 440462"/>
-              <a:gd name="connsiteY0" fmla="*/ 190355 h 700764"/>
-              <a:gd name="connsiteX1" fmla="*/ 6838 w 440462"/>
-              <a:gd name="connsiteY1" fmla="*/ 0 h 700764"/>
-              <a:gd name="connsiteX2" fmla="*/ 286052 w 440462"/>
-              <a:gd name="connsiteY2" fmla="*/ 104783 h 700764"/>
-              <a:gd name="connsiteX3" fmla="*/ 186057 w 440462"/>
-              <a:gd name="connsiteY3" fmla="*/ 104588 h 700764"/>
-              <a:gd name="connsiteX4" fmla="*/ 440462 w 440462"/>
-              <a:gd name="connsiteY4" fmla="*/ 276381 h 700764"/>
-              <a:gd name="connsiteX5" fmla="*/ 191972 w 440462"/>
-              <a:gd name="connsiteY5" fmla="*/ 555727 h 700764"/>
-              <a:gd name="connsiteX6" fmla="*/ 702 w 440462"/>
-              <a:gd name="connsiteY6" fmla="*/ 700764 h 700764"/>
-              <a:gd name="connsiteX7" fmla="*/ 374058 w 440462"/>
-              <a:gd name="connsiteY7" fmla="*/ 270392 h 700764"/>
-              <a:gd name="connsiteX8" fmla="*/ 130826 w 440462"/>
-              <a:gd name="connsiteY8" fmla="*/ 112507 h 700764"/>
-              <a:gd name="connsiteX9" fmla="*/ 77092 w 440462"/>
-              <a:gd name="connsiteY9" fmla="*/ 190355 h 700764"/>
-              <a:gd name="connsiteX0" fmla="*/ 77092 w 440462"/>
-              <a:gd name="connsiteY0" fmla="*/ 190355 h 700764"/>
-              <a:gd name="connsiteX1" fmla="*/ 6838 w 440462"/>
-              <a:gd name="connsiteY1" fmla="*/ 0 h 700764"/>
-              <a:gd name="connsiteX2" fmla="*/ 286052 w 440462"/>
-              <a:gd name="connsiteY2" fmla="*/ 104783 h 700764"/>
-              <a:gd name="connsiteX3" fmla="*/ 151745 w 440462"/>
-              <a:gd name="connsiteY3" fmla="*/ 88106 h 700764"/>
-              <a:gd name="connsiteX4" fmla="*/ 440462 w 440462"/>
-              <a:gd name="connsiteY4" fmla="*/ 276381 h 700764"/>
-              <a:gd name="connsiteX5" fmla="*/ 191972 w 440462"/>
-              <a:gd name="connsiteY5" fmla="*/ 555727 h 700764"/>
-              <a:gd name="connsiteX6" fmla="*/ 702 w 440462"/>
-              <a:gd name="connsiteY6" fmla="*/ 700764 h 700764"/>
-              <a:gd name="connsiteX7" fmla="*/ 374058 w 440462"/>
-              <a:gd name="connsiteY7" fmla="*/ 270392 h 700764"/>
-              <a:gd name="connsiteX8" fmla="*/ 130826 w 440462"/>
-              <a:gd name="connsiteY8" fmla="*/ 112507 h 700764"/>
-              <a:gd name="connsiteX9" fmla="*/ 77092 w 440462"/>
-              <a:gd name="connsiteY9" fmla="*/ 190355 h 700764"/>
-              <a:gd name="connsiteX0" fmla="*/ 77092 w 440462"/>
-              <a:gd name="connsiteY0" fmla="*/ 190355 h 700764"/>
-              <a:gd name="connsiteX1" fmla="*/ 6838 w 440462"/>
-              <a:gd name="connsiteY1" fmla="*/ 0 h 700764"/>
-              <a:gd name="connsiteX2" fmla="*/ 272500 w 440462"/>
-              <a:gd name="connsiteY2" fmla="*/ 91076 h 700764"/>
-              <a:gd name="connsiteX3" fmla="*/ 151745 w 440462"/>
-              <a:gd name="connsiteY3" fmla="*/ 88106 h 700764"/>
-              <a:gd name="connsiteX4" fmla="*/ 440462 w 440462"/>
-              <a:gd name="connsiteY4" fmla="*/ 276381 h 700764"/>
-              <a:gd name="connsiteX5" fmla="*/ 191972 w 440462"/>
-              <a:gd name="connsiteY5" fmla="*/ 555727 h 700764"/>
-              <a:gd name="connsiteX6" fmla="*/ 702 w 440462"/>
-              <a:gd name="connsiteY6" fmla="*/ 700764 h 700764"/>
-              <a:gd name="connsiteX7" fmla="*/ 374058 w 440462"/>
-              <a:gd name="connsiteY7" fmla="*/ 270392 h 700764"/>
-              <a:gd name="connsiteX8" fmla="*/ 130826 w 440462"/>
-              <a:gd name="connsiteY8" fmla="*/ 112507 h 700764"/>
-              <a:gd name="connsiteX9" fmla="*/ 77092 w 440462"/>
-              <a:gd name="connsiteY9" fmla="*/ 190355 h 700764"/>
-              <a:gd name="connsiteX0" fmla="*/ 77092 w 440462"/>
-              <a:gd name="connsiteY0" fmla="*/ 190355 h 700764"/>
-              <a:gd name="connsiteX1" fmla="*/ 6838 w 440462"/>
-              <a:gd name="connsiteY1" fmla="*/ 0 h 700764"/>
-              <a:gd name="connsiteX2" fmla="*/ 272500 w 440462"/>
-              <a:gd name="connsiteY2" fmla="*/ 91076 h 700764"/>
-              <a:gd name="connsiteX3" fmla="*/ 151745 w 440462"/>
-              <a:gd name="connsiteY3" fmla="*/ 88106 h 700764"/>
-              <a:gd name="connsiteX4" fmla="*/ 440462 w 440462"/>
-              <a:gd name="connsiteY4" fmla="*/ 276381 h 700764"/>
-              <a:gd name="connsiteX5" fmla="*/ 191972 w 440462"/>
-              <a:gd name="connsiteY5" fmla="*/ 555727 h 700764"/>
-              <a:gd name="connsiteX6" fmla="*/ 702 w 440462"/>
-              <a:gd name="connsiteY6" fmla="*/ 700764 h 700764"/>
-              <a:gd name="connsiteX7" fmla="*/ 374058 w 440462"/>
-              <a:gd name="connsiteY7" fmla="*/ 270392 h 700764"/>
-              <a:gd name="connsiteX8" fmla="*/ 120733 w 440462"/>
-              <a:gd name="connsiteY8" fmla="*/ 119655 h 700764"/>
-              <a:gd name="connsiteX9" fmla="*/ 77092 w 440462"/>
-              <a:gd name="connsiteY9" fmla="*/ 190355 h 700764"/>
-              <a:gd name="connsiteX0" fmla="*/ 50132 w 440462"/>
-              <a:gd name="connsiteY0" fmla="*/ 177404 h 700764"/>
-              <a:gd name="connsiteX1" fmla="*/ 6838 w 440462"/>
-              <a:gd name="connsiteY1" fmla="*/ 0 h 700764"/>
-              <a:gd name="connsiteX2" fmla="*/ 272500 w 440462"/>
-              <a:gd name="connsiteY2" fmla="*/ 91076 h 700764"/>
-              <a:gd name="connsiteX3" fmla="*/ 151745 w 440462"/>
-              <a:gd name="connsiteY3" fmla="*/ 88106 h 700764"/>
-              <a:gd name="connsiteX4" fmla="*/ 440462 w 440462"/>
-              <a:gd name="connsiteY4" fmla="*/ 276381 h 700764"/>
-              <a:gd name="connsiteX5" fmla="*/ 191972 w 440462"/>
-              <a:gd name="connsiteY5" fmla="*/ 555727 h 700764"/>
-              <a:gd name="connsiteX6" fmla="*/ 702 w 440462"/>
-              <a:gd name="connsiteY6" fmla="*/ 700764 h 700764"/>
-              <a:gd name="connsiteX7" fmla="*/ 374058 w 440462"/>
-              <a:gd name="connsiteY7" fmla="*/ 270392 h 700764"/>
-              <a:gd name="connsiteX8" fmla="*/ 120733 w 440462"/>
-              <a:gd name="connsiteY8" fmla="*/ 119655 h 700764"/>
-              <a:gd name="connsiteX9" fmla="*/ 50132 w 440462"/>
-              <a:gd name="connsiteY9" fmla="*/ 177404 h 700764"/>
-              <a:gd name="connsiteX0" fmla="*/ 50132 w 440462"/>
-              <a:gd name="connsiteY0" fmla="*/ 177404 h 700764"/>
-              <a:gd name="connsiteX1" fmla="*/ 6838 w 440462"/>
-              <a:gd name="connsiteY1" fmla="*/ 0 h 700764"/>
-              <a:gd name="connsiteX2" fmla="*/ 272500 w 440462"/>
-              <a:gd name="connsiteY2" fmla="*/ 91076 h 700764"/>
-              <a:gd name="connsiteX3" fmla="*/ 153042 w 440462"/>
-              <a:gd name="connsiteY3" fmla="*/ 95927 h 700764"/>
-              <a:gd name="connsiteX4" fmla="*/ 440462 w 440462"/>
-              <a:gd name="connsiteY4" fmla="*/ 276381 h 700764"/>
-              <a:gd name="connsiteX5" fmla="*/ 191972 w 440462"/>
-              <a:gd name="connsiteY5" fmla="*/ 555727 h 700764"/>
-              <a:gd name="connsiteX6" fmla="*/ 702 w 440462"/>
-              <a:gd name="connsiteY6" fmla="*/ 700764 h 700764"/>
-              <a:gd name="connsiteX7" fmla="*/ 374058 w 440462"/>
-              <a:gd name="connsiteY7" fmla="*/ 270392 h 700764"/>
-              <a:gd name="connsiteX8" fmla="*/ 120733 w 440462"/>
-              <a:gd name="connsiteY8" fmla="*/ 119655 h 700764"/>
-              <a:gd name="connsiteX9" fmla="*/ 50132 w 440462"/>
-              <a:gd name="connsiteY9" fmla="*/ 177404 h 700764"/>
+              <a:gd name="connsiteX0" fmla="*/ 0 w 424301"/>
+              <a:gd name="connsiteY0" fmla="*/ 0 h 508154"/>
+              <a:gd name="connsiteX1" fmla="*/ 265662 w 424301"/>
+              <a:gd name="connsiteY1" fmla="*/ 156145 h 508154"/>
+              <a:gd name="connsiteX2" fmla="*/ 146204 w 424301"/>
+              <a:gd name="connsiteY2" fmla="*/ 164461 h 508154"/>
+              <a:gd name="connsiteX3" fmla="*/ 420450 w 424301"/>
+              <a:gd name="connsiteY3" fmla="*/ 430153 h 508154"/>
+              <a:gd name="connsiteX4" fmla="*/ 424301 w 424301"/>
+              <a:gd name="connsiteY4" fmla="*/ 442922 h 508154"/>
+              <a:gd name="connsiteX5" fmla="*/ 353444 w 424301"/>
+              <a:gd name="connsiteY5" fmla="*/ 508154 h 508154"/>
+              <a:gd name="connsiteX6" fmla="*/ 361109 w 424301"/>
+              <a:gd name="connsiteY6" fmla="*/ 488698 h 508154"/>
+              <a:gd name="connsiteX7" fmla="*/ 367220 w 424301"/>
+              <a:gd name="connsiteY7" fmla="*/ 463572 h 508154"/>
+              <a:gd name="connsiteX8" fmla="*/ 113895 w 424301"/>
+              <a:gd name="connsiteY8" fmla="*/ 205142 h 508154"/>
+              <a:gd name="connsiteX9" fmla="*/ 43294 w 424301"/>
+              <a:gd name="connsiteY9" fmla="*/ 304149 h 508154"/>
+              <a:gd name="connsiteX10" fmla="*/ 0 w 424301"/>
+              <a:gd name="connsiteY10" fmla="*/ 0 h 508154"/>
             </a:gdLst>
             <a:ahLst/>
             <a:cxnLst>
@@ -20621,55 +19888,59 @@
               <a:cxn ang="0">
                 <a:pos x="connsiteX9" y="connsiteY9"/>
               </a:cxn>
+              <a:cxn ang="0">
+                <a:pos x="connsiteX10" y="connsiteY10"/>
+              </a:cxn>
             </a:cxnLst>
             <a:rect l="l" t="t" r="r" b="b"/>
             <a:pathLst>
-              <a:path w="440462" h="700764">
+              <a:path w="424301" h="508154">
                 <a:moveTo>
-                  <a:pt x="50132" y="177404"/>
+                  <a:pt x="0" y="0"/>
                 </a:moveTo>
                 <a:cubicBezTo>
-                  <a:pt x="35939" y="95035"/>
-                  <a:pt x="92879" y="79158"/>
-                  <a:pt x="6838" y="0"/>
+                  <a:pt x="142918" y="99865"/>
+                  <a:pt x="152004" y="93293"/>
+                  <a:pt x="265662" y="156145"/>
                 </a:cubicBezTo>
                 <a:cubicBezTo>
-                  <a:pt x="149756" y="58249"/>
-                  <a:pt x="158842" y="54416"/>
-                  <a:pt x="272500" y="91076"/>
+                  <a:pt x="239397" y="156145"/>
+                  <a:pt x="177263" y="201669"/>
+                  <a:pt x="146204" y="164461"/>
                 </a:cubicBezTo>
                 <a:cubicBezTo>
-                  <a:pt x="246235" y="91076"/>
-                  <a:pt x="184101" y="117629"/>
-                  <a:pt x="153042" y="95927"/>
+                  <a:pt x="149132" y="272526"/>
+                  <a:pt x="364430" y="333790"/>
+                  <a:pt x="420450" y="430153"/>
+                </a:cubicBezTo>
+                <a:lnTo>
+                  <a:pt x="424301" y="442922"/>
+                </a:lnTo>
+                <a:lnTo>
+                  <a:pt x="353444" y="508154"/>
+                </a:lnTo>
+                <a:lnTo>
+                  <a:pt x="361109" y="488698"/>
+                </a:lnTo>
+                <a:cubicBezTo>
+                  <a:pt x="364473" y="478636"/>
+                  <a:pt x="366572" y="470179"/>
+                  <a:pt x="367220" y="463572"/>
                 </a:cubicBezTo>
                 <a:cubicBezTo>
-                  <a:pt x="156388" y="167963"/>
-                  <a:pt x="437116" y="204345"/>
-                  <a:pt x="440462" y="276381"/>
+                  <a:pt x="377575" y="357856"/>
+                  <a:pt x="127586" y="318767"/>
+                  <a:pt x="113895" y="205142"/>
                 </a:cubicBezTo>
                 <a:cubicBezTo>
-                  <a:pt x="352010" y="362797"/>
-                  <a:pt x="241354" y="464938"/>
-                  <a:pt x="191972" y="555727"/>
-                </a:cubicBezTo>
-                <a:lnTo>
-                  <a:pt x="702" y="700764"/>
-                </a:lnTo>
-                <a:cubicBezTo>
-                  <a:pt x="-18516" y="669864"/>
-                  <a:pt x="363703" y="332054"/>
-                  <a:pt x="374058" y="270392"/>
+                  <a:pt x="40306" y="255255"/>
+                  <a:pt x="88630" y="283919"/>
+                  <a:pt x="43294" y="304149"/>
                 </a:cubicBezTo>
                 <a:cubicBezTo>
-                  <a:pt x="384413" y="208730"/>
-                  <a:pt x="134424" y="185930"/>
-                  <a:pt x="120733" y="119655"/>
-                </a:cubicBezTo>
-                <a:cubicBezTo>
-                  <a:pt x="47144" y="148885"/>
-                  <a:pt x="95468" y="165604"/>
-                  <a:pt x="50132" y="177404"/>
+                  <a:pt x="29101" y="162932"/>
+                  <a:pt x="86041" y="135712"/>
+                  <a:pt x="0" y="0"/>
                 </a:cubicBezTo>
                 <a:close/>
               </a:path>
@@ -20699,7 +19970,9 @@
           </a:fontRef>
         </p:style>
         <p:txBody>
-          <a:bodyPr rtlCol="0" anchor="ctr"/>
+          <a:bodyPr wrap="square" rtlCol="0" anchor="ctr">
+            <a:noAutofit/>
+          </a:bodyPr>
           <a:lstStyle/>
           <a:p>
             <a:pPr algn="ctr"/>
@@ -20721,7 +19994,7 @@
         </p:nvSpPr>
         <p:spPr>
           <a:xfrm>
-            <a:off x="3463390" y="4382811"/>
+            <a:off x="4905356" y="4325885"/>
             <a:ext cx="2061304" cy="646331"/>
           </a:xfrm>
           <a:prstGeom prst="rect">
@@ -21765,7 +21038,7 @@
                                           </p:stCondLst>
                                         </p:cTn>
                                         <p:tgtEl>
-                                          <p:spTgt spid="162"/>
+                                          <p:spTgt spid="165"/>
                                         </p:tgtEl>
                                         <p:attrNameLst>
                                           <p:attrName>style.visibility</p:attrName>
@@ -21810,51 +21083,6 @@
                                           </p:stCondLst>
                                         </p:cTn>
                                         <p:tgtEl>
-                                          <p:spTgt spid="165"/>
-                                        </p:tgtEl>
-                                        <p:attrNameLst>
-                                          <p:attrName>style.visibility</p:attrName>
-                                        </p:attrNameLst>
-                                      </p:cBhvr>
-                                      <p:to>
-                                        <p:strVal val="visible"/>
-                                      </p:to>
-                                    </p:set>
-                                  </p:childTnLst>
-                                </p:cTn>
-                              </p:par>
-                            </p:childTnLst>
-                          </p:cTn>
-                        </p:par>
-                      </p:childTnLst>
-                    </p:cTn>
-                  </p:par>
-                  <p:par>
-                    <p:cTn id="83" fill="hold">
-                      <p:stCondLst>
-                        <p:cond delay="indefinite"/>
-                      </p:stCondLst>
-                      <p:childTnLst>
-                        <p:par>
-                          <p:cTn id="84" fill="hold">
-                            <p:stCondLst>
-                              <p:cond delay="0"/>
-                            </p:stCondLst>
-                            <p:childTnLst>
-                              <p:par>
-                                <p:cTn id="85" presetID="1" presetClass="entr" presetSubtype="0" fill="hold" nodeType="clickEffect">
-                                  <p:stCondLst>
-                                    <p:cond delay="0"/>
-                                  </p:stCondLst>
-                                  <p:childTnLst>
-                                    <p:set>
-                                      <p:cBhvr>
-                                        <p:cTn id="86" dur="1" fill="hold">
-                                          <p:stCondLst>
-                                            <p:cond delay="0"/>
-                                          </p:stCondLst>
-                                        </p:cTn>
-                                        <p:tgtEl>
                                           <p:spTgt spid="54"/>
                                         </p:tgtEl>
                                         <p:attrNameLst>
@@ -21869,20 +21097,20 @@
                                 </p:cTn>
                               </p:par>
                               <p:par>
-                                <p:cTn id="87" presetID="1" presetClass="entr" presetSubtype="0" fill="hold" grpId="0" nodeType="withEffect">
+                                <p:cTn id="83" presetID="1" presetClass="entr" presetSubtype="0" fill="hold" grpId="0" nodeType="withEffect">
                                   <p:stCondLst>
                                     <p:cond delay="0"/>
                                   </p:stCondLst>
                                   <p:childTnLst>
                                     <p:set>
                                       <p:cBhvr>
-                                        <p:cTn id="88" dur="1" fill="hold">
+                                        <p:cTn id="84" dur="1" fill="hold">
                                           <p:stCondLst>
                                             <p:cond delay="0"/>
                                           </p:stCondLst>
                                         </p:cTn>
                                         <p:tgtEl>
-                                          <p:spTgt spid="61"/>
+                                          <p:spTgt spid="62"/>
                                         </p:tgtEl>
                                         <p:attrNameLst>
                                           <p:attrName>style.visibility</p:attrName>
@@ -21896,20 +21124,20 @@
                                 </p:cTn>
                               </p:par>
                               <p:par>
-                                <p:cTn id="89" presetID="1" presetClass="entr" presetSubtype="0" fill="hold" grpId="0" nodeType="withEffect">
+                                <p:cTn id="85" presetID="1" presetClass="entr" presetSubtype="0" fill="hold" grpId="0" nodeType="withEffect">
                                   <p:stCondLst>
                                     <p:cond delay="0"/>
                                   </p:stCondLst>
                                   <p:childTnLst>
                                     <p:set>
                                       <p:cBhvr>
-                                        <p:cTn id="90" dur="1" fill="hold">
+                                        <p:cTn id="86" dur="1" fill="hold">
                                           <p:stCondLst>
                                             <p:cond delay="0"/>
                                           </p:stCondLst>
                                         </p:cTn>
                                         <p:tgtEl>
-                                          <p:spTgt spid="62"/>
+                                          <p:spTgt spid="33"/>
                                         </p:tgtEl>
                                         <p:attrNameLst>
                                           <p:attrName>style.visibility</p:attrName>
@@ -21951,7 +21179,7 @@
     </p:tnLst>
     <p:bldLst>
       <p:bldP spid="43" grpId="0"/>
-      <p:bldP spid="61" grpId="0" animBg="1"/>
+      <p:bldP spid="33" grpId="0" animBg="1"/>
       <p:bldP spid="62" grpId="0"/>
     </p:bldLst>
   </p:timing>
@@ -21959,7 +21187,7 @@
 </file>
 
 <file path=ppt/slides/slide19.xml><?xml version="1.0" encoding="utf-8"?>
-<p:sld xmlns:a="http://schemas.openxmlformats.org/drawingml/2006/main" xmlns:r="http://schemas.openxmlformats.org/officeDocument/2006/relationships" xmlns:p="http://schemas.openxmlformats.org/presentationml/2006/main" show="0">
+<p:sld xmlns:a="http://schemas.openxmlformats.org/drawingml/2006/main" xmlns:r="http://schemas.openxmlformats.org/officeDocument/2006/relationships" xmlns:p="http://schemas.openxmlformats.org/presentationml/2006/main">
   <p:cSld>
     <p:spTree>
       <p:nvGrpSpPr>
@@ -23603,6 +22831,46 @@
           <a:lstStyle/>
           <a:p>
             <a:r>
+              <a:rPr lang="en-US" b="1" dirty="0">
+                <a:solidFill>
+                  <a:schemeClr val="bg1">
+                    <a:lumMod val="65000"/>
+                  </a:schemeClr>
+                </a:solidFill>
+              </a:rPr>
+              <a:t>More visual proofs</a:t>
+            </a:r>
+            <a:endParaRPr lang="en-US" dirty="0">
+              <a:solidFill>
+                <a:schemeClr val="bg1">
+                  <a:lumMod val="65000"/>
+                </a:schemeClr>
+              </a:solidFill>
+            </a:endParaRPr>
+          </a:p>
+          <a:p>
+            <a:pPr lvl="1"/>
+            <a:r>
+              <a:rPr lang="en-US" dirty="0">
+                <a:solidFill>
+                  <a:schemeClr val="tx1">
+                    <a:lumMod val="50000"/>
+                    <a:lumOff val="50000"/>
+                  </a:schemeClr>
+                </a:solidFill>
+              </a:rPr>
+              <a:t>the Data-Processing Inequality, ELBO variants</a:t>
+            </a:r>
+            <a:endParaRPr lang="en-US" dirty="0">
+              <a:solidFill>
+                <a:schemeClr val="bg1">
+                  <a:lumMod val="65000"/>
+                </a:schemeClr>
+              </a:solidFill>
+            </a:endParaRPr>
+          </a:p>
+          <a:p>
+            <a:r>
               <a:rPr lang="en-US" dirty="0">
                 <a:solidFill>
                   <a:schemeClr val="bg1">
@@ -23636,8 +22904,8 @@
               <a:rPr lang="en-US" dirty="0">
                 <a:solidFill>
                   <a:schemeClr val="tx1">
-                    <a:lumMod val="75000"/>
-                    <a:lumOff val="25000"/>
+                    <a:lumMod val="65000"/>
+                    <a:lumOff val="35000"/>
                   </a:schemeClr>
                 </a:solidFill>
               </a:rPr>
@@ -23668,39 +22936,6 @@
           </a:p>
           <a:p>
             <a:r>
-              <a:rPr lang="en-US" b="1" dirty="0">
-                <a:solidFill>
-                  <a:schemeClr val="bg1">
-                    <a:lumMod val="65000"/>
-                  </a:schemeClr>
-                </a:solidFill>
-              </a:rPr>
-              <a:t>More visual proofs</a:t>
-            </a:r>
-            <a:endParaRPr lang="en-US" dirty="0">
-              <a:solidFill>
-                <a:schemeClr val="bg1">
-                  <a:lumMod val="65000"/>
-                </a:schemeClr>
-              </a:solidFill>
-            </a:endParaRPr>
-          </a:p>
-          <a:p>
-            <a:pPr lvl="1"/>
-            <a:r>
-              <a:rPr lang="en-US" dirty="0">
-                <a:solidFill>
-                  <a:schemeClr val="tx1">
-                    <a:lumMod val="75000"/>
-                    <a:lumOff val="25000"/>
-                  </a:schemeClr>
-                </a:solidFill>
-              </a:rPr>
-              <a:t>the Data-Processing Inequality</a:t>
-            </a:r>
-          </a:p>
-          <a:p>
-            <a:r>
               <a:rPr lang="en-US" dirty="0">
                 <a:solidFill>
                   <a:schemeClr val="bg1">
@@ -23726,8 +22961,8 @@
               <a:rPr lang="en-US" sz="2400" dirty="0">
                 <a:solidFill>
                   <a:schemeClr val="tx1">
-                    <a:lumMod val="75000"/>
-                    <a:lumOff val="25000"/>
+                    <a:lumMod val="50000"/>
+                    <a:lumOff val="50000"/>
                   </a:schemeClr>
                 </a:solidFill>
               </a:rPr>
@@ -30785,7 +30020,7 @@
             <a:pPr lvl="1"/>
             <a:r>
               <a:rPr lang="en-US" dirty="0"/>
-              <a:t>Works whole dataset                         at once   (if high confidence in data)</a:t>
+              <a:t>Works for whole dataset                         at once   (if high confidence in data)</a:t>
             </a:r>
             <a:endParaRPr lang="en-US" b="1" dirty="0"/>
           </a:p>
@@ -30890,7 +30125,7 @@
         </p:blipFill>
         <p:spPr bwMode="auto">
           <a:xfrm>
-            <a:off x="4315937" y="4879879"/>
+            <a:off x="4660392" y="4855901"/>
             <a:ext cx="1536748" cy="375650"/>
           </a:xfrm>
           <a:prstGeom prst="rect">
@@ -30969,8 +30204,8 @@
             </a:prstGeom>
           </p:spPr>
         </p:pic>
-        <mc:AlternateContent xmlns:mc="http://schemas.openxmlformats.org/markup-compatibility/2006">
-          <mc:Choice xmlns:a14="http://schemas.microsoft.com/office/drawing/2010/main" Requires="a14">
+        <mc:AlternateContent xmlns:mc="http://schemas.openxmlformats.org/markup-compatibility/2006" xmlns:a14="http://schemas.microsoft.com/office/drawing/2010/main">
+          <mc:Choice Requires="a14">
             <p:sp>
               <p:nvSpPr>
                 <p:cNvPr id="10" name="TextBox 9">
@@ -31051,7 +30286,7 @@
               </p:txBody>
             </p:sp>
           </mc:Choice>
-          <mc:Fallback>
+          <mc:Fallback xmlns="">
             <p:sp>
               <p:nvSpPr>
                 <p:cNvPr id="10" name="TextBox 9">
@@ -31836,6 +31071,33 @@
                                   </p:childTnLst>
                                 </p:cTn>
                               </p:par>
+                              <p:par>
+                                <p:cTn id="27" presetID="1" presetClass="entr" presetSubtype="0" fill="hold" nodeType="withEffect">
+                                  <p:stCondLst>
+                                    <p:cond delay="0"/>
+                                  </p:stCondLst>
+                                  <p:childTnLst>
+                                    <p:set>
+                                      <p:cBhvr>
+                                        <p:cTn id="28" dur="1" fill="hold">
+                                          <p:stCondLst>
+                                            <p:cond delay="0"/>
+                                          </p:stCondLst>
+                                        </p:cTn>
+                                        <p:tgtEl>
+                                          <p:spTgt spid="9"/>
+                                        </p:tgtEl>
+                                        <p:attrNameLst>
+                                          <p:attrName>style.visibility</p:attrName>
+                                        </p:attrNameLst>
+                                      </p:cBhvr>
+                                      <p:to>
+                                        <p:strVal val="visible"/>
+                                      </p:to>
+                                    </p:set>
+                                  </p:childTnLst>
+                                </p:cTn>
+                              </p:par>
                             </p:childTnLst>
                           </p:cTn>
                         </p:par>
